--- a/Presentation/that-is-all-folks.pptx
+++ b/Presentation/that-is-all-folks.pptx
@@ -5,12 +5,13 @@
     <p:sldMasterId id="2147483648" r:id="rId1"/>
   </p:sldMasterIdLst>
   <p:notesMasterIdLst>
-    <p:notesMasterId r:id="rId5"/>
+    <p:notesMasterId r:id="rId6"/>
   </p:notesMasterIdLst>
   <p:sldIdLst>
     <p:sldId id="257" r:id="rId2"/>
     <p:sldId id="261" r:id="rId3"/>
-    <p:sldId id="262" r:id="rId4"/>
+    <p:sldId id="263" r:id="rId4"/>
+    <p:sldId id="262" r:id="rId5"/>
   </p:sldIdLst>
   <p:sldSz cx="9144000" cy="6858000" type="screen4x3"/>
   <p:notesSz cx="6858000" cy="9144000"/>
@@ -194,7 +195,7 @@
           <a:p>
             <a:fld id="{B24A7054-7FFB-49F4-A126-5DF6E687FF53}" type="datetimeFigureOut">
               <a:rPr lang="ru-RU" smtClean="0"/>
-              <a:t>14.02.2013</a:t>
+              <a:t>27.03.2013</a:t>
             </a:fld>
             <a:endParaRPr lang="ru-RU"/>
           </a:p>
@@ -1476,7 +1477,7 @@
           <a:p>
             <a:fld id="{8E6E6A2A-E9D3-4A0D-B04A-ABDD367A1E08}" type="datetimeFigureOut">
               <a:rPr lang="ru-RU" smtClean="0"/>
-              <a:t>14.02.2013</a:t>
+              <a:t>27.03.2013</a:t>
             </a:fld>
             <a:endParaRPr lang="ru-RU"/>
           </a:p>
@@ -2921,7 +2922,7 @@
           <a:p>
             <a:fld id="{AC3D3127-B7C4-45E3-9797-C527EC9FDD78}" type="datetimeFigureOut">
               <a:rPr lang="ru-RU" smtClean="0"/>
-              <a:t>14.02.2013</a:t>
+              <a:t>27.03.2013</a:t>
             </a:fld>
             <a:endParaRPr lang="ru-RU"/>
           </a:p>
@@ -3520,7 +3521,15 @@
                   <a:schemeClr val="bg1"/>
                 </a:solidFill>
               </a:rPr>
-              <a:t>Что выбрать </a:t>
+              <a:t>Другие </a:t>
+            </a:r>
+            <a:r>
+              <a:rPr lang="ru-RU" sz="4400" dirty="0">
+                <a:solidFill>
+                  <a:schemeClr val="bg1"/>
+                </a:solidFill>
+              </a:rPr>
+              <a:t>курсы </a:t>
             </a:r>
             <a:r>
               <a:rPr lang="ru-RU" sz="4400" dirty="0" smtClean="0">
@@ -3528,7 +3537,7 @@
                   <a:schemeClr val="bg1"/>
                 </a:solidFill>
               </a:rPr>
-              <a:t>дальше (</a:t>
+              <a:t>БелХард по </a:t>
             </a:r>
             <a:r>
               <a:rPr lang="en-US" sz="4400" dirty="0" smtClean="0">
@@ -3536,15 +3545,7 @@
                   <a:schemeClr val="bg1"/>
                 </a:solidFill>
               </a:rPr>
-              <a:t>.NET)</a:t>
-            </a:r>
-            <a:r>
-              <a:rPr lang="ru-RU" sz="4400" dirty="0" smtClean="0">
-                <a:solidFill>
-                  <a:schemeClr val="bg1"/>
-                </a:solidFill>
-              </a:rPr>
-              <a:t>?</a:t>
+              <a:t>.NET</a:t>
             </a:r>
             <a:endParaRPr lang="en-US" sz="4400" dirty="0">
               <a:solidFill>
@@ -3562,8 +3563,8 @@
         </p:nvSpPr>
         <p:spPr>
           <a:xfrm>
-            <a:off x="251520" y="1052736"/>
-            <a:ext cx="8640960" cy="2062103"/>
+            <a:off x="251520" y="1450519"/>
+            <a:ext cx="8640960" cy="2554545"/>
           </a:xfrm>
           <a:prstGeom prst="rect">
             <a:avLst/>
@@ -3611,7 +3612,19 @@
             </a:pPr>
             <a:r>
               <a:rPr lang="ru-RU" sz="3200" dirty="0" smtClean="0"/>
-              <a:t>Сначала – «HTML </a:t>
+              <a:t>Перед этим </a:t>
+            </a:r>
+            <a:r>
+              <a:rPr lang="ru-RU" sz="3200" dirty="0" smtClean="0"/>
+              <a:t>рекомендуется </a:t>
+            </a:r>
+            <a:r>
+              <a:rPr lang="ru-RU" sz="3200" dirty="0" smtClean="0"/>
+              <a:t>– </a:t>
+            </a:r>
+            <a:r>
+              <a:rPr lang="ru-RU" sz="3200" dirty="0" smtClean="0"/>
+              <a:t>«HTML </a:t>
             </a:r>
             <a:r>
               <a:rPr lang="ru-RU" sz="3200" dirty="0"/>
@@ -3646,6 +3659,138 @@
 </file>
 
 <file path=ppt/slides/slide3.xml><?xml version="1.0" encoding="utf-8"?>
+<p:sld xmlns:a="http://schemas.openxmlformats.org/drawingml/2006/main" xmlns:r="http://schemas.openxmlformats.org/officeDocument/2006/relationships" xmlns:p="http://schemas.openxmlformats.org/presentationml/2006/main">
+  <p:cSld>
+    <p:spTree>
+      <p:nvGrpSpPr>
+        <p:cNvPr id="1" name=""/>
+        <p:cNvGrpSpPr/>
+        <p:nvPr/>
+      </p:nvGrpSpPr>
+      <p:grpSpPr>
+        <a:xfrm>
+          <a:off x="0" y="0"/>
+          <a:ext cx="0" cy="0"/>
+          <a:chOff x="0" y="0"/>
+          <a:chExt cx="0" cy="0"/>
+        </a:xfrm>
+      </p:grpSpPr>
+      <p:sp>
+        <p:nvSpPr>
+          <p:cNvPr id="2" name="Title 1"/>
+          <p:cNvSpPr>
+            <a:spLocks noGrp="1"/>
+          </p:cNvSpPr>
+          <p:nvPr>
+            <p:ph type="title"/>
+          </p:nvPr>
+        </p:nvSpPr>
+        <p:spPr/>
+        <p:txBody>
+          <a:bodyPr/>
+          <a:lstStyle/>
+          <a:p>
+            <a:r>
+              <a:rPr lang="ru-RU" dirty="0" smtClean="0"/>
+              <a:t>Подкасты</a:t>
+            </a:r>
+            <a:endParaRPr lang="en-US" dirty="0"/>
+          </a:p>
+        </p:txBody>
+      </p:sp>
+      <p:sp>
+        <p:nvSpPr>
+          <p:cNvPr id="3" name="Content Placeholder 2"/>
+          <p:cNvSpPr>
+            <a:spLocks noGrp="1"/>
+          </p:cNvSpPr>
+          <p:nvPr>
+            <p:ph idx="1"/>
+          </p:nvPr>
+        </p:nvSpPr>
+        <p:spPr/>
+        <p:txBody>
+          <a:bodyPr/>
+          <a:lstStyle/>
+          <a:p>
+            <a:r>
+              <a:rPr lang="en-US" dirty="0" err="1" smtClean="0"/>
+              <a:t>Hanselminutes</a:t>
+            </a:r>
+            <a:r>
+              <a:rPr lang="en-US" dirty="0" smtClean="0"/>
+              <a:t> (English)</a:t>
+            </a:r>
+            <a:r>
+              <a:rPr lang="en-US" dirty="0"/>
+              <a:t/>
+            </a:r>
+            <a:br>
+              <a:rPr lang="en-US" dirty="0"/>
+            </a:br>
+            <a:r>
+              <a:rPr lang="en-US" dirty="0">
+                <a:hlinkClick r:id="rId2"/>
+              </a:rPr>
+              <a:t>http://www.hanselminutes.com</a:t>
+            </a:r>
+            <a:r>
+              <a:rPr lang="en-US" dirty="0" smtClean="0">
+                <a:hlinkClick r:id="rId2"/>
+              </a:rPr>
+              <a:t>/</a:t>
+            </a:r>
+            <a:endParaRPr lang="en-US" dirty="0" smtClean="0"/>
+          </a:p>
+          <a:p>
+            <a:r>
+              <a:rPr lang="en-US" dirty="0"/>
+              <a:t>.NET Rocks</a:t>
+            </a:r>
+            <a:r>
+              <a:rPr lang="en-US" dirty="0" smtClean="0"/>
+              <a:t>! </a:t>
+            </a:r>
+            <a:r>
+              <a:rPr lang="en-US" dirty="0"/>
+              <a:t>(English)</a:t>
+            </a:r>
+            <a:br>
+              <a:rPr lang="en-US" dirty="0"/>
+            </a:br>
+            <a:r>
+              <a:rPr lang="en-US" dirty="0">
+                <a:hlinkClick r:id="rId3"/>
+              </a:rPr>
+              <a:t>http://www.dotnetrocks.com</a:t>
+            </a:r>
+            <a:r>
+              <a:rPr lang="en-US" dirty="0" smtClean="0">
+                <a:hlinkClick r:id="rId3"/>
+              </a:rPr>
+              <a:t>/</a:t>
+            </a:r>
+            <a:endParaRPr lang="en-US" dirty="0" smtClean="0"/>
+          </a:p>
+          <a:p>
+            <a:endParaRPr lang="en-US" dirty="0"/>
+          </a:p>
+        </p:txBody>
+      </p:sp>
+    </p:spTree>
+    <p:extLst>
+      <p:ext uri="{BB962C8B-B14F-4D97-AF65-F5344CB8AC3E}">
+        <p14:creationId xmlns:p14="http://schemas.microsoft.com/office/powerpoint/2010/main" val="2793566807"/>
+      </p:ext>
+    </p:extLst>
+  </p:cSld>
+  <p:clrMapOvr>
+    <a:masterClrMapping/>
+  </p:clrMapOvr>
+</p:sld>
+</file>
+
+<file path=ppt/slides/slide4.xml><?xml version="1.0" encoding="utf-8"?>
 <p:sld xmlns:a="http://schemas.openxmlformats.org/drawingml/2006/main" xmlns:r="http://schemas.openxmlformats.org/officeDocument/2006/relationships" xmlns:p="http://schemas.openxmlformats.org/presentationml/2006/main">
   <p:cSld>
     <p:bg>

--- a/Presentation/that-is-all-folks.pptx
+++ b/Presentation/that-is-all-folks.pptx
@@ -5,13 +5,18 @@
     <p:sldMasterId id="2147483648" r:id="rId1"/>
   </p:sldMasterIdLst>
   <p:notesMasterIdLst>
-    <p:notesMasterId r:id="rId6"/>
+    <p:notesMasterId r:id="rId11"/>
   </p:notesMasterIdLst>
   <p:sldIdLst>
     <p:sldId id="257" r:id="rId2"/>
     <p:sldId id="261" r:id="rId3"/>
-    <p:sldId id="263" r:id="rId4"/>
-    <p:sldId id="262" r:id="rId5"/>
+    <p:sldId id="265" r:id="rId4"/>
+    <p:sldId id="264" r:id="rId5"/>
+    <p:sldId id="266" r:id="rId6"/>
+    <p:sldId id="267" r:id="rId7"/>
+    <p:sldId id="268" r:id="rId8"/>
+    <p:sldId id="269" r:id="rId9"/>
+    <p:sldId id="262" r:id="rId10"/>
   </p:sldIdLst>
   <p:sldSz cx="9144000" cy="6858000" type="screen4x3"/>
   <p:notesSz cx="6858000" cy="9144000"/>
@@ -195,7 +200,7 @@
           <a:p>
             <a:fld id="{B24A7054-7FFB-49F4-A126-5DF6E687FF53}" type="datetimeFigureOut">
               <a:rPr lang="ru-RU" smtClean="0"/>
-              <a:t>27.03.2013</a:t>
+              <a:t>30.04.2013</a:t>
             </a:fld>
             <a:endParaRPr lang="ru-RU"/>
           </a:p>
@@ -1477,7 +1482,7 @@
           <a:p>
             <a:fld id="{8E6E6A2A-E9D3-4A0D-B04A-ABDD367A1E08}" type="datetimeFigureOut">
               <a:rPr lang="ru-RU" smtClean="0"/>
-              <a:t>27.03.2013</a:t>
+              <a:t>30.04.2013</a:t>
             </a:fld>
             <a:endParaRPr lang="ru-RU"/>
           </a:p>
@@ -2922,7 +2927,7 @@
           <a:p>
             <a:fld id="{AC3D3127-B7C4-45E3-9797-C527EC9FDD78}" type="datetimeFigureOut">
               <a:rPr lang="ru-RU" smtClean="0"/>
-              <a:t>27.03.2013</a:t>
+              <a:t>30.04.2013</a:t>
             </a:fld>
             <a:endParaRPr lang="ru-RU"/>
           </a:p>
@@ -3582,14 +3587,36 @@
               <a:buChar char="•"/>
             </a:pPr>
             <a:r>
+              <a:rPr lang="ru-RU" sz="3200" dirty="0" smtClean="0"/>
+              <a:t>Создание </a:t>
+            </a:r>
+            <a:r>
               <a:rPr lang="ru-RU" sz="3200" dirty="0"/>
-              <a:t>Windows Phone 7: проектирование и разработка </a:t>
-            </a:r>
+              <a:t>веб-приложений в </a:t>
+            </a:r>
+            <a:r>
+              <a:rPr lang="en-US" sz="3200" dirty="0" smtClean="0"/>
+              <a:t>ASP.NET</a:t>
+            </a:r>
+          </a:p>
+          <a:p>
+            <a:pPr marL="914400" lvl="1" indent="-457200">
+              <a:buFont typeface="Arial" pitchFamily="34" charset="0"/>
+              <a:buChar char="•"/>
+            </a:pPr>
             <a:r>
               <a:rPr lang="ru-RU" sz="3200" dirty="0" smtClean="0"/>
-              <a:t>приложений</a:t>
-            </a:r>
-            <a:endParaRPr lang="en-US" sz="3200" dirty="0" smtClean="0"/>
+              <a:t>Перед этим рекомендуется – «HTML </a:t>
+            </a:r>
+            <a:r>
+              <a:rPr lang="ru-RU" sz="3200" dirty="0"/>
+              <a:t>и CSS. Секреты вёрстки</a:t>
+            </a:r>
+            <a:r>
+              <a:rPr lang="ru-RU" sz="3200" dirty="0" smtClean="0"/>
+              <a:t>.»</a:t>
+            </a:r>
+            <a:endParaRPr lang="ru-RU" sz="3200" dirty="0"/>
           </a:p>
           <a:p>
             <a:pPr marL="457200" indent="-457200">
@@ -3598,43 +3625,8 @@
             </a:pPr>
             <a:r>
               <a:rPr lang="ru-RU" sz="3200" dirty="0"/>
-              <a:t>Создание веб-приложений в </a:t>
-            </a:r>
-            <a:r>
-              <a:rPr lang="en-US" sz="3200" dirty="0" smtClean="0"/>
-              <a:t>ASP.NET</a:t>
-            </a:r>
-          </a:p>
-          <a:p>
-            <a:pPr marL="914400" lvl="1" indent="-457200">
-              <a:buFont typeface="Arial" pitchFamily="34" charset="0"/>
-              <a:buChar char="•"/>
-            </a:pPr>
-            <a:r>
-              <a:rPr lang="ru-RU" sz="3200" dirty="0" smtClean="0"/>
-              <a:t>Перед этим </a:t>
-            </a:r>
-            <a:r>
-              <a:rPr lang="ru-RU" sz="3200" dirty="0" smtClean="0"/>
-              <a:t>рекомендуется </a:t>
-            </a:r>
-            <a:r>
-              <a:rPr lang="ru-RU" sz="3200" dirty="0" smtClean="0"/>
-              <a:t>– </a:t>
-            </a:r>
-            <a:r>
-              <a:rPr lang="ru-RU" sz="3200" dirty="0" smtClean="0"/>
-              <a:t>«HTML </a:t>
-            </a:r>
-            <a:r>
-              <a:rPr lang="ru-RU" sz="3200" dirty="0"/>
-              <a:t>и CSS. Секреты вёрстки</a:t>
-            </a:r>
-            <a:r>
-              <a:rPr lang="ru-RU" sz="3200" dirty="0" smtClean="0"/>
-              <a:t>.»</a:t>
-            </a:r>
-            <a:endParaRPr lang="en-US" sz="3200" dirty="0" smtClean="0"/>
+              <a:t>Windows Phone 7: проектирование и разработка приложений</a:t>
+            </a:r>
           </a:p>
         </p:txBody>
       </p:sp>
@@ -3677,6 +3669,163 @@
       </p:grpSpPr>
       <p:sp>
         <p:nvSpPr>
+          <p:cNvPr id="3" name="Rectangle 2"/>
+          <p:cNvSpPr/>
+          <p:nvPr/>
+        </p:nvSpPr>
+        <p:spPr>
+          <a:xfrm>
+            <a:off x="251520" y="188640"/>
+            <a:ext cx="8640960" cy="769441"/>
+          </a:xfrm>
+          <a:prstGeom prst="rect">
+            <a:avLst/>
+          </a:prstGeom>
+        </p:spPr>
+        <p:txBody>
+          <a:bodyPr wrap="square">
+            <a:spAutoFit/>
+          </a:bodyPr>
+          <a:lstStyle/>
+          <a:p>
+            <a:pPr lvl="0" algn="ctr"/>
+            <a:r>
+              <a:rPr lang="ru-RU" sz="4400" dirty="0" smtClean="0">
+                <a:solidFill>
+                  <a:schemeClr val="bg1"/>
+                </a:solidFill>
+              </a:rPr>
+              <a:t>Еще курсы БелХард</a:t>
+            </a:r>
+            <a:endParaRPr lang="en-US" sz="4400" dirty="0">
+              <a:solidFill>
+                <a:schemeClr val="bg1"/>
+              </a:solidFill>
+            </a:endParaRPr>
+          </a:p>
+        </p:txBody>
+      </p:sp>
+      <p:sp>
+        <p:nvSpPr>
+          <p:cNvPr id="2" name="TextBox 1"/>
+          <p:cNvSpPr txBox="1"/>
+          <p:nvPr/>
+        </p:nvSpPr>
+        <p:spPr>
+          <a:xfrm>
+            <a:off x="251520" y="1450519"/>
+            <a:ext cx="8640960" cy="2062103"/>
+          </a:xfrm>
+          <a:prstGeom prst="rect">
+            <a:avLst/>
+          </a:prstGeom>
+          <a:noFill/>
+        </p:spPr>
+        <p:txBody>
+          <a:bodyPr wrap="square" rtlCol="0">
+            <a:spAutoFit/>
+          </a:bodyPr>
+          <a:lstStyle/>
+          <a:p>
+            <a:pPr marL="457200" indent="-457200">
+              <a:buFont typeface="Arial" pitchFamily="34" charset="0"/>
+              <a:buChar char="•"/>
+            </a:pPr>
+            <a:r>
+              <a:rPr lang="en-US" sz="3200" dirty="0" smtClean="0"/>
+              <a:t>C, C++</a:t>
+            </a:r>
+          </a:p>
+          <a:p>
+            <a:pPr marL="457200" indent="-457200">
+              <a:buFont typeface="Arial" pitchFamily="34" charset="0"/>
+              <a:buChar char="•"/>
+            </a:pPr>
+            <a:r>
+              <a:rPr lang="en-US" sz="3200" dirty="0" smtClean="0"/>
+              <a:t>Java – </a:t>
+            </a:r>
+            <a:r>
+              <a:rPr lang="ru-RU" sz="3200" dirty="0" smtClean="0"/>
+              <a:t>основы и продвинутый курс</a:t>
+            </a:r>
+            <a:endParaRPr lang="en-US" sz="3200" dirty="0" smtClean="0"/>
+          </a:p>
+          <a:p>
+            <a:pPr marL="457200" indent="-457200">
+              <a:buFont typeface="Arial" pitchFamily="34" charset="0"/>
+              <a:buChar char="•"/>
+            </a:pPr>
+            <a:r>
+              <a:rPr lang="ru-RU" sz="3200" dirty="0" smtClean="0"/>
+              <a:t>Мобильные приложения – </a:t>
+            </a:r>
+            <a:r>
+              <a:rPr lang="en-US" sz="3200" dirty="0" smtClean="0"/>
+              <a:t>Android </a:t>
+            </a:r>
+            <a:r>
+              <a:rPr lang="ru-RU" sz="3200" dirty="0" smtClean="0"/>
+              <a:t>и </a:t>
+            </a:r>
+            <a:r>
+              <a:rPr lang="en-US" sz="3200" dirty="0" smtClean="0"/>
+              <a:t>iPhone</a:t>
+            </a:r>
+            <a:endParaRPr lang="ru-RU" sz="3200" dirty="0" smtClean="0"/>
+          </a:p>
+          <a:p>
+            <a:pPr marL="457200" indent="-457200">
+              <a:buFont typeface="Arial" pitchFamily="34" charset="0"/>
+              <a:buChar char="•"/>
+            </a:pPr>
+            <a:r>
+              <a:rPr lang="ru-RU" sz="3200" dirty="0" smtClean="0"/>
+              <a:t>Тестирование приложений</a:t>
+            </a:r>
+            <a:endParaRPr lang="ru-RU" sz="3200" dirty="0"/>
+          </a:p>
+        </p:txBody>
+      </p:sp>
+    </p:spTree>
+    <p:extLst>
+      <p:ext uri="{BB962C8B-B14F-4D97-AF65-F5344CB8AC3E}">
+        <p14:creationId xmlns:p14="http://schemas.microsoft.com/office/powerpoint/2010/main" val="1126659838"/>
+      </p:ext>
+    </p:extLst>
+  </p:cSld>
+  <p:clrMapOvr>
+    <a:masterClrMapping/>
+  </p:clrMapOvr>
+  <p:timing>
+    <p:tnLst>
+      <p:par>
+        <p:cTn id="1" dur="indefinite" restart="never" nodeType="tmRoot"/>
+      </p:par>
+    </p:tnLst>
+  </p:timing>
+</p:sld>
+</file>
+
+<file path=ppt/slides/slide4.xml><?xml version="1.0" encoding="utf-8"?>
+<p:sld xmlns:a="http://schemas.openxmlformats.org/drawingml/2006/main" xmlns:r="http://schemas.openxmlformats.org/officeDocument/2006/relationships" xmlns:p="http://schemas.openxmlformats.org/presentationml/2006/main">
+  <p:cSld>
+    <p:spTree>
+      <p:nvGrpSpPr>
+        <p:cNvPr id="1" name=""/>
+        <p:cNvGrpSpPr/>
+        <p:nvPr/>
+      </p:nvGrpSpPr>
+      <p:grpSpPr>
+        <a:xfrm>
+          <a:off x="0" y="0"/>
+          <a:ext cx="0" cy="0"/>
+          <a:chOff x="0" y="0"/>
+          <a:chExt cx="0" cy="0"/>
+        </a:xfrm>
+      </p:grpSpPr>
+      <p:sp>
+        <p:nvSpPr>
           <p:cNvPr id="2" name="Title 1"/>
           <p:cNvSpPr>
             <a:spLocks noGrp="1"/>
@@ -3692,9 +3841,9 @@
           <a:p>
             <a:r>
               <a:rPr lang="ru-RU" dirty="0" smtClean="0"/>
-              <a:t>Подкасты</a:t>
-            </a:r>
-            <a:endParaRPr lang="en-US" dirty="0"/>
+              <a:t>Что делать дальше?</a:t>
+            </a:r>
+            <a:endParaRPr lang="ru-RU" dirty="0"/>
           </a:p>
         </p:txBody>
       </p:sp>
@@ -3710,6 +3859,526 @@
         </p:nvSpPr>
         <p:spPr/>
         <p:txBody>
+          <a:bodyPr>
+            <a:normAutofit fontScale="92500" lnSpcReduction="20000"/>
+          </a:bodyPr>
+          <a:lstStyle/>
+          <a:p>
+            <a:r>
+              <a:rPr lang="ru-RU" dirty="0"/>
+              <a:t>Программируйте</a:t>
+            </a:r>
+            <a:r>
+              <a:rPr lang="ru-RU" dirty="0" smtClean="0"/>
+              <a:t>!</a:t>
+            </a:r>
+          </a:p>
+          <a:p>
+            <a:endParaRPr lang="ru-RU" dirty="0" smtClean="0"/>
+          </a:p>
+          <a:p>
+            <a:r>
+              <a:rPr lang="ru-RU" dirty="0" smtClean="0"/>
+              <a:t>Читайте книги и блоги</a:t>
+            </a:r>
+            <a:r>
+              <a:rPr lang="en-US" dirty="0" smtClean="0"/>
+              <a:t>;</a:t>
+            </a:r>
+            <a:endParaRPr lang="ru-RU" dirty="0" smtClean="0"/>
+          </a:p>
+          <a:p>
+            <a:r>
+              <a:rPr lang="ru-RU" dirty="0" smtClean="0"/>
+              <a:t>Смотрите обучающие видео</a:t>
+            </a:r>
+            <a:r>
+              <a:rPr lang="en-US" dirty="0" smtClean="0"/>
+              <a:t>;</a:t>
+            </a:r>
+            <a:endParaRPr lang="ru-RU" dirty="0" smtClean="0"/>
+          </a:p>
+          <a:p>
+            <a:r>
+              <a:rPr lang="ru-RU" dirty="0" smtClean="0"/>
+              <a:t>Слушайте подкасты</a:t>
+            </a:r>
+            <a:r>
+              <a:rPr lang="en-US" dirty="0" smtClean="0"/>
+              <a:t>;</a:t>
+            </a:r>
+            <a:endParaRPr lang="ru-RU" dirty="0" smtClean="0"/>
+          </a:p>
+          <a:p>
+            <a:r>
+              <a:rPr lang="ru-RU" dirty="0" smtClean="0"/>
+              <a:t>Посещайте конференции, пользовательские группы, хакатоны и т.п. события</a:t>
+            </a:r>
+            <a:r>
+              <a:rPr lang="en-US" dirty="0" smtClean="0"/>
+              <a:t>;</a:t>
+            </a:r>
+            <a:endParaRPr lang="ru-RU" dirty="0" smtClean="0"/>
+          </a:p>
+          <a:p>
+            <a:r>
+              <a:rPr lang="ru-RU" dirty="0" smtClean="0"/>
+              <a:t>Не забывайте что кроме </a:t>
+            </a:r>
+            <a:r>
+              <a:rPr lang="en-US" dirty="0" smtClean="0"/>
+              <a:t>.NET/C#</a:t>
+            </a:r>
+            <a:r>
+              <a:rPr lang="ru-RU" dirty="0" smtClean="0"/>
+              <a:t> есть и другие платформы и языки программирования.</a:t>
+            </a:r>
+            <a:r>
+              <a:rPr lang="en-US" dirty="0" smtClean="0"/>
+              <a:t> </a:t>
+            </a:r>
+            <a:r>
+              <a:rPr lang="ru-RU" dirty="0" smtClean="0"/>
+              <a:t>Изучайте их.</a:t>
+            </a:r>
+          </a:p>
+          <a:p>
+            <a:endParaRPr lang="ru-RU" dirty="0" smtClean="0"/>
+          </a:p>
+          <a:p>
+            <a:endParaRPr lang="ru-RU" dirty="0"/>
+          </a:p>
+        </p:txBody>
+      </p:sp>
+    </p:spTree>
+    <p:extLst>
+      <p:ext uri="{BB962C8B-B14F-4D97-AF65-F5344CB8AC3E}">
+        <p14:creationId xmlns:p14="http://schemas.microsoft.com/office/powerpoint/2010/main" val="1949458573"/>
+      </p:ext>
+    </p:extLst>
+  </p:cSld>
+  <p:clrMapOvr>
+    <a:masterClrMapping/>
+  </p:clrMapOvr>
+  <p:timing>
+    <p:tnLst>
+      <p:par>
+        <p:cTn id="1" dur="indefinite" restart="never" nodeType="tmRoot"/>
+      </p:par>
+    </p:tnLst>
+  </p:timing>
+</p:sld>
+</file>
+
+<file path=ppt/slides/slide5.xml><?xml version="1.0" encoding="utf-8"?>
+<p:sld xmlns:a="http://schemas.openxmlformats.org/drawingml/2006/main" xmlns:r="http://schemas.openxmlformats.org/officeDocument/2006/relationships" xmlns:p="http://schemas.openxmlformats.org/presentationml/2006/main">
+  <p:cSld>
+    <p:spTree>
+      <p:nvGrpSpPr>
+        <p:cNvPr id="1" name=""/>
+        <p:cNvGrpSpPr/>
+        <p:nvPr/>
+      </p:nvGrpSpPr>
+      <p:grpSpPr>
+        <a:xfrm>
+          <a:off x="0" y="0"/>
+          <a:ext cx="0" cy="0"/>
+          <a:chOff x="0" y="0"/>
+          <a:chExt cx="0" cy="0"/>
+        </a:xfrm>
+      </p:grpSpPr>
+      <p:sp>
+        <p:nvSpPr>
+          <p:cNvPr id="2" name="Title 1"/>
+          <p:cNvSpPr>
+            <a:spLocks noGrp="1"/>
+          </p:cNvSpPr>
+          <p:nvPr>
+            <p:ph type="title"/>
+          </p:nvPr>
+        </p:nvSpPr>
+        <p:spPr>
+          <a:xfrm>
+            <a:off x="107504" y="116632"/>
+            <a:ext cx="8928992" cy="648072"/>
+          </a:xfrm>
+        </p:spPr>
+        <p:txBody>
+          <a:bodyPr>
+            <a:normAutofit fontScale="90000"/>
+          </a:bodyPr>
+          <a:lstStyle/>
+          <a:p>
+            <a:r>
+              <a:rPr lang="ru-RU" dirty="0" smtClean="0">
+                <a:solidFill>
+                  <a:schemeClr val="bg1"/>
+                </a:solidFill>
+              </a:rPr>
+              <a:t>Блоги</a:t>
+            </a:r>
+            <a:endParaRPr lang="en-US" dirty="0">
+              <a:solidFill>
+                <a:schemeClr val="bg1"/>
+              </a:solidFill>
+            </a:endParaRPr>
+          </a:p>
+        </p:txBody>
+      </p:sp>
+      <p:sp>
+        <p:nvSpPr>
+          <p:cNvPr id="3" name="Content Placeholder 2"/>
+          <p:cNvSpPr>
+            <a:spLocks noGrp="1"/>
+          </p:cNvSpPr>
+          <p:nvPr>
+            <p:ph idx="1"/>
+          </p:nvPr>
+        </p:nvSpPr>
+        <p:spPr>
+          <a:xfrm>
+            <a:off x="457200" y="764704"/>
+            <a:ext cx="8229600" cy="5361459"/>
+          </a:xfrm>
+        </p:spPr>
+        <p:txBody>
+          <a:bodyPr>
+            <a:normAutofit fontScale="92500" lnSpcReduction="10000"/>
+          </a:bodyPr>
+          <a:lstStyle/>
+          <a:p>
+            <a:r>
+              <a:rPr lang="en-US" dirty="0" smtClean="0">
+                <a:solidFill>
+                  <a:schemeClr val="bg1"/>
+                </a:solidFill>
+              </a:rPr>
+              <a:t>.</a:t>
+            </a:r>
+            <a:r>
+              <a:rPr lang="en-US" dirty="0">
+                <a:solidFill>
+                  <a:schemeClr val="bg1"/>
+                </a:solidFill>
+              </a:rPr>
+              <a:t>NET Framework Blog</a:t>
+            </a:r>
+            <a:r>
+              <a:rPr lang="ru-RU" dirty="0">
+                <a:solidFill>
+                  <a:schemeClr val="bg1"/>
+                </a:solidFill>
+              </a:rPr>
+              <a:t>: </a:t>
+            </a:r>
+            <a:r>
+              <a:rPr lang="en-US" dirty="0">
+                <a:solidFill>
+                  <a:schemeClr val="bg1"/>
+                </a:solidFill>
+                <a:hlinkClick r:id="rId2"/>
+              </a:rPr>
+              <a:t>http://blogs.msdn.com/b/dotnet/</a:t>
+            </a:r>
+            <a:endParaRPr lang="ru-RU" dirty="0">
+              <a:solidFill>
+                <a:schemeClr val="bg1"/>
+              </a:solidFill>
+            </a:endParaRPr>
+          </a:p>
+          <a:p>
+            <a:r>
+              <a:rPr lang="en-US" dirty="0">
+                <a:solidFill>
+                  <a:schemeClr val="bg1"/>
+                </a:solidFill>
+              </a:rPr>
+              <a:t>Base Class Library (BCL) Blog</a:t>
+            </a:r>
+            <a:r>
+              <a:rPr lang="ru-RU" dirty="0">
+                <a:solidFill>
+                  <a:schemeClr val="bg1"/>
+                </a:solidFill>
+              </a:rPr>
+              <a:t>: </a:t>
+            </a:r>
+            <a:r>
+              <a:rPr lang="en-US" dirty="0">
+                <a:solidFill>
+                  <a:schemeClr val="bg1"/>
+                </a:solidFill>
+                <a:hlinkClick r:id="rId3"/>
+              </a:rPr>
+              <a:t>http://blogs.msdn.com/b/bclteam/</a:t>
+            </a:r>
+            <a:endParaRPr lang="ru-RU" dirty="0">
+              <a:solidFill>
+                <a:schemeClr val="bg1"/>
+              </a:solidFill>
+            </a:endParaRPr>
+          </a:p>
+          <a:p>
+            <a:r>
+              <a:rPr lang="en-US" dirty="0">
+                <a:solidFill>
+                  <a:schemeClr val="bg1"/>
+                </a:solidFill>
+              </a:rPr>
+              <a:t>ADO.NET Blog</a:t>
+            </a:r>
+            <a:r>
+              <a:rPr lang="ru-RU" dirty="0">
+                <a:solidFill>
+                  <a:schemeClr val="bg1"/>
+                </a:solidFill>
+              </a:rPr>
+              <a:t>: </a:t>
+            </a:r>
+            <a:r>
+              <a:rPr lang="en-US" dirty="0">
+                <a:solidFill>
+                  <a:schemeClr val="bg1"/>
+                </a:solidFill>
+                <a:hlinkClick r:id="rId4"/>
+              </a:rPr>
+              <a:t>http://blogs.msdn.com/b/adonet/</a:t>
+            </a:r>
+            <a:endParaRPr lang="ru-RU" dirty="0">
+              <a:solidFill>
+                <a:schemeClr val="bg1"/>
+              </a:solidFill>
+            </a:endParaRPr>
+          </a:p>
+          <a:p>
+            <a:r>
+              <a:rPr lang="en-US" dirty="0">
+                <a:solidFill>
+                  <a:schemeClr val="bg1"/>
+                </a:solidFill>
+              </a:rPr>
+              <a:t>Parallel Programming with .NET</a:t>
+            </a:r>
+            <a:r>
+              <a:rPr lang="ru-RU" dirty="0">
+                <a:solidFill>
+                  <a:schemeClr val="bg1"/>
+                </a:solidFill>
+              </a:rPr>
+              <a:t>: </a:t>
+            </a:r>
+            <a:r>
+              <a:rPr lang="en-US" dirty="0">
+                <a:solidFill>
+                  <a:schemeClr val="bg1"/>
+                </a:solidFill>
+                <a:hlinkClick r:id="rId5"/>
+              </a:rPr>
+              <a:t>http://blogs.msdn.com/b/pfxteam/</a:t>
+            </a:r>
+            <a:endParaRPr lang="ru-RU" dirty="0">
+              <a:solidFill>
+                <a:schemeClr val="bg1"/>
+              </a:solidFill>
+            </a:endParaRPr>
+          </a:p>
+          <a:p>
+            <a:r>
+              <a:rPr lang="ru-RU" dirty="0">
+                <a:solidFill>
+                  <a:schemeClr val="bg1"/>
+                </a:solidFill>
+              </a:rPr>
+              <a:t>С</a:t>
+            </a:r>
+            <a:r>
+              <a:rPr lang="en-US" dirty="0">
+                <a:solidFill>
+                  <a:schemeClr val="bg1"/>
+                </a:solidFill>
+              </a:rPr>
+              <a:t># Little Wonders</a:t>
+            </a:r>
+            <a:r>
+              <a:rPr lang="ru-RU" dirty="0">
+                <a:solidFill>
+                  <a:schemeClr val="bg1"/>
+                </a:solidFill>
+              </a:rPr>
+              <a:t> -</a:t>
+            </a:r>
+            <a:r>
+              <a:rPr lang="en-US" dirty="0">
+                <a:solidFill>
+                  <a:schemeClr val="bg1"/>
+                </a:solidFill>
+              </a:rPr>
+              <a:t> </a:t>
+            </a:r>
+            <a:r>
+              <a:rPr lang="en-US" dirty="0">
+                <a:solidFill>
+                  <a:schemeClr val="bg1"/>
+                </a:solidFill>
+                <a:hlinkClick r:id="rId6"/>
+              </a:rPr>
+              <a:t>http://</a:t>
+            </a:r>
+            <a:r>
+              <a:rPr lang="en-US" dirty="0" smtClean="0">
+                <a:solidFill>
+                  <a:schemeClr val="bg1"/>
+                </a:solidFill>
+                <a:hlinkClick r:id="rId6"/>
+              </a:rPr>
+              <a:t>blackrabbitcoder.net/category/11989.aspx</a:t>
+            </a:r>
+            <a:endParaRPr lang="ru-RU" dirty="0" smtClean="0">
+              <a:solidFill>
+                <a:schemeClr val="bg1"/>
+              </a:solidFill>
+            </a:endParaRPr>
+          </a:p>
+          <a:p>
+            <a:r>
+              <a:rPr lang="en-US" dirty="0" smtClean="0">
+                <a:solidFill>
+                  <a:schemeClr val="bg1"/>
+                </a:solidFill>
+              </a:rPr>
+              <a:t>Scott </a:t>
+            </a:r>
+            <a:r>
+              <a:rPr lang="en-US" dirty="0" err="1" smtClean="0">
+                <a:solidFill>
+                  <a:schemeClr val="bg1"/>
+                </a:solidFill>
+              </a:rPr>
+              <a:t>Hanselman</a:t>
+            </a:r>
+            <a:r>
+              <a:rPr lang="en-US" dirty="0">
+                <a:solidFill>
+                  <a:schemeClr val="bg1"/>
+                </a:solidFill>
+              </a:rPr>
+              <a:t> - </a:t>
+            </a:r>
+            <a:r>
+              <a:rPr lang="en-US" dirty="0">
+                <a:solidFill>
+                  <a:schemeClr val="bg1"/>
+                </a:solidFill>
+                <a:hlinkClick r:id="rId7"/>
+              </a:rPr>
+              <a:t>http://www.hanselman.com/blog</a:t>
+            </a:r>
+            <a:r>
+              <a:rPr lang="en-US" dirty="0" smtClean="0">
+                <a:solidFill>
+                  <a:schemeClr val="bg1"/>
+                </a:solidFill>
+                <a:hlinkClick r:id="rId7"/>
+              </a:rPr>
+              <a:t>/</a:t>
+            </a:r>
+            <a:endParaRPr lang="en-US" dirty="0" smtClean="0">
+              <a:solidFill>
+                <a:schemeClr val="bg1"/>
+              </a:solidFill>
+            </a:endParaRPr>
+          </a:p>
+          <a:p>
+            <a:endParaRPr lang="ru-RU" dirty="0">
+              <a:solidFill>
+                <a:schemeClr val="bg1"/>
+              </a:solidFill>
+            </a:endParaRPr>
+          </a:p>
+          <a:p>
+            <a:pPr marL="457200" lvl="1" indent="0">
+              <a:buNone/>
+            </a:pPr>
+            <a:endParaRPr lang="en-US" dirty="0">
+              <a:solidFill>
+                <a:schemeClr val="bg1"/>
+              </a:solidFill>
+            </a:endParaRPr>
+          </a:p>
+        </p:txBody>
+      </p:sp>
+    </p:spTree>
+    <p:extLst>
+      <p:ext uri="{BB962C8B-B14F-4D97-AF65-F5344CB8AC3E}">
+        <p14:creationId xmlns:p14="http://schemas.microsoft.com/office/powerpoint/2010/main" val="2211951054"/>
+      </p:ext>
+    </p:extLst>
+  </p:cSld>
+  <p:clrMapOvr>
+    <a:masterClrMapping/>
+  </p:clrMapOvr>
+  <p:timing>
+    <p:tnLst>
+      <p:par>
+        <p:cTn id="1" dur="indefinite" restart="never" nodeType="tmRoot"/>
+      </p:par>
+    </p:tnLst>
+  </p:timing>
+</p:sld>
+</file>
+
+<file path=ppt/slides/slide6.xml><?xml version="1.0" encoding="utf-8"?>
+<p:sld xmlns:a="http://schemas.openxmlformats.org/drawingml/2006/main" xmlns:r="http://schemas.openxmlformats.org/officeDocument/2006/relationships" xmlns:p="http://schemas.openxmlformats.org/presentationml/2006/main">
+  <p:cSld>
+    <p:spTree>
+      <p:nvGrpSpPr>
+        <p:cNvPr id="1" name=""/>
+        <p:cNvGrpSpPr/>
+        <p:nvPr/>
+      </p:nvGrpSpPr>
+      <p:grpSpPr>
+        <a:xfrm>
+          <a:off x="0" y="0"/>
+          <a:ext cx="0" cy="0"/>
+          <a:chOff x="0" y="0"/>
+          <a:chExt cx="0" cy="0"/>
+        </a:xfrm>
+      </p:grpSpPr>
+      <p:sp>
+        <p:nvSpPr>
+          <p:cNvPr id="2" name="Title 1"/>
+          <p:cNvSpPr>
+            <a:spLocks noGrp="1"/>
+          </p:cNvSpPr>
+          <p:nvPr>
+            <p:ph type="title"/>
+          </p:nvPr>
+        </p:nvSpPr>
+        <p:spPr/>
+        <p:txBody>
+          <a:bodyPr/>
+          <a:lstStyle/>
+          <a:p>
+            <a:r>
+              <a:rPr lang="ru-RU" dirty="0" smtClean="0"/>
+              <a:t>Подкасты</a:t>
+            </a:r>
+            <a:endParaRPr lang="en-US" dirty="0"/>
+          </a:p>
+        </p:txBody>
+      </p:sp>
+      <p:sp>
+        <p:nvSpPr>
+          <p:cNvPr id="3" name="Content Placeholder 2"/>
+          <p:cNvSpPr>
+            <a:spLocks noGrp="1"/>
+          </p:cNvSpPr>
+          <p:nvPr>
+            <p:ph idx="1"/>
+          </p:nvPr>
+        </p:nvSpPr>
+        <p:spPr/>
+        <p:txBody>
           <a:bodyPr/>
           <a:lstStyle/>
           <a:p>
@@ -3780,7 +4449,366 @@
     </p:spTree>
     <p:extLst>
       <p:ext uri="{BB962C8B-B14F-4D97-AF65-F5344CB8AC3E}">
-        <p14:creationId xmlns:p14="http://schemas.microsoft.com/office/powerpoint/2010/main" val="2793566807"/>
+        <p14:creationId xmlns:p14="http://schemas.microsoft.com/office/powerpoint/2010/main" val="2015174044"/>
+      </p:ext>
+    </p:extLst>
+  </p:cSld>
+  <p:clrMapOvr>
+    <a:masterClrMapping/>
+  </p:clrMapOvr>
+  <p:timing>
+    <p:tnLst>
+      <p:par>
+        <p:cTn id="1" dur="indefinite" restart="never" nodeType="tmRoot"/>
+      </p:par>
+    </p:tnLst>
+  </p:timing>
+</p:sld>
+</file>
+
+<file path=ppt/slides/slide7.xml><?xml version="1.0" encoding="utf-8"?>
+<p:sld xmlns:a="http://schemas.openxmlformats.org/drawingml/2006/main" xmlns:r="http://schemas.openxmlformats.org/officeDocument/2006/relationships" xmlns:p="http://schemas.openxmlformats.org/presentationml/2006/main">
+  <p:cSld>
+    <p:spTree>
+      <p:nvGrpSpPr>
+        <p:cNvPr id="1" name=""/>
+        <p:cNvGrpSpPr/>
+        <p:nvPr/>
+      </p:nvGrpSpPr>
+      <p:grpSpPr>
+        <a:xfrm>
+          <a:off x="0" y="0"/>
+          <a:ext cx="0" cy="0"/>
+          <a:chOff x="0" y="0"/>
+          <a:chExt cx="0" cy="0"/>
+        </a:xfrm>
+      </p:grpSpPr>
+      <p:sp>
+        <p:nvSpPr>
+          <p:cNvPr id="2" name="Title 1"/>
+          <p:cNvSpPr>
+            <a:spLocks noGrp="1"/>
+          </p:cNvSpPr>
+          <p:nvPr>
+            <p:ph type="title"/>
+          </p:nvPr>
+        </p:nvSpPr>
+        <p:spPr>
+          <a:xfrm>
+            <a:off x="107504" y="116632"/>
+            <a:ext cx="8928992" cy="648072"/>
+          </a:xfrm>
+        </p:spPr>
+        <p:txBody>
+          <a:bodyPr>
+            <a:normAutofit fontScale="90000"/>
+          </a:bodyPr>
+          <a:lstStyle/>
+          <a:p>
+            <a:r>
+              <a:rPr lang="ru-RU" dirty="0">
+                <a:solidFill>
+                  <a:schemeClr val="bg1"/>
+                </a:solidFill>
+              </a:rPr>
+              <a:t>Задачи по программированию</a:t>
+            </a:r>
+            <a:endParaRPr lang="en-US" dirty="0">
+              <a:solidFill>
+                <a:schemeClr val="bg1"/>
+              </a:solidFill>
+            </a:endParaRPr>
+          </a:p>
+        </p:txBody>
+      </p:sp>
+      <p:sp>
+        <p:nvSpPr>
+          <p:cNvPr id="3" name="Content Placeholder 2"/>
+          <p:cNvSpPr>
+            <a:spLocks noGrp="1"/>
+          </p:cNvSpPr>
+          <p:nvPr>
+            <p:ph idx="1"/>
+          </p:nvPr>
+        </p:nvSpPr>
+        <p:spPr>
+          <a:xfrm>
+            <a:off x="457200" y="764704"/>
+            <a:ext cx="8229600" cy="5361459"/>
+          </a:xfrm>
+        </p:spPr>
+        <p:txBody>
+          <a:bodyPr>
+            <a:normAutofit/>
+          </a:bodyPr>
+          <a:lstStyle/>
+          <a:p>
+            <a:r>
+              <a:rPr lang="ru-RU" dirty="0" smtClean="0">
+                <a:solidFill>
+                  <a:schemeClr val="bg1"/>
+                </a:solidFill>
+              </a:rPr>
+              <a:t>Математические задачи</a:t>
+            </a:r>
+            <a:br>
+              <a:rPr lang="ru-RU" dirty="0" smtClean="0">
+                <a:solidFill>
+                  <a:schemeClr val="bg1"/>
+                </a:solidFill>
+              </a:rPr>
+            </a:br>
+            <a:r>
+              <a:rPr lang="en-US" dirty="0" smtClean="0">
+                <a:solidFill>
+                  <a:schemeClr val="bg1"/>
+                </a:solidFill>
+                <a:hlinkClick r:id="rId2"/>
+              </a:rPr>
+              <a:t>http</a:t>
+            </a:r>
+            <a:r>
+              <a:rPr lang="en-US" dirty="0">
+                <a:solidFill>
+                  <a:schemeClr val="bg1"/>
+                </a:solidFill>
+                <a:hlinkClick r:id="rId2"/>
+              </a:rPr>
+              <a:t>://projecteuler.net</a:t>
+            </a:r>
+            <a:r>
+              <a:rPr lang="en-US" dirty="0" smtClean="0">
+                <a:solidFill>
+                  <a:schemeClr val="bg1"/>
+                </a:solidFill>
+                <a:hlinkClick r:id="rId2"/>
+              </a:rPr>
+              <a:t>/</a:t>
+            </a:r>
+            <a:endParaRPr lang="ru-RU" dirty="0" smtClean="0">
+              <a:solidFill>
+                <a:schemeClr val="bg1"/>
+              </a:solidFill>
+            </a:endParaRPr>
+          </a:p>
+          <a:p>
+            <a:r>
+              <a:rPr lang="ru-RU" dirty="0" smtClean="0">
+                <a:solidFill>
+                  <a:schemeClr val="bg1"/>
+                </a:solidFill>
+              </a:rPr>
+              <a:t>Кодо-дуэли</a:t>
+            </a:r>
+            <a:br>
+              <a:rPr lang="ru-RU" dirty="0" smtClean="0">
+                <a:solidFill>
+                  <a:schemeClr val="bg1"/>
+                </a:solidFill>
+              </a:rPr>
+            </a:br>
+            <a:r>
+              <a:rPr lang="en-US" dirty="0" smtClean="0">
+                <a:solidFill>
+                  <a:schemeClr val="bg1"/>
+                </a:solidFill>
+                <a:hlinkClick r:id="rId3"/>
+              </a:rPr>
+              <a:t>http</a:t>
+            </a:r>
+            <a:r>
+              <a:rPr lang="en-US" dirty="0">
+                <a:solidFill>
+                  <a:schemeClr val="bg1"/>
+                </a:solidFill>
+                <a:hlinkClick r:id="rId3"/>
+              </a:rPr>
+              <a:t>://www.pex4fun.com</a:t>
+            </a:r>
+            <a:r>
+              <a:rPr lang="en-US" dirty="0" smtClean="0">
+                <a:solidFill>
+                  <a:schemeClr val="bg1"/>
+                </a:solidFill>
+                <a:hlinkClick r:id="rId3"/>
+              </a:rPr>
+              <a:t>/</a:t>
+            </a:r>
+            <a:endParaRPr lang="ru-RU" dirty="0" smtClean="0">
+              <a:solidFill>
+                <a:schemeClr val="bg1"/>
+              </a:solidFill>
+            </a:endParaRPr>
+          </a:p>
+          <a:p>
+            <a:endParaRPr lang="ru-RU" dirty="0" smtClean="0">
+              <a:solidFill>
+                <a:schemeClr val="bg1"/>
+              </a:solidFill>
+            </a:endParaRPr>
+          </a:p>
+          <a:p>
+            <a:pPr lvl="1"/>
+            <a:endParaRPr lang="en-US" dirty="0">
+              <a:solidFill>
+                <a:schemeClr val="bg1"/>
+              </a:solidFill>
+            </a:endParaRPr>
+          </a:p>
+        </p:txBody>
+      </p:sp>
+    </p:spTree>
+    <p:extLst>
+      <p:ext uri="{BB962C8B-B14F-4D97-AF65-F5344CB8AC3E}">
+        <p14:creationId xmlns:p14="http://schemas.microsoft.com/office/powerpoint/2010/main" val="1393508030"/>
+      </p:ext>
+    </p:extLst>
+  </p:cSld>
+  <p:clrMapOvr>
+    <a:masterClrMapping/>
+  </p:clrMapOvr>
+  <p:timing>
+    <p:tnLst>
+      <p:par>
+        <p:cTn id="1" dur="indefinite" restart="never" nodeType="tmRoot"/>
+      </p:par>
+    </p:tnLst>
+  </p:timing>
+</p:sld>
+</file>
+
+<file path=ppt/slides/slide8.xml><?xml version="1.0" encoding="utf-8"?>
+<p:sld xmlns:a="http://schemas.openxmlformats.org/drawingml/2006/main" xmlns:r="http://schemas.openxmlformats.org/officeDocument/2006/relationships" xmlns:p="http://schemas.openxmlformats.org/presentationml/2006/main">
+  <p:cSld>
+    <p:spTree>
+      <p:nvGrpSpPr>
+        <p:cNvPr id="1" name=""/>
+        <p:cNvGrpSpPr/>
+        <p:nvPr/>
+      </p:nvGrpSpPr>
+      <p:grpSpPr>
+        <a:xfrm>
+          <a:off x="0" y="0"/>
+          <a:ext cx="0" cy="0"/>
+          <a:chOff x="0" y="0"/>
+          <a:chExt cx="0" cy="0"/>
+        </a:xfrm>
+      </p:grpSpPr>
+      <p:sp>
+        <p:nvSpPr>
+          <p:cNvPr id="2" name="Title 1"/>
+          <p:cNvSpPr>
+            <a:spLocks noGrp="1"/>
+          </p:cNvSpPr>
+          <p:nvPr>
+            <p:ph type="title"/>
+          </p:nvPr>
+        </p:nvSpPr>
+        <p:spPr/>
+        <p:txBody>
+          <a:bodyPr>
+            <a:normAutofit fontScale="90000"/>
+          </a:bodyPr>
+          <a:lstStyle/>
+          <a:p>
+            <a:r>
+              <a:rPr lang="ru-RU" dirty="0" smtClean="0"/>
+              <a:t>Официальная спецификация языка </a:t>
+            </a:r>
+            <a:r>
+              <a:rPr lang="en-US" dirty="0" smtClean="0"/>
+              <a:t>C#</a:t>
+            </a:r>
+            <a:endParaRPr lang="ru-RU" dirty="0"/>
+          </a:p>
+        </p:txBody>
+      </p:sp>
+      <p:sp>
+        <p:nvSpPr>
+          <p:cNvPr id="3" name="Content Placeholder 2"/>
+          <p:cNvSpPr>
+            <a:spLocks noGrp="1"/>
+          </p:cNvSpPr>
+          <p:nvPr>
+            <p:ph idx="1"/>
+          </p:nvPr>
+        </p:nvSpPr>
+        <p:spPr/>
+        <p:txBody>
+          <a:bodyPr/>
+          <a:lstStyle/>
+          <a:p>
+            <a:pPr marL="0" indent="0">
+              <a:buNone/>
+            </a:pPr>
+            <a:r>
+              <a:rPr lang="en-US" dirty="0" smtClean="0">
+                <a:solidFill>
+                  <a:schemeClr val="bg1"/>
+                </a:solidFill>
+              </a:rPr>
+              <a:t>C</a:t>
+            </a:r>
+            <a:r>
+              <a:rPr lang="en-US" dirty="0">
+                <a:solidFill>
+                  <a:schemeClr val="bg1"/>
+                </a:solidFill>
+              </a:rPr>
+              <a:t>:\Program Files (x86)\Microsoft Visual Studio 11.0\VC#\Specifications\1033\ </a:t>
+            </a:r>
+            <a:r>
+              <a:rPr lang="en-US" dirty="0" err="1">
+                <a:solidFill>
+                  <a:schemeClr val="bg1"/>
+                </a:solidFill>
+              </a:rPr>
+              <a:t>CSharp</a:t>
+            </a:r>
+            <a:r>
+              <a:rPr lang="en-US" dirty="0">
+                <a:solidFill>
+                  <a:schemeClr val="bg1"/>
+                </a:solidFill>
+              </a:rPr>
+              <a:t> </a:t>
+            </a:r>
+            <a:r>
+              <a:rPr lang="en-US">
+                <a:solidFill>
+                  <a:schemeClr val="bg1"/>
+                </a:solidFill>
+              </a:rPr>
+              <a:t>Language </a:t>
+            </a:r>
+            <a:r>
+              <a:rPr lang="en-US" smtClean="0">
+                <a:solidFill>
+                  <a:schemeClr val="bg1"/>
+                </a:solidFill>
+              </a:rPr>
+              <a:t>Specification.doc</a:t>
+            </a:r>
+          </a:p>
+          <a:p>
+            <a:pPr marL="0" indent="0">
+              <a:buNone/>
+            </a:pPr>
+            <a:endParaRPr lang="en-US" dirty="0" smtClean="0">
+              <a:solidFill>
+                <a:schemeClr val="bg1"/>
+              </a:solidFill>
+            </a:endParaRPr>
+          </a:p>
+          <a:p>
+            <a:endParaRPr lang="ru-RU" dirty="0"/>
+          </a:p>
+        </p:txBody>
+      </p:sp>
+    </p:spTree>
+    <p:extLst>
+      <p:ext uri="{BB962C8B-B14F-4D97-AF65-F5344CB8AC3E}">
+        <p14:creationId xmlns:p14="http://schemas.microsoft.com/office/powerpoint/2010/main" val="3098128952"/>
       </p:ext>
     </p:extLst>
   </p:cSld>
@@ -3790,7 +4818,7 @@
 </p:sld>
 </file>
 
-<file path=ppt/slides/slide4.xml><?xml version="1.0" encoding="utf-8"?>
+<file path=ppt/slides/slide9.xml><?xml version="1.0" encoding="utf-8"?>
 <p:sld xmlns:a="http://schemas.openxmlformats.org/drawingml/2006/main" xmlns:r="http://schemas.openxmlformats.org/officeDocument/2006/relationships" xmlns:p="http://schemas.openxmlformats.org/presentationml/2006/main">
   <p:cSld>
     <p:bg>

--- a/Presentation/that-is-all-folks.pptx
+++ b/Presentation/that-is-all-folks.pptx
@@ -5,18 +5,19 @@
     <p:sldMasterId id="2147483648" r:id="rId1"/>
   </p:sldMasterIdLst>
   <p:notesMasterIdLst>
-    <p:notesMasterId r:id="rId11"/>
+    <p:notesMasterId r:id="rId12"/>
   </p:notesMasterIdLst>
   <p:sldIdLst>
     <p:sldId id="257" r:id="rId2"/>
     <p:sldId id="261" r:id="rId3"/>
     <p:sldId id="265" r:id="rId4"/>
     <p:sldId id="264" r:id="rId5"/>
-    <p:sldId id="266" r:id="rId6"/>
-    <p:sldId id="267" r:id="rId7"/>
-    <p:sldId id="268" r:id="rId8"/>
-    <p:sldId id="269" r:id="rId9"/>
-    <p:sldId id="262" r:id="rId10"/>
+    <p:sldId id="270" r:id="rId6"/>
+    <p:sldId id="266" r:id="rId7"/>
+    <p:sldId id="267" r:id="rId8"/>
+    <p:sldId id="268" r:id="rId9"/>
+    <p:sldId id="269" r:id="rId10"/>
+    <p:sldId id="262" r:id="rId11"/>
   </p:sldIdLst>
   <p:sldSz cx="9144000" cy="6858000" type="screen4x3"/>
   <p:notesSz cx="6858000" cy="9144000"/>
@@ -200,7 +201,7 @@
           <a:p>
             <a:fld id="{B24A7054-7FFB-49F4-A126-5DF6E687FF53}" type="datetimeFigureOut">
               <a:rPr lang="ru-RU" smtClean="0"/>
-              <a:t>30.04.2013</a:t>
+              <a:t>22.10.2013</a:t>
             </a:fld>
             <a:endParaRPr lang="ru-RU"/>
           </a:p>
@@ -1482,7 +1483,7 @@
           <a:p>
             <a:fld id="{8E6E6A2A-E9D3-4A0D-B04A-ABDD367A1E08}" type="datetimeFigureOut">
               <a:rPr lang="ru-RU" smtClean="0"/>
-              <a:t>30.04.2013</a:t>
+              <a:t>22.10.2013</a:t>
             </a:fld>
             <a:endParaRPr lang="ru-RU"/>
           </a:p>
@@ -2927,7 +2928,7 @@
           <a:p>
             <a:fld id="{AC3D3127-B7C4-45E3-9797-C527EC9FDD78}" type="datetimeFigureOut">
               <a:rPr lang="ru-RU" smtClean="0"/>
-              <a:t>30.04.2013</a:t>
+              <a:t>22.10.2013</a:t>
             </a:fld>
             <a:endParaRPr lang="ru-RU"/>
           </a:p>
@@ -3481,1344 +3482,7 @@
 </p:sld>
 </file>
 
-<file path=ppt/slides/slide2.xml><?xml version="1.0" encoding="utf-8"?>
-<p:sld xmlns:a="http://schemas.openxmlformats.org/drawingml/2006/main" xmlns:r="http://schemas.openxmlformats.org/officeDocument/2006/relationships" xmlns:p="http://schemas.openxmlformats.org/presentationml/2006/main">
-  <p:cSld>
-    <p:spTree>
-      <p:nvGrpSpPr>
-        <p:cNvPr id="1" name=""/>
-        <p:cNvGrpSpPr/>
-        <p:nvPr/>
-      </p:nvGrpSpPr>
-      <p:grpSpPr>
-        <a:xfrm>
-          <a:off x="0" y="0"/>
-          <a:ext cx="0" cy="0"/>
-          <a:chOff x="0" y="0"/>
-          <a:chExt cx="0" cy="0"/>
-        </a:xfrm>
-      </p:grpSpPr>
-      <p:sp>
-        <p:nvSpPr>
-          <p:cNvPr id="3" name="Rectangle 2"/>
-          <p:cNvSpPr/>
-          <p:nvPr/>
-        </p:nvSpPr>
-        <p:spPr>
-          <a:xfrm>
-            <a:off x="251520" y="188640"/>
-            <a:ext cx="8640960" cy="769441"/>
-          </a:xfrm>
-          <a:prstGeom prst="rect">
-            <a:avLst/>
-          </a:prstGeom>
-        </p:spPr>
-        <p:txBody>
-          <a:bodyPr wrap="square">
-            <a:spAutoFit/>
-          </a:bodyPr>
-          <a:lstStyle/>
-          <a:p>
-            <a:pPr lvl="0" algn="ctr"/>
-            <a:r>
-              <a:rPr lang="ru-RU" sz="4400" dirty="0" smtClean="0">
-                <a:solidFill>
-                  <a:schemeClr val="bg1"/>
-                </a:solidFill>
-              </a:rPr>
-              <a:t>Другие </a:t>
-            </a:r>
-            <a:r>
-              <a:rPr lang="ru-RU" sz="4400" dirty="0">
-                <a:solidFill>
-                  <a:schemeClr val="bg1"/>
-                </a:solidFill>
-              </a:rPr>
-              <a:t>курсы </a:t>
-            </a:r>
-            <a:r>
-              <a:rPr lang="ru-RU" sz="4400" dirty="0" smtClean="0">
-                <a:solidFill>
-                  <a:schemeClr val="bg1"/>
-                </a:solidFill>
-              </a:rPr>
-              <a:t>БелХард по </a:t>
-            </a:r>
-            <a:r>
-              <a:rPr lang="en-US" sz="4400" dirty="0" smtClean="0">
-                <a:solidFill>
-                  <a:schemeClr val="bg1"/>
-                </a:solidFill>
-              </a:rPr>
-              <a:t>.NET</a:t>
-            </a:r>
-            <a:endParaRPr lang="en-US" sz="4400" dirty="0">
-              <a:solidFill>
-                <a:schemeClr val="bg1"/>
-              </a:solidFill>
-            </a:endParaRPr>
-          </a:p>
-        </p:txBody>
-      </p:sp>
-      <p:sp>
-        <p:nvSpPr>
-          <p:cNvPr id="2" name="TextBox 1"/>
-          <p:cNvSpPr txBox="1"/>
-          <p:nvPr/>
-        </p:nvSpPr>
-        <p:spPr>
-          <a:xfrm>
-            <a:off x="251520" y="1450519"/>
-            <a:ext cx="8640960" cy="2554545"/>
-          </a:xfrm>
-          <a:prstGeom prst="rect">
-            <a:avLst/>
-          </a:prstGeom>
-          <a:noFill/>
-        </p:spPr>
-        <p:txBody>
-          <a:bodyPr wrap="square" rtlCol="0">
-            <a:spAutoFit/>
-          </a:bodyPr>
-          <a:lstStyle/>
-          <a:p>
-            <a:pPr marL="457200" indent="-457200">
-              <a:buFont typeface="Arial" pitchFamily="34" charset="0"/>
-              <a:buChar char="•"/>
-            </a:pPr>
-            <a:r>
-              <a:rPr lang="ru-RU" sz="3200" dirty="0" smtClean="0"/>
-              <a:t>Создание </a:t>
-            </a:r>
-            <a:r>
-              <a:rPr lang="ru-RU" sz="3200" dirty="0"/>
-              <a:t>веб-приложений в </a:t>
-            </a:r>
-            <a:r>
-              <a:rPr lang="en-US" sz="3200" dirty="0" smtClean="0"/>
-              <a:t>ASP.NET</a:t>
-            </a:r>
-          </a:p>
-          <a:p>
-            <a:pPr marL="914400" lvl="1" indent="-457200">
-              <a:buFont typeface="Arial" pitchFamily="34" charset="0"/>
-              <a:buChar char="•"/>
-            </a:pPr>
-            <a:r>
-              <a:rPr lang="ru-RU" sz="3200" dirty="0" smtClean="0"/>
-              <a:t>Перед этим рекомендуется – «HTML </a:t>
-            </a:r>
-            <a:r>
-              <a:rPr lang="ru-RU" sz="3200" dirty="0"/>
-              <a:t>и CSS. Секреты вёрстки</a:t>
-            </a:r>
-            <a:r>
-              <a:rPr lang="ru-RU" sz="3200" dirty="0" smtClean="0"/>
-              <a:t>.»</a:t>
-            </a:r>
-            <a:endParaRPr lang="ru-RU" sz="3200" dirty="0"/>
-          </a:p>
-          <a:p>
-            <a:pPr marL="457200" indent="-457200">
-              <a:buFont typeface="Arial" pitchFamily="34" charset="0"/>
-              <a:buChar char="•"/>
-            </a:pPr>
-            <a:r>
-              <a:rPr lang="ru-RU" sz="3200" dirty="0"/>
-              <a:t>Windows Phone 7: проектирование и разработка приложений</a:t>
-            </a:r>
-          </a:p>
-        </p:txBody>
-      </p:sp>
-    </p:spTree>
-    <p:extLst>
-      <p:ext uri="{BB962C8B-B14F-4D97-AF65-F5344CB8AC3E}">
-        <p14:creationId xmlns:p14="http://schemas.microsoft.com/office/powerpoint/2010/main" val="1086215874"/>
-      </p:ext>
-    </p:extLst>
-  </p:cSld>
-  <p:clrMapOvr>
-    <a:masterClrMapping/>
-  </p:clrMapOvr>
-  <p:timing>
-    <p:tnLst>
-      <p:par>
-        <p:cTn id="1" dur="indefinite" restart="never" nodeType="tmRoot"/>
-      </p:par>
-    </p:tnLst>
-  </p:timing>
-</p:sld>
-</file>
-
-<file path=ppt/slides/slide3.xml><?xml version="1.0" encoding="utf-8"?>
-<p:sld xmlns:a="http://schemas.openxmlformats.org/drawingml/2006/main" xmlns:r="http://schemas.openxmlformats.org/officeDocument/2006/relationships" xmlns:p="http://schemas.openxmlformats.org/presentationml/2006/main">
-  <p:cSld>
-    <p:spTree>
-      <p:nvGrpSpPr>
-        <p:cNvPr id="1" name=""/>
-        <p:cNvGrpSpPr/>
-        <p:nvPr/>
-      </p:nvGrpSpPr>
-      <p:grpSpPr>
-        <a:xfrm>
-          <a:off x="0" y="0"/>
-          <a:ext cx="0" cy="0"/>
-          <a:chOff x="0" y="0"/>
-          <a:chExt cx="0" cy="0"/>
-        </a:xfrm>
-      </p:grpSpPr>
-      <p:sp>
-        <p:nvSpPr>
-          <p:cNvPr id="3" name="Rectangle 2"/>
-          <p:cNvSpPr/>
-          <p:nvPr/>
-        </p:nvSpPr>
-        <p:spPr>
-          <a:xfrm>
-            <a:off x="251520" y="188640"/>
-            <a:ext cx="8640960" cy="769441"/>
-          </a:xfrm>
-          <a:prstGeom prst="rect">
-            <a:avLst/>
-          </a:prstGeom>
-        </p:spPr>
-        <p:txBody>
-          <a:bodyPr wrap="square">
-            <a:spAutoFit/>
-          </a:bodyPr>
-          <a:lstStyle/>
-          <a:p>
-            <a:pPr lvl="0" algn="ctr"/>
-            <a:r>
-              <a:rPr lang="ru-RU" sz="4400" dirty="0" smtClean="0">
-                <a:solidFill>
-                  <a:schemeClr val="bg1"/>
-                </a:solidFill>
-              </a:rPr>
-              <a:t>Еще курсы БелХард</a:t>
-            </a:r>
-            <a:endParaRPr lang="en-US" sz="4400" dirty="0">
-              <a:solidFill>
-                <a:schemeClr val="bg1"/>
-              </a:solidFill>
-            </a:endParaRPr>
-          </a:p>
-        </p:txBody>
-      </p:sp>
-      <p:sp>
-        <p:nvSpPr>
-          <p:cNvPr id="2" name="TextBox 1"/>
-          <p:cNvSpPr txBox="1"/>
-          <p:nvPr/>
-        </p:nvSpPr>
-        <p:spPr>
-          <a:xfrm>
-            <a:off x="251520" y="1450519"/>
-            <a:ext cx="8640960" cy="2062103"/>
-          </a:xfrm>
-          <a:prstGeom prst="rect">
-            <a:avLst/>
-          </a:prstGeom>
-          <a:noFill/>
-        </p:spPr>
-        <p:txBody>
-          <a:bodyPr wrap="square" rtlCol="0">
-            <a:spAutoFit/>
-          </a:bodyPr>
-          <a:lstStyle/>
-          <a:p>
-            <a:pPr marL="457200" indent="-457200">
-              <a:buFont typeface="Arial" pitchFamily="34" charset="0"/>
-              <a:buChar char="•"/>
-            </a:pPr>
-            <a:r>
-              <a:rPr lang="en-US" sz="3200" dirty="0" smtClean="0"/>
-              <a:t>C, C++</a:t>
-            </a:r>
-          </a:p>
-          <a:p>
-            <a:pPr marL="457200" indent="-457200">
-              <a:buFont typeface="Arial" pitchFamily="34" charset="0"/>
-              <a:buChar char="•"/>
-            </a:pPr>
-            <a:r>
-              <a:rPr lang="en-US" sz="3200" dirty="0" smtClean="0"/>
-              <a:t>Java – </a:t>
-            </a:r>
-            <a:r>
-              <a:rPr lang="ru-RU" sz="3200" dirty="0" smtClean="0"/>
-              <a:t>основы и продвинутый курс</a:t>
-            </a:r>
-            <a:endParaRPr lang="en-US" sz="3200" dirty="0" smtClean="0"/>
-          </a:p>
-          <a:p>
-            <a:pPr marL="457200" indent="-457200">
-              <a:buFont typeface="Arial" pitchFamily="34" charset="0"/>
-              <a:buChar char="•"/>
-            </a:pPr>
-            <a:r>
-              <a:rPr lang="ru-RU" sz="3200" dirty="0" smtClean="0"/>
-              <a:t>Мобильные приложения – </a:t>
-            </a:r>
-            <a:r>
-              <a:rPr lang="en-US" sz="3200" dirty="0" smtClean="0"/>
-              <a:t>Android </a:t>
-            </a:r>
-            <a:r>
-              <a:rPr lang="ru-RU" sz="3200" dirty="0" smtClean="0"/>
-              <a:t>и </a:t>
-            </a:r>
-            <a:r>
-              <a:rPr lang="en-US" sz="3200" dirty="0" smtClean="0"/>
-              <a:t>iPhone</a:t>
-            </a:r>
-            <a:endParaRPr lang="ru-RU" sz="3200" dirty="0" smtClean="0"/>
-          </a:p>
-          <a:p>
-            <a:pPr marL="457200" indent="-457200">
-              <a:buFont typeface="Arial" pitchFamily="34" charset="0"/>
-              <a:buChar char="•"/>
-            </a:pPr>
-            <a:r>
-              <a:rPr lang="ru-RU" sz="3200" dirty="0" smtClean="0"/>
-              <a:t>Тестирование приложений</a:t>
-            </a:r>
-            <a:endParaRPr lang="ru-RU" sz="3200" dirty="0"/>
-          </a:p>
-        </p:txBody>
-      </p:sp>
-    </p:spTree>
-    <p:extLst>
-      <p:ext uri="{BB962C8B-B14F-4D97-AF65-F5344CB8AC3E}">
-        <p14:creationId xmlns:p14="http://schemas.microsoft.com/office/powerpoint/2010/main" val="1126659838"/>
-      </p:ext>
-    </p:extLst>
-  </p:cSld>
-  <p:clrMapOvr>
-    <a:masterClrMapping/>
-  </p:clrMapOvr>
-  <p:timing>
-    <p:tnLst>
-      <p:par>
-        <p:cTn id="1" dur="indefinite" restart="never" nodeType="tmRoot"/>
-      </p:par>
-    </p:tnLst>
-  </p:timing>
-</p:sld>
-</file>
-
-<file path=ppt/slides/slide4.xml><?xml version="1.0" encoding="utf-8"?>
-<p:sld xmlns:a="http://schemas.openxmlformats.org/drawingml/2006/main" xmlns:r="http://schemas.openxmlformats.org/officeDocument/2006/relationships" xmlns:p="http://schemas.openxmlformats.org/presentationml/2006/main">
-  <p:cSld>
-    <p:spTree>
-      <p:nvGrpSpPr>
-        <p:cNvPr id="1" name=""/>
-        <p:cNvGrpSpPr/>
-        <p:nvPr/>
-      </p:nvGrpSpPr>
-      <p:grpSpPr>
-        <a:xfrm>
-          <a:off x="0" y="0"/>
-          <a:ext cx="0" cy="0"/>
-          <a:chOff x="0" y="0"/>
-          <a:chExt cx="0" cy="0"/>
-        </a:xfrm>
-      </p:grpSpPr>
-      <p:sp>
-        <p:nvSpPr>
-          <p:cNvPr id="2" name="Title 1"/>
-          <p:cNvSpPr>
-            <a:spLocks noGrp="1"/>
-          </p:cNvSpPr>
-          <p:nvPr>
-            <p:ph type="title"/>
-          </p:nvPr>
-        </p:nvSpPr>
-        <p:spPr/>
-        <p:txBody>
-          <a:bodyPr/>
-          <a:lstStyle/>
-          <a:p>
-            <a:r>
-              <a:rPr lang="ru-RU" dirty="0" smtClean="0"/>
-              <a:t>Что делать дальше?</a:t>
-            </a:r>
-            <a:endParaRPr lang="ru-RU" dirty="0"/>
-          </a:p>
-        </p:txBody>
-      </p:sp>
-      <p:sp>
-        <p:nvSpPr>
-          <p:cNvPr id="3" name="Content Placeholder 2"/>
-          <p:cNvSpPr>
-            <a:spLocks noGrp="1"/>
-          </p:cNvSpPr>
-          <p:nvPr>
-            <p:ph idx="1"/>
-          </p:nvPr>
-        </p:nvSpPr>
-        <p:spPr/>
-        <p:txBody>
-          <a:bodyPr>
-            <a:normAutofit fontScale="92500" lnSpcReduction="20000"/>
-          </a:bodyPr>
-          <a:lstStyle/>
-          <a:p>
-            <a:r>
-              <a:rPr lang="ru-RU" dirty="0"/>
-              <a:t>Программируйте</a:t>
-            </a:r>
-            <a:r>
-              <a:rPr lang="ru-RU" dirty="0" smtClean="0"/>
-              <a:t>!</a:t>
-            </a:r>
-          </a:p>
-          <a:p>
-            <a:endParaRPr lang="ru-RU" dirty="0" smtClean="0"/>
-          </a:p>
-          <a:p>
-            <a:r>
-              <a:rPr lang="ru-RU" dirty="0" smtClean="0"/>
-              <a:t>Читайте книги и блоги</a:t>
-            </a:r>
-            <a:r>
-              <a:rPr lang="en-US" dirty="0" smtClean="0"/>
-              <a:t>;</a:t>
-            </a:r>
-            <a:endParaRPr lang="ru-RU" dirty="0" smtClean="0"/>
-          </a:p>
-          <a:p>
-            <a:r>
-              <a:rPr lang="ru-RU" dirty="0" smtClean="0"/>
-              <a:t>Смотрите обучающие видео</a:t>
-            </a:r>
-            <a:r>
-              <a:rPr lang="en-US" dirty="0" smtClean="0"/>
-              <a:t>;</a:t>
-            </a:r>
-            <a:endParaRPr lang="ru-RU" dirty="0" smtClean="0"/>
-          </a:p>
-          <a:p>
-            <a:r>
-              <a:rPr lang="ru-RU" dirty="0" smtClean="0"/>
-              <a:t>Слушайте подкасты</a:t>
-            </a:r>
-            <a:r>
-              <a:rPr lang="en-US" dirty="0" smtClean="0"/>
-              <a:t>;</a:t>
-            </a:r>
-            <a:endParaRPr lang="ru-RU" dirty="0" smtClean="0"/>
-          </a:p>
-          <a:p>
-            <a:r>
-              <a:rPr lang="ru-RU" dirty="0" smtClean="0"/>
-              <a:t>Посещайте конференции, пользовательские группы, хакатоны и т.п. события</a:t>
-            </a:r>
-            <a:r>
-              <a:rPr lang="en-US" dirty="0" smtClean="0"/>
-              <a:t>;</a:t>
-            </a:r>
-            <a:endParaRPr lang="ru-RU" dirty="0" smtClean="0"/>
-          </a:p>
-          <a:p>
-            <a:r>
-              <a:rPr lang="ru-RU" dirty="0" smtClean="0"/>
-              <a:t>Не забывайте что кроме </a:t>
-            </a:r>
-            <a:r>
-              <a:rPr lang="en-US" dirty="0" smtClean="0"/>
-              <a:t>.NET/C#</a:t>
-            </a:r>
-            <a:r>
-              <a:rPr lang="ru-RU" dirty="0" smtClean="0"/>
-              <a:t> есть и другие платформы и языки программирования.</a:t>
-            </a:r>
-            <a:r>
-              <a:rPr lang="en-US" dirty="0" smtClean="0"/>
-              <a:t> </a:t>
-            </a:r>
-            <a:r>
-              <a:rPr lang="ru-RU" dirty="0" smtClean="0"/>
-              <a:t>Изучайте их.</a:t>
-            </a:r>
-          </a:p>
-          <a:p>
-            <a:endParaRPr lang="ru-RU" dirty="0" smtClean="0"/>
-          </a:p>
-          <a:p>
-            <a:endParaRPr lang="ru-RU" dirty="0"/>
-          </a:p>
-        </p:txBody>
-      </p:sp>
-    </p:spTree>
-    <p:extLst>
-      <p:ext uri="{BB962C8B-B14F-4D97-AF65-F5344CB8AC3E}">
-        <p14:creationId xmlns:p14="http://schemas.microsoft.com/office/powerpoint/2010/main" val="1949458573"/>
-      </p:ext>
-    </p:extLst>
-  </p:cSld>
-  <p:clrMapOvr>
-    <a:masterClrMapping/>
-  </p:clrMapOvr>
-  <p:timing>
-    <p:tnLst>
-      <p:par>
-        <p:cTn id="1" dur="indefinite" restart="never" nodeType="tmRoot"/>
-      </p:par>
-    </p:tnLst>
-  </p:timing>
-</p:sld>
-</file>
-
-<file path=ppt/slides/slide5.xml><?xml version="1.0" encoding="utf-8"?>
-<p:sld xmlns:a="http://schemas.openxmlformats.org/drawingml/2006/main" xmlns:r="http://schemas.openxmlformats.org/officeDocument/2006/relationships" xmlns:p="http://schemas.openxmlformats.org/presentationml/2006/main">
-  <p:cSld>
-    <p:spTree>
-      <p:nvGrpSpPr>
-        <p:cNvPr id="1" name=""/>
-        <p:cNvGrpSpPr/>
-        <p:nvPr/>
-      </p:nvGrpSpPr>
-      <p:grpSpPr>
-        <a:xfrm>
-          <a:off x="0" y="0"/>
-          <a:ext cx="0" cy="0"/>
-          <a:chOff x="0" y="0"/>
-          <a:chExt cx="0" cy="0"/>
-        </a:xfrm>
-      </p:grpSpPr>
-      <p:sp>
-        <p:nvSpPr>
-          <p:cNvPr id="2" name="Title 1"/>
-          <p:cNvSpPr>
-            <a:spLocks noGrp="1"/>
-          </p:cNvSpPr>
-          <p:nvPr>
-            <p:ph type="title"/>
-          </p:nvPr>
-        </p:nvSpPr>
-        <p:spPr>
-          <a:xfrm>
-            <a:off x="107504" y="116632"/>
-            <a:ext cx="8928992" cy="648072"/>
-          </a:xfrm>
-        </p:spPr>
-        <p:txBody>
-          <a:bodyPr>
-            <a:normAutofit fontScale="90000"/>
-          </a:bodyPr>
-          <a:lstStyle/>
-          <a:p>
-            <a:r>
-              <a:rPr lang="ru-RU" dirty="0" smtClean="0">
-                <a:solidFill>
-                  <a:schemeClr val="bg1"/>
-                </a:solidFill>
-              </a:rPr>
-              <a:t>Блоги</a:t>
-            </a:r>
-            <a:endParaRPr lang="en-US" dirty="0">
-              <a:solidFill>
-                <a:schemeClr val="bg1"/>
-              </a:solidFill>
-            </a:endParaRPr>
-          </a:p>
-        </p:txBody>
-      </p:sp>
-      <p:sp>
-        <p:nvSpPr>
-          <p:cNvPr id="3" name="Content Placeholder 2"/>
-          <p:cNvSpPr>
-            <a:spLocks noGrp="1"/>
-          </p:cNvSpPr>
-          <p:nvPr>
-            <p:ph idx="1"/>
-          </p:nvPr>
-        </p:nvSpPr>
-        <p:spPr>
-          <a:xfrm>
-            <a:off x="457200" y="764704"/>
-            <a:ext cx="8229600" cy="5361459"/>
-          </a:xfrm>
-        </p:spPr>
-        <p:txBody>
-          <a:bodyPr>
-            <a:normAutofit fontScale="92500" lnSpcReduction="10000"/>
-          </a:bodyPr>
-          <a:lstStyle/>
-          <a:p>
-            <a:r>
-              <a:rPr lang="en-US" dirty="0" smtClean="0">
-                <a:solidFill>
-                  <a:schemeClr val="bg1"/>
-                </a:solidFill>
-              </a:rPr>
-              <a:t>.</a:t>
-            </a:r>
-            <a:r>
-              <a:rPr lang="en-US" dirty="0">
-                <a:solidFill>
-                  <a:schemeClr val="bg1"/>
-                </a:solidFill>
-              </a:rPr>
-              <a:t>NET Framework Blog</a:t>
-            </a:r>
-            <a:r>
-              <a:rPr lang="ru-RU" dirty="0">
-                <a:solidFill>
-                  <a:schemeClr val="bg1"/>
-                </a:solidFill>
-              </a:rPr>
-              <a:t>: </a:t>
-            </a:r>
-            <a:r>
-              <a:rPr lang="en-US" dirty="0">
-                <a:solidFill>
-                  <a:schemeClr val="bg1"/>
-                </a:solidFill>
-                <a:hlinkClick r:id="rId2"/>
-              </a:rPr>
-              <a:t>http://blogs.msdn.com/b/dotnet/</a:t>
-            </a:r>
-            <a:endParaRPr lang="ru-RU" dirty="0">
-              <a:solidFill>
-                <a:schemeClr val="bg1"/>
-              </a:solidFill>
-            </a:endParaRPr>
-          </a:p>
-          <a:p>
-            <a:r>
-              <a:rPr lang="en-US" dirty="0">
-                <a:solidFill>
-                  <a:schemeClr val="bg1"/>
-                </a:solidFill>
-              </a:rPr>
-              <a:t>Base Class Library (BCL) Blog</a:t>
-            </a:r>
-            <a:r>
-              <a:rPr lang="ru-RU" dirty="0">
-                <a:solidFill>
-                  <a:schemeClr val="bg1"/>
-                </a:solidFill>
-              </a:rPr>
-              <a:t>: </a:t>
-            </a:r>
-            <a:r>
-              <a:rPr lang="en-US" dirty="0">
-                <a:solidFill>
-                  <a:schemeClr val="bg1"/>
-                </a:solidFill>
-                <a:hlinkClick r:id="rId3"/>
-              </a:rPr>
-              <a:t>http://blogs.msdn.com/b/bclteam/</a:t>
-            </a:r>
-            <a:endParaRPr lang="ru-RU" dirty="0">
-              <a:solidFill>
-                <a:schemeClr val="bg1"/>
-              </a:solidFill>
-            </a:endParaRPr>
-          </a:p>
-          <a:p>
-            <a:r>
-              <a:rPr lang="en-US" dirty="0">
-                <a:solidFill>
-                  <a:schemeClr val="bg1"/>
-                </a:solidFill>
-              </a:rPr>
-              <a:t>ADO.NET Blog</a:t>
-            </a:r>
-            <a:r>
-              <a:rPr lang="ru-RU" dirty="0">
-                <a:solidFill>
-                  <a:schemeClr val="bg1"/>
-                </a:solidFill>
-              </a:rPr>
-              <a:t>: </a:t>
-            </a:r>
-            <a:r>
-              <a:rPr lang="en-US" dirty="0">
-                <a:solidFill>
-                  <a:schemeClr val="bg1"/>
-                </a:solidFill>
-                <a:hlinkClick r:id="rId4"/>
-              </a:rPr>
-              <a:t>http://blogs.msdn.com/b/adonet/</a:t>
-            </a:r>
-            <a:endParaRPr lang="ru-RU" dirty="0">
-              <a:solidFill>
-                <a:schemeClr val="bg1"/>
-              </a:solidFill>
-            </a:endParaRPr>
-          </a:p>
-          <a:p>
-            <a:r>
-              <a:rPr lang="en-US" dirty="0">
-                <a:solidFill>
-                  <a:schemeClr val="bg1"/>
-                </a:solidFill>
-              </a:rPr>
-              <a:t>Parallel Programming with .NET</a:t>
-            </a:r>
-            <a:r>
-              <a:rPr lang="ru-RU" dirty="0">
-                <a:solidFill>
-                  <a:schemeClr val="bg1"/>
-                </a:solidFill>
-              </a:rPr>
-              <a:t>: </a:t>
-            </a:r>
-            <a:r>
-              <a:rPr lang="en-US" dirty="0">
-                <a:solidFill>
-                  <a:schemeClr val="bg1"/>
-                </a:solidFill>
-                <a:hlinkClick r:id="rId5"/>
-              </a:rPr>
-              <a:t>http://blogs.msdn.com/b/pfxteam/</a:t>
-            </a:r>
-            <a:endParaRPr lang="ru-RU" dirty="0">
-              <a:solidFill>
-                <a:schemeClr val="bg1"/>
-              </a:solidFill>
-            </a:endParaRPr>
-          </a:p>
-          <a:p>
-            <a:r>
-              <a:rPr lang="ru-RU" dirty="0">
-                <a:solidFill>
-                  <a:schemeClr val="bg1"/>
-                </a:solidFill>
-              </a:rPr>
-              <a:t>С</a:t>
-            </a:r>
-            <a:r>
-              <a:rPr lang="en-US" dirty="0">
-                <a:solidFill>
-                  <a:schemeClr val="bg1"/>
-                </a:solidFill>
-              </a:rPr>
-              <a:t># Little Wonders</a:t>
-            </a:r>
-            <a:r>
-              <a:rPr lang="ru-RU" dirty="0">
-                <a:solidFill>
-                  <a:schemeClr val="bg1"/>
-                </a:solidFill>
-              </a:rPr>
-              <a:t> -</a:t>
-            </a:r>
-            <a:r>
-              <a:rPr lang="en-US" dirty="0">
-                <a:solidFill>
-                  <a:schemeClr val="bg1"/>
-                </a:solidFill>
-              </a:rPr>
-              <a:t> </a:t>
-            </a:r>
-            <a:r>
-              <a:rPr lang="en-US" dirty="0">
-                <a:solidFill>
-                  <a:schemeClr val="bg1"/>
-                </a:solidFill>
-                <a:hlinkClick r:id="rId6"/>
-              </a:rPr>
-              <a:t>http://</a:t>
-            </a:r>
-            <a:r>
-              <a:rPr lang="en-US" dirty="0" smtClean="0">
-                <a:solidFill>
-                  <a:schemeClr val="bg1"/>
-                </a:solidFill>
-                <a:hlinkClick r:id="rId6"/>
-              </a:rPr>
-              <a:t>blackrabbitcoder.net/category/11989.aspx</a:t>
-            </a:r>
-            <a:endParaRPr lang="ru-RU" dirty="0" smtClean="0">
-              <a:solidFill>
-                <a:schemeClr val="bg1"/>
-              </a:solidFill>
-            </a:endParaRPr>
-          </a:p>
-          <a:p>
-            <a:r>
-              <a:rPr lang="en-US" dirty="0" smtClean="0">
-                <a:solidFill>
-                  <a:schemeClr val="bg1"/>
-                </a:solidFill>
-              </a:rPr>
-              <a:t>Scott </a:t>
-            </a:r>
-            <a:r>
-              <a:rPr lang="en-US" dirty="0" err="1" smtClean="0">
-                <a:solidFill>
-                  <a:schemeClr val="bg1"/>
-                </a:solidFill>
-              </a:rPr>
-              <a:t>Hanselman</a:t>
-            </a:r>
-            <a:r>
-              <a:rPr lang="en-US" dirty="0">
-                <a:solidFill>
-                  <a:schemeClr val="bg1"/>
-                </a:solidFill>
-              </a:rPr>
-              <a:t> - </a:t>
-            </a:r>
-            <a:r>
-              <a:rPr lang="en-US" dirty="0">
-                <a:solidFill>
-                  <a:schemeClr val="bg1"/>
-                </a:solidFill>
-                <a:hlinkClick r:id="rId7"/>
-              </a:rPr>
-              <a:t>http://www.hanselman.com/blog</a:t>
-            </a:r>
-            <a:r>
-              <a:rPr lang="en-US" dirty="0" smtClean="0">
-                <a:solidFill>
-                  <a:schemeClr val="bg1"/>
-                </a:solidFill>
-                <a:hlinkClick r:id="rId7"/>
-              </a:rPr>
-              <a:t>/</a:t>
-            </a:r>
-            <a:endParaRPr lang="en-US" dirty="0" smtClean="0">
-              <a:solidFill>
-                <a:schemeClr val="bg1"/>
-              </a:solidFill>
-            </a:endParaRPr>
-          </a:p>
-          <a:p>
-            <a:endParaRPr lang="ru-RU" dirty="0">
-              <a:solidFill>
-                <a:schemeClr val="bg1"/>
-              </a:solidFill>
-            </a:endParaRPr>
-          </a:p>
-          <a:p>
-            <a:pPr marL="457200" lvl="1" indent="0">
-              <a:buNone/>
-            </a:pPr>
-            <a:endParaRPr lang="en-US" dirty="0">
-              <a:solidFill>
-                <a:schemeClr val="bg1"/>
-              </a:solidFill>
-            </a:endParaRPr>
-          </a:p>
-        </p:txBody>
-      </p:sp>
-    </p:spTree>
-    <p:extLst>
-      <p:ext uri="{BB962C8B-B14F-4D97-AF65-F5344CB8AC3E}">
-        <p14:creationId xmlns:p14="http://schemas.microsoft.com/office/powerpoint/2010/main" val="2211951054"/>
-      </p:ext>
-    </p:extLst>
-  </p:cSld>
-  <p:clrMapOvr>
-    <a:masterClrMapping/>
-  </p:clrMapOvr>
-  <p:timing>
-    <p:tnLst>
-      <p:par>
-        <p:cTn id="1" dur="indefinite" restart="never" nodeType="tmRoot"/>
-      </p:par>
-    </p:tnLst>
-  </p:timing>
-</p:sld>
-</file>
-
-<file path=ppt/slides/slide6.xml><?xml version="1.0" encoding="utf-8"?>
-<p:sld xmlns:a="http://schemas.openxmlformats.org/drawingml/2006/main" xmlns:r="http://schemas.openxmlformats.org/officeDocument/2006/relationships" xmlns:p="http://schemas.openxmlformats.org/presentationml/2006/main">
-  <p:cSld>
-    <p:spTree>
-      <p:nvGrpSpPr>
-        <p:cNvPr id="1" name=""/>
-        <p:cNvGrpSpPr/>
-        <p:nvPr/>
-      </p:nvGrpSpPr>
-      <p:grpSpPr>
-        <a:xfrm>
-          <a:off x="0" y="0"/>
-          <a:ext cx="0" cy="0"/>
-          <a:chOff x="0" y="0"/>
-          <a:chExt cx="0" cy="0"/>
-        </a:xfrm>
-      </p:grpSpPr>
-      <p:sp>
-        <p:nvSpPr>
-          <p:cNvPr id="2" name="Title 1"/>
-          <p:cNvSpPr>
-            <a:spLocks noGrp="1"/>
-          </p:cNvSpPr>
-          <p:nvPr>
-            <p:ph type="title"/>
-          </p:nvPr>
-        </p:nvSpPr>
-        <p:spPr/>
-        <p:txBody>
-          <a:bodyPr/>
-          <a:lstStyle/>
-          <a:p>
-            <a:r>
-              <a:rPr lang="ru-RU" dirty="0" smtClean="0"/>
-              <a:t>Подкасты</a:t>
-            </a:r>
-            <a:endParaRPr lang="en-US" dirty="0"/>
-          </a:p>
-        </p:txBody>
-      </p:sp>
-      <p:sp>
-        <p:nvSpPr>
-          <p:cNvPr id="3" name="Content Placeholder 2"/>
-          <p:cNvSpPr>
-            <a:spLocks noGrp="1"/>
-          </p:cNvSpPr>
-          <p:nvPr>
-            <p:ph idx="1"/>
-          </p:nvPr>
-        </p:nvSpPr>
-        <p:spPr/>
-        <p:txBody>
-          <a:bodyPr/>
-          <a:lstStyle/>
-          <a:p>
-            <a:r>
-              <a:rPr lang="en-US" dirty="0" err="1" smtClean="0"/>
-              <a:t>Hanselminutes</a:t>
-            </a:r>
-            <a:r>
-              <a:rPr lang="en-US" dirty="0" smtClean="0"/>
-              <a:t> (English)</a:t>
-            </a:r>
-            <a:r>
-              <a:rPr lang="en-US" dirty="0"/>
-              <a:t/>
-            </a:r>
-            <a:br>
-              <a:rPr lang="en-US" dirty="0"/>
-            </a:br>
-            <a:r>
-              <a:rPr lang="en-US" dirty="0">
-                <a:hlinkClick r:id="rId2"/>
-              </a:rPr>
-              <a:t>http://www.hanselminutes.com</a:t>
-            </a:r>
-            <a:r>
-              <a:rPr lang="en-US" dirty="0" smtClean="0">
-                <a:hlinkClick r:id="rId2"/>
-              </a:rPr>
-              <a:t>/</a:t>
-            </a:r>
-            <a:endParaRPr lang="en-US" dirty="0" smtClean="0"/>
-          </a:p>
-          <a:p>
-            <a:r>
-              <a:rPr lang="en-US" dirty="0"/>
-              <a:t>.NET Rocks</a:t>
-            </a:r>
-            <a:r>
-              <a:rPr lang="en-US" dirty="0" smtClean="0"/>
-              <a:t>! </a:t>
-            </a:r>
-            <a:r>
-              <a:rPr lang="en-US" dirty="0"/>
-              <a:t>(English)</a:t>
-            </a:r>
-            <a:br>
-              <a:rPr lang="en-US" dirty="0"/>
-            </a:br>
-            <a:r>
-              <a:rPr lang="en-US" dirty="0">
-                <a:hlinkClick r:id="rId3"/>
-              </a:rPr>
-              <a:t>http://www.dotnetrocks.com</a:t>
-            </a:r>
-            <a:r>
-              <a:rPr lang="en-US" dirty="0" smtClean="0">
-                <a:hlinkClick r:id="rId3"/>
-              </a:rPr>
-              <a:t>/</a:t>
-            </a:r>
-            <a:endParaRPr lang="en-US" dirty="0" smtClean="0"/>
-          </a:p>
-          <a:p>
-            <a:endParaRPr lang="en-US" dirty="0"/>
-          </a:p>
-        </p:txBody>
-      </p:sp>
-    </p:spTree>
-    <p:extLst>
-      <p:ext uri="{BB962C8B-B14F-4D97-AF65-F5344CB8AC3E}">
-        <p14:creationId xmlns:p14="http://schemas.microsoft.com/office/powerpoint/2010/main" val="2015174044"/>
-      </p:ext>
-    </p:extLst>
-  </p:cSld>
-  <p:clrMapOvr>
-    <a:masterClrMapping/>
-  </p:clrMapOvr>
-  <p:timing>
-    <p:tnLst>
-      <p:par>
-        <p:cTn id="1" dur="indefinite" restart="never" nodeType="tmRoot"/>
-      </p:par>
-    </p:tnLst>
-  </p:timing>
-</p:sld>
-</file>
-
-<file path=ppt/slides/slide7.xml><?xml version="1.0" encoding="utf-8"?>
-<p:sld xmlns:a="http://schemas.openxmlformats.org/drawingml/2006/main" xmlns:r="http://schemas.openxmlformats.org/officeDocument/2006/relationships" xmlns:p="http://schemas.openxmlformats.org/presentationml/2006/main">
-  <p:cSld>
-    <p:spTree>
-      <p:nvGrpSpPr>
-        <p:cNvPr id="1" name=""/>
-        <p:cNvGrpSpPr/>
-        <p:nvPr/>
-      </p:nvGrpSpPr>
-      <p:grpSpPr>
-        <a:xfrm>
-          <a:off x="0" y="0"/>
-          <a:ext cx="0" cy="0"/>
-          <a:chOff x="0" y="0"/>
-          <a:chExt cx="0" cy="0"/>
-        </a:xfrm>
-      </p:grpSpPr>
-      <p:sp>
-        <p:nvSpPr>
-          <p:cNvPr id="2" name="Title 1"/>
-          <p:cNvSpPr>
-            <a:spLocks noGrp="1"/>
-          </p:cNvSpPr>
-          <p:nvPr>
-            <p:ph type="title"/>
-          </p:nvPr>
-        </p:nvSpPr>
-        <p:spPr>
-          <a:xfrm>
-            <a:off x="107504" y="116632"/>
-            <a:ext cx="8928992" cy="648072"/>
-          </a:xfrm>
-        </p:spPr>
-        <p:txBody>
-          <a:bodyPr>
-            <a:normAutofit fontScale="90000"/>
-          </a:bodyPr>
-          <a:lstStyle/>
-          <a:p>
-            <a:r>
-              <a:rPr lang="ru-RU" dirty="0">
-                <a:solidFill>
-                  <a:schemeClr val="bg1"/>
-                </a:solidFill>
-              </a:rPr>
-              <a:t>Задачи по программированию</a:t>
-            </a:r>
-            <a:endParaRPr lang="en-US" dirty="0">
-              <a:solidFill>
-                <a:schemeClr val="bg1"/>
-              </a:solidFill>
-            </a:endParaRPr>
-          </a:p>
-        </p:txBody>
-      </p:sp>
-      <p:sp>
-        <p:nvSpPr>
-          <p:cNvPr id="3" name="Content Placeholder 2"/>
-          <p:cNvSpPr>
-            <a:spLocks noGrp="1"/>
-          </p:cNvSpPr>
-          <p:nvPr>
-            <p:ph idx="1"/>
-          </p:nvPr>
-        </p:nvSpPr>
-        <p:spPr>
-          <a:xfrm>
-            <a:off x="457200" y="764704"/>
-            <a:ext cx="8229600" cy="5361459"/>
-          </a:xfrm>
-        </p:spPr>
-        <p:txBody>
-          <a:bodyPr>
-            <a:normAutofit/>
-          </a:bodyPr>
-          <a:lstStyle/>
-          <a:p>
-            <a:r>
-              <a:rPr lang="ru-RU" dirty="0" smtClean="0">
-                <a:solidFill>
-                  <a:schemeClr val="bg1"/>
-                </a:solidFill>
-              </a:rPr>
-              <a:t>Математические задачи</a:t>
-            </a:r>
-            <a:br>
-              <a:rPr lang="ru-RU" dirty="0" smtClean="0">
-                <a:solidFill>
-                  <a:schemeClr val="bg1"/>
-                </a:solidFill>
-              </a:rPr>
-            </a:br>
-            <a:r>
-              <a:rPr lang="en-US" dirty="0" smtClean="0">
-                <a:solidFill>
-                  <a:schemeClr val="bg1"/>
-                </a:solidFill>
-                <a:hlinkClick r:id="rId2"/>
-              </a:rPr>
-              <a:t>http</a:t>
-            </a:r>
-            <a:r>
-              <a:rPr lang="en-US" dirty="0">
-                <a:solidFill>
-                  <a:schemeClr val="bg1"/>
-                </a:solidFill>
-                <a:hlinkClick r:id="rId2"/>
-              </a:rPr>
-              <a:t>://projecteuler.net</a:t>
-            </a:r>
-            <a:r>
-              <a:rPr lang="en-US" dirty="0" smtClean="0">
-                <a:solidFill>
-                  <a:schemeClr val="bg1"/>
-                </a:solidFill>
-                <a:hlinkClick r:id="rId2"/>
-              </a:rPr>
-              <a:t>/</a:t>
-            </a:r>
-            <a:endParaRPr lang="ru-RU" dirty="0" smtClean="0">
-              <a:solidFill>
-                <a:schemeClr val="bg1"/>
-              </a:solidFill>
-            </a:endParaRPr>
-          </a:p>
-          <a:p>
-            <a:r>
-              <a:rPr lang="ru-RU" dirty="0" smtClean="0">
-                <a:solidFill>
-                  <a:schemeClr val="bg1"/>
-                </a:solidFill>
-              </a:rPr>
-              <a:t>Кодо-дуэли</a:t>
-            </a:r>
-            <a:br>
-              <a:rPr lang="ru-RU" dirty="0" smtClean="0">
-                <a:solidFill>
-                  <a:schemeClr val="bg1"/>
-                </a:solidFill>
-              </a:rPr>
-            </a:br>
-            <a:r>
-              <a:rPr lang="en-US" dirty="0" smtClean="0">
-                <a:solidFill>
-                  <a:schemeClr val="bg1"/>
-                </a:solidFill>
-                <a:hlinkClick r:id="rId3"/>
-              </a:rPr>
-              <a:t>http</a:t>
-            </a:r>
-            <a:r>
-              <a:rPr lang="en-US" dirty="0">
-                <a:solidFill>
-                  <a:schemeClr val="bg1"/>
-                </a:solidFill>
-                <a:hlinkClick r:id="rId3"/>
-              </a:rPr>
-              <a:t>://www.pex4fun.com</a:t>
-            </a:r>
-            <a:r>
-              <a:rPr lang="en-US" dirty="0" smtClean="0">
-                <a:solidFill>
-                  <a:schemeClr val="bg1"/>
-                </a:solidFill>
-                <a:hlinkClick r:id="rId3"/>
-              </a:rPr>
-              <a:t>/</a:t>
-            </a:r>
-            <a:endParaRPr lang="ru-RU" dirty="0" smtClean="0">
-              <a:solidFill>
-                <a:schemeClr val="bg1"/>
-              </a:solidFill>
-            </a:endParaRPr>
-          </a:p>
-          <a:p>
-            <a:endParaRPr lang="ru-RU" dirty="0" smtClean="0">
-              <a:solidFill>
-                <a:schemeClr val="bg1"/>
-              </a:solidFill>
-            </a:endParaRPr>
-          </a:p>
-          <a:p>
-            <a:pPr lvl="1"/>
-            <a:endParaRPr lang="en-US" dirty="0">
-              <a:solidFill>
-                <a:schemeClr val="bg1"/>
-              </a:solidFill>
-            </a:endParaRPr>
-          </a:p>
-        </p:txBody>
-      </p:sp>
-    </p:spTree>
-    <p:extLst>
-      <p:ext uri="{BB962C8B-B14F-4D97-AF65-F5344CB8AC3E}">
-        <p14:creationId xmlns:p14="http://schemas.microsoft.com/office/powerpoint/2010/main" val="1393508030"/>
-      </p:ext>
-    </p:extLst>
-  </p:cSld>
-  <p:clrMapOvr>
-    <a:masterClrMapping/>
-  </p:clrMapOvr>
-  <p:timing>
-    <p:tnLst>
-      <p:par>
-        <p:cTn id="1" dur="indefinite" restart="never" nodeType="tmRoot"/>
-      </p:par>
-    </p:tnLst>
-  </p:timing>
-</p:sld>
-</file>
-
-<file path=ppt/slides/slide8.xml><?xml version="1.0" encoding="utf-8"?>
-<p:sld xmlns:a="http://schemas.openxmlformats.org/drawingml/2006/main" xmlns:r="http://schemas.openxmlformats.org/officeDocument/2006/relationships" xmlns:p="http://schemas.openxmlformats.org/presentationml/2006/main">
-  <p:cSld>
-    <p:spTree>
-      <p:nvGrpSpPr>
-        <p:cNvPr id="1" name=""/>
-        <p:cNvGrpSpPr/>
-        <p:nvPr/>
-      </p:nvGrpSpPr>
-      <p:grpSpPr>
-        <a:xfrm>
-          <a:off x="0" y="0"/>
-          <a:ext cx="0" cy="0"/>
-          <a:chOff x="0" y="0"/>
-          <a:chExt cx="0" cy="0"/>
-        </a:xfrm>
-      </p:grpSpPr>
-      <p:sp>
-        <p:nvSpPr>
-          <p:cNvPr id="2" name="Title 1"/>
-          <p:cNvSpPr>
-            <a:spLocks noGrp="1"/>
-          </p:cNvSpPr>
-          <p:nvPr>
-            <p:ph type="title"/>
-          </p:nvPr>
-        </p:nvSpPr>
-        <p:spPr/>
-        <p:txBody>
-          <a:bodyPr>
-            <a:normAutofit fontScale="90000"/>
-          </a:bodyPr>
-          <a:lstStyle/>
-          <a:p>
-            <a:r>
-              <a:rPr lang="ru-RU" dirty="0" smtClean="0"/>
-              <a:t>Официальная спецификация языка </a:t>
-            </a:r>
-            <a:r>
-              <a:rPr lang="en-US" dirty="0" smtClean="0"/>
-              <a:t>C#</a:t>
-            </a:r>
-            <a:endParaRPr lang="ru-RU" dirty="0"/>
-          </a:p>
-        </p:txBody>
-      </p:sp>
-      <p:sp>
-        <p:nvSpPr>
-          <p:cNvPr id="3" name="Content Placeholder 2"/>
-          <p:cNvSpPr>
-            <a:spLocks noGrp="1"/>
-          </p:cNvSpPr>
-          <p:nvPr>
-            <p:ph idx="1"/>
-          </p:nvPr>
-        </p:nvSpPr>
-        <p:spPr/>
-        <p:txBody>
-          <a:bodyPr/>
-          <a:lstStyle/>
-          <a:p>
-            <a:pPr marL="0" indent="0">
-              <a:buNone/>
-            </a:pPr>
-            <a:r>
-              <a:rPr lang="en-US" dirty="0" smtClean="0">
-                <a:solidFill>
-                  <a:schemeClr val="bg1"/>
-                </a:solidFill>
-              </a:rPr>
-              <a:t>C</a:t>
-            </a:r>
-            <a:r>
-              <a:rPr lang="en-US" dirty="0">
-                <a:solidFill>
-                  <a:schemeClr val="bg1"/>
-                </a:solidFill>
-              </a:rPr>
-              <a:t>:\Program Files (x86)\Microsoft Visual Studio 11.0\VC#\Specifications\1033\ </a:t>
-            </a:r>
-            <a:r>
-              <a:rPr lang="en-US" dirty="0" err="1">
-                <a:solidFill>
-                  <a:schemeClr val="bg1"/>
-                </a:solidFill>
-              </a:rPr>
-              <a:t>CSharp</a:t>
-            </a:r>
-            <a:r>
-              <a:rPr lang="en-US" dirty="0">
-                <a:solidFill>
-                  <a:schemeClr val="bg1"/>
-                </a:solidFill>
-              </a:rPr>
-              <a:t> </a:t>
-            </a:r>
-            <a:r>
-              <a:rPr lang="en-US">
-                <a:solidFill>
-                  <a:schemeClr val="bg1"/>
-                </a:solidFill>
-              </a:rPr>
-              <a:t>Language </a:t>
-            </a:r>
-            <a:r>
-              <a:rPr lang="en-US" smtClean="0">
-                <a:solidFill>
-                  <a:schemeClr val="bg1"/>
-                </a:solidFill>
-              </a:rPr>
-              <a:t>Specification.doc</a:t>
-            </a:r>
-          </a:p>
-          <a:p>
-            <a:pPr marL="0" indent="0">
-              <a:buNone/>
-            </a:pPr>
-            <a:endParaRPr lang="en-US" dirty="0" smtClean="0">
-              <a:solidFill>
-                <a:schemeClr val="bg1"/>
-              </a:solidFill>
-            </a:endParaRPr>
-          </a:p>
-          <a:p>
-            <a:endParaRPr lang="ru-RU" dirty="0"/>
-          </a:p>
-        </p:txBody>
-      </p:sp>
-    </p:spTree>
-    <p:extLst>
-      <p:ext uri="{BB962C8B-B14F-4D97-AF65-F5344CB8AC3E}">
-        <p14:creationId xmlns:p14="http://schemas.microsoft.com/office/powerpoint/2010/main" val="3098128952"/>
-      </p:ext>
-    </p:extLst>
-  </p:cSld>
-  <p:clrMapOvr>
-    <a:masterClrMapping/>
-  </p:clrMapOvr>
-</p:sld>
-</file>
-
-<file path=ppt/slides/slide9.xml><?xml version="1.0" encoding="utf-8"?>
+<file path=ppt/slides/slide10.xml><?xml version="1.0" encoding="utf-8"?>
 <p:sld xmlns:a="http://schemas.openxmlformats.org/drawingml/2006/main" xmlns:r="http://schemas.openxmlformats.org/officeDocument/2006/relationships" xmlns:p="http://schemas.openxmlformats.org/presentationml/2006/main">
   <p:cSld>
     <p:bg>
@@ -4866,6 +3530,1472 @@
       </p:par>
     </p:tnLst>
   </p:timing>
+</p:sld>
+</file>
+
+<file path=ppt/slides/slide2.xml><?xml version="1.0" encoding="utf-8"?>
+<p:sld xmlns:a="http://schemas.openxmlformats.org/drawingml/2006/main" xmlns:r="http://schemas.openxmlformats.org/officeDocument/2006/relationships" xmlns:p="http://schemas.openxmlformats.org/presentationml/2006/main">
+  <p:cSld>
+    <p:spTree>
+      <p:nvGrpSpPr>
+        <p:cNvPr id="1" name=""/>
+        <p:cNvGrpSpPr/>
+        <p:nvPr/>
+      </p:nvGrpSpPr>
+      <p:grpSpPr>
+        <a:xfrm>
+          <a:off x="0" y="0"/>
+          <a:ext cx="0" cy="0"/>
+          <a:chOff x="0" y="0"/>
+          <a:chExt cx="0" cy="0"/>
+        </a:xfrm>
+      </p:grpSpPr>
+      <p:sp>
+        <p:nvSpPr>
+          <p:cNvPr id="3" name="Rectangle 2"/>
+          <p:cNvSpPr/>
+          <p:nvPr/>
+        </p:nvSpPr>
+        <p:spPr>
+          <a:xfrm>
+            <a:off x="251520" y="188640"/>
+            <a:ext cx="8640960" cy="769441"/>
+          </a:xfrm>
+          <a:prstGeom prst="rect">
+            <a:avLst/>
+          </a:prstGeom>
+        </p:spPr>
+        <p:txBody>
+          <a:bodyPr wrap="square">
+            <a:spAutoFit/>
+          </a:bodyPr>
+          <a:lstStyle/>
+          <a:p>
+            <a:pPr lvl="0" algn="ctr"/>
+            <a:r>
+              <a:rPr lang="ru-RU" sz="4400" dirty="0" smtClean="0">
+                <a:solidFill>
+                  <a:schemeClr val="bg1"/>
+                </a:solidFill>
+              </a:rPr>
+              <a:t>Другие </a:t>
+            </a:r>
+            <a:r>
+              <a:rPr lang="ru-RU" sz="4400" dirty="0">
+                <a:solidFill>
+                  <a:schemeClr val="bg1"/>
+                </a:solidFill>
+              </a:rPr>
+              <a:t>курсы </a:t>
+            </a:r>
+            <a:r>
+              <a:rPr lang="ru-RU" sz="4400" dirty="0" smtClean="0">
+                <a:solidFill>
+                  <a:schemeClr val="bg1"/>
+                </a:solidFill>
+              </a:rPr>
+              <a:t>БелХард по </a:t>
+            </a:r>
+            <a:r>
+              <a:rPr lang="en-US" sz="4400" dirty="0" smtClean="0">
+                <a:solidFill>
+                  <a:schemeClr val="bg1"/>
+                </a:solidFill>
+              </a:rPr>
+              <a:t>.NET</a:t>
+            </a:r>
+            <a:endParaRPr lang="en-US" sz="4400" dirty="0">
+              <a:solidFill>
+                <a:schemeClr val="bg1"/>
+              </a:solidFill>
+            </a:endParaRPr>
+          </a:p>
+        </p:txBody>
+      </p:sp>
+      <p:sp>
+        <p:nvSpPr>
+          <p:cNvPr id="2" name="TextBox 1"/>
+          <p:cNvSpPr txBox="1"/>
+          <p:nvPr/>
+        </p:nvSpPr>
+        <p:spPr>
+          <a:xfrm>
+            <a:off x="251520" y="1450519"/>
+            <a:ext cx="8640960" cy="2554545"/>
+          </a:xfrm>
+          <a:prstGeom prst="rect">
+            <a:avLst/>
+          </a:prstGeom>
+          <a:noFill/>
+        </p:spPr>
+        <p:txBody>
+          <a:bodyPr wrap="square" rtlCol="0">
+            <a:spAutoFit/>
+          </a:bodyPr>
+          <a:lstStyle/>
+          <a:p>
+            <a:pPr marL="457200" indent="-457200">
+              <a:buFont typeface="Arial" pitchFamily="34" charset="0"/>
+              <a:buChar char="•"/>
+            </a:pPr>
+            <a:r>
+              <a:rPr lang="ru-RU" sz="3200" dirty="0" smtClean="0"/>
+              <a:t>Создание </a:t>
+            </a:r>
+            <a:r>
+              <a:rPr lang="ru-RU" sz="3200" dirty="0"/>
+              <a:t>веб-приложений в </a:t>
+            </a:r>
+            <a:r>
+              <a:rPr lang="en-US" sz="3200" dirty="0" smtClean="0"/>
+              <a:t>ASP.NET</a:t>
+            </a:r>
+          </a:p>
+          <a:p>
+            <a:pPr marL="914400" lvl="1" indent="-457200">
+              <a:buFont typeface="Arial" pitchFamily="34" charset="0"/>
+              <a:buChar char="•"/>
+            </a:pPr>
+            <a:r>
+              <a:rPr lang="ru-RU" sz="3200" dirty="0" smtClean="0"/>
+              <a:t>Перед этим рекомендуется – «HTML </a:t>
+            </a:r>
+            <a:r>
+              <a:rPr lang="ru-RU" sz="3200" dirty="0"/>
+              <a:t>и CSS. Секреты вёрстки</a:t>
+            </a:r>
+            <a:r>
+              <a:rPr lang="ru-RU" sz="3200" dirty="0" smtClean="0"/>
+              <a:t>.»</a:t>
+            </a:r>
+            <a:endParaRPr lang="ru-RU" sz="3200" dirty="0"/>
+          </a:p>
+          <a:p>
+            <a:pPr marL="457200" indent="-457200">
+              <a:buFont typeface="Arial" pitchFamily="34" charset="0"/>
+              <a:buChar char="•"/>
+            </a:pPr>
+            <a:r>
+              <a:rPr lang="ru-RU" sz="3200" dirty="0"/>
+              <a:t>Windows Phone 7: проектирование и разработка приложений</a:t>
+            </a:r>
+          </a:p>
+        </p:txBody>
+      </p:sp>
+    </p:spTree>
+    <p:extLst>
+      <p:ext uri="{BB962C8B-B14F-4D97-AF65-F5344CB8AC3E}">
+        <p14:creationId xmlns:p14="http://schemas.microsoft.com/office/powerpoint/2010/main" val="1086215874"/>
+      </p:ext>
+    </p:extLst>
+  </p:cSld>
+  <p:clrMapOvr>
+    <a:masterClrMapping/>
+  </p:clrMapOvr>
+  <p:timing>
+    <p:tnLst>
+      <p:par>
+        <p:cTn id="1" dur="indefinite" restart="never" nodeType="tmRoot"/>
+      </p:par>
+    </p:tnLst>
+  </p:timing>
+</p:sld>
+</file>
+
+<file path=ppt/slides/slide3.xml><?xml version="1.0" encoding="utf-8"?>
+<p:sld xmlns:a="http://schemas.openxmlformats.org/drawingml/2006/main" xmlns:r="http://schemas.openxmlformats.org/officeDocument/2006/relationships" xmlns:p="http://schemas.openxmlformats.org/presentationml/2006/main">
+  <p:cSld>
+    <p:spTree>
+      <p:nvGrpSpPr>
+        <p:cNvPr id="1" name=""/>
+        <p:cNvGrpSpPr/>
+        <p:nvPr/>
+      </p:nvGrpSpPr>
+      <p:grpSpPr>
+        <a:xfrm>
+          <a:off x="0" y="0"/>
+          <a:ext cx="0" cy="0"/>
+          <a:chOff x="0" y="0"/>
+          <a:chExt cx="0" cy="0"/>
+        </a:xfrm>
+      </p:grpSpPr>
+      <p:sp>
+        <p:nvSpPr>
+          <p:cNvPr id="3" name="Rectangle 2"/>
+          <p:cNvSpPr/>
+          <p:nvPr/>
+        </p:nvSpPr>
+        <p:spPr>
+          <a:xfrm>
+            <a:off x="251520" y="188640"/>
+            <a:ext cx="8640960" cy="769441"/>
+          </a:xfrm>
+          <a:prstGeom prst="rect">
+            <a:avLst/>
+          </a:prstGeom>
+        </p:spPr>
+        <p:txBody>
+          <a:bodyPr wrap="square">
+            <a:spAutoFit/>
+          </a:bodyPr>
+          <a:lstStyle/>
+          <a:p>
+            <a:pPr lvl="0" algn="ctr"/>
+            <a:r>
+              <a:rPr lang="ru-RU" sz="4400" dirty="0" smtClean="0">
+                <a:solidFill>
+                  <a:schemeClr val="bg1"/>
+                </a:solidFill>
+              </a:rPr>
+              <a:t>Еще курсы БелХард</a:t>
+            </a:r>
+            <a:endParaRPr lang="en-US" sz="4400" dirty="0">
+              <a:solidFill>
+                <a:schemeClr val="bg1"/>
+              </a:solidFill>
+            </a:endParaRPr>
+          </a:p>
+        </p:txBody>
+      </p:sp>
+      <p:sp>
+        <p:nvSpPr>
+          <p:cNvPr id="2" name="TextBox 1"/>
+          <p:cNvSpPr txBox="1"/>
+          <p:nvPr/>
+        </p:nvSpPr>
+        <p:spPr>
+          <a:xfrm>
+            <a:off x="251520" y="1450519"/>
+            <a:ext cx="8640960" cy="2062103"/>
+          </a:xfrm>
+          <a:prstGeom prst="rect">
+            <a:avLst/>
+          </a:prstGeom>
+          <a:noFill/>
+        </p:spPr>
+        <p:txBody>
+          <a:bodyPr wrap="square" rtlCol="0">
+            <a:spAutoFit/>
+          </a:bodyPr>
+          <a:lstStyle/>
+          <a:p>
+            <a:pPr marL="457200" indent="-457200">
+              <a:buFont typeface="Arial" pitchFamily="34" charset="0"/>
+              <a:buChar char="•"/>
+            </a:pPr>
+            <a:r>
+              <a:rPr lang="en-US" sz="3200" dirty="0" smtClean="0"/>
+              <a:t>C, C++</a:t>
+            </a:r>
+          </a:p>
+          <a:p>
+            <a:pPr marL="457200" indent="-457200">
+              <a:buFont typeface="Arial" pitchFamily="34" charset="0"/>
+              <a:buChar char="•"/>
+            </a:pPr>
+            <a:r>
+              <a:rPr lang="en-US" sz="3200" dirty="0" smtClean="0"/>
+              <a:t>Java – </a:t>
+            </a:r>
+            <a:r>
+              <a:rPr lang="ru-RU" sz="3200" dirty="0" smtClean="0"/>
+              <a:t>основы и продвинутый курс</a:t>
+            </a:r>
+            <a:endParaRPr lang="en-US" sz="3200" dirty="0" smtClean="0"/>
+          </a:p>
+          <a:p>
+            <a:pPr marL="457200" indent="-457200">
+              <a:buFont typeface="Arial" pitchFamily="34" charset="0"/>
+              <a:buChar char="•"/>
+            </a:pPr>
+            <a:r>
+              <a:rPr lang="ru-RU" sz="3200" dirty="0" smtClean="0"/>
+              <a:t>Мобильные приложения – </a:t>
+            </a:r>
+            <a:r>
+              <a:rPr lang="en-US" sz="3200" dirty="0" smtClean="0"/>
+              <a:t>Android </a:t>
+            </a:r>
+            <a:r>
+              <a:rPr lang="ru-RU" sz="3200" dirty="0" smtClean="0"/>
+              <a:t>и </a:t>
+            </a:r>
+            <a:r>
+              <a:rPr lang="en-US" sz="3200" dirty="0" smtClean="0"/>
+              <a:t>iPhone</a:t>
+            </a:r>
+            <a:endParaRPr lang="ru-RU" sz="3200" dirty="0" smtClean="0"/>
+          </a:p>
+          <a:p>
+            <a:pPr marL="457200" indent="-457200">
+              <a:buFont typeface="Arial" pitchFamily="34" charset="0"/>
+              <a:buChar char="•"/>
+            </a:pPr>
+            <a:r>
+              <a:rPr lang="ru-RU" sz="3200" dirty="0" smtClean="0"/>
+              <a:t>Тестирование приложений</a:t>
+            </a:r>
+            <a:endParaRPr lang="ru-RU" sz="3200" dirty="0"/>
+          </a:p>
+        </p:txBody>
+      </p:sp>
+    </p:spTree>
+    <p:extLst>
+      <p:ext uri="{BB962C8B-B14F-4D97-AF65-F5344CB8AC3E}">
+        <p14:creationId xmlns:p14="http://schemas.microsoft.com/office/powerpoint/2010/main" val="1126659838"/>
+      </p:ext>
+    </p:extLst>
+  </p:cSld>
+  <p:clrMapOvr>
+    <a:masterClrMapping/>
+  </p:clrMapOvr>
+  <p:timing>
+    <p:tnLst>
+      <p:par>
+        <p:cTn id="1" dur="indefinite" restart="never" nodeType="tmRoot"/>
+      </p:par>
+    </p:tnLst>
+  </p:timing>
+</p:sld>
+</file>
+
+<file path=ppt/slides/slide4.xml><?xml version="1.0" encoding="utf-8"?>
+<p:sld xmlns:a="http://schemas.openxmlformats.org/drawingml/2006/main" xmlns:r="http://schemas.openxmlformats.org/officeDocument/2006/relationships" xmlns:p="http://schemas.openxmlformats.org/presentationml/2006/main">
+  <p:cSld>
+    <p:spTree>
+      <p:nvGrpSpPr>
+        <p:cNvPr id="1" name=""/>
+        <p:cNvGrpSpPr/>
+        <p:nvPr/>
+      </p:nvGrpSpPr>
+      <p:grpSpPr>
+        <a:xfrm>
+          <a:off x="0" y="0"/>
+          <a:ext cx="0" cy="0"/>
+          <a:chOff x="0" y="0"/>
+          <a:chExt cx="0" cy="0"/>
+        </a:xfrm>
+      </p:grpSpPr>
+      <p:sp>
+        <p:nvSpPr>
+          <p:cNvPr id="2" name="Title 1"/>
+          <p:cNvSpPr>
+            <a:spLocks noGrp="1"/>
+          </p:cNvSpPr>
+          <p:nvPr>
+            <p:ph type="title"/>
+          </p:nvPr>
+        </p:nvSpPr>
+        <p:spPr/>
+        <p:txBody>
+          <a:bodyPr/>
+          <a:lstStyle/>
+          <a:p>
+            <a:r>
+              <a:rPr lang="ru-RU" dirty="0" smtClean="0"/>
+              <a:t>Что делать дальше?</a:t>
+            </a:r>
+            <a:endParaRPr lang="ru-RU" dirty="0"/>
+          </a:p>
+        </p:txBody>
+      </p:sp>
+      <p:sp>
+        <p:nvSpPr>
+          <p:cNvPr id="3" name="Content Placeholder 2"/>
+          <p:cNvSpPr>
+            <a:spLocks noGrp="1"/>
+          </p:cNvSpPr>
+          <p:nvPr>
+            <p:ph idx="1"/>
+          </p:nvPr>
+        </p:nvSpPr>
+        <p:spPr/>
+        <p:txBody>
+          <a:bodyPr>
+            <a:normAutofit fontScale="92500" lnSpcReduction="10000"/>
+          </a:bodyPr>
+          <a:lstStyle/>
+          <a:p>
+            <a:r>
+              <a:rPr lang="ru-RU" dirty="0"/>
+              <a:t>ПРОГРАММИРУЙТЕ!</a:t>
+            </a:r>
+            <a:endParaRPr lang="ru-RU" dirty="0" smtClean="0"/>
+          </a:p>
+          <a:p>
+            <a:endParaRPr lang="ru-RU" dirty="0" smtClean="0"/>
+          </a:p>
+          <a:p>
+            <a:r>
+              <a:rPr lang="ru-RU" dirty="0" smtClean="0"/>
+              <a:t>Читайте книги и блоги</a:t>
+            </a:r>
+            <a:r>
+              <a:rPr lang="en-US" dirty="0" smtClean="0"/>
+              <a:t>;</a:t>
+            </a:r>
+            <a:endParaRPr lang="ru-RU" dirty="0" smtClean="0"/>
+          </a:p>
+          <a:p>
+            <a:r>
+              <a:rPr lang="ru-RU" dirty="0" smtClean="0"/>
+              <a:t>Смотрите обучающие видео</a:t>
+            </a:r>
+            <a:r>
+              <a:rPr lang="en-US" dirty="0" smtClean="0"/>
+              <a:t>;</a:t>
+            </a:r>
+            <a:endParaRPr lang="ru-RU" dirty="0" smtClean="0"/>
+          </a:p>
+          <a:p>
+            <a:r>
+              <a:rPr lang="ru-RU" dirty="0" smtClean="0"/>
+              <a:t>Слушайте подкасты</a:t>
+            </a:r>
+            <a:r>
+              <a:rPr lang="en-US" dirty="0" smtClean="0"/>
+              <a:t>;</a:t>
+            </a:r>
+            <a:endParaRPr lang="ru-RU" dirty="0" smtClean="0"/>
+          </a:p>
+          <a:p>
+            <a:r>
+              <a:rPr lang="ru-RU" dirty="0" smtClean="0"/>
+              <a:t>Посещайте конференции, пользовательские группы, хакатоны и </a:t>
+            </a:r>
+            <a:r>
+              <a:rPr lang="ru-RU" dirty="0" smtClean="0"/>
+              <a:t>другие </a:t>
+            </a:r>
+            <a:r>
+              <a:rPr lang="ru-RU" dirty="0" smtClean="0"/>
+              <a:t>события</a:t>
+            </a:r>
+            <a:r>
+              <a:rPr lang="en-US" dirty="0" smtClean="0"/>
+              <a:t>;</a:t>
+            </a:r>
+            <a:endParaRPr lang="ru-RU" dirty="0" smtClean="0"/>
+          </a:p>
+          <a:p>
+            <a:r>
+              <a:rPr lang="ru-RU" dirty="0" smtClean="0"/>
+              <a:t>Изучайте другие языки программирования, технологии и платформы!</a:t>
+            </a:r>
+            <a:endParaRPr lang="ru-RU" dirty="0" smtClean="0"/>
+          </a:p>
+          <a:p>
+            <a:endParaRPr lang="ru-RU" dirty="0" smtClean="0"/>
+          </a:p>
+          <a:p>
+            <a:endParaRPr lang="ru-RU" dirty="0"/>
+          </a:p>
+        </p:txBody>
+      </p:sp>
+    </p:spTree>
+    <p:extLst>
+      <p:ext uri="{BB962C8B-B14F-4D97-AF65-F5344CB8AC3E}">
+        <p14:creationId xmlns:p14="http://schemas.microsoft.com/office/powerpoint/2010/main" val="1949458573"/>
+      </p:ext>
+    </p:extLst>
+  </p:cSld>
+  <p:clrMapOvr>
+    <a:masterClrMapping/>
+  </p:clrMapOvr>
+  <p:timing>
+    <p:tnLst>
+      <p:par>
+        <p:cTn id="1" dur="indefinite" restart="never" nodeType="tmRoot"/>
+      </p:par>
+    </p:tnLst>
+  </p:timing>
+</p:sld>
+</file>
+
+<file path=ppt/slides/slide5.xml><?xml version="1.0" encoding="utf-8"?>
+<p:sld xmlns:a="http://schemas.openxmlformats.org/drawingml/2006/main" xmlns:r="http://schemas.openxmlformats.org/officeDocument/2006/relationships" xmlns:p="http://schemas.openxmlformats.org/presentationml/2006/main">
+  <p:cSld>
+    <p:spTree>
+      <p:nvGrpSpPr>
+        <p:cNvPr id="1" name=""/>
+        <p:cNvGrpSpPr/>
+        <p:nvPr/>
+      </p:nvGrpSpPr>
+      <p:grpSpPr>
+        <a:xfrm>
+          <a:off x="0" y="0"/>
+          <a:ext cx="0" cy="0"/>
+          <a:chOff x="0" y="0"/>
+          <a:chExt cx="0" cy="0"/>
+        </a:xfrm>
+      </p:grpSpPr>
+      <p:sp>
+        <p:nvSpPr>
+          <p:cNvPr id="2" name="Title 1"/>
+          <p:cNvSpPr>
+            <a:spLocks noGrp="1"/>
+          </p:cNvSpPr>
+          <p:nvPr>
+            <p:ph type="title"/>
+          </p:nvPr>
+        </p:nvSpPr>
+        <p:spPr/>
+        <p:txBody>
+          <a:bodyPr/>
+          <a:lstStyle/>
+          <a:p>
+            <a:r>
+              <a:rPr lang="ru-RU" dirty="0" smtClean="0"/>
+              <a:t>Вопросы для самопроверки</a:t>
+            </a:r>
+            <a:endParaRPr lang="en-US" dirty="0"/>
+          </a:p>
+        </p:txBody>
+      </p:sp>
+      <p:sp>
+        <p:nvSpPr>
+          <p:cNvPr id="3" name="Content Placeholder 2"/>
+          <p:cNvSpPr>
+            <a:spLocks noGrp="1"/>
+          </p:cNvSpPr>
+          <p:nvPr>
+            <p:ph idx="1"/>
+          </p:nvPr>
+        </p:nvSpPr>
+        <p:spPr/>
+        <p:txBody>
+          <a:bodyPr/>
+          <a:lstStyle/>
+          <a:p>
+            <a:pPr marL="0" indent="0">
+              <a:buNone/>
+            </a:pPr>
+            <a:r>
+              <a:rPr lang="ru-RU" dirty="0" smtClean="0"/>
+              <a:t>В файле </a:t>
+            </a:r>
+            <a:r>
+              <a:rPr lang="en-US" i="1" dirty="0" smtClean="0">
+                <a:solidFill>
+                  <a:srgbClr val="FFFF99"/>
+                </a:solidFill>
+              </a:rPr>
+              <a:t>self-check-questions.docx</a:t>
+            </a:r>
+            <a:r>
+              <a:rPr lang="ru-RU" dirty="0" smtClean="0"/>
+              <a:t> вы найдете вопросы которые позволят проверить свой уровень знаний о платформе </a:t>
+            </a:r>
+            <a:r>
+              <a:rPr lang="en-US" dirty="0" smtClean="0"/>
+              <a:t>.NET</a:t>
+            </a:r>
+            <a:r>
+              <a:rPr lang="ru-RU" dirty="0" smtClean="0"/>
+              <a:t>.</a:t>
+            </a:r>
+          </a:p>
+          <a:p>
+            <a:pPr marL="0" indent="0">
+              <a:buNone/>
+            </a:pPr>
+            <a:endParaRPr lang="ru-RU" dirty="0"/>
+          </a:p>
+          <a:p>
+            <a:pPr marL="0" indent="0">
+              <a:buNone/>
+            </a:pPr>
+            <a:r>
+              <a:rPr lang="ru-RU" dirty="0" smtClean="0"/>
+              <a:t>Таблица в файле </a:t>
+            </a:r>
+            <a:r>
+              <a:rPr lang="en-US" i="1" dirty="0">
+                <a:solidFill>
+                  <a:srgbClr val="FFFF99"/>
+                </a:solidFill>
+              </a:rPr>
+              <a:t>Programmer Competency </a:t>
+            </a:r>
+            <a:r>
+              <a:rPr lang="en-US" i="1" dirty="0">
+                <a:solidFill>
+                  <a:srgbClr val="FFFF99"/>
+                </a:solidFill>
+              </a:rPr>
+              <a:t>Matrix.docx</a:t>
+            </a:r>
+            <a:r>
+              <a:rPr lang="ru-RU" dirty="0" smtClean="0"/>
+              <a:t> позволит оценить прогресс в различных областях необходимых каждому программисту.</a:t>
+            </a:r>
+          </a:p>
+          <a:p>
+            <a:pPr marL="0" indent="0">
+              <a:buNone/>
+            </a:pPr>
+            <a:endParaRPr lang="en-US" dirty="0"/>
+          </a:p>
+        </p:txBody>
+      </p:sp>
+    </p:spTree>
+    <p:extLst>
+      <p:ext uri="{BB962C8B-B14F-4D97-AF65-F5344CB8AC3E}">
+        <p14:creationId xmlns:p14="http://schemas.microsoft.com/office/powerpoint/2010/main" val="612142936"/>
+      </p:ext>
+    </p:extLst>
+  </p:cSld>
+  <p:clrMapOvr>
+    <a:masterClrMapping/>
+  </p:clrMapOvr>
+</p:sld>
+</file>
+
+<file path=ppt/slides/slide6.xml><?xml version="1.0" encoding="utf-8"?>
+<p:sld xmlns:a="http://schemas.openxmlformats.org/drawingml/2006/main" xmlns:r="http://schemas.openxmlformats.org/officeDocument/2006/relationships" xmlns:p="http://schemas.openxmlformats.org/presentationml/2006/main">
+  <p:cSld>
+    <p:spTree>
+      <p:nvGrpSpPr>
+        <p:cNvPr id="1" name=""/>
+        <p:cNvGrpSpPr/>
+        <p:nvPr/>
+      </p:nvGrpSpPr>
+      <p:grpSpPr>
+        <a:xfrm>
+          <a:off x="0" y="0"/>
+          <a:ext cx="0" cy="0"/>
+          <a:chOff x="0" y="0"/>
+          <a:chExt cx="0" cy="0"/>
+        </a:xfrm>
+      </p:grpSpPr>
+      <p:sp>
+        <p:nvSpPr>
+          <p:cNvPr id="2" name="Title 1"/>
+          <p:cNvSpPr>
+            <a:spLocks noGrp="1"/>
+          </p:cNvSpPr>
+          <p:nvPr>
+            <p:ph type="title"/>
+          </p:nvPr>
+        </p:nvSpPr>
+        <p:spPr>
+          <a:xfrm>
+            <a:off x="107504" y="116632"/>
+            <a:ext cx="8928992" cy="648072"/>
+          </a:xfrm>
+        </p:spPr>
+        <p:txBody>
+          <a:bodyPr>
+            <a:normAutofit fontScale="90000"/>
+          </a:bodyPr>
+          <a:lstStyle/>
+          <a:p>
+            <a:r>
+              <a:rPr lang="ru-RU" dirty="0" smtClean="0">
+                <a:solidFill>
+                  <a:schemeClr val="bg1"/>
+                </a:solidFill>
+              </a:rPr>
+              <a:t>Блоги</a:t>
+            </a:r>
+            <a:endParaRPr lang="en-US" dirty="0">
+              <a:solidFill>
+                <a:schemeClr val="bg1"/>
+              </a:solidFill>
+            </a:endParaRPr>
+          </a:p>
+        </p:txBody>
+      </p:sp>
+      <p:sp>
+        <p:nvSpPr>
+          <p:cNvPr id="3" name="Content Placeholder 2"/>
+          <p:cNvSpPr>
+            <a:spLocks noGrp="1"/>
+          </p:cNvSpPr>
+          <p:nvPr>
+            <p:ph idx="1"/>
+          </p:nvPr>
+        </p:nvSpPr>
+        <p:spPr>
+          <a:xfrm>
+            <a:off x="457200" y="764704"/>
+            <a:ext cx="8229600" cy="5361459"/>
+          </a:xfrm>
+        </p:spPr>
+        <p:txBody>
+          <a:bodyPr>
+            <a:normAutofit fontScale="92500" lnSpcReduction="10000"/>
+          </a:bodyPr>
+          <a:lstStyle/>
+          <a:p>
+            <a:r>
+              <a:rPr lang="en-US" dirty="0" smtClean="0">
+                <a:solidFill>
+                  <a:schemeClr val="bg1"/>
+                </a:solidFill>
+              </a:rPr>
+              <a:t>.</a:t>
+            </a:r>
+            <a:r>
+              <a:rPr lang="en-US" dirty="0">
+                <a:solidFill>
+                  <a:schemeClr val="bg1"/>
+                </a:solidFill>
+              </a:rPr>
+              <a:t>NET Framework Blog</a:t>
+            </a:r>
+            <a:r>
+              <a:rPr lang="ru-RU" dirty="0">
+                <a:solidFill>
+                  <a:schemeClr val="bg1"/>
+                </a:solidFill>
+              </a:rPr>
+              <a:t>: </a:t>
+            </a:r>
+            <a:r>
+              <a:rPr lang="en-US" dirty="0">
+                <a:solidFill>
+                  <a:schemeClr val="bg1"/>
+                </a:solidFill>
+                <a:hlinkClick r:id="rId2"/>
+              </a:rPr>
+              <a:t>http://blogs.msdn.com/b/dotnet/</a:t>
+            </a:r>
+            <a:endParaRPr lang="ru-RU" dirty="0">
+              <a:solidFill>
+                <a:schemeClr val="bg1"/>
+              </a:solidFill>
+            </a:endParaRPr>
+          </a:p>
+          <a:p>
+            <a:r>
+              <a:rPr lang="en-US" dirty="0">
+                <a:solidFill>
+                  <a:schemeClr val="bg1"/>
+                </a:solidFill>
+              </a:rPr>
+              <a:t>Base Class Library (BCL) Blog</a:t>
+            </a:r>
+            <a:r>
+              <a:rPr lang="ru-RU" dirty="0">
+                <a:solidFill>
+                  <a:schemeClr val="bg1"/>
+                </a:solidFill>
+              </a:rPr>
+              <a:t>: </a:t>
+            </a:r>
+            <a:r>
+              <a:rPr lang="en-US" dirty="0">
+                <a:solidFill>
+                  <a:schemeClr val="bg1"/>
+                </a:solidFill>
+                <a:hlinkClick r:id="rId3"/>
+              </a:rPr>
+              <a:t>http://blogs.msdn.com/b/bclteam/</a:t>
+            </a:r>
+            <a:endParaRPr lang="ru-RU" dirty="0">
+              <a:solidFill>
+                <a:schemeClr val="bg1"/>
+              </a:solidFill>
+            </a:endParaRPr>
+          </a:p>
+          <a:p>
+            <a:r>
+              <a:rPr lang="en-US" dirty="0">
+                <a:solidFill>
+                  <a:schemeClr val="bg1"/>
+                </a:solidFill>
+              </a:rPr>
+              <a:t>ADO.NET Blog</a:t>
+            </a:r>
+            <a:r>
+              <a:rPr lang="ru-RU" dirty="0">
+                <a:solidFill>
+                  <a:schemeClr val="bg1"/>
+                </a:solidFill>
+              </a:rPr>
+              <a:t>: </a:t>
+            </a:r>
+            <a:r>
+              <a:rPr lang="en-US" dirty="0">
+                <a:solidFill>
+                  <a:schemeClr val="bg1"/>
+                </a:solidFill>
+                <a:hlinkClick r:id="rId4"/>
+              </a:rPr>
+              <a:t>http://blogs.msdn.com/b/adonet/</a:t>
+            </a:r>
+            <a:endParaRPr lang="ru-RU" dirty="0">
+              <a:solidFill>
+                <a:schemeClr val="bg1"/>
+              </a:solidFill>
+            </a:endParaRPr>
+          </a:p>
+          <a:p>
+            <a:r>
+              <a:rPr lang="en-US" dirty="0">
+                <a:solidFill>
+                  <a:schemeClr val="bg1"/>
+                </a:solidFill>
+              </a:rPr>
+              <a:t>Parallel Programming with .NET</a:t>
+            </a:r>
+            <a:r>
+              <a:rPr lang="ru-RU" dirty="0">
+                <a:solidFill>
+                  <a:schemeClr val="bg1"/>
+                </a:solidFill>
+              </a:rPr>
+              <a:t>: </a:t>
+            </a:r>
+            <a:r>
+              <a:rPr lang="en-US" dirty="0">
+                <a:solidFill>
+                  <a:schemeClr val="bg1"/>
+                </a:solidFill>
+                <a:hlinkClick r:id="rId5"/>
+              </a:rPr>
+              <a:t>http://blogs.msdn.com/b/pfxteam/</a:t>
+            </a:r>
+            <a:endParaRPr lang="ru-RU" dirty="0">
+              <a:solidFill>
+                <a:schemeClr val="bg1"/>
+              </a:solidFill>
+            </a:endParaRPr>
+          </a:p>
+          <a:p>
+            <a:r>
+              <a:rPr lang="ru-RU" dirty="0">
+                <a:solidFill>
+                  <a:schemeClr val="bg1"/>
+                </a:solidFill>
+              </a:rPr>
+              <a:t>С</a:t>
+            </a:r>
+            <a:r>
+              <a:rPr lang="en-US" dirty="0">
+                <a:solidFill>
+                  <a:schemeClr val="bg1"/>
+                </a:solidFill>
+              </a:rPr>
+              <a:t># Little Wonders</a:t>
+            </a:r>
+            <a:r>
+              <a:rPr lang="ru-RU" dirty="0">
+                <a:solidFill>
+                  <a:schemeClr val="bg1"/>
+                </a:solidFill>
+              </a:rPr>
+              <a:t> -</a:t>
+            </a:r>
+            <a:r>
+              <a:rPr lang="en-US" dirty="0">
+                <a:solidFill>
+                  <a:schemeClr val="bg1"/>
+                </a:solidFill>
+              </a:rPr>
+              <a:t> </a:t>
+            </a:r>
+            <a:r>
+              <a:rPr lang="en-US" dirty="0">
+                <a:solidFill>
+                  <a:schemeClr val="bg1"/>
+                </a:solidFill>
+                <a:hlinkClick r:id="rId6"/>
+              </a:rPr>
+              <a:t>http://</a:t>
+            </a:r>
+            <a:r>
+              <a:rPr lang="en-US" dirty="0" smtClean="0">
+                <a:solidFill>
+                  <a:schemeClr val="bg1"/>
+                </a:solidFill>
+                <a:hlinkClick r:id="rId6"/>
+              </a:rPr>
+              <a:t>blackrabbitcoder.net/category/11989.aspx</a:t>
+            </a:r>
+            <a:endParaRPr lang="ru-RU" dirty="0" smtClean="0">
+              <a:solidFill>
+                <a:schemeClr val="bg1"/>
+              </a:solidFill>
+            </a:endParaRPr>
+          </a:p>
+          <a:p>
+            <a:r>
+              <a:rPr lang="en-US" dirty="0" smtClean="0">
+                <a:solidFill>
+                  <a:schemeClr val="bg1"/>
+                </a:solidFill>
+              </a:rPr>
+              <a:t>Scott </a:t>
+            </a:r>
+            <a:r>
+              <a:rPr lang="en-US" dirty="0" err="1" smtClean="0">
+                <a:solidFill>
+                  <a:schemeClr val="bg1"/>
+                </a:solidFill>
+              </a:rPr>
+              <a:t>Hanselman</a:t>
+            </a:r>
+            <a:r>
+              <a:rPr lang="en-US" dirty="0">
+                <a:solidFill>
+                  <a:schemeClr val="bg1"/>
+                </a:solidFill>
+              </a:rPr>
+              <a:t> - </a:t>
+            </a:r>
+            <a:r>
+              <a:rPr lang="en-US" dirty="0">
+                <a:solidFill>
+                  <a:schemeClr val="bg1"/>
+                </a:solidFill>
+                <a:hlinkClick r:id="rId7"/>
+              </a:rPr>
+              <a:t>http://www.hanselman.com/blog</a:t>
+            </a:r>
+            <a:r>
+              <a:rPr lang="en-US" dirty="0" smtClean="0">
+                <a:solidFill>
+                  <a:schemeClr val="bg1"/>
+                </a:solidFill>
+                <a:hlinkClick r:id="rId7"/>
+              </a:rPr>
+              <a:t>/</a:t>
+            </a:r>
+            <a:endParaRPr lang="en-US" dirty="0" smtClean="0">
+              <a:solidFill>
+                <a:schemeClr val="bg1"/>
+              </a:solidFill>
+            </a:endParaRPr>
+          </a:p>
+          <a:p>
+            <a:endParaRPr lang="ru-RU" dirty="0">
+              <a:solidFill>
+                <a:schemeClr val="bg1"/>
+              </a:solidFill>
+            </a:endParaRPr>
+          </a:p>
+          <a:p>
+            <a:pPr marL="457200" lvl="1" indent="0">
+              <a:buNone/>
+            </a:pPr>
+            <a:endParaRPr lang="en-US" dirty="0">
+              <a:solidFill>
+                <a:schemeClr val="bg1"/>
+              </a:solidFill>
+            </a:endParaRPr>
+          </a:p>
+        </p:txBody>
+      </p:sp>
+    </p:spTree>
+    <p:extLst>
+      <p:ext uri="{BB962C8B-B14F-4D97-AF65-F5344CB8AC3E}">
+        <p14:creationId xmlns:p14="http://schemas.microsoft.com/office/powerpoint/2010/main" val="2211951054"/>
+      </p:ext>
+    </p:extLst>
+  </p:cSld>
+  <p:clrMapOvr>
+    <a:masterClrMapping/>
+  </p:clrMapOvr>
+  <p:timing>
+    <p:tnLst>
+      <p:par>
+        <p:cTn id="1" dur="indefinite" restart="never" nodeType="tmRoot"/>
+      </p:par>
+    </p:tnLst>
+  </p:timing>
+</p:sld>
+</file>
+
+<file path=ppt/slides/slide7.xml><?xml version="1.0" encoding="utf-8"?>
+<p:sld xmlns:a="http://schemas.openxmlformats.org/drawingml/2006/main" xmlns:r="http://schemas.openxmlformats.org/officeDocument/2006/relationships" xmlns:p="http://schemas.openxmlformats.org/presentationml/2006/main">
+  <p:cSld>
+    <p:spTree>
+      <p:nvGrpSpPr>
+        <p:cNvPr id="1" name=""/>
+        <p:cNvGrpSpPr/>
+        <p:nvPr/>
+      </p:nvGrpSpPr>
+      <p:grpSpPr>
+        <a:xfrm>
+          <a:off x="0" y="0"/>
+          <a:ext cx="0" cy="0"/>
+          <a:chOff x="0" y="0"/>
+          <a:chExt cx="0" cy="0"/>
+        </a:xfrm>
+      </p:grpSpPr>
+      <p:sp>
+        <p:nvSpPr>
+          <p:cNvPr id="2" name="Title 1"/>
+          <p:cNvSpPr>
+            <a:spLocks noGrp="1"/>
+          </p:cNvSpPr>
+          <p:nvPr>
+            <p:ph type="title"/>
+          </p:nvPr>
+        </p:nvSpPr>
+        <p:spPr/>
+        <p:txBody>
+          <a:bodyPr/>
+          <a:lstStyle/>
+          <a:p>
+            <a:r>
+              <a:rPr lang="ru-RU" dirty="0" smtClean="0"/>
+              <a:t>Подкасты</a:t>
+            </a:r>
+            <a:endParaRPr lang="en-US" dirty="0"/>
+          </a:p>
+        </p:txBody>
+      </p:sp>
+      <p:sp>
+        <p:nvSpPr>
+          <p:cNvPr id="3" name="Content Placeholder 2"/>
+          <p:cNvSpPr>
+            <a:spLocks noGrp="1"/>
+          </p:cNvSpPr>
+          <p:nvPr>
+            <p:ph idx="1"/>
+          </p:nvPr>
+        </p:nvSpPr>
+        <p:spPr/>
+        <p:txBody>
+          <a:bodyPr/>
+          <a:lstStyle/>
+          <a:p>
+            <a:r>
+              <a:rPr lang="en-US" dirty="0" err="1" smtClean="0"/>
+              <a:t>Hanselminutes</a:t>
+            </a:r>
+            <a:r>
+              <a:rPr lang="en-US" dirty="0" smtClean="0"/>
+              <a:t> (English)</a:t>
+            </a:r>
+            <a:r>
+              <a:rPr lang="en-US" dirty="0"/>
+              <a:t/>
+            </a:r>
+            <a:br>
+              <a:rPr lang="en-US" dirty="0"/>
+            </a:br>
+            <a:r>
+              <a:rPr lang="en-US" dirty="0">
+                <a:hlinkClick r:id="rId2"/>
+              </a:rPr>
+              <a:t>http://www.hanselminutes.com</a:t>
+            </a:r>
+            <a:r>
+              <a:rPr lang="en-US" dirty="0" smtClean="0">
+                <a:hlinkClick r:id="rId2"/>
+              </a:rPr>
+              <a:t>/</a:t>
+            </a:r>
+            <a:endParaRPr lang="en-US" dirty="0" smtClean="0"/>
+          </a:p>
+          <a:p>
+            <a:r>
+              <a:rPr lang="en-US" dirty="0"/>
+              <a:t>.NET Rocks</a:t>
+            </a:r>
+            <a:r>
+              <a:rPr lang="en-US" dirty="0" smtClean="0"/>
+              <a:t>! </a:t>
+            </a:r>
+            <a:r>
+              <a:rPr lang="en-US" dirty="0"/>
+              <a:t>(English)</a:t>
+            </a:r>
+            <a:br>
+              <a:rPr lang="en-US" dirty="0"/>
+            </a:br>
+            <a:r>
+              <a:rPr lang="en-US" dirty="0">
+                <a:hlinkClick r:id="rId3"/>
+              </a:rPr>
+              <a:t>http://www.dotnetrocks.com</a:t>
+            </a:r>
+            <a:r>
+              <a:rPr lang="en-US" dirty="0" smtClean="0">
+                <a:hlinkClick r:id="rId3"/>
+              </a:rPr>
+              <a:t>/</a:t>
+            </a:r>
+            <a:endParaRPr lang="en-US" dirty="0" smtClean="0"/>
+          </a:p>
+          <a:p>
+            <a:endParaRPr lang="en-US" dirty="0"/>
+          </a:p>
+        </p:txBody>
+      </p:sp>
+    </p:spTree>
+    <p:extLst>
+      <p:ext uri="{BB962C8B-B14F-4D97-AF65-F5344CB8AC3E}">
+        <p14:creationId xmlns:p14="http://schemas.microsoft.com/office/powerpoint/2010/main" val="2015174044"/>
+      </p:ext>
+    </p:extLst>
+  </p:cSld>
+  <p:clrMapOvr>
+    <a:masterClrMapping/>
+  </p:clrMapOvr>
+  <p:timing>
+    <p:tnLst>
+      <p:par>
+        <p:cTn id="1" dur="indefinite" restart="never" nodeType="tmRoot"/>
+      </p:par>
+    </p:tnLst>
+  </p:timing>
+</p:sld>
+</file>
+
+<file path=ppt/slides/slide8.xml><?xml version="1.0" encoding="utf-8"?>
+<p:sld xmlns:a="http://schemas.openxmlformats.org/drawingml/2006/main" xmlns:r="http://schemas.openxmlformats.org/officeDocument/2006/relationships" xmlns:p="http://schemas.openxmlformats.org/presentationml/2006/main">
+  <p:cSld>
+    <p:spTree>
+      <p:nvGrpSpPr>
+        <p:cNvPr id="1" name=""/>
+        <p:cNvGrpSpPr/>
+        <p:nvPr/>
+      </p:nvGrpSpPr>
+      <p:grpSpPr>
+        <a:xfrm>
+          <a:off x="0" y="0"/>
+          <a:ext cx="0" cy="0"/>
+          <a:chOff x="0" y="0"/>
+          <a:chExt cx="0" cy="0"/>
+        </a:xfrm>
+      </p:grpSpPr>
+      <p:sp>
+        <p:nvSpPr>
+          <p:cNvPr id="2" name="Title 1"/>
+          <p:cNvSpPr>
+            <a:spLocks noGrp="1"/>
+          </p:cNvSpPr>
+          <p:nvPr>
+            <p:ph type="title"/>
+          </p:nvPr>
+        </p:nvSpPr>
+        <p:spPr>
+          <a:xfrm>
+            <a:off x="107504" y="116632"/>
+            <a:ext cx="8928992" cy="648072"/>
+          </a:xfrm>
+        </p:spPr>
+        <p:txBody>
+          <a:bodyPr>
+            <a:normAutofit fontScale="90000"/>
+          </a:bodyPr>
+          <a:lstStyle/>
+          <a:p>
+            <a:r>
+              <a:rPr lang="ru-RU" dirty="0">
+                <a:solidFill>
+                  <a:schemeClr val="bg1"/>
+                </a:solidFill>
+              </a:rPr>
+              <a:t>Задачи по программированию</a:t>
+            </a:r>
+            <a:endParaRPr lang="en-US" dirty="0">
+              <a:solidFill>
+                <a:schemeClr val="bg1"/>
+              </a:solidFill>
+            </a:endParaRPr>
+          </a:p>
+        </p:txBody>
+      </p:sp>
+      <p:sp>
+        <p:nvSpPr>
+          <p:cNvPr id="3" name="Content Placeholder 2"/>
+          <p:cNvSpPr>
+            <a:spLocks noGrp="1"/>
+          </p:cNvSpPr>
+          <p:nvPr>
+            <p:ph idx="1"/>
+          </p:nvPr>
+        </p:nvSpPr>
+        <p:spPr>
+          <a:xfrm>
+            <a:off x="457200" y="764704"/>
+            <a:ext cx="8229600" cy="5361459"/>
+          </a:xfrm>
+        </p:spPr>
+        <p:txBody>
+          <a:bodyPr>
+            <a:normAutofit/>
+          </a:bodyPr>
+          <a:lstStyle/>
+          <a:p>
+            <a:r>
+              <a:rPr lang="ru-RU" dirty="0" smtClean="0">
+                <a:solidFill>
+                  <a:schemeClr val="bg1"/>
+                </a:solidFill>
+              </a:rPr>
+              <a:t>Математические задачи</a:t>
+            </a:r>
+            <a:br>
+              <a:rPr lang="ru-RU" dirty="0" smtClean="0">
+                <a:solidFill>
+                  <a:schemeClr val="bg1"/>
+                </a:solidFill>
+              </a:rPr>
+            </a:br>
+            <a:r>
+              <a:rPr lang="en-US" dirty="0" smtClean="0">
+                <a:solidFill>
+                  <a:schemeClr val="bg1"/>
+                </a:solidFill>
+                <a:hlinkClick r:id="rId2"/>
+              </a:rPr>
+              <a:t>http</a:t>
+            </a:r>
+            <a:r>
+              <a:rPr lang="en-US" dirty="0">
+                <a:solidFill>
+                  <a:schemeClr val="bg1"/>
+                </a:solidFill>
+                <a:hlinkClick r:id="rId2"/>
+              </a:rPr>
+              <a:t>://projecteuler.net</a:t>
+            </a:r>
+            <a:r>
+              <a:rPr lang="en-US" dirty="0" smtClean="0">
+                <a:solidFill>
+                  <a:schemeClr val="bg1"/>
+                </a:solidFill>
+                <a:hlinkClick r:id="rId2"/>
+              </a:rPr>
+              <a:t>/</a:t>
+            </a:r>
+            <a:endParaRPr lang="ru-RU" dirty="0" smtClean="0">
+              <a:solidFill>
+                <a:schemeClr val="bg1"/>
+              </a:solidFill>
+            </a:endParaRPr>
+          </a:p>
+          <a:p>
+            <a:r>
+              <a:rPr lang="ru-RU" dirty="0" smtClean="0">
+                <a:solidFill>
+                  <a:schemeClr val="bg1"/>
+                </a:solidFill>
+              </a:rPr>
+              <a:t>Кодо-дуэли</a:t>
+            </a:r>
+            <a:br>
+              <a:rPr lang="ru-RU" dirty="0" smtClean="0">
+                <a:solidFill>
+                  <a:schemeClr val="bg1"/>
+                </a:solidFill>
+              </a:rPr>
+            </a:br>
+            <a:r>
+              <a:rPr lang="en-US" dirty="0" smtClean="0">
+                <a:solidFill>
+                  <a:schemeClr val="bg1"/>
+                </a:solidFill>
+                <a:hlinkClick r:id="rId3"/>
+              </a:rPr>
+              <a:t>http</a:t>
+            </a:r>
+            <a:r>
+              <a:rPr lang="en-US" dirty="0">
+                <a:solidFill>
+                  <a:schemeClr val="bg1"/>
+                </a:solidFill>
+                <a:hlinkClick r:id="rId3"/>
+              </a:rPr>
+              <a:t>://www.pex4fun.com</a:t>
+            </a:r>
+            <a:r>
+              <a:rPr lang="en-US" dirty="0" smtClean="0">
+                <a:solidFill>
+                  <a:schemeClr val="bg1"/>
+                </a:solidFill>
+                <a:hlinkClick r:id="rId3"/>
+              </a:rPr>
+              <a:t>/</a:t>
+            </a:r>
+            <a:endParaRPr lang="ru-RU" dirty="0" smtClean="0">
+              <a:solidFill>
+                <a:schemeClr val="bg1"/>
+              </a:solidFill>
+            </a:endParaRPr>
+          </a:p>
+          <a:p>
+            <a:endParaRPr lang="ru-RU" dirty="0" smtClean="0">
+              <a:solidFill>
+                <a:schemeClr val="bg1"/>
+              </a:solidFill>
+            </a:endParaRPr>
+          </a:p>
+          <a:p>
+            <a:pPr lvl="1"/>
+            <a:endParaRPr lang="en-US" dirty="0">
+              <a:solidFill>
+                <a:schemeClr val="bg1"/>
+              </a:solidFill>
+            </a:endParaRPr>
+          </a:p>
+        </p:txBody>
+      </p:sp>
+    </p:spTree>
+    <p:extLst>
+      <p:ext uri="{BB962C8B-B14F-4D97-AF65-F5344CB8AC3E}">
+        <p14:creationId xmlns:p14="http://schemas.microsoft.com/office/powerpoint/2010/main" val="1393508030"/>
+      </p:ext>
+    </p:extLst>
+  </p:cSld>
+  <p:clrMapOvr>
+    <a:masterClrMapping/>
+  </p:clrMapOvr>
+  <p:timing>
+    <p:tnLst>
+      <p:par>
+        <p:cTn id="1" dur="indefinite" restart="never" nodeType="tmRoot"/>
+      </p:par>
+    </p:tnLst>
+  </p:timing>
+</p:sld>
+</file>
+
+<file path=ppt/slides/slide9.xml><?xml version="1.0" encoding="utf-8"?>
+<p:sld xmlns:a="http://schemas.openxmlformats.org/drawingml/2006/main" xmlns:r="http://schemas.openxmlformats.org/officeDocument/2006/relationships" xmlns:p="http://schemas.openxmlformats.org/presentationml/2006/main">
+  <p:cSld>
+    <p:spTree>
+      <p:nvGrpSpPr>
+        <p:cNvPr id="1" name=""/>
+        <p:cNvGrpSpPr/>
+        <p:nvPr/>
+      </p:nvGrpSpPr>
+      <p:grpSpPr>
+        <a:xfrm>
+          <a:off x="0" y="0"/>
+          <a:ext cx="0" cy="0"/>
+          <a:chOff x="0" y="0"/>
+          <a:chExt cx="0" cy="0"/>
+        </a:xfrm>
+      </p:grpSpPr>
+      <p:sp>
+        <p:nvSpPr>
+          <p:cNvPr id="2" name="Title 1"/>
+          <p:cNvSpPr>
+            <a:spLocks noGrp="1"/>
+          </p:cNvSpPr>
+          <p:nvPr>
+            <p:ph type="title"/>
+          </p:nvPr>
+        </p:nvSpPr>
+        <p:spPr/>
+        <p:txBody>
+          <a:bodyPr>
+            <a:normAutofit fontScale="90000"/>
+          </a:bodyPr>
+          <a:lstStyle/>
+          <a:p>
+            <a:r>
+              <a:rPr lang="ru-RU" dirty="0" smtClean="0"/>
+              <a:t>Официальная спецификация языка </a:t>
+            </a:r>
+            <a:r>
+              <a:rPr lang="en-US" dirty="0" smtClean="0"/>
+              <a:t>C#</a:t>
+            </a:r>
+            <a:endParaRPr lang="ru-RU" dirty="0"/>
+          </a:p>
+        </p:txBody>
+      </p:sp>
+      <p:sp>
+        <p:nvSpPr>
+          <p:cNvPr id="3" name="Content Placeholder 2"/>
+          <p:cNvSpPr>
+            <a:spLocks noGrp="1"/>
+          </p:cNvSpPr>
+          <p:nvPr>
+            <p:ph idx="1"/>
+          </p:nvPr>
+        </p:nvSpPr>
+        <p:spPr/>
+        <p:txBody>
+          <a:bodyPr/>
+          <a:lstStyle/>
+          <a:p>
+            <a:pPr marL="0" indent="0">
+              <a:buNone/>
+            </a:pPr>
+            <a:r>
+              <a:rPr lang="en-US" dirty="0" smtClean="0">
+                <a:solidFill>
+                  <a:schemeClr val="bg1"/>
+                </a:solidFill>
+              </a:rPr>
+              <a:t>C</a:t>
+            </a:r>
+            <a:r>
+              <a:rPr lang="en-US" dirty="0">
+                <a:solidFill>
+                  <a:schemeClr val="bg1"/>
+                </a:solidFill>
+              </a:rPr>
+              <a:t>:\Program Files (x86)\Microsoft Visual Studio 11.0\VC#\Specifications\1033\ </a:t>
+            </a:r>
+            <a:r>
+              <a:rPr lang="en-US" dirty="0" err="1">
+                <a:solidFill>
+                  <a:schemeClr val="bg1"/>
+                </a:solidFill>
+              </a:rPr>
+              <a:t>CSharp</a:t>
+            </a:r>
+            <a:r>
+              <a:rPr lang="en-US" dirty="0">
+                <a:solidFill>
+                  <a:schemeClr val="bg1"/>
+                </a:solidFill>
+              </a:rPr>
+              <a:t> </a:t>
+            </a:r>
+            <a:r>
+              <a:rPr lang="en-US">
+                <a:solidFill>
+                  <a:schemeClr val="bg1"/>
+                </a:solidFill>
+              </a:rPr>
+              <a:t>Language </a:t>
+            </a:r>
+            <a:r>
+              <a:rPr lang="en-US" smtClean="0">
+                <a:solidFill>
+                  <a:schemeClr val="bg1"/>
+                </a:solidFill>
+              </a:rPr>
+              <a:t>Specification.doc</a:t>
+            </a:r>
+          </a:p>
+          <a:p>
+            <a:pPr marL="0" indent="0">
+              <a:buNone/>
+            </a:pPr>
+            <a:endParaRPr lang="en-US" dirty="0" smtClean="0">
+              <a:solidFill>
+                <a:schemeClr val="bg1"/>
+              </a:solidFill>
+            </a:endParaRPr>
+          </a:p>
+          <a:p>
+            <a:endParaRPr lang="ru-RU" dirty="0"/>
+          </a:p>
+        </p:txBody>
+      </p:sp>
+    </p:spTree>
+    <p:extLst>
+      <p:ext uri="{BB962C8B-B14F-4D97-AF65-F5344CB8AC3E}">
+        <p14:creationId xmlns:p14="http://schemas.microsoft.com/office/powerpoint/2010/main" val="3098128952"/>
+      </p:ext>
+    </p:extLst>
+  </p:cSld>
+  <p:clrMapOvr>
+    <a:masterClrMapping/>
+  </p:clrMapOvr>
 </p:sld>
 </file>
 

--- a/Presentation/that-is-all-folks.pptx
+++ b/Presentation/that-is-all-folks.pptx
@@ -201,7 +201,7 @@
           <a:p>
             <a:fld id="{B24A7054-7FFB-49F4-A126-5DF6E687FF53}" type="datetimeFigureOut">
               <a:rPr lang="ru-RU" smtClean="0"/>
-              <a:t>22.10.2013</a:t>
+              <a:t>29.10.2013</a:t>
             </a:fld>
             <a:endParaRPr lang="ru-RU"/>
           </a:p>
@@ -1483,7 +1483,7 @@
           <a:p>
             <a:fld id="{8E6E6A2A-E9D3-4A0D-B04A-ABDD367A1E08}" type="datetimeFigureOut">
               <a:rPr lang="ru-RU" smtClean="0"/>
-              <a:t>22.10.2013</a:t>
+              <a:t>29.10.2013</a:t>
             </a:fld>
             <a:endParaRPr lang="ru-RU"/>
           </a:p>
@@ -2928,7 +2928,7 @@
           <a:p>
             <a:fld id="{AC3D3127-B7C4-45E3-9797-C527EC9FDD78}" type="datetimeFigureOut">
               <a:rPr lang="ru-RU" smtClean="0"/>
-              <a:t>22.10.2013</a:t>
+              <a:t>29.10.2013</a:t>
             </a:fld>
             <a:endParaRPr lang="ru-RU"/>
           </a:p>
@@ -3912,7 +3912,7 @@
         <p:spPr/>
         <p:txBody>
           <a:bodyPr>
-            <a:normAutofit fontScale="92500" lnSpcReduction="10000"/>
+            <a:normAutofit fontScale="77500" lnSpcReduction="20000"/>
           </a:bodyPr>
           <a:lstStyle/>
           <a:p>
@@ -3961,20 +3961,33 @@
           <a:p>
             <a:r>
               <a:rPr lang="ru-RU" dirty="0" smtClean="0"/>
-              <a:t>Посещайте конференции, пользовательские группы, хакатоны и </a:t>
-            </a:r>
-            <a:r>
-              <a:rPr lang="ru-RU" dirty="0" smtClean="0"/>
-              <a:t>другие </a:t>
-            </a:r>
-            <a:r>
-              <a:rPr lang="ru-RU" dirty="0" smtClean="0"/>
-              <a:t>события</a:t>
+              <a:t>Посещайте конференции, пользовательские группы, хакатоны и другие события</a:t>
             </a:r>
             <a:r>
               <a:rPr lang="en-US" dirty="0" smtClean="0"/>
               <a:t>;</a:t>
             </a:r>
+          </a:p>
+          <a:p>
+            <a:r>
+              <a:rPr lang="ru-RU" dirty="0" smtClean="0"/>
+              <a:t>Участвуйте в проектах с открытым исходным кодом</a:t>
+            </a:r>
+            <a:endParaRPr lang="en-US" dirty="0" smtClean="0"/>
+          </a:p>
+          <a:p>
+            <a:pPr lvl="1"/>
+            <a:r>
+              <a:rPr lang="en-US" dirty="0" smtClean="0"/>
+              <a:t>codeplex.com</a:t>
+            </a:r>
+          </a:p>
+          <a:p>
+            <a:pPr lvl="1"/>
+            <a:r>
+              <a:rPr lang="en-US" dirty="0" smtClean="0"/>
+              <a:t>github.com</a:t>
+            </a:r>
             <a:endParaRPr lang="ru-RU" dirty="0" smtClean="0"/>
           </a:p>
           <a:p>
@@ -3982,7 +3995,6 @@
               <a:rPr lang="ru-RU" dirty="0" smtClean="0"/>
               <a:t>Изучайте другие языки программирования, технологии и платформы!</a:t>
             </a:r>
-            <a:endParaRPr lang="ru-RU" dirty="0" smtClean="0"/>
           </a:p>
           <a:p>
             <a:endParaRPr lang="ru-RU" dirty="0" smtClean="0"/>
@@ -4115,15 +4127,7 @@
                   <a:srgbClr val="FFFF99"/>
                 </a:solidFill>
               </a:rPr>
-              <a:t>Programmer Competency </a:t>
-            </a:r>
-            <a:r>
-              <a:rPr lang="en-US" i="1" dirty="0">
-                <a:solidFill>
-                  <a:srgbClr val="FFFF99"/>
-                </a:solidFill>
-              </a:rPr>
-              <a:t>Matrix.docx</a:t>
+              <a:t>Programmer Competency Matrix.docx</a:t>
             </a:r>
             <a:r>
               <a:rPr lang="ru-RU" dirty="0" smtClean="0"/>

--- a/Presentation/that-is-all-folks.pptx
+++ b/Presentation/that-is-all-folks.pptx
@@ -201,7 +201,7 @@
           <a:p>
             <a:fld id="{B24A7054-7FFB-49F4-A126-5DF6E687FF53}" type="datetimeFigureOut">
               <a:rPr lang="ru-RU" smtClean="0"/>
-              <a:t>29.10.2013</a:t>
+              <a:t>01.11.2013</a:t>
             </a:fld>
             <a:endParaRPr lang="ru-RU"/>
           </a:p>
@@ -1483,7 +1483,7 @@
           <a:p>
             <a:fld id="{8E6E6A2A-E9D3-4A0D-B04A-ABDD367A1E08}" type="datetimeFigureOut">
               <a:rPr lang="ru-RU" smtClean="0"/>
-              <a:t>29.10.2013</a:t>
+              <a:t>01.11.2013</a:t>
             </a:fld>
             <a:endParaRPr lang="ru-RU"/>
           </a:p>
@@ -2928,7 +2928,7 @@
           <a:p>
             <a:fld id="{AC3D3127-B7C4-45E3-9797-C527EC9FDD78}" type="datetimeFigureOut">
               <a:rPr lang="ru-RU" smtClean="0"/>
-              <a:t>29.10.2013</a:t>
+              <a:t>01.11.2013</a:t>
             </a:fld>
             <a:endParaRPr lang="ru-RU"/>
           </a:p>
@@ -3766,7 +3766,7 @@
         <p:spPr>
           <a:xfrm>
             <a:off x="251520" y="1450519"/>
-            <a:ext cx="8640960" cy="2062103"/>
+            <a:ext cx="8640960" cy="5016758"/>
           </a:xfrm>
           <a:prstGeom prst="rect">
             <a:avLst/>
@@ -3784,9 +3784,46 @@
               <a:buChar char="•"/>
             </a:pPr>
             <a:r>
+              <a:rPr lang="ru-RU" sz="3200" dirty="0" smtClean="0"/>
+              <a:t>Языки программирования </a:t>
+            </a:r>
+            <a:r>
               <a:rPr lang="en-US" sz="3200" dirty="0" smtClean="0"/>
-              <a:t>C, C++</a:t>
-            </a:r>
+              <a:t>C</a:t>
+            </a:r>
+            <a:r>
+              <a:rPr lang="en-US" sz="3200" dirty="0" smtClean="0"/>
+              <a:t>, C</a:t>
+            </a:r>
+            <a:r>
+              <a:rPr lang="en-US" sz="3200" dirty="0" smtClean="0"/>
+              <a:t>++</a:t>
+            </a:r>
+            <a:r>
+              <a:rPr lang="ru-RU" sz="3200" dirty="0" smtClean="0"/>
+              <a:t>, </a:t>
+            </a:r>
+            <a:r>
+              <a:rPr lang="en-US" sz="3200" dirty="0" smtClean="0"/>
+              <a:t>Java </a:t>
+            </a:r>
+            <a:r>
+              <a:rPr lang="ru-RU" sz="3200" dirty="0" smtClean="0"/>
+              <a:t>(2 курса), </a:t>
+            </a:r>
+            <a:r>
+              <a:rPr lang="en-US" sz="3200" dirty="0" smtClean="0"/>
+              <a:t>Python</a:t>
+            </a:r>
+            <a:r>
+              <a:rPr lang="ru-RU" sz="3200" dirty="0" smtClean="0"/>
+              <a:t>, </a:t>
+            </a:r>
+            <a:r>
+              <a:rPr lang="en-US" sz="3200" dirty="0" smtClean="0"/>
+              <a:t>Ruby</a:t>
+            </a:r>
+            <a:endParaRPr lang="ru-RU" sz="3200" dirty="0" smtClean="0"/>
           </a:p>
           <a:p>
             <a:pPr marL="457200" indent="-457200">
@@ -3794,14 +3831,14 @@
               <a:buChar char="•"/>
             </a:pPr>
             <a:r>
+              <a:rPr lang="ru-RU" sz="3200" dirty="0" smtClean="0"/>
+              <a:t>Базы данных: </a:t>
+            </a:r>
+            <a:r>
               <a:rPr lang="en-US" sz="3200" dirty="0" smtClean="0"/>
-              <a:t>Java – </a:t>
-            </a:r>
-            <a:r>
-              <a:rPr lang="ru-RU" sz="3200" dirty="0" smtClean="0"/>
-              <a:t>основы и продвинутый курс</a:t>
-            </a:r>
-            <a:endParaRPr lang="en-US" sz="3200" dirty="0" smtClean="0"/>
+              <a:t>MySQL</a:t>
+            </a:r>
+            <a:endParaRPr lang="ru-RU" sz="3200" dirty="0" smtClean="0"/>
           </a:p>
           <a:p>
             <a:pPr marL="457200" indent="-457200">
@@ -3810,21 +3847,16 @@
             </a:pPr>
             <a:r>
               <a:rPr lang="ru-RU" sz="3200" dirty="0" smtClean="0"/>
-              <a:t>Мобильные приложения – </a:t>
+              <a:t>Веб-программирование: </a:t>
+            </a:r>
+            <a:r>
+              <a:rPr lang="en-US" sz="3200" dirty="0"/>
+              <a:t>HTML, </a:t>
             </a:r>
             <a:r>
               <a:rPr lang="en-US" sz="3200" dirty="0" smtClean="0"/>
-              <a:t>Android </a:t>
-            </a:r>
-            <a:r>
-              <a:rPr lang="ru-RU" sz="3200" dirty="0" smtClean="0"/>
-              <a:t>и </a:t>
-            </a:r>
-            <a:r>
-              <a:rPr lang="en-US" sz="3200" dirty="0" smtClean="0"/>
-              <a:t>iPhone</a:t>
-            </a:r>
-            <a:endParaRPr lang="ru-RU" sz="3200" dirty="0" smtClean="0"/>
+              <a:t>PHP, JavaScript, Flash</a:t>
+            </a:r>
           </a:p>
           <a:p>
             <a:pPr marL="457200" indent="-457200">
@@ -3833,7 +3865,66 @@
             </a:pPr>
             <a:r>
               <a:rPr lang="ru-RU" sz="3200" dirty="0" smtClean="0"/>
-              <a:t>Тестирование приложений</a:t>
+              <a:t>Веб-дизайн</a:t>
+            </a:r>
+            <a:endParaRPr lang="en-US" sz="3200" dirty="0" smtClean="0"/>
+          </a:p>
+          <a:p>
+            <a:pPr marL="457200" indent="-457200">
+              <a:buFont typeface="Arial" pitchFamily="34" charset="0"/>
+              <a:buChar char="•"/>
+            </a:pPr>
+            <a:r>
+              <a:rPr lang="ru-RU" sz="3200" dirty="0" smtClean="0"/>
+              <a:t>Мобильные приложения – </a:t>
+            </a:r>
+            <a:r>
+              <a:rPr lang="en-US" sz="3200" dirty="0" smtClean="0"/>
+              <a:t>Android </a:t>
+            </a:r>
+            <a:r>
+              <a:rPr lang="ru-RU" sz="3200" dirty="0" smtClean="0"/>
+              <a:t>и </a:t>
+            </a:r>
+            <a:r>
+              <a:rPr lang="en-US" sz="3200" dirty="0" smtClean="0"/>
+              <a:t>iPhone</a:t>
+            </a:r>
+            <a:endParaRPr lang="ru-RU" sz="3200" dirty="0" smtClean="0"/>
+          </a:p>
+          <a:p>
+            <a:pPr marL="457200" indent="-457200">
+              <a:buFont typeface="Arial" pitchFamily="34" charset="0"/>
+              <a:buChar char="•"/>
+            </a:pPr>
+            <a:r>
+              <a:rPr lang="ru-RU" sz="3200" dirty="0" smtClean="0"/>
+              <a:t>Тестирование </a:t>
+            </a:r>
+            <a:r>
+              <a:rPr lang="ru-RU" sz="3200" dirty="0" smtClean="0"/>
+              <a:t>приложений</a:t>
+            </a:r>
+            <a:endParaRPr lang="en-US" sz="3200" dirty="0" smtClean="0"/>
+          </a:p>
+          <a:p>
+            <a:pPr marL="457200" indent="-457200">
+              <a:buFont typeface="Arial" pitchFamily="34" charset="0"/>
+              <a:buChar char="•"/>
+            </a:pPr>
+            <a:r>
+              <a:rPr lang="ru-RU" sz="3200" dirty="0" smtClean="0"/>
+              <a:t>Компьтерная графика и верстка</a:t>
+            </a:r>
+          </a:p>
+          <a:p>
+            <a:pPr marL="457200" indent="-457200">
+              <a:buFont typeface="Arial" pitchFamily="34" charset="0"/>
+              <a:buChar char="•"/>
+            </a:pPr>
+            <a:r>
+              <a:rPr lang="ru-RU" sz="3200" dirty="0" smtClean="0"/>
+              <a:t>Системное администрирование</a:t>
             </a:r>
             <a:endParaRPr lang="ru-RU" sz="3200" dirty="0"/>
           </a:p>

--- a/Presentation/that-is-all-folks.pptx
+++ b/Presentation/that-is-all-folks.pptx
@@ -3789,15 +3789,7 @@
             </a:r>
             <a:r>
               <a:rPr lang="en-US" sz="3200" dirty="0" smtClean="0"/>
-              <a:t>C</a:t>
-            </a:r>
-            <a:r>
-              <a:rPr lang="en-US" sz="3200" dirty="0" smtClean="0"/>
-              <a:t>, C</a:t>
-            </a:r>
-            <a:r>
-              <a:rPr lang="en-US" sz="3200" dirty="0" smtClean="0"/>
-              <a:t>++</a:t>
+              <a:t>C, C++</a:t>
             </a:r>
             <a:r>
               <a:rPr lang="ru-RU" sz="3200" dirty="0" smtClean="0"/>
@@ -3899,11 +3891,7 @@
             </a:pPr>
             <a:r>
               <a:rPr lang="ru-RU" sz="3200" dirty="0" smtClean="0"/>
-              <a:t>Тестирование </a:t>
-            </a:r>
-            <a:r>
-              <a:rPr lang="ru-RU" sz="3200" dirty="0" smtClean="0"/>
-              <a:t>приложений</a:t>
+              <a:t>Тестирование приложений</a:t>
             </a:r>
             <a:endParaRPr lang="en-US" sz="3200" dirty="0" smtClean="0"/>
           </a:p>
@@ -4000,98 +3988,147 @@
             <p:ph idx="1"/>
           </p:nvPr>
         </p:nvSpPr>
-        <p:spPr/>
+        <p:spPr>
+          <a:xfrm>
+            <a:off x="457200" y="1340768"/>
+            <a:ext cx="8229600" cy="5328592"/>
+          </a:xfrm>
+        </p:spPr>
         <p:txBody>
           <a:bodyPr>
-            <a:normAutofit fontScale="77500" lnSpcReduction="20000"/>
+            <a:noAutofit/>
           </a:bodyPr>
           <a:lstStyle/>
           <a:p>
             <a:r>
-              <a:rPr lang="ru-RU" dirty="0"/>
-              <a:t>ПРОГРАММИРУЙТЕ!</a:t>
-            </a:r>
-            <a:endParaRPr lang="ru-RU" dirty="0" smtClean="0"/>
-          </a:p>
-          <a:p>
-            <a:endParaRPr lang="ru-RU" dirty="0" smtClean="0"/>
-          </a:p>
-          <a:p>
-            <a:r>
-              <a:rPr lang="ru-RU" dirty="0" smtClean="0"/>
+              <a:rPr lang="ru-RU" sz="2000" dirty="0"/>
+              <a:t>ПРОГРАММИРУЙТЕ</a:t>
+            </a:r>
+            <a:r>
+              <a:rPr lang="ru-RU" sz="2000" dirty="0" smtClean="0"/>
+              <a:t>!</a:t>
+            </a:r>
+            <a:endParaRPr lang="ru-RU" sz="2000" dirty="0" smtClean="0"/>
+          </a:p>
+          <a:p>
+            <a:r>
+              <a:rPr lang="ru-RU" sz="2000" dirty="0" smtClean="0"/>
               <a:t>Читайте книги и блоги</a:t>
             </a:r>
             <a:r>
-              <a:rPr lang="en-US" dirty="0" smtClean="0"/>
+              <a:rPr lang="en-US" sz="2000" dirty="0" smtClean="0"/>
               <a:t>;</a:t>
             </a:r>
-            <a:endParaRPr lang="ru-RU" dirty="0" smtClean="0"/>
-          </a:p>
-          <a:p>
-            <a:r>
-              <a:rPr lang="ru-RU" dirty="0" smtClean="0"/>
+            <a:endParaRPr lang="ru-RU" sz="2000" dirty="0" smtClean="0"/>
+          </a:p>
+          <a:p>
+            <a:r>
+              <a:rPr lang="ru-RU" sz="2000" dirty="0" smtClean="0"/>
               <a:t>Смотрите обучающие видео</a:t>
             </a:r>
             <a:r>
-              <a:rPr lang="en-US" dirty="0" smtClean="0"/>
+              <a:rPr lang="en-US" sz="2000" dirty="0" smtClean="0"/>
               <a:t>;</a:t>
             </a:r>
-            <a:endParaRPr lang="ru-RU" dirty="0" smtClean="0"/>
-          </a:p>
-          <a:p>
-            <a:r>
-              <a:rPr lang="ru-RU" dirty="0" smtClean="0"/>
+            <a:endParaRPr lang="ru-RU" sz="2000" dirty="0" smtClean="0"/>
+          </a:p>
+          <a:p>
+            <a:r>
+              <a:rPr lang="ru-RU" sz="2000" dirty="0" smtClean="0"/>
               <a:t>Слушайте подкасты</a:t>
             </a:r>
             <a:r>
-              <a:rPr lang="en-US" dirty="0" smtClean="0"/>
+              <a:rPr lang="en-US" sz="2000" dirty="0" smtClean="0"/>
               <a:t>;</a:t>
             </a:r>
-            <a:endParaRPr lang="ru-RU" dirty="0" smtClean="0"/>
-          </a:p>
-          <a:p>
-            <a:r>
-              <a:rPr lang="ru-RU" dirty="0" smtClean="0"/>
+            <a:endParaRPr lang="ru-RU" sz="2000" dirty="0" smtClean="0"/>
+          </a:p>
+          <a:p>
+            <a:r>
+              <a:rPr lang="ru-RU" sz="2000" dirty="0" smtClean="0"/>
               <a:t>Посещайте конференции, пользовательские группы, хакатоны и другие события</a:t>
             </a:r>
             <a:r>
-              <a:rPr lang="en-US" dirty="0" smtClean="0"/>
+              <a:rPr lang="en-US" sz="2000" dirty="0" smtClean="0"/>
               <a:t>;</a:t>
             </a:r>
           </a:p>
           <a:p>
             <a:r>
-              <a:rPr lang="ru-RU" dirty="0" smtClean="0"/>
+              <a:rPr lang="ru-RU" sz="2000" dirty="0" smtClean="0"/>
               <a:t>Участвуйте в проектах с открытым исходным кодом</a:t>
             </a:r>
-            <a:endParaRPr lang="en-US" dirty="0" smtClean="0"/>
+            <a:endParaRPr lang="en-US" sz="2000" dirty="0" smtClean="0"/>
           </a:p>
           <a:p>
             <a:pPr lvl="1"/>
             <a:r>
-              <a:rPr lang="en-US" dirty="0" smtClean="0"/>
+              <a:rPr lang="en-US" sz="2000" dirty="0" smtClean="0"/>
               <a:t>codeplex.com</a:t>
             </a:r>
           </a:p>
           <a:p>
             <a:pPr lvl="1"/>
             <a:r>
-              <a:rPr lang="en-US" dirty="0" smtClean="0"/>
+              <a:rPr lang="en-US" sz="2000" dirty="0" smtClean="0"/>
               <a:t>github.com</a:t>
             </a:r>
-            <a:endParaRPr lang="ru-RU" dirty="0" smtClean="0"/>
-          </a:p>
-          <a:p>
-            <a:r>
-              <a:rPr lang="ru-RU" dirty="0" smtClean="0"/>
-              <a:t>Изучайте другие языки программирования, технологии и платформы!</a:t>
-            </a:r>
-          </a:p>
-          <a:p>
-            <a:endParaRPr lang="ru-RU" dirty="0" smtClean="0"/>
-          </a:p>
-          <a:p>
-            <a:endParaRPr lang="ru-RU" dirty="0"/>
+          </a:p>
+          <a:p>
+            <a:r>
+              <a:rPr lang="ru-RU" sz="2000" dirty="0" smtClean="0"/>
+              <a:t>Сертификация </a:t>
+            </a:r>
+            <a:r>
+              <a:rPr lang="en-US" sz="2000" dirty="0" smtClean="0"/>
+              <a:t>Microsoft</a:t>
+            </a:r>
+          </a:p>
+          <a:p>
+            <a:pPr lvl="1"/>
+            <a:r>
+              <a:rPr lang="en-US" sz="2000" dirty="0" smtClean="0"/>
+              <a:t>MCSD (Microsoft Certified </a:t>
+            </a:r>
+            <a:r>
+              <a:rPr lang="en-US" sz="2000" dirty="0" err="1" smtClean="0"/>
+              <a:t>Soluitons</a:t>
+            </a:r>
+            <a:r>
+              <a:rPr lang="en-US" sz="2000" dirty="0" smtClean="0"/>
+              <a:t> Developer)</a:t>
+            </a:r>
+          </a:p>
+          <a:p>
+            <a:pPr lvl="1"/>
+            <a:r>
+              <a:rPr lang="en-US" sz="2000" dirty="0">
+                <a:hlinkClick r:id="rId2"/>
+              </a:rPr>
+              <a:t>http://</a:t>
+            </a:r>
+            <a:r>
+              <a:rPr lang="en-US" sz="2000" dirty="0" smtClean="0">
+                <a:hlinkClick r:id="rId2"/>
+              </a:rPr>
+              <a:t>www.microsoft.com/learning/en-us/certification-overview.aspx</a:t>
+            </a:r>
+            <a:endParaRPr lang="ru-RU" sz="2000" dirty="0" smtClean="0"/>
+          </a:p>
+          <a:p>
+            <a:r>
+              <a:rPr lang="ru-RU" sz="2000" dirty="0" smtClean="0"/>
+              <a:t>Изучайте </a:t>
+            </a:r>
+            <a:r>
+              <a:rPr lang="ru-RU" sz="2000" dirty="0" smtClean="0"/>
+              <a:t>другие языки программирования, технологии и платформы</a:t>
+            </a:r>
+            <a:r>
+              <a:rPr lang="ru-RU" sz="2000" dirty="0" smtClean="0"/>
+              <a:t>!</a:t>
+            </a:r>
+            <a:endParaRPr lang="ru-RU" sz="2000" dirty="0"/>
           </a:p>
         </p:txBody>
       </p:sp>

--- a/Presentation/that-is-all-folks.pptx
+++ b/Presentation/that-is-all-folks.pptx
@@ -201,7 +201,7 @@
           <a:p>
             <a:fld id="{B24A7054-7FFB-49F4-A126-5DF6E687FF53}" type="datetimeFigureOut">
               <a:rPr lang="ru-RU" smtClean="0"/>
-              <a:t>01.11.2013</a:t>
+              <a:t>13.04.2014</a:t>
             </a:fld>
             <a:endParaRPr lang="ru-RU"/>
           </a:p>
@@ -1483,7 +1483,7 @@
           <a:p>
             <a:fld id="{8E6E6A2A-E9D3-4A0D-B04A-ABDD367A1E08}" type="datetimeFigureOut">
               <a:rPr lang="ru-RU" smtClean="0"/>
-              <a:t>01.11.2013</a:t>
+              <a:t>13.04.2014</a:t>
             </a:fld>
             <a:endParaRPr lang="ru-RU"/>
           </a:p>
@@ -2928,7 +2928,7 @@
           <a:p>
             <a:fld id="{AC3D3127-B7C4-45E3-9797-C527EC9FDD78}" type="datetimeFigureOut">
               <a:rPr lang="ru-RU" smtClean="0"/>
-              <a:t>01.11.2013</a:t>
+              <a:t>13.04.2014</a:t>
             </a:fld>
             <a:endParaRPr lang="ru-RU"/>
           </a:p>
@@ -4008,7 +4008,6 @@
               <a:rPr lang="ru-RU" sz="2000" dirty="0" smtClean="0"/>
               <a:t>!</a:t>
             </a:r>
-            <a:endParaRPr lang="ru-RU" sz="2000" dirty="0" smtClean="0"/>
           </a:p>
           <a:p>
             <a:r>
@@ -4118,15 +4117,7 @@
           <a:p>
             <a:r>
               <a:rPr lang="ru-RU" sz="2000" dirty="0" smtClean="0"/>
-              <a:t>Изучайте </a:t>
-            </a:r>
-            <a:r>
-              <a:rPr lang="ru-RU" sz="2000" dirty="0" smtClean="0"/>
-              <a:t>другие языки программирования, технологии и платформы</a:t>
-            </a:r>
-            <a:r>
-              <a:rPr lang="ru-RU" sz="2000" dirty="0" smtClean="0"/>
-              <a:t>!</a:t>
+              <a:t>Изучайте другие языки программирования, технологии и платформы!</a:t>
             </a:r>
             <a:endParaRPr lang="ru-RU" sz="2000" dirty="0"/>
           </a:p>
@@ -4878,26 +4869,15 @@
                 </a:solidFill>
                 <a:hlinkClick r:id="rId2"/>
               </a:rPr>
-              <a:t>http</a:t>
-            </a:r>
-            <a:r>
-              <a:rPr lang="en-US" dirty="0">
-                <a:solidFill>
-                  <a:schemeClr val="bg1"/>
-                </a:solidFill>
-                <a:hlinkClick r:id="rId2"/>
-              </a:rPr>
-              <a:t>://projecteuler.net</a:t>
-            </a:r>
-            <a:r>
-              <a:rPr lang="en-US" dirty="0" smtClean="0">
-                <a:solidFill>
-                  <a:schemeClr val="bg1"/>
-                </a:solidFill>
-                <a:hlinkClick r:id="rId2"/>
-              </a:rPr>
-              <a:t>/</a:t>
-            </a:r>
+              <a:t>http://projecteuler.net</a:t>
+            </a:r>
+            <a:endParaRPr lang="en-US" dirty="0" smtClean="0">
+              <a:solidFill>
+                <a:schemeClr val="bg1"/>
+              </a:solidFill>
+            </a:endParaRPr>
+          </a:p>
+          <a:p>
             <a:endParaRPr lang="ru-RU" dirty="0" smtClean="0">
               <a:solidFill>
                 <a:schemeClr val="bg1"/>
@@ -4913,6 +4893,38 @@
               </a:rPr>
               <a:t>Кодо-дуэли</a:t>
             </a:r>
+            <a:r>
+              <a:rPr lang="en-US" dirty="0" smtClean="0">
+                <a:solidFill>
+                  <a:schemeClr val="bg1"/>
+                </a:solidFill>
+              </a:rPr>
+              <a:t> </a:t>
+            </a:r>
+            <a:r>
+              <a:rPr lang="ru-RU" dirty="0" smtClean="0">
+                <a:solidFill>
+                  <a:schemeClr val="bg1"/>
+                </a:solidFill>
+              </a:rPr>
+              <a:t>на </a:t>
+            </a:r>
+            <a:r>
+              <a:rPr lang="en-US" dirty="0" smtClean="0">
+                <a:solidFill>
+                  <a:schemeClr val="bg1"/>
+                </a:solidFill>
+              </a:rPr>
+              <a:t>C#/VB.NET/F#</a:t>
+            </a:r>
+            <a:r>
+              <a:rPr lang="ru-RU" dirty="0" smtClean="0">
+                <a:solidFill>
+                  <a:schemeClr val="bg1"/>
+                </a:solidFill>
+              </a:rPr>
+              <a:t/>
+            </a:r>
             <a:br>
               <a:rPr lang="ru-RU" dirty="0" smtClean="0">
                 <a:solidFill>
@@ -4927,25 +4939,53 @@
                 </a:solidFill>
                 <a:hlinkClick r:id="rId3"/>
               </a:rPr>
-              <a:t>http</a:t>
-            </a:r>
-            <a:r>
-              <a:rPr lang="en-US" dirty="0">
-                <a:solidFill>
-                  <a:schemeClr val="bg1"/>
-                </a:solidFill>
-                <a:hlinkClick r:id="rId3"/>
-              </a:rPr>
-              <a:t>://www.pex4fun.com</a:t>
+              <a:t>http://www.pex4fun.com</a:t>
+            </a:r>
+            <a:endParaRPr lang="en-US" dirty="0" smtClean="0">
+              <a:solidFill>
+                <a:schemeClr val="bg1"/>
+              </a:solidFill>
+            </a:endParaRPr>
+          </a:p>
+          <a:p>
+            <a:endParaRPr lang="en-US" dirty="0" smtClean="0">
+              <a:solidFill>
+                <a:schemeClr val="bg1"/>
+              </a:solidFill>
+            </a:endParaRPr>
+          </a:p>
+          <a:p>
+            <a:r>
+              <a:rPr lang="ru-RU" dirty="0" smtClean="0">
+                <a:solidFill>
+                  <a:schemeClr val="bg1"/>
+                </a:solidFill>
+              </a:rPr>
+              <a:t>Головоломки от других программистов</a:t>
             </a:r>
             <a:r>
               <a:rPr lang="en-US" dirty="0" smtClean="0">
                 <a:solidFill>
                   <a:schemeClr val="bg1"/>
                 </a:solidFill>
-                <a:hlinkClick r:id="rId3"/>
-              </a:rPr>
-              <a:t>/</a:t>
+              </a:rPr>
+              <a:t/>
+            </a:r>
+            <a:br>
+              <a:rPr lang="en-US" dirty="0" smtClean="0">
+                <a:solidFill>
+                  <a:schemeClr val="bg1"/>
+                </a:solidFill>
+              </a:rPr>
+            </a:br>
+            <a:r>
+              <a:rPr lang="en-US" dirty="0" smtClean="0">
+                <a:solidFill>
+                  <a:schemeClr val="bg1"/>
+                </a:solidFill>
+                <a:hlinkClick r:id="rId4"/>
+              </a:rPr>
+              <a:t>http://codegolf.stackexchange.com</a:t>
             </a:r>
             <a:endParaRPr lang="ru-RU" dirty="0" smtClean="0">
               <a:solidFill>

--- a/Presentation/that-is-all-folks.pptx
+++ b/Presentation/that-is-all-folks.pptx
@@ -5,7 +5,7 @@
     <p:sldMasterId id="2147483648" r:id="rId1"/>
   </p:sldMasterIdLst>
   <p:notesMasterIdLst>
-    <p:notesMasterId r:id="rId12"/>
+    <p:notesMasterId r:id="rId13"/>
   </p:notesMasterIdLst>
   <p:sldIdLst>
     <p:sldId id="257" r:id="rId2"/>
@@ -15,9 +15,10 @@
     <p:sldId id="270" r:id="rId6"/>
     <p:sldId id="266" r:id="rId7"/>
     <p:sldId id="267" r:id="rId8"/>
-    <p:sldId id="268" r:id="rId9"/>
-    <p:sldId id="269" r:id="rId10"/>
-    <p:sldId id="262" r:id="rId11"/>
+    <p:sldId id="271" r:id="rId9"/>
+    <p:sldId id="268" r:id="rId10"/>
+    <p:sldId id="269" r:id="rId11"/>
+    <p:sldId id="262" r:id="rId12"/>
   </p:sldIdLst>
   <p:sldSz cx="9144000" cy="6858000" type="screen4x3"/>
   <p:notesSz cx="6858000" cy="9144000"/>
@@ -201,7 +202,7 @@
           <a:p>
             <a:fld id="{B24A7054-7FFB-49F4-A126-5DF6E687FF53}" type="datetimeFigureOut">
               <a:rPr lang="ru-RU" smtClean="0"/>
-              <a:t>13.04.2014</a:t>
+              <a:t>21.09.2014</a:t>
             </a:fld>
             <a:endParaRPr lang="ru-RU"/>
           </a:p>
@@ -1483,7 +1484,7 @@
           <a:p>
             <a:fld id="{8E6E6A2A-E9D3-4A0D-B04A-ABDD367A1E08}" type="datetimeFigureOut">
               <a:rPr lang="ru-RU" smtClean="0"/>
-              <a:t>13.04.2014</a:t>
+              <a:t>21.09.2014</a:t>
             </a:fld>
             <a:endParaRPr lang="ru-RU"/>
           </a:p>
@@ -2928,7 +2929,7 @@
           <a:p>
             <a:fld id="{AC3D3127-B7C4-45E3-9797-C527EC9FDD78}" type="datetimeFigureOut">
               <a:rPr lang="ru-RU" smtClean="0"/>
-              <a:t>13.04.2014</a:t>
+              <a:t>21.09.2014</a:t>
             </a:fld>
             <a:endParaRPr lang="ru-RU"/>
           </a:p>
@@ -3485,6 +3486,147 @@
 <file path=ppt/slides/slide10.xml><?xml version="1.0" encoding="utf-8"?>
 <p:sld xmlns:a="http://schemas.openxmlformats.org/drawingml/2006/main" xmlns:r="http://schemas.openxmlformats.org/officeDocument/2006/relationships" xmlns:p="http://schemas.openxmlformats.org/presentationml/2006/main">
   <p:cSld>
+    <p:spTree>
+      <p:nvGrpSpPr>
+        <p:cNvPr id="1" name=""/>
+        <p:cNvGrpSpPr/>
+        <p:nvPr/>
+      </p:nvGrpSpPr>
+      <p:grpSpPr>
+        <a:xfrm>
+          <a:off x="0" y="0"/>
+          <a:ext cx="0" cy="0"/>
+          <a:chOff x="0" y="0"/>
+          <a:chExt cx="0" cy="0"/>
+        </a:xfrm>
+      </p:grpSpPr>
+      <p:sp>
+        <p:nvSpPr>
+          <p:cNvPr id="2" name="Title 1"/>
+          <p:cNvSpPr>
+            <a:spLocks noGrp="1"/>
+          </p:cNvSpPr>
+          <p:nvPr>
+            <p:ph type="title"/>
+          </p:nvPr>
+        </p:nvSpPr>
+        <p:spPr/>
+        <p:txBody>
+          <a:bodyPr>
+            <a:normAutofit fontScale="90000"/>
+          </a:bodyPr>
+          <a:lstStyle/>
+          <a:p>
+            <a:r>
+              <a:rPr lang="ru-RU" dirty="0" smtClean="0"/>
+              <a:t>Официальная спецификация языка </a:t>
+            </a:r>
+            <a:r>
+              <a:rPr lang="en-US" dirty="0" smtClean="0"/>
+              <a:t>C#</a:t>
+            </a:r>
+            <a:endParaRPr lang="ru-RU" dirty="0"/>
+          </a:p>
+        </p:txBody>
+      </p:sp>
+      <p:sp>
+        <p:nvSpPr>
+          <p:cNvPr id="3" name="Content Placeholder 2"/>
+          <p:cNvSpPr>
+            <a:spLocks noGrp="1"/>
+          </p:cNvSpPr>
+          <p:nvPr>
+            <p:ph idx="1"/>
+          </p:nvPr>
+        </p:nvSpPr>
+        <p:spPr/>
+        <p:txBody>
+          <a:bodyPr/>
+          <a:lstStyle/>
+          <a:p>
+            <a:pPr marL="0" indent="0">
+              <a:buNone/>
+            </a:pPr>
+            <a:r>
+              <a:rPr lang="en-US" dirty="0" smtClean="0">
+                <a:solidFill>
+                  <a:schemeClr val="bg1"/>
+                </a:solidFill>
+              </a:rPr>
+              <a:t>C</a:t>
+            </a:r>
+            <a:r>
+              <a:rPr lang="en-US" dirty="0">
+                <a:solidFill>
+                  <a:schemeClr val="bg1"/>
+                </a:solidFill>
+              </a:rPr>
+              <a:t>:\Program Files (x86)\Microsoft Visual Studio 11.0\VC#\Specifications\1033\ </a:t>
+            </a:r>
+            <a:r>
+              <a:rPr lang="en-US" dirty="0" err="1">
+                <a:solidFill>
+                  <a:schemeClr val="bg1"/>
+                </a:solidFill>
+              </a:rPr>
+              <a:t>CSharp</a:t>
+            </a:r>
+            <a:r>
+              <a:rPr lang="en-US" dirty="0">
+                <a:solidFill>
+                  <a:schemeClr val="bg1"/>
+                </a:solidFill>
+              </a:rPr>
+              <a:t> </a:t>
+            </a:r>
+            <a:r>
+              <a:rPr lang="en-US">
+                <a:solidFill>
+                  <a:schemeClr val="bg1"/>
+                </a:solidFill>
+              </a:rPr>
+              <a:t>Language </a:t>
+            </a:r>
+            <a:r>
+              <a:rPr lang="en-US" smtClean="0">
+                <a:solidFill>
+                  <a:schemeClr val="bg1"/>
+                </a:solidFill>
+              </a:rPr>
+              <a:t>Specification.doc</a:t>
+            </a:r>
+          </a:p>
+          <a:p>
+            <a:pPr marL="0" indent="0">
+              <a:buNone/>
+            </a:pPr>
+            <a:endParaRPr lang="en-US" dirty="0" smtClean="0">
+              <a:solidFill>
+                <a:schemeClr val="bg1"/>
+              </a:solidFill>
+            </a:endParaRPr>
+          </a:p>
+          <a:p>
+            <a:endParaRPr lang="ru-RU" dirty="0"/>
+          </a:p>
+        </p:txBody>
+      </p:sp>
+    </p:spTree>
+    <p:extLst>
+      <p:ext uri="{BB962C8B-B14F-4D97-AF65-F5344CB8AC3E}">
+        <p14:creationId xmlns:p14="http://schemas.microsoft.com/office/powerpoint/2010/main" val="3098128952"/>
+      </p:ext>
+    </p:extLst>
+  </p:cSld>
+  <p:clrMapOvr>
+    <a:masterClrMapping/>
+  </p:clrMapOvr>
+</p:sld>
+</file>
+
+<file path=ppt/slides/slide11.xml><?xml version="1.0" encoding="utf-8"?>
+<p:sld xmlns:a="http://schemas.openxmlformats.org/drawingml/2006/main" xmlns:r="http://schemas.openxmlformats.org/officeDocument/2006/relationships" xmlns:p="http://schemas.openxmlformats.org/presentationml/2006/main">
+  <p:cSld>
     <p:bg>
       <p:bgPr>
         <a:blipFill dpi="0" rotWithShape="1">
@@ -4797,31 +4939,16 @@
             <p:ph type="title"/>
           </p:nvPr>
         </p:nvSpPr>
-        <p:spPr>
-          <a:xfrm>
-            <a:off x="107504" y="116632"/>
-            <a:ext cx="8928992" cy="648072"/>
-          </a:xfrm>
-        </p:spPr>
-        <p:txBody>
-          <a:bodyPr>
-            <a:normAutofit fontScale="90000"/>
-          </a:bodyPr>
+        <p:spPr/>
+        <p:txBody>
+          <a:bodyPr/>
           <a:lstStyle/>
           <a:p>
             <a:r>
-              <a:rPr lang="ru-RU" dirty="0">
-                <a:solidFill>
-                  <a:schemeClr val="bg1"/>
-                </a:solidFill>
-              </a:rPr>
-              <a:t>Задачи по программированию</a:t>
-            </a:r>
-            <a:endParaRPr lang="en-US" dirty="0">
-              <a:solidFill>
-                <a:schemeClr val="bg1"/>
-              </a:solidFill>
-            </a:endParaRPr>
+              <a:rPr lang="ru-RU" dirty="0" smtClean="0"/>
+              <a:t>Обучающие видео</a:t>
+            </a:r>
+            <a:endParaRPr lang="ru-RU" dirty="0"/>
           </a:p>
         </p:txBody>
       </p:sp>
@@ -4835,16 +4962,9 @@
             <p:ph idx="1"/>
           </p:nvPr>
         </p:nvSpPr>
-        <p:spPr>
-          <a:xfrm>
-            <a:off x="457200" y="764704"/>
-            <a:ext cx="8229600" cy="5361459"/>
-          </a:xfrm>
-        </p:spPr>
-        <p:txBody>
-          <a:bodyPr>
-            <a:normAutofit/>
-          </a:bodyPr>
+        <p:spPr/>
+        <p:txBody>
+          <a:bodyPr/>
           <a:lstStyle/>
           <a:p>
             <a:r>
@@ -4853,15 +4973,11 @@
                   <a:schemeClr val="bg1"/>
                 </a:solidFill>
               </a:rPr>
-              <a:t>Математические задачи</a:t>
-            </a:r>
-            <a:br>
-              <a:rPr lang="ru-RU" dirty="0" smtClean="0">
-                <a:solidFill>
-                  <a:schemeClr val="bg1"/>
-                </a:solidFill>
-              </a:rPr>
-            </a:br>
+              <a:t>На русском</a:t>
+            </a:r>
+          </a:p>
+          <a:p>
+            <a:pPr lvl="1"/>
             <a:r>
               <a:rPr lang="en-US" dirty="0" smtClean="0">
                 <a:solidFill>
@@ -4869,15 +4985,26 @@
                 </a:solidFill>
                 <a:hlinkClick r:id="rId2"/>
               </a:rPr>
-              <a:t>http://projecteuler.net</a:t>
-            </a:r>
-            <a:endParaRPr lang="en-US" dirty="0" smtClean="0">
-              <a:solidFill>
-                <a:schemeClr val="bg1"/>
-              </a:solidFill>
-            </a:endParaRPr>
-          </a:p>
-          <a:p>
+              <a:t>http</a:t>
+            </a:r>
+            <a:r>
+              <a:rPr lang="en-US" dirty="0">
+                <a:solidFill>
+                  <a:schemeClr val="bg1"/>
+                </a:solidFill>
+                <a:hlinkClick r:id="rId2"/>
+              </a:rPr>
+              <a:t>://</a:t>
+            </a:r>
+            <a:r>
+              <a:rPr lang="en-US" dirty="0" smtClean="0">
+                <a:solidFill>
+                  <a:schemeClr val="bg1"/>
+                </a:solidFill>
+                <a:hlinkClick r:id="rId2"/>
+              </a:rPr>
+              <a:t>techdays.ru</a:t>
+            </a:r>
             <a:endParaRPr lang="ru-RU" dirty="0" smtClean="0">
               <a:solidFill>
                 <a:schemeClr val="bg1"/>
@@ -4891,101 +5018,28 @@
                   <a:schemeClr val="bg1"/>
                 </a:solidFill>
               </a:rPr>
-              <a:t>Кодо-дуэли</a:t>
+              <a:t>На английском</a:t>
+            </a:r>
+          </a:p>
+          <a:p>
+            <a:pPr lvl="1"/>
+            <a:r>
+              <a:rPr lang="en-US" dirty="0">
+                <a:solidFill>
+                  <a:schemeClr val="bg1"/>
+                </a:solidFill>
+                <a:hlinkClick r:id="rId3"/>
+              </a:rPr>
+              <a:t>http://channel9.msdn.com</a:t>
             </a:r>
             <a:r>
               <a:rPr lang="en-US" dirty="0" smtClean="0">
                 <a:solidFill>
                   <a:schemeClr val="bg1"/>
                 </a:solidFill>
-              </a:rPr>
-              <a:t> </a:t>
-            </a:r>
-            <a:r>
-              <a:rPr lang="ru-RU" dirty="0" smtClean="0">
-                <a:solidFill>
-                  <a:schemeClr val="bg1"/>
-                </a:solidFill>
-              </a:rPr>
-              <a:t>на </a:t>
-            </a:r>
-            <a:r>
-              <a:rPr lang="en-US" dirty="0" smtClean="0">
-                <a:solidFill>
-                  <a:schemeClr val="bg1"/>
-                </a:solidFill>
-              </a:rPr>
-              <a:t>C#/VB.NET/F#</a:t>
-            </a:r>
-            <a:r>
-              <a:rPr lang="ru-RU" dirty="0" smtClean="0">
-                <a:solidFill>
-                  <a:schemeClr val="bg1"/>
-                </a:solidFill>
-              </a:rPr>
-              <a:t/>
-            </a:r>
-            <a:br>
-              <a:rPr lang="ru-RU" dirty="0" smtClean="0">
-                <a:solidFill>
-                  <a:schemeClr val="bg1"/>
-                </a:solidFill>
-              </a:rPr>
-            </a:br>
-            <a:r>
-              <a:rPr lang="en-US" dirty="0" smtClean="0">
-                <a:solidFill>
-                  <a:schemeClr val="bg1"/>
-                </a:solidFill>
                 <a:hlinkClick r:id="rId3"/>
               </a:rPr>
-              <a:t>http://www.pex4fun.com</a:t>
-            </a:r>
-            <a:endParaRPr lang="en-US" dirty="0" smtClean="0">
-              <a:solidFill>
-                <a:schemeClr val="bg1"/>
-              </a:solidFill>
-            </a:endParaRPr>
-          </a:p>
-          <a:p>
-            <a:endParaRPr lang="en-US" dirty="0" smtClean="0">
-              <a:solidFill>
-                <a:schemeClr val="bg1"/>
-              </a:solidFill>
-            </a:endParaRPr>
-          </a:p>
-          <a:p>
-            <a:r>
-              <a:rPr lang="ru-RU" dirty="0" smtClean="0">
-                <a:solidFill>
-                  <a:schemeClr val="bg1"/>
-                </a:solidFill>
-              </a:rPr>
-              <a:t>Головоломки от других программистов</a:t>
-            </a:r>
-            <a:r>
-              <a:rPr lang="en-US" dirty="0" smtClean="0">
-                <a:solidFill>
-                  <a:schemeClr val="bg1"/>
-                </a:solidFill>
-              </a:rPr>
-              <a:t/>
-            </a:r>
-            <a:br>
-              <a:rPr lang="en-US" dirty="0" smtClean="0">
-                <a:solidFill>
-                  <a:schemeClr val="bg1"/>
-                </a:solidFill>
-              </a:rPr>
-            </a:br>
-            <a:r>
-              <a:rPr lang="en-US" dirty="0" smtClean="0">
-                <a:solidFill>
-                  <a:schemeClr val="bg1"/>
-                </a:solidFill>
-                <a:hlinkClick r:id="rId4"/>
-              </a:rPr>
-              <a:t>http://codegolf.stackexchange.com</a:t>
+              <a:t>/</a:t>
             </a:r>
             <a:endParaRPr lang="ru-RU" dirty="0" smtClean="0">
               <a:solidFill>
@@ -4994,39 +5048,94 @@
             </a:endParaRPr>
           </a:p>
           <a:p>
-            <a:endParaRPr lang="ru-RU" dirty="0" smtClean="0">
-              <a:solidFill>
-                <a:schemeClr val="bg1"/>
-              </a:solidFill>
-            </a:endParaRPr>
-          </a:p>
-          <a:p>
             <a:pPr lvl="1"/>
-            <a:endParaRPr lang="en-US" dirty="0">
-              <a:solidFill>
-                <a:schemeClr val="bg1"/>
-              </a:solidFill>
-            </a:endParaRPr>
+            <a:r>
+              <a:rPr lang="en-US" dirty="0">
+                <a:solidFill>
+                  <a:schemeClr val="bg1"/>
+                </a:solidFill>
+                <a:hlinkClick r:id="rId4"/>
+              </a:rPr>
+              <a:t>https://</a:t>
+            </a:r>
+            <a:r>
+              <a:rPr lang="en-US" dirty="0" smtClean="0">
+                <a:solidFill>
+                  <a:schemeClr val="bg1"/>
+                </a:solidFill>
+                <a:hlinkClick r:id="rId4"/>
+              </a:rPr>
+              <a:t>www.wintellectnow.com/videos/index</a:t>
+            </a:r>
+            <a:r>
+              <a:rPr lang="ru-RU" dirty="0" smtClean="0">
+                <a:solidFill>
+                  <a:schemeClr val="bg1"/>
+                </a:solidFill>
+              </a:rPr>
+              <a:t/>
+            </a:r>
+            <a:br>
+              <a:rPr lang="ru-RU" dirty="0" smtClean="0">
+                <a:solidFill>
+                  <a:schemeClr val="bg1"/>
+                </a:solidFill>
+              </a:rPr>
+            </a:br>
+            <a:r>
+              <a:rPr lang="ru-RU" dirty="0" smtClean="0">
+                <a:solidFill>
+                  <a:schemeClr val="bg1"/>
+                </a:solidFill>
+              </a:rPr>
+              <a:t>Часть бесплатно, часть платно</a:t>
+            </a:r>
+          </a:p>
+          <a:p>
+            <a:pPr lvl="1"/>
+            <a:r>
+              <a:rPr lang="en-US" dirty="0">
+                <a:solidFill>
+                  <a:schemeClr val="bg1"/>
+                </a:solidFill>
+                <a:hlinkClick r:id="rId5"/>
+              </a:rPr>
+              <a:t>http://pluralsight.com</a:t>
+            </a:r>
+            <a:r>
+              <a:rPr lang="en-US" dirty="0" smtClean="0">
+                <a:solidFill>
+                  <a:schemeClr val="bg1"/>
+                </a:solidFill>
+                <a:hlinkClick r:id="rId5"/>
+              </a:rPr>
+              <a:t>/</a:t>
+            </a:r>
+            <a:r>
+              <a:rPr lang="ru-RU" dirty="0" smtClean="0">
+                <a:solidFill>
+                  <a:schemeClr val="bg1"/>
+                </a:solidFill>
+              </a:rPr>
+              <a:t> (Платный сервис)</a:t>
+            </a:r>
+          </a:p>
+          <a:p>
+            <a:pPr lvl="1"/>
+            <a:endParaRPr lang="ru-RU" dirty="0"/>
           </a:p>
         </p:txBody>
       </p:sp>
     </p:spTree>
     <p:extLst>
       <p:ext uri="{BB962C8B-B14F-4D97-AF65-F5344CB8AC3E}">
-        <p14:creationId xmlns:p14="http://schemas.microsoft.com/office/powerpoint/2010/main" val="1393508030"/>
+        <p14:creationId xmlns:p14="http://schemas.microsoft.com/office/powerpoint/2010/main" val="3706293392"/>
       </p:ext>
     </p:extLst>
   </p:cSld>
   <p:clrMapOvr>
     <a:masterClrMapping/>
   </p:clrMapOvr>
-  <p:timing>
-    <p:tnLst>
-      <p:par>
-        <p:cTn id="1" dur="indefinite" restart="never" nodeType="tmRoot"/>
-      </p:par>
-    </p:tnLst>
-  </p:timing>
 </p:sld>
 </file>
 
@@ -5057,7 +5166,12 @@
             <p:ph type="title"/>
           </p:nvPr>
         </p:nvSpPr>
-        <p:spPr/>
+        <p:spPr>
+          <a:xfrm>
+            <a:off x="107504" y="116632"/>
+            <a:ext cx="8928992" cy="648072"/>
+          </a:xfrm>
+        </p:spPr>
         <p:txBody>
           <a:bodyPr>
             <a:normAutofit fontScale="90000"/>
@@ -5065,14 +5179,18 @@
           <a:lstStyle/>
           <a:p>
             <a:r>
-              <a:rPr lang="ru-RU" dirty="0" smtClean="0"/>
-              <a:t>Официальная спецификация языка </a:t>
-            </a:r>
-            <a:r>
-              <a:rPr lang="en-US" dirty="0" smtClean="0"/>
-              <a:t>C#</a:t>
-            </a:r>
-            <a:endParaRPr lang="ru-RU" dirty="0"/>
+              <a:rPr lang="ru-RU" dirty="0">
+                <a:solidFill>
+                  <a:schemeClr val="bg1"/>
+                </a:solidFill>
+              </a:rPr>
+              <a:t>Задачи по программированию</a:t>
+            </a:r>
+            <a:endParaRPr lang="en-US" dirty="0">
+              <a:solidFill>
+                <a:schemeClr val="bg1"/>
+              </a:solidFill>
+            </a:endParaRPr>
           </a:p>
         </p:txBody>
       </p:sp>
@@ -5086,67 +5204,42 @@
             <p:ph idx="1"/>
           </p:nvPr>
         </p:nvSpPr>
-        <p:spPr/>
-        <p:txBody>
-          <a:bodyPr/>
+        <p:spPr>
+          <a:xfrm>
+            <a:off x="457200" y="764704"/>
+            <a:ext cx="8229600" cy="5361459"/>
+          </a:xfrm>
+        </p:spPr>
+        <p:txBody>
+          <a:bodyPr>
+            <a:normAutofit/>
+          </a:bodyPr>
           <a:lstStyle/>
           <a:p>
-            <a:pPr marL="0" indent="0">
-              <a:buNone/>
-            </a:pPr>
+            <a:r>
+              <a:rPr lang="ru-RU" dirty="0" smtClean="0">
+                <a:solidFill>
+                  <a:schemeClr val="bg1"/>
+                </a:solidFill>
+              </a:rPr>
+              <a:t>Математические задачи</a:t>
+            </a:r>
+            <a:br>
+              <a:rPr lang="ru-RU" dirty="0" smtClean="0">
+                <a:solidFill>
+                  <a:schemeClr val="bg1"/>
+                </a:solidFill>
+              </a:rPr>
+            </a:br>
             <a:r>
               <a:rPr lang="en-US" dirty="0" smtClean="0">
                 <a:solidFill>
                   <a:schemeClr val="bg1"/>
                 </a:solidFill>
-              </a:rPr>
-              <a:t>C</a:t>
-            </a:r>
-            <a:r>
-              <a:rPr lang="en-US" dirty="0">
-                <a:solidFill>
-                  <a:schemeClr val="bg1"/>
-                </a:solidFill>
-              </a:rPr>
-              <a:t>:\Program Files (x86)\Microsoft Visual Studio 11.0\VC#\Specifications\1033\ </a:t>
-            </a:r>
-            <a:r>
-              <a:rPr lang="en-US" dirty="0" err="1">
-                <a:solidFill>
-                  <a:schemeClr val="bg1"/>
-                </a:solidFill>
-              </a:rPr>
-              <a:t>CSharp</a:t>
-            </a:r>
-            <a:r>
-              <a:rPr lang="en-US" dirty="0">
-                <a:solidFill>
-                  <a:schemeClr val="bg1"/>
-                </a:solidFill>
-              </a:rPr>
-              <a:t> </a:t>
-            </a:r>
-            <a:r>
-              <a:rPr lang="en-US">
-                <a:solidFill>
-                  <a:schemeClr val="bg1"/>
-                </a:solidFill>
-              </a:rPr>
-              <a:t>Language </a:t>
-            </a:r>
-            <a:r>
-              <a:rPr lang="en-US" smtClean="0">
-                <a:solidFill>
-                  <a:schemeClr val="bg1"/>
-                </a:solidFill>
-              </a:rPr>
-              <a:t>Specification.doc</a:t>
-            </a:r>
-          </a:p>
-          <a:p>
-            <a:pPr marL="0" indent="0">
-              <a:buNone/>
-            </a:pPr>
+                <a:hlinkClick r:id="rId2"/>
+              </a:rPr>
+              <a:t>http://projecteuler.net</a:t>
+            </a:r>
             <a:endParaRPr lang="en-US" dirty="0" smtClean="0">
               <a:solidFill>
                 <a:schemeClr val="bg1"/>
@@ -5154,20 +5247,155 @@
             </a:endParaRPr>
           </a:p>
           <a:p>
-            <a:endParaRPr lang="ru-RU" dirty="0"/>
+            <a:endParaRPr lang="ru-RU" dirty="0" smtClean="0">
+              <a:solidFill>
+                <a:schemeClr val="bg1"/>
+              </a:solidFill>
+            </a:endParaRPr>
+          </a:p>
+          <a:p>
+            <a:r>
+              <a:rPr lang="ru-RU" dirty="0" smtClean="0">
+                <a:solidFill>
+                  <a:schemeClr val="bg1"/>
+                </a:solidFill>
+              </a:rPr>
+              <a:t>Кодо-дуэли</a:t>
+            </a:r>
+            <a:r>
+              <a:rPr lang="en-US" dirty="0" smtClean="0">
+                <a:solidFill>
+                  <a:schemeClr val="bg1"/>
+                </a:solidFill>
+              </a:rPr>
+              <a:t> </a:t>
+            </a:r>
+            <a:r>
+              <a:rPr lang="ru-RU" dirty="0" smtClean="0">
+                <a:solidFill>
+                  <a:schemeClr val="bg1"/>
+                </a:solidFill>
+              </a:rPr>
+              <a:t>на </a:t>
+            </a:r>
+            <a:r>
+              <a:rPr lang="en-US" dirty="0" smtClean="0">
+                <a:solidFill>
+                  <a:schemeClr val="bg1"/>
+                </a:solidFill>
+              </a:rPr>
+              <a:t>C#/VB.NET/F#</a:t>
+            </a:r>
+            <a:r>
+              <a:rPr lang="ru-RU" dirty="0" smtClean="0">
+                <a:solidFill>
+                  <a:schemeClr val="bg1"/>
+                </a:solidFill>
+              </a:rPr>
+              <a:t/>
+            </a:r>
+            <a:br>
+              <a:rPr lang="ru-RU" dirty="0" smtClean="0">
+                <a:solidFill>
+                  <a:schemeClr val="bg1"/>
+                </a:solidFill>
+              </a:rPr>
+            </a:br>
+            <a:r>
+              <a:rPr lang="en-US" dirty="0" smtClean="0">
+                <a:solidFill>
+                  <a:schemeClr val="bg1"/>
+                </a:solidFill>
+                <a:hlinkClick r:id="rId3"/>
+              </a:rPr>
+              <a:t>http://www.pex4fun.com</a:t>
+            </a:r>
+            <a:endParaRPr lang="en-US" dirty="0" smtClean="0">
+              <a:solidFill>
+                <a:schemeClr val="bg1"/>
+              </a:solidFill>
+            </a:endParaRPr>
+          </a:p>
+          <a:p>
+            <a:endParaRPr lang="en-US" dirty="0" smtClean="0">
+              <a:solidFill>
+                <a:schemeClr val="bg1"/>
+              </a:solidFill>
+            </a:endParaRPr>
+          </a:p>
+          <a:p>
+            <a:r>
+              <a:rPr lang="ru-RU" dirty="0" smtClean="0">
+                <a:solidFill>
+                  <a:schemeClr val="bg1"/>
+                </a:solidFill>
+              </a:rPr>
+              <a:t>Головоломки от других программистов</a:t>
+            </a:r>
+            <a:r>
+              <a:rPr lang="en-US" dirty="0" smtClean="0">
+                <a:solidFill>
+                  <a:schemeClr val="bg1"/>
+                </a:solidFill>
+              </a:rPr>
+              <a:t/>
+            </a:r>
+            <a:br>
+              <a:rPr lang="en-US" dirty="0" smtClean="0">
+                <a:solidFill>
+                  <a:schemeClr val="bg1"/>
+                </a:solidFill>
+              </a:rPr>
+            </a:br>
+            <a:r>
+              <a:rPr lang="en-US" dirty="0" smtClean="0">
+                <a:solidFill>
+                  <a:schemeClr val="bg1"/>
+                </a:solidFill>
+                <a:hlinkClick r:id="rId4"/>
+              </a:rPr>
+              <a:t>http://codegolf.stackexchange.com</a:t>
+            </a:r>
+            <a:endParaRPr lang="ru-RU" dirty="0" smtClean="0">
+              <a:solidFill>
+                <a:schemeClr val="bg1"/>
+              </a:solidFill>
+            </a:endParaRPr>
+          </a:p>
+          <a:p>
+            <a:endParaRPr lang="ru-RU" dirty="0" smtClean="0">
+              <a:solidFill>
+                <a:schemeClr val="bg1"/>
+              </a:solidFill>
+            </a:endParaRPr>
+          </a:p>
+          <a:p>
+            <a:pPr lvl="1"/>
+            <a:endParaRPr lang="en-US" dirty="0">
+              <a:solidFill>
+                <a:schemeClr val="bg1"/>
+              </a:solidFill>
+            </a:endParaRPr>
           </a:p>
         </p:txBody>
       </p:sp>
     </p:spTree>
     <p:extLst>
       <p:ext uri="{BB962C8B-B14F-4D97-AF65-F5344CB8AC3E}">
-        <p14:creationId xmlns:p14="http://schemas.microsoft.com/office/powerpoint/2010/main" val="3098128952"/>
+        <p14:creationId xmlns:p14="http://schemas.microsoft.com/office/powerpoint/2010/main" val="1393508030"/>
       </p:ext>
     </p:extLst>
   </p:cSld>
   <p:clrMapOvr>
     <a:masterClrMapping/>
   </p:clrMapOvr>
+  <p:timing>
+    <p:tnLst>
+      <p:par>
+        <p:cTn id="1" dur="indefinite" restart="never" nodeType="tmRoot"/>
+      </p:par>
+    </p:tnLst>
+  </p:timing>
 </p:sld>
 </file>
 

--- a/Presentation/that-is-all-folks.pptx
+++ b/Presentation/that-is-all-folks.pptx
@@ -202,7 +202,7 @@
           <a:p>
             <a:fld id="{B24A7054-7FFB-49F4-A126-5DF6E687FF53}" type="datetimeFigureOut">
               <a:rPr lang="ru-RU" smtClean="0"/>
-              <a:t>21.09.2014</a:t>
+              <a:t>11.12.2014</a:t>
             </a:fld>
             <a:endParaRPr lang="ru-RU"/>
           </a:p>
@@ -1484,7 +1484,7 @@
           <a:p>
             <a:fld id="{8E6E6A2A-E9D3-4A0D-B04A-ABDD367A1E08}" type="datetimeFigureOut">
               <a:rPr lang="ru-RU" smtClean="0"/>
-              <a:t>21.09.2014</a:t>
+              <a:t>11.12.2014</a:t>
             </a:fld>
             <a:endParaRPr lang="ru-RU"/>
           </a:p>
@@ -2929,7 +2929,7 @@
           <a:p>
             <a:fld id="{AC3D3127-B7C4-45E3-9797-C527EC9FDD78}" type="datetimeFigureOut">
               <a:rPr lang="ru-RU" smtClean="0"/>
-              <a:t>21.09.2014</a:t>
+              <a:t>11.12.2014</a:t>
             </a:fld>
             <a:endParaRPr lang="ru-RU"/>
           </a:p>
@@ -5212,7 +5212,7 @@
         </p:spPr>
         <p:txBody>
           <a:bodyPr>
-            <a:normAutofit/>
+            <a:normAutofit fontScale="92500" lnSpcReduction="10000"/>
           </a:bodyPr>
           <a:lstStyle/>
           <a:p>
@@ -5222,13 +5222,23 @@
                   <a:schemeClr val="bg1"/>
                 </a:solidFill>
               </a:rPr>
-              <a:t>Математические задачи</a:t>
+              <a:t>Школа программиста</a:t>
+            </a:r>
+            <a:r>
+              <a:rPr lang="en-US" dirty="0" smtClean="0">
+                <a:solidFill>
+                  <a:schemeClr val="bg1"/>
+                </a:solidFill>
+                <a:hlinkClick r:id="rId2"/>
+              </a:rPr>
+              <a:t/>
             </a:r>
             <a:br>
-              <a:rPr lang="ru-RU" dirty="0" smtClean="0">
-                <a:solidFill>
-                  <a:schemeClr val="bg1"/>
-                </a:solidFill>
+              <a:rPr lang="en-US" dirty="0" smtClean="0">
+                <a:solidFill>
+                  <a:schemeClr val="bg1"/>
+                </a:solidFill>
+                <a:hlinkClick r:id="rId2"/>
               </a:rPr>
             </a:br>
             <a:r>
@@ -5238,7 +5248,25 @@
                 </a:solidFill>
                 <a:hlinkClick r:id="rId2"/>
               </a:rPr>
-              <a:t>http://projecteuler.net</a:t>
+              <a:t>http</a:t>
+            </a:r>
+            <a:r>
+              <a:rPr lang="en-US" dirty="0">
+                <a:solidFill>
+                  <a:schemeClr val="bg1"/>
+                </a:solidFill>
+                <a:hlinkClick r:id="rId2"/>
+              </a:rPr>
+              <a:t>://</a:t>
+            </a:r>
+            <a:r>
+              <a:rPr lang="en-US" dirty="0" smtClean="0">
+                <a:solidFill>
+                  <a:schemeClr val="bg1"/>
+                </a:solidFill>
+                <a:hlinkClick r:id="rId2"/>
+              </a:rPr>
+              <a:t>acmp.ru/index.asp?main=tasks</a:t>
             </a:r>
             <a:endParaRPr lang="en-US" dirty="0" smtClean="0">
               <a:solidFill>
@@ -5247,6 +5275,52 @@
             </a:endParaRPr>
           </a:p>
           <a:p>
+            <a:endParaRPr lang="en-US" dirty="0">
+              <a:solidFill>
+                <a:schemeClr val="bg1"/>
+              </a:solidFill>
+            </a:endParaRPr>
+          </a:p>
+          <a:p>
+            <a:r>
+              <a:rPr lang="ru-RU" dirty="0" smtClean="0">
+                <a:solidFill>
+                  <a:schemeClr val="bg1"/>
+                </a:solidFill>
+              </a:rPr>
+              <a:t>Математические </a:t>
+            </a:r>
+            <a:r>
+              <a:rPr lang="ru-RU" dirty="0" smtClean="0">
+                <a:solidFill>
+                  <a:schemeClr val="bg1"/>
+                </a:solidFill>
+              </a:rPr>
+              <a:t>задачи</a:t>
+            </a:r>
+            <a:br>
+              <a:rPr lang="ru-RU" dirty="0" smtClean="0">
+                <a:solidFill>
+                  <a:schemeClr val="bg1"/>
+                </a:solidFill>
+              </a:rPr>
+            </a:br>
+            <a:r>
+              <a:rPr lang="en-US" dirty="0" smtClean="0">
+                <a:solidFill>
+                  <a:schemeClr val="bg1"/>
+                </a:solidFill>
+                <a:hlinkClick r:id="rId3"/>
+              </a:rPr>
+              <a:t>http://projecteuler.net</a:t>
+            </a:r>
+            <a:endParaRPr lang="en-US" dirty="0" smtClean="0">
+              <a:solidFill>
+                <a:schemeClr val="bg1"/>
+              </a:solidFill>
+            </a:endParaRPr>
+          </a:p>
+          <a:p>
             <a:endParaRPr lang="ru-RU" dirty="0" smtClean="0">
               <a:solidFill>
                 <a:schemeClr val="bg1"/>
@@ -5306,7 +5380,7 @@
                 <a:solidFill>
                   <a:schemeClr val="bg1"/>
                 </a:solidFill>
-                <a:hlinkClick r:id="rId3"/>
+                <a:hlinkClick r:id="rId4"/>
               </a:rPr>
               <a:t>http://www.pex4fun.com</a:t>
             </a:r>
@@ -5352,7 +5426,7 @@
                 <a:solidFill>
                   <a:schemeClr val="bg1"/>
                 </a:solidFill>
-                <a:hlinkClick r:id="rId4"/>
+                <a:hlinkClick r:id="rId5"/>
               </a:rPr>
               <a:t>http://codegolf.stackexchange.com</a:t>
             </a:r>

--- a/Presentation/that-is-all-folks.pptx
+++ b/Presentation/that-is-all-folks.pptx
@@ -5,20 +5,21 @@
     <p:sldMasterId id="2147483648" r:id="rId1"/>
   </p:sldMasterIdLst>
   <p:notesMasterIdLst>
-    <p:notesMasterId r:id="rId13"/>
+    <p:notesMasterId r:id="rId14"/>
   </p:notesMasterIdLst>
   <p:sldIdLst>
     <p:sldId id="257" r:id="rId2"/>
-    <p:sldId id="261" r:id="rId3"/>
-    <p:sldId id="265" r:id="rId4"/>
-    <p:sldId id="264" r:id="rId5"/>
-    <p:sldId id="270" r:id="rId6"/>
-    <p:sldId id="266" r:id="rId7"/>
-    <p:sldId id="267" r:id="rId8"/>
-    <p:sldId id="271" r:id="rId9"/>
-    <p:sldId id="268" r:id="rId10"/>
-    <p:sldId id="269" r:id="rId11"/>
-    <p:sldId id="262" r:id="rId12"/>
+    <p:sldId id="272" r:id="rId3"/>
+    <p:sldId id="261" r:id="rId4"/>
+    <p:sldId id="265" r:id="rId5"/>
+    <p:sldId id="264" r:id="rId6"/>
+    <p:sldId id="270" r:id="rId7"/>
+    <p:sldId id="266" r:id="rId8"/>
+    <p:sldId id="267" r:id="rId9"/>
+    <p:sldId id="271" r:id="rId10"/>
+    <p:sldId id="268" r:id="rId11"/>
+    <p:sldId id="269" r:id="rId12"/>
+    <p:sldId id="262" r:id="rId13"/>
   </p:sldIdLst>
   <p:sldSz cx="9144000" cy="6858000" type="screen4x3"/>
   <p:notesSz cx="6858000" cy="9144000"/>
@@ -202,7 +203,7 @@
           <a:p>
             <a:fld id="{B24A7054-7FFB-49F4-A126-5DF6E687FF53}" type="datetimeFigureOut">
               <a:rPr lang="ru-RU" smtClean="0"/>
-              <a:t>11.12.2014</a:t>
+              <a:t>13.02.2015</a:t>
             </a:fld>
             <a:endParaRPr lang="ru-RU"/>
           </a:p>
@@ -1484,7 +1485,7 @@
           <a:p>
             <a:fld id="{8E6E6A2A-E9D3-4A0D-B04A-ABDD367A1E08}" type="datetimeFigureOut">
               <a:rPr lang="ru-RU" smtClean="0"/>
-              <a:t>11.12.2014</a:t>
+              <a:t>13.02.2015</a:t>
             </a:fld>
             <a:endParaRPr lang="ru-RU"/>
           </a:p>
@@ -2929,7 +2930,7 @@
           <a:p>
             <a:fld id="{AC3D3127-B7C4-45E3-9797-C527EC9FDD78}" type="datetimeFigureOut">
               <a:rPr lang="ru-RU" smtClean="0"/>
-              <a:t>11.12.2014</a:t>
+              <a:t>13.02.2015</a:t>
             </a:fld>
             <a:endParaRPr lang="ru-RU"/>
           </a:p>
@@ -3510,6 +3511,332 @@
             <p:ph type="title"/>
           </p:nvPr>
         </p:nvSpPr>
+        <p:spPr>
+          <a:xfrm>
+            <a:off x="107504" y="116632"/>
+            <a:ext cx="8928992" cy="648072"/>
+          </a:xfrm>
+        </p:spPr>
+        <p:txBody>
+          <a:bodyPr>
+            <a:normAutofit fontScale="90000"/>
+          </a:bodyPr>
+          <a:lstStyle/>
+          <a:p>
+            <a:r>
+              <a:rPr lang="ru-RU" dirty="0">
+                <a:solidFill>
+                  <a:schemeClr val="bg1"/>
+                </a:solidFill>
+              </a:rPr>
+              <a:t>Задачи по программированию</a:t>
+            </a:r>
+            <a:endParaRPr lang="en-US" dirty="0">
+              <a:solidFill>
+                <a:schemeClr val="bg1"/>
+              </a:solidFill>
+            </a:endParaRPr>
+          </a:p>
+        </p:txBody>
+      </p:sp>
+      <p:sp>
+        <p:nvSpPr>
+          <p:cNvPr id="3" name="Content Placeholder 2"/>
+          <p:cNvSpPr>
+            <a:spLocks noGrp="1"/>
+          </p:cNvSpPr>
+          <p:nvPr>
+            <p:ph idx="1"/>
+          </p:nvPr>
+        </p:nvSpPr>
+        <p:spPr>
+          <a:xfrm>
+            <a:off x="457200" y="764704"/>
+            <a:ext cx="8229600" cy="5361459"/>
+          </a:xfrm>
+        </p:spPr>
+        <p:txBody>
+          <a:bodyPr>
+            <a:normAutofit fontScale="92500" lnSpcReduction="10000"/>
+          </a:bodyPr>
+          <a:lstStyle/>
+          <a:p>
+            <a:r>
+              <a:rPr lang="ru-RU" dirty="0" smtClean="0">
+                <a:solidFill>
+                  <a:schemeClr val="bg1"/>
+                </a:solidFill>
+              </a:rPr>
+              <a:t>Школа программиста</a:t>
+            </a:r>
+            <a:r>
+              <a:rPr lang="en-US" dirty="0" smtClean="0">
+                <a:solidFill>
+                  <a:schemeClr val="bg1"/>
+                </a:solidFill>
+                <a:hlinkClick r:id="rId2"/>
+              </a:rPr>
+              <a:t/>
+            </a:r>
+            <a:br>
+              <a:rPr lang="en-US" dirty="0" smtClean="0">
+                <a:solidFill>
+                  <a:schemeClr val="bg1"/>
+                </a:solidFill>
+                <a:hlinkClick r:id="rId2"/>
+              </a:rPr>
+            </a:br>
+            <a:r>
+              <a:rPr lang="en-US" dirty="0" smtClean="0">
+                <a:solidFill>
+                  <a:schemeClr val="bg1"/>
+                </a:solidFill>
+                <a:hlinkClick r:id="rId2"/>
+              </a:rPr>
+              <a:t>http</a:t>
+            </a:r>
+            <a:r>
+              <a:rPr lang="en-US" dirty="0">
+                <a:solidFill>
+                  <a:schemeClr val="bg1"/>
+                </a:solidFill>
+                <a:hlinkClick r:id="rId2"/>
+              </a:rPr>
+              <a:t>://</a:t>
+            </a:r>
+            <a:r>
+              <a:rPr lang="en-US" dirty="0" smtClean="0">
+                <a:solidFill>
+                  <a:schemeClr val="bg1"/>
+                </a:solidFill>
+                <a:hlinkClick r:id="rId2"/>
+              </a:rPr>
+              <a:t>acmp.ru/index.asp?main=tasks</a:t>
+            </a:r>
+            <a:endParaRPr lang="en-US" dirty="0" smtClean="0">
+              <a:solidFill>
+                <a:schemeClr val="bg1"/>
+              </a:solidFill>
+            </a:endParaRPr>
+          </a:p>
+          <a:p>
+            <a:endParaRPr lang="en-US" dirty="0">
+              <a:solidFill>
+                <a:schemeClr val="bg1"/>
+              </a:solidFill>
+            </a:endParaRPr>
+          </a:p>
+          <a:p>
+            <a:r>
+              <a:rPr lang="ru-RU" dirty="0" smtClean="0">
+                <a:solidFill>
+                  <a:schemeClr val="bg1"/>
+                </a:solidFill>
+              </a:rPr>
+              <a:t>Математические задачи</a:t>
+            </a:r>
+            <a:br>
+              <a:rPr lang="ru-RU" dirty="0" smtClean="0">
+                <a:solidFill>
+                  <a:schemeClr val="bg1"/>
+                </a:solidFill>
+              </a:rPr>
+            </a:br>
+            <a:r>
+              <a:rPr lang="en-US" dirty="0" smtClean="0">
+                <a:solidFill>
+                  <a:schemeClr val="bg1"/>
+                </a:solidFill>
+                <a:hlinkClick r:id="rId3"/>
+              </a:rPr>
+              <a:t>http://projecteuler.net</a:t>
+            </a:r>
+            <a:endParaRPr lang="en-US" dirty="0" smtClean="0">
+              <a:solidFill>
+                <a:schemeClr val="bg1"/>
+              </a:solidFill>
+            </a:endParaRPr>
+          </a:p>
+          <a:p>
+            <a:endParaRPr lang="ru-RU" dirty="0" smtClean="0">
+              <a:solidFill>
+                <a:schemeClr val="bg1"/>
+              </a:solidFill>
+            </a:endParaRPr>
+          </a:p>
+          <a:p>
+            <a:r>
+              <a:rPr lang="ru-RU" dirty="0" smtClean="0">
+                <a:solidFill>
+                  <a:schemeClr val="bg1"/>
+                </a:solidFill>
+              </a:rPr>
+              <a:t>Кодо-дуэли</a:t>
+            </a:r>
+            <a:r>
+              <a:rPr lang="en-US" dirty="0" smtClean="0">
+                <a:solidFill>
+                  <a:schemeClr val="bg1"/>
+                </a:solidFill>
+              </a:rPr>
+              <a:t> </a:t>
+            </a:r>
+            <a:r>
+              <a:rPr lang="ru-RU" dirty="0" smtClean="0">
+                <a:solidFill>
+                  <a:schemeClr val="bg1"/>
+                </a:solidFill>
+              </a:rPr>
+              <a:t>на </a:t>
+            </a:r>
+            <a:r>
+              <a:rPr lang="en-US" dirty="0" smtClean="0">
+                <a:solidFill>
+                  <a:schemeClr val="bg1"/>
+                </a:solidFill>
+              </a:rPr>
+              <a:t>C#/VB.NET/F#</a:t>
+            </a:r>
+            <a:r>
+              <a:rPr lang="ru-RU" dirty="0" smtClean="0">
+                <a:solidFill>
+                  <a:schemeClr val="bg1"/>
+                </a:solidFill>
+              </a:rPr>
+              <a:t/>
+            </a:r>
+            <a:br>
+              <a:rPr lang="ru-RU" dirty="0" smtClean="0">
+                <a:solidFill>
+                  <a:schemeClr val="bg1"/>
+                </a:solidFill>
+              </a:rPr>
+            </a:br>
+            <a:r>
+              <a:rPr lang="en-US" dirty="0" smtClean="0">
+                <a:solidFill>
+                  <a:schemeClr val="bg1"/>
+                </a:solidFill>
+                <a:hlinkClick r:id="rId4"/>
+              </a:rPr>
+              <a:t>http://www.pex4fun.com</a:t>
+            </a:r>
+            <a:endParaRPr lang="en-US" dirty="0" smtClean="0">
+              <a:solidFill>
+                <a:schemeClr val="bg1"/>
+              </a:solidFill>
+            </a:endParaRPr>
+          </a:p>
+          <a:p>
+            <a:endParaRPr lang="en-US" dirty="0" smtClean="0">
+              <a:solidFill>
+                <a:schemeClr val="bg1"/>
+              </a:solidFill>
+            </a:endParaRPr>
+          </a:p>
+          <a:p>
+            <a:r>
+              <a:rPr lang="ru-RU" dirty="0" smtClean="0">
+                <a:solidFill>
+                  <a:schemeClr val="bg1"/>
+                </a:solidFill>
+              </a:rPr>
+              <a:t>Головоломки от других программистов</a:t>
+            </a:r>
+            <a:r>
+              <a:rPr lang="en-US" dirty="0" smtClean="0">
+                <a:solidFill>
+                  <a:schemeClr val="bg1"/>
+                </a:solidFill>
+              </a:rPr>
+              <a:t/>
+            </a:r>
+            <a:br>
+              <a:rPr lang="en-US" dirty="0" smtClean="0">
+                <a:solidFill>
+                  <a:schemeClr val="bg1"/>
+                </a:solidFill>
+              </a:rPr>
+            </a:br>
+            <a:r>
+              <a:rPr lang="en-US" dirty="0" smtClean="0">
+                <a:solidFill>
+                  <a:schemeClr val="bg1"/>
+                </a:solidFill>
+                <a:hlinkClick r:id="rId5"/>
+              </a:rPr>
+              <a:t>http://codegolf.stackexchange.com</a:t>
+            </a:r>
+            <a:endParaRPr lang="ru-RU" dirty="0" smtClean="0">
+              <a:solidFill>
+                <a:schemeClr val="bg1"/>
+              </a:solidFill>
+            </a:endParaRPr>
+          </a:p>
+          <a:p>
+            <a:endParaRPr lang="ru-RU" dirty="0" smtClean="0">
+              <a:solidFill>
+                <a:schemeClr val="bg1"/>
+              </a:solidFill>
+            </a:endParaRPr>
+          </a:p>
+          <a:p>
+            <a:pPr lvl="1"/>
+            <a:endParaRPr lang="en-US" dirty="0">
+              <a:solidFill>
+                <a:schemeClr val="bg1"/>
+              </a:solidFill>
+            </a:endParaRPr>
+          </a:p>
+        </p:txBody>
+      </p:sp>
+    </p:spTree>
+    <p:extLst>
+      <p:ext uri="{BB962C8B-B14F-4D97-AF65-F5344CB8AC3E}">
+        <p14:creationId xmlns:p14="http://schemas.microsoft.com/office/powerpoint/2010/main" val="1393508030"/>
+      </p:ext>
+    </p:extLst>
+  </p:cSld>
+  <p:clrMapOvr>
+    <a:masterClrMapping/>
+  </p:clrMapOvr>
+  <p:timing>
+    <p:tnLst>
+      <p:par>
+        <p:cTn id="1" dur="indefinite" restart="never" nodeType="tmRoot"/>
+      </p:par>
+    </p:tnLst>
+  </p:timing>
+</p:sld>
+</file>
+
+<file path=ppt/slides/slide11.xml><?xml version="1.0" encoding="utf-8"?>
+<p:sld xmlns:a="http://schemas.openxmlformats.org/drawingml/2006/main" xmlns:r="http://schemas.openxmlformats.org/officeDocument/2006/relationships" xmlns:p="http://schemas.openxmlformats.org/presentationml/2006/main">
+  <p:cSld>
+    <p:spTree>
+      <p:nvGrpSpPr>
+        <p:cNvPr id="1" name=""/>
+        <p:cNvGrpSpPr/>
+        <p:nvPr/>
+      </p:nvGrpSpPr>
+      <p:grpSpPr>
+        <a:xfrm>
+          <a:off x="0" y="0"/>
+          <a:ext cx="0" cy="0"/>
+          <a:chOff x="0" y="0"/>
+          <a:chExt cx="0" cy="0"/>
+        </a:xfrm>
+      </p:grpSpPr>
+      <p:sp>
+        <p:nvSpPr>
+          <p:cNvPr id="2" name="Title 1"/>
+          <p:cNvSpPr>
+            <a:spLocks noGrp="1"/>
+          </p:cNvSpPr>
+          <p:nvPr>
+            <p:ph type="title"/>
+          </p:nvPr>
+        </p:nvSpPr>
         <p:spPr/>
         <p:txBody>
           <a:bodyPr>
@@ -3624,7 +3951,7 @@
 </p:sld>
 </file>
 
-<file path=ppt/slides/slide11.xml><?xml version="1.0" encoding="utf-8"?>
+<file path=ppt/slides/slide12.xml><?xml version="1.0" encoding="utf-8"?>
 <p:sld xmlns:a="http://schemas.openxmlformats.org/drawingml/2006/main" xmlns:r="http://schemas.openxmlformats.org/officeDocument/2006/relationships" xmlns:p="http://schemas.openxmlformats.org/presentationml/2006/main">
   <p:cSld>
     <p:bg>
@@ -3694,140 +4021,75 @@
       </p:grpSpPr>
       <p:sp>
         <p:nvSpPr>
-          <p:cNvPr id="3" name="Rectangle 2"/>
-          <p:cNvSpPr/>
-          <p:nvPr/>
+          <p:cNvPr id="2" name="Title 1"/>
+          <p:cNvSpPr>
+            <a:spLocks noGrp="1"/>
+          </p:cNvSpPr>
+          <p:nvPr>
+            <p:ph type="title"/>
+          </p:nvPr>
+        </p:nvSpPr>
+        <p:spPr/>
+        <p:txBody>
+          <a:bodyPr/>
+          <a:lstStyle/>
+          <a:p>
+            <a:r>
+              <a:rPr lang="ru-RU" dirty="0" smtClean="0"/>
+              <a:t>Анкета качества</a:t>
+            </a:r>
+            <a:endParaRPr lang="ru-RU" dirty="0"/>
+          </a:p>
+        </p:txBody>
+      </p:sp>
+      <p:sp>
+        <p:nvSpPr>
+          <p:cNvPr id="3" name="Content Placeholder 2"/>
+          <p:cNvSpPr>
+            <a:spLocks noGrp="1"/>
+          </p:cNvSpPr>
+          <p:nvPr>
+            <p:ph idx="1"/>
+          </p:nvPr>
         </p:nvSpPr>
         <p:spPr>
           <a:xfrm>
-            <a:off x="251520" y="188640"/>
-            <a:ext cx="8640960" cy="769441"/>
+            <a:off x="457200" y="1600200"/>
+            <a:ext cx="8229600" cy="4525963"/>
           </a:xfrm>
-          <a:prstGeom prst="rect">
-            <a:avLst/>
-          </a:prstGeom>
         </p:spPr>
         <p:txBody>
-          <a:bodyPr wrap="square">
-            <a:spAutoFit/>
-          </a:bodyPr>
+          <a:bodyPr anchor="ctr"/>
           <a:lstStyle/>
           <a:p>
-            <a:pPr lvl="0" algn="ctr"/>
-            <a:r>
-              <a:rPr lang="ru-RU" sz="4400" dirty="0" smtClean="0">
-                <a:solidFill>
-                  <a:schemeClr val="bg1"/>
-                </a:solidFill>
-              </a:rPr>
-              <a:t>Другие </a:t>
-            </a:r>
-            <a:r>
-              <a:rPr lang="ru-RU" sz="4400" dirty="0">
-                <a:solidFill>
-                  <a:schemeClr val="bg1"/>
-                </a:solidFill>
-              </a:rPr>
-              <a:t>курсы </a:t>
-            </a:r>
-            <a:r>
-              <a:rPr lang="ru-RU" sz="4400" dirty="0" smtClean="0">
-                <a:solidFill>
-                  <a:schemeClr val="bg1"/>
-                </a:solidFill>
-              </a:rPr>
-              <a:t>БелХард по </a:t>
-            </a:r>
-            <a:r>
-              <a:rPr lang="en-US" sz="4400" dirty="0" smtClean="0">
-                <a:solidFill>
-                  <a:schemeClr val="bg1"/>
-                </a:solidFill>
-              </a:rPr>
-              <a:t>.NET</a:t>
-            </a:r>
-            <a:endParaRPr lang="en-US" sz="4400" dirty="0">
-              <a:solidFill>
-                <a:schemeClr val="bg1"/>
-              </a:solidFill>
-            </a:endParaRPr>
-          </a:p>
-        </p:txBody>
-      </p:sp>
-      <p:sp>
-        <p:nvSpPr>
-          <p:cNvPr id="2" name="TextBox 1"/>
-          <p:cNvSpPr txBox="1"/>
-          <p:nvPr/>
-        </p:nvSpPr>
-        <p:spPr>
-          <a:xfrm>
-            <a:off x="251520" y="1450519"/>
-            <a:ext cx="8640960" cy="2554545"/>
-          </a:xfrm>
-          <a:prstGeom prst="rect">
-            <a:avLst/>
-          </a:prstGeom>
-          <a:noFill/>
-        </p:spPr>
-        <p:txBody>
-          <a:bodyPr wrap="square" rtlCol="0">
-            <a:spAutoFit/>
-          </a:bodyPr>
-          <a:lstStyle/>
-          <a:p>
-            <a:pPr marL="457200" indent="-457200">
-              <a:buFont typeface="Arial" pitchFamily="34" charset="0"/>
-              <a:buChar char="•"/>
+            <a:pPr marL="0" indent="0">
+              <a:buNone/>
             </a:pPr>
             <a:r>
-              <a:rPr lang="ru-RU" sz="3200" dirty="0" smtClean="0"/>
-              <a:t>Создание </a:t>
-            </a:r>
-            <a:r>
-              <a:rPr lang="ru-RU" sz="3200" dirty="0"/>
-              <a:t>веб-приложений в </a:t>
-            </a:r>
-            <a:r>
-              <a:rPr lang="en-US" sz="3200" dirty="0" smtClean="0"/>
-              <a:t>ASP.NET</a:t>
-            </a:r>
-          </a:p>
-          <a:p>
-            <a:pPr marL="914400" lvl="1" indent="-457200">
-              <a:buFont typeface="Arial" pitchFamily="34" charset="0"/>
-              <a:buChar char="•"/>
-            </a:pPr>
-            <a:r>
-              <a:rPr lang="ru-RU" sz="3200" dirty="0" smtClean="0"/>
-              <a:t>Перед этим рекомендуется – «HTML </a:t>
-            </a:r>
-            <a:r>
-              <a:rPr lang="ru-RU" sz="3200" dirty="0"/>
-              <a:t>и CSS. Секреты вёрстки</a:t>
-            </a:r>
-            <a:r>
-              <a:rPr lang="ru-RU" sz="3200" dirty="0" smtClean="0"/>
-              <a:t>.»</a:t>
-            </a:r>
-            <a:endParaRPr lang="ru-RU" sz="3200" dirty="0"/>
-          </a:p>
-          <a:p>
-            <a:pPr marL="457200" indent="-457200">
-              <a:buFont typeface="Arial" pitchFamily="34" charset="0"/>
-              <a:buChar char="•"/>
-            </a:pPr>
-            <a:r>
-              <a:rPr lang="ru-RU" sz="3200" dirty="0"/>
-              <a:t>Windows Phone 7: проектирование и разработка приложений</a:t>
-            </a:r>
+              <a:rPr lang="ru-RU" dirty="0" smtClean="0">
+                <a:solidFill>
+                  <a:schemeClr val="bg1"/>
+                </a:solidFill>
+              </a:rPr>
+              <a:t>Заполните анкету качества: </a:t>
+            </a:r>
+            <a:r>
+              <a:rPr lang="en-US" dirty="0" smtClean="0">
+                <a:solidFill>
+                  <a:schemeClr val="bg1"/>
+                </a:solidFill>
+                <a:hlinkClick r:id="rId2"/>
+              </a:rPr>
+              <a:t>belhard.nullptr.ru</a:t>
+            </a:r>
+            <a:endParaRPr lang="ru-RU" dirty="0"/>
           </a:p>
         </p:txBody>
       </p:sp>
     </p:spTree>
     <p:extLst>
       <p:ext uri="{BB962C8B-B14F-4D97-AF65-F5344CB8AC3E}">
-        <p14:creationId xmlns:p14="http://schemas.microsoft.com/office/powerpoint/2010/main" val="1086215874"/>
+        <p14:creationId xmlns:p14="http://schemas.microsoft.com/office/powerpoint/2010/main" val="2966429314"/>
       </p:ext>
     </p:extLst>
   </p:cSld>
@@ -3889,7 +4151,31 @@
                   <a:schemeClr val="bg1"/>
                 </a:solidFill>
               </a:rPr>
-              <a:t>Еще курсы БелХард</a:t>
+              <a:t>Другие </a:t>
+            </a:r>
+            <a:r>
+              <a:rPr lang="ru-RU" sz="4400" dirty="0">
+                <a:solidFill>
+                  <a:schemeClr val="bg1"/>
+                </a:solidFill>
+              </a:rPr>
+              <a:t>курсы </a:t>
+            </a:r>
+            <a:r>
+              <a:rPr lang="ru-RU" sz="4400" dirty="0" smtClean="0">
+                <a:solidFill>
+                  <a:schemeClr val="bg1"/>
+                </a:solidFill>
+              </a:rPr>
+              <a:t>БелХард по </a:t>
+            </a:r>
+            <a:r>
+              <a:rPr lang="en-US" sz="4400" dirty="0" smtClean="0">
+                <a:solidFill>
+                  <a:schemeClr val="bg1"/>
+                </a:solidFill>
+              </a:rPr>
+              <a:t>.NET</a:t>
             </a:r>
             <a:endParaRPr lang="en-US" sz="4400" dirty="0">
               <a:solidFill>
@@ -3908,7 +4194,7 @@
         <p:spPr>
           <a:xfrm>
             <a:off x="251520" y="1450519"/>
-            <a:ext cx="8640960" cy="5016758"/>
+            <a:ext cx="8640960" cy="2554545"/>
           </a:xfrm>
           <a:prstGeom prst="rect">
             <a:avLst/>
@@ -3927,37 +4213,35 @@
             </a:pPr>
             <a:r>
               <a:rPr lang="ru-RU" sz="3200" dirty="0" smtClean="0"/>
-              <a:t>Языки программирования </a:t>
+              <a:t>Создание </a:t>
+            </a:r>
+            <a:r>
+              <a:rPr lang="ru-RU" sz="3200" dirty="0"/>
+              <a:t>веб-приложений в </a:t>
             </a:r>
             <a:r>
               <a:rPr lang="en-US" sz="3200" dirty="0" smtClean="0"/>
-              <a:t>C, C++</a:t>
-            </a:r>
+              <a:t>ASP.NET</a:t>
+            </a:r>
+          </a:p>
+          <a:p>
+            <a:pPr marL="914400" lvl="1" indent="-457200">
+              <a:buFont typeface="Arial" pitchFamily="34" charset="0"/>
+              <a:buChar char="•"/>
+            </a:pPr>
             <a:r>
               <a:rPr lang="ru-RU" sz="3200" dirty="0" smtClean="0"/>
-              <a:t>, </a:t>
-            </a:r>
-            <a:r>
-              <a:rPr lang="en-US" sz="3200" dirty="0" smtClean="0"/>
-              <a:t>Java </a:t>
+              <a:t>Перед этим рекомендуется – «HTML </a:t>
+            </a:r>
+            <a:r>
+              <a:rPr lang="ru-RU" sz="3200" dirty="0"/>
+              <a:t>и CSS. Секреты вёрстки</a:t>
             </a:r>
             <a:r>
               <a:rPr lang="ru-RU" sz="3200" dirty="0" smtClean="0"/>
-              <a:t>(2 курса), </a:t>
-            </a:r>
-            <a:r>
-              <a:rPr lang="en-US" sz="3200" dirty="0" smtClean="0"/>
-              <a:t>Python</a:t>
-            </a:r>
-            <a:r>
-              <a:rPr lang="ru-RU" sz="3200" dirty="0" smtClean="0"/>
-              <a:t>, </a:t>
-            </a:r>
-            <a:r>
-              <a:rPr lang="en-US" sz="3200" dirty="0" smtClean="0"/>
-              <a:t>Ruby</a:t>
-            </a:r>
-            <a:endParaRPr lang="ru-RU" sz="3200" dirty="0" smtClean="0"/>
+              <a:t>.»</a:t>
+            </a:r>
+            <a:endParaRPr lang="ru-RU" sz="3200" dirty="0"/>
           </a:p>
           <a:p>
             <a:pPr marL="457200" indent="-457200">
@@ -3965,105 +4249,16 @@
               <a:buChar char="•"/>
             </a:pPr>
             <a:r>
-              <a:rPr lang="ru-RU" sz="3200" dirty="0" smtClean="0"/>
-              <a:t>Базы данных: </a:t>
-            </a:r>
-            <a:r>
-              <a:rPr lang="en-US" sz="3200" dirty="0" smtClean="0"/>
-              <a:t>MySQL</a:t>
-            </a:r>
-            <a:endParaRPr lang="ru-RU" sz="3200" dirty="0" smtClean="0"/>
-          </a:p>
-          <a:p>
-            <a:pPr marL="457200" indent="-457200">
-              <a:buFont typeface="Arial" pitchFamily="34" charset="0"/>
-              <a:buChar char="•"/>
-            </a:pPr>
-            <a:r>
-              <a:rPr lang="ru-RU" sz="3200" dirty="0" smtClean="0"/>
-              <a:t>Веб-программирование: </a:t>
-            </a:r>
-            <a:r>
-              <a:rPr lang="en-US" sz="3200" dirty="0"/>
-              <a:t>HTML, </a:t>
-            </a:r>
-            <a:r>
-              <a:rPr lang="en-US" sz="3200" dirty="0" smtClean="0"/>
-              <a:t>PHP, JavaScript, Flash</a:t>
-            </a:r>
-          </a:p>
-          <a:p>
-            <a:pPr marL="457200" indent="-457200">
-              <a:buFont typeface="Arial" pitchFamily="34" charset="0"/>
-              <a:buChar char="•"/>
-            </a:pPr>
-            <a:r>
-              <a:rPr lang="ru-RU" sz="3200" dirty="0" smtClean="0"/>
-              <a:t>Веб-дизайн</a:t>
-            </a:r>
-            <a:endParaRPr lang="en-US" sz="3200" dirty="0" smtClean="0"/>
-          </a:p>
-          <a:p>
-            <a:pPr marL="457200" indent="-457200">
-              <a:buFont typeface="Arial" pitchFamily="34" charset="0"/>
-              <a:buChar char="•"/>
-            </a:pPr>
-            <a:r>
-              <a:rPr lang="ru-RU" sz="3200" dirty="0" smtClean="0"/>
-              <a:t>Мобильные приложения – </a:t>
-            </a:r>
-            <a:r>
-              <a:rPr lang="en-US" sz="3200" dirty="0" smtClean="0"/>
-              <a:t>Android </a:t>
-            </a:r>
-            <a:r>
-              <a:rPr lang="ru-RU" sz="3200" dirty="0" smtClean="0"/>
-              <a:t>и </a:t>
-            </a:r>
-            <a:r>
-              <a:rPr lang="en-US" sz="3200" dirty="0" smtClean="0"/>
-              <a:t>iPhone</a:t>
-            </a:r>
-            <a:endParaRPr lang="ru-RU" sz="3200" dirty="0" smtClean="0"/>
-          </a:p>
-          <a:p>
-            <a:pPr marL="457200" indent="-457200">
-              <a:buFont typeface="Arial" pitchFamily="34" charset="0"/>
-              <a:buChar char="•"/>
-            </a:pPr>
-            <a:r>
-              <a:rPr lang="ru-RU" sz="3200" dirty="0" smtClean="0"/>
-              <a:t>Тестирование приложений</a:t>
-            </a:r>
-            <a:endParaRPr lang="en-US" sz="3200" dirty="0" smtClean="0"/>
-          </a:p>
-          <a:p>
-            <a:pPr marL="457200" indent="-457200">
-              <a:buFont typeface="Arial" pitchFamily="34" charset="0"/>
-              <a:buChar char="•"/>
-            </a:pPr>
-            <a:r>
-              <a:rPr lang="ru-RU" sz="3200" dirty="0" smtClean="0"/>
-              <a:t>Компьтерная графика и верстка</a:t>
-            </a:r>
-          </a:p>
-          <a:p>
-            <a:pPr marL="457200" indent="-457200">
-              <a:buFont typeface="Arial" pitchFamily="34" charset="0"/>
-              <a:buChar char="•"/>
-            </a:pPr>
-            <a:r>
-              <a:rPr lang="ru-RU" sz="3200" dirty="0" smtClean="0"/>
-              <a:t>Системное администрирование</a:t>
-            </a:r>
-            <a:endParaRPr lang="ru-RU" sz="3200" dirty="0"/>
+              <a:rPr lang="ru-RU" sz="3200" dirty="0"/>
+              <a:t>Windows Phone 7: проектирование и разработка приложений</a:t>
+            </a:r>
           </a:p>
         </p:txBody>
       </p:sp>
     </p:spTree>
     <p:extLst>
       <p:ext uri="{BB962C8B-B14F-4D97-AF65-F5344CB8AC3E}">
-        <p14:creationId xmlns:p14="http://schemas.microsoft.com/office/powerpoint/2010/main" val="1126659838"/>
+        <p14:creationId xmlns:p14="http://schemas.microsoft.com/office/powerpoint/2010/main" val="1086215874"/>
       </p:ext>
     </p:extLst>
   </p:cSld>
@@ -4099,176 +4294,207 @@
       </p:grpSpPr>
       <p:sp>
         <p:nvSpPr>
-          <p:cNvPr id="2" name="Title 1"/>
-          <p:cNvSpPr>
-            <a:spLocks noGrp="1"/>
-          </p:cNvSpPr>
-          <p:nvPr>
-            <p:ph type="title"/>
-          </p:nvPr>
-        </p:nvSpPr>
-        <p:spPr/>
-        <p:txBody>
-          <a:bodyPr/>
-          <a:lstStyle/>
-          <a:p>
-            <a:r>
-              <a:rPr lang="ru-RU" dirty="0" smtClean="0"/>
-              <a:t>Что делать дальше?</a:t>
-            </a:r>
-            <a:endParaRPr lang="ru-RU" dirty="0"/>
-          </a:p>
-        </p:txBody>
-      </p:sp>
-      <p:sp>
-        <p:nvSpPr>
-          <p:cNvPr id="3" name="Content Placeholder 2"/>
-          <p:cNvSpPr>
-            <a:spLocks noGrp="1"/>
-          </p:cNvSpPr>
-          <p:nvPr>
-            <p:ph idx="1"/>
-          </p:nvPr>
+          <p:cNvPr id="3" name="Rectangle 2"/>
+          <p:cNvSpPr/>
+          <p:nvPr/>
         </p:nvSpPr>
         <p:spPr>
           <a:xfrm>
-            <a:off x="457200" y="1340768"/>
-            <a:ext cx="8229600" cy="5328592"/>
+            <a:off x="251520" y="188640"/>
+            <a:ext cx="8640960" cy="769441"/>
           </a:xfrm>
+          <a:prstGeom prst="rect">
+            <a:avLst/>
+          </a:prstGeom>
         </p:spPr>
         <p:txBody>
-          <a:bodyPr>
-            <a:noAutofit/>
+          <a:bodyPr wrap="square">
+            <a:spAutoFit/>
           </a:bodyPr>
           <a:lstStyle/>
           <a:p>
-            <a:r>
-              <a:rPr lang="ru-RU" sz="2000" dirty="0"/>
-              <a:t>ПРОГРАММИРУЙТЕ</a:t>
-            </a:r>
-            <a:r>
-              <a:rPr lang="ru-RU" sz="2000" dirty="0" smtClean="0"/>
-              <a:t>!</a:t>
-            </a:r>
-          </a:p>
-          <a:p>
-            <a:r>
-              <a:rPr lang="ru-RU" sz="2000" dirty="0" smtClean="0"/>
-              <a:t>Читайте книги и блоги</a:t>
-            </a:r>
-            <a:r>
-              <a:rPr lang="en-US" sz="2000" dirty="0" smtClean="0"/>
-              <a:t>;</a:t>
-            </a:r>
-            <a:endParaRPr lang="ru-RU" sz="2000" dirty="0" smtClean="0"/>
-          </a:p>
-          <a:p>
-            <a:r>
-              <a:rPr lang="ru-RU" sz="2000" dirty="0" smtClean="0"/>
-              <a:t>Смотрите обучающие видео</a:t>
-            </a:r>
-            <a:r>
-              <a:rPr lang="en-US" sz="2000" dirty="0" smtClean="0"/>
-              <a:t>;</a:t>
-            </a:r>
-            <a:endParaRPr lang="ru-RU" sz="2000" dirty="0" smtClean="0"/>
-          </a:p>
-          <a:p>
-            <a:r>
-              <a:rPr lang="ru-RU" sz="2000" dirty="0" smtClean="0"/>
-              <a:t>Слушайте подкасты</a:t>
-            </a:r>
-            <a:r>
-              <a:rPr lang="en-US" sz="2000" dirty="0" smtClean="0"/>
-              <a:t>;</a:t>
-            </a:r>
-            <a:endParaRPr lang="ru-RU" sz="2000" dirty="0" smtClean="0"/>
-          </a:p>
-          <a:p>
-            <a:r>
-              <a:rPr lang="ru-RU" sz="2000" dirty="0" smtClean="0"/>
-              <a:t>Посещайте конференции, пользовательские группы, хакатоны и другие события</a:t>
-            </a:r>
-            <a:r>
-              <a:rPr lang="en-US" sz="2000" dirty="0" smtClean="0"/>
-              <a:t>;</a:t>
-            </a:r>
-          </a:p>
-          <a:p>
-            <a:r>
-              <a:rPr lang="ru-RU" sz="2000" dirty="0" smtClean="0"/>
-              <a:t>Участвуйте в проектах с открытым исходным кодом</a:t>
-            </a:r>
-            <a:endParaRPr lang="en-US" sz="2000" dirty="0" smtClean="0"/>
-          </a:p>
-          <a:p>
-            <a:pPr lvl="1"/>
-            <a:r>
-              <a:rPr lang="en-US" sz="2000" dirty="0" smtClean="0"/>
-              <a:t>codeplex.com</a:t>
-            </a:r>
-          </a:p>
-          <a:p>
-            <a:pPr lvl="1"/>
-            <a:r>
-              <a:rPr lang="en-US" sz="2000" dirty="0" smtClean="0"/>
-              <a:t>github.com</a:t>
-            </a:r>
-          </a:p>
-          <a:p>
-            <a:r>
-              <a:rPr lang="ru-RU" sz="2000" dirty="0" smtClean="0"/>
-              <a:t>Сертификация </a:t>
-            </a:r>
-            <a:r>
-              <a:rPr lang="en-US" sz="2000" dirty="0" smtClean="0"/>
-              <a:t>Microsoft</a:t>
-            </a:r>
-          </a:p>
-          <a:p>
-            <a:pPr lvl="1"/>
-            <a:r>
-              <a:rPr lang="en-US" sz="2000" dirty="0" smtClean="0"/>
-              <a:t>MCSD (Microsoft Certified </a:t>
-            </a:r>
-            <a:r>
-              <a:rPr lang="en-US" sz="2000" dirty="0" err="1" smtClean="0"/>
-              <a:t>Soluitons</a:t>
-            </a:r>
-            <a:r>
-              <a:rPr lang="en-US" sz="2000" dirty="0" smtClean="0"/>
-              <a:t> Developer)</a:t>
-            </a:r>
-          </a:p>
-          <a:p>
-            <a:pPr lvl="1"/>
-            <a:r>
-              <a:rPr lang="en-US" sz="2000" dirty="0">
-                <a:hlinkClick r:id="rId2"/>
-              </a:rPr>
-              <a:t>http://</a:t>
-            </a:r>
-            <a:r>
-              <a:rPr lang="en-US" sz="2000" dirty="0" smtClean="0">
-                <a:hlinkClick r:id="rId2"/>
-              </a:rPr>
-              <a:t>www.microsoft.com/learning/en-us/certification-overview.aspx</a:t>
-            </a:r>
-            <a:endParaRPr lang="ru-RU" sz="2000" dirty="0" smtClean="0"/>
-          </a:p>
-          <a:p>
-            <a:r>
-              <a:rPr lang="ru-RU" sz="2000" dirty="0" smtClean="0"/>
-              <a:t>Изучайте другие языки программирования, технологии и платформы!</a:t>
-            </a:r>
-            <a:endParaRPr lang="ru-RU" sz="2000" dirty="0"/>
+            <a:pPr lvl="0" algn="ctr"/>
+            <a:r>
+              <a:rPr lang="ru-RU" sz="4400" dirty="0" smtClean="0">
+                <a:solidFill>
+                  <a:schemeClr val="bg1"/>
+                </a:solidFill>
+              </a:rPr>
+              <a:t>Еще курсы БелХард</a:t>
+            </a:r>
+            <a:endParaRPr lang="en-US" sz="4400" dirty="0">
+              <a:solidFill>
+                <a:schemeClr val="bg1"/>
+              </a:solidFill>
+            </a:endParaRPr>
+          </a:p>
+        </p:txBody>
+      </p:sp>
+      <p:sp>
+        <p:nvSpPr>
+          <p:cNvPr id="2" name="TextBox 1"/>
+          <p:cNvSpPr txBox="1"/>
+          <p:nvPr/>
+        </p:nvSpPr>
+        <p:spPr>
+          <a:xfrm>
+            <a:off x="251520" y="1450519"/>
+            <a:ext cx="8640960" cy="5016758"/>
+          </a:xfrm>
+          <a:prstGeom prst="rect">
+            <a:avLst/>
+          </a:prstGeom>
+          <a:noFill/>
+        </p:spPr>
+        <p:txBody>
+          <a:bodyPr wrap="square" rtlCol="0">
+            <a:spAutoFit/>
+          </a:bodyPr>
+          <a:lstStyle/>
+          <a:p>
+            <a:pPr marL="457200" indent="-457200">
+              <a:buFont typeface="Arial" pitchFamily="34" charset="0"/>
+              <a:buChar char="•"/>
+            </a:pPr>
+            <a:r>
+              <a:rPr lang="ru-RU" sz="3200" dirty="0" smtClean="0"/>
+              <a:t>Языки программирования </a:t>
+            </a:r>
+            <a:r>
+              <a:rPr lang="en-US" sz="3200" dirty="0" smtClean="0"/>
+              <a:t>C, C++</a:t>
+            </a:r>
+            <a:r>
+              <a:rPr lang="ru-RU" sz="3200" dirty="0" smtClean="0"/>
+              <a:t>, </a:t>
+            </a:r>
+            <a:r>
+              <a:rPr lang="en-US" sz="3200" dirty="0" smtClean="0"/>
+              <a:t>Java </a:t>
+            </a:r>
+            <a:r>
+              <a:rPr lang="ru-RU" sz="3200" dirty="0" smtClean="0"/>
+              <a:t>(2 курса), </a:t>
+            </a:r>
+            <a:r>
+              <a:rPr lang="en-US" sz="3200" dirty="0" smtClean="0"/>
+              <a:t>Python</a:t>
+            </a:r>
+            <a:r>
+              <a:rPr lang="ru-RU" sz="3200" dirty="0" smtClean="0"/>
+              <a:t>, </a:t>
+            </a:r>
+            <a:r>
+              <a:rPr lang="en-US" sz="3200" dirty="0" smtClean="0"/>
+              <a:t>Ruby</a:t>
+            </a:r>
+            <a:endParaRPr lang="ru-RU" sz="3200" dirty="0" smtClean="0"/>
+          </a:p>
+          <a:p>
+            <a:pPr marL="457200" indent="-457200">
+              <a:buFont typeface="Arial" pitchFamily="34" charset="0"/>
+              <a:buChar char="•"/>
+            </a:pPr>
+            <a:r>
+              <a:rPr lang="ru-RU" sz="3200" dirty="0" smtClean="0"/>
+              <a:t>Базы данных: </a:t>
+            </a:r>
+            <a:r>
+              <a:rPr lang="en-US" sz="3200" dirty="0" smtClean="0"/>
+              <a:t>MySQL</a:t>
+            </a:r>
+            <a:endParaRPr lang="ru-RU" sz="3200" dirty="0" smtClean="0"/>
+          </a:p>
+          <a:p>
+            <a:pPr marL="457200" indent="-457200">
+              <a:buFont typeface="Arial" pitchFamily="34" charset="0"/>
+              <a:buChar char="•"/>
+            </a:pPr>
+            <a:r>
+              <a:rPr lang="ru-RU" sz="3200" dirty="0" smtClean="0"/>
+              <a:t>Веб-программирование: </a:t>
+            </a:r>
+            <a:r>
+              <a:rPr lang="en-US" sz="3200" dirty="0"/>
+              <a:t>HTML, </a:t>
+            </a:r>
+            <a:r>
+              <a:rPr lang="en-US" sz="3200" dirty="0" smtClean="0"/>
+              <a:t>PHP, JavaScript, Flash</a:t>
+            </a:r>
+          </a:p>
+          <a:p>
+            <a:pPr marL="457200" indent="-457200">
+              <a:buFont typeface="Arial" pitchFamily="34" charset="0"/>
+              <a:buChar char="•"/>
+            </a:pPr>
+            <a:r>
+              <a:rPr lang="ru-RU" sz="3200" dirty="0" smtClean="0"/>
+              <a:t>Веб-дизайн</a:t>
+            </a:r>
+            <a:endParaRPr lang="en-US" sz="3200" dirty="0" smtClean="0"/>
+          </a:p>
+          <a:p>
+            <a:pPr marL="457200" indent="-457200">
+              <a:buFont typeface="Arial" pitchFamily="34" charset="0"/>
+              <a:buChar char="•"/>
+            </a:pPr>
+            <a:r>
+              <a:rPr lang="ru-RU" sz="3200" dirty="0" smtClean="0"/>
+              <a:t>Мобильные приложения – </a:t>
+            </a:r>
+            <a:r>
+              <a:rPr lang="en-US" sz="3200" dirty="0" smtClean="0"/>
+              <a:t>Android </a:t>
+            </a:r>
+            <a:r>
+              <a:rPr lang="ru-RU" sz="3200" dirty="0" smtClean="0"/>
+              <a:t>и </a:t>
+            </a:r>
+            <a:r>
+              <a:rPr lang="en-US" sz="3200" dirty="0" smtClean="0"/>
+              <a:t>iPhone</a:t>
+            </a:r>
+            <a:endParaRPr lang="ru-RU" sz="3200" dirty="0" smtClean="0"/>
+          </a:p>
+          <a:p>
+            <a:pPr marL="457200" indent="-457200">
+              <a:buFont typeface="Arial" pitchFamily="34" charset="0"/>
+              <a:buChar char="•"/>
+            </a:pPr>
+            <a:r>
+              <a:rPr lang="ru-RU" sz="3200" dirty="0" smtClean="0"/>
+              <a:t>Тестирование приложений</a:t>
+            </a:r>
+            <a:endParaRPr lang="en-US" sz="3200" dirty="0" smtClean="0"/>
+          </a:p>
+          <a:p>
+            <a:pPr marL="457200" indent="-457200">
+              <a:buFont typeface="Arial" pitchFamily="34" charset="0"/>
+              <a:buChar char="•"/>
+            </a:pPr>
+            <a:r>
+              <a:rPr lang="ru-RU" sz="3200" dirty="0" smtClean="0"/>
+              <a:t>Компьтерная графика и верстка</a:t>
+            </a:r>
+          </a:p>
+          <a:p>
+            <a:pPr marL="457200" indent="-457200">
+              <a:buFont typeface="Arial" pitchFamily="34" charset="0"/>
+              <a:buChar char="•"/>
+            </a:pPr>
+            <a:r>
+              <a:rPr lang="ru-RU" sz="3200" dirty="0" smtClean="0"/>
+              <a:t>Системное администрирование</a:t>
+            </a:r>
+            <a:endParaRPr lang="ru-RU" sz="3200" dirty="0"/>
           </a:p>
         </p:txBody>
       </p:sp>
     </p:spTree>
     <p:extLst>
       <p:ext uri="{BB962C8B-B14F-4D97-AF65-F5344CB8AC3E}">
-        <p14:creationId xmlns:p14="http://schemas.microsoft.com/office/powerpoint/2010/main" val="1949458573"/>
+        <p14:creationId xmlns:p14="http://schemas.microsoft.com/office/powerpoint/2010/main" val="1126659838"/>
       </p:ext>
     </p:extLst>
   </p:cSld>
@@ -4319,9 +4545,9 @@
           <a:p>
             <a:r>
               <a:rPr lang="ru-RU" dirty="0" smtClean="0"/>
-              <a:t>Вопросы для самопроверки</a:t>
-            </a:r>
-            <a:endParaRPr lang="en-US" dirty="0"/>
+              <a:t>Что делать дальше?</a:t>
+            </a:r>
+            <a:endParaRPr lang="ru-RU" dirty="0"/>
           </a:p>
         </p:txBody>
       </p:sp>
@@ -4335,84 +4561,158 @@
             <p:ph idx="1"/>
           </p:nvPr>
         </p:nvSpPr>
-        <p:spPr/>
-        <p:txBody>
-          <a:bodyPr/>
+        <p:spPr>
+          <a:xfrm>
+            <a:off x="457200" y="1340768"/>
+            <a:ext cx="8229600" cy="5328592"/>
+          </a:xfrm>
+        </p:spPr>
+        <p:txBody>
+          <a:bodyPr>
+            <a:noAutofit/>
+          </a:bodyPr>
           <a:lstStyle/>
           <a:p>
-            <a:pPr marL="0" indent="0">
-              <a:buNone/>
-            </a:pPr>
-            <a:r>
-              <a:rPr lang="ru-RU" dirty="0" smtClean="0"/>
-              <a:t>В файле </a:t>
-            </a:r>
-            <a:r>
-              <a:rPr lang="en-US" i="1" dirty="0" smtClean="0">
-                <a:solidFill>
-                  <a:srgbClr val="FFFF99"/>
-                </a:solidFill>
-              </a:rPr>
-              <a:t>self-check-questions.docx</a:t>
-            </a:r>
-            <a:r>
-              <a:rPr lang="ru-RU" dirty="0" smtClean="0"/>
-              <a:t> вы найдете вопросы которые позволят проверить свой уровень знаний о платформе </a:t>
-            </a:r>
-            <a:r>
-              <a:rPr lang="en-US" dirty="0" smtClean="0"/>
-              <a:t>.NET</a:t>
-            </a:r>
-            <a:r>
-              <a:rPr lang="ru-RU" dirty="0" smtClean="0"/>
-              <a:t>.</a:t>
-            </a:r>
-          </a:p>
-          <a:p>
-            <a:pPr marL="0" indent="0">
-              <a:buNone/>
-            </a:pPr>
-            <a:endParaRPr lang="ru-RU" dirty="0"/>
-          </a:p>
-          <a:p>
-            <a:pPr marL="0" indent="0">
-              <a:buNone/>
-            </a:pPr>
-            <a:r>
-              <a:rPr lang="ru-RU" dirty="0" smtClean="0"/>
-              <a:t>Таблица в файле </a:t>
-            </a:r>
-            <a:r>
-              <a:rPr lang="en-US" i="1" dirty="0">
-                <a:solidFill>
-                  <a:srgbClr val="FFFF99"/>
-                </a:solidFill>
-              </a:rPr>
-              <a:t>Programmer Competency Matrix.docx</a:t>
-            </a:r>
-            <a:r>
-              <a:rPr lang="ru-RU" dirty="0" smtClean="0"/>
-              <a:t> позволит оценить прогресс в различных областях необходимых каждому программисту.</a:t>
-            </a:r>
-          </a:p>
-          <a:p>
-            <a:pPr marL="0" indent="0">
-              <a:buNone/>
-            </a:pPr>
-            <a:endParaRPr lang="en-US" dirty="0"/>
+            <a:r>
+              <a:rPr lang="ru-RU" sz="2000" dirty="0"/>
+              <a:t>ПРОГРАММИРУЙТЕ</a:t>
+            </a:r>
+            <a:r>
+              <a:rPr lang="ru-RU" sz="2000" dirty="0" smtClean="0"/>
+              <a:t>!</a:t>
+            </a:r>
+          </a:p>
+          <a:p>
+            <a:r>
+              <a:rPr lang="ru-RU" sz="2000" dirty="0" smtClean="0"/>
+              <a:t>Читайте книги и блоги</a:t>
+            </a:r>
+            <a:r>
+              <a:rPr lang="en-US" sz="2000" dirty="0" smtClean="0"/>
+              <a:t>;</a:t>
+            </a:r>
+            <a:endParaRPr lang="ru-RU" sz="2000" dirty="0" smtClean="0"/>
+          </a:p>
+          <a:p>
+            <a:r>
+              <a:rPr lang="ru-RU" sz="2000" dirty="0" smtClean="0"/>
+              <a:t>Смотрите обучающие видео</a:t>
+            </a:r>
+            <a:r>
+              <a:rPr lang="en-US" sz="2000" dirty="0" smtClean="0"/>
+              <a:t>;</a:t>
+            </a:r>
+            <a:endParaRPr lang="ru-RU" sz="2000" dirty="0" smtClean="0"/>
+          </a:p>
+          <a:p>
+            <a:r>
+              <a:rPr lang="ru-RU" sz="2000" dirty="0" smtClean="0"/>
+              <a:t>Слушайте подкасты</a:t>
+            </a:r>
+            <a:r>
+              <a:rPr lang="en-US" sz="2000" dirty="0" smtClean="0"/>
+              <a:t>;</a:t>
+            </a:r>
+            <a:endParaRPr lang="ru-RU" sz="2000" dirty="0" smtClean="0"/>
+          </a:p>
+          <a:p>
+            <a:r>
+              <a:rPr lang="ru-RU" sz="2000" dirty="0" smtClean="0"/>
+              <a:t>Посещайте конференции, пользовательские группы, хакатоны и другие события</a:t>
+            </a:r>
+            <a:r>
+              <a:rPr lang="en-US" sz="2000" dirty="0" smtClean="0"/>
+              <a:t>;</a:t>
+            </a:r>
+          </a:p>
+          <a:p>
+            <a:r>
+              <a:rPr lang="ru-RU" sz="2000" dirty="0" smtClean="0"/>
+              <a:t>Участвуйте в проектах с открытым исходным кодом</a:t>
+            </a:r>
+            <a:endParaRPr lang="en-US" sz="2000" dirty="0" smtClean="0"/>
+          </a:p>
+          <a:p>
+            <a:pPr lvl="1"/>
+            <a:r>
+              <a:rPr lang="en-US" sz="2000" dirty="0" smtClean="0"/>
+              <a:t>codeplex.com</a:t>
+            </a:r>
+          </a:p>
+          <a:p>
+            <a:pPr lvl="1"/>
+            <a:r>
+              <a:rPr lang="en-US" sz="2000" dirty="0" smtClean="0"/>
+              <a:t>github.com</a:t>
+            </a:r>
+          </a:p>
+          <a:p>
+            <a:r>
+              <a:rPr lang="ru-RU" sz="2000" dirty="0" smtClean="0"/>
+              <a:t>Сертификация </a:t>
+            </a:r>
+            <a:r>
+              <a:rPr lang="en-US" sz="2000" dirty="0" smtClean="0"/>
+              <a:t>Microsoft</a:t>
+            </a:r>
+          </a:p>
+          <a:p>
+            <a:pPr lvl="1"/>
+            <a:r>
+              <a:rPr lang="en-US" sz="2000" dirty="0" smtClean="0"/>
+              <a:t>MCSD (Microsoft Certified </a:t>
+            </a:r>
+            <a:r>
+              <a:rPr lang="en-US" sz="2000" dirty="0" err="1" smtClean="0"/>
+              <a:t>Soluitons</a:t>
+            </a:r>
+            <a:r>
+              <a:rPr lang="en-US" sz="2000" dirty="0" smtClean="0"/>
+              <a:t> Developer)</a:t>
+            </a:r>
+          </a:p>
+          <a:p>
+            <a:pPr lvl="1"/>
+            <a:r>
+              <a:rPr lang="en-US" sz="2000" dirty="0">
+                <a:hlinkClick r:id="rId2"/>
+              </a:rPr>
+              <a:t>http://</a:t>
+            </a:r>
+            <a:r>
+              <a:rPr lang="en-US" sz="2000" dirty="0" smtClean="0">
+                <a:hlinkClick r:id="rId2"/>
+              </a:rPr>
+              <a:t>www.microsoft.com/learning/en-us/certification-overview.aspx</a:t>
+            </a:r>
+            <a:endParaRPr lang="ru-RU" sz="2000" dirty="0" smtClean="0"/>
+          </a:p>
+          <a:p>
+            <a:r>
+              <a:rPr lang="ru-RU" sz="2000" dirty="0" smtClean="0"/>
+              <a:t>Изучайте другие языки программирования, технологии и платформы!</a:t>
+            </a:r>
+            <a:endParaRPr lang="ru-RU" sz="2000" dirty="0"/>
           </a:p>
         </p:txBody>
       </p:sp>
     </p:spTree>
     <p:extLst>
       <p:ext uri="{BB962C8B-B14F-4D97-AF65-F5344CB8AC3E}">
-        <p14:creationId xmlns:p14="http://schemas.microsoft.com/office/powerpoint/2010/main" val="612142936"/>
+        <p14:creationId xmlns:p14="http://schemas.microsoft.com/office/powerpoint/2010/main" val="1949458573"/>
       </p:ext>
     </p:extLst>
   </p:cSld>
   <p:clrMapOvr>
     <a:masterClrMapping/>
   </p:clrMapOvr>
+  <p:timing>
+    <p:tnLst>
+      <p:par>
+        <p:cTn id="1" dur="indefinite" restart="never" nodeType="tmRoot"/>
+      </p:par>
+    </p:tnLst>
+  </p:timing>
 </p:sld>
 </file>
 
@@ -4443,31 +4743,16 @@
             <p:ph type="title"/>
           </p:nvPr>
         </p:nvSpPr>
-        <p:spPr>
-          <a:xfrm>
-            <a:off x="107504" y="116632"/>
-            <a:ext cx="8928992" cy="648072"/>
-          </a:xfrm>
-        </p:spPr>
-        <p:txBody>
-          <a:bodyPr>
-            <a:normAutofit fontScale="90000"/>
-          </a:bodyPr>
+        <p:spPr/>
+        <p:txBody>
+          <a:bodyPr/>
           <a:lstStyle/>
           <a:p>
             <a:r>
-              <a:rPr lang="ru-RU" dirty="0" smtClean="0">
-                <a:solidFill>
-                  <a:schemeClr val="bg1"/>
-                </a:solidFill>
-              </a:rPr>
-              <a:t>Блоги</a:t>
-            </a:r>
-            <a:endParaRPr lang="en-US" dirty="0">
-              <a:solidFill>
-                <a:schemeClr val="bg1"/>
-              </a:solidFill>
-            </a:endParaRPr>
+              <a:rPr lang="ru-RU" dirty="0" smtClean="0"/>
+              <a:t>Вопросы для самопроверки</a:t>
+            </a:r>
+            <a:endParaRPr lang="en-US" dirty="0"/>
           </a:p>
         </p:txBody>
       </p:sp>
@@ -4481,295 +4766,84 @@
             <p:ph idx="1"/>
           </p:nvPr>
         </p:nvSpPr>
-        <p:spPr>
-          <a:xfrm>
-            <a:off x="457200" y="764704"/>
-            <a:ext cx="8229600" cy="5361459"/>
-          </a:xfrm>
-        </p:spPr>
-        <p:txBody>
-          <a:bodyPr>
-            <a:normAutofit fontScale="92500" lnSpcReduction="10000"/>
-          </a:bodyPr>
+        <p:spPr/>
+        <p:txBody>
+          <a:bodyPr/>
           <a:lstStyle/>
           <a:p>
-            <a:r>
-              <a:rPr lang="en-US" dirty="0" smtClean="0">
-                <a:solidFill>
-                  <a:schemeClr val="bg1"/>
-                </a:solidFill>
-              </a:rPr>
+            <a:pPr marL="0" indent="0">
+              <a:buNone/>
+            </a:pPr>
+            <a:r>
+              <a:rPr lang="ru-RU" dirty="0" smtClean="0"/>
+              <a:t>В файле </a:t>
+            </a:r>
+            <a:r>
+              <a:rPr lang="en-US" i="1" dirty="0" smtClean="0">
+                <a:solidFill>
+                  <a:srgbClr val="FFFF99"/>
+                </a:solidFill>
+              </a:rPr>
+              <a:t>self-check-questions.docx</a:t>
+            </a:r>
+            <a:r>
+              <a:rPr lang="ru-RU" dirty="0" smtClean="0"/>
+              <a:t> вы найдете вопросы которые позволят проверить свой уровень знаний о платформе </a:t>
+            </a:r>
+            <a:r>
+              <a:rPr lang="en-US" dirty="0" smtClean="0"/>
+              <a:t>.NET</a:t>
+            </a:r>
+            <a:r>
+              <a:rPr lang="ru-RU" dirty="0" smtClean="0"/>
               <a:t>.</a:t>
             </a:r>
-            <a:r>
-              <a:rPr lang="en-US" dirty="0">
-                <a:solidFill>
-                  <a:schemeClr val="bg1"/>
-                </a:solidFill>
-              </a:rPr>
-              <a:t>NET Framework Blog</a:t>
-            </a:r>
-            <a:r>
-              <a:rPr lang="ru-RU" dirty="0">
-                <a:solidFill>
-                  <a:schemeClr val="bg1"/>
-                </a:solidFill>
-              </a:rPr>
-              <a:t>: </a:t>
-            </a:r>
-            <a:r>
-              <a:rPr lang="en-US" dirty="0">
-                <a:solidFill>
-                  <a:schemeClr val="bg1"/>
-                </a:solidFill>
-                <a:hlinkClick r:id="rId2"/>
-              </a:rPr>
-              <a:t>http://blogs.msdn.com/b/dotnet/</a:t>
-            </a:r>
-            <a:endParaRPr lang="ru-RU" dirty="0">
-              <a:solidFill>
-                <a:schemeClr val="bg1"/>
-              </a:solidFill>
-            </a:endParaRPr>
-          </a:p>
-          <a:p>
-            <a:r>
-              <a:rPr lang="en-US" dirty="0">
-                <a:solidFill>
-                  <a:schemeClr val="bg1"/>
-                </a:solidFill>
-              </a:rPr>
-              <a:t>Base Class Library (BCL) Blog</a:t>
-            </a:r>
-            <a:r>
-              <a:rPr lang="ru-RU" dirty="0">
-                <a:solidFill>
-                  <a:schemeClr val="bg1"/>
-                </a:solidFill>
-              </a:rPr>
-              <a:t>: </a:t>
-            </a:r>
-            <a:r>
-              <a:rPr lang="en-US" dirty="0">
-                <a:solidFill>
-                  <a:schemeClr val="bg1"/>
-                </a:solidFill>
-                <a:hlinkClick r:id="rId3"/>
-              </a:rPr>
-              <a:t>http://blogs.msdn.com/b/bclteam/</a:t>
-            </a:r>
-            <a:endParaRPr lang="ru-RU" dirty="0">
-              <a:solidFill>
-                <a:schemeClr val="bg1"/>
-              </a:solidFill>
-            </a:endParaRPr>
-          </a:p>
-          <a:p>
-            <a:r>
-              <a:rPr lang="en-US" dirty="0">
-                <a:solidFill>
-                  <a:schemeClr val="bg1"/>
-                </a:solidFill>
-              </a:rPr>
-              <a:t>ADO.NET Blog</a:t>
-            </a:r>
-            <a:r>
-              <a:rPr lang="ru-RU" dirty="0">
-                <a:solidFill>
-                  <a:schemeClr val="bg1"/>
-                </a:solidFill>
-              </a:rPr>
-              <a:t>: </a:t>
-            </a:r>
-            <a:r>
-              <a:rPr lang="en-US" dirty="0">
-                <a:solidFill>
-                  <a:schemeClr val="bg1"/>
-                </a:solidFill>
-                <a:hlinkClick r:id="rId4"/>
-              </a:rPr>
-              <a:t>http://blogs.msdn.com/b/adonet/</a:t>
-            </a:r>
-            <a:endParaRPr lang="ru-RU" dirty="0">
-              <a:solidFill>
-                <a:schemeClr val="bg1"/>
-              </a:solidFill>
-            </a:endParaRPr>
-          </a:p>
-          <a:p>
-            <a:r>
-              <a:rPr lang="en-US" dirty="0">
-                <a:solidFill>
-                  <a:schemeClr val="bg1"/>
-                </a:solidFill>
-              </a:rPr>
-              <a:t>Parallel Programming with .NET</a:t>
-            </a:r>
-            <a:r>
-              <a:rPr lang="ru-RU" dirty="0">
-                <a:solidFill>
-                  <a:schemeClr val="bg1"/>
-                </a:solidFill>
-              </a:rPr>
-              <a:t>: </a:t>
-            </a:r>
-            <a:r>
-              <a:rPr lang="en-US" dirty="0">
-                <a:solidFill>
-                  <a:schemeClr val="bg1"/>
-                </a:solidFill>
-                <a:hlinkClick r:id="rId5"/>
-              </a:rPr>
-              <a:t>http://blogs.msdn.com/b/pfxteam/</a:t>
-            </a:r>
-            <a:endParaRPr lang="ru-RU" dirty="0">
-              <a:solidFill>
-                <a:schemeClr val="bg1"/>
-              </a:solidFill>
-            </a:endParaRPr>
-          </a:p>
-          <a:p>
-            <a:r>
-              <a:rPr lang="ru-RU" dirty="0">
-                <a:solidFill>
-                  <a:schemeClr val="bg1"/>
-                </a:solidFill>
-              </a:rPr>
-              <a:t>С</a:t>
-            </a:r>
-            <a:r>
-              <a:rPr lang="en-US" dirty="0">
-                <a:solidFill>
-                  <a:schemeClr val="bg1"/>
-                </a:solidFill>
-              </a:rPr>
-              <a:t># Little Wonders</a:t>
-            </a:r>
-            <a:r>
-              <a:rPr lang="ru-RU" dirty="0">
-                <a:solidFill>
-                  <a:schemeClr val="bg1"/>
-                </a:solidFill>
-              </a:rPr>
-              <a:t> -</a:t>
-            </a:r>
-            <a:r>
-              <a:rPr lang="en-US" dirty="0">
-                <a:solidFill>
-                  <a:schemeClr val="bg1"/>
-                </a:solidFill>
-              </a:rPr>
-              <a:t> </a:t>
-            </a:r>
-            <a:r>
-              <a:rPr lang="en-US" dirty="0">
-                <a:solidFill>
-                  <a:schemeClr val="bg1"/>
-                </a:solidFill>
-                <a:hlinkClick r:id="rId6"/>
-              </a:rPr>
-              <a:t>http://</a:t>
-            </a:r>
-            <a:r>
-              <a:rPr lang="en-US" dirty="0" smtClean="0">
-                <a:solidFill>
-                  <a:schemeClr val="bg1"/>
-                </a:solidFill>
-                <a:hlinkClick r:id="rId6"/>
-              </a:rPr>
-              <a:t>blackrabbitcoder.net/category/11989.aspx</a:t>
-            </a:r>
-            <a:endParaRPr lang="ru-RU" dirty="0" smtClean="0">
-              <a:solidFill>
-                <a:schemeClr val="bg1"/>
-              </a:solidFill>
-            </a:endParaRPr>
-          </a:p>
-          <a:p>
-            <a:r>
-              <a:rPr lang="en-US" dirty="0" smtClean="0">
-                <a:solidFill>
-                  <a:schemeClr val="bg1"/>
-                </a:solidFill>
-              </a:rPr>
-              <a:t>Scott </a:t>
-            </a:r>
-            <a:r>
-              <a:rPr lang="en-US" dirty="0" err="1" smtClean="0">
-                <a:solidFill>
-                  <a:schemeClr val="bg1"/>
-                </a:solidFill>
-              </a:rPr>
-              <a:t>Hanselman</a:t>
-            </a:r>
-            <a:r>
-              <a:rPr lang="en-US" dirty="0">
-                <a:solidFill>
-                  <a:schemeClr val="bg1"/>
-                </a:solidFill>
-              </a:rPr>
-              <a:t> - </a:t>
-            </a:r>
-            <a:r>
-              <a:rPr lang="en-US" dirty="0">
-                <a:solidFill>
-                  <a:schemeClr val="bg1"/>
-                </a:solidFill>
-                <a:hlinkClick r:id="rId7"/>
-              </a:rPr>
-              <a:t>http://www.hanselman.com/blog</a:t>
-            </a:r>
-            <a:r>
-              <a:rPr lang="en-US" dirty="0" smtClean="0">
-                <a:solidFill>
-                  <a:schemeClr val="bg1"/>
-                </a:solidFill>
-                <a:hlinkClick r:id="rId7"/>
-              </a:rPr>
-              <a:t>/</a:t>
-            </a:r>
-            <a:endParaRPr lang="en-US" dirty="0" smtClean="0">
-              <a:solidFill>
-                <a:schemeClr val="bg1"/>
-              </a:solidFill>
-            </a:endParaRPr>
-          </a:p>
-          <a:p>
-            <a:endParaRPr lang="ru-RU" dirty="0">
-              <a:solidFill>
-                <a:schemeClr val="bg1"/>
-              </a:solidFill>
-            </a:endParaRPr>
-          </a:p>
-          <a:p>
-            <a:pPr marL="457200" lvl="1" indent="0">
+          </a:p>
+          <a:p>
+            <a:pPr marL="0" indent="0">
               <a:buNone/>
             </a:pPr>
-            <a:endParaRPr lang="en-US" dirty="0">
-              <a:solidFill>
-                <a:schemeClr val="bg1"/>
-              </a:solidFill>
-            </a:endParaRPr>
+            <a:endParaRPr lang="ru-RU" dirty="0"/>
+          </a:p>
+          <a:p>
+            <a:pPr marL="0" indent="0">
+              <a:buNone/>
+            </a:pPr>
+            <a:r>
+              <a:rPr lang="ru-RU" dirty="0" smtClean="0"/>
+              <a:t>Таблица в файле </a:t>
+            </a:r>
+            <a:r>
+              <a:rPr lang="en-US" i="1" dirty="0">
+                <a:solidFill>
+                  <a:srgbClr val="FFFF99"/>
+                </a:solidFill>
+              </a:rPr>
+              <a:t>Programmer Competency Matrix.docx</a:t>
+            </a:r>
+            <a:r>
+              <a:rPr lang="ru-RU" dirty="0" smtClean="0"/>
+              <a:t> позволит оценить прогресс в различных областях необходимых каждому программисту.</a:t>
+            </a:r>
+          </a:p>
+          <a:p>
+            <a:pPr marL="0" indent="0">
+              <a:buNone/>
+            </a:pPr>
+            <a:endParaRPr lang="en-US" dirty="0"/>
           </a:p>
         </p:txBody>
       </p:sp>
     </p:spTree>
     <p:extLst>
       <p:ext uri="{BB962C8B-B14F-4D97-AF65-F5344CB8AC3E}">
-        <p14:creationId xmlns:p14="http://schemas.microsoft.com/office/powerpoint/2010/main" val="2211951054"/>
+        <p14:creationId xmlns:p14="http://schemas.microsoft.com/office/powerpoint/2010/main" val="612142936"/>
       </p:ext>
     </p:extLst>
   </p:cSld>
   <p:clrMapOvr>
     <a:masterClrMapping/>
   </p:clrMapOvr>
-  <p:timing>
-    <p:tnLst>
-      <p:par>
-        <p:cTn id="1" dur="indefinite" restart="never" nodeType="tmRoot"/>
-      </p:par>
-    </p:tnLst>
-  </p:timing>
 </p:sld>
 </file>
 
@@ -4800,16 +4874,31 @@
             <p:ph type="title"/>
           </p:nvPr>
         </p:nvSpPr>
-        <p:spPr/>
-        <p:txBody>
-          <a:bodyPr/>
+        <p:spPr>
+          <a:xfrm>
+            <a:off x="107504" y="116632"/>
+            <a:ext cx="8928992" cy="648072"/>
+          </a:xfrm>
+        </p:spPr>
+        <p:txBody>
+          <a:bodyPr>
+            <a:normAutofit fontScale="90000"/>
+          </a:bodyPr>
           <a:lstStyle/>
           <a:p>
             <a:r>
-              <a:rPr lang="ru-RU" dirty="0" smtClean="0"/>
-              <a:t>Подкасты</a:t>
-            </a:r>
-            <a:endParaRPr lang="en-US" dirty="0"/>
+              <a:rPr lang="ru-RU" dirty="0" smtClean="0">
+                <a:solidFill>
+                  <a:schemeClr val="bg1"/>
+                </a:solidFill>
+              </a:rPr>
+              <a:t>Блоги</a:t>
+            </a:r>
+            <a:endParaRPr lang="en-US" dirty="0">
+              <a:solidFill>
+                <a:schemeClr val="bg1"/>
+              </a:solidFill>
+            </a:endParaRPr>
           </a:p>
         </p:txBody>
       </p:sp>
@@ -4823,79 +4912,282 @@
             <p:ph idx="1"/>
           </p:nvPr>
         </p:nvSpPr>
-        <p:spPr/>
-        <p:txBody>
-          <a:bodyPr/>
+        <p:spPr>
+          <a:xfrm>
+            <a:off x="457200" y="764704"/>
+            <a:ext cx="8229600" cy="5361459"/>
+          </a:xfrm>
+        </p:spPr>
+        <p:txBody>
+          <a:bodyPr>
+            <a:normAutofit fontScale="92500" lnSpcReduction="10000"/>
+          </a:bodyPr>
           <a:lstStyle/>
           <a:p>
             <a:r>
-              <a:rPr lang="en-US" dirty="0" err="1" smtClean="0"/>
-              <a:t>Hanselminutes</a:t>
-            </a:r>
-            <a:r>
-              <a:rPr lang="en-US" dirty="0" smtClean="0"/>
-              <a:t> (English)</a:t>
-            </a:r>
-            <a:r>
-              <a:rPr lang="en-US" dirty="0"/>
-              <a:t/>
-            </a:r>
-            <a:br>
-              <a:rPr lang="en-US" dirty="0"/>
-            </a:br>
+              <a:rPr lang="en-US" dirty="0" smtClean="0">
+                <a:solidFill>
+                  <a:schemeClr val="bg1"/>
+                </a:solidFill>
+              </a:rPr>
+              <a:t>.</a:t>
+            </a:r>
             <a:r>
               <a:rPr lang="en-US" dirty="0">
+                <a:solidFill>
+                  <a:schemeClr val="bg1"/>
+                </a:solidFill>
+              </a:rPr>
+              <a:t>NET Framework Blog</a:t>
+            </a:r>
+            <a:r>
+              <a:rPr lang="ru-RU" dirty="0">
+                <a:solidFill>
+                  <a:schemeClr val="bg1"/>
+                </a:solidFill>
+              </a:rPr>
+              <a:t>: </a:t>
+            </a:r>
+            <a:r>
+              <a:rPr lang="en-US" dirty="0">
+                <a:solidFill>
+                  <a:schemeClr val="bg1"/>
+                </a:solidFill>
                 <a:hlinkClick r:id="rId2"/>
               </a:rPr>
-              <a:t>http://www.hanselminutes.com</a:t>
+              <a:t>http://blogs.msdn.com/b/dotnet/</a:t>
+            </a:r>
+            <a:endParaRPr lang="ru-RU" dirty="0">
+              <a:solidFill>
+                <a:schemeClr val="bg1"/>
+              </a:solidFill>
+            </a:endParaRPr>
+          </a:p>
+          <a:p>
+            <a:r>
+              <a:rPr lang="en-US" dirty="0">
+                <a:solidFill>
+                  <a:schemeClr val="bg1"/>
+                </a:solidFill>
+              </a:rPr>
+              <a:t>Base Class Library (BCL) Blog</a:t>
+            </a:r>
+            <a:r>
+              <a:rPr lang="ru-RU" dirty="0">
+                <a:solidFill>
+                  <a:schemeClr val="bg1"/>
+                </a:solidFill>
+              </a:rPr>
+              <a:t>: </a:t>
+            </a:r>
+            <a:r>
+              <a:rPr lang="en-US" dirty="0">
+                <a:solidFill>
+                  <a:schemeClr val="bg1"/>
+                </a:solidFill>
+                <a:hlinkClick r:id="rId3"/>
+              </a:rPr>
+              <a:t>http://blogs.msdn.com/b/bclteam/</a:t>
+            </a:r>
+            <a:endParaRPr lang="ru-RU" dirty="0">
+              <a:solidFill>
+                <a:schemeClr val="bg1"/>
+              </a:solidFill>
+            </a:endParaRPr>
+          </a:p>
+          <a:p>
+            <a:r>
+              <a:rPr lang="en-US" dirty="0">
+                <a:solidFill>
+                  <a:schemeClr val="bg1"/>
+                </a:solidFill>
+              </a:rPr>
+              <a:t>ADO.NET Blog</a:t>
+            </a:r>
+            <a:r>
+              <a:rPr lang="ru-RU" dirty="0">
+                <a:solidFill>
+                  <a:schemeClr val="bg1"/>
+                </a:solidFill>
+              </a:rPr>
+              <a:t>: </a:t>
+            </a:r>
+            <a:r>
+              <a:rPr lang="en-US" dirty="0">
+                <a:solidFill>
+                  <a:schemeClr val="bg1"/>
+                </a:solidFill>
+                <a:hlinkClick r:id="rId4"/>
+              </a:rPr>
+              <a:t>http://blogs.msdn.com/b/adonet/</a:t>
+            </a:r>
+            <a:endParaRPr lang="ru-RU" dirty="0">
+              <a:solidFill>
+                <a:schemeClr val="bg1"/>
+              </a:solidFill>
+            </a:endParaRPr>
+          </a:p>
+          <a:p>
+            <a:r>
+              <a:rPr lang="en-US" dirty="0">
+                <a:solidFill>
+                  <a:schemeClr val="bg1"/>
+                </a:solidFill>
+              </a:rPr>
+              <a:t>Parallel Programming with .NET</a:t>
+            </a:r>
+            <a:r>
+              <a:rPr lang="ru-RU" dirty="0">
+                <a:solidFill>
+                  <a:schemeClr val="bg1"/>
+                </a:solidFill>
+              </a:rPr>
+              <a:t>: </a:t>
+            </a:r>
+            <a:r>
+              <a:rPr lang="en-US" dirty="0">
+                <a:solidFill>
+                  <a:schemeClr val="bg1"/>
+                </a:solidFill>
+                <a:hlinkClick r:id="rId5"/>
+              </a:rPr>
+              <a:t>http://blogs.msdn.com/b/pfxteam/</a:t>
+            </a:r>
+            <a:endParaRPr lang="ru-RU" dirty="0">
+              <a:solidFill>
+                <a:schemeClr val="bg1"/>
+              </a:solidFill>
+            </a:endParaRPr>
+          </a:p>
+          <a:p>
+            <a:r>
+              <a:rPr lang="ru-RU" dirty="0">
+                <a:solidFill>
+                  <a:schemeClr val="bg1"/>
+                </a:solidFill>
+              </a:rPr>
+              <a:t>С</a:t>
+            </a:r>
+            <a:r>
+              <a:rPr lang="en-US" dirty="0">
+                <a:solidFill>
+                  <a:schemeClr val="bg1"/>
+                </a:solidFill>
+              </a:rPr>
+              <a:t># Little Wonders</a:t>
+            </a:r>
+            <a:r>
+              <a:rPr lang="ru-RU" dirty="0">
+                <a:solidFill>
+                  <a:schemeClr val="bg1"/>
+                </a:solidFill>
+              </a:rPr>
+              <a:t> -</a:t>
+            </a:r>
+            <a:r>
+              <a:rPr lang="en-US" dirty="0">
+                <a:solidFill>
+                  <a:schemeClr val="bg1"/>
+                </a:solidFill>
+              </a:rPr>
+              <a:t> </a:t>
+            </a:r>
+            <a:r>
+              <a:rPr lang="en-US" dirty="0">
+                <a:solidFill>
+                  <a:schemeClr val="bg1"/>
+                </a:solidFill>
+                <a:hlinkClick r:id="rId6"/>
+              </a:rPr>
+              <a:t>http://</a:t>
             </a:r>
             <a:r>
               <a:rPr lang="en-US" dirty="0" smtClean="0">
-                <a:hlinkClick r:id="rId2"/>
+                <a:solidFill>
+                  <a:schemeClr val="bg1"/>
+                </a:solidFill>
+                <a:hlinkClick r:id="rId6"/>
+              </a:rPr>
+              <a:t>blackrabbitcoder.net/category/11989.aspx</a:t>
+            </a:r>
+            <a:endParaRPr lang="ru-RU" dirty="0" smtClean="0">
+              <a:solidFill>
+                <a:schemeClr val="bg1"/>
+              </a:solidFill>
+            </a:endParaRPr>
+          </a:p>
+          <a:p>
+            <a:r>
+              <a:rPr lang="en-US" dirty="0" smtClean="0">
+                <a:solidFill>
+                  <a:schemeClr val="bg1"/>
+                </a:solidFill>
+              </a:rPr>
+              <a:t>Scott </a:t>
+            </a:r>
+            <a:r>
+              <a:rPr lang="en-US" dirty="0" err="1" smtClean="0">
+                <a:solidFill>
+                  <a:schemeClr val="bg1"/>
+                </a:solidFill>
+              </a:rPr>
+              <a:t>Hanselman</a:t>
+            </a:r>
+            <a:r>
+              <a:rPr lang="en-US" dirty="0">
+                <a:solidFill>
+                  <a:schemeClr val="bg1"/>
+                </a:solidFill>
+              </a:rPr>
+              <a:t> - </a:t>
+            </a:r>
+            <a:r>
+              <a:rPr lang="en-US" dirty="0">
+                <a:solidFill>
+                  <a:schemeClr val="bg1"/>
+                </a:solidFill>
+                <a:hlinkClick r:id="rId7"/>
+              </a:rPr>
+              <a:t>http://www.hanselman.com/blog</a:t>
+            </a:r>
+            <a:r>
+              <a:rPr lang="en-US" dirty="0" smtClean="0">
+                <a:solidFill>
+                  <a:schemeClr val="bg1"/>
+                </a:solidFill>
+                <a:hlinkClick r:id="rId7"/>
               </a:rPr>
               <a:t>/</a:t>
             </a:r>
-            <a:endParaRPr lang="en-US" dirty="0" smtClean="0"/>
-          </a:p>
-          <a:p>
-            <a:r>
-              <a:rPr lang="en-US" dirty="0"/>
-              <a:t>.NET Rocks</a:t>
-            </a:r>
-            <a:r>
-              <a:rPr lang="en-US" dirty="0" smtClean="0"/>
-              <a:t>! </a:t>
-            </a:r>
-            <a:r>
-              <a:rPr lang="en-US" dirty="0"/>
-              <a:t>(English)</a:t>
-            </a:r>
-            <a:br>
-              <a:rPr lang="en-US" dirty="0"/>
-            </a:br>
-            <a:r>
-              <a:rPr lang="en-US" dirty="0">
-                <a:hlinkClick r:id="rId3"/>
-              </a:rPr>
-              <a:t>http://www.dotnetrocks.com</a:t>
-            </a:r>
-            <a:r>
-              <a:rPr lang="en-US" dirty="0" smtClean="0">
-                <a:hlinkClick r:id="rId3"/>
-              </a:rPr>
-              <a:t>/</a:t>
-            </a:r>
-            <a:endParaRPr lang="en-US" dirty="0" smtClean="0"/>
-          </a:p>
-          <a:p>
-            <a:endParaRPr lang="en-US" dirty="0"/>
+            <a:endParaRPr lang="en-US" dirty="0" smtClean="0">
+              <a:solidFill>
+                <a:schemeClr val="bg1"/>
+              </a:solidFill>
+            </a:endParaRPr>
+          </a:p>
+          <a:p>
+            <a:endParaRPr lang="ru-RU" dirty="0">
+              <a:solidFill>
+                <a:schemeClr val="bg1"/>
+              </a:solidFill>
+            </a:endParaRPr>
+          </a:p>
+          <a:p>
+            <a:pPr marL="457200" lvl="1" indent="0">
+              <a:buNone/>
+            </a:pPr>
+            <a:endParaRPr lang="en-US" dirty="0">
+              <a:solidFill>
+                <a:schemeClr val="bg1"/>
+              </a:solidFill>
+            </a:endParaRPr>
           </a:p>
         </p:txBody>
       </p:sp>
     </p:spTree>
     <p:extLst>
       <p:ext uri="{BB962C8B-B14F-4D97-AF65-F5344CB8AC3E}">
-        <p14:creationId xmlns:p14="http://schemas.microsoft.com/office/powerpoint/2010/main" val="2015174044"/>
+        <p14:creationId xmlns:p14="http://schemas.microsoft.com/office/powerpoint/2010/main" val="2211951054"/>
       </p:ext>
     </p:extLst>
   </p:cSld>
@@ -4946,9 +5238,9 @@
           <a:p>
             <a:r>
               <a:rPr lang="ru-RU" dirty="0" smtClean="0"/>
-              <a:t>Обучающие видео</a:t>
-            </a:r>
-            <a:endParaRPr lang="ru-RU" dirty="0"/>
+              <a:t>Подкасты</a:t>
+            </a:r>
+            <a:endParaRPr lang="en-US" dirty="0"/>
           </a:p>
         </p:txBody>
       </p:sp>
@@ -4968,174 +5260,86 @@
           <a:lstStyle/>
           <a:p>
             <a:r>
-              <a:rPr lang="ru-RU" dirty="0" smtClean="0">
-                <a:solidFill>
-                  <a:schemeClr val="bg1"/>
-                </a:solidFill>
-              </a:rPr>
-              <a:t>На русском</a:t>
-            </a:r>
-          </a:p>
-          <a:p>
-            <a:pPr lvl="1"/>
+              <a:rPr lang="en-US" dirty="0" err="1" smtClean="0"/>
+              <a:t>Hanselminutes</a:t>
+            </a:r>
+            <a:r>
+              <a:rPr lang="en-US" dirty="0" smtClean="0"/>
+              <a:t> (English)</a:t>
+            </a:r>
+            <a:r>
+              <a:rPr lang="en-US" dirty="0"/>
+              <a:t/>
+            </a:r>
+            <a:br>
+              <a:rPr lang="en-US" dirty="0"/>
+            </a:br>
+            <a:r>
+              <a:rPr lang="en-US" dirty="0">
+                <a:hlinkClick r:id="rId2"/>
+              </a:rPr>
+              <a:t>http://www.hanselminutes.com</a:t>
+            </a:r>
             <a:r>
               <a:rPr lang="en-US" dirty="0" smtClean="0">
-                <a:solidFill>
-                  <a:schemeClr val="bg1"/>
-                </a:solidFill>
                 <a:hlinkClick r:id="rId2"/>
               </a:rPr>
-              <a:t>http</a:t>
-            </a:r>
+              <a:t>/</a:t>
+            </a:r>
+            <a:endParaRPr lang="en-US" dirty="0" smtClean="0"/>
+          </a:p>
+          <a:p>
+            <a:r>
+              <a:rPr lang="en-US" dirty="0"/>
+              <a:t>.NET Rocks</a:t>
+            </a:r>
+            <a:r>
+              <a:rPr lang="en-US" dirty="0" smtClean="0"/>
+              <a:t>! </a:t>
+            </a:r>
+            <a:r>
+              <a:rPr lang="en-US" dirty="0"/>
+              <a:t>(English)</a:t>
+            </a:r>
+            <a:br>
+              <a:rPr lang="en-US" dirty="0"/>
+            </a:br>
             <a:r>
               <a:rPr lang="en-US" dirty="0">
-                <a:solidFill>
-                  <a:schemeClr val="bg1"/>
-                </a:solidFill>
-                <a:hlinkClick r:id="rId2"/>
-              </a:rPr>
-              <a:t>://</a:t>
+                <a:hlinkClick r:id="rId3"/>
+              </a:rPr>
+              <a:t>http://www.dotnetrocks.com</a:t>
             </a:r>
             <a:r>
               <a:rPr lang="en-US" dirty="0" smtClean="0">
-                <a:solidFill>
-                  <a:schemeClr val="bg1"/>
-                </a:solidFill>
-                <a:hlinkClick r:id="rId2"/>
-              </a:rPr>
-              <a:t>techdays.ru</a:t>
-            </a:r>
-            <a:endParaRPr lang="ru-RU" dirty="0" smtClean="0">
-              <a:solidFill>
-                <a:schemeClr val="bg1"/>
-              </a:solidFill>
-            </a:endParaRPr>
-          </a:p>
-          <a:p>
-            <a:r>
-              <a:rPr lang="ru-RU" dirty="0" smtClean="0">
-                <a:solidFill>
-                  <a:schemeClr val="bg1"/>
-                </a:solidFill>
-              </a:rPr>
-              <a:t>На английском</a:t>
-            </a:r>
-          </a:p>
-          <a:p>
-            <a:pPr lvl="1"/>
-            <a:r>
-              <a:rPr lang="en-US" dirty="0">
-                <a:solidFill>
-                  <a:schemeClr val="bg1"/>
-                </a:solidFill>
                 <a:hlinkClick r:id="rId3"/>
               </a:rPr>
-              <a:t>http://channel9.msdn.com</a:t>
-            </a:r>
-            <a:r>
-              <a:rPr lang="en-US" dirty="0" smtClean="0">
-                <a:solidFill>
-                  <a:schemeClr val="bg1"/>
-                </a:solidFill>
-                <a:hlinkClick r:id="rId3"/>
-              </a:rPr>
               <a:t>/</a:t>
             </a:r>
-            <a:endParaRPr lang="ru-RU" dirty="0" smtClean="0">
-              <a:solidFill>
-                <a:schemeClr val="bg1"/>
-              </a:solidFill>
-            </a:endParaRPr>
-          </a:p>
-          <a:p>
-            <a:pPr lvl="1"/>
-            <a:r>
-              <a:rPr lang="en-US" dirty="0">
-                <a:solidFill>
-                  <a:schemeClr val="bg1"/>
-                </a:solidFill>
-                <a:hlinkClick r:id="rId4"/>
-              </a:rPr>
-              <a:t>https://</a:t>
-            </a:r>
-            <a:r>
-              <a:rPr lang="en-US" dirty="0" smtClean="0">
-                <a:solidFill>
-                  <a:schemeClr val="bg1"/>
-                </a:solidFill>
-                <a:hlinkClick r:id="rId4"/>
-              </a:rPr>
-              <a:t>www.wintellectnow.com/videos/index</a:t>
-            </a:r>
-            <a:r>
-              <a:rPr lang="ru-RU" dirty="0" smtClean="0">
-                <a:solidFill>
-                  <a:schemeClr val="bg1"/>
-                </a:solidFill>
-              </a:rPr>
-              <a:t/>
-            </a:r>
-            <a:br>
-              <a:rPr lang="ru-RU" dirty="0" smtClean="0">
-                <a:solidFill>
-                  <a:schemeClr val="bg1"/>
-                </a:solidFill>
-              </a:rPr>
-            </a:br>
-            <a:r>
-              <a:rPr lang="ru-RU" dirty="0" smtClean="0">
-                <a:solidFill>
-                  <a:schemeClr val="bg1"/>
-                </a:solidFill>
-              </a:rPr>
-              <a:t>Часть бесплатно, часть платно</a:t>
-            </a:r>
-          </a:p>
-          <a:p>
-            <a:pPr lvl="1"/>
-            <a:r>
-              <a:rPr lang="en-US" dirty="0">
-                <a:solidFill>
-                  <a:schemeClr val="bg1"/>
-                </a:solidFill>
-                <a:hlinkClick r:id="rId5"/>
-              </a:rPr>
-              <a:t>http://pluralsight.com</a:t>
-            </a:r>
-            <a:r>
-              <a:rPr lang="en-US" dirty="0" smtClean="0">
-                <a:solidFill>
-                  <a:schemeClr val="bg1"/>
-                </a:solidFill>
-                <a:hlinkClick r:id="rId5"/>
-              </a:rPr>
-              <a:t>/</a:t>
-            </a:r>
-            <a:r>
-              <a:rPr lang="ru-RU" dirty="0" smtClean="0">
-                <a:solidFill>
-                  <a:schemeClr val="bg1"/>
-                </a:solidFill>
-              </a:rPr>
-              <a:t> (Платный сервис)</a:t>
-            </a:r>
-          </a:p>
-          <a:p>
-            <a:pPr lvl="1"/>
-            <a:endParaRPr lang="ru-RU" dirty="0"/>
+            <a:endParaRPr lang="en-US" dirty="0" smtClean="0"/>
+          </a:p>
+          <a:p>
+            <a:endParaRPr lang="en-US" dirty="0"/>
           </a:p>
         </p:txBody>
       </p:sp>
     </p:spTree>
     <p:extLst>
       <p:ext uri="{BB962C8B-B14F-4D97-AF65-F5344CB8AC3E}">
-        <p14:creationId xmlns:p14="http://schemas.microsoft.com/office/powerpoint/2010/main" val="3706293392"/>
+        <p14:creationId xmlns:p14="http://schemas.microsoft.com/office/powerpoint/2010/main" val="2015174044"/>
       </p:ext>
     </p:extLst>
   </p:cSld>
   <p:clrMapOvr>
     <a:masterClrMapping/>
   </p:clrMapOvr>
+  <p:timing>
+    <p:tnLst>
+      <p:par>
+        <p:cTn id="1" dur="indefinite" restart="never" nodeType="tmRoot"/>
+      </p:par>
+    </p:tnLst>
+  </p:timing>
 </p:sld>
 </file>
 
@@ -5166,31 +5370,16 @@
             <p:ph type="title"/>
           </p:nvPr>
         </p:nvSpPr>
-        <p:spPr>
-          <a:xfrm>
-            <a:off x="107504" y="116632"/>
-            <a:ext cx="8928992" cy="648072"/>
-          </a:xfrm>
-        </p:spPr>
-        <p:txBody>
-          <a:bodyPr>
-            <a:normAutofit fontScale="90000"/>
-          </a:bodyPr>
+        <p:spPr/>
+        <p:txBody>
+          <a:bodyPr/>
           <a:lstStyle/>
           <a:p>
             <a:r>
-              <a:rPr lang="ru-RU" dirty="0">
-                <a:solidFill>
-                  <a:schemeClr val="bg1"/>
-                </a:solidFill>
-              </a:rPr>
-              <a:t>Задачи по программированию</a:t>
-            </a:r>
-            <a:endParaRPr lang="en-US" dirty="0">
-              <a:solidFill>
-                <a:schemeClr val="bg1"/>
-              </a:solidFill>
-            </a:endParaRPr>
+              <a:rPr lang="ru-RU" dirty="0" smtClean="0"/>
+              <a:t>Обучающие видео</a:t>
+            </a:r>
+            <a:endParaRPr lang="ru-RU" dirty="0"/>
           </a:p>
         </p:txBody>
       </p:sp>
@@ -5204,16 +5393,9 @@
             <p:ph idx="1"/>
           </p:nvPr>
         </p:nvSpPr>
-        <p:spPr>
-          <a:xfrm>
-            <a:off x="457200" y="764704"/>
-            <a:ext cx="8229600" cy="5361459"/>
-          </a:xfrm>
-        </p:spPr>
-        <p:txBody>
-          <a:bodyPr>
-            <a:normAutofit fontScale="92500" lnSpcReduction="10000"/>
-          </a:bodyPr>
+        <p:spPr/>
+        <p:txBody>
+          <a:bodyPr/>
           <a:lstStyle/>
           <a:p>
             <a:r>
@@ -5222,8 +5404,11 @@
                   <a:schemeClr val="bg1"/>
                 </a:solidFill>
               </a:rPr>
-              <a:t>Школа программиста</a:t>
-            </a:r>
+              <a:t>На русском</a:t>
+            </a:r>
+          </a:p>
+          <a:p>
+            <a:pPr lvl="1"/>
             <a:r>
               <a:rPr lang="en-US" dirty="0" smtClean="0">
                 <a:solidFill>
@@ -5231,96 +5416,26 @@
                 </a:solidFill>
                 <a:hlinkClick r:id="rId2"/>
               </a:rPr>
-              <a:t/>
-            </a:r>
-            <a:br>
+              <a:t>http</a:t>
+            </a:r>
+            <a:r>
+              <a:rPr lang="en-US" dirty="0">
+                <a:solidFill>
+                  <a:schemeClr val="bg1"/>
+                </a:solidFill>
+                <a:hlinkClick r:id="rId2"/>
+              </a:rPr>
+              <a:t>://</a:t>
+            </a:r>
+            <a:r>
               <a:rPr lang="en-US" dirty="0" smtClean="0">
                 <a:solidFill>
                   <a:schemeClr val="bg1"/>
                 </a:solidFill>
                 <a:hlinkClick r:id="rId2"/>
               </a:rPr>
-            </a:br>
-            <a:r>
-              <a:rPr lang="en-US" dirty="0" smtClean="0">
-                <a:solidFill>
-                  <a:schemeClr val="bg1"/>
-                </a:solidFill>
-                <a:hlinkClick r:id="rId2"/>
-              </a:rPr>
-              <a:t>http</a:t>
-            </a:r>
-            <a:r>
-              <a:rPr lang="en-US" dirty="0">
-                <a:solidFill>
-                  <a:schemeClr val="bg1"/>
-                </a:solidFill>
-                <a:hlinkClick r:id="rId2"/>
-              </a:rPr>
-              <a:t>://</a:t>
-            </a:r>
-            <a:r>
-              <a:rPr lang="en-US" dirty="0" smtClean="0">
-                <a:solidFill>
-                  <a:schemeClr val="bg1"/>
-                </a:solidFill>
-                <a:hlinkClick r:id="rId2"/>
-              </a:rPr>
-              <a:t>acmp.ru/index.asp?main=tasks</a:t>
-            </a:r>
-            <a:endParaRPr lang="en-US" dirty="0" smtClean="0">
-              <a:solidFill>
-                <a:schemeClr val="bg1"/>
-              </a:solidFill>
-            </a:endParaRPr>
-          </a:p>
-          <a:p>
-            <a:endParaRPr lang="en-US" dirty="0">
-              <a:solidFill>
-                <a:schemeClr val="bg1"/>
-              </a:solidFill>
-            </a:endParaRPr>
-          </a:p>
-          <a:p>
-            <a:r>
-              <a:rPr lang="ru-RU" dirty="0" smtClean="0">
-                <a:solidFill>
-                  <a:schemeClr val="bg1"/>
-                </a:solidFill>
-              </a:rPr>
-              <a:t>Математические </a:t>
-            </a:r>
-            <a:r>
-              <a:rPr lang="ru-RU" dirty="0" smtClean="0">
-                <a:solidFill>
-                  <a:schemeClr val="bg1"/>
-                </a:solidFill>
-              </a:rPr>
-              <a:t>задачи</a:t>
-            </a:r>
-            <a:br>
-              <a:rPr lang="ru-RU" dirty="0" smtClean="0">
-                <a:solidFill>
-                  <a:schemeClr val="bg1"/>
-                </a:solidFill>
-              </a:rPr>
-            </a:br>
-            <a:r>
-              <a:rPr lang="en-US" dirty="0" smtClean="0">
-                <a:solidFill>
-                  <a:schemeClr val="bg1"/>
-                </a:solidFill>
-                <a:hlinkClick r:id="rId3"/>
-              </a:rPr>
-              <a:t>http://projecteuler.net</a:t>
-            </a:r>
-            <a:endParaRPr lang="en-US" dirty="0" smtClean="0">
-              <a:solidFill>
-                <a:schemeClr val="bg1"/>
-              </a:solidFill>
-            </a:endParaRPr>
-          </a:p>
-          <a:p>
+              <a:t>techdays.ru</a:t>
+            </a:r>
             <a:endParaRPr lang="ru-RU" dirty="0" smtClean="0">
               <a:solidFill>
                 <a:schemeClr val="bg1"/>
@@ -5334,101 +5449,28 @@
                   <a:schemeClr val="bg1"/>
                 </a:solidFill>
               </a:rPr>
-              <a:t>Кодо-дуэли</a:t>
+              <a:t>На английском</a:t>
+            </a:r>
+          </a:p>
+          <a:p>
+            <a:pPr lvl="1"/>
+            <a:r>
+              <a:rPr lang="en-US" dirty="0">
+                <a:solidFill>
+                  <a:schemeClr val="bg1"/>
+                </a:solidFill>
+                <a:hlinkClick r:id="rId3"/>
+              </a:rPr>
+              <a:t>http://channel9.msdn.com</a:t>
             </a:r>
             <a:r>
               <a:rPr lang="en-US" dirty="0" smtClean="0">
                 <a:solidFill>
                   <a:schemeClr val="bg1"/>
                 </a:solidFill>
-              </a:rPr>
-              <a:t> </a:t>
-            </a:r>
-            <a:r>
-              <a:rPr lang="ru-RU" dirty="0" smtClean="0">
-                <a:solidFill>
-                  <a:schemeClr val="bg1"/>
-                </a:solidFill>
-              </a:rPr>
-              <a:t>на </a:t>
-            </a:r>
-            <a:r>
-              <a:rPr lang="en-US" dirty="0" smtClean="0">
-                <a:solidFill>
-                  <a:schemeClr val="bg1"/>
-                </a:solidFill>
-              </a:rPr>
-              <a:t>C#/VB.NET/F#</a:t>
-            </a:r>
-            <a:r>
-              <a:rPr lang="ru-RU" dirty="0" smtClean="0">
-                <a:solidFill>
-                  <a:schemeClr val="bg1"/>
-                </a:solidFill>
-              </a:rPr>
-              <a:t/>
-            </a:r>
-            <a:br>
-              <a:rPr lang="ru-RU" dirty="0" smtClean="0">
-                <a:solidFill>
-                  <a:schemeClr val="bg1"/>
-                </a:solidFill>
-              </a:rPr>
-            </a:br>
-            <a:r>
-              <a:rPr lang="en-US" dirty="0" smtClean="0">
-                <a:solidFill>
-                  <a:schemeClr val="bg1"/>
-                </a:solidFill>
-                <a:hlinkClick r:id="rId4"/>
-              </a:rPr>
-              <a:t>http://www.pex4fun.com</a:t>
-            </a:r>
-            <a:endParaRPr lang="en-US" dirty="0" smtClean="0">
-              <a:solidFill>
-                <a:schemeClr val="bg1"/>
-              </a:solidFill>
-            </a:endParaRPr>
-          </a:p>
-          <a:p>
-            <a:endParaRPr lang="en-US" dirty="0" smtClean="0">
-              <a:solidFill>
-                <a:schemeClr val="bg1"/>
-              </a:solidFill>
-            </a:endParaRPr>
-          </a:p>
-          <a:p>
-            <a:r>
-              <a:rPr lang="ru-RU" dirty="0" smtClean="0">
-                <a:solidFill>
-                  <a:schemeClr val="bg1"/>
-                </a:solidFill>
-              </a:rPr>
-              <a:t>Головоломки от других программистов</a:t>
-            </a:r>
-            <a:r>
-              <a:rPr lang="en-US" dirty="0" smtClean="0">
-                <a:solidFill>
-                  <a:schemeClr val="bg1"/>
-                </a:solidFill>
-              </a:rPr>
-              <a:t/>
-            </a:r>
-            <a:br>
-              <a:rPr lang="en-US" dirty="0" smtClean="0">
-                <a:solidFill>
-                  <a:schemeClr val="bg1"/>
-                </a:solidFill>
-              </a:rPr>
-            </a:br>
-            <a:r>
-              <a:rPr lang="en-US" dirty="0" smtClean="0">
-                <a:solidFill>
-                  <a:schemeClr val="bg1"/>
-                </a:solidFill>
-                <a:hlinkClick r:id="rId5"/>
-              </a:rPr>
-              <a:t>http://codegolf.stackexchange.com</a:t>
+                <a:hlinkClick r:id="rId3"/>
+              </a:rPr>
+              <a:t>/</a:t>
             </a:r>
             <a:endParaRPr lang="ru-RU" dirty="0" smtClean="0">
               <a:solidFill>
@@ -5437,39 +5479,94 @@
             </a:endParaRPr>
           </a:p>
           <a:p>
-            <a:endParaRPr lang="ru-RU" dirty="0" smtClean="0">
-              <a:solidFill>
-                <a:schemeClr val="bg1"/>
-              </a:solidFill>
-            </a:endParaRPr>
-          </a:p>
-          <a:p>
             <a:pPr lvl="1"/>
-            <a:endParaRPr lang="en-US" dirty="0">
-              <a:solidFill>
-                <a:schemeClr val="bg1"/>
-              </a:solidFill>
-            </a:endParaRPr>
+            <a:r>
+              <a:rPr lang="en-US" dirty="0">
+                <a:solidFill>
+                  <a:schemeClr val="bg1"/>
+                </a:solidFill>
+                <a:hlinkClick r:id="rId4"/>
+              </a:rPr>
+              <a:t>https://</a:t>
+            </a:r>
+            <a:r>
+              <a:rPr lang="en-US" dirty="0" smtClean="0">
+                <a:solidFill>
+                  <a:schemeClr val="bg1"/>
+                </a:solidFill>
+                <a:hlinkClick r:id="rId4"/>
+              </a:rPr>
+              <a:t>www.wintellectnow.com/videos/index</a:t>
+            </a:r>
+            <a:r>
+              <a:rPr lang="ru-RU" dirty="0" smtClean="0">
+                <a:solidFill>
+                  <a:schemeClr val="bg1"/>
+                </a:solidFill>
+              </a:rPr>
+              <a:t/>
+            </a:r>
+            <a:br>
+              <a:rPr lang="ru-RU" dirty="0" smtClean="0">
+                <a:solidFill>
+                  <a:schemeClr val="bg1"/>
+                </a:solidFill>
+              </a:rPr>
+            </a:br>
+            <a:r>
+              <a:rPr lang="ru-RU" dirty="0" smtClean="0">
+                <a:solidFill>
+                  <a:schemeClr val="bg1"/>
+                </a:solidFill>
+              </a:rPr>
+              <a:t>Часть бесплатно, часть платно</a:t>
+            </a:r>
+          </a:p>
+          <a:p>
+            <a:pPr lvl="1"/>
+            <a:r>
+              <a:rPr lang="en-US" dirty="0">
+                <a:solidFill>
+                  <a:schemeClr val="bg1"/>
+                </a:solidFill>
+                <a:hlinkClick r:id="rId5"/>
+              </a:rPr>
+              <a:t>http://pluralsight.com</a:t>
+            </a:r>
+            <a:r>
+              <a:rPr lang="en-US" dirty="0" smtClean="0">
+                <a:solidFill>
+                  <a:schemeClr val="bg1"/>
+                </a:solidFill>
+                <a:hlinkClick r:id="rId5"/>
+              </a:rPr>
+              <a:t>/</a:t>
+            </a:r>
+            <a:r>
+              <a:rPr lang="ru-RU" dirty="0" smtClean="0">
+                <a:solidFill>
+                  <a:schemeClr val="bg1"/>
+                </a:solidFill>
+              </a:rPr>
+              <a:t> (Платный сервис)</a:t>
+            </a:r>
+          </a:p>
+          <a:p>
+            <a:pPr lvl="1"/>
+            <a:endParaRPr lang="ru-RU" dirty="0"/>
           </a:p>
         </p:txBody>
       </p:sp>
     </p:spTree>
     <p:extLst>
       <p:ext uri="{BB962C8B-B14F-4D97-AF65-F5344CB8AC3E}">
-        <p14:creationId xmlns:p14="http://schemas.microsoft.com/office/powerpoint/2010/main" val="1393508030"/>
+        <p14:creationId xmlns:p14="http://schemas.microsoft.com/office/powerpoint/2010/main" val="3706293392"/>
       </p:ext>
     </p:extLst>
   </p:cSld>
   <p:clrMapOvr>
     <a:masterClrMapping/>
   </p:clrMapOvr>
-  <p:timing>
-    <p:tnLst>
-      <p:par>
-        <p:cTn id="1" dur="indefinite" restart="never" nodeType="tmRoot"/>
-      </p:par>
-    </p:tnLst>
-  </p:timing>
 </p:sld>
 </file>
 

--- a/Presentation/that-is-all-folks.pptx
+++ b/Presentation/that-is-all-folks.pptx
@@ -203,7 +203,7 @@
           <a:p>
             <a:fld id="{B24A7054-7FFB-49F4-A126-5DF6E687FF53}" type="datetimeFigureOut">
               <a:rPr lang="ru-RU" smtClean="0"/>
-              <a:t>13.02.2015</a:t>
+              <a:t>20.10.2015</a:t>
             </a:fld>
             <a:endParaRPr lang="ru-RU"/>
           </a:p>
@@ -1485,7 +1485,7 @@
           <a:p>
             <a:fld id="{8E6E6A2A-E9D3-4A0D-B04A-ABDD367A1E08}" type="datetimeFigureOut">
               <a:rPr lang="ru-RU" smtClean="0"/>
-              <a:t>13.02.2015</a:t>
+              <a:t>20.10.2015</a:t>
             </a:fld>
             <a:endParaRPr lang="ru-RU"/>
           </a:p>
@@ -2930,7 +2930,7 @@
           <a:p>
             <a:fld id="{AC3D3127-B7C4-45E3-9797-C527EC9FDD78}" type="datetimeFigureOut">
               <a:rPr lang="ru-RU" smtClean="0"/>
-              <a:t>13.02.2015</a:t>
+              <a:t>20.10.2015</a:t>
             </a:fld>
             <a:endParaRPr lang="ru-RU"/>
           </a:p>
@@ -3557,7 +3557,7 @@
         </p:spPr>
         <p:txBody>
           <a:bodyPr>
-            <a:normAutofit fontScale="92500" lnSpcReduction="10000"/>
+            <a:normAutofit fontScale="85000" lnSpcReduction="20000"/>
           </a:bodyPr>
           <a:lstStyle/>
           <a:p>
@@ -3628,6 +3628,61 @@
           </a:p>
           <a:p>
             <a:r>
+              <a:rPr lang="en-US" dirty="0" err="1">
+                <a:solidFill>
+                  <a:schemeClr val="bg1"/>
+                </a:solidFill>
+              </a:rPr>
+              <a:t>Timus</a:t>
+            </a:r>
+            <a:r>
+              <a:rPr lang="en-US" dirty="0">
+                <a:solidFill>
+                  <a:schemeClr val="bg1"/>
+                </a:solidFill>
+              </a:rPr>
+              <a:t> Online Judge</a:t>
+            </a:r>
+            <a:br>
+              <a:rPr lang="en-US" dirty="0">
+                <a:solidFill>
+                  <a:schemeClr val="bg1"/>
+                </a:solidFill>
+              </a:rPr>
+            </a:br>
+            <a:r>
+              <a:rPr lang="en-US" dirty="0">
+                <a:solidFill>
+                  <a:schemeClr val="bg1"/>
+                </a:solidFill>
+                <a:hlinkClick r:id="rId3"/>
+              </a:rPr>
+              <a:t>http://acm.timus.ru/?</a:t>
+            </a:r>
+            <a:r>
+              <a:rPr lang="en-US" dirty="0" smtClean="0">
+                <a:solidFill>
+                  <a:schemeClr val="bg1"/>
+                </a:solidFill>
+                <a:hlinkClick r:id="rId3"/>
+              </a:rPr>
+              <a:t>locale=ru</a:t>
+            </a:r>
+            <a:endParaRPr lang="en-US" dirty="0">
+              <a:solidFill>
+                <a:schemeClr val="bg1"/>
+              </a:solidFill>
+            </a:endParaRPr>
+          </a:p>
+          <a:p>
+            <a:endParaRPr lang="en-US" dirty="0">
+              <a:solidFill>
+                <a:schemeClr val="bg1"/>
+              </a:solidFill>
+            </a:endParaRPr>
+          </a:p>
+          <a:p>
+            <a:r>
               <a:rPr lang="ru-RU" dirty="0" smtClean="0">
                 <a:solidFill>
                   <a:schemeClr val="bg1"/>
@@ -3647,7 +3702,7 @@
                 <a:solidFill>
                   <a:schemeClr val="bg1"/>
                 </a:solidFill>
-                <a:hlinkClick r:id="rId3"/>
+                <a:hlinkClick r:id="rId4"/>
               </a:rPr>
               <a:t>http://projecteuler.net</a:t>
             </a:r>
@@ -3717,7 +3772,7 @@
                 <a:solidFill>
                   <a:schemeClr val="bg1"/>
                 </a:solidFill>
-                <a:hlinkClick r:id="rId4"/>
+                <a:hlinkClick r:id="rId5"/>
               </a:rPr>
               <a:t>http://www.pex4fun.com</a:t>
             </a:r>
@@ -3763,7 +3818,7 @@
                 <a:solidFill>
                   <a:schemeClr val="bg1"/>
                 </a:solidFill>
-                <a:hlinkClick r:id="rId5"/>
+                <a:hlinkClick r:id="rId6"/>
               </a:rPr>
               <a:t>http://codegolf.stackexchange.com</a:t>
             </a:r>

--- a/Presentation/that-is-all-folks.pptx
+++ b/Presentation/that-is-all-folks.pptx
@@ -5,7 +5,7 @@
     <p:sldMasterId id="2147483648" r:id="rId1"/>
   </p:sldMasterIdLst>
   <p:notesMasterIdLst>
-    <p:notesMasterId r:id="rId14"/>
+    <p:notesMasterId r:id="rId15"/>
   </p:notesMasterIdLst>
   <p:sldIdLst>
     <p:sldId id="257" r:id="rId2"/>
@@ -13,13 +13,14 @@
     <p:sldId id="261" r:id="rId4"/>
     <p:sldId id="265" r:id="rId5"/>
     <p:sldId id="264" r:id="rId6"/>
-    <p:sldId id="270" r:id="rId7"/>
-    <p:sldId id="266" r:id="rId8"/>
-    <p:sldId id="267" r:id="rId9"/>
-    <p:sldId id="271" r:id="rId10"/>
-    <p:sldId id="268" r:id="rId11"/>
-    <p:sldId id="269" r:id="rId12"/>
-    <p:sldId id="262" r:id="rId13"/>
+    <p:sldId id="273" r:id="rId7"/>
+    <p:sldId id="270" r:id="rId8"/>
+    <p:sldId id="266" r:id="rId9"/>
+    <p:sldId id="267" r:id="rId10"/>
+    <p:sldId id="271" r:id="rId11"/>
+    <p:sldId id="268" r:id="rId12"/>
+    <p:sldId id="269" r:id="rId13"/>
+    <p:sldId id="262" r:id="rId14"/>
   </p:sldIdLst>
   <p:sldSz cx="9144000" cy="6858000" type="screen4x3"/>
   <p:notesSz cx="6858000" cy="9144000"/>
@@ -203,7 +204,7 @@
           <a:p>
             <a:fld id="{B24A7054-7FFB-49F4-A126-5DF6E687FF53}" type="datetimeFigureOut">
               <a:rPr lang="ru-RU" smtClean="0"/>
-              <a:t>20.10.2015</a:t>
+              <a:t>24.10.2015</a:t>
             </a:fld>
             <a:endParaRPr lang="ru-RU"/>
           </a:p>
@@ -1485,7 +1486,7 @@
           <a:p>
             <a:fld id="{8E6E6A2A-E9D3-4A0D-B04A-ABDD367A1E08}" type="datetimeFigureOut">
               <a:rPr lang="ru-RU" smtClean="0"/>
-              <a:t>20.10.2015</a:t>
+              <a:t>24.10.2015</a:t>
             </a:fld>
             <a:endParaRPr lang="ru-RU"/>
           </a:p>
@@ -2930,7 +2931,7 @@
           <a:p>
             <a:fld id="{AC3D3127-B7C4-45E3-9797-C527EC9FDD78}" type="datetimeFigureOut">
               <a:rPr lang="ru-RU" smtClean="0"/>
-              <a:t>20.10.2015</a:t>
+              <a:t>24.10.2015</a:t>
             </a:fld>
             <a:endParaRPr lang="ru-RU"/>
           </a:p>
@@ -3511,31 +3512,16 @@
             <p:ph type="title"/>
           </p:nvPr>
         </p:nvSpPr>
-        <p:spPr>
-          <a:xfrm>
-            <a:off x="107504" y="116632"/>
-            <a:ext cx="8928992" cy="648072"/>
-          </a:xfrm>
-        </p:spPr>
-        <p:txBody>
-          <a:bodyPr>
-            <a:normAutofit fontScale="90000"/>
-          </a:bodyPr>
+        <p:spPr/>
+        <p:txBody>
+          <a:bodyPr/>
           <a:lstStyle/>
           <a:p>
             <a:r>
-              <a:rPr lang="ru-RU" dirty="0">
-                <a:solidFill>
-                  <a:schemeClr val="bg1"/>
-                </a:solidFill>
-              </a:rPr>
-              <a:t>Задачи по программированию</a:t>
-            </a:r>
-            <a:endParaRPr lang="en-US" dirty="0">
-              <a:solidFill>
-                <a:schemeClr val="bg1"/>
-              </a:solidFill>
-            </a:endParaRPr>
+              <a:rPr lang="ru-RU" dirty="0" smtClean="0"/>
+              <a:t>Обучающие видео</a:t>
+            </a:r>
+            <a:endParaRPr lang="ru-RU" dirty="0"/>
           </a:p>
         </p:txBody>
       </p:sp>
@@ -3549,16 +3535,9 @@
             <p:ph idx="1"/>
           </p:nvPr>
         </p:nvSpPr>
-        <p:spPr>
-          <a:xfrm>
-            <a:off x="457200" y="764704"/>
-            <a:ext cx="8229600" cy="5361459"/>
-          </a:xfrm>
-        </p:spPr>
-        <p:txBody>
-          <a:bodyPr>
-            <a:normAutofit fontScale="85000" lnSpcReduction="20000"/>
-          </a:bodyPr>
+        <p:spPr/>
+        <p:txBody>
+          <a:bodyPr/>
           <a:lstStyle/>
           <a:p>
             <a:r>
@@ -3567,8 +3546,11 @@
                   <a:schemeClr val="bg1"/>
                 </a:solidFill>
               </a:rPr>
-              <a:t>Школа программиста</a:t>
-            </a:r>
+              <a:t>На русском</a:t>
+            </a:r>
+          </a:p>
+          <a:p>
+            <a:pPr lvl="1"/>
             <a:r>
               <a:rPr lang="en-US" dirty="0" smtClean="0">
                 <a:solidFill>
@@ -3576,143 +3558,26 @@
                 </a:solidFill>
                 <a:hlinkClick r:id="rId2"/>
               </a:rPr>
-              <a:t/>
-            </a:r>
-            <a:br>
+              <a:t>http</a:t>
+            </a:r>
+            <a:r>
+              <a:rPr lang="en-US" dirty="0">
+                <a:solidFill>
+                  <a:schemeClr val="bg1"/>
+                </a:solidFill>
+                <a:hlinkClick r:id="rId2"/>
+              </a:rPr>
+              <a:t>://</a:t>
+            </a:r>
+            <a:r>
               <a:rPr lang="en-US" dirty="0" smtClean="0">
                 <a:solidFill>
                   <a:schemeClr val="bg1"/>
                 </a:solidFill>
                 <a:hlinkClick r:id="rId2"/>
               </a:rPr>
-            </a:br>
-            <a:r>
-              <a:rPr lang="en-US" dirty="0" smtClean="0">
-                <a:solidFill>
-                  <a:schemeClr val="bg1"/>
-                </a:solidFill>
-                <a:hlinkClick r:id="rId2"/>
-              </a:rPr>
-              <a:t>http</a:t>
-            </a:r>
-            <a:r>
-              <a:rPr lang="en-US" dirty="0">
-                <a:solidFill>
-                  <a:schemeClr val="bg1"/>
-                </a:solidFill>
-                <a:hlinkClick r:id="rId2"/>
-              </a:rPr>
-              <a:t>://</a:t>
-            </a:r>
-            <a:r>
-              <a:rPr lang="en-US" dirty="0" smtClean="0">
-                <a:solidFill>
-                  <a:schemeClr val="bg1"/>
-                </a:solidFill>
-                <a:hlinkClick r:id="rId2"/>
-              </a:rPr>
-              <a:t>acmp.ru/index.asp?main=tasks</a:t>
-            </a:r>
-            <a:endParaRPr lang="en-US" dirty="0" smtClean="0">
-              <a:solidFill>
-                <a:schemeClr val="bg1"/>
-              </a:solidFill>
-            </a:endParaRPr>
-          </a:p>
-          <a:p>
-            <a:endParaRPr lang="en-US" dirty="0">
-              <a:solidFill>
-                <a:schemeClr val="bg1"/>
-              </a:solidFill>
-            </a:endParaRPr>
-          </a:p>
-          <a:p>
-            <a:r>
-              <a:rPr lang="en-US" dirty="0" err="1">
-                <a:solidFill>
-                  <a:schemeClr val="bg1"/>
-                </a:solidFill>
-              </a:rPr>
-              <a:t>Timus</a:t>
-            </a:r>
-            <a:r>
-              <a:rPr lang="en-US" dirty="0">
-                <a:solidFill>
-                  <a:schemeClr val="bg1"/>
-                </a:solidFill>
-              </a:rPr>
-              <a:t> Online Judge</a:t>
-            </a:r>
-            <a:br>
-              <a:rPr lang="en-US" dirty="0">
-                <a:solidFill>
-                  <a:schemeClr val="bg1"/>
-                </a:solidFill>
-              </a:rPr>
-            </a:br>
-            <a:r>
-              <a:rPr lang="en-US" dirty="0">
-                <a:solidFill>
-                  <a:schemeClr val="bg1"/>
-                </a:solidFill>
-                <a:hlinkClick r:id="rId3"/>
-              </a:rPr>
-              <a:t>http://acm.timus.ru/?</a:t>
-            </a:r>
-            <a:r>
-              <a:rPr lang="en-US" dirty="0" smtClean="0">
-                <a:solidFill>
-                  <a:schemeClr val="bg1"/>
-                </a:solidFill>
-                <a:hlinkClick r:id="rId3"/>
-              </a:rPr>
-              <a:t>locale=ru</a:t>
-            </a:r>
-            <a:endParaRPr lang="en-US" dirty="0">
-              <a:solidFill>
-                <a:schemeClr val="bg1"/>
-              </a:solidFill>
-            </a:endParaRPr>
-          </a:p>
-          <a:p>
-            <a:endParaRPr lang="en-US" dirty="0">
-              <a:solidFill>
-                <a:schemeClr val="bg1"/>
-              </a:solidFill>
-            </a:endParaRPr>
-          </a:p>
-          <a:p>
-            <a:r>
-              <a:rPr lang="ru-RU" dirty="0" smtClean="0">
-                <a:solidFill>
-                  <a:schemeClr val="bg1"/>
-                </a:solidFill>
-              </a:rPr>
-              <a:t>Математические задачи</a:t>
-            </a:r>
-            <a:br>
-              <a:rPr lang="ru-RU" dirty="0" smtClean="0">
-                <a:solidFill>
-                  <a:schemeClr val="bg1"/>
-                </a:solidFill>
-              </a:rPr>
-            </a:br>
-            <a:r>
-              <a:rPr lang="en-US" dirty="0" smtClean="0">
-                <a:solidFill>
-                  <a:schemeClr val="bg1"/>
-                </a:solidFill>
-                <a:hlinkClick r:id="rId4"/>
-              </a:rPr>
-              <a:t>http://projecteuler.net</a:t>
-            </a:r>
-            <a:endParaRPr lang="en-US" dirty="0" smtClean="0">
-              <a:solidFill>
-                <a:schemeClr val="bg1"/>
-              </a:solidFill>
-            </a:endParaRPr>
-          </a:p>
-          <a:p>
+              <a:t>techdays.ru</a:t>
+            </a:r>
             <a:endParaRPr lang="ru-RU" dirty="0" smtClean="0">
               <a:solidFill>
                 <a:schemeClr val="bg1"/>
@@ -3726,101 +3591,28 @@
                   <a:schemeClr val="bg1"/>
                 </a:solidFill>
               </a:rPr>
-              <a:t>Кодо-дуэли</a:t>
+              <a:t>На английском</a:t>
+            </a:r>
+          </a:p>
+          <a:p>
+            <a:pPr lvl="1"/>
+            <a:r>
+              <a:rPr lang="en-US" dirty="0">
+                <a:solidFill>
+                  <a:schemeClr val="bg1"/>
+                </a:solidFill>
+                <a:hlinkClick r:id="rId3"/>
+              </a:rPr>
+              <a:t>http://channel9.msdn.com</a:t>
             </a:r>
             <a:r>
               <a:rPr lang="en-US" dirty="0" smtClean="0">
                 <a:solidFill>
                   <a:schemeClr val="bg1"/>
                 </a:solidFill>
-              </a:rPr>
-              <a:t> </a:t>
-            </a:r>
-            <a:r>
-              <a:rPr lang="ru-RU" dirty="0" smtClean="0">
-                <a:solidFill>
-                  <a:schemeClr val="bg1"/>
-                </a:solidFill>
-              </a:rPr>
-              <a:t>на </a:t>
-            </a:r>
-            <a:r>
-              <a:rPr lang="en-US" dirty="0" smtClean="0">
-                <a:solidFill>
-                  <a:schemeClr val="bg1"/>
-                </a:solidFill>
-              </a:rPr>
-              <a:t>C#/VB.NET/F#</a:t>
-            </a:r>
-            <a:r>
-              <a:rPr lang="ru-RU" dirty="0" smtClean="0">
-                <a:solidFill>
-                  <a:schemeClr val="bg1"/>
-                </a:solidFill>
-              </a:rPr>
-              <a:t/>
-            </a:r>
-            <a:br>
-              <a:rPr lang="ru-RU" dirty="0" smtClean="0">
-                <a:solidFill>
-                  <a:schemeClr val="bg1"/>
-                </a:solidFill>
-              </a:rPr>
-            </a:br>
-            <a:r>
-              <a:rPr lang="en-US" dirty="0" smtClean="0">
-                <a:solidFill>
-                  <a:schemeClr val="bg1"/>
-                </a:solidFill>
-                <a:hlinkClick r:id="rId5"/>
-              </a:rPr>
-              <a:t>http://www.pex4fun.com</a:t>
-            </a:r>
-            <a:endParaRPr lang="en-US" dirty="0" smtClean="0">
-              <a:solidFill>
-                <a:schemeClr val="bg1"/>
-              </a:solidFill>
-            </a:endParaRPr>
-          </a:p>
-          <a:p>
-            <a:endParaRPr lang="en-US" dirty="0" smtClean="0">
-              <a:solidFill>
-                <a:schemeClr val="bg1"/>
-              </a:solidFill>
-            </a:endParaRPr>
-          </a:p>
-          <a:p>
-            <a:r>
-              <a:rPr lang="ru-RU" dirty="0" smtClean="0">
-                <a:solidFill>
-                  <a:schemeClr val="bg1"/>
-                </a:solidFill>
-              </a:rPr>
-              <a:t>Головоломки от других программистов</a:t>
-            </a:r>
-            <a:r>
-              <a:rPr lang="en-US" dirty="0" smtClean="0">
-                <a:solidFill>
-                  <a:schemeClr val="bg1"/>
-                </a:solidFill>
-              </a:rPr>
-              <a:t/>
-            </a:r>
-            <a:br>
-              <a:rPr lang="en-US" dirty="0" smtClean="0">
-                <a:solidFill>
-                  <a:schemeClr val="bg1"/>
-                </a:solidFill>
-              </a:rPr>
-            </a:br>
-            <a:r>
-              <a:rPr lang="en-US" dirty="0" smtClean="0">
-                <a:solidFill>
-                  <a:schemeClr val="bg1"/>
-                </a:solidFill>
-                <a:hlinkClick r:id="rId6"/>
-              </a:rPr>
-              <a:t>http://codegolf.stackexchange.com</a:t>
+                <a:hlinkClick r:id="rId3"/>
+              </a:rPr>
+              <a:t>/</a:t>
             </a:r>
             <a:endParaRPr lang="ru-RU" dirty="0" smtClean="0">
               <a:solidFill>
@@ -3829,26 +3621,88 @@
             </a:endParaRPr>
           </a:p>
           <a:p>
-            <a:endParaRPr lang="ru-RU" dirty="0" smtClean="0">
-              <a:solidFill>
-                <a:schemeClr val="bg1"/>
-              </a:solidFill>
-            </a:endParaRPr>
-          </a:p>
-          <a:p>
             <a:pPr lvl="1"/>
-            <a:endParaRPr lang="en-US" dirty="0">
-              <a:solidFill>
-                <a:schemeClr val="bg1"/>
-              </a:solidFill>
-            </a:endParaRPr>
+            <a:r>
+              <a:rPr lang="en-US" dirty="0">
+                <a:solidFill>
+                  <a:schemeClr val="bg1"/>
+                </a:solidFill>
+                <a:hlinkClick r:id="rId4"/>
+              </a:rPr>
+              <a:t>https://</a:t>
+            </a:r>
+            <a:r>
+              <a:rPr lang="en-US" dirty="0" smtClean="0">
+                <a:solidFill>
+                  <a:schemeClr val="bg1"/>
+                </a:solidFill>
+                <a:hlinkClick r:id="rId4"/>
+              </a:rPr>
+              <a:t>www.wintellectnow.com/videos/index</a:t>
+            </a:r>
+            <a:r>
+              <a:rPr lang="ru-RU" dirty="0" smtClean="0">
+                <a:solidFill>
+                  <a:schemeClr val="bg1"/>
+                </a:solidFill>
+              </a:rPr>
+              <a:t/>
+            </a:r>
+            <a:br>
+              <a:rPr lang="ru-RU" dirty="0" smtClean="0">
+                <a:solidFill>
+                  <a:schemeClr val="bg1"/>
+                </a:solidFill>
+              </a:rPr>
+            </a:br>
+            <a:r>
+              <a:rPr lang="ru-RU" dirty="0" smtClean="0">
+                <a:solidFill>
+                  <a:schemeClr val="bg1"/>
+                </a:solidFill>
+              </a:rPr>
+              <a:t>Часть бесплатно, часть платно</a:t>
+            </a:r>
+          </a:p>
+          <a:p>
+            <a:pPr lvl="1"/>
+            <a:r>
+              <a:rPr lang="en-US" dirty="0">
+                <a:solidFill>
+                  <a:schemeClr val="bg1"/>
+                </a:solidFill>
+                <a:hlinkClick r:id="rId5"/>
+              </a:rPr>
+              <a:t>http://pluralsight.com</a:t>
+            </a:r>
+            <a:r>
+              <a:rPr lang="en-US" dirty="0" smtClean="0">
+                <a:solidFill>
+                  <a:schemeClr val="bg1"/>
+                </a:solidFill>
+                <a:hlinkClick r:id="rId5"/>
+              </a:rPr>
+              <a:t>/</a:t>
+            </a:r>
+            <a:r>
+              <a:rPr lang="ru-RU" dirty="0" smtClean="0">
+                <a:solidFill>
+                  <a:schemeClr val="bg1"/>
+                </a:solidFill>
+              </a:rPr>
+              <a:t> (Платный сервис)</a:t>
+            </a:r>
+          </a:p>
+          <a:p>
+            <a:pPr lvl="1"/>
+            <a:endParaRPr lang="ru-RU" dirty="0"/>
           </a:p>
         </p:txBody>
       </p:sp>
     </p:spTree>
     <p:extLst>
       <p:ext uri="{BB962C8B-B14F-4D97-AF65-F5344CB8AC3E}">
-        <p14:creationId xmlns:p14="http://schemas.microsoft.com/office/powerpoint/2010/main" val="1393508030"/>
+        <p14:creationId xmlns:p14="http://schemas.microsoft.com/office/powerpoint/2010/main" val="3706293392"/>
       </p:ext>
     </p:extLst>
   </p:cSld>
@@ -3892,6 +3746,387 @@
             <p:ph type="title"/>
           </p:nvPr>
         </p:nvSpPr>
+        <p:spPr>
+          <a:xfrm>
+            <a:off x="107504" y="116632"/>
+            <a:ext cx="8928992" cy="648072"/>
+          </a:xfrm>
+        </p:spPr>
+        <p:txBody>
+          <a:bodyPr>
+            <a:normAutofit fontScale="90000"/>
+          </a:bodyPr>
+          <a:lstStyle/>
+          <a:p>
+            <a:r>
+              <a:rPr lang="ru-RU" dirty="0">
+                <a:solidFill>
+                  <a:schemeClr val="bg1"/>
+                </a:solidFill>
+              </a:rPr>
+              <a:t>Задачи по программированию</a:t>
+            </a:r>
+            <a:endParaRPr lang="en-US" dirty="0">
+              <a:solidFill>
+                <a:schemeClr val="bg1"/>
+              </a:solidFill>
+            </a:endParaRPr>
+          </a:p>
+        </p:txBody>
+      </p:sp>
+      <p:sp>
+        <p:nvSpPr>
+          <p:cNvPr id="3" name="Content Placeholder 2"/>
+          <p:cNvSpPr>
+            <a:spLocks noGrp="1"/>
+          </p:cNvSpPr>
+          <p:nvPr>
+            <p:ph idx="1"/>
+          </p:nvPr>
+        </p:nvSpPr>
+        <p:spPr>
+          <a:xfrm>
+            <a:off x="457200" y="764704"/>
+            <a:ext cx="8229600" cy="5361459"/>
+          </a:xfrm>
+        </p:spPr>
+        <p:txBody>
+          <a:bodyPr>
+            <a:normAutofit fontScale="85000" lnSpcReduction="20000"/>
+          </a:bodyPr>
+          <a:lstStyle/>
+          <a:p>
+            <a:r>
+              <a:rPr lang="ru-RU" dirty="0" smtClean="0">
+                <a:solidFill>
+                  <a:schemeClr val="bg1"/>
+                </a:solidFill>
+              </a:rPr>
+              <a:t>Школа программиста</a:t>
+            </a:r>
+            <a:r>
+              <a:rPr lang="en-US" dirty="0" smtClean="0">
+                <a:solidFill>
+                  <a:schemeClr val="bg1"/>
+                </a:solidFill>
+                <a:hlinkClick r:id="rId2"/>
+              </a:rPr>
+              <a:t/>
+            </a:r>
+            <a:br>
+              <a:rPr lang="en-US" dirty="0" smtClean="0">
+                <a:solidFill>
+                  <a:schemeClr val="bg1"/>
+                </a:solidFill>
+                <a:hlinkClick r:id="rId2"/>
+              </a:rPr>
+            </a:br>
+            <a:r>
+              <a:rPr lang="en-US" dirty="0" smtClean="0">
+                <a:solidFill>
+                  <a:schemeClr val="bg1"/>
+                </a:solidFill>
+                <a:hlinkClick r:id="rId2"/>
+              </a:rPr>
+              <a:t>http</a:t>
+            </a:r>
+            <a:r>
+              <a:rPr lang="en-US" dirty="0">
+                <a:solidFill>
+                  <a:schemeClr val="bg1"/>
+                </a:solidFill>
+                <a:hlinkClick r:id="rId2"/>
+              </a:rPr>
+              <a:t>://</a:t>
+            </a:r>
+            <a:r>
+              <a:rPr lang="en-US" dirty="0" smtClean="0">
+                <a:solidFill>
+                  <a:schemeClr val="bg1"/>
+                </a:solidFill>
+                <a:hlinkClick r:id="rId2"/>
+              </a:rPr>
+              <a:t>acmp.ru/index.asp?main=tasks</a:t>
+            </a:r>
+            <a:endParaRPr lang="en-US" dirty="0" smtClean="0">
+              <a:solidFill>
+                <a:schemeClr val="bg1"/>
+              </a:solidFill>
+            </a:endParaRPr>
+          </a:p>
+          <a:p>
+            <a:endParaRPr lang="en-US" dirty="0">
+              <a:solidFill>
+                <a:schemeClr val="bg1"/>
+              </a:solidFill>
+            </a:endParaRPr>
+          </a:p>
+          <a:p>
+            <a:r>
+              <a:rPr lang="en-US" dirty="0" err="1">
+                <a:solidFill>
+                  <a:schemeClr val="bg1"/>
+                </a:solidFill>
+              </a:rPr>
+              <a:t>Timus</a:t>
+            </a:r>
+            <a:r>
+              <a:rPr lang="en-US" dirty="0">
+                <a:solidFill>
+                  <a:schemeClr val="bg1"/>
+                </a:solidFill>
+              </a:rPr>
+              <a:t> Online Judge</a:t>
+            </a:r>
+            <a:br>
+              <a:rPr lang="en-US" dirty="0">
+                <a:solidFill>
+                  <a:schemeClr val="bg1"/>
+                </a:solidFill>
+              </a:rPr>
+            </a:br>
+            <a:r>
+              <a:rPr lang="en-US" dirty="0">
+                <a:solidFill>
+                  <a:schemeClr val="bg1"/>
+                </a:solidFill>
+                <a:hlinkClick r:id="rId3"/>
+              </a:rPr>
+              <a:t>http://acm.timus.ru/?</a:t>
+            </a:r>
+            <a:r>
+              <a:rPr lang="en-US" dirty="0" smtClean="0">
+                <a:solidFill>
+                  <a:schemeClr val="bg1"/>
+                </a:solidFill>
+                <a:hlinkClick r:id="rId3"/>
+              </a:rPr>
+              <a:t>locale=ru</a:t>
+            </a:r>
+            <a:endParaRPr lang="en-US" dirty="0">
+              <a:solidFill>
+                <a:schemeClr val="bg1"/>
+              </a:solidFill>
+            </a:endParaRPr>
+          </a:p>
+          <a:p>
+            <a:endParaRPr lang="en-US" dirty="0">
+              <a:solidFill>
+                <a:schemeClr val="bg1"/>
+              </a:solidFill>
+            </a:endParaRPr>
+          </a:p>
+          <a:p>
+            <a:r>
+              <a:rPr lang="ru-RU" dirty="0" smtClean="0">
+                <a:solidFill>
+                  <a:schemeClr val="bg1"/>
+                </a:solidFill>
+              </a:rPr>
+              <a:t>Математические задачи</a:t>
+            </a:r>
+            <a:br>
+              <a:rPr lang="ru-RU" dirty="0" smtClean="0">
+                <a:solidFill>
+                  <a:schemeClr val="bg1"/>
+                </a:solidFill>
+              </a:rPr>
+            </a:br>
+            <a:r>
+              <a:rPr lang="en-US" dirty="0" smtClean="0">
+                <a:solidFill>
+                  <a:schemeClr val="bg1"/>
+                </a:solidFill>
+                <a:hlinkClick r:id="rId4"/>
+              </a:rPr>
+              <a:t>http://projecteuler.net</a:t>
+            </a:r>
+            <a:endParaRPr lang="en-US" dirty="0" smtClean="0">
+              <a:solidFill>
+                <a:schemeClr val="bg1"/>
+              </a:solidFill>
+            </a:endParaRPr>
+          </a:p>
+          <a:p>
+            <a:endParaRPr lang="ru-RU" dirty="0" smtClean="0">
+              <a:solidFill>
+                <a:schemeClr val="bg1"/>
+              </a:solidFill>
+            </a:endParaRPr>
+          </a:p>
+          <a:p>
+            <a:r>
+              <a:rPr lang="ru-RU" dirty="0" smtClean="0">
+                <a:solidFill>
+                  <a:schemeClr val="bg1"/>
+                </a:solidFill>
+              </a:rPr>
+              <a:t>Кодо-дуэли</a:t>
+            </a:r>
+            <a:r>
+              <a:rPr lang="en-US" dirty="0" smtClean="0">
+                <a:solidFill>
+                  <a:schemeClr val="bg1"/>
+                </a:solidFill>
+              </a:rPr>
+              <a:t> </a:t>
+            </a:r>
+            <a:r>
+              <a:rPr lang="ru-RU" dirty="0" smtClean="0">
+                <a:solidFill>
+                  <a:schemeClr val="bg1"/>
+                </a:solidFill>
+              </a:rPr>
+              <a:t>на </a:t>
+            </a:r>
+            <a:r>
+              <a:rPr lang="en-US" dirty="0" smtClean="0">
+                <a:solidFill>
+                  <a:schemeClr val="bg1"/>
+                </a:solidFill>
+              </a:rPr>
+              <a:t>C#/VB.NET/F#</a:t>
+            </a:r>
+            <a:r>
+              <a:rPr lang="ru-RU" dirty="0" smtClean="0">
+                <a:solidFill>
+                  <a:schemeClr val="bg1"/>
+                </a:solidFill>
+              </a:rPr>
+              <a:t/>
+            </a:r>
+            <a:br>
+              <a:rPr lang="ru-RU" dirty="0" smtClean="0">
+                <a:solidFill>
+                  <a:schemeClr val="bg1"/>
+                </a:solidFill>
+              </a:rPr>
+            </a:br>
+            <a:r>
+              <a:rPr lang="en-US" dirty="0" smtClean="0">
+                <a:solidFill>
+                  <a:schemeClr val="bg1"/>
+                </a:solidFill>
+                <a:hlinkClick r:id="rId5"/>
+              </a:rPr>
+              <a:t>http://www.pex4fun.com</a:t>
+            </a:r>
+            <a:endParaRPr lang="en-US" dirty="0" smtClean="0">
+              <a:solidFill>
+                <a:schemeClr val="bg1"/>
+              </a:solidFill>
+            </a:endParaRPr>
+          </a:p>
+          <a:p>
+            <a:endParaRPr lang="en-US" dirty="0" smtClean="0">
+              <a:solidFill>
+                <a:schemeClr val="bg1"/>
+              </a:solidFill>
+            </a:endParaRPr>
+          </a:p>
+          <a:p>
+            <a:r>
+              <a:rPr lang="ru-RU" dirty="0" smtClean="0">
+                <a:solidFill>
+                  <a:schemeClr val="bg1"/>
+                </a:solidFill>
+              </a:rPr>
+              <a:t>Головоломки от других программистов</a:t>
+            </a:r>
+            <a:r>
+              <a:rPr lang="en-US" dirty="0" smtClean="0">
+                <a:solidFill>
+                  <a:schemeClr val="bg1"/>
+                </a:solidFill>
+              </a:rPr>
+              <a:t/>
+            </a:r>
+            <a:br>
+              <a:rPr lang="en-US" dirty="0" smtClean="0">
+                <a:solidFill>
+                  <a:schemeClr val="bg1"/>
+                </a:solidFill>
+              </a:rPr>
+            </a:br>
+            <a:r>
+              <a:rPr lang="en-US" dirty="0" smtClean="0">
+                <a:solidFill>
+                  <a:schemeClr val="bg1"/>
+                </a:solidFill>
+                <a:hlinkClick r:id="rId6"/>
+              </a:rPr>
+              <a:t>http://codegolf.stackexchange.com</a:t>
+            </a:r>
+            <a:endParaRPr lang="ru-RU" dirty="0" smtClean="0">
+              <a:solidFill>
+                <a:schemeClr val="bg1"/>
+              </a:solidFill>
+            </a:endParaRPr>
+          </a:p>
+          <a:p>
+            <a:endParaRPr lang="ru-RU" dirty="0" smtClean="0">
+              <a:solidFill>
+                <a:schemeClr val="bg1"/>
+              </a:solidFill>
+            </a:endParaRPr>
+          </a:p>
+          <a:p>
+            <a:pPr lvl="1"/>
+            <a:endParaRPr lang="en-US" dirty="0">
+              <a:solidFill>
+                <a:schemeClr val="bg1"/>
+              </a:solidFill>
+            </a:endParaRPr>
+          </a:p>
+        </p:txBody>
+      </p:sp>
+    </p:spTree>
+    <p:extLst>
+      <p:ext uri="{BB962C8B-B14F-4D97-AF65-F5344CB8AC3E}">
+        <p14:creationId xmlns:p14="http://schemas.microsoft.com/office/powerpoint/2010/main" val="1393508030"/>
+      </p:ext>
+    </p:extLst>
+  </p:cSld>
+  <p:clrMapOvr>
+    <a:masterClrMapping/>
+  </p:clrMapOvr>
+  <p:timing>
+    <p:tnLst>
+      <p:par>
+        <p:cTn id="1" dur="indefinite" restart="never" nodeType="tmRoot"/>
+      </p:par>
+    </p:tnLst>
+  </p:timing>
+</p:sld>
+</file>
+
+<file path=ppt/slides/slide12.xml><?xml version="1.0" encoding="utf-8"?>
+<p:sld xmlns:a="http://schemas.openxmlformats.org/drawingml/2006/main" xmlns:r="http://schemas.openxmlformats.org/officeDocument/2006/relationships" xmlns:p="http://schemas.openxmlformats.org/presentationml/2006/main">
+  <p:cSld>
+    <p:spTree>
+      <p:nvGrpSpPr>
+        <p:cNvPr id="1" name=""/>
+        <p:cNvGrpSpPr/>
+        <p:nvPr/>
+      </p:nvGrpSpPr>
+      <p:grpSpPr>
+        <a:xfrm>
+          <a:off x="0" y="0"/>
+          <a:ext cx="0" cy="0"/>
+          <a:chOff x="0" y="0"/>
+          <a:chExt cx="0" cy="0"/>
+        </a:xfrm>
+      </p:grpSpPr>
+      <p:sp>
+        <p:nvSpPr>
+          <p:cNvPr id="2" name="Title 1"/>
+          <p:cNvSpPr>
+            <a:spLocks noGrp="1"/>
+          </p:cNvSpPr>
+          <p:nvPr>
+            <p:ph type="title"/>
+          </p:nvPr>
+        </p:nvSpPr>
         <p:spPr/>
         <p:txBody>
           <a:bodyPr>
@@ -4003,10 +4238,17 @@
   <p:clrMapOvr>
     <a:masterClrMapping/>
   </p:clrMapOvr>
+  <p:timing>
+    <p:tnLst>
+      <p:par>
+        <p:cTn id="1" dur="indefinite" restart="never" nodeType="tmRoot"/>
+      </p:par>
+    </p:tnLst>
+  </p:timing>
 </p:sld>
 </file>
 
-<file path=ppt/slides/slide12.xml><?xml version="1.0" encoding="utf-8"?>
+<file path=ppt/slides/slide13.xml><?xml version="1.0" encoding="utf-8"?>
 <p:sld xmlns:a="http://schemas.openxmlformats.org/drawingml/2006/main" xmlns:r="http://schemas.openxmlformats.org/officeDocument/2006/relationships" xmlns:p="http://schemas.openxmlformats.org/presentationml/2006/main">
   <p:cSld>
     <p:bg>
@@ -4683,23 +4925,13 @@
           <a:p>
             <a:r>
               <a:rPr lang="ru-RU" sz="2000" dirty="0" smtClean="0"/>
-              <a:t>Участвуйте в проектах с открытым исходным кодом</a:t>
+              <a:t>Участвуйте в проектах с открытым исходным </a:t>
+            </a:r>
+            <a:r>
+              <a:rPr lang="ru-RU" sz="2000" dirty="0" smtClean="0"/>
+              <a:t>кодом</a:t>
             </a:r>
             <a:endParaRPr lang="en-US" sz="2000" dirty="0" smtClean="0"/>
-          </a:p>
-          <a:p>
-            <a:pPr lvl="1"/>
-            <a:r>
-              <a:rPr lang="en-US" sz="2000" dirty="0" smtClean="0"/>
-              <a:t>codeplex.com</a:t>
-            </a:r>
-          </a:p>
-          <a:p>
-            <a:pPr lvl="1"/>
-            <a:r>
-              <a:rPr lang="en-US" sz="2000" dirty="0" smtClean="0"/>
-              <a:t>github.com</a:t>
-            </a:r>
           </a:p>
           <a:p>
             <a:r>
@@ -4800,14 +5032,16 @@
         </p:nvSpPr>
         <p:spPr/>
         <p:txBody>
-          <a:bodyPr/>
+          <a:bodyPr>
+            <a:normAutofit fontScale="90000"/>
+          </a:bodyPr>
           <a:lstStyle/>
           <a:p>
             <a:r>
               <a:rPr lang="ru-RU" dirty="0" smtClean="0"/>
-              <a:t>Вопросы для самопроверки</a:t>
-            </a:r>
-            <a:endParaRPr lang="en-US" dirty="0"/>
+              <a:t>Проекты с открытым исходным кодом</a:t>
+            </a:r>
+            <a:endParaRPr lang="ru-RU" dirty="0"/>
           </a:p>
         </p:txBody>
       </p:sp>
@@ -4826,73 +5060,76 @@
           <a:bodyPr/>
           <a:lstStyle/>
           <a:p>
-            <a:pPr marL="0" indent="0">
-              <a:buNone/>
-            </a:pPr>
             <a:r>
               <a:rPr lang="ru-RU" dirty="0" smtClean="0"/>
-              <a:t>В файле </a:t>
-            </a:r>
-            <a:r>
-              <a:rPr lang="en-US" i="1" dirty="0" smtClean="0">
-                <a:solidFill>
-                  <a:srgbClr val="FFFF99"/>
-                </a:solidFill>
-              </a:rPr>
-              <a:t>self-check-questions.docx</a:t>
-            </a:r>
+              <a:t>Выбор проекта для участия</a:t>
+            </a:r>
+          </a:p>
+          <a:p>
+            <a:pPr lvl="1"/>
+            <a:r>
+              <a:rPr lang="en-US" dirty="0">
+                <a:hlinkClick r:id="rId2"/>
+              </a:rPr>
+              <a:t>http://up-for-grabs.net</a:t>
+            </a:r>
+            <a:endParaRPr lang="ru-RU" dirty="0" smtClean="0"/>
+          </a:p>
+          <a:p>
             <a:r>
               <a:rPr lang="ru-RU" dirty="0" smtClean="0"/>
-              <a:t> вы найдете вопросы которые позволят проверить свой уровень знаний о платформе </a:t>
-            </a:r>
-            <a:r>
-              <a:rPr lang="en-US" dirty="0" smtClean="0"/>
-              <a:t>.NET</a:t>
-            </a:r>
-            <a:r>
-              <a:rPr lang="ru-RU" dirty="0" smtClean="0"/>
-              <a:t>.</a:t>
-            </a:r>
-          </a:p>
-          <a:p>
-            <a:pPr marL="0" indent="0">
-              <a:buNone/>
-            </a:pPr>
+              <a:t>Хостинг для своих проектов</a:t>
+            </a:r>
+          </a:p>
+          <a:p>
+            <a:pPr lvl="1"/>
+            <a:r>
+              <a:rPr lang="en-US" dirty="0">
+                <a:hlinkClick r:id="rId3"/>
+              </a:rPr>
+              <a:t>http://codeplex.com</a:t>
+            </a:r>
+            <a:r>
+              <a:rPr lang="en-US" dirty="0" smtClean="0">
+                <a:hlinkClick r:id="rId3"/>
+              </a:rPr>
+              <a:t>/</a:t>
+            </a:r>
+            <a:endParaRPr lang="ru-RU" dirty="0" smtClean="0"/>
+          </a:p>
+          <a:p>
+            <a:pPr lvl="1"/>
+            <a:r>
+              <a:rPr lang="en-US" dirty="0" smtClean="0">
+                <a:hlinkClick r:id="rId4"/>
+              </a:rPr>
+              <a:t>https://github.com</a:t>
+            </a:r>
+            <a:endParaRPr lang="ru-RU" dirty="0" smtClean="0"/>
+          </a:p>
+          <a:p>
+            <a:pPr lvl="1"/>
+            <a:r>
+              <a:rPr lang="en-US" dirty="0" smtClean="0">
+                <a:hlinkClick r:id="rId5"/>
+              </a:rPr>
+              <a:t>https://bitbucket.org</a:t>
+            </a:r>
+            <a:endParaRPr lang="ru-RU" dirty="0" smtClean="0"/>
+          </a:p>
+          <a:p>
+            <a:pPr lvl="1"/>
+            <a:endParaRPr lang="ru-RU" dirty="0" smtClean="0"/>
+          </a:p>
+          <a:p>
             <a:endParaRPr lang="ru-RU" dirty="0"/>
-          </a:p>
-          <a:p>
-            <a:pPr marL="0" indent="0">
-              <a:buNone/>
-            </a:pPr>
-            <a:r>
-              <a:rPr lang="ru-RU" dirty="0" smtClean="0"/>
-              <a:t>Таблица в файле </a:t>
-            </a:r>
-            <a:r>
-              <a:rPr lang="en-US" i="1" dirty="0">
-                <a:solidFill>
-                  <a:srgbClr val="FFFF99"/>
-                </a:solidFill>
-              </a:rPr>
-              <a:t>Programmer Competency Matrix.docx</a:t>
-            </a:r>
-            <a:r>
-              <a:rPr lang="ru-RU" dirty="0" smtClean="0"/>
-              <a:t> позволит оценить прогресс в различных областях необходимых каждому программисту.</a:t>
-            </a:r>
-          </a:p>
-          <a:p>
-            <a:pPr marL="0" indent="0">
-              <a:buNone/>
-            </a:pPr>
-            <a:endParaRPr lang="en-US" dirty="0"/>
           </a:p>
         </p:txBody>
       </p:sp>
     </p:spTree>
     <p:extLst>
       <p:ext uri="{BB962C8B-B14F-4D97-AF65-F5344CB8AC3E}">
-        <p14:creationId xmlns:p14="http://schemas.microsoft.com/office/powerpoint/2010/main" val="612142936"/>
+        <p14:creationId xmlns:p14="http://schemas.microsoft.com/office/powerpoint/2010/main" val="3533287002"/>
       </p:ext>
     </p:extLst>
   </p:cSld>
@@ -4929,31 +5166,16 @@
             <p:ph type="title"/>
           </p:nvPr>
         </p:nvSpPr>
-        <p:spPr>
-          <a:xfrm>
-            <a:off x="107504" y="116632"/>
-            <a:ext cx="8928992" cy="648072"/>
-          </a:xfrm>
-        </p:spPr>
-        <p:txBody>
-          <a:bodyPr>
-            <a:normAutofit fontScale="90000"/>
-          </a:bodyPr>
+        <p:spPr/>
+        <p:txBody>
+          <a:bodyPr/>
           <a:lstStyle/>
           <a:p>
             <a:r>
-              <a:rPr lang="ru-RU" dirty="0" smtClean="0">
-                <a:solidFill>
-                  <a:schemeClr val="bg1"/>
-                </a:solidFill>
-              </a:rPr>
-              <a:t>Блоги</a:t>
-            </a:r>
-            <a:endParaRPr lang="en-US" dirty="0">
-              <a:solidFill>
-                <a:schemeClr val="bg1"/>
-              </a:solidFill>
-            </a:endParaRPr>
+              <a:rPr lang="ru-RU" dirty="0" smtClean="0"/>
+              <a:t>Вопросы для самопроверки</a:t>
+            </a:r>
+            <a:endParaRPr lang="en-US" dirty="0"/>
           </a:p>
         </p:txBody>
       </p:sp>
@@ -4967,282 +5189,78 @@
             <p:ph idx="1"/>
           </p:nvPr>
         </p:nvSpPr>
-        <p:spPr>
-          <a:xfrm>
-            <a:off x="457200" y="764704"/>
-            <a:ext cx="8229600" cy="5361459"/>
-          </a:xfrm>
-        </p:spPr>
-        <p:txBody>
-          <a:bodyPr>
-            <a:normAutofit fontScale="92500" lnSpcReduction="10000"/>
-          </a:bodyPr>
+        <p:spPr/>
+        <p:txBody>
+          <a:bodyPr/>
           <a:lstStyle/>
           <a:p>
-            <a:r>
-              <a:rPr lang="en-US" dirty="0" smtClean="0">
-                <a:solidFill>
-                  <a:schemeClr val="bg1"/>
-                </a:solidFill>
-              </a:rPr>
+            <a:pPr marL="0" indent="0">
+              <a:buNone/>
+            </a:pPr>
+            <a:r>
+              <a:rPr lang="ru-RU" dirty="0" smtClean="0"/>
+              <a:t>В файле </a:t>
+            </a:r>
+            <a:r>
+              <a:rPr lang="en-US" i="1" dirty="0" smtClean="0">
+                <a:solidFill>
+                  <a:srgbClr val="FFFF99"/>
+                </a:solidFill>
+              </a:rPr>
+              <a:t>self-check-questions.docx</a:t>
+            </a:r>
+            <a:r>
+              <a:rPr lang="ru-RU" dirty="0" smtClean="0"/>
+              <a:t> вы найдете вопросы которые позволят проверить свой уровень знаний о платформе </a:t>
+            </a:r>
+            <a:r>
+              <a:rPr lang="en-US" dirty="0" smtClean="0"/>
+              <a:t>.NET</a:t>
+            </a:r>
+            <a:r>
+              <a:rPr lang="ru-RU" dirty="0" smtClean="0"/>
               <a:t>.</a:t>
             </a:r>
-            <a:r>
-              <a:rPr lang="en-US" dirty="0">
-                <a:solidFill>
-                  <a:schemeClr val="bg1"/>
-                </a:solidFill>
-              </a:rPr>
-              <a:t>NET Framework Blog</a:t>
-            </a:r>
-            <a:r>
-              <a:rPr lang="ru-RU" dirty="0">
-                <a:solidFill>
-                  <a:schemeClr val="bg1"/>
-                </a:solidFill>
-              </a:rPr>
-              <a:t>: </a:t>
-            </a:r>
-            <a:r>
-              <a:rPr lang="en-US" dirty="0">
-                <a:solidFill>
-                  <a:schemeClr val="bg1"/>
-                </a:solidFill>
-                <a:hlinkClick r:id="rId2"/>
-              </a:rPr>
-              <a:t>http://blogs.msdn.com/b/dotnet/</a:t>
-            </a:r>
-            <a:endParaRPr lang="ru-RU" dirty="0">
-              <a:solidFill>
-                <a:schemeClr val="bg1"/>
-              </a:solidFill>
-            </a:endParaRPr>
-          </a:p>
-          <a:p>
-            <a:r>
-              <a:rPr lang="en-US" dirty="0">
-                <a:solidFill>
-                  <a:schemeClr val="bg1"/>
-                </a:solidFill>
-              </a:rPr>
-              <a:t>Base Class Library (BCL) Blog</a:t>
-            </a:r>
-            <a:r>
-              <a:rPr lang="ru-RU" dirty="0">
-                <a:solidFill>
-                  <a:schemeClr val="bg1"/>
-                </a:solidFill>
-              </a:rPr>
-              <a:t>: </a:t>
-            </a:r>
-            <a:r>
-              <a:rPr lang="en-US" dirty="0">
-                <a:solidFill>
-                  <a:schemeClr val="bg1"/>
-                </a:solidFill>
-                <a:hlinkClick r:id="rId3"/>
-              </a:rPr>
-              <a:t>http://blogs.msdn.com/b/bclteam/</a:t>
-            </a:r>
-            <a:endParaRPr lang="ru-RU" dirty="0">
-              <a:solidFill>
-                <a:schemeClr val="bg1"/>
-              </a:solidFill>
-            </a:endParaRPr>
-          </a:p>
-          <a:p>
-            <a:r>
-              <a:rPr lang="en-US" dirty="0">
-                <a:solidFill>
-                  <a:schemeClr val="bg1"/>
-                </a:solidFill>
-              </a:rPr>
-              <a:t>ADO.NET Blog</a:t>
-            </a:r>
-            <a:r>
-              <a:rPr lang="ru-RU" dirty="0">
-                <a:solidFill>
-                  <a:schemeClr val="bg1"/>
-                </a:solidFill>
-              </a:rPr>
-              <a:t>: </a:t>
-            </a:r>
-            <a:r>
-              <a:rPr lang="en-US" dirty="0">
-                <a:solidFill>
-                  <a:schemeClr val="bg1"/>
-                </a:solidFill>
-                <a:hlinkClick r:id="rId4"/>
-              </a:rPr>
-              <a:t>http://blogs.msdn.com/b/adonet/</a:t>
-            </a:r>
-            <a:endParaRPr lang="ru-RU" dirty="0">
-              <a:solidFill>
-                <a:schemeClr val="bg1"/>
-              </a:solidFill>
-            </a:endParaRPr>
-          </a:p>
-          <a:p>
-            <a:r>
-              <a:rPr lang="en-US" dirty="0">
-                <a:solidFill>
-                  <a:schemeClr val="bg1"/>
-                </a:solidFill>
-              </a:rPr>
-              <a:t>Parallel Programming with .NET</a:t>
-            </a:r>
-            <a:r>
-              <a:rPr lang="ru-RU" dirty="0">
-                <a:solidFill>
-                  <a:schemeClr val="bg1"/>
-                </a:solidFill>
-              </a:rPr>
-              <a:t>: </a:t>
-            </a:r>
-            <a:r>
-              <a:rPr lang="en-US" dirty="0">
-                <a:solidFill>
-                  <a:schemeClr val="bg1"/>
-                </a:solidFill>
-                <a:hlinkClick r:id="rId5"/>
-              </a:rPr>
-              <a:t>http://blogs.msdn.com/b/pfxteam/</a:t>
-            </a:r>
-            <a:endParaRPr lang="ru-RU" dirty="0">
-              <a:solidFill>
-                <a:schemeClr val="bg1"/>
-              </a:solidFill>
-            </a:endParaRPr>
-          </a:p>
-          <a:p>
-            <a:r>
-              <a:rPr lang="ru-RU" dirty="0">
-                <a:solidFill>
-                  <a:schemeClr val="bg1"/>
-                </a:solidFill>
-              </a:rPr>
-              <a:t>С</a:t>
-            </a:r>
-            <a:r>
-              <a:rPr lang="en-US" dirty="0">
-                <a:solidFill>
-                  <a:schemeClr val="bg1"/>
-                </a:solidFill>
-              </a:rPr>
-              <a:t># Little Wonders</a:t>
-            </a:r>
-            <a:r>
-              <a:rPr lang="ru-RU" dirty="0">
-                <a:solidFill>
-                  <a:schemeClr val="bg1"/>
-                </a:solidFill>
-              </a:rPr>
-              <a:t> -</a:t>
-            </a:r>
-            <a:r>
-              <a:rPr lang="en-US" dirty="0">
-                <a:solidFill>
-                  <a:schemeClr val="bg1"/>
-                </a:solidFill>
-              </a:rPr>
-              <a:t> </a:t>
-            </a:r>
-            <a:r>
-              <a:rPr lang="en-US" dirty="0">
-                <a:solidFill>
-                  <a:schemeClr val="bg1"/>
-                </a:solidFill>
-                <a:hlinkClick r:id="rId6"/>
-              </a:rPr>
-              <a:t>http://</a:t>
-            </a:r>
-            <a:r>
-              <a:rPr lang="en-US" dirty="0" smtClean="0">
-                <a:solidFill>
-                  <a:schemeClr val="bg1"/>
-                </a:solidFill>
-                <a:hlinkClick r:id="rId6"/>
-              </a:rPr>
-              <a:t>blackrabbitcoder.net/category/11989.aspx</a:t>
-            </a:r>
-            <a:endParaRPr lang="ru-RU" dirty="0" smtClean="0">
-              <a:solidFill>
-                <a:schemeClr val="bg1"/>
-              </a:solidFill>
-            </a:endParaRPr>
-          </a:p>
-          <a:p>
-            <a:r>
-              <a:rPr lang="en-US" dirty="0" smtClean="0">
-                <a:solidFill>
-                  <a:schemeClr val="bg1"/>
-                </a:solidFill>
-              </a:rPr>
-              <a:t>Scott </a:t>
-            </a:r>
-            <a:r>
-              <a:rPr lang="en-US" dirty="0" err="1" smtClean="0">
-                <a:solidFill>
-                  <a:schemeClr val="bg1"/>
-                </a:solidFill>
-              </a:rPr>
-              <a:t>Hanselman</a:t>
-            </a:r>
-            <a:r>
-              <a:rPr lang="en-US" dirty="0">
-                <a:solidFill>
-                  <a:schemeClr val="bg1"/>
-                </a:solidFill>
-              </a:rPr>
-              <a:t> - </a:t>
-            </a:r>
-            <a:r>
-              <a:rPr lang="en-US" dirty="0">
-                <a:solidFill>
-                  <a:schemeClr val="bg1"/>
-                </a:solidFill>
-                <a:hlinkClick r:id="rId7"/>
-              </a:rPr>
-              <a:t>http://www.hanselman.com/blog</a:t>
-            </a:r>
-            <a:r>
-              <a:rPr lang="en-US" dirty="0" smtClean="0">
-                <a:solidFill>
-                  <a:schemeClr val="bg1"/>
-                </a:solidFill>
-                <a:hlinkClick r:id="rId7"/>
-              </a:rPr>
-              <a:t>/</a:t>
-            </a:r>
-            <a:endParaRPr lang="en-US" dirty="0" smtClean="0">
-              <a:solidFill>
-                <a:schemeClr val="bg1"/>
-              </a:solidFill>
-            </a:endParaRPr>
-          </a:p>
-          <a:p>
-            <a:endParaRPr lang="ru-RU" dirty="0">
-              <a:solidFill>
-                <a:schemeClr val="bg1"/>
-              </a:solidFill>
-            </a:endParaRPr>
-          </a:p>
-          <a:p>
-            <a:pPr marL="457200" lvl="1" indent="0">
+          </a:p>
+          <a:p>
+            <a:pPr marL="0" indent="0">
               <a:buNone/>
             </a:pPr>
-            <a:endParaRPr lang="en-US" dirty="0">
-              <a:solidFill>
-                <a:schemeClr val="bg1"/>
-              </a:solidFill>
-            </a:endParaRPr>
+            <a:endParaRPr lang="ru-RU" dirty="0"/>
+          </a:p>
+          <a:p>
+            <a:pPr marL="0" indent="0">
+              <a:buNone/>
+            </a:pPr>
+            <a:r>
+              <a:rPr lang="ru-RU" dirty="0" smtClean="0"/>
+              <a:t>Таблица в файле </a:t>
+            </a:r>
+            <a:r>
+              <a:rPr lang="en-US" i="1" dirty="0">
+                <a:solidFill>
+                  <a:srgbClr val="FFFF99"/>
+                </a:solidFill>
+              </a:rPr>
+              <a:t>Programmer Competency Matrix.docx</a:t>
+            </a:r>
+            <a:r>
+              <a:rPr lang="ru-RU" dirty="0" smtClean="0"/>
+              <a:t> позволит оценить прогресс в различных областях необходимых каждому программисту.</a:t>
+            </a:r>
+          </a:p>
+          <a:p>
+            <a:pPr marL="0" indent="0">
+              <a:buNone/>
+            </a:pPr>
+            <a:endParaRPr lang="en-US" dirty="0"/>
           </a:p>
         </p:txBody>
       </p:sp>
     </p:spTree>
     <p:extLst>
       <p:ext uri="{BB962C8B-B14F-4D97-AF65-F5344CB8AC3E}">
-        <p14:creationId xmlns:p14="http://schemas.microsoft.com/office/powerpoint/2010/main" val="2211951054"/>
+        <p14:creationId xmlns:p14="http://schemas.microsoft.com/office/powerpoint/2010/main" val="612142936"/>
       </p:ext>
     </p:extLst>
   </p:cSld>
@@ -5286,16 +5304,31 @@
             <p:ph type="title"/>
           </p:nvPr>
         </p:nvSpPr>
-        <p:spPr/>
-        <p:txBody>
-          <a:bodyPr/>
+        <p:spPr>
+          <a:xfrm>
+            <a:off x="107504" y="116632"/>
+            <a:ext cx="8928992" cy="648072"/>
+          </a:xfrm>
+        </p:spPr>
+        <p:txBody>
+          <a:bodyPr>
+            <a:normAutofit fontScale="90000"/>
+          </a:bodyPr>
           <a:lstStyle/>
           <a:p>
             <a:r>
-              <a:rPr lang="ru-RU" dirty="0" smtClean="0"/>
-              <a:t>Подкасты</a:t>
-            </a:r>
-            <a:endParaRPr lang="en-US" dirty="0"/>
+              <a:rPr lang="ru-RU" dirty="0" smtClean="0">
+                <a:solidFill>
+                  <a:schemeClr val="bg1"/>
+                </a:solidFill>
+              </a:rPr>
+              <a:t>Блоги</a:t>
+            </a:r>
+            <a:endParaRPr lang="en-US" dirty="0">
+              <a:solidFill>
+                <a:schemeClr val="bg1"/>
+              </a:solidFill>
+            </a:endParaRPr>
           </a:p>
         </p:txBody>
       </p:sp>
@@ -5309,79 +5342,282 @@
             <p:ph idx="1"/>
           </p:nvPr>
         </p:nvSpPr>
-        <p:spPr/>
-        <p:txBody>
-          <a:bodyPr/>
+        <p:spPr>
+          <a:xfrm>
+            <a:off x="457200" y="764704"/>
+            <a:ext cx="8229600" cy="5361459"/>
+          </a:xfrm>
+        </p:spPr>
+        <p:txBody>
+          <a:bodyPr>
+            <a:normAutofit fontScale="92500" lnSpcReduction="10000"/>
+          </a:bodyPr>
           <a:lstStyle/>
           <a:p>
             <a:r>
-              <a:rPr lang="en-US" dirty="0" err="1" smtClean="0"/>
-              <a:t>Hanselminutes</a:t>
-            </a:r>
-            <a:r>
-              <a:rPr lang="en-US" dirty="0" smtClean="0"/>
-              <a:t> (English)</a:t>
-            </a:r>
-            <a:r>
-              <a:rPr lang="en-US" dirty="0"/>
-              <a:t/>
-            </a:r>
-            <a:br>
-              <a:rPr lang="en-US" dirty="0"/>
-            </a:br>
+              <a:rPr lang="en-US" dirty="0" smtClean="0">
+                <a:solidFill>
+                  <a:schemeClr val="bg1"/>
+                </a:solidFill>
+              </a:rPr>
+              <a:t>.</a:t>
+            </a:r>
             <a:r>
               <a:rPr lang="en-US" dirty="0">
+                <a:solidFill>
+                  <a:schemeClr val="bg1"/>
+                </a:solidFill>
+              </a:rPr>
+              <a:t>NET Framework Blog</a:t>
+            </a:r>
+            <a:r>
+              <a:rPr lang="ru-RU" dirty="0">
+                <a:solidFill>
+                  <a:schemeClr val="bg1"/>
+                </a:solidFill>
+              </a:rPr>
+              <a:t>: </a:t>
+            </a:r>
+            <a:r>
+              <a:rPr lang="en-US" dirty="0">
+                <a:solidFill>
+                  <a:schemeClr val="bg1"/>
+                </a:solidFill>
                 <a:hlinkClick r:id="rId2"/>
               </a:rPr>
-              <a:t>http://www.hanselminutes.com</a:t>
+              <a:t>http://blogs.msdn.com/b/dotnet/</a:t>
+            </a:r>
+            <a:endParaRPr lang="ru-RU" dirty="0">
+              <a:solidFill>
+                <a:schemeClr val="bg1"/>
+              </a:solidFill>
+            </a:endParaRPr>
+          </a:p>
+          <a:p>
+            <a:r>
+              <a:rPr lang="en-US" dirty="0">
+                <a:solidFill>
+                  <a:schemeClr val="bg1"/>
+                </a:solidFill>
+              </a:rPr>
+              <a:t>Base Class Library (BCL) Blog</a:t>
+            </a:r>
+            <a:r>
+              <a:rPr lang="ru-RU" dirty="0">
+                <a:solidFill>
+                  <a:schemeClr val="bg1"/>
+                </a:solidFill>
+              </a:rPr>
+              <a:t>: </a:t>
+            </a:r>
+            <a:r>
+              <a:rPr lang="en-US" dirty="0">
+                <a:solidFill>
+                  <a:schemeClr val="bg1"/>
+                </a:solidFill>
+                <a:hlinkClick r:id="rId3"/>
+              </a:rPr>
+              <a:t>http://blogs.msdn.com/b/bclteam/</a:t>
+            </a:r>
+            <a:endParaRPr lang="ru-RU" dirty="0">
+              <a:solidFill>
+                <a:schemeClr val="bg1"/>
+              </a:solidFill>
+            </a:endParaRPr>
+          </a:p>
+          <a:p>
+            <a:r>
+              <a:rPr lang="en-US" dirty="0">
+                <a:solidFill>
+                  <a:schemeClr val="bg1"/>
+                </a:solidFill>
+              </a:rPr>
+              <a:t>ADO.NET Blog</a:t>
+            </a:r>
+            <a:r>
+              <a:rPr lang="ru-RU" dirty="0">
+                <a:solidFill>
+                  <a:schemeClr val="bg1"/>
+                </a:solidFill>
+              </a:rPr>
+              <a:t>: </a:t>
+            </a:r>
+            <a:r>
+              <a:rPr lang="en-US" dirty="0">
+                <a:solidFill>
+                  <a:schemeClr val="bg1"/>
+                </a:solidFill>
+                <a:hlinkClick r:id="rId4"/>
+              </a:rPr>
+              <a:t>http://blogs.msdn.com/b/adonet/</a:t>
+            </a:r>
+            <a:endParaRPr lang="ru-RU" dirty="0">
+              <a:solidFill>
+                <a:schemeClr val="bg1"/>
+              </a:solidFill>
+            </a:endParaRPr>
+          </a:p>
+          <a:p>
+            <a:r>
+              <a:rPr lang="en-US" dirty="0">
+                <a:solidFill>
+                  <a:schemeClr val="bg1"/>
+                </a:solidFill>
+              </a:rPr>
+              <a:t>Parallel Programming with .NET</a:t>
+            </a:r>
+            <a:r>
+              <a:rPr lang="ru-RU" dirty="0">
+                <a:solidFill>
+                  <a:schemeClr val="bg1"/>
+                </a:solidFill>
+              </a:rPr>
+              <a:t>: </a:t>
+            </a:r>
+            <a:r>
+              <a:rPr lang="en-US" dirty="0">
+                <a:solidFill>
+                  <a:schemeClr val="bg1"/>
+                </a:solidFill>
+                <a:hlinkClick r:id="rId5"/>
+              </a:rPr>
+              <a:t>http://blogs.msdn.com/b/pfxteam/</a:t>
+            </a:r>
+            <a:endParaRPr lang="ru-RU" dirty="0">
+              <a:solidFill>
+                <a:schemeClr val="bg1"/>
+              </a:solidFill>
+            </a:endParaRPr>
+          </a:p>
+          <a:p>
+            <a:r>
+              <a:rPr lang="ru-RU" dirty="0">
+                <a:solidFill>
+                  <a:schemeClr val="bg1"/>
+                </a:solidFill>
+              </a:rPr>
+              <a:t>С</a:t>
+            </a:r>
+            <a:r>
+              <a:rPr lang="en-US" dirty="0">
+                <a:solidFill>
+                  <a:schemeClr val="bg1"/>
+                </a:solidFill>
+              </a:rPr>
+              <a:t># Little Wonders</a:t>
+            </a:r>
+            <a:r>
+              <a:rPr lang="ru-RU" dirty="0">
+                <a:solidFill>
+                  <a:schemeClr val="bg1"/>
+                </a:solidFill>
+              </a:rPr>
+              <a:t> -</a:t>
+            </a:r>
+            <a:r>
+              <a:rPr lang="en-US" dirty="0">
+                <a:solidFill>
+                  <a:schemeClr val="bg1"/>
+                </a:solidFill>
+              </a:rPr>
+              <a:t> </a:t>
+            </a:r>
+            <a:r>
+              <a:rPr lang="en-US" dirty="0">
+                <a:solidFill>
+                  <a:schemeClr val="bg1"/>
+                </a:solidFill>
+                <a:hlinkClick r:id="rId6"/>
+              </a:rPr>
+              <a:t>http://</a:t>
             </a:r>
             <a:r>
               <a:rPr lang="en-US" dirty="0" smtClean="0">
-                <a:hlinkClick r:id="rId2"/>
+                <a:solidFill>
+                  <a:schemeClr val="bg1"/>
+                </a:solidFill>
+                <a:hlinkClick r:id="rId6"/>
+              </a:rPr>
+              <a:t>blackrabbitcoder.net/category/11989.aspx</a:t>
+            </a:r>
+            <a:endParaRPr lang="ru-RU" dirty="0" smtClean="0">
+              <a:solidFill>
+                <a:schemeClr val="bg1"/>
+              </a:solidFill>
+            </a:endParaRPr>
+          </a:p>
+          <a:p>
+            <a:r>
+              <a:rPr lang="en-US" dirty="0" smtClean="0">
+                <a:solidFill>
+                  <a:schemeClr val="bg1"/>
+                </a:solidFill>
+              </a:rPr>
+              <a:t>Scott </a:t>
+            </a:r>
+            <a:r>
+              <a:rPr lang="en-US" dirty="0" err="1" smtClean="0">
+                <a:solidFill>
+                  <a:schemeClr val="bg1"/>
+                </a:solidFill>
+              </a:rPr>
+              <a:t>Hanselman</a:t>
+            </a:r>
+            <a:r>
+              <a:rPr lang="en-US" dirty="0">
+                <a:solidFill>
+                  <a:schemeClr val="bg1"/>
+                </a:solidFill>
+              </a:rPr>
+              <a:t> - </a:t>
+            </a:r>
+            <a:r>
+              <a:rPr lang="en-US" dirty="0">
+                <a:solidFill>
+                  <a:schemeClr val="bg1"/>
+                </a:solidFill>
+                <a:hlinkClick r:id="rId7"/>
+              </a:rPr>
+              <a:t>http://www.hanselman.com/blog</a:t>
+            </a:r>
+            <a:r>
+              <a:rPr lang="en-US" dirty="0" smtClean="0">
+                <a:solidFill>
+                  <a:schemeClr val="bg1"/>
+                </a:solidFill>
+                <a:hlinkClick r:id="rId7"/>
               </a:rPr>
               <a:t>/</a:t>
             </a:r>
-            <a:endParaRPr lang="en-US" dirty="0" smtClean="0"/>
-          </a:p>
-          <a:p>
-            <a:r>
-              <a:rPr lang="en-US" dirty="0"/>
-              <a:t>.NET Rocks</a:t>
-            </a:r>
-            <a:r>
-              <a:rPr lang="en-US" dirty="0" smtClean="0"/>
-              <a:t>! </a:t>
-            </a:r>
-            <a:r>
-              <a:rPr lang="en-US" dirty="0"/>
-              <a:t>(English)</a:t>
-            </a:r>
-            <a:br>
-              <a:rPr lang="en-US" dirty="0"/>
-            </a:br>
-            <a:r>
-              <a:rPr lang="en-US" dirty="0">
-                <a:hlinkClick r:id="rId3"/>
-              </a:rPr>
-              <a:t>http://www.dotnetrocks.com</a:t>
-            </a:r>
-            <a:r>
-              <a:rPr lang="en-US" dirty="0" smtClean="0">
-                <a:hlinkClick r:id="rId3"/>
-              </a:rPr>
-              <a:t>/</a:t>
-            </a:r>
-            <a:endParaRPr lang="en-US" dirty="0" smtClean="0"/>
-          </a:p>
-          <a:p>
-            <a:endParaRPr lang="en-US" dirty="0"/>
+            <a:endParaRPr lang="en-US" dirty="0" smtClean="0">
+              <a:solidFill>
+                <a:schemeClr val="bg1"/>
+              </a:solidFill>
+            </a:endParaRPr>
+          </a:p>
+          <a:p>
+            <a:endParaRPr lang="ru-RU" dirty="0">
+              <a:solidFill>
+                <a:schemeClr val="bg1"/>
+              </a:solidFill>
+            </a:endParaRPr>
+          </a:p>
+          <a:p>
+            <a:pPr marL="457200" lvl="1" indent="0">
+              <a:buNone/>
+            </a:pPr>
+            <a:endParaRPr lang="en-US" dirty="0">
+              <a:solidFill>
+                <a:schemeClr val="bg1"/>
+              </a:solidFill>
+            </a:endParaRPr>
           </a:p>
         </p:txBody>
       </p:sp>
     </p:spTree>
     <p:extLst>
       <p:ext uri="{BB962C8B-B14F-4D97-AF65-F5344CB8AC3E}">
-        <p14:creationId xmlns:p14="http://schemas.microsoft.com/office/powerpoint/2010/main" val="2015174044"/>
+        <p14:creationId xmlns:p14="http://schemas.microsoft.com/office/powerpoint/2010/main" val="2211951054"/>
       </p:ext>
     </p:extLst>
   </p:cSld>
@@ -5432,9 +5668,9 @@
           <a:p>
             <a:r>
               <a:rPr lang="ru-RU" dirty="0" smtClean="0"/>
-              <a:t>Обучающие видео</a:t>
-            </a:r>
-            <a:endParaRPr lang="ru-RU" dirty="0"/>
+              <a:t>Подкасты</a:t>
+            </a:r>
+            <a:endParaRPr lang="en-US" dirty="0"/>
           </a:p>
         </p:txBody>
       </p:sp>
@@ -5454,174 +5690,86 @@
           <a:lstStyle/>
           <a:p>
             <a:r>
-              <a:rPr lang="ru-RU" dirty="0" smtClean="0">
-                <a:solidFill>
-                  <a:schemeClr val="bg1"/>
-                </a:solidFill>
-              </a:rPr>
-              <a:t>На русском</a:t>
-            </a:r>
-          </a:p>
-          <a:p>
-            <a:pPr lvl="1"/>
+              <a:rPr lang="en-US" dirty="0" err="1" smtClean="0"/>
+              <a:t>Hanselminutes</a:t>
+            </a:r>
+            <a:r>
+              <a:rPr lang="en-US" dirty="0" smtClean="0"/>
+              <a:t> (English)</a:t>
+            </a:r>
+            <a:r>
+              <a:rPr lang="en-US" dirty="0"/>
+              <a:t/>
+            </a:r>
+            <a:br>
+              <a:rPr lang="en-US" dirty="0"/>
+            </a:br>
+            <a:r>
+              <a:rPr lang="en-US" dirty="0">
+                <a:hlinkClick r:id="rId2"/>
+              </a:rPr>
+              <a:t>http://www.hanselminutes.com</a:t>
+            </a:r>
             <a:r>
               <a:rPr lang="en-US" dirty="0" smtClean="0">
-                <a:solidFill>
-                  <a:schemeClr val="bg1"/>
-                </a:solidFill>
                 <a:hlinkClick r:id="rId2"/>
               </a:rPr>
-              <a:t>http</a:t>
-            </a:r>
+              <a:t>/</a:t>
+            </a:r>
+            <a:endParaRPr lang="en-US" dirty="0" smtClean="0"/>
+          </a:p>
+          <a:p>
+            <a:r>
+              <a:rPr lang="en-US" dirty="0"/>
+              <a:t>.NET Rocks</a:t>
+            </a:r>
+            <a:r>
+              <a:rPr lang="en-US" dirty="0" smtClean="0"/>
+              <a:t>! </a:t>
+            </a:r>
+            <a:r>
+              <a:rPr lang="en-US" dirty="0"/>
+              <a:t>(English)</a:t>
+            </a:r>
+            <a:br>
+              <a:rPr lang="en-US" dirty="0"/>
+            </a:br>
             <a:r>
               <a:rPr lang="en-US" dirty="0">
-                <a:solidFill>
-                  <a:schemeClr val="bg1"/>
-                </a:solidFill>
-                <a:hlinkClick r:id="rId2"/>
-              </a:rPr>
-              <a:t>://</a:t>
+                <a:hlinkClick r:id="rId3"/>
+              </a:rPr>
+              <a:t>http://www.dotnetrocks.com</a:t>
             </a:r>
             <a:r>
               <a:rPr lang="en-US" dirty="0" smtClean="0">
-                <a:solidFill>
-                  <a:schemeClr val="bg1"/>
-                </a:solidFill>
-                <a:hlinkClick r:id="rId2"/>
-              </a:rPr>
-              <a:t>techdays.ru</a:t>
-            </a:r>
-            <a:endParaRPr lang="ru-RU" dirty="0" smtClean="0">
-              <a:solidFill>
-                <a:schemeClr val="bg1"/>
-              </a:solidFill>
-            </a:endParaRPr>
-          </a:p>
-          <a:p>
-            <a:r>
-              <a:rPr lang="ru-RU" dirty="0" smtClean="0">
-                <a:solidFill>
-                  <a:schemeClr val="bg1"/>
-                </a:solidFill>
-              </a:rPr>
-              <a:t>На английском</a:t>
-            </a:r>
-          </a:p>
-          <a:p>
-            <a:pPr lvl="1"/>
-            <a:r>
-              <a:rPr lang="en-US" dirty="0">
-                <a:solidFill>
-                  <a:schemeClr val="bg1"/>
-                </a:solidFill>
                 <a:hlinkClick r:id="rId3"/>
               </a:rPr>
-              <a:t>http://channel9.msdn.com</a:t>
-            </a:r>
-            <a:r>
-              <a:rPr lang="en-US" dirty="0" smtClean="0">
-                <a:solidFill>
-                  <a:schemeClr val="bg1"/>
-                </a:solidFill>
-                <a:hlinkClick r:id="rId3"/>
-              </a:rPr>
               <a:t>/</a:t>
             </a:r>
-            <a:endParaRPr lang="ru-RU" dirty="0" smtClean="0">
-              <a:solidFill>
-                <a:schemeClr val="bg1"/>
-              </a:solidFill>
-            </a:endParaRPr>
-          </a:p>
-          <a:p>
-            <a:pPr lvl="1"/>
-            <a:r>
-              <a:rPr lang="en-US" dirty="0">
-                <a:solidFill>
-                  <a:schemeClr val="bg1"/>
-                </a:solidFill>
-                <a:hlinkClick r:id="rId4"/>
-              </a:rPr>
-              <a:t>https://</a:t>
-            </a:r>
-            <a:r>
-              <a:rPr lang="en-US" dirty="0" smtClean="0">
-                <a:solidFill>
-                  <a:schemeClr val="bg1"/>
-                </a:solidFill>
-                <a:hlinkClick r:id="rId4"/>
-              </a:rPr>
-              <a:t>www.wintellectnow.com/videos/index</a:t>
-            </a:r>
-            <a:r>
-              <a:rPr lang="ru-RU" dirty="0" smtClean="0">
-                <a:solidFill>
-                  <a:schemeClr val="bg1"/>
-                </a:solidFill>
-              </a:rPr>
-              <a:t/>
-            </a:r>
-            <a:br>
-              <a:rPr lang="ru-RU" dirty="0" smtClean="0">
-                <a:solidFill>
-                  <a:schemeClr val="bg1"/>
-                </a:solidFill>
-              </a:rPr>
-            </a:br>
-            <a:r>
-              <a:rPr lang="ru-RU" dirty="0" smtClean="0">
-                <a:solidFill>
-                  <a:schemeClr val="bg1"/>
-                </a:solidFill>
-              </a:rPr>
-              <a:t>Часть бесплатно, часть платно</a:t>
-            </a:r>
-          </a:p>
-          <a:p>
-            <a:pPr lvl="1"/>
-            <a:r>
-              <a:rPr lang="en-US" dirty="0">
-                <a:solidFill>
-                  <a:schemeClr val="bg1"/>
-                </a:solidFill>
-                <a:hlinkClick r:id="rId5"/>
-              </a:rPr>
-              <a:t>http://pluralsight.com</a:t>
-            </a:r>
-            <a:r>
-              <a:rPr lang="en-US" dirty="0" smtClean="0">
-                <a:solidFill>
-                  <a:schemeClr val="bg1"/>
-                </a:solidFill>
-                <a:hlinkClick r:id="rId5"/>
-              </a:rPr>
-              <a:t>/</a:t>
-            </a:r>
-            <a:r>
-              <a:rPr lang="ru-RU" dirty="0" smtClean="0">
-                <a:solidFill>
-                  <a:schemeClr val="bg1"/>
-                </a:solidFill>
-              </a:rPr>
-              <a:t> (Платный сервис)</a:t>
-            </a:r>
-          </a:p>
-          <a:p>
-            <a:pPr lvl="1"/>
-            <a:endParaRPr lang="ru-RU" dirty="0"/>
+            <a:endParaRPr lang="en-US" dirty="0" smtClean="0"/>
+          </a:p>
+          <a:p>
+            <a:endParaRPr lang="en-US" dirty="0"/>
           </a:p>
         </p:txBody>
       </p:sp>
     </p:spTree>
     <p:extLst>
       <p:ext uri="{BB962C8B-B14F-4D97-AF65-F5344CB8AC3E}">
-        <p14:creationId xmlns:p14="http://schemas.microsoft.com/office/powerpoint/2010/main" val="3706293392"/>
+        <p14:creationId xmlns:p14="http://schemas.microsoft.com/office/powerpoint/2010/main" val="2015174044"/>
       </p:ext>
     </p:extLst>
   </p:cSld>
   <p:clrMapOvr>
     <a:masterClrMapping/>
   </p:clrMapOvr>
+  <p:timing>
+    <p:tnLst>
+      <p:par>
+        <p:cTn id="1" dur="indefinite" restart="never" nodeType="tmRoot"/>
+      </p:par>
+    </p:tnLst>
+  </p:timing>
 </p:sld>
 </file>
 

--- a/Presentation/that-is-all-folks.pptx
+++ b/Presentation/that-is-all-folks.pptx
@@ -5,7 +5,7 @@
     <p:sldMasterId id="2147483648" r:id="rId1"/>
   </p:sldMasterIdLst>
   <p:notesMasterIdLst>
-    <p:notesMasterId r:id="rId15"/>
+    <p:notesMasterId r:id="rId16"/>
   </p:notesMasterIdLst>
   <p:sldIdLst>
     <p:sldId id="257" r:id="rId2"/>
@@ -14,13 +14,14 @@
     <p:sldId id="265" r:id="rId5"/>
     <p:sldId id="264" r:id="rId6"/>
     <p:sldId id="273" r:id="rId7"/>
-    <p:sldId id="270" r:id="rId8"/>
-    <p:sldId id="266" r:id="rId9"/>
-    <p:sldId id="267" r:id="rId10"/>
-    <p:sldId id="271" r:id="rId11"/>
-    <p:sldId id="268" r:id="rId12"/>
-    <p:sldId id="269" r:id="rId13"/>
-    <p:sldId id="262" r:id="rId14"/>
+    <p:sldId id="274" r:id="rId8"/>
+    <p:sldId id="270" r:id="rId9"/>
+    <p:sldId id="266" r:id="rId10"/>
+    <p:sldId id="267" r:id="rId11"/>
+    <p:sldId id="271" r:id="rId12"/>
+    <p:sldId id="268" r:id="rId13"/>
+    <p:sldId id="269" r:id="rId14"/>
+    <p:sldId id="262" r:id="rId15"/>
   </p:sldIdLst>
   <p:sldSz cx="9144000" cy="6858000" type="screen4x3"/>
   <p:notesSz cx="6858000" cy="9144000"/>
@@ -204,7 +205,7 @@
           <a:p>
             <a:fld id="{B24A7054-7FFB-49F4-A126-5DF6E687FF53}" type="datetimeFigureOut">
               <a:rPr lang="ru-RU" smtClean="0"/>
-              <a:t>24.10.2015</a:t>
+              <a:t>24.11.2015</a:t>
             </a:fld>
             <a:endParaRPr lang="ru-RU"/>
           </a:p>
@@ -1486,7 +1487,7 @@
           <a:p>
             <a:fld id="{8E6E6A2A-E9D3-4A0D-B04A-ABDD367A1E08}" type="datetimeFigureOut">
               <a:rPr lang="ru-RU" smtClean="0"/>
-              <a:t>24.10.2015</a:t>
+              <a:t>24.11.2015</a:t>
             </a:fld>
             <a:endParaRPr lang="ru-RU"/>
           </a:p>
@@ -2931,7 +2932,7 @@
           <a:p>
             <a:fld id="{AC3D3127-B7C4-45E3-9797-C527EC9FDD78}" type="datetimeFigureOut">
               <a:rPr lang="ru-RU" smtClean="0"/>
-              <a:t>24.10.2015</a:t>
+              <a:t>24.11.2015</a:t>
             </a:fld>
             <a:endParaRPr lang="ru-RU"/>
           </a:p>
@@ -3519,9 +3520,9 @@
           <a:p>
             <a:r>
               <a:rPr lang="ru-RU" dirty="0" smtClean="0"/>
-              <a:t>Обучающие видео</a:t>
-            </a:r>
-            <a:endParaRPr lang="ru-RU" dirty="0"/>
+              <a:t>Подкасты</a:t>
+            </a:r>
+            <a:endParaRPr lang="en-US" dirty="0"/>
           </a:p>
         </p:txBody>
       </p:sp>
@@ -3541,168 +3542,73 @@
           <a:lstStyle/>
           <a:p>
             <a:r>
-              <a:rPr lang="ru-RU" dirty="0" smtClean="0">
-                <a:solidFill>
-                  <a:schemeClr val="bg1"/>
-                </a:solidFill>
-              </a:rPr>
-              <a:t>На русском</a:t>
-            </a:r>
-          </a:p>
-          <a:p>
-            <a:pPr lvl="1"/>
+              <a:rPr lang="en-US" dirty="0" err="1" smtClean="0"/>
+              <a:t>Hanselminutes</a:t>
+            </a:r>
+            <a:r>
+              <a:rPr lang="en-US" dirty="0" smtClean="0"/>
+              <a:t> (English)</a:t>
+            </a:r>
+            <a:r>
+              <a:rPr lang="en-US" dirty="0"/>
+              <a:t/>
+            </a:r>
+            <a:br>
+              <a:rPr lang="en-US" dirty="0"/>
+            </a:br>
+            <a:r>
+              <a:rPr lang="en-US" dirty="0">
+                <a:hlinkClick r:id="rId2"/>
+              </a:rPr>
+              <a:t>http://www.hanselminutes.com</a:t>
+            </a:r>
             <a:r>
               <a:rPr lang="en-US" dirty="0" smtClean="0">
-                <a:solidFill>
-                  <a:schemeClr val="bg1"/>
-                </a:solidFill>
                 <a:hlinkClick r:id="rId2"/>
               </a:rPr>
-              <a:t>http</a:t>
-            </a:r>
+              <a:t>/</a:t>
+            </a:r>
+            <a:endParaRPr lang="en-US" dirty="0" smtClean="0"/>
+          </a:p>
+          <a:p>
+            <a:r>
+              <a:rPr lang="en-US" dirty="0"/>
+              <a:t>.NET Rocks</a:t>
+            </a:r>
+            <a:r>
+              <a:rPr lang="en-US" dirty="0" smtClean="0"/>
+              <a:t>! </a:t>
+            </a:r>
+            <a:r>
+              <a:rPr lang="en-US" dirty="0"/>
+              <a:t>(English)</a:t>
+            </a:r>
+            <a:br>
+              <a:rPr lang="en-US" dirty="0"/>
+            </a:br>
             <a:r>
               <a:rPr lang="en-US" dirty="0">
-                <a:solidFill>
-                  <a:schemeClr val="bg1"/>
-                </a:solidFill>
-                <a:hlinkClick r:id="rId2"/>
-              </a:rPr>
-              <a:t>://</a:t>
+                <a:hlinkClick r:id="rId3"/>
+              </a:rPr>
+              <a:t>http://www.dotnetrocks.com</a:t>
             </a:r>
             <a:r>
               <a:rPr lang="en-US" dirty="0" smtClean="0">
-                <a:solidFill>
-                  <a:schemeClr val="bg1"/>
-                </a:solidFill>
-                <a:hlinkClick r:id="rId2"/>
-              </a:rPr>
-              <a:t>techdays.ru</a:t>
-            </a:r>
-            <a:endParaRPr lang="ru-RU" dirty="0" smtClean="0">
-              <a:solidFill>
-                <a:schemeClr val="bg1"/>
-              </a:solidFill>
-            </a:endParaRPr>
-          </a:p>
-          <a:p>
-            <a:r>
-              <a:rPr lang="ru-RU" dirty="0" smtClean="0">
-                <a:solidFill>
-                  <a:schemeClr val="bg1"/>
-                </a:solidFill>
-              </a:rPr>
-              <a:t>На английском</a:t>
-            </a:r>
-          </a:p>
-          <a:p>
-            <a:pPr lvl="1"/>
-            <a:r>
-              <a:rPr lang="en-US" dirty="0">
-                <a:solidFill>
-                  <a:schemeClr val="bg1"/>
-                </a:solidFill>
                 <a:hlinkClick r:id="rId3"/>
               </a:rPr>
-              <a:t>http://channel9.msdn.com</a:t>
-            </a:r>
-            <a:r>
-              <a:rPr lang="en-US" dirty="0" smtClean="0">
-                <a:solidFill>
-                  <a:schemeClr val="bg1"/>
-                </a:solidFill>
-                <a:hlinkClick r:id="rId3"/>
-              </a:rPr>
               <a:t>/</a:t>
             </a:r>
-            <a:endParaRPr lang="ru-RU" dirty="0" smtClean="0">
-              <a:solidFill>
-                <a:schemeClr val="bg1"/>
-              </a:solidFill>
-            </a:endParaRPr>
-          </a:p>
-          <a:p>
-            <a:pPr lvl="1"/>
-            <a:r>
-              <a:rPr lang="en-US" dirty="0">
-                <a:solidFill>
-                  <a:schemeClr val="bg1"/>
-                </a:solidFill>
-                <a:hlinkClick r:id="rId4"/>
-              </a:rPr>
-              <a:t>https://</a:t>
-            </a:r>
-            <a:r>
-              <a:rPr lang="en-US" dirty="0" smtClean="0">
-                <a:solidFill>
-                  <a:schemeClr val="bg1"/>
-                </a:solidFill>
-                <a:hlinkClick r:id="rId4"/>
-              </a:rPr>
-              <a:t>www.wintellectnow.com/videos/index</a:t>
-            </a:r>
-            <a:r>
-              <a:rPr lang="ru-RU" dirty="0" smtClean="0">
-                <a:solidFill>
-                  <a:schemeClr val="bg1"/>
-                </a:solidFill>
-              </a:rPr>
-              <a:t/>
-            </a:r>
-            <a:br>
-              <a:rPr lang="ru-RU" dirty="0" smtClean="0">
-                <a:solidFill>
-                  <a:schemeClr val="bg1"/>
-                </a:solidFill>
-              </a:rPr>
-            </a:br>
-            <a:r>
-              <a:rPr lang="ru-RU" dirty="0" smtClean="0">
-                <a:solidFill>
-                  <a:schemeClr val="bg1"/>
-                </a:solidFill>
-              </a:rPr>
-              <a:t>Часть бесплатно, часть платно</a:t>
-            </a:r>
-          </a:p>
-          <a:p>
-            <a:pPr lvl="1"/>
-            <a:r>
-              <a:rPr lang="en-US" dirty="0">
-                <a:solidFill>
-                  <a:schemeClr val="bg1"/>
-                </a:solidFill>
-                <a:hlinkClick r:id="rId5"/>
-              </a:rPr>
-              <a:t>http://pluralsight.com</a:t>
-            </a:r>
-            <a:r>
-              <a:rPr lang="en-US" dirty="0" smtClean="0">
-                <a:solidFill>
-                  <a:schemeClr val="bg1"/>
-                </a:solidFill>
-                <a:hlinkClick r:id="rId5"/>
-              </a:rPr>
-              <a:t>/</a:t>
-            </a:r>
-            <a:r>
-              <a:rPr lang="ru-RU" dirty="0" smtClean="0">
-                <a:solidFill>
-                  <a:schemeClr val="bg1"/>
-                </a:solidFill>
-              </a:rPr>
-              <a:t> (Платный сервис)</a:t>
-            </a:r>
-          </a:p>
-          <a:p>
-            <a:pPr lvl="1"/>
-            <a:endParaRPr lang="ru-RU" dirty="0"/>
+            <a:endParaRPr lang="en-US" dirty="0" smtClean="0"/>
+          </a:p>
+          <a:p>
+            <a:endParaRPr lang="en-US" dirty="0"/>
           </a:p>
         </p:txBody>
       </p:sp>
     </p:spTree>
     <p:extLst>
       <p:ext uri="{BB962C8B-B14F-4D97-AF65-F5344CB8AC3E}">
-        <p14:creationId xmlns:p14="http://schemas.microsoft.com/office/powerpoint/2010/main" val="3706293392"/>
+        <p14:creationId xmlns:p14="http://schemas.microsoft.com/office/powerpoint/2010/main" val="2015174044"/>
       </p:ext>
     </p:extLst>
   </p:cSld>
@@ -3746,31 +3652,16 @@
             <p:ph type="title"/>
           </p:nvPr>
         </p:nvSpPr>
-        <p:spPr>
-          <a:xfrm>
-            <a:off x="107504" y="116632"/>
-            <a:ext cx="8928992" cy="648072"/>
-          </a:xfrm>
-        </p:spPr>
-        <p:txBody>
-          <a:bodyPr>
-            <a:normAutofit fontScale="90000"/>
-          </a:bodyPr>
+        <p:spPr/>
+        <p:txBody>
+          <a:bodyPr/>
           <a:lstStyle/>
           <a:p>
             <a:r>
-              <a:rPr lang="ru-RU" dirty="0">
-                <a:solidFill>
-                  <a:schemeClr val="bg1"/>
-                </a:solidFill>
-              </a:rPr>
-              <a:t>Задачи по программированию</a:t>
-            </a:r>
-            <a:endParaRPr lang="en-US" dirty="0">
-              <a:solidFill>
-                <a:schemeClr val="bg1"/>
-              </a:solidFill>
-            </a:endParaRPr>
+              <a:rPr lang="ru-RU" dirty="0" smtClean="0"/>
+              <a:t>Обучающие видео</a:t>
+            </a:r>
+            <a:endParaRPr lang="ru-RU" dirty="0"/>
           </a:p>
         </p:txBody>
       </p:sp>
@@ -3784,16 +3675,9 @@
             <p:ph idx="1"/>
           </p:nvPr>
         </p:nvSpPr>
-        <p:spPr>
-          <a:xfrm>
-            <a:off x="457200" y="764704"/>
-            <a:ext cx="8229600" cy="5361459"/>
-          </a:xfrm>
-        </p:spPr>
-        <p:txBody>
-          <a:bodyPr>
-            <a:normAutofit fontScale="85000" lnSpcReduction="20000"/>
-          </a:bodyPr>
+        <p:spPr/>
+        <p:txBody>
+          <a:bodyPr/>
           <a:lstStyle/>
           <a:p>
             <a:r>
@@ -3802,8 +3686,11 @@
                   <a:schemeClr val="bg1"/>
                 </a:solidFill>
               </a:rPr>
-              <a:t>Школа программиста</a:t>
-            </a:r>
+              <a:t>На русском</a:t>
+            </a:r>
+          </a:p>
+          <a:p>
+            <a:pPr lvl="1"/>
             <a:r>
               <a:rPr lang="en-US" dirty="0" smtClean="0">
                 <a:solidFill>
@@ -3811,143 +3698,26 @@
                 </a:solidFill>
                 <a:hlinkClick r:id="rId2"/>
               </a:rPr>
-              <a:t/>
-            </a:r>
-            <a:br>
+              <a:t>http</a:t>
+            </a:r>
+            <a:r>
+              <a:rPr lang="en-US" dirty="0">
+                <a:solidFill>
+                  <a:schemeClr val="bg1"/>
+                </a:solidFill>
+                <a:hlinkClick r:id="rId2"/>
+              </a:rPr>
+              <a:t>://</a:t>
+            </a:r>
+            <a:r>
               <a:rPr lang="en-US" dirty="0" smtClean="0">
                 <a:solidFill>
                   <a:schemeClr val="bg1"/>
                 </a:solidFill>
                 <a:hlinkClick r:id="rId2"/>
               </a:rPr>
-            </a:br>
-            <a:r>
-              <a:rPr lang="en-US" dirty="0" smtClean="0">
-                <a:solidFill>
-                  <a:schemeClr val="bg1"/>
-                </a:solidFill>
-                <a:hlinkClick r:id="rId2"/>
-              </a:rPr>
-              <a:t>http</a:t>
-            </a:r>
-            <a:r>
-              <a:rPr lang="en-US" dirty="0">
-                <a:solidFill>
-                  <a:schemeClr val="bg1"/>
-                </a:solidFill>
-                <a:hlinkClick r:id="rId2"/>
-              </a:rPr>
-              <a:t>://</a:t>
-            </a:r>
-            <a:r>
-              <a:rPr lang="en-US" dirty="0" smtClean="0">
-                <a:solidFill>
-                  <a:schemeClr val="bg1"/>
-                </a:solidFill>
-                <a:hlinkClick r:id="rId2"/>
-              </a:rPr>
-              <a:t>acmp.ru/index.asp?main=tasks</a:t>
-            </a:r>
-            <a:endParaRPr lang="en-US" dirty="0" smtClean="0">
-              <a:solidFill>
-                <a:schemeClr val="bg1"/>
-              </a:solidFill>
-            </a:endParaRPr>
-          </a:p>
-          <a:p>
-            <a:endParaRPr lang="en-US" dirty="0">
-              <a:solidFill>
-                <a:schemeClr val="bg1"/>
-              </a:solidFill>
-            </a:endParaRPr>
-          </a:p>
-          <a:p>
-            <a:r>
-              <a:rPr lang="en-US" dirty="0" err="1">
-                <a:solidFill>
-                  <a:schemeClr val="bg1"/>
-                </a:solidFill>
-              </a:rPr>
-              <a:t>Timus</a:t>
-            </a:r>
-            <a:r>
-              <a:rPr lang="en-US" dirty="0">
-                <a:solidFill>
-                  <a:schemeClr val="bg1"/>
-                </a:solidFill>
-              </a:rPr>
-              <a:t> Online Judge</a:t>
-            </a:r>
-            <a:br>
-              <a:rPr lang="en-US" dirty="0">
-                <a:solidFill>
-                  <a:schemeClr val="bg1"/>
-                </a:solidFill>
-              </a:rPr>
-            </a:br>
-            <a:r>
-              <a:rPr lang="en-US" dirty="0">
-                <a:solidFill>
-                  <a:schemeClr val="bg1"/>
-                </a:solidFill>
-                <a:hlinkClick r:id="rId3"/>
-              </a:rPr>
-              <a:t>http://acm.timus.ru/?</a:t>
-            </a:r>
-            <a:r>
-              <a:rPr lang="en-US" dirty="0" smtClean="0">
-                <a:solidFill>
-                  <a:schemeClr val="bg1"/>
-                </a:solidFill>
-                <a:hlinkClick r:id="rId3"/>
-              </a:rPr>
-              <a:t>locale=ru</a:t>
-            </a:r>
-            <a:endParaRPr lang="en-US" dirty="0">
-              <a:solidFill>
-                <a:schemeClr val="bg1"/>
-              </a:solidFill>
-            </a:endParaRPr>
-          </a:p>
-          <a:p>
-            <a:endParaRPr lang="en-US" dirty="0">
-              <a:solidFill>
-                <a:schemeClr val="bg1"/>
-              </a:solidFill>
-            </a:endParaRPr>
-          </a:p>
-          <a:p>
-            <a:r>
-              <a:rPr lang="ru-RU" dirty="0" smtClean="0">
-                <a:solidFill>
-                  <a:schemeClr val="bg1"/>
-                </a:solidFill>
-              </a:rPr>
-              <a:t>Математические задачи</a:t>
-            </a:r>
-            <a:br>
-              <a:rPr lang="ru-RU" dirty="0" smtClean="0">
-                <a:solidFill>
-                  <a:schemeClr val="bg1"/>
-                </a:solidFill>
-              </a:rPr>
-            </a:br>
-            <a:r>
-              <a:rPr lang="en-US" dirty="0" smtClean="0">
-                <a:solidFill>
-                  <a:schemeClr val="bg1"/>
-                </a:solidFill>
-                <a:hlinkClick r:id="rId4"/>
-              </a:rPr>
-              <a:t>http://projecteuler.net</a:t>
-            </a:r>
-            <a:endParaRPr lang="en-US" dirty="0" smtClean="0">
-              <a:solidFill>
-                <a:schemeClr val="bg1"/>
-              </a:solidFill>
-            </a:endParaRPr>
-          </a:p>
-          <a:p>
+              <a:t>techdays.ru</a:t>
+            </a:r>
             <a:endParaRPr lang="ru-RU" dirty="0" smtClean="0">
               <a:solidFill>
                 <a:schemeClr val="bg1"/>
@@ -3961,101 +3731,28 @@
                   <a:schemeClr val="bg1"/>
                 </a:solidFill>
               </a:rPr>
-              <a:t>Кодо-дуэли</a:t>
+              <a:t>На английском</a:t>
+            </a:r>
+          </a:p>
+          <a:p>
+            <a:pPr lvl="1"/>
+            <a:r>
+              <a:rPr lang="en-US" dirty="0">
+                <a:solidFill>
+                  <a:schemeClr val="bg1"/>
+                </a:solidFill>
+                <a:hlinkClick r:id="rId3"/>
+              </a:rPr>
+              <a:t>http://channel9.msdn.com</a:t>
             </a:r>
             <a:r>
               <a:rPr lang="en-US" dirty="0" smtClean="0">
                 <a:solidFill>
                   <a:schemeClr val="bg1"/>
                 </a:solidFill>
-              </a:rPr>
-              <a:t> </a:t>
-            </a:r>
-            <a:r>
-              <a:rPr lang="ru-RU" dirty="0" smtClean="0">
-                <a:solidFill>
-                  <a:schemeClr val="bg1"/>
-                </a:solidFill>
-              </a:rPr>
-              <a:t>на </a:t>
-            </a:r>
-            <a:r>
-              <a:rPr lang="en-US" dirty="0" smtClean="0">
-                <a:solidFill>
-                  <a:schemeClr val="bg1"/>
-                </a:solidFill>
-              </a:rPr>
-              <a:t>C#/VB.NET/F#</a:t>
-            </a:r>
-            <a:r>
-              <a:rPr lang="ru-RU" dirty="0" smtClean="0">
-                <a:solidFill>
-                  <a:schemeClr val="bg1"/>
-                </a:solidFill>
-              </a:rPr>
-              <a:t/>
-            </a:r>
-            <a:br>
-              <a:rPr lang="ru-RU" dirty="0" smtClean="0">
-                <a:solidFill>
-                  <a:schemeClr val="bg1"/>
-                </a:solidFill>
-              </a:rPr>
-            </a:br>
-            <a:r>
-              <a:rPr lang="en-US" dirty="0" smtClean="0">
-                <a:solidFill>
-                  <a:schemeClr val="bg1"/>
-                </a:solidFill>
-                <a:hlinkClick r:id="rId5"/>
-              </a:rPr>
-              <a:t>http://www.pex4fun.com</a:t>
-            </a:r>
-            <a:endParaRPr lang="en-US" dirty="0" smtClean="0">
-              <a:solidFill>
-                <a:schemeClr val="bg1"/>
-              </a:solidFill>
-            </a:endParaRPr>
-          </a:p>
-          <a:p>
-            <a:endParaRPr lang="en-US" dirty="0" smtClean="0">
-              <a:solidFill>
-                <a:schemeClr val="bg1"/>
-              </a:solidFill>
-            </a:endParaRPr>
-          </a:p>
-          <a:p>
-            <a:r>
-              <a:rPr lang="ru-RU" dirty="0" smtClean="0">
-                <a:solidFill>
-                  <a:schemeClr val="bg1"/>
-                </a:solidFill>
-              </a:rPr>
-              <a:t>Головоломки от других программистов</a:t>
-            </a:r>
-            <a:r>
-              <a:rPr lang="en-US" dirty="0" smtClean="0">
-                <a:solidFill>
-                  <a:schemeClr val="bg1"/>
-                </a:solidFill>
-              </a:rPr>
-              <a:t/>
-            </a:r>
-            <a:br>
-              <a:rPr lang="en-US" dirty="0" smtClean="0">
-                <a:solidFill>
-                  <a:schemeClr val="bg1"/>
-                </a:solidFill>
-              </a:rPr>
-            </a:br>
-            <a:r>
-              <a:rPr lang="en-US" dirty="0" smtClean="0">
-                <a:solidFill>
-                  <a:schemeClr val="bg1"/>
-                </a:solidFill>
-                <a:hlinkClick r:id="rId6"/>
-              </a:rPr>
-              <a:t>http://codegolf.stackexchange.com</a:t>
+                <a:hlinkClick r:id="rId3"/>
+              </a:rPr>
+              <a:t>/</a:t>
             </a:r>
             <a:endParaRPr lang="ru-RU" dirty="0" smtClean="0">
               <a:solidFill>
@@ -4064,26 +3761,88 @@
             </a:endParaRPr>
           </a:p>
           <a:p>
-            <a:endParaRPr lang="ru-RU" dirty="0" smtClean="0">
-              <a:solidFill>
-                <a:schemeClr val="bg1"/>
-              </a:solidFill>
-            </a:endParaRPr>
-          </a:p>
-          <a:p>
             <a:pPr lvl="1"/>
-            <a:endParaRPr lang="en-US" dirty="0">
-              <a:solidFill>
-                <a:schemeClr val="bg1"/>
-              </a:solidFill>
-            </a:endParaRPr>
+            <a:r>
+              <a:rPr lang="en-US" dirty="0">
+                <a:solidFill>
+                  <a:schemeClr val="bg1"/>
+                </a:solidFill>
+                <a:hlinkClick r:id="rId4"/>
+              </a:rPr>
+              <a:t>https://</a:t>
+            </a:r>
+            <a:r>
+              <a:rPr lang="en-US" dirty="0" smtClean="0">
+                <a:solidFill>
+                  <a:schemeClr val="bg1"/>
+                </a:solidFill>
+                <a:hlinkClick r:id="rId4"/>
+              </a:rPr>
+              <a:t>www.wintellectnow.com/videos/index</a:t>
+            </a:r>
+            <a:r>
+              <a:rPr lang="ru-RU" dirty="0" smtClean="0">
+                <a:solidFill>
+                  <a:schemeClr val="bg1"/>
+                </a:solidFill>
+              </a:rPr>
+              <a:t/>
+            </a:r>
+            <a:br>
+              <a:rPr lang="ru-RU" dirty="0" smtClean="0">
+                <a:solidFill>
+                  <a:schemeClr val="bg1"/>
+                </a:solidFill>
+              </a:rPr>
+            </a:br>
+            <a:r>
+              <a:rPr lang="ru-RU" dirty="0" smtClean="0">
+                <a:solidFill>
+                  <a:schemeClr val="bg1"/>
+                </a:solidFill>
+              </a:rPr>
+              <a:t>Часть бесплатно, часть платно</a:t>
+            </a:r>
+          </a:p>
+          <a:p>
+            <a:pPr lvl="1"/>
+            <a:r>
+              <a:rPr lang="en-US" dirty="0">
+                <a:solidFill>
+                  <a:schemeClr val="bg1"/>
+                </a:solidFill>
+                <a:hlinkClick r:id="rId5"/>
+              </a:rPr>
+              <a:t>http://pluralsight.com</a:t>
+            </a:r>
+            <a:r>
+              <a:rPr lang="en-US" dirty="0" smtClean="0">
+                <a:solidFill>
+                  <a:schemeClr val="bg1"/>
+                </a:solidFill>
+                <a:hlinkClick r:id="rId5"/>
+              </a:rPr>
+              <a:t>/</a:t>
+            </a:r>
+            <a:r>
+              <a:rPr lang="ru-RU" dirty="0" smtClean="0">
+                <a:solidFill>
+                  <a:schemeClr val="bg1"/>
+                </a:solidFill>
+              </a:rPr>
+              <a:t> (Платный сервис)</a:t>
+            </a:r>
+          </a:p>
+          <a:p>
+            <a:pPr lvl="1"/>
+            <a:endParaRPr lang="ru-RU" dirty="0"/>
           </a:p>
         </p:txBody>
       </p:sp>
     </p:spTree>
     <p:extLst>
       <p:ext uri="{BB962C8B-B14F-4D97-AF65-F5344CB8AC3E}">
-        <p14:creationId xmlns:p14="http://schemas.microsoft.com/office/powerpoint/2010/main" val="1393508030"/>
+        <p14:creationId xmlns:p14="http://schemas.microsoft.com/office/powerpoint/2010/main" val="3706293392"/>
       </p:ext>
     </p:extLst>
   </p:cSld>
@@ -4127,6 +3886,387 @@
             <p:ph type="title"/>
           </p:nvPr>
         </p:nvSpPr>
+        <p:spPr>
+          <a:xfrm>
+            <a:off x="107504" y="116632"/>
+            <a:ext cx="8928992" cy="648072"/>
+          </a:xfrm>
+        </p:spPr>
+        <p:txBody>
+          <a:bodyPr>
+            <a:normAutofit fontScale="90000"/>
+          </a:bodyPr>
+          <a:lstStyle/>
+          <a:p>
+            <a:r>
+              <a:rPr lang="ru-RU" dirty="0">
+                <a:solidFill>
+                  <a:schemeClr val="bg1"/>
+                </a:solidFill>
+              </a:rPr>
+              <a:t>Задачи по программированию</a:t>
+            </a:r>
+            <a:endParaRPr lang="en-US" dirty="0">
+              <a:solidFill>
+                <a:schemeClr val="bg1"/>
+              </a:solidFill>
+            </a:endParaRPr>
+          </a:p>
+        </p:txBody>
+      </p:sp>
+      <p:sp>
+        <p:nvSpPr>
+          <p:cNvPr id="3" name="Content Placeholder 2"/>
+          <p:cNvSpPr>
+            <a:spLocks noGrp="1"/>
+          </p:cNvSpPr>
+          <p:nvPr>
+            <p:ph idx="1"/>
+          </p:nvPr>
+        </p:nvSpPr>
+        <p:spPr>
+          <a:xfrm>
+            <a:off x="457200" y="764704"/>
+            <a:ext cx="8229600" cy="5361459"/>
+          </a:xfrm>
+        </p:spPr>
+        <p:txBody>
+          <a:bodyPr>
+            <a:normAutofit fontScale="85000" lnSpcReduction="20000"/>
+          </a:bodyPr>
+          <a:lstStyle/>
+          <a:p>
+            <a:r>
+              <a:rPr lang="ru-RU" dirty="0" smtClean="0">
+                <a:solidFill>
+                  <a:schemeClr val="bg1"/>
+                </a:solidFill>
+              </a:rPr>
+              <a:t>Школа программиста</a:t>
+            </a:r>
+            <a:r>
+              <a:rPr lang="en-US" dirty="0" smtClean="0">
+                <a:solidFill>
+                  <a:schemeClr val="bg1"/>
+                </a:solidFill>
+                <a:hlinkClick r:id="rId2"/>
+              </a:rPr>
+              <a:t/>
+            </a:r>
+            <a:br>
+              <a:rPr lang="en-US" dirty="0" smtClean="0">
+                <a:solidFill>
+                  <a:schemeClr val="bg1"/>
+                </a:solidFill>
+                <a:hlinkClick r:id="rId2"/>
+              </a:rPr>
+            </a:br>
+            <a:r>
+              <a:rPr lang="en-US" dirty="0" smtClean="0">
+                <a:solidFill>
+                  <a:schemeClr val="bg1"/>
+                </a:solidFill>
+                <a:hlinkClick r:id="rId2"/>
+              </a:rPr>
+              <a:t>http</a:t>
+            </a:r>
+            <a:r>
+              <a:rPr lang="en-US" dirty="0">
+                <a:solidFill>
+                  <a:schemeClr val="bg1"/>
+                </a:solidFill>
+                <a:hlinkClick r:id="rId2"/>
+              </a:rPr>
+              <a:t>://</a:t>
+            </a:r>
+            <a:r>
+              <a:rPr lang="en-US" dirty="0" smtClean="0">
+                <a:solidFill>
+                  <a:schemeClr val="bg1"/>
+                </a:solidFill>
+                <a:hlinkClick r:id="rId2"/>
+              </a:rPr>
+              <a:t>acmp.ru/index.asp?main=tasks</a:t>
+            </a:r>
+            <a:endParaRPr lang="en-US" dirty="0" smtClean="0">
+              <a:solidFill>
+                <a:schemeClr val="bg1"/>
+              </a:solidFill>
+            </a:endParaRPr>
+          </a:p>
+          <a:p>
+            <a:endParaRPr lang="en-US" dirty="0">
+              <a:solidFill>
+                <a:schemeClr val="bg1"/>
+              </a:solidFill>
+            </a:endParaRPr>
+          </a:p>
+          <a:p>
+            <a:r>
+              <a:rPr lang="en-US" dirty="0" err="1">
+                <a:solidFill>
+                  <a:schemeClr val="bg1"/>
+                </a:solidFill>
+              </a:rPr>
+              <a:t>Timus</a:t>
+            </a:r>
+            <a:r>
+              <a:rPr lang="en-US" dirty="0">
+                <a:solidFill>
+                  <a:schemeClr val="bg1"/>
+                </a:solidFill>
+              </a:rPr>
+              <a:t> Online Judge</a:t>
+            </a:r>
+            <a:br>
+              <a:rPr lang="en-US" dirty="0">
+                <a:solidFill>
+                  <a:schemeClr val="bg1"/>
+                </a:solidFill>
+              </a:rPr>
+            </a:br>
+            <a:r>
+              <a:rPr lang="en-US" dirty="0">
+                <a:solidFill>
+                  <a:schemeClr val="bg1"/>
+                </a:solidFill>
+                <a:hlinkClick r:id="rId3"/>
+              </a:rPr>
+              <a:t>http://acm.timus.ru/?</a:t>
+            </a:r>
+            <a:r>
+              <a:rPr lang="en-US" dirty="0" smtClean="0">
+                <a:solidFill>
+                  <a:schemeClr val="bg1"/>
+                </a:solidFill>
+                <a:hlinkClick r:id="rId3"/>
+              </a:rPr>
+              <a:t>locale=ru</a:t>
+            </a:r>
+            <a:endParaRPr lang="en-US" dirty="0">
+              <a:solidFill>
+                <a:schemeClr val="bg1"/>
+              </a:solidFill>
+            </a:endParaRPr>
+          </a:p>
+          <a:p>
+            <a:endParaRPr lang="en-US" dirty="0">
+              <a:solidFill>
+                <a:schemeClr val="bg1"/>
+              </a:solidFill>
+            </a:endParaRPr>
+          </a:p>
+          <a:p>
+            <a:r>
+              <a:rPr lang="ru-RU" dirty="0" smtClean="0">
+                <a:solidFill>
+                  <a:schemeClr val="bg1"/>
+                </a:solidFill>
+              </a:rPr>
+              <a:t>Математические задачи</a:t>
+            </a:r>
+            <a:br>
+              <a:rPr lang="ru-RU" dirty="0" smtClean="0">
+                <a:solidFill>
+                  <a:schemeClr val="bg1"/>
+                </a:solidFill>
+              </a:rPr>
+            </a:br>
+            <a:r>
+              <a:rPr lang="en-US" dirty="0" smtClean="0">
+                <a:solidFill>
+                  <a:schemeClr val="bg1"/>
+                </a:solidFill>
+                <a:hlinkClick r:id="rId4"/>
+              </a:rPr>
+              <a:t>http://projecteuler.net</a:t>
+            </a:r>
+            <a:endParaRPr lang="en-US" dirty="0" smtClean="0">
+              <a:solidFill>
+                <a:schemeClr val="bg1"/>
+              </a:solidFill>
+            </a:endParaRPr>
+          </a:p>
+          <a:p>
+            <a:endParaRPr lang="ru-RU" dirty="0" smtClean="0">
+              <a:solidFill>
+                <a:schemeClr val="bg1"/>
+              </a:solidFill>
+            </a:endParaRPr>
+          </a:p>
+          <a:p>
+            <a:r>
+              <a:rPr lang="ru-RU" dirty="0" smtClean="0">
+                <a:solidFill>
+                  <a:schemeClr val="bg1"/>
+                </a:solidFill>
+              </a:rPr>
+              <a:t>Кодо-дуэли</a:t>
+            </a:r>
+            <a:r>
+              <a:rPr lang="en-US" dirty="0" smtClean="0">
+                <a:solidFill>
+                  <a:schemeClr val="bg1"/>
+                </a:solidFill>
+              </a:rPr>
+              <a:t> </a:t>
+            </a:r>
+            <a:r>
+              <a:rPr lang="ru-RU" dirty="0" smtClean="0">
+                <a:solidFill>
+                  <a:schemeClr val="bg1"/>
+                </a:solidFill>
+              </a:rPr>
+              <a:t>на </a:t>
+            </a:r>
+            <a:r>
+              <a:rPr lang="en-US" dirty="0" smtClean="0">
+                <a:solidFill>
+                  <a:schemeClr val="bg1"/>
+                </a:solidFill>
+              </a:rPr>
+              <a:t>C#/VB.NET/F#</a:t>
+            </a:r>
+            <a:r>
+              <a:rPr lang="ru-RU" dirty="0" smtClean="0">
+                <a:solidFill>
+                  <a:schemeClr val="bg1"/>
+                </a:solidFill>
+              </a:rPr>
+              <a:t/>
+            </a:r>
+            <a:br>
+              <a:rPr lang="ru-RU" dirty="0" smtClean="0">
+                <a:solidFill>
+                  <a:schemeClr val="bg1"/>
+                </a:solidFill>
+              </a:rPr>
+            </a:br>
+            <a:r>
+              <a:rPr lang="en-US" dirty="0" smtClean="0">
+                <a:solidFill>
+                  <a:schemeClr val="bg1"/>
+                </a:solidFill>
+                <a:hlinkClick r:id="rId5"/>
+              </a:rPr>
+              <a:t>http://www.pex4fun.com</a:t>
+            </a:r>
+            <a:endParaRPr lang="en-US" dirty="0" smtClean="0">
+              <a:solidFill>
+                <a:schemeClr val="bg1"/>
+              </a:solidFill>
+            </a:endParaRPr>
+          </a:p>
+          <a:p>
+            <a:endParaRPr lang="en-US" dirty="0" smtClean="0">
+              <a:solidFill>
+                <a:schemeClr val="bg1"/>
+              </a:solidFill>
+            </a:endParaRPr>
+          </a:p>
+          <a:p>
+            <a:r>
+              <a:rPr lang="ru-RU" dirty="0" smtClean="0">
+                <a:solidFill>
+                  <a:schemeClr val="bg1"/>
+                </a:solidFill>
+              </a:rPr>
+              <a:t>Головоломки от других программистов</a:t>
+            </a:r>
+            <a:r>
+              <a:rPr lang="en-US" dirty="0" smtClean="0">
+                <a:solidFill>
+                  <a:schemeClr val="bg1"/>
+                </a:solidFill>
+              </a:rPr>
+              <a:t/>
+            </a:r>
+            <a:br>
+              <a:rPr lang="en-US" dirty="0" smtClean="0">
+                <a:solidFill>
+                  <a:schemeClr val="bg1"/>
+                </a:solidFill>
+              </a:rPr>
+            </a:br>
+            <a:r>
+              <a:rPr lang="en-US" dirty="0" smtClean="0">
+                <a:solidFill>
+                  <a:schemeClr val="bg1"/>
+                </a:solidFill>
+                <a:hlinkClick r:id="rId6"/>
+              </a:rPr>
+              <a:t>http://codegolf.stackexchange.com</a:t>
+            </a:r>
+            <a:endParaRPr lang="ru-RU" dirty="0" smtClean="0">
+              <a:solidFill>
+                <a:schemeClr val="bg1"/>
+              </a:solidFill>
+            </a:endParaRPr>
+          </a:p>
+          <a:p>
+            <a:endParaRPr lang="ru-RU" dirty="0" smtClean="0">
+              <a:solidFill>
+                <a:schemeClr val="bg1"/>
+              </a:solidFill>
+            </a:endParaRPr>
+          </a:p>
+          <a:p>
+            <a:pPr lvl="1"/>
+            <a:endParaRPr lang="en-US" dirty="0">
+              <a:solidFill>
+                <a:schemeClr val="bg1"/>
+              </a:solidFill>
+            </a:endParaRPr>
+          </a:p>
+        </p:txBody>
+      </p:sp>
+    </p:spTree>
+    <p:extLst>
+      <p:ext uri="{BB962C8B-B14F-4D97-AF65-F5344CB8AC3E}">
+        <p14:creationId xmlns:p14="http://schemas.microsoft.com/office/powerpoint/2010/main" val="1393508030"/>
+      </p:ext>
+    </p:extLst>
+  </p:cSld>
+  <p:clrMapOvr>
+    <a:masterClrMapping/>
+  </p:clrMapOvr>
+  <p:timing>
+    <p:tnLst>
+      <p:par>
+        <p:cTn id="1" dur="indefinite" restart="never" nodeType="tmRoot"/>
+      </p:par>
+    </p:tnLst>
+  </p:timing>
+</p:sld>
+</file>
+
+<file path=ppt/slides/slide13.xml><?xml version="1.0" encoding="utf-8"?>
+<p:sld xmlns:a="http://schemas.openxmlformats.org/drawingml/2006/main" xmlns:r="http://schemas.openxmlformats.org/officeDocument/2006/relationships" xmlns:p="http://schemas.openxmlformats.org/presentationml/2006/main">
+  <p:cSld>
+    <p:spTree>
+      <p:nvGrpSpPr>
+        <p:cNvPr id="1" name=""/>
+        <p:cNvGrpSpPr/>
+        <p:nvPr/>
+      </p:nvGrpSpPr>
+      <p:grpSpPr>
+        <a:xfrm>
+          <a:off x="0" y="0"/>
+          <a:ext cx="0" cy="0"/>
+          <a:chOff x="0" y="0"/>
+          <a:chExt cx="0" cy="0"/>
+        </a:xfrm>
+      </p:grpSpPr>
+      <p:sp>
+        <p:nvSpPr>
+          <p:cNvPr id="2" name="Title 1"/>
+          <p:cNvSpPr>
+            <a:spLocks noGrp="1"/>
+          </p:cNvSpPr>
+          <p:nvPr>
+            <p:ph type="title"/>
+          </p:nvPr>
+        </p:nvSpPr>
         <p:spPr/>
         <p:txBody>
           <a:bodyPr>
@@ -4248,7 +4388,7 @@
 </p:sld>
 </file>
 
-<file path=ppt/slides/slide13.xml><?xml version="1.0" encoding="utf-8"?>
+<file path=ppt/slides/slide14.xml><?xml version="1.0" encoding="utf-8"?>
 <p:sld xmlns:a="http://schemas.openxmlformats.org/drawingml/2006/main" xmlns:r="http://schemas.openxmlformats.org/officeDocument/2006/relationships" xmlns:p="http://schemas.openxmlformats.org/presentationml/2006/main">
   <p:cSld>
     <p:bg>
@@ -4925,11 +5065,7 @@
           <a:p>
             <a:r>
               <a:rPr lang="ru-RU" sz="2000" dirty="0" smtClean="0"/>
-              <a:t>Участвуйте в проектах с открытым исходным </a:t>
-            </a:r>
-            <a:r>
-              <a:rPr lang="ru-RU" sz="2000" dirty="0" smtClean="0"/>
-              <a:t>кодом</a:t>
+              <a:t>Участвуйте в проектах с открытым исходным кодом</a:t>
             </a:r>
             <a:endParaRPr lang="en-US" sz="2000" dirty="0" smtClean="0"/>
           </a:p>
@@ -5173,9 +5309,9 @@
           <a:p>
             <a:r>
               <a:rPr lang="ru-RU" dirty="0" smtClean="0"/>
-              <a:t>Вопросы для самопроверки</a:t>
-            </a:r>
-            <a:endParaRPr lang="en-US" dirty="0"/>
+              <a:t>Предложения для разработчиков</a:t>
+            </a:r>
+            <a:endParaRPr lang="ru-RU" dirty="0"/>
           </a:p>
         </p:txBody>
       </p:sp>
@@ -5191,89 +5327,105 @@
         </p:nvSpPr>
         <p:spPr/>
         <p:txBody>
-          <a:bodyPr/>
+          <a:bodyPr>
+            <a:normAutofit/>
+          </a:bodyPr>
           <a:lstStyle/>
           <a:p>
-            <a:pPr marL="0" indent="0">
-              <a:buNone/>
-            </a:pPr>
+            <a:r>
+              <a:rPr lang="en-US" dirty="0" smtClean="0"/>
+              <a:t>Microsoft </a:t>
+            </a:r>
+            <a:r>
+              <a:rPr lang="en-US" dirty="0" err="1" smtClean="0"/>
+              <a:t>DevEssentials</a:t>
+            </a:r>
+            <a:r>
+              <a:rPr lang="en-US" dirty="0" smtClean="0"/>
+              <a:t/>
+            </a:r>
+            <a:br>
+              <a:rPr lang="en-US" dirty="0" smtClean="0"/>
+            </a:br>
+            <a:r>
+              <a:rPr lang="en-US" dirty="0">
+                <a:hlinkClick r:id="rId2"/>
+              </a:rPr>
+              <a:t>http://</a:t>
+            </a:r>
+            <a:r>
+              <a:rPr lang="en-US" dirty="0" smtClean="0">
+                <a:hlinkClick r:id="rId2"/>
+              </a:rPr>
+              <a:t>aka.ms/devessentials</a:t>
+            </a:r>
+            <a:endParaRPr lang="en-US" dirty="0" smtClean="0"/>
+          </a:p>
+          <a:p>
+            <a:endParaRPr lang="en-US" dirty="0" smtClean="0"/>
+          </a:p>
+          <a:p>
+            <a:r>
+              <a:rPr lang="en-US" dirty="0" smtClean="0"/>
+              <a:t>Microsoft DreamSpark: </a:t>
+            </a:r>
             <a:r>
               <a:rPr lang="ru-RU" dirty="0" smtClean="0"/>
-              <a:t>В файле </a:t>
-            </a:r>
-            <a:r>
-              <a:rPr lang="en-US" i="1" dirty="0" smtClean="0">
-                <a:solidFill>
-                  <a:srgbClr val="FFFF99"/>
-                </a:solidFill>
-              </a:rPr>
-              <a:t>self-check-questions.docx</a:t>
-            </a:r>
-            <a:r>
-              <a:rPr lang="ru-RU" dirty="0" smtClean="0"/>
-              <a:t> вы найдете вопросы которые позволят проверить свой уровень знаний о платформе </a:t>
+              <a:t>инициатива </a:t>
+            </a:r>
+            <a:r>
+              <a:rPr lang="en-US" dirty="0"/>
+              <a:t>Microsoft </a:t>
+            </a:r>
+            <a:r>
+              <a:rPr lang="ru-RU" dirty="0"/>
+              <a:t>предоставлющая </a:t>
+            </a:r>
+            <a:r>
+              <a:rPr lang="ru-RU" dirty="0">
+                <a:solidFill>
+                  <a:srgbClr val="FFFF00"/>
+                </a:solidFill>
+              </a:rPr>
+              <a:t>студентам и учебным учреждениям</a:t>
+            </a:r>
+            <a:r>
+              <a:rPr lang="ru-RU" dirty="0"/>
+              <a:t> бесплатный доступ к програмному обеспечению </a:t>
             </a:r>
             <a:r>
               <a:rPr lang="en-US" dirty="0" smtClean="0"/>
-              <a:t>.NET</a:t>
-            </a:r>
-            <a:r>
-              <a:rPr lang="ru-RU" dirty="0" smtClean="0"/>
-              <a:t>.</a:t>
-            </a:r>
-          </a:p>
-          <a:p>
-            <a:pPr marL="0" indent="0">
-              <a:buNone/>
-            </a:pPr>
+              <a:t>Microsoft.</a:t>
+            </a:r>
+            <a:br>
+              <a:rPr lang="en-US" dirty="0" smtClean="0"/>
+            </a:br>
+            <a:r>
+              <a:rPr lang="en-US" dirty="0" smtClean="0">
+                <a:hlinkClick r:id="rId3"/>
+              </a:rPr>
+              <a:t>https</a:t>
+            </a:r>
+            <a:r>
+              <a:rPr lang="en-US" dirty="0">
+                <a:hlinkClick r:id="rId3"/>
+              </a:rPr>
+              <a:t>://www.dreamspark.com/</a:t>
+            </a:r>
             <a:endParaRPr lang="ru-RU" dirty="0"/>
-          </a:p>
-          <a:p>
-            <a:pPr marL="0" indent="0">
-              <a:buNone/>
-            </a:pPr>
-            <a:r>
-              <a:rPr lang="ru-RU" dirty="0" smtClean="0"/>
-              <a:t>Таблица в файле </a:t>
-            </a:r>
-            <a:r>
-              <a:rPr lang="en-US" i="1" dirty="0">
-                <a:solidFill>
-                  <a:srgbClr val="FFFF99"/>
-                </a:solidFill>
-              </a:rPr>
-              <a:t>Programmer Competency Matrix.docx</a:t>
-            </a:r>
-            <a:r>
-              <a:rPr lang="ru-RU" dirty="0" smtClean="0"/>
-              <a:t> позволит оценить прогресс в различных областях необходимых каждому программисту.</a:t>
-            </a:r>
-          </a:p>
-          <a:p>
-            <a:pPr marL="0" indent="0">
-              <a:buNone/>
-            </a:pPr>
-            <a:endParaRPr lang="en-US" dirty="0"/>
           </a:p>
         </p:txBody>
       </p:sp>
     </p:spTree>
     <p:extLst>
       <p:ext uri="{BB962C8B-B14F-4D97-AF65-F5344CB8AC3E}">
-        <p14:creationId xmlns:p14="http://schemas.microsoft.com/office/powerpoint/2010/main" val="612142936"/>
+        <p14:creationId xmlns:p14="http://schemas.microsoft.com/office/powerpoint/2010/main" val="3241689327"/>
       </p:ext>
     </p:extLst>
   </p:cSld>
   <p:clrMapOvr>
     <a:masterClrMapping/>
   </p:clrMapOvr>
-  <p:timing>
-    <p:tnLst>
-      <p:par>
-        <p:cTn id="1" dur="indefinite" restart="never" nodeType="tmRoot"/>
-      </p:par>
-    </p:tnLst>
-  </p:timing>
 </p:sld>
 </file>
 
@@ -5304,31 +5456,16 @@
             <p:ph type="title"/>
           </p:nvPr>
         </p:nvSpPr>
-        <p:spPr>
-          <a:xfrm>
-            <a:off x="107504" y="116632"/>
-            <a:ext cx="8928992" cy="648072"/>
-          </a:xfrm>
-        </p:spPr>
-        <p:txBody>
-          <a:bodyPr>
-            <a:normAutofit fontScale="90000"/>
-          </a:bodyPr>
+        <p:spPr/>
+        <p:txBody>
+          <a:bodyPr/>
           <a:lstStyle/>
           <a:p>
             <a:r>
-              <a:rPr lang="ru-RU" dirty="0" smtClean="0">
-                <a:solidFill>
-                  <a:schemeClr val="bg1"/>
-                </a:solidFill>
-              </a:rPr>
-              <a:t>Блоги</a:t>
-            </a:r>
-            <a:endParaRPr lang="en-US" dirty="0">
-              <a:solidFill>
-                <a:schemeClr val="bg1"/>
-              </a:solidFill>
-            </a:endParaRPr>
+              <a:rPr lang="ru-RU" dirty="0" smtClean="0"/>
+              <a:t>Вопросы для самопроверки</a:t>
+            </a:r>
+            <a:endParaRPr lang="en-US" dirty="0"/>
           </a:p>
         </p:txBody>
       </p:sp>
@@ -5342,282 +5479,78 @@
             <p:ph idx="1"/>
           </p:nvPr>
         </p:nvSpPr>
-        <p:spPr>
-          <a:xfrm>
-            <a:off x="457200" y="764704"/>
-            <a:ext cx="8229600" cy="5361459"/>
-          </a:xfrm>
-        </p:spPr>
-        <p:txBody>
-          <a:bodyPr>
-            <a:normAutofit fontScale="92500" lnSpcReduction="10000"/>
-          </a:bodyPr>
+        <p:spPr/>
+        <p:txBody>
+          <a:bodyPr/>
           <a:lstStyle/>
           <a:p>
-            <a:r>
-              <a:rPr lang="en-US" dirty="0" smtClean="0">
-                <a:solidFill>
-                  <a:schemeClr val="bg1"/>
-                </a:solidFill>
-              </a:rPr>
+            <a:pPr marL="0" indent="0">
+              <a:buNone/>
+            </a:pPr>
+            <a:r>
+              <a:rPr lang="ru-RU" dirty="0" smtClean="0"/>
+              <a:t>В файле </a:t>
+            </a:r>
+            <a:r>
+              <a:rPr lang="en-US" i="1" dirty="0" smtClean="0">
+                <a:solidFill>
+                  <a:srgbClr val="FFFF99"/>
+                </a:solidFill>
+              </a:rPr>
+              <a:t>self-check-questions.docx</a:t>
+            </a:r>
+            <a:r>
+              <a:rPr lang="ru-RU" dirty="0" smtClean="0"/>
+              <a:t> вы найдете вопросы которые позволят проверить свой уровень знаний о платформе </a:t>
+            </a:r>
+            <a:r>
+              <a:rPr lang="en-US" dirty="0" smtClean="0"/>
+              <a:t>.NET</a:t>
+            </a:r>
+            <a:r>
+              <a:rPr lang="ru-RU" dirty="0" smtClean="0"/>
               <a:t>.</a:t>
             </a:r>
-            <a:r>
-              <a:rPr lang="en-US" dirty="0">
-                <a:solidFill>
-                  <a:schemeClr val="bg1"/>
-                </a:solidFill>
-              </a:rPr>
-              <a:t>NET Framework Blog</a:t>
-            </a:r>
-            <a:r>
-              <a:rPr lang="ru-RU" dirty="0">
-                <a:solidFill>
-                  <a:schemeClr val="bg1"/>
-                </a:solidFill>
-              </a:rPr>
-              <a:t>: </a:t>
-            </a:r>
-            <a:r>
-              <a:rPr lang="en-US" dirty="0">
-                <a:solidFill>
-                  <a:schemeClr val="bg1"/>
-                </a:solidFill>
-                <a:hlinkClick r:id="rId2"/>
-              </a:rPr>
-              <a:t>http://blogs.msdn.com/b/dotnet/</a:t>
-            </a:r>
-            <a:endParaRPr lang="ru-RU" dirty="0">
-              <a:solidFill>
-                <a:schemeClr val="bg1"/>
-              </a:solidFill>
-            </a:endParaRPr>
-          </a:p>
-          <a:p>
-            <a:r>
-              <a:rPr lang="en-US" dirty="0">
-                <a:solidFill>
-                  <a:schemeClr val="bg1"/>
-                </a:solidFill>
-              </a:rPr>
-              <a:t>Base Class Library (BCL) Blog</a:t>
-            </a:r>
-            <a:r>
-              <a:rPr lang="ru-RU" dirty="0">
-                <a:solidFill>
-                  <a:schemeClr val="bg1"/>
-                </a:solidFill>
-              </a:rPr>
-              <a:t>: </a:t>
-            </a:r>
-            <a:r>
-              <a:rPr lang="en-US" dirty="0">
-                <a:solidFill>
-                  <a:schemeClr val="bg1"/>
-                </a:solidFill>
-                <a:hlinkClick r:id="rId3"/>
-              </a:rPr>
-              <a:t>http://blogs.msdn.com/b/bclteam/</a:t>
-            </a:r>
-            <a:endParaRPr lang="ru-RU" dirty="0">
-              <a:solidFill>
-                <a:schemeClr val="bg1"/>
-              </a:solidFill>
-            </a:endParaRPr>
-          </a:p>
-          <a:p>
-            <a:r>
-              <a:rPr lang="en-US" dirty="0">
-                <a:solidFill>
-                  <a:schemeClr val="bg1"/>
-                </a:solidFill>
-              </a:rPr>
-              <a:t>ADO.NET Blog</a:t>
-            </a:r>
-            <a:r>
-              <a:rPr lang="ru-RU" dirty="0">
-                <a:solidFill>
-                  <a:schemeClr val="bg1"/>
-                </a:solidFill>
-              </a:rPr>
-              <a:t>: </a:t>
-            </a:r>
-            <a:r>
-              <a:rPr lang="en-US" dirty="0">
-                <a:solidFill>
-                  <a:schemeClr val="bg1"/>
-                </a:solidFill>
-                <a:hlinkClick r:id="rId4"/>
-              </a:rPr>
-              <a:t>http://blogs.msdn.com/b/adonet/</a:t>
-            </a:r>
-            <a:endParaRPr lang="ru-RU" dirty="0">
-              <a:solidFill>
-                <a:schemeClr val="bg1"/>
-              </a:solidFill>
-            </a:endParaRPr>
-          </a:p>
-          <a:p>
-            <a:r>
-              <a:rPr lang="en-US" dirty="0">
-                <a:solidFill>
-                  <a:schemeClr val="bg1"/>
-                </a:solidFill>
-              </a:rPr>
-              <a:t>Parallel Programming with .NET</a:t>
-            </a:r>
-            <a:r>
-              <a:rPr lang="ru-RU" dirty="0">
-                <a:solidFill>
-                  <a:schemeClr val="bg1"/>
-                </a:solidFill>
-              </a:rPr>
-              <a:t>: </a:t>
-            </a:r>
-            <a:r>
-              <a:rPr lang="en-US" dirty="0">
-                <a:solidFill>
-                  <a:schemeClr val="bg1"/>
-                </a:solidFill>
-                <a:hlinkClick r:id="rId5"/>
-              </a:rPr>
-              <a:t>http://blogs.msdn.com/b/pfxteam/</a:t>
-            </a:r>
-            <a:endParaRPr lang="ru-RU" dirty="0">
-              <a:solidFill>
-                <a:schemeClr val="bg1"/>
-              </a:solidFill>
-            </a:endParaRPr>
-          </a:p>
-          <a:p>
-            <a:r>
-              <a:rPr lang="ru-RU" dirty="0">
-                <a:solidFill>
-                  <a:schemeClr val="bg1"/>
-                </a:solidFill>
-              </a:rPr>
-              <a:t>С</a:t>
-            </a:r>
-            <a:r>
-              <a:rPr lang="en-US" dirty="0">
-                <a:solidFill>
-                  <a:schemeClr val="bg1"/>
-                </a:solidFill>
-              </a:rPr>
-              <a:t># Little Wonders</a:t>
-            </a:r>
-            <a:r>
-              <a:rPr lang="ru-RU" dirty="0">
-                <a:solidFill>
-                  <a:schemeClr val="bg1"/>
-                </a:solidFill>
-              </a:rPr>
-              <a:t> -</a:t>
-            </a:r>
-            <a:r>
-              <a:rPr lang="en-US" dirty="0">
-                <a:solidFill>
-                  <a:schemeClr val="bg1"/>
-                </a:solidFill>
-              </a:rPr>
-              <a:t> </a:t>
-            </a:r>
-            <a:r>
-              <a:rPr lang="en-US" dirty="0">
-                <a:solidFill>
-                  <a:schemeClr val="bg1"/>
-                </a:solidFill>
-                <a:hlinkClick r:id="rId6"/>
-              </a:rPr>
-              <a:t>http://</a:t>
-            </a:r>
-            <a:r>
-              <a:rPr lang="en-US" dirty="0" smtClean="0">
-                <a:solidFill>
-                  <a:schemeClr val="bg1"/>
-                </a:solidFill>
-                <a:hlinkClick r:id="rId6"/>
-              </a:rPr>
-              <a:t>blackrabbitcoder.net/category/11989.aspx</a:t>
-            </a:r>
-            <a:endParaRPr lang="ru-RU" dirty="0" smtClean="0">
-              <a:solidFill>
-                <a:schemeClr val="bg1"/>
-              </a:solidFill>
-            </a:endParaRPr>
-          </a:p>
-          <a:p>
-            <a:r>
-              <a:rPr lang="en-US" dirty="0" smtClean="0">
-                <a:solidFill>
-                  <a:schemeClr val="bg1"/>
-                </a:solidFill>
-              </a:rPr>
-              <a:t>Scott </a:t>
-            </a:r>
-            <a:r>
-              <a:rPr lang="en-US" dirty="0" err="1" smtClean="0">
-                <a:solidFill>
-                  <a:schemeClr val="bg1"/>
-                </a:solidFill>
-              </a:rPr>
-              <a:t>Hanselman</a:t>
-            </a:r>
-            <a:r>
-              <a:rPr lang="en-US" dirty="0">
-                <a:solidFill>
-                  <a:schemeClr val="bg1"/>
-                </a:solidFill>
-              </a:rPr>
-              <a:t> - </a:t>
-            </a:r>
-            <a:r>
-              <a:rPr lang="en-US" dirty="0">
-                <a:solidFill>
-                  <a:schemeClr val="bg1"/>
-                </a:solidFill>
-                <a:hlinkClick r:id="rId7"/>
-              </a:rPr>
-              <a:t>http://www.hanselman.com/blog</a:t>
-            </a:r>
-            <a:r>
-              <a:rPr lang="en-US" dirty="0" smtClean="0">
-                <a:solidFill>
-                  <a:schemeClr val="bg1"/>
-                </a:solidFill>
-                <a:hlinkClick r:id="rId7"/>
-              </a:rPr>
-              <a:t>/</a:t>
-            </a:r>
-            <a:endParaRPr lang="en-US" dirty="0" smtClean="0">
-              <a:solidFill>
-                <a:schemeClr val="bg1"/>
-              </a:solidFill>
-            </a:endParaRPr>
-          </a:p>
-          <a:p>
-            <a:endParaRPr lang="ru-RU" dirty="0">
-              <a:solidFill>
-                <a:schemeClr val="bg1"/>
-              </a:solidFill>
-            </a:endParaRPr>
-          </a:p>
-          <a:p>
-            <a:pPr marL="457200" lvl="1" indent="0">
+          </a:p>
+          <a:p>
+            <a:pPr marL="0" indent="0">
               <a:buNone/>
             </a:pPr>
-            <a:endParaRPr lang="en-US" dirty="0">
-              <a:solidFill>
-                <a:schemeClr val="bg1"/>
-              </a:solidFill>
-            </a:endParaRPr>
+            <a:endParaRPr lang="ru-RU" dirty="0"/>
+          </a:p>
+          <a:p>
+            <a:pPr marL="0" indent="0">
+              <a:buNone/>
+            </a:pPr>
+            <a:r>
+              <a:rPr lang="ru-RU" dirty="0" smtClean="0"/>
+              <a:t>Таблица в файле </a:t>
+            </a:r>
+            <a:r>
+              <a:rPr lang="en-US" i="1" dirty="0">
+                <a:solidFill>
+                  <a:srgbClr val="FFFF99"/>
+                </a:solidFill>
+              </a:rPr>
+              <a:t>Programmer Competency Matrix.docx</a:t>
+            </a:r>
+            <a:r>
+              <a:rPr lang="ru-RU" dirty="0" smtClean="0"/>
+              <a:t> позволит оценить прогресс в различных областях необходимых каждому программисту.</a:t>
+            </a:r>
+          </a:p>
+          <a:p>
+            <a:pPr marL="0" indent="0">
+              <a:buNone/>
+            </a:pPr>
+            <a:endParaRPr lang="en-US" dirty="0"/>
           </a:p>
         </p:txBody>
       </p:sp>
     </p:spTree>
     <p:extLst>
       <p:ext uri="{BB962C8B-B14F-4D97-AF65-F5344CB8AC3E}">
-        <p14:creationId xmlns:p14="http://schemas.microsoft.com/office/powerpoint/2010/main" val="2211951054"/>
+        <p14:creationId xmlns:p14="http://schemas.microsoft.com/office/powerpoint/2010/main" val="612142936"/>
       </p:ext>
     </p:extLst>
   </p:cSld>
@@ -5661,16 +5594,31 @@
             <p:ph type="title"/>
           </p:nvPr>
         </p:nvSpPr>
-        <p:spPr/>
-        <p:txBody>
-          <a:bodyPr/>
+        <p:spPr>
+          <a:xfrm>
+            <a:off x="107504" y="116632"/>
+            <a:ext cx="8928992" cy="648072"/>
+          </a:xfrm>
+        </p:spPr>
+        <p:txBody>
+          <a:bodyPr>
+            <a:normAutofit fontScale="90000"/>
+          </a:bodyPr>
           <a:lstStyle/>
           <a:p>
             <a:r>
-              <a:rPr lang="ru-RU" dirty="0" smtClean="0"/>
-              <a:t>Подкасты</a:t>
-            </a:r>
-            <a:endParaRPr lang="en-US" dirty="0"/>
+              <a:rPr lang="ru-RU" dirty="0" smtClean="0">
+                <a:solidFill>
+                  <a:schemeClr val="bg1"/>
+                </a:solidFill>
+              </a:rPr>
+              <a:t>Блоги</a:t>
+            </a:r>
+            <a:endParaRPr lang="en-US" dirty="0">
+              <a:solidFill>
+                <a:schemeClr val="bg1"/>
+              </a:solidFill>
+            </a:endParaRPr>
           </a:p>
         </p:txBody>
       </p:sp>
@@ -5684,79 +5632,282 @@
             <p:ph idx="1"/>
           </p:nvPr>
         </p:nvSpPr>
-        <p:spPr/>
-        <p:txBody>
-          <a:bodyPr/>
+        <p:spPr>
+          <a:xfrm>
+            <a:off x="457200" y="764704"/>
+            <a:ext cx="8229600" cy="5361459"/>
+          </a:xfrm>
+        </p:spPr>
+        <p:txBody>
+          <a:bodyPr>
+            <a:normAutofit fontScale="92500" lnSpcReduction="10000"/>
+          </a:bodyPr>
           <a:lstStyle/>
           <a:p>
             <a:r>
-              <a:rPr lang="en-US" dirty="0" err="1" smtClean="0"/>
-              <a:t>Hanselminutes</a:t>
-            </a:r>
-            <a:r>
-              <a:rPr lang="en-US" dirty="0" smtClean="0"/>
-              <a:t> (English)</a:t>
-            </a:r>
-            <a:r>
-              <a:rPr lang="en-US" dirty="0"/>
-              <a:t/>
-            </a:r>
-            <a:br>
-              <a:rPr lang="en-US" dirty="0"/>
-            </a:br>
+              <a:rPr lang="en-US" dirty="0" smtClean="0">
+                <a:solidFill>
+                  <a:schemeClr val="bg1"/>
+                </a:solidFill>
+              </a:rPr>
+              <a:t>.</a:t>
+            </a:r>
             <a:r>
               <a:rPr lang="en-US" dirty="0">
+                <a:solidFill>
+                  <a:schemeClr val="bg1"/>
+                </a:solidFill>
+              </a:rPr>
+              <a:t>NET Framework Blog</a:t>
+            </a:r>
+            <a:r>
+              <a:rPr lang="ru-RU" dirty="0">
+                <a:solidFill>
+                  <a:schemeClr val="bg1"/>
+                </a:solidFill>
+              </a:rPr>
+              <a:t>: </a:t>
+            </a:r>
+            <a:r>
+              <a:rPr lang="en-US" dirty="0">
+                <a:solidFill>
+                  <a:schemeClr val="bg1"/>
+                </a:solidFill>
                 <a:hlinkClick r:id="rId2"/>
               </a:rPr>
-              <a:t>http://www.hanselminutes.com</a:t>
+              <a:t>http://blogs.msdn.com/b/dotnet/</a:t>
+            </a:r>
+            <a:endParaRPr lang="ru-RU" dirty="0">
+              <a:solidFill>
+                <a:schemeClr val="bg1"/>
+              </a:solidFill>
+            </a:endParaRPr>
+          </a:p>
+          <a:p>
+            <a:r>
+              <a:rPr lang="en-US" dirty="0">
+                <a:solidFill>
+                  <a:schemeClr val="bg1"/>
+                </a:solidFill>
+              </a:rPr>
+              <a:t>Base Class Library (BCL) Blog</a:t>
+            </a:r>
+            <a:r>
+              <a:rPr lang="ru-RU" dirty="0">
+                <a:solidFill>
+                  <a:schemeClr val="bg1"/>
+                </a:solidFill>
+              </a:rPr>
+              <a:t>: </a:t>
+            </a:r>
+            <a:r>
+              <a:rPr lang="en-US" dirty="0">
+                <a:solidFill>
+                  <a:schemeClr val="bg1"/>
+                </a:solidFill>
+                <a:hlinkClick r:id="rId3"/>
+              </a:rPr>
+              <a:t>http://blogs.msdn.com/b/bclteam/</a:t>
+            </a:r>
+            <a:endParaRPr lang="ru-RU" dirty="0">
+              <a:solidFill>
+                <a:schemeClr val="bg1"/>
+              </a:solidFill>
+            </a:endParaRPr>
+          </a:p>
+          <a:p>
+            <a:r>
+              <a:rPr lang="en-US" dirty="0">
+                <a:solidFill>
+                  <a:schemeClr val="bg1"/>
+                </a:solidFill>
+              </a:rPr>
+              <a:t>ADO.NET Blog</a:t>
+            </a:r>
+            <a:r>
+              <a:rPr lang="ru-RU" dirty="0">
+                <a:solidFill>
+                  <a:schemeClr val="bg1"/>
+                </a:solidFill>
+              </a:rPr>
+              <a:t>: </a:t>
+            </a:r>
+            <a:r>
+              <a:rPr lang="en-US" dirty="0">
+                <a:solidFill>
+                  <a:schemeClr val="bg1"/>
+                </a:solidFill>
+                <a:hlinkClick r:id="rId4"/>
+              </a:rPr>
+              <a:t>http://blogs.msdn.com/b/adonet/</a:t>
+            </a:r>
+            <a:endParaRPr lang="ru-RU" dirty="0">
+              <a:solidFill>
+                <a:schemeClr val="bg1"/>
+              </a:solidFill>
+            </a:endParaRPr>
+          </a:p>
+          <a:p>
+            <a:r>
+              <a:rPr lang="en-US" dirty="0">
+                <a:solidFill>
+                  <a:schemeClr val="bg1"/>
+                </a:solidFill>
+              </a:rPr>
+              <a:t>Parallel Programming with .NET</a:t>
+            </a:r>
+            <a:r>
+              <a:rPr lang="ru-RU" dirty="0">
+                <a:solidFill>
+                  <a:schemeClr val="bg1"/>
+                </a:solidFill>
+              </a:rPr>
+              <a:t>: </a:t>
+            </a:r>
+            <a:r>
+              <a:rPr lang="en-US" dirty="0">
+                <a:solidFill>
+                  <a:schemeClr val="bg1"/>
+                </a:solidFill>
+                <a:hlinkClick r:id="rId5"/>
+              </a:rPr>
+              <a:t>http://blogs.msdn.com/b/pfxteam/</a:t>
+            </a:r>
+            <a:endParaRPr lang="ru-RU" dirty="0">
+              <a:solidFill>
+                <a:schemeClr val="bg1"/>
+              </a:solidFill>
+            </a:endParaRPr>
+          </a:p>
+          <a:p>
+            <a:r>
+              <a:rPr lang="ru-RU" dirty="0">
+                <a:solidFill>
+                  <a:schemeClr val="bg1"/>
+                </a:solidFill>
+              </a:rPr>
+              <a:t>С</a:t>
+            </a:r>
+            <a:r>
+              <a:rPr lang="en-US" dirty="0">
+                <a:solidFill>
+                  <a:schemeClr val="bg1"/>
+                </a:solidFill>
+              </a:rPr>
+              <a:t># Little Wonders</a:t>
+            </a:r>
+            <a:r>
+              <a:rPr lang="ru-RU" dirty="0">
+                <a:solidFill>
+                  <a:schemeClr val="bg1"/>
+                </a:solidFill>
+              </a:rPr>
+              <a:t> -</a:t>
+            </a:r>
+            <a:r>
+              <a:rPr lang="en-US" dirty="0">
+                <a:solidFill>
+                  <a:schemeClr val="bg1"/>
+                </a:solidFill>
+              </a:rPr>
+              <a:t> </a:t>
+            </a:r>
+            <a:r>
+              <a:rPr lang="en-US" dirty="0">
+                <a:solidFill>
+                  <a:schemeClr val="bg1"/>
+                </a:solidFill>
+                <a:hlinkClick r:id="rId6"/>
+              </a:rPr>
+              <a:t>http://</a:t>
             </a:r>
             <a:r>
               <a:rPr lang="en-US" dirty="0" smtClean="0">
-                <a:hlinkClick r:id="rId2"/>
+                <a:solidFill>
+                  <a:schemeClr val="bg1"/>
+                </a:solidFill>
+                <a:hlinkClick r:id="rId6"/>
+              </a:rPr>
+              <a:t>blackrabbitcoder.net/category/11989.aspx</a:t>
+            </a:r>
+            <a:endParaRPr lang="ru-RU" dirty="0" smtClean="0">
+              <a:solidFill>
+                <a:schemeClr val="bg1"/>
+              </a:solidFill>
+            </a:endParaRPr>
+          </a:p>
+          <a:p>
+            <a:r>
+              <a:rPr lang="en-US" dirty="0" smtClean="0">
+                <a:solidFill>
+                  <a:schemeClr val="bg1"/>
+                </a:solidFill>
+              </a:rPr>
+              <a:t>Scott </a:t>
+            </a:r>
+            <a:r>
+              <a:rPr lang="en-US" dirty="0" err="1" smtClean="0">
+                <a:solidFill>
+                  <a:schemeClr val="bg1"/>
+                </a:solidFill>
+              </a:rPr>
+              <a:t>Hanselman</a:t>
+            </a:r>
+            <a:r>
+              <a:rPr lang="en-US" dirty="0">
+                <a:solidFill>
+                  <a:schemeClr val="bg1"/>
+                </a:solidFill>
+              </a:rPr>
+              <a:t> - </a:t>
+            </a:r>
+            <a:r>
+              <a:rPr lang="en-US" dirty="0">
+                <a:solidFill>
+                  <a:schemeClr val="bg1"/>
+                </a:solidFill>
+                <a:hlinkClick r:id="rId7"/>
+              </a:rPr>
+              <a:t>http://www.hanselman.com/blog</a:t>
+            </a:r>
+            <a:r>
+              <a:rPr lang="en-US" dirty="0" smtClean="0">
+                <a:solidFill>
+                  <a:schemeClr val="bg1"/>
+                </a:solidFill>
+                <a:hlinkClick r:id="rId7"/>
               </a:rPr>
               <a:t>/</a:t>
             </a:r>
-            <a:endParaRPr lang="en-US" dirty="0" smtClean="0"/>
-          </a:p>
-          <a:p>
-            <a:r>
-              <a:rPr lang="en-US" dirty="0"/>
-              <a:t>.NET Rocks</a:t>
-            </a:r>
-            <a:r>
-              <a:rPr lang="en-US" dirty="0" smtClean="0"/>
-              <a:t>! </a:t>
-            </a:r>
-            <a:r>
-              <a:rPr lang="en-US" dirty="0"/>
-              <a:t>(English)</a:t>
-            </a:r>
-            <a:br>
-              <a:rPr lang="en-US" dirty="0"/>
-            </a:br>
-            <a:r>
-              <a:rPr lang="en-US" dirty="0">
-                <a:hlinkClick r:id="rId3"/>
-              </a:rPr>
-              <a:t>http://www.dotnetrocks.com</a:t>
-            </a:r>
-            <a:r>
-              <a:rPr lang="en-US" dirty="0" smtClean="0">
-                <a:hlinkClick r:id="rId3"/>
-              </a:rPr>
-              <a:t>/</a:t>
-            </a:r>
-            <a:endParaRPr lang="en-US" dirty="0" smtClean="0"/>
-          </a:p>
-          <a:p>
-            <a:endParaRPr lang="en-US" dirty="0"/>
+            <a:endParaRPr lang="en-US" dirty="0" smtClean="0">
+              <a:solidFill>
+                <a:schemeClr val="bg1"/>
+              </a:solidFill>
+            </a:endParaRPr>
+          </a:p>
+          <a:p>
+            <a:endParaRPr lang="ru-RU" dirty="0">
+              <a:solidFill>
+                <a:schemeClr val="bg1"/>
+              </a:solidFill>
+            </a:endParaRPr>
+          </a:p>
+          <a:p>
+            <a:pPr marL="457200" lvl="1" indent="0">
+              <a:buNone/>
+            </a:pPr>
+            <a:endParaRPr lang="en-US" dirty="0">
+              <a:solidFill>
+                <a:schemeClr val="bg1"/>
+              </a:solidFill>
+            </a:endParaRPr>
           </a:p>
         </p:txBody>
       </p:sp>
     </p:spTree>
     <p:extLst>
       <p:ext uri="{BB962C8B-B14F-4D97-AF65-F5344CB8AC3E}">
-        <p14:creationId xmlns:p14="http://schemas.microsoft.com/office/powerpoint/2010/main" val="2015174044"/>
+        <p14:creationId xmlns:p14="http://schemas.microsoft.com/office/powerpoint/2010/main" val="2211951054"/>
       </p:ext>
     </p:extLst>
   </p:cSld>

--- a/Presentation/that-is-all-folks.pptx
+++ b/Presentation/that-is-all-folks.pptx
@@ -5,23 +5,24 @@
     <p:sldMasterId id="2147483648" r:id="rId1"/>
   </p:sldMasterIdLst>
   <p:notesMasterIdLst>
-    <p:notesMasterId r:id="rId16"/>
+    <p:notesMasterId r:id="rId17"/>
   </p:notesMasterIdLst>
   <p:sldIdLst>
     <p:sldId id="257" r:id="rId2"/>
     <p:sldId id="272" r:id="rId3"/>
-    <p:sldId id="261" r:id="rId4"/>
-    <p:sldId id="265" r:id="rId5"/>
-    <p:sldId id="264" r:id="rId6"/>
-    <p:sldId id="273" r:id="rId7"/>
-    <p:sldId id="274" r:id="rId8"/>
-    <p:sldId id="270" r:id="rId9"/>
-    <p:sldId id="266" r:id="rId10"/>
-    <p:sldId id="267" r:id="rId11"/>
-    <p:sldId id="271" r:id="rId12"/>
-    <p:sldId id="268" r:id="rId13"/>
-    <p:sldId id="269" r:id="rId14"/>
-    <p:sldId id="262" r:id="rId15"/>
+    <p:sldId id="275" r:id="rId4"/>
+    <p:sldId id="261" r:id="rId5"/>
+    <p:sldId id="265" r:id="rId6"/>
+    <p:sldId id="264" r:id="rId7"/>
+    <p:sldId id="273" r:id="rId8"/>
+    <p:sldId id="274" r:id="rId9"/>
+    <p:sldId id="270" r:id="rId10"/>
+    <p:sldId id="266" r:id="rId11"/>
+    <p:sldId id="267" r:id="rId12"/>
+    <p:sldId id="271" r:id="rId13"/>
+    <p:sldId id="268" r:id="rId14"/>
+    <p:sldId id="269" r:id="rId15"/>
+    <p:sldId id="262" r:id="rId16"/>
   </p:sldIdLst>
   <p:sldSz cx="9144000" cy="6858000" type="screen4x3"/>
   <p:notesSz cx="6858000" cy="9144000"/>
@@ -205,7 +206,7 @@
           <a:p>
             <a:fld id="{B24A7054-7FFB-49F4-A126-5DF6E687FF53}" type="datetimeFigureOut">
               <a:rPr lang="ru-RU" smtClean="0"/>
-              <a:t>24.11.2015</a:t>
+              <a:t>28.01.2016</a:t>
             </a:fld>
             <a:endParaRPr lang="ru-RU"/>
           </a:p>
@@ -1487,7 +1488,7 @@
           <a:p>
             <a:fld id="{8E6E6A2A-E9D3-4A0D-B04A-ABDD367A1E08}" type="datetimeFigureOut">
               <a:rPr lang="ru-RU" smtClean="0"/>
-              <a:t>24.11.2015</a:t>
+              <a:t>28.01.2016</a:t>
             </a:fld>
             <a:endParaRPr lang="ru-RU"/>
           </a:p>
@@ -2932,7 +2933,7 @@
           <a:p>
             <a:fld id="{AC3D3127-B7C4-45E3-9797-C527EC9FDD78}" type="datetimeFigureOut">
               <a:rPr lang="ru-RU" smtClean="0"/>
-              <a:t>24.11.2015</a:t>
+              <a:t>28.01.2016</a:t>
             </a:fld>
             <a:endParaRPr lang="ru-RU"/>
           </a:p>
@@ -3513,16 +3514,31 @@
             <p:ph type="title"/>
           </p:nvPr>
         </p:nvSpPr>
-        <p:spPr/>
-        <p:txBody>
-          <a:bodyPr/>
+        <p:spPr>
+          <a:xfrm>
+            <a:off x="107504" y="116632"/>
+            <a:ext cx="8928992" cy="648072"/>
+          </a:xfrm>
+        </p:spPr>
+        <p:txBody>
+          <a:bodyPr>
+            <a:normAutofit fontScale="90000"/>
+          </a:bodyPr>
           <a:lstStyle/>
           <a:p>
             <a:r>
-              <a:rPr lang="ru-RU" dirty="0" smtClean="0"/>
-              <a:t>Подкасты</a:t>
-            </a:r>
-            <a:endParaRPr lang="en-US" dirty="0"/>
+              <a:rPr lang="ru-RU" dirty="0" smtClean="0">
+                <a:solidFill>
+                  <a:schemeClr val="bg1"/>
+                </a:solidFill>
+              </a:rPr>
+              <a:t>Блоги</a:t>
+            </a:r>
+            <a:endParaRPr lang="en-US" dirty="0">
+              <a:solidFill>
+                <a:schemeClr val="bg1"/>
+              </a:solidFill>
+            </a:endParaRPr>
           </a:p>
         </p:txBody>
       </p:sp>
@@ -3536,79 +3552,282 @@
             <p:ph idx="1"/>
           </p:nvPr>
         </p:nvSpPr>
-        <p:spPr/>
-        <p:txBody>
-          <a:bodyPr/>
+        <p:spPr>
+          <a:xfrm>
+            <a:off x="457200" y="764704"/>
+            <a:ext cx="8229600" cy="5361459"/>
+          </a:xfrm>
+        </p:spPr>
+        <p:txBody>
+          <a:bodyPr>
+            <a:normAutofit fontScale="92500" lnSpcReduction="10000"/>
+          </a:bodyPr>
           <a:lstStyle/>
           <a:p>
             <a:r>
-              <a:rPr lang="en-US" dirty="0" err="1" smtClean="0"/>
-              <a:t>Hanselminutes</a:t>
-            </a:r>
-            <a:r>
-              <a:rPr lang="en-US" dirty="0" smtClean="0"/>
-              <a:t> (English)</a:t>
-            </a:r>
-            <a:r>
-              <a:rPr lang="en-US" dirty="0"/>
-              <a:t/>
-            </a:r>
-            <a:br>
-              <a:rPr lang="en-US" dirty="0"/>
-            </a:br>
+              <a:rPr lang="en-US" dirty="0" smtClean="0">
+                <a:solidFill>
+                  <a:schemeClr val="bg1"/>
+                </a:solidFill>
+              </a:rPr>
+              <a:t>.</a:t>
+            </a:r>
             <a:r>
               <a:rPr lang="en-US" dirty="0">
+                <a:solidFill>
+                  <a:schemeClr val="bg1"/>
+                </a:solidFill>
+              </a:rPr>
+              <a:t>NET Framework Blog</a:t>
+            </a:r>
+            <a:r>
+              <a:rPr lang="ru-RU" dirty="0">
+                <a:solidFill>
+                  <a:schemeClr val="bg1"/>
+                </a:solidFill>
+              </a:rPr>
+              <a:t>: </a:t>
+            </a:r>
+            <a:r>
+              <a:rPr lang="en-US" dirty="0">
+                <a:solidFill>
+                  <a:schemeClr val="bg1"/>
+                </a:solidFill>
                 <a:hlinkClick r:id="rId2"/>
               </a:rPr>
-              <a:t>http://www.hanselminutes.com</a:t>
+              <a:t>http://blogs.msdn.com/b/dotnet/</a:t>
+            </a:r>
+            <a:endParaRPr lang="ru-RU" dirty="0">
+              <a:solidFill>
+                <a:schemeClr val="bg1"/>
+              </a:solidFill>
+            </a:endParaRPr>
+          </a:p>
+          <a:p>
+            <a:r>
+              <a:rPr lang="en-US" dirty="0">
+                <a:solidFill>
+                  <a:schemeClr val="bg1"/>
+                </a:solidFill>
+              </a:rPr>
+              <a:t>Base Class Library (BCL) Blog</a:t>
+            </a:r>
+            <a:r>
+              <a:rPr lang="ru-RU" dirty="0">
+                <a:solidFill>
+                  <a:schemeClr val="bg1"/>
+                </a:solidFill>
+              </a:rPr>
+              <a:t>: </a:t>
+            </a:r>
+            <a:r>
+              <a:rPr lang="en-US" dirty="0">
+                <a:solidFill>
+                  <a:schemeClr val="bg1"/>
+                </a:solidFill>
+                <a:hlinkClick r:id="rId3"/>
+              </a:rPr>
+              <a:t>http://blogs.msdn.com/b/bclteam/</a:t>
+            </a:r>
+            <a:endParaRPr lang="ru-RU" dirty="0">
+              <a:solidFill>
+                <a:schemeClr val="bg1"/>
+              </a:solidFill>
+            </a:endParaRPr>
+          </a:p>
+          <a:p>
+            <a:r>
+              <a:rPr lang="en-US" dirty="0">
+                <a:solidFill>
+                  <a:schemeClr val="bg1"/>
+                </a:solidFill>
+              </a:rPr>
+              <a:t>ADO.NET Blog</a:t>
+            </a:r>
+            <a:r>
+              <a:rPr lang="ru-RU" dirty="0">
+                <a:solidFill>
+                  <a:schemeClr val="bg1"/>
+                </a:solidFill>
+              </a:rPr>
+              <a:t>: </a:t>
+            </a:r>
+            <a:r>
+              <a:rPr lang="en-US" dirty="0">
+                <a:solidFill>
+                  <a:schemeClr val="bg1"/>
+                </a:solidFill>
+                <a:hlinkClick r:id="rId4"/>
+              </a:rPr>
+              <a:t>http://blogs.msdn.com/b/adonet/</a:t>
+            </a:r>
+            <a:endParaRPr lang="ru-RU" dirty="0">
+              <a:solidFill>
+                <a:schemeClr val="bg1"/>
+              </a:solidFill>
+            </a:endParaRPr>
+          </a:p>
+          <a:p>
+            <a:r>
+              <a:rPr lang="en-US" dirty="0">
+                <a:solidFill>
+                  <a:schemeClr val="bg1"/>
+                </a:solidFill>
+              </a:rPr>
+              <a:t>Parallel Programming with .NET</a:t>
+            </a:r>
+            <a:r>
+              <a:rPr lang="ru-RU" dirty="0">
+                <a:solidFill>
+                  <a:schemeClr val="bg1"/>
+                </a:solidFill>
+              </a:rPr>
+              <a:t>: </a:t>
+            </a:r>
+            <a:r>
+              <a:rPr lang="en-US" dirty="0">
+                <a:solidFill>
+                  <a:schemeClr val="bg1"/>
+                </a:solidFill>
+                <a:hlinkClick r:id="rId5"/>
+              </a:rPr>
+              <a:t>http://blogs.msdn.com/b/pfxteam/</a:t>
+            </a:r>
+            <a:endParaRPr lang="ru-RU" dirty="0">
+              <a:solidFill>
+                <a:schemeClr val="bg1"/>
+              </a:solidFill>
+            </a:endParaRPr>
+          </a:p>
+          <a:p>
+            <a:r>
+              <a:rPr lang="ru-RU" dirty="0">
+                <a:solidFill>
+                  <a:schemeClr val="bg1"/>
+                </a:solidFill>
+              </a:rPr>
+              <a:t>С</a:t>
+            </a:r>
+            <a:r>
+              <a:rPr lang="en-US" dirty="0">
+                <a:solidFill>
+                  <a:schemeClr val="bg1"/>
+                </a:solidFill>
+              </a:rPr>
+              <a:t># Little Wonders</a:t>
+            </a:r>
+            <a:r>
+              <a:rPr lang="ru-RU" dirty="0">
+                <a:solidFill>
+                  <a:schemeClr val="bg1"/>
+                </a:solidFill>
+              </a:rPr>
+              <a:t> -</a:t>
+            </a:r>
+            <a:r>
+              <a:rPr lang="en-US" dirty="0">
+                <a:solidFill>
+                  <a:schemeClr val="bg1"/>
+                </a:solidFill>
+              </a:rPr>
+              <a:t> </a:t>
+            </a:r>
+            <a:r>
+              <a:rPr lang="en-US" dirty="0">
+                <a:solidFill>
+                  <a:schemeClr val="bg1"/>
+                </a:solidFill>
+                <a:hlinkClick r:id="rId6"/>
+              </a:rPr>
+              <a:t>http://</a:t>
             </a:r>
             <a:r>
               <a:rPr lang="en-US" dirty="0" smtClean="0">
-                <a:hlinkClick r:id="rId2"/>
+                <a:solidFill>
+                  <a:schemeClr val="bg1"/>
+                </a:solidFill>
+                <a:hlinkClick r:id="rId6"/>
+              </a:rPr>
+              <a:t>blackrabbitcoder.net/category/11989.aspx</a:t>
+            </a:r>
+            <a:endParaRPr lang="ru-RU" dirty="0" smtClean="0">
+              <a:solidFill>
+                <a:schemeClr val="bg1"/>
+              </a:solidFill>
+            </a:endParaRPr>
+          </a:p>
+          <a:p>
+            <a:r>
+              <a:rPr lang="en-US" dirty="0" smtClean="0">
+                <a:solidFill>
+                  <a:schemeClr val="bg1"/>
+                </a:solidFill>
+              </a:rPr>
+              <a:t>Scott </a:t>
+            </a:r>
+            <a:r>
+              <a:rPr lang="en-US" dirty="0" err="1" smtClean="0">
+                <a:solidFill>
+                  <a:schemeClr val="bg1"/>
+                </a:solidFill>
+              </a:rPr>
+              <a:t>Hanselman</a:t>
+            </a:r>
+            <a:r>
+              <a:rPr lang="en-US" dirty="0">
+                <a:solidFill>
+                  <a:schemeClr val="bg1"/>
+                </a:solidFill>
+              </a:rPr>
+              <a:t> - </a:t>
+            </a:r>
+            <a:r>
+              <a:rPr lang="en-US" dirty="0">
+                <a:solidFill>
+                  <a:schemeClr val="bg1"/>
+                </a:solidFill>
+                <a:hlinkClick r:id="rId7"/>
+              </a:rPr>
+              <a:t>http://www.hanselman.com/blog</a:t>
+            </a:r>
+            <a:r>
+              <a:rPr lang="en-US" dirty="0" smtClean="0">
+                <a:solidFill>
+                  <a:schemeClr val="bg1"/>
+                </a:solidFill>
+                <a:hlinkClick r:id="rId7"/>
               </a:rPr>
               <a:t>/</a:t>
             </a:r>
-            <a:endParaRPr lang="en-US" dirty="0" smtClean="0"/>
-          </a:p>
-          <a:p>
-            <a:r>
-              <a:rPr lang="en-US" dirty="0"/>
-              <a:t>.NET Rocks</a:t>
-            </a:r>
-            <a:r>
-              <a:rPr lang="en-US" dirty="0" smtClean="0"/>
-              <a:t>! </a:t>
-            </a:r>
-            <a:r>
-              <a:rPr lang="en-US" dirty="0"/>
-              <a:t>(English)</a:t>
-            </a:r>
-            <a:br>
-              <a:rPr lang="en-US" dirty="0"/>
-            </a:br>
-            <a:r>
-              <a:rPr lang="en-US" dirty="0">
-                <a:hlinkClick r:id="rId3"/>
-              </a:rPr>
-              <a:t>http://www.dotnetrocks.com</a:t>
-            </a:r>
-            <a:r>
-              <a:rPr lang="en-US" dirty="0" smtClean="0">
-                <a:hlinkClick r:id="rId3"/>
-              </a:rPr>
-              <a:t>/</a:t>
-            </a:r>
-            <a:endParaRPr lang="en-US" dirty="0" smtClean="0"/>
-          </a:p>
-          <a:p>
-            <a:endParaRPr lang="en-US" dirty="0"/>
+            <a:endParaRPr lang="en-US" dirty="0" smtClean="0">
+              <a:solidFill>
+                <a:schemeClr val="bg1"/>
+              </a:solidFill>
+            </a:endParaRPr>
+          </a:p>
+          <a:p>
+            <a:endParaRPr lang="ru-RU" dirty="0">
+              <a:solidFill>
+                <a:schemeClr val="bg1"/>
+              </a:solidFill>
+            </a:endParaRPr>
+          </a:p>
+          <a:p>
+            <a:pPr marL="457200" lvl="1" indent="0">
+              <a:buNone/>
+            </a:pPr>
+            <a:endParaRPr lang="en-US" dirty="0">
+              <a:solidFill>
+                <a:schemeClr val="bg1"/>
+              </a:solidFill>
+            </a:endParaRPr>
           </a:p>
         </p:txBody>
       </p:sp>
     </p:spTree>
     <p:extLst>
       <p:ext uri="{BB962C8B-B14F-4D97-AF65-F5344CB8AC3E}">
-        <p14:creationId xmlns:p14="http://schemas.microsoft.com/office/powerpoint/2010/main" val="2015174044"/>
+        <p14:creationId xmlns:p14="http://schemas.microsoft.com/office/powerpoint/2010/main" val="2211951054"/>
       </p:ext>
     </p:extLst>
   </p:cSld>
@@ -3659,9 +3878,9 @@
           <a:p>
             <a:r>
               <a:rPr lang="ru-RU" dirty="0" smtClean="0"/>
-              <a:t>Обучающие видео</a:t>
-            </a:r>
-            <a:endParaRPr lang="ru-RU" dirty="0"/>
+              <a:t>Подкасты</a:t>
+            </a:r>
+            <a:endParaRPr lang="en-US" dirty="0"/>
           </a:p>
         </p:txBody>
       </p:sp>
@@ -3681,168 +3900,73 @@
           <a:lstStyle/>
           <a:p>
             <a:r>
-              <a:rPr lang="ru-RU" dirty="0" smtClean="0">
-                <a:solidFill>
-                  <a:schemeClr val="bg1"/>
-                </a:solidFill>
-              </a:rPr>
-              <a:t>На русском</a:t>
-            </a:r>
-          </a:p>
-          <a:p>
-            <a:pPr lvl="1"/>
+              <a:rPr lang="en-US" dirty="0" err="1" smtClean="0"/>
+              <a:t>Hanselminutes</a:t>
+            </a:r>
+            <a:r>
+              <a:rPr lang="en-US" dirty="0" smtClean="0"/>
+              <a:t> (English)</a:t>
+            </a:r>
+            <a:r>
+              <a:rPr lang="en-US" dirty="0"/>
+              <a:t/>
+            </a:r>
+            <a:br>
+              <a:rPr lang="en-US" dirty="0"/>
+            </a:br>
+            <a:r>
+              <a:rPr lang="en-US" dirty="0">
+                <a:hlinkClick r:id="rId2"/>
+              </a:rPr>
+              <a:t>http://www.hanselminutes.com</a:t>
+            </a:r>
             <a:r>
               <a:rPr lang="en-US" dirty="0" smtClean="0">
-                <a:solidFill>
-                  <a:schemeClr val="bg1"/>
-                </a:solidFill>
                 <a:hlinkClick r:id="rId2"/>
               </a:rPr>
-              <a:t>http</a:t>
-            </a:r>
+              <a:t>/</a:t>
+            </a:r>
+            <a:endParaRPr lang="en-US" dirty="0" smtClean="0"/>
+          </a:p>
+          <a:p>
+            <a:r>
+              <a:rPr lang="en-US" dirty="0"/>
+              <a:t>.NET Rocks</a:t>
+            </a:r>
+            <a:r>
+              <a:rPr lang="en-US" dirty="0" smtClean="0"/>
+              <a:t>! </a:t>
+            </a:r>
+            <a:r>
+              <a:rPr lang="en-US" dirty="0"/>
+              <a:t>(English)</a:t>
+            </a:r>
+            <a:br>
+              <a:rPr lang="en-US" dirty="0"/>
+            </a:br>
             <a:r>
               <a:rPr lang="en-US" dirty="0">
-                <a:solidFill>
-                  <a:schemeClr val="bg1"/>
-                </a:solidFill>
-                <a:hlinkClick r:id="rId2"/>
-              </a:rPr>
-              <a:t>://</a:t>
+                <a:hlinkClick r:id="rId3"/>
+              </a:rPr>
+              <a:t>http://www.dotnetrocks.com</a:t>
             </a:r>
             <a:r>
               <a:rPr lang="en-US" dirty="0" smtClean="0">
-                <a:solidFill>
-                  <a:schemeClr val="bg1"/>
-                </a:solidFill>
-                <a:hlinkClick r:id="rId2"/>
-              </a:rPr>
-              <a:t>techdays.ru</a:t>
-            </a:r>
-            <a:endParaRPr lang="ru-RU" dirty="0" smtClean="0">
-              <a:solidFill>
-                <a:schemeClr val="bg1"/>
-              </a:solidFill>
-            </a:endParaRPr>
-          </a:p>
-          <a:p>
-            <a:r>
-              <a:rPr lang="ru-RU" dirty="0" smtClean="0">
-                <a:solidFill>
-                  <a:schemeClr val="bg1"/>
-                </a:solidFill>
-              </a:rPr>
-              <a:t>На английском</a:t>
-            </a:r>
-          </a:p>
-          <a:p>
-            <a:pPr lvl="1"/>
-            <a:r>
-              <a:rPr lang="en-US" dirty="0">
-                <a:solidFill>
-                  <a:schemeClr val="bg1"/>
-                </a:solidFill>
                 <a:hlinkClick r:id="rId3"/>
               </a:rPr>
-              <a:t>http://channel9.msdn.com</a:t>
-            </a:r>
-            <a:r>
-              <a:rPr lang="en-US" dirty="0" smtClean="0">
-                <a:solidFill>
-                  <a:schemeClr val="bg1"/>
-                </a:solidFill>
-                <a:hlinkClick r:id="rId3"/>
-              </a:rPr>
               <a:t>/</a:t>
             </a:r>
-            <a:endParaRPr lang="ru-RU" dirty="0" smtClean="0">
-              <a:solidFill>
-                <a:schemeClr val="bg1"/>
-              </a:solidFill>
-            </a:endParaRPr>
-          </a:p>
-          <a:p>
-            <a:pPr lvl="1"/>
-            <a:r>
-              <a:rPr lang="en-US" dirty="0">
-                <a:solidFill>
-                  <a:schemeClr val="bg1"/>
-                </a:solidFill>
-                <a:hlinkClick r:id="rId4"/>
-              </a:rPr>
-              <a:t>https://</a:t>
-            </a:r>
-            <a:r>
-              <a:rPr lang="en-US" dirty="0" smtClean="0">
-                <a:solidFill>
-                  <a:schemeClr val="bg1"/>
-                </a:solidFill>
-                <a:hlinkClick r:id="rId4"/>
-              </a:rPr>
-              <a:t>www.wintellectnow.com/videos/index</a:t>
-            </a:r>
-            <a:r>
-              <a:rPr lang="ru-RU" dirty="0" smtClean="0">
-                <a:solidFill>
-                  <a:schemeClr val="bg1"/>
-                </a:solidFill>
-              </a:rPr>
-              <a:t/>
-            </a:r>
-            <a:br>
-              <a:rPr lang="ru-RU" dirty="0" smtClean="0">
-                <a:solidFill>
-                  <a:schemeClr val="bg1"/>
-                </a:solidFill>
-              </a:rPr>
-            </a:br>
-            <a:r>
-              <a:rPr lang="ru-RU" dirty="0" smtClean="0">
-                <a:solidFill>
-                  <a:schemeClr val="bg1"/>
-                </a:solidFill>
-              </a:rPr>
-              <a:t>Часть бесплатно, часть платно</a:t>
-            </a:r>
-          </a:p>
-          <a:p>
-            <a:pPr lvl="1"/>
-            <a:r>
-              <a:rPr lang="en-US" dirty="0">
-                <a:solidFill>
-                  <a:schemeClr val="bg1"/>
-                </a:solidFill>
-                <a:hlinkClick r:id="rId5"/>
-              </a:rPr>
-              <a:t>http://pluralsight.com</a:t>
-            </a:r>
-            <a:r>
-              <a:rPr lang="en-US" dirty="0" smtClean="0">
-                <a:solidFill>
-                  <a:schemeClr val="bg1"/>
-                </a:solidFill>
-                <a:hlinkClick r:id="rId5"/>
-              </a:rPr>
-              <a:t>/</a:t>
-            </a:r>
-            <a:r>
-              <a:rPr lang="ru-RU" dirty="0" smtClean="0">
-                <a:solidFill>
-                  <a:schemeClr val="bg1"/>
-                </a:solidFill>
-              </a:rPr>
-              <a:t> (Платный сервис)</a:t>
-            </a:r>
-          </a:p>
-          <a:p>
-            <a:pPr lvl="1"/>
-            <a:endParaRPr lang="ru-RU" dirty="0"/>
+            <a:endParaRPr lang="en-US" dirty="0" smtClean="0"/>
+          </a:p>
+          <a:p>
+            <a:endParaRPr lang="en-US" dirty="0"/>
           </a:p>
         </p:txBody>
       </p:sp>
     </p:spTree>
     <p:extLst>
       <p:ext uri="{BB962C8B-B14F-4D97-AF65-F5344CB8AC3E}">
-        <p14:creationId xmlns:p14="http://schemas.microsoft.com/office/powerpoint/2010/main" val="3706293392"/>
+        <p14:creationId xmlns:p14="http://schemas.microsoft.com/office/powerpoint/2010/main" val="2015174044"/>
       </p:ext>
     </p:extLst>
   </p:cSld>
@@ -3886,31 +4010,16 @@
             <p:ph type="title"/>
           </p:nvPr>
         </p:nvSpPr>
-        <p:spPr>
-          <a:xfrm>
-            <a:off x="107504" y="116632"/>
-            <a:ext cx="8928992" cy="648072"/>
-          </a:xfrm>
-        </p:spPr>
-        <p:txBody>
-          <a:bodyPr>
-            <a:normAutofit fontScale="90000"/>
-          </a:bodyPr>
+        <p:spPr/>
+        <p:txBody>
+          <a:bodyPr/>
           <a:lstStyle/>
           <a:p>
             <a:r>
-              <a:rPr lang="ru-RU" dirty="0">
-                <a:solidFill>
-                  <a:schemeClr val="bg1"/>
-                </a:solidFill>
-              </a:rPr>
-              <a:t>Задачи по программированию</a:t>
-            </a:r>
-            <a:endParaRPr lang="en-US" dirty="0">
-              <a:solidFill>
-                <a:schemeClr val="bg1"/>
-              </a:solidFill>
-            </a:endParaRPr>
+              <a:rPr lang="ru-RU" dirty="0" smtClean="0"/>
+              <a:t>Обучающие видео</a:t>
+            </a:r>
+            <a:endParaRPr lang="ru-RU" dirty="0"/>
           </a:p>
         </p:txBody>
       </p:sp>
@@ -3924,16 +4033,9 @@
             <p:ph idx="1"/>
           </p:nvPr>
         </p:nvSpPr>
-        <p:spPr>
-          <a:xfrm>
-            <a:off x="457200" y="764704"/>
-            <a:ext cx="8229600" cy="5361459"/>
-          </a:xfrm>
-        </p:spPr>
-        <p:txBody>
-          <a:bodyPr>
-            <a:normAutofit fontScale="85000" lnSpcReduction="20000"/>
-          </a:bodyPr>
+        <p:spPr/>
+        <p:txBody>
+          <a:bodyPr/>
           <a:lstStyle/>
           <a:p>
             <a:r>
@@ -3942,8 +4044,11 @@
                   <a:schemeClr val="bg1"/>
                 </a:solidFill>
               </a:rPr>
-              <a:t>Школа программиста</a:t>
-            </a:r>
+              <a:t>На русском</a:t>
+            </a:r>
+          </a:p>
+          <a:p>
+            <a:pPr lvl="1"/>
             <a:r>
               <a:rPr lang="en-US" dirty="0" smtClean="0">
                 <a:solidFill>
@@ -3951,143 +4056,26 @@
                 </a:solidFill>
                 <a:hlinkClick r:id="rId2"/>
               </a:rPr>
-              <a:t/>
-            </a:r>
-            <a:br>
+              <a:t>http</a:t>
+            </a:r>
+            <a:r>
+              <a:rPr lang="en-US" dirty="0">
+                <a:solidFill>
+                  <a:schemeClr val="bg1"/>
+                </a:solidFill>
+                <a:hlinkClick r:id="rId2"/>
+              </a:rPr>
+              <a:t>://</a:t>
+            </a:r>
+            <a:r>
               <a:rPr lang="en-US" dirty="0" smtClean="0">
                 <a:solidFill>
                   <a:schemeClr val="bg1"/>
                 </a:solidFill>
                 <a:hlinkClick r:id="rId2"/>
               </a:rPr>
-            </a:br>
-            <a:r>
-              <a:rPr lang="en-US" dirty="0" smtClean="0">
-                <a:solidFill>
-                  <a:schemeClr val="bg1"/>
-                </a:solidFill>
-                <a:hlinkClick r:id="rId2"/>
-              </a:rPr>
-              <a:t>http</a:t>
-            </a:r>
-            <a:r>
-              <a:rPr lang="en-US" dirty="0">
-                <a:solidFill>
-                  <a:schemeClr val="bg1"/>
-                </a:solidFill>
-                <a:hlinkClick r:id="rId2"/>
-              </a:rPr>
-              <a:t>://</a:t>
-            </a:r>
-            <a:r>
-              <a:rPr lang="en-US" dirty="0" smtClean="0">
-                <a:solidFill>
-                  <a:schemeClr val="bg1"/>
-                </a:solidFill>
-                <a:hlinkClick r:id="rId2"/>
-              </a:rPr>
-              <a:t>acmp.ru/index.asp?main=tasks</a:t>
-            </a:r>
-            <a:endParaRPr lang="en-US" dirty="0" smtClean="0">
-              <a:solidFill>
-                <a:schemeClr val="bg1"/>
-              </a:solidFill>
-            </a:endParaRPr>
-          </a:p>
-          <a:p>
-            <a:endParaRPr lang="en-US" dirty="0">
-              <a:solidFill>
-                <a:schemeClr val="bg1"/>
-              </a:solidFill>
-            </a:endParaRPr>
-          </a:p>
-          <a:p>
-            <a:r>
-              <a:rPr lang="en-US" dirty="0" err="1">
-                <a:solidFill>
-                  <a:schemeClr val="bg1"/>
-                </a:solidFill>
-              </a:rPr>
-              <a:t>Timus</a:t>
-            </a:r>
-            <a:r>
-              <a:rPr lang="en-US" dirty="0">
-                <a:solidFill>
-                  <a:schemeClr val="bg1"/>
-                </a:solidFill>
-              </a:rPr>
-              <a:t> Online Judge</a:t>
-            </a:r>
-            <a:br>
-              <a:rPr lang="en-US" dirty="0">
-                <a:solidFill>
-                  <a:schemeClr val="bg1"/>
-                </a:solidFill>
-              </a:rPr>
-            </a:br>
-            <a:r>
-              <a:rPr lang="en-US" dirty="0">
-                <a:solidFill>
-                  <a:schemeClr val="bg1"/>
-                </a:solidFill>
-                <a:hlinkClick r:id="rId3"/>
-              </a:rPr>
-              <a:t>http://acm.timus.ru/?</a:t>
-            </a:r>
-            <a:r>
-              <a:rPr lang="en-US" dirty="0" smtClean="0">
-                <a:solidFill>
-                  <a:schemeClr val="bg1"/>
-                </a:solidFill>
-                <a:hlinkClick r:id="rId3"/>
-              </a:rPr>
-              <a:t>locale=ru</a:t>
-            </a:r>
-            <a:endParaRPr lang="en-US" dirty="0">
-              <a:solidFill>
-                <a:schemeClr val="bg1"/>
-              </a:solidFill>
-            </a:endParaRPr>
-          </a:p>
-          <a:p>
-            <a:endParaRPr lang="en-US" dirty="0">
-              <a:solidFill>
-                <a:schemeClr val="bg1"/>
-              </a:solidFill>
-            </a:endParaRPr>
-          </a:p>
-          <a:p>
-            <a:r>
-              <a:rPr lang="ru-RU" dirty="0" smtClean="0">
-                <a:solidFill>
-                  <a:schemeClr val="bg1"/>
-                </a:solidFill>
-              </a:rPr>
-              <a:t>Математические задачи</a:t>
-            </a:r>
-            <a:br>
-              <a:rPr lang="ru-RU" dirty="0" smtClean="0">
-                <a:solidFill>
-                  <a:schemeClr val="bg1"/>
-                </a:solidFill>
-              </a:rPr>
-            </a:br>
-            <a:r>
-              <a:rPr lang="en-US" dirty="0" smtClean="0">
-                <a:solidFill>
-                  <a:schemeClr val="bg1"/>
-                </a:solidFill>
-                <a:hlinkClick r:id="rId4"/>
-              </a:rPr>
-              <a:t>http://projecteuler.net</a:t>
-            </a:r>
-            <a:endParaRPr lang="en-US" dirty="0" smtClean="0">
-              <a:solidFill>
-                <a:schemeClr val="bg1"/>
-              </a:solidFill>
-            </a:endParaRPr>
-          </a:p>
-          <a:p>
+              <a:t>techdays.ru</a:t>
+            </a:r>
             <a:endParaRPr lang="ru-RU" dirty="0" smtClean="0">
               <a:solidFill>
                 <a:schemeClr val="bg1"/>
@@ -4101,101 +4089,28 @@
                   <a:schemeClr val="bg1"/>
                 </a:solidFill>
               </a:rPr>
-              <a:t>Кодо-дуэли</a:t>
+              <a:t>На английском</a:t>
+            </a:r>
+          </a:p>
+          <a:p>
+            <a:pPr lvl="1"/>
+            <a:r>
+              <a:rPr lang="en-US" dirty="0">
+                <a:solidFill>
+                  <a:schemeClr val="bg1"/>
+                </a:solidFill>
+                <a:hlinkClick r:id="rId3"/>
+              </a:rPr>
+              <a:t>http://channel9.msdn.com</a:t>
             </a:r>
             <a:r>
               <a:rPr lang="en-US" dirty="0" smtClean="0">
                 <a:solidFill>
                   <a:schemeClr val="bg1"/>
                 </a:solidFill>
-              </a:rPr>
-              <a:t> </a:t>
-            </a:r>
-            <a:r>
-              <a:rPr lang="ru-RU" dirty="0" smtClean="0">
-                <a:solidFill>
-                  <a:schemeClr val="bg1"/>
-                </a:solidFill>
-              </a:rPr>
-              <a:t>на </a:t>
-            </a:r>
-            <a:r>
-              <a:rPr lang="en-US" dirty="0" smtClean="0">
-                <a:solidFill>
-                  <a:schemeClr val="bg1"/>
-                </a:solidFill>
-              </a:rPr>
-              <a:t>C#/VB.NET/F#</a:t>
-            </a:r>
-            <a:r>
-              <a:rPr lang="ru-RU" dirty="0" smtClean="0">
-                <a:solidFill>
-                  <a:schemeClr val="bg1"/>
-                </a:solidFill>
-              </a:rPr>
-              <a:t/>
-            </a:r>
-            <a:br>
-              <a:rPr lang="ru-RU" dirty="0" smtClean="0">
-                <a:solidFill>
-                  <a:schemeClr val="bg1"/>
-                </a:solidFill>
-              </a:rPr>
-            </a:br>
-            <a:r>
-              <a:rPr lang="en-US" dirty="0" smtClean="0">
-                <a:solidFill>
-                  <a:schemeClr val="bg1"/>
-                </a:solidFill>
-                <a:hlinkClick r:id="rId5"/>
-              </a:rPr>
-              <a:t>http://www.pex4fun.com</a:t>
-            </a:r>
-            <a:endParaRPr lang="en-US" dirty="0" smtClean="0">
-              <a:solidFill>
-                <a:schemeClr val="bg1"/>
-              </a:solidFill>
-            </a:endParaRPr>
-          </a:p>
-          <a:p>
-            <a:endParaRPr lang="en-US" dirty="0" smtClean="0">
-              <a:solidFill>
-                <a:schemeClr val="bg1"/>
-              </a:solidFill>
-            </a:endParaRPr>
-          </a:p>
-          <a:p>
-            <a:r>
-              <a:rPr lang="ru-RU" dirty="0" smtClean="0">
-                <a:solidFill>
-                  <a:schemeClr val="bg1"/>
-                </a:solidFill>
-              </a:rPr>
-              <a:t>Головоломки от других программистов</a:t>
-            </a:r>
-            <a:r>
-              <a:rPr lang="en-US" dirty="0" smtClean="0">
-                <a:solidFill>
-                  <a:schemeClr val="bg1"/>
-                </a:solidFill>
-              </a:rPr>
-              <a:t/>
-            </a:r>
-            <a:br>
-              <a:rPr lang="en-US" dirty="0" smtClean="0">
-                <a:solidFill>
-                  <a:schemeClr val="bg1"/>
-                </a:solidFill>
-              </a:rPr>
-            </a:br>
-            <a:r>
-              <a:rPr lang="en-US" dirty="0" smtClean="0">
-                <a:solidFill>
-                  <a:schemeClr val="bg1"/>
-                </a:solidFill>
-                <a:hlinkClick r:id="rId6"/>
-              </a:rPr>
-              <a:t>http://codegolf.stackexchange.com</a:t>
+                <a:hlinkClick r:id="rId3"/>
+              </a:rPr>
+              <a:t>/</a:t>
             </a:r>
             <a:endParaRPr lang="ru-RU" dirty="0" smtClean="0">
               <a:solidFill>
@@ -4204,26 +4119,88 @@
             </a:endParaRPr>
           </a:p>
           <a:p>
-            <a:endParaRPr lang="ru-RU" dirty="0" smtClean="0">
-              <a:solidFill>
-                <a:schemeClr val="bg1"/>
-              </a:solidFill>
-            </a:endParaRPr>
-          </a:p>
-          <a:p>
             <a:pPr lvl="1"/>
-            <a:endParaRPr lang="en-US" dirty="0">
-              <a:solidFill>
-                <a:schemeClr val="bg1"/>
-              </a:solidFill>
-            </a:endParaRPr>
+            <a:r>
+              <a:rPr lang="en-US" dirty="0">
+                <a:solidFill>
+                  <a:schemeClr val="bg1"/>
+                </a:solidFill>
+                <a:hlinkClick r:id="rId4"/>
+              </a:rPr>
+              <a:t>https://</a:t>
+            </a:r>
+            <a:r>
+              <a:rPr lang="en-US" dirty="0" smtClean="0">
+                <a:solidFill>
+                  <a:schemeClr val="bg1"/>
+                </a:solidFill>
+                <a:hlinkClick r:id="rId4"/>
+              </a:rPr>
+              <a:t>www.wintellectnow.com/videos/index</a:t>
+            </a:r>
+            <a:r>
+              <a:rPr lang="ru-RU" dirty="0" smtClean="0">
+                <a:solidFill>
+                  <a:schemeClr val="bg1"/>
+                </a:solidFill>
+              </a:rPr>
+              <a:t/>
+            </a:r>
+            <a:br>
+              <a:rPr lang="ru-RU" dirty="0" smtClean="0">
+                <a:solidFill>
+                  <a:schemeClr val="bg1"/>
+                </a:solidFill>
+              </a:rPr>
+            </a:br>
+            <a:r>
+              <a:rPr lang="ru-RU" dirty="0" smtClean="0">
+                <a:solidFill>
+                  <a:schemeClr val="bg1"/>
+                </a:solidFill>
+              </a:rPr>
+              <a:t>Часть бесплатно, часть платно</a:t>
+            </a:r>
+          </a:p>
+          <a:p>
+            <a:pPr lvl="1"/>
+            <a:r>
+              <a:rPr lang="en-US" dirty="0">
+                <a:solidFill>
+                  <a:schemeClr val="bg1"/>
+                </a:solidFill>
+                <a:hlinkClick r:id="rId5"/>
+              </a:rPr>
+              <a:t>http://pluralsight.com</a:t>
+            </a:r>
+            <a:r>
+              <a:rPr lang="en-US" dirty="0" smtClean="0">
+                <a:solidFill>
+                  <a:schemeClr val="bg1"/>
+                </a:solidFill>
+                <a:hlinkClick r:id="rId5"/>
+              </a:rPr>
+              <a:t>/</a:t>
+            </a:r>
+            <a:r>
+              <a:rPr lang="ru-RU" dirty="0" smtClean="0">
+                <a:solidFill>
+                  <a:schemeClr val="bg1"/>
+                </a:solidFill>
+              </a:rPr>
+              <a:t> (Платный сервис)</a:t>
+            </a:r>
+          </a:p>
+          <a:p>
+            <a:pPr lvl="1"/>
+            <a:endParaRPr lang="ru-RU" dirty="0"/>
           </a:p>
         </p:txBody>
       </p:sp>
     </p:spTree>
     <p:extLst>
       <p:ext uri="{BB962C8B-B14F-4D97-AF65-F5344CB8AC3E}">
-        <p14:creationId xmlns:p14="http://schemas.microsoft.com/office/powerpoint/2010/main" val="1393508030"/>
+        <p14:creationId xmlns:p14="http://schemas.microsoft.com/office/powerpoint/2010/main" val="3706293392"/>
       </p:ext>
     </p:extLst>
   </p:cSld>
@@ -4267,6 +4244,387 @@
             <p:ph type="title"/>
           </p:nvPr>
         </p:nvSpPr>
+        <p:spPr>
+          <a:xfrm>
+            <a:off x="107504" y="116632"/>
+            <a:ext cx="8928992" cy="648072"/>
+          </a:xfrm>
+        </p:spPr>
+        <p:txBody>
+          <a:bodyPr>
+            <a:normAutofit fontScale="90000"/>
+          </a:bodyPr>
+          <a:lstStyle/>
+          <a:p>
+            <a:r>
+              <a:rPr lang="ru-RU" dirty="0">
+                <a:solidFill>
+                  <a:schemeClr val="bg1"/>
+                </a:solidFill>
+              </a:rPr>
+              <a:t>Задачи по программированию</a:t>
+            </a:r>
+            <a:endParaRPr lang="en-US" dirty="0">
+              <a:solidFill>
+                <a:schemeClr val="bg1"/>
+              </a:solidFill>
+            </a:endParaRPr>
+          </a:p>
+        </p:txBody>
+      </p:sp>
+      <p:sp>
+        <p:nvSpPr>
+          <p:cNvPr id="3" name="Content Placeholder 2"/>
+          <p:cNvSpPr>
+            <a:spLocks noGrp="1"/>
+          </p:cNvSpPr>
+          <p:nvPr>
+            <p:ph idx="1"/>
+          </p:nvPr>
+        </p:nvSpPr>
+        <p:spPr>
+          <a:xfrm>
+            <a:off x="457200" y="764704"/>
+            <a:ext cx="8229600" cy="5361459"/>
+          </a:xfrm>
+        </p:spPr>
+        <p:txBody>
+          <a:bodyPr>
+            <a:normAutofit fontScale="85000" lnSpcReduction="20000"/>
+          </a:bodyPr>
+          <a:lstStyle/>
+          <a:p>
+            <a:r>
+              <a:rPr lang="ru-RU" dirty="0" smtClean="0">
+                <a:solidFill>
+                  <a:schemeClr val="bg1"/>
+                </a:solidFill>
+              </a:rPr>
+              <a:t>Школа программиста</a:t>
+            </a:r>
+            <a:r>
+              <a:rPr lang="en-US" dirty="0" smtClean="0">
+                <a:solidFill>
+                  <a:schemeClr val="bg1"/>
+                </a:solidFill>
+                <a:hlinkClick r:id="rId2"/>
+              </a:rPr>
+              <a:t/>
+            </a:r>
+            <a:br>
+              <a:rPr lang="en-US" dirty="0" smtClean="0">
+                <a:solidFill>
+                  <a:schemeClr val="bg1"/>
+                </a:solidFill>
+                <a:hlinkClick r:id="rId2"/>
+              </a:rPr>
+            </a:br>
+            <a:r>
+              <a:rPr lang="en-US" dirty="0" smtClean="0">
+                <a:solidFill>
+                  <a:schemeClr val="bg1"/>
+                </a:solidFill>
+                <a:hlinkClick r:id="rId2"/>
+              </a:rPr>
+              <a:t>http</a:t>
+            </a:r>
+            <a:r>
+              <a:rPr lang="en-US" dirty="0">
+                <a:solidFill>
+                  <a:schemeClr val="bg1"/>
+                </a:solidFill>
+                <a:hlinkClick r:id="rId2"/>
+              </a:rPr>
+              <a:t>://</a:t>
+            </a:r>
+            <a:r>
+              <a:rPr lang="en-US" dirty="0" smtClean="0">
+                <a:solidFill>
+                  <a:schemeClr val="bg1"/>
+                </a:solidFill>
+                <a:hlinkClick r:id="rId2"/>
+              </a:rPr>
+              <a:t>acmp.ru/index.asp?main=tasks</a:t>
+            </a:r>
+            <a:endParaRPr lang="en-US" dirty="0" smtClean="0">
+              <a:solidFill>
+                <a:schemeClr val="bg1"/>
+              </a:solidFill>
+            </a:endParaRPr>
+          </a:p>
+          <a:p>
+            <a:endParaRPr lang="en-US" dirty="0">
+              <a:solidFill>
+                <a:schemeClr val="bg1"/>
+              </a:solidFill>
+            </a:endParaRPr>
+          </a:p>
+          <a:p>
+            <a:r>
+              <a:rPr lang="en-US" dirty="0" err="1">
+                <a:solidFill>
+                  <a:schemeClr val="bg1"/>
+                </a:solidFill>
+              </a:rPr>
+              <a:t>Timus</a:t>
+            </a:r>
+            <a:r>
+              <a:rPr lang="en-US" dirty="0">
+                <a:solidFill>
+                  <a:schemeClr val="bg1"/>
+                </a:solidFill>
+              </a:rPr>
+              <a:t> Online Judge</a:t>
+            </a:r>
+            <a:br>
+              <a:rPr lang="en-US" dirty="0">
+                <a:solidFill>
+                  <a:schemeClr val="bg1"/>
+                </a:solidFill>
+              </a:rPr>
+            </a:br>
+            <a:r>
+              <a:rPr lang="en-US" dirty="0">
+                <a:solidFill>
+                  <a:schemeClr val="bg1"/>
+                </a:solidFill>
+                <a:hlinkClick r:id="rId3"/>
+              </a:rPr>
+              <a:t>http://acm.timus.ru/?</a:t>
+            </a:r>
+            <a:r>
+              <a:rPr lang="en-US" dirty="0" smtClean="0">
+                <a:solidFill>
+                  <a:schemeClr val="bg1"/>
+                </a:solidFill>
+                <a:hlinkClick r:id="rId3"/>
+              </a:rPr>
+              <a:t>locale=ru</a:t>
+            </a:r>
+            <a:endParaRPr lang="en-US" dirty="0">
+              <a:solidFill>
+                <a:schemeClr val="bg1"/>
+              </a:solidFill>
+            </a:endParaRPr>
+          </a:p>
+          <a:p>
+            <a:endParaRPr lang="en-US" dirty="0">
+              <a:solidFill>
+                <a:schemeClr val="bg1"/>
+              </a:solidFill>
+            </a:endParaRPr>
+          </a:p>
+          <a:p>
+            <a:r>
+              <a:rPr lang="ru-RU" dirty="0" smtClean="0">
+                <a:solidFill>
+                  <a:schemeClr val="bg1"/>
+                </a:solidFill>
+              </a:rPr>
+              <a:t>Математические задачи</a:t>
+            </a:r>
+            <a:br>
+              <a:rPr lang="ru-RU" dirty="0" smtClean="0">
+                <a:solidFill>
+                  <a:schemeClr val="bg1"/>
+                </a:solidFill>
+              </a:rPr>
+            </a:br>
+            <a:r>
+              <a:rPr lang="en-US" dirty="0" smtClean="0">
+                <a:solidFill>
+                  <a:schemeClr val="bg1"/>
+                </a:solidFill>
+                <a:hlinkClick r:id="rId4"/>
+              </a:rPr>
+              <a:t>http://projecteuler.net</a:t>
+            </a:r>
+            <a:endParaRPr lang="en-US" dirty="0" smtClean="0">
+              <a:solidFill>
+                <a:schemeClr val="bg1"/>
+              </a:solidFill>
+            </a:endParaRPr>
+          </a:p>
+          <a:p>
+            <a:endParaRPr lang="ru-RU" dirty="0" smtClean="0">
+              <a:solidFill>
+                <a:schemeClr val="bg1"/>
+              </a:solidFill>
+            </a:endParaRPr>
+          </a:p>
+          <a:p>
+            <a:r>
+              <a:rPr lang="ru-RU" dirty="0" smtClean="0">
+                <a:solidFill>
+                  <a:schemeClr val="bg1"/>
+                </a:solidFill>
+              </a:rPr>
+              <a:t>Кодо-дуэли</a:t>
+            </a:r>
+            <a:r>
+              <a:rPr lang="en-US" dirty="0" smtClean="0">
+                <a:solidFill>
+                  <a:schemeClr val="bg1"/>
+                </a:solidFill>
+              </a:rPr>
+              <a:t> </a:t>
+            </a:r>
+            <a:r>
+              <a:rPr lang="ru-RU" dirty="0" smtClean="0">
+                <a:solidFill>
+                  <a:schemeClr val="bg1"/>
+                </a:solidFill>
+              </a:rPr>
+              <a:t>на </a:t>
+            </a:r>
+            <a:r>
+              <a:rPr lang="en-US" dirty="0" smtClean="0">
+                <a:solidFill>
+                  <a:schemeClr val="bg1"/>
+                </a:solidFill>
+              </a:rPr>
+              <a:t>C#/VB.NET/F#</a:t>
+            </a:r>
+            <a:r>
+              <a:rPr lang="ru-RU" dirty="0" smtClean="0">
+                <a:solidFill>
+                  <a:schemeClr val="bg1"/>
+                </a:solidFill>
+              </a:rPr>
+              <a:t/>
+            </a:r>
+            <a:br>
+              <a:rPr lang="ru-RU" dirty="0" smtClean="0">
+                <a:solidFill>
+                  <a:schemeClr val="bg1"/>
+                </a:solidFill>
+              </a:rPr>
+            </a:br>
+            <a:r>
+              <a:rPr lang="en-US" dirty="0" smtClean="0">
+                <a:solidFill>
+                  <a:schemeClr val="bg1"/>
+                </a:solidFill>
+                <a:hlinkClick r:id="rId5"/>
+              </a:rPr>
+              <a:t>http://www.pex4fun.com</a:t>
+            </a:r>
+            <a:endParaRPr lang="en-US" dirty="0" smtClean="0">
+              <a:solidFill>
+                <a:schemeClr val="bg1"/>
+              </a:solidFill>
+            </a:endParaRPr>
+          </a:p>
+          <a:p>
+            <a:endParaRPr lang="en-US" dirty="0" smtClean="0">
+              <a:solidFill>
+                <a:schemeClr val="bg1"/>
+              </a:solidFill>
+            </a:endParaRPr>
+          </a:p>
+          <a:p>
+            <a:r>
+              <a:rPr lang="ru-RU" dirty="0" smtClean="0">
+                <a:solidFill>
+                  <a:schemeClr val="bg1"/>
+                </a:solidFill>
+              </a:rPr>
+              <a:t>Головоломки от других программистов</a:t>
+            </a:r>
+            <a:r>
+              <a:rPr lang="en-US" dirty="0" smtClean="0">
+                <a:solidFill>
+                  <a:schemeClr val="bg1"/>
+                </a:solidFill>
+              </a:rPr>
+              <a:t/>
+            </a:r>
+            <a:br>
+              <a:rPr lang="en-US" dirty="0" smtClean="0">
+                <a:solidFill>
+                  <a:schemeClr val="bg1"/>
+                </a:solidFill>
+              </a:rPr>
+            </a:br>
+            <a:r>
+              <a:rPr lang="en-US" dirty="0" smtClean="0">
+                <a:solidFill>
+                  <a:schemeClr val="bg1"/>
+                </a:solidFill>
+                <a:hlinkClick r:id="rId6"/>
+              </a:rPr>
+              <a:t>http://codegolf.stackexchange.com</a:t>
+            </a:r>
+            <a:endParaRPr lang="ru-RU" dirty="0" smtClean="0">
+              <a:solidFill>
+                <a:schemeClr val="bg1"/>
+              </a:solidFill>
+            </a:endParaRPr>
+          </a:p>
+          <a:p>
+            <a:endParaRPr lang="ru-RU" dirty="0" smtClean="0">
+              <a:solidFill>
+                <a:schemeClr val="bg1"/>
+              </a:solidFill>
+            </a:endParaRPr>
+          </a:p>
+          <a:p>
+            <a:pPr lvl="1"/>
+            <a:endParaRPr lang="en-US" dirty="0">
+              <a:solidFill>
+                <a:schemeClr val="bg1"/>
+              </a:solidFill>
+            </a:endParaRPr>
+          </a:p>
+        </p:txBody>
+      </p:sp>
+    </p:spTree>
+    <p:extLst>
+      <p:ext uri="{BB962C8B-B14F-4D97-AF65-F5344CB8AC3E}">
+        <p14:creationId xmlns:p14="http://schemas.microsoft.com/office/powerpoint/2010/main" val="1393508030"/>
+      </p:ext>
+    </p:extLst>
+  </p:cSld>
+  <p:clrMapOvr>
+    <a:masterClrMapping/>
+  </p:clrMapOvr>
+  <p:timing>
+    <p:tnLst>
+      <p:par>
+        <p:cTn id="1" dur="indefinite" restart="never" nodeType="tmRoot"/>
+      </p:par>
+    </p:tnLst>
+  </p:timing>
+</p:sld>
+</file>
+
+<file path=ppt/slides/slide14.xml><?xml version="1.0" encoding="utf-8"?>
+<p:sld xmlns:a="http://schemas.openxmlformats.org/drawingml/2006/main" xmlns:r="http://schemas.openxmlformats.org/officeDocument/2006/relationships" xmlns:p="http://schemas.openxmlformats.org/presentationml/2006/main">
+  <p:cSld>
+    <p:spTree>
+      <p:nvGrpSpPr>
+        <p:cNvPr id="1" name=""/>
+        <p:cNvGrpSpPr/>
+        <p:nvPr/>
+      </p:nvGrpSpPr>
+      <p:grpSpPr>
+        <a:xfrm>
+          <a:off x="0" y="0"/>
+          <a:ext cx="0" cy="0"/>
+          <a:chOff x="0" y="0"/>
+          <a:chExt cx="0" cy="0"/>
+        </a:xfrm>
+      </p:grpSpPr>
+      <p:sp>
+        <p:nvSpPr>
+          <p:cNvPr id="2" name="Title 1"/>
+          <p:cNvSpPr>
+            <a:spLocks noGrp="1"/>
+          </p:cNvSpPr>
+          <p:nvPr>
+            <p:ph type="title"/>
+          </p:nvPr>
+        </p:nvSpPr>
         <p:spPr/>
         <p:txBody>
           <a:bodyPr>
@@ -4388,7 +4746,7 @@
 </p:sld>
 </file>
 
-<file path=ppt/slides/slide14.xml><?xml version="1.0" encoding="utf-8"?>
+<file path=ppt/slides/slide15.xml><?xml version="1.0" encoding="utf-8"?>
 <p:sld xmlns:a="http://schemas.openxmlformats.org/drawingml/2006/main" xmlns:r="http://schemas.openxmlformats.org/officeDocument/2006/relationships" xmlns:p="http://schemas.openxmlformats.org/presentationml/2006/main">
   <p:cSld>
     <p:bg>
@@ -4562,140 +4920,74 @@
       </p:grpSpPr>
       <p:sp>
         <p:nvSpPr>
-          <p:cNvPr id="3" name="Rectangle 2"/>
-          <p:cNvSpPr/>
-          <p:nvPr/>
-        </p:nvSpPr>
-        <p:spPr>
-          <a:xfrm>
-            <a:off x="251520" y="188640"/>
-            <a:ext cx="8640960" cy="769441"/>
-          </a:xfrm>
-          <a:prstGeom prst="rect">
-            <a:avLst/>
-          </a:prstGeom>
-        </p:spPr>
-        <p:txBody>
-          <a:bodyPr wrap="square">
-            <a:spAutoFit/>
-          </a:bodyPr>
+          <p:cNvPr id="2" name="Title 1"/>
+          <p:cNvSpPr>
+            <a:spLocks noGrp="1"/>
+          </p:cNvSpPr>
+          <p:nvPr>
+            <p:ph type="title"/>
+          </p:nvPr>
+        </p:nvSpPr>
+        <p:spPr/>
+        <p:txBody>
+          <a:bodyPr/>
           <a:lstStyle/>
           <a:p>
-            <a:pPr lvl="0" algn="ctr"/>
-            <a:r>
-              <a:rPr lang="ru-RU" sz="4400" dirty="0" smtClean="0">
-                <a:solidFill>
-                  <a:schemeClr val="bg1"/>
-                </a:solidFill>
-              </a:rPr>
-              <a:t>Другие </a:t>
-            </a:r>
-            <a:r>
-              <a:rPr lang="ru-RU" sz="4400" dirty="0">
-                <a:solidFill>
-                  <a:schemeClr val="bg1"/>
-                </a:solidFill>
-              </a:rPr>
-              <a:t>курсы </a:t>
-            </a:r>
-            <a:r>
-              <a:rPr lang="ru-RU" sz="4400" dirty="0" smtClean="0">
-                <a:solidFill>
-                  <a:schemeClr val="bg1"/>
-                </a:solidFill>
-              </a:rPr>
-              <a:t>БелХард по </a:t>
-            </a:r>
-            <a:r>
-              <a:rPr lang="en-US" sz="4400" dirty="0" smtClean="0">
-                <a:solidFill>
-                  <a:schemeClr val="bg1"/>
-                </a:solidFill>
-              </a:rPr>
-              <a:t>.NET</a:t>
-            </a:r>
-            <a:endParaRPr lang="en-US" sz="4400" dirty="0">
-              <a:solidFill>
-                <a:schemeClr val="bg1"/>
-              </a:solidFill>
-            </a:endParaRPr>
-          </a:p>
-        </p:txBody>
-      </p:sp>
-      <p:sp>
-        <p:nvSpPr>
-          <p:cNvPr id="2" name="TextBox 1"/>
-          <p:cNvSpPr txBox="1"/>
-          <p:nvPr/>
-        </p:nvSpPr>
-        <p:spPr>
-          <a:xfrm>
-            <a:off x="251520" y="1450519"/>
-            <a:ext cx="8640960" cy="2554545"/>
-          </a:xfrm>
-          <a:prstGeom prst="rect">
-            <a:avLst/>
-          </a:prstGeom>
-          <a:noFill/>
-        </p:spPr>
-        <p:txBody>
-          <a:bodyPr wrap="square" rtlCol="0">
-            <a:spAutoFit/>
-          </a:bodyPr>
+            <a:r>
+              <a:rPr lang="ru-RU" dirty="0" smtClean="0"/>
+              <a:t>Отзывы</a:t>
+            </a:r>
+            <a:endParaRPr lang="ru-RU" dirty="0"/>
+          </a:p>
+        </p:txBody>
+      </p:sp>
+      <p:sp>
+        <p:nvSpPr>
+          <p:cNvPr id="3" name="Content Placeholder 2"/>
+          <p:cNvSpPr>
+            <a:spLocks noGrp="1"/>
+          </p:cNvSpPr>
+          <p:nvPr>
+            <p:ph idx="1"/>
+          </p:nvPr>
+        </p:nvSpPr>
+        <p:spPr/>
+        <p:txBody>
+          <a:bodyPr anchor="ctr"/>
           <a:lstStyle/>
           <a:p>
-            <a:pPr marL="457200" indent="-457200">
-              <a:buFont typeface="Arial" pitchFamily="34" charset="0"/>
-              <a:buChar char="•"/>
+            <a:pPr marL="0" indent="0" algn="ctr">
+              <a:buNone/>
             </a:pPr>
             <a:r>
-              <a:rPr lang="ru-RU" sz="3200" dirty="0" smtClean="0"/>
-              <a:t>Создание </a:t>
-            </a:r>
-            <a:r>
-              <a:rPr lang="ru-RU" sz="3200" dirty="0"/>
-              <a:t>веб-приложений в </a:t>
-            </a:r>
-            <a:r>
-              <a:rPr lang="en-US" sz="3200" dirty="0" smtClean="0"/>
-              <a:t>ASP.NET</a:t>
-            </a:r>
-          </a:p>
-          <a:p>
-            <a:pPr marL="914400" lvl="1" indent="-457200">
-              <a:buFont typeface="Arial" pitchFamily="34" charset="0"/>
-              <a:buChar char="•"/>
+              <a:rPr lang="ru-RU" dirty="0" smtClean="0"/>
+              <a:t>Отзыв можно оставить на сайте</a:t>
+            </a:r>
+          </a:p>
+          <a:p>
+            <a:pPr marL="0" indent="0" algn="ctr">
+              <a:buNone/>
             </a:pPr>
             <a:r>
-              <a:rPr lang="ru-RU" sz="3200" dirty="0" smtClean="0"/>
-              <a:t>Перед этим рекомендуется – «HTML </a:t>
-            </a:r>
-            <a:r>
-              <a:rPr lang="ru-RU" sz="3200" dirty="0"/>
-              <a:t>и CSS. Секреты вёрстки</a:t>
-            </a:r>
-            <a:r>
-              <a:rPr lang="ru-RU" sz="3200" dirty="0" smtClean="0"/>
-              <a:t>.»</a:t>
-            </a:r>
-            <a:endParaRPr lang="ru-RU" sz="3200" dirty="0"/>
-          </a:p>
-          <a:p>
-            <a:pPr marL="457200" indent="-457200">
-              <a:buFont typeface="Arial" pitchFamily="34" charset="0"/>
-              <a:buChar char="•"/>
-            </a:pPr>
-            <a:r>
-              <a:rPr lang="ru-RU" sz="3200" dirty="0"/>
-              <a:t>Windows Phone 7: проектирование и разработка приложений</a:t>
-            </a:r>
+              <a:rPr lang="en-US" dirty="0">
+                <a:hlinkClick r:id="rId2"/>
+              </a:rPr>
+              <a:t>http://belhard.tam.by</a:t>
+            </a:r>
+            <a:r>
+              <a:rPr lang="en-US" dirty="0" smtClean="0">
+                <a:hlinkClick r:id="rId2"/>
+              </a:rPr>
+              <a:t>/</a:t>
+            </a:r>
+            <a:endParaRPr lang="ru-RU" dirty="0"/>
           </a:p>
         </p:txBody>
       </p:sp>
     </p:spTree>
     <p:extLst>
       <p:ext uri="{BB962C8B-B14F-4D97-AF65-F5344CB8AC3E}">
-        <p14:creationId xmlns:p14="http://schemas.microsoft.com/office/powerpoint/2010/main" val="1086215874"/>
+        <p14:creationId xmlns:p14="http://schemas.microsoft.com/office/powerpoint/2010/main" val="1584935290"/>
       </p:ext>
     </p:extLst>
   </p:cSld>
@@ -4757,7 +5049,31 @@
                   <a:schemeClr val="bg1"/>
                 </a:solidFill>
               </a:rPr>
-              <a:t>Еще курсы БелХард</a:t>
+              <a:t>Другие </a:t>
+            </a:r>
+            <a:r>
+              <a:rPr lang="ru-RU" sz="4400" dirty="0">
+                <a:solidFill>
+                  <a:schemeClr val="bg1"/>
+                </a:solidFill>
+              </a:rPr>
+              <a:t>курсы </a:t>
+            </a:r>
+            <a:r>
+              <a:rPr lang="ru-RU" sz="4400" dirty="0" smtClean="0">
+                <a:solidFill>
+                  <a:schemeClr val="bg1"/>
+                </a:solidFill>
+              </a:rPr>
+              <a:t>БелХард по </a:t>
+            </a:r>
+            <a:r>
+              <a:rPr lang="en-US" sz="4400" dirty="0" smtClean="0">
+                <a:solidFill>
+                  <a:schemeClr val="bg1"/>
+                </a:solidFill>
+              </a:rPr>
+              <a:t>.NET</a:t>
             </a:r>
             <a:endParaRPr lang="en-US" sz="4400" dirty="0">
               <a:solidFill>
@@ -4776,7 +5092,7 @@
         <p:spPr>
           <a:xfrm>
             <a:off x="251520" y="1450519"/>
-            <a:ext cx="8640960" cy="5016758"/>
+            <a:ext cx="8640960" cy="2554545"/>
           </a:xfrm>
           <a:prstGeom prst="rect">
             <a:avLst/>
@@ -4795,37 +5111,35 @@
             </a:pPr>
             <a:r>
               <a:rPr lang="ru-RU" sz="3200" dirty="0" smtClean="0"/>
-              <a:t>Языки программирования </a:t>
+              <a:t>Создание </a:t>
+            </a:r>
+            <a:r>
+              <a:rPr lang="ru-RU" sz="3200" dirty="0"/>
+              <a:t>веб-приложений в </a:t>
             </a:r>
             <a:r>
               <a:rPr lang="en-US" sz="3200" dirty="0" smtClean="0"/>
-              <a:t>C, C++</a:t>
-            </a:r>
+              <a:t>ASP.NET</a:t>
+            </a:r>
+          </a:p>
+          <a:p>
+            <a:pPr marL="914400" lvl="1" indent="-457200">
+              <a:buFont typeface="Arial" pitchFamily="34" charset="0"/>
+              <a:buChar char="•"/>
+            </a:pPr>
             <a:r>
               <a:rPr lang="ru-RU" sz="3200" dirty="0" smtClean="0"/>
-              <a:t>, </a:t>
-            </a:r>
-            <a:r>
-              <a:rPr lang="en-US" sz="3200" dirty="0" smtClean="0"/>
-              <a:t>Java </a:t>
+              <a:t>Перед этим рекомендуется – «HTML </a:t>
+            </a:r>
+            <a:r>
+              <a:rPr lang="ru-RU" sz="3200" dirty="0"/>
+              <a:t>и CSS. Секреты вёрстки</a:t>
             </a:r>
             <a:r>
               <a:rPr lang="ru-RU" sz="3200" dirty="0" smtClean="0"/>
-              <a:t>(2 курса), </a:t>
-            </a:r>
-            <a:r>
-              <a:rPr lang="en-US" sz="3200" dirty="0" smtClean="0"/>
-              <a:t>Python</a:t>
-            </a:r>
-            <a:r>
-              <a:rPr lang="ru-RU" sz="3200" dirty="0" smtClean="0"/>
-              <a:t>, </a:t>
-            </a:r>
-            <a:r>
-              <a:rPr lang="en-US" sz="3200" dirty="0" smtClean="0"/>
-              <a:t>Ruby</a:t>
-            </a:r>
-            <a:endParaRPr lang="ru-RU" sz="3200" dirty="0" smtClean="0"/>
+              <a:t>.»</a:t>
+            </a:r>
+            <a:endParaRPr lang="ru-RU" sz="3200" dirty="0"/>
           </a:p>
           <a:p>
             <a:pPr marL="457200" indent="-457200">
@@ -4833,105 +5147,16 @@
               <a:buChar char="•"/>
             </a:pPr>
             <a:r>
-              <a:rPr lang="ru-RU" sz="3200" dirty="0" smtClean="0"/>
-              <a:t>Базы данных: </a:t>
-            </a:r>
-            <a:r>
-              <a:rPr lang="en-US" sz="3200" dirty="0" smtClean="0"/>
-              <a:t>MySQL</a:t>
-            </a:r>
-            <a:endParaRPr lang="ru-RU" sz="3200" dirty="0" smtClean="0"/>
-          </a:p>
-          <a:p>
-            <a:pPr marL="457200" indent="-457200">
-              <a:buFont typeface="Arial" pitchFamily="34" charset="0"/>
-              <a:buChar char="•"/>
-            </a:pPr>
-            <a:r>
-              <a:rPr lang="ru-RU" sz="3200" dirty="0" smtClean="0"/>
-              <a:t>Веб-программирование: </a:t>
-            </a:r>
-            <a:r>
-              <a:rPr lang="en-US" sz="3200" dirty="0"/>
-              <a:t>HTML, </a:t>
-            </a:r>
-            <a:r>
-              <a:rPr lang="en-US" sz="3200" dirty="0" smtClean="0"/>
-              <a:t>PHP, JavaScript, Flash</a:t>
-            </a:r>
-          </a:p>
-          <a:p>
-            <a:pPr marL="457200" indent="-457200">
-              <a:buFont typeface="Arial" pitchFamily="34" charset="0"/>
-              <a:buChar char="•"/>
-            </a:pPr>
-            <a:r>
-              <a:rPr lang="ru-RU" sz="3200" dirty="0" smtClean="0"/>
-              <a:t>Веб-дизайн</a:t>
-            </a:r>
-            <a:endParaRPr lang="en-US" sz="3200" dirty="0" smtClean="0"/>
-          </a:p>
-          <a:p>
-            <a:pPr marL="457200" indent="-457200">
-              <a:buFont typeface="Arial" pitchFamily="34" charset="0"/>
-              <a:buChar char="•"/>
-            </a:pPr>
-            <a:r>
-              <a:rPr lang="ru-RU" sz="3200" dirty="0" smtClean="0"/>
-              <a:t>Мобильные приложения – </a:t>
-            </a:r>
-            <a:r>
-              <a:rPr lang="en-US" sz="3200" dirty="0" smtClean="0"/>
-              <a:t>Android </a:t>
-            </a:r>
-            <a:r>
-              <a:rPr lang="ru-RU" sz="3200" dirty="0" smtClean="0"/>
-              <a:t>и </a:t>
-            </a:r>
-            <a:r>
-              <a:rPr lang="en-US" sz="3200" dirty="0" smtClean="0"/>
-              <a:t>iPhone</a:t>
-            </a:r>
-            <a:endParaRPr lang="ru-RU" sz="3200" dirty="0" smtClean="0"/>
-          </a:p>
-          <a:p>
-            <a:pPr marL="457200" indent="-457200">
-              <a:buFont typeface="Arial" pitchFamily="34" charset="0"/>
-              <a:buChar char="•"/>
-            </a:pPr>
-            <a:r>
-              <a:rPr lang="ru-RU" sz="3200" dirty="0" smtClean="0"/>
-              <a:t>Тестирование приложений</a:t>
-            </a:r>
-            <a:endParaRPr lang="en-US" sz="3200" dirty="0" smtClean="0"/>
-          </a:p>
-          <a:p>
-            <a:pPr marL="457200" indent="-457200">
-              <a:buFont typeface="Arial" pitchFamily="34" charset="0"/>
-              <a:buChar char="•"/>
-            </a:pPr>
-            <a:r>
-              <a:rPr lang="ru-RU" sz="3200" dirty="0" smtClean="0"/>
-              <a:t>Компьтерная графика и верстка</a:t>
-            </a:r>
-          </a:p>
-          <a:p>
-            <a:pPr marL="457200" indent="-457200">
-              <a:buFont typeface="Arial" pitchFamily="34" charset="0"/>
-              <a:buChar char="•"/>
-            </a:pPr>
-            <a:r>
-              <a:rPr lang="ru-RU" sz="3200" dirty="0" smtClean="0"/>
-              <a:t>Системное администрирование</a:t>
-            </a:r>
-            <a:endParaRPr lang="ru-RU" sz="3200" dirty="0"/>
+              <a:rPr lang="ru-RU" sz="3200" dirty="0"/>
+              <a:t>Windows Phone 7: проектирование и разработка приложений</a:t>
+            </a:r>
           </a:p>
         </p:txBody>
       </p:sp>
     </p:spTree>
     <p:extLst>
       <p:ext uri="{BB962C8B-B14F-4D97-AF65-F5344CB8AC3E}">
-        <p14:creationId xmlns:p14="http://schemas.microsoft.com/office/powerpoint/2010/main" val="1126659838"/>
+        <p14:creationId xmlns:p14="http://schemas.microsoft.com/office/powerpoint/2010/main" val="1086215874"/>
       </p:ext>
     </p:extLst>
   </p:cSld>
@@ -4967,162 +5192,207 @@
       </p:grpSpPr>
       <p:sp>
         <p:nvSpPr>
-          <p:cNvPr id="2" name="Title 1"/>
-          <p:cNvSpPr>
-            <a:spLocks noGrp="1"/>
-          </p:cNvSpPr>
-          <p:nvPr>
-            <p:ph type="title"/>
-          </p:nvPr>
-        </p:nvSpPr>
-        <p:spPr/>
-        <p:txBody>
-          <a:bodyPr/>
-          <a:lstStyle/>
-          <a:p>
-            <a:r>
-              <a:rPr lang="ru-RU" dirty="0" smtClean="0"/>
-              <a:t>Что делать дальше?</a:t>
-            </a:r>
-            <a:endParaRPr lang="ru-RU" dirty="0"/>
-          </a:p>
-        </p:txBody>
-      </p:sp>
-      <p:sp>
-        <p:nvSpPr>
-          <p:cNvPr id="3" name="Content Placeholder 2"/>
-          <p:cNvSpPr>
-            <a:spLocks noGrp="1"/>
-          </p:cNvSpPr>
-          <p:nvPr>
-            <p:ph idx="1"/>
-          </p:nvPr>
+          <p:cNvPr id="3" name="Rectangle 2"/>
+          <p:cNvSpPr/>
+          <p:nvPr/>
         </p:nvSpPr>
         <p:spPr>
           <a:xfrm>
-            <a:off x="457200" y="1340768"/>
-            <a:ext cx="8229600" cy="5328592"/>
+            <a:off x="251520" y="188640"/>
+            <a:ext cx="8640960" cy="769441"/>
           </a:xfrm>
+          <a:prstGeom prst="rect">
+            <a:avLst/>
+          </a:prstGeom>
         </p:spPr>
         <p:txBody>
-          <a:bodyPr>
-            <a:noAutofit/>
+          <a:bodyPr wrap="square">
+            <a:spAutoFit/>
           </a:bodyPr>
           <a:lstStyle/>
           <a:p>
-            <a:r>
-              <a:rPr lang="ru-RU" sz="2000" dirty="0"/>
-              <a:t>ПРОГРАММИРУЙТЕ</a:t>
-            </a:r>
-            <a:r>
-              <a:rPr lang="ru-RU" sz="2000" dirty="0" smtClean="0"/>
-              <a:t>!</a:t>
-            </a:r>
-          </a:p>
-          <a:p>
-            <a:r>
-              <a:rPr lang="ru-RU" sz="2000" dirty="0" smtClean="0"/>
-              <a:t>Читайте книги и блоги</a:t>
-            </a:r>
-            <a:r>
-              <a:rPr lang="en-US" sz="2000" dirty="0" smtClean="0"/>
-              <a:t>;</a:t>
-            </a:r>
-            <a:endParaRPr lang="ru-RU" sz="2000" dirty="0" smtClean="0"/>
-          </a:p>
-          <a:p>
-            <a:r>
-              <a:rPr lang="ru-RU" sz="2000" dirty="0" smtClean="0"/>
-              <a:t>Смотрите обучающие видео</a:t>
-            </a:r>
-            <a:r>
-              <a:rPr lang="en-US" sz="2000" dirty="0" smtClean="0"/>
-              <a:t>;</a:t>
-            </a:r>
-            <a:endParaRPr lang="ru-RU" sz="2000" dirty="0" smtClean="0"/>
-          </a:p>
-          <a:p>
-            <a:r>
-              <a:rPr lang="ru-RU" sz="2000" dirty="0" smtClean="0"/>
-              <a:t>Слушайте подкасты</a:t>
-            </a:r>
-            <a:r>
-              <a:rPr lang="en-US" sz="2000" dirty="0" smtClean="0"/>
-              <a:t>;</a:t>
-            </a:r>
-            <a:endParaRPr lang="ru-RU" sz="2000" dirty="0" smtClean="0"/>
-          </a:p>
-          <a:p>
-            <a:r>
-              <a:rPr lang="ru-RU" sz="2000" dirty="0" smtClean="0"/>
-              <a:t>Посещайте конференции, пользовательские группы, хакатоны и другие события</a:t>
-            </a:r>
-            <a:r>
-              <a:rPr lang="en-US" sz="2000" dirty="0" smtClean="0"/>
-              <a:t>;</a:t>
-            </a:r>
-          </a:p>
-          <a:p>
-            <a:r>
-              <a:rPr lang="ru-RU" sz="2000" dirty="0" smtClean="0"/>
-              <a:t>Участвуйте в проектах с открытым исходным кодом</a:t>
-            </a:r>
-            <a:endParaRPr lang="en-US" sz="2000" dirty="0" smtClean="0"/>
-          </a:p>
-          <a:p>
-            <a:r>
-              <a:rPr lang="ru-RU" sz="2000" dirty="0" smtClean="0"/>
-              <a:t>Сертификация </a:t>
-            </a:r>
-            <a:r>
-              <a:rPr lang="en-US" sz="2000" dirty="0" smtClean="0"/>
-              <a:t>Microsoft</a:t>
-            </a:r>
-          </a:p>
-          <a:p>
-            <a:pPr lvl="1"/>
-            <a:r>
-              <a:rPr lang="en-US" sz="2000" dirty="0" smtClean="0"/>
-              <a:t>MCSD (Microsoft Certified </a:t>
-            </a:r>
-            <a:r>
-              <a:rPr lang="en-US" sz="2000" dirty="0" err="1" smtClean="0"/>
-              <a:t>Soluitons</a:t>
-            </a:r>
-            <a:r>
-              <a:rPr lang="en-US" sz="2000" dirty="0" smtClean="0"/>
-              <a:t> Developer)</a:t>
-            </a:r>
-          </a:p>
-          <a:p>
-            <a:pPr lvl="1"/>
-            <a:r>
-              <a:rPr lang="en-US" sz="2000" dirty="0">
-                <a:hlinkClick r:id="rId2"/>
-              </a:rPr>
-              <a:t>http://</a:t>
-            </a:r>
-            <a:r>
-              <a:rPr lang="en-US" sz="2000" dirty="0" smtClean="0">
-                <a:hlinkClick r:id="rId2"/>
-              </a:rPr>
-              <a:t>www.microsoft.com/learning/en-us/certification-overview.aspx</a:t>
-            </a:r>
-            <a:endParaRPr lang="ru-RU" sz="2000" dirty="0" smtClean="0"/>
-          </a:p>
-          <a:p>
-            <a:r>
-              <a:rPr lang="ru-RU" sz="2000" dirty="0" smtClean="0"/>
-              <a:t>Изучайте другие языки программирования, технологии и платформы!</a:t>
-            </a:r>
-            <a:endParaRPr lang="ru-RU" sz="2000" dirty="0"/>
+            <a:pPr lvl="0" algn="ctr"/>
+            <a:r>
+              <a:rPr lang="ru-RU" sz="4400" dirty="0" smtClean="0">
+                <a:solidFill>
+                  <a:schemeClr val="bg1"/>
+                </a:solidFill>
+              </a:rPr>
+              <a:t>Еще курсы БелХард</a:t>
+            </a:r>
+            <a:endParaRPr lang="en-US" sz="4400" dirty="0">
+              <a:solidFill>
+                <a:schemeClr val="bg1"/>
+              </a:solidFill>
+            </a:endParaRPr>
+          </a:p>
+        </p:txBody>
+      </p:sp>
+      <p:sp>
+        <p:nvSpPr>
+          <p:cNvPr id="2" name="TextBox 1"/>
+          <p:cNvSpPr txBox="1"/>
+          <p:nvPr/>
+        </p:nvSpPr>
+        <p:spPr>
+          <a:xfrm>
+            <a:off x="251520" y="1450519"/>
+            <a:ext cx="8640960" cy="5016758"/>
+          </a:xfrm>
+          <a:prstGeom prst="rect">
+            <a:avLst/>
+          </a:prstGeom>
+          <a:noFill/>
+        </p:spPr>
+        <p:txBody>
+          <a:bodyPr wrap="square" rtlCol="0">
+            <a:spAutoFit/>
+          </a:bodyPr>
+          <a:lstStyle/>
+          <a:p>
+            <a:pPr marL="457200" indent="-457200">
+              <a:buFont typeface="Arial" pitchFamily="34" charset="0"/>
+              <a:buChar char="•"/>
+            </a:pPr>
+            <a:r>
+              <a:rPr lang="ru-RU" sz="3200" dirty="0" smtClean="0"/>
+              <a:t>Языки программирования </a:t>
+            </a:r>
+            <a:r>
+              <a:rPr lang="en-US" sz="3200" dirty="0" smtClean="0"/>
+              <a:t>C, C++</a:t>
+            </a:r>
+            <a:r>
+              <a:rPr lang="ru-RU" sz="3200" dirty="0" smtClean="0"/>
+              <a:t>, </a:t>
+            </a:r>
+            <a:r>
+              <a:rPr lang="en-US" sz="3200" dirty="0" smtClean="0"/>
+              <a:t>Java </a:t>
+            </a:r>
+            <a:r>
+              <a:rPr lang="ru-RU" sz="3200" dirty="0" smtClean="0"/>
+              <a:t>(2 курса), </a:t>
+            </a:r>
+            <a:r>
+              <a:rPr lang="en-US" sz="3200" dirty="0" smtClean="0"/>
+              <a:t>Python</a:t>
+            </a:r>
+            <a:r>
+              <a:rPr lang="ru-RU" sz="3200" dirty="0" smtClean="0"/>
+              <a:t>, </a:t>
+            </a:r>
+            <a:r>
+              <a:rPr lang="en-US" sz="3200" dirty="0" smtClean="0"/>
+              <a:t>Ruby</a:t>
+            </a:r>
+            <a:endParaRPr lang="ru-RU" sz="3200" dirty="0" smtClean="0"/>
+          </a:p>
+          <a:p>
+            <a:pPr marL="457200" indent="-457200">
+              <a:buFont typeface="Arial" pitchFamily="34" charset="0"/>
+              <a:buChar char="•"/>
+            </a:pPr>
+            <a:r>
+              <a:rPr lang="ru-RU" sz="3200" dirty="0" smtClean="0"/>
+              <a:t>Базы данных: </a:t>
+            </a:r>
+            <a:r>
+              <a:rPr lang="en-US" sz="3200" dirty="0" smtClean="0"/>
+              <a:t>MySQL</a:t>
+            </a:r>
+            <a:endParaRPr lang="ru-RU" sz="3200" dirty="0" smtClean="0"/>
+          </a:p>
+          <a:p>
+            <a:pPr marL="457200" indent="-457200">
+              <a:buFont typeface="Arial" pitchFamily="34" charset="0"/>
+              <a:buChar char="•"/>
+            </a:pPr>
+            <a:r>
+              <a:rPr lang="ru-RU" sz="3200" dirty="0" smtClean="0"/>
+              <a:t>Веб-программирование: </a:t>
+            </a:r>
+            <a:r>
+              <a:rPr lang="en-US" sz="3200" dirty="0"/>
+              <a:t>HTML, </a:t>
+            </a:r>
+            <a:r>
+              <a:rPr lang="en-US" sz="3200" dirty="0" smtClean="0"/>
+              <a:t>PHP, JavaScript, Flash</a:t>
+            </a:r>
+          </a:p>
+          <a:p>
+            <a:pPr marL="457200" indent="-457200">
+              <a:buFont typeface="Arial" pitchFamily="34" charset="0"/>
+              <a:buChar char="•"/>
+            </a:pPr>
+            <a:r>
+              <a:rPr lang="ru-RU" sz="3200" dirty="0" smtClean="0"/>
+              <a:t>Веб-дизайн</a:t>
+            </a:r>
+            <a:endParaRPr lang="en-US" sz="3200" dirty="0" smtClean="0"/>
+          </a:p>
+          <a:p>
+            <a:pPr marL="457200" indent="-457200">
+              <a:buFont typeface="Arial" pitchFamily="34" charset="0"/>
+              <a:buChar char="•"/>
+            </a:pPr>
+            <a:r>
+              <a:rPr lang="ru-RU" sz="3200" dirty="0" smtClean="0"/>
+              <a:t>Мобильные приложения – </a:t>
+            </a:r>
+            <a:r>
+              <a:rPr lang="en-US" sz="3200" dirty="0" smtClean="0"/>
+              <a:t>Android </a:t>
+            </a:r>
+            <a:r>
+              <a:rPr lang="ru-RU" sz="3200" dirty="0" smtClean="0"/>
+              <a:t>и </a:t>
+            </a:r>
+            <a:r>
+              <a:rPr lang="en-US" sz="3200" dirty="0" smtClean="0"/>
+              <a:t>iPhone</a:t>
+            </a:r>
+            <a:endParaRPr lang="ru-RU" sz="3200" dirty="0" smtClean="0"/>
+          </a:p>
+          <a:p>
+            <a:pPr marL="457200" indent="-457200">
+              <a:buFont typeface="Arial" pitchFamily="34" charset="0"/>
+              <a:buChar char="•"/>
+            </a:pPr>
+            <a:r>
+              <a:rPr lang="ru-RU" sz="3200" dirty="0" smtClean="0"/>
+              <a:t>Тестирование приложений</a:t>
+            </a:r>
+            <a:endParaRPr lang="en-US" sz="3200" dirty="0" smtClean="0"/>
+          </a:p>
+          <a:p>
+            <a:pPr marL="457200" indent="-457200">
+              <a:buFont typeface="Arial" pitchFamily="34" charset="0"/>
+              <a:buChar char="•"/>
+            </a:pPr>
+            <a:r>
+              <a:rPr lang="ru-RU" sz="3200" dirty="0" smtClean="0"/>
+              <a:t>Компьтерная графика и верстка</a:t>
+            </a:r>
+          </a:p>
+          <a:p>
+            <a:pPr marL="457200" indent="-457200">
+              <a:buFont typeface="Arial" pitchFamily="34" charset="0"/>
+              <a:buChar char="•"/>
+            </a:pPr>
+            <a:r>
+              <a:rPr lang="ru-RU" sz="3200" dirty="0" smtClean="0"/>
+              <a:t>Системное администрирование</a:t>
+            </a:r>
+            <a:endParaRPr lang="ru-RU" sz="3200" dirty="0"/>
           </a:p>
         </p:txBody>
       </p:sp>
     </p:spTree>
     <p:extLst>
       <p:ext uri="{BB962C8B-B14F-4D97-AF65-F5344CB8AC3E}">
-        <p14:creationId xmlns:p14="http://schemas.microsoft.com/office/powerpoint/2010/main" val="1949458573"/>
+        <p14:creationId xmlns:p14="http://schemas.microsoft.com/office/powerpoint/2010/main" val="1126659838"/>
       </p:ext>
     </p:extLst>
   </p:cSld>
@@ -5168,14 +5438,12 @@
         </p:nvSpPr>
         <p:spPr/>
         <p:txBody>
-          <a:bodyPr>
-            <a:normAutofit fontScale="90000"/>
-          </a:bodyPr>
+          <a:bodyPr/>
           <a:lstStyle/>
           <a:p>
             <a:r>
               <a:rPr lang="ru-RU" dirty="0" smtClean="0"/>
-              <a:t>Проекты с открытым исходным кодом</a:t>
+              <a:t>Что делать дальше?</a:t>
             </a:r>
             <a:endParaRPr lang="ru-RU" dirty="0"/>
           </a:p>
@@ -5191,87 +5459,144 @@
             <p:ph idx="1"/>
           </p:nvPr>
         </p:nvSpPr>
-        <p:spPr/>
-        <p:txBody>
-          <a:bodyPr/>
+        <p:spPr>
+          <a:xfrm>
+            <a:off x="457200" y="1340768"/>
+            <a:ext cx="8229600" cy="5328592"/>
+          </a:xfrm>
+        </p:spPr>
+        <p:txBody>
+          <a:bodyPr>
+            <a:noAutofit/>
+          </a:bodyPr>
           <a:lstStyle/>
           <a:p>
             <a:r>
-              <a:rPr lang="ru-RU" dirty="0" smtClean="0"/>
-              <a:t>Выбор проекта для участия</a:t>
+              <a:rPr lang="ru-RU" sz="2000" dirty="0"/>
+              <a:t>ПРОГРАММИРУЙТЕ</a:t>
+            </a:r>
+            <a:r>
+              <a:rPr lang="ru-RU" sz="2000" dirty="0" smtClean="0"/>
+              <a:t>!</a:t>
+            </a:r>
+          </a:p>
+          <a:p>
+            <a:r>
+              <a:rPr lang="ru-RU" sz="2000" dirty="0" smtClean="0"/>
+              <a:t>Читайте книги и блоги</a:t>
+            </a:r>
+            <a:r>
+              <a:rPr lang="en-US" sz="2000" dirty="0" smtClean="0"/>
+              <a:t>;</a:t>
+            </a:r>
+            <a:endParaRPr lang="ru-RU" sz="2000" dirty="0" smtClean="0"/>
+          </a:p>
+          <a:p>
+            <a:r>
+              <a:rPr lang="ru-RU" sz="2000" dirty="0" smtClean="0"/>
+              <a:t>Смотрите обучающие видео</a:t>
+            </a:r>
+            <a:r>
+              <a:rPr lang="en-US" sz="2000" dirty="0" smtClean="0"/>
+              <a:t>;</a:t>
+            </a:r>
+            <a:endParaRPr lang="ru-RU" sz="2000" dirty="0" smtClean="0"/>
+          </a:p>
+          <a:p>
+            <a:r>
+              <a:rPr lang="ru-RU" sz="2000" dirty="0" smtClean="0"/>
+              <a:t>Слушайте подкасты</a:t>
+            </a:r>
+            <a:r>
+              <a:rPr lang="en-US" sz="2000" dirty="0" smtClean="0"/>
+              <a:t>;</a:t>
+            </a:r>
+            <a:endParaRPr lang="ru-RU" sz="2000" dirty="0" smtClean="0"/>
+          </a:p>
+          <a:p>
+            <a:r>
+              <a:rPr lang="ru-RU" sz="2000" dirty="0" smtClean="0"/>
+              <a:t>Посещайте конференции, пользовательские группы, хакатоны и другие события</a:t>
+            </a:r>
+            <a:r>
+              <a:rPr lang="en-US" sz="2000" dirty="0" smtClean="0"/>
+              <a:t>;</a:t>
+            </a:r>
+          </a:p>
+          <a:p>
+            <a:r>
+              <a:rPr lang="ru-RU" sz="2000" dirty="0" smtClean="0"/>
+              <a:t>Участвуйте в проектах с открытым исходным кодом</a:t>
+            </a:r>
+            <a:endParaRPr lang="en-US" sz="2000" dirty="0" smtClean="0"/>
+          </a:p>
+          <a:p>
+            <a:r>
+              <a:rPr lang="ru-RU" sz="2000" dirty="0" smtClean="0"/>
+              <a:t>Сертификация </a:t>
+            </a:r>
+            <a:r>
+              <a:rPr lang="en-US" sz="2000" dirty="0" smtClean="0"/>
+              <a:t>Microsoft</a:t>
             </a:r>
           </a:p>
           <a:p>
             <a:pPr lvl="1"/>
             <a:r>
-              <a:rPr lang="en-US" dirty="0">
+              <a:rPr lang="en-US" sz="2000" dirty="0" smtClean="0"/>
+              <a:t>MCSD (Microsoft Certified </a:t>
+            </a:r>
+            <a:r>
+              <a:rPr lang="en-US" sz="2000" dirty="0" err="1" smtClean="0"/>
+              <a:t>Soluitons</a:t>
+            </a:r>
+            <a:r>
+              <a:rPr lang="en-US" sz="2000" dirty="0" smtClean="0"/>
+              <a:t> Developer)</a:t>
+            </a:r>
+          </a:p>
+          <a:p>
+            <a:pPr lvl="1"/>
+            <a:r>
+              <a:rPr lang="en-US" sz="2000" dirty="0">
                 <a:hlinkClick r:id="rId2"/>
               </a:rPr>
-              <a:t>http://up-for-grabs.net</a:t>
-            </a:r>
-            <a:endParaRPr lang="ru-RU" dirty="0" smtClean="0"/>
-          </a:p>
-          <a:p>
-            <a:r>
-              <a:rPr lang="ru-RU" dirty="0" smtClean="0"/>
-              <a:t>Хостинг для своих проектов</a:t>
-            </a:r>
-          </a:p>
-          <a:p>
-            <a:pPr lvl="1"/>
-            <a:r>
-              <a:rPr lang="en-US" dirty="0">
-                <a:hlinkClick r:id="rId3"/>
-              </a:rPr>
-              <a:t>http://codeplex.com</a:t>
-            </a:r>
-            <a:r>
-              <a:rPr lang="en-US" dirty="0" smtClean="0">
-                <a:hlinkClick r:id="rId3"/>
-              </a:rPr>
-              <a:t>/</a:t>
-            </a:r>
-            <a:endParaRPr lang="ru-RU" dirty="0" smtClean="0"/>
-          </a:p>
-          <a:p>
-            <a:pPr lvl="1"/>
-            <a:r>
-              <a:rPr lang="en-US" dirty="0" smtClean="0">
-                <a:hlinkClick r:id="rId4"/>
-              </a:rPr>
-              <a:t>https://github.com</a:t>
-            </a:r>
-            <a:endParaRPr lang="ru-RU" dirty="0" smtClean="0"/>
-          </a:p>
-          <a:p>
-            <a:pPr lvl="1"/>
-            <a:r>
-              <a:rPr lang="en-US" dirty="0" smtClean="0">
-                <a:hlinkClick r:id="rId5"/>
-              </a:rPr>
-              <a:t>https://bitbucket.org</a:t>
-            </a:r>
-            <a:endParaRPr lang="ru-RU" dirty="0" smtClean="0"/>
-          </a:p>
-          <a:p>
-            <a:pPr lvl="1"/>
-            <a:endParaRPr lang="ru-RU" dirty="0" smtClean="0"/>
-          </a:p>
-          <a:p>
-            <a:endParaRPr lang="ru-RU" dirty="0"/>
+              <a:t>http://</a:t>
+            </a:r>
+            <a:r>
+              <a:rPr lang="en-US" sz="2000" dirty="0" smtClean="0">
+                <a:hlinkClick r:id="rId2"/>
+              </a:rPr>
+              <a:t>www.microsoft.com/learning/en-us/certification-overview.aspx</a:t>
+            </a:r>
+            <a:endParaRPr lang="ru-RU" sz="2000" dirty="0" smtClean="0"/>
+          </a:p>
+          <a:p>
+            <a:r>
+              <a:rPr lang="ru-RU" sz="2000" dirty="0" smtClean="0"/>
+              <a:t>Изучайте другие языки программирования, технологии и платформы!</a:t>
+            </a:r>
+            <a:endParaRPr lang="ru-RU" sz="2000" dirty="0"/>
           </a:p>
         </p:txBody>
       </p:sp>
     </p:spTree>
     <p:extLst>
       <p:ext uri="{BB962C8B-B14F-4D97-AF65-F5344CB8AC3E}">
-        <p14:creationId xmlns:p14="http://schemas.microsoft.com/office/powerpoint/2010/main" val="3533287002"/>
+        <p14:creationId xmlns:p14="http://schemas.microsoft.com/office/powerpoint/2010/main" val="1949458573"/>
       </p:ext>
     </p:extLst>
   </p:cSld>
   <p:clrMapOvr>
     <a:masterClrMapping/>
   </p:clrMapOvr>
+  <p:timing>
+    <p:tnLst>
+      <p:par>
+        <p:cTn id="1" dur="indefinite" restart="never" nodeType="tmRoot"/>
+      </p:par>
+    </p:tnLst>
+  </p:timing>
 </p:sld>
 </file>
 
@@ -5304,12 +5629,14 @@
         </p:nvSpPr>
         <p:spPr/>
         <p:txBody>
-          <a:bodyPr/>
+          <a:bodyPr>
+            <a:normAutofit fontScale="90000"/>
+          </a:bodyPr>
           <a:lstStyle/>
           <a:p>
             <a:r>
               <a:rPr lang="ru-RU" dirty="0" smtClean="0"/>
-              <a:t>Предложения для разработчиков</a:t>
+              <a:t>Проекты с открытым исходным кодом</a:t>
             </a:r>
             <a:endParaRPr lang="ru-RU" dirty="0"/>
           </a:p>
@@ -5327,91 +5654,71 @@
         </p:nvSpPr>
         <p:spPr/>
         <p:txBody>
-          <a:bodyPr>
-            <a:normAutofit/>
-          </a:bodyPr>
+          <a:bodyPr/>
           <a:lstStyle/>
           <a:p>
             <a:r>
-              <a:rPr lang="en-US" dirty="0" smtClean="0"/>
-              <a:t>Microsoft </a:t>
-            </a:r>
-            <a:r>
-              <a:rPr lang="en-US" dirty="0" err="1" smtClean="0"/>
-              <a:t>DevEssentials</a:t>
-            </a:r>
-            <a:r>
-              <a:rPr lang="en-US" dirty="0" smtClean="0"/>
-              <a:t/>
-            </a:r>
-            <a:br>
-              <a:rPr lang="en-US" dirty="0" smtClean="0"/>
-            </a:br>
+              <a:rPr lang="ru-RU" dirty="0" smtClean="0"/>
+              <a:t>Выбор проекта для участия</a:t>
+            </a:r>
+          </a:p>
+          <a:p>
+            <a:pPr lvl="1"/>
             <a:r>
               <a:rPr lang="en-US" dirty="0">
                 <a:hlinkClick r:id="rId2"/>
               </a:rPr>
-              <a:t>http://</a:t>
-            </a:r>
-            <a:r>
-              <a:rPr lang="en-US" dirty="0" smtClean="0">
-                <a:hlinkClick r:id="rId2"/>
-              </a:rPr>
-              <a:t>aka.ms/devessentials</a:t>
-            </a:r>
-            <a:endParaRPr lang="en-US" dirty="0" smtClean="0"/>
-          </a:p>
-          <a:p>
-            <a:endParaRPr lang="en-US" dirty="0" smtClean="0"/>
-          </a:p>
-          <a:p>
-            <a:r>
-              <a:rPr lang="en-US" dirty="0" smtClean="0"/>
-              <a:t>Microsoft DreamSpark: </a:t>
-            </a:r>
+              <a:t>http://up-for-grabs.net</a:t>
+            </a:r>
+            <a:endParaRPr lang="ru-RU" dirty="0" smtClean="0"/>
+          </a:p>
+          <a:p>
             <a:r>
               <a:rPr lang="ru-RU" dirty="0" smtClean="0"/>
-              <a:t>инициатива </a:t>
-            </a:r>
-            <a:r>
-              <a:rPr lang="en-US" dirty="0"/>
-              <a:t>Microsoft </a:t>
-            </a:r>
-            <a:r>
-              <a:rPr lang="ru-RU" dirty="0"/>
-              <a:t>предоставлющая </a:t>
-            </a:r>
-            <a:r>
-              <a:rPr lang="ru-RU" dirty="0">
-                <a:solidFill>
-                  <a:srgbClr val="FFFF00"/>
-                </a:solidFill>
-              </a:rPr>
-              <a:t>студентам и учебным учреждениям</a:t>
-            </a:r>
-            <a:r>
-              <a:rPr lang="ru-RU" dirty="0"/>
-              <a:t> бесплатный доступ к програмному обеспечению </a:t>
-            </a:r>
-            <a:r>
-              <a:rPr lang="en-US" dirty="0" smtClean="0"/>
-              <a:t>Microsoft.</a:t>
-            </a:r>
-            <a:br>
-              <a:rPr lang="en-US" dirty="0" smtClean="0"/>
-            </a:br>
+              <a:t>Хостинг для своих проектов</a:t>
+            </a:r>
+          </a:p>
+          <a:p>
+            <a:pPr lvl="1"/>
+            <a:r>
+              <a:rPr lang="en-US" dirty="0">
+                <a:hlinkClick r:id="rId3"/>
+              </a:rPr>
+              <a:t>http://codeplex.com</a:t>
+            </a:r>
             <a:r>
               <a:rPr lang="en-US" dirty="0" smtClean="0">
                 <a:hlinkClick r:id="rId3"/>
               </a:rPr>
-              <a:t>https</a:t>
-            </a:r>
-            <a:r>
-              <a:rPr lang="en-US" dirty="0">
-                <a:hlinkClick r:id="rId3"/>
-              </a:rPr>
-              <a:t>://www.dreamspark.com/</a:t>
-            </a:r>
+              <a:t>/</a:t>
+            </a:r>
+            <a:endParaRPr lang="ru-RU" dirty="0" smtClean="0"/>
+          </a:p>
+          <a:p>
+            <a:pPr lvl="1"/>
+            <a:r>
+              <a:rPr lang="en-US" dirty="0" smtClean="0">
+                <a:hlinkClick r:id="rId4"/>
+              </a:rPr>
+              <a:t>https://github.com</a:t>
+            </a:r>
+            <a:endParaRPr lang="ru-RU" dirty="0" smtClean="0"/>
+          </a:p>
+          <a:p>
+            <a:pPr lvl="1"/>
+            <a:r>
+              <a:rPr lang="en-US" dirty="0" smtClean="0">
+                <a:hlinkClick r:id="rId5"/>
+              </a:rPr>
+              <a:t>https://bitbucket.org</a:t>
+            </a:r>
+            <a:endParaRPr lang="ru-RU" dirty="0" smtClean="0"/>
+          </a:p>
+          <a:p>
+            <a:pPr lvl="1"/>
+            <a:endParaRPr lang="ru-RU" dirty="0" smtClean="0"/>
+          </a:p>
+          <a:p>
             <a:endParaRPr lang="ru-RU" dirty="0"/>
           </a:p>
         </p:txBody>
@@ -5419,7 +5726,7 @@
     </p:spTree>
     <p:extLst>
       <p:ext uri="{BB962C8B-B14F-4D97-AF65-F5344CB8AC3E}">
-        <p14:creationId xmlns:p14="http://schemas.microsoft.com/office/powerpoint/2010/main" val="3241689327"/>
+        <p14:creationId xmlns:p14="http://schemas.microsoft.com/office/powerpoint/2010/main" val="3533287002"/>
       </p:ext>
     </p:extLst>
   </p:cSld>
@@ -5463,9 +5770,9 @@
           <a:p>
             <a:r>
               <a:rPr lang="ru-RU" dirty="0" smtClean="0"/>
-              <a:t>Вопросы для самопроверки</a:t>
-            </a:r>
-            <a:endParaRPr lang="en-US" dirty="0"/>
+              <a:t>Предложения для разработчиков</a:t>
+            </a:r>
+            <a:endParaRPr lang="ru-RU" dirty="0"/>
           </a:p>
         </p:txBody>
       </p:sp>
@@ -5481,89 +5788,105 @@
         </p:nvSpPr>
         <p:spPr/>
         <p:txBody>
-          <a:bodyPr/>
+          <a:bodyPr>
+            <a:normAutofit/>
+          </a:bodyPr>
           <a:lstStyle/>
           <a:p>
-            <a:pPr marL="0" indent="0">
-              <a:buNone/>
-            </a:pPr>
+            <a:r>
+              <a:rPr lang="en-US" dirty="0" smtClean="0"/>
+              <a:t>Microsoft </a:t>
+            </a:r>
+            <a:r>
+              <a:rPr lang="en-US" dirty="0" err="1" smtClean="0"/>
+              <a:t>DevEssentials</a:t>
+            </a:r>
+            <a:r>
+              <a:rPr lang="en-US" dirty="0" smtClean="0"/>
+              <a:t/>
+            </a:r>
+            <a:br>
+              <a:rPr lang="en-US" dirty="0" smtClean="0"/>
+            </a:br>
+            <a:r>
+              <a:rPr lang="en-US" dirty="0">
+                <a:hlinkClick r:id="rId2"/>
+              </a:rPr>
+              <a:t>http://</a:t>
+            </a:r>
+            <a:r>
+              <a:rPr lang="en-US" dirty="0" smtClean="0">
+                <a:hlinkClick r:id="rId2"/>
+              </a:rPr>
+              <a:t>aka.ms/devessentials</a:t>
+            </a:r>
+            <a:endParaRPr lang="en-US" dirty="0" smtClean="0"/>
+          </a:p>
+          <a:p>
+            <a:endParaRPr lang="en-US" dirty="0" smtClean="0"/>
+          </a:p>
+          <a:p>
+            <a:r>
+              <a:rPr lang="en-US" dirty="0" smtClean="0"/>
+              <a:t>Microsoft DreamSpark: </a:t>
+            </a:r>
             <a:r>
               <a:rPr lang="ru-RU" dirty="0" smtClean="0"/>
-              <a:t>В файле </a:t>
-            </a:r>
-            <a:r>
-              <a:rPr lang="en-US" i="1" dirty="0" smtClean="0">
-                <a:solidFill>
-                  <a:srgbClr val="FFFF99"/>
-                </a:solidFill>
-              </a:rPr>
-              <a:t>self-check-questions.docx</a:t>
-            </a:r>
-            <a:r>
-              <a:rPr lang="ru-RU" dirty="0" smtClean="0"/>
-              <a:t> вы найдете вопросы которые позволят проверить свой уровень знаний о платформе </a:t>
+              <a:t>инициатива </a:t>
+            </a:r>
+            <a:r>
+              <a:rPr lang="en-US" dirty="0"/>
+              <a:t>Microsoft </a:t>
+            </a:r>
+            <a:r>
+              <a:rPr lang="ru-RU" dirty="0"/>
+              <a:t>предоставлющая </a:t>
+            </a:r>
+            <a:r>
+              <a:rPr lang="ru-RU" dirty="0">
+                <a:solidFill>
+                  <a:srgbClr val="FFFF00"/>
+                </a:solidFill>
+              </a:rPr>
+              <a:t>студентам и учебным учреждениям</a:t>
+            </a:r>
+            <a:r>
+              <a:rPr lang="ru-RU" dirty="0"/>
+              <a:t> бесплатный доступ к програмному обеспечению </a:t>
             </a:r>
             <a:r>
               <a:rPr lang="en-US" dirty="0" smtClean="0"/>
-              <a:t>.NET</a:t>
-            </a:r>
-            <a:r>
-              <a:rPr lang="ru-RU" dirty="0" smtClean="0"/>
-              <a:t>.</a:t>
-            </a:r>
-          </a:p>
-          <a:p>
-            <a:pPr marL="0" indent="0">
-              <a:buNone/>
-            </a:pPr>
+              <a:t>Microsoft.</a:t>
+            </a:r>
+            <a:br>
+              <a:rPr lang="en-US" dirty="0" smtClean="0"/>
+            </a:br>
+            <a:r>
+              <a:rPr lang="en-US" dirty="0" smtClean="0">
+                <a:hlinkClick r:id="rId3"/>
+              </a:rPr>
+              <a:t>https</a:t>
+            </a:r>
+            <a:r>
+              <a:rPr lang="en-US" dirty="0">
+                <a:hlinkClick r:id="rId3"/>
+              </a:rPr>
+              <a:t>://www.dreamspark.com/</a:t>
+            </a:r>
             <a:endParaRPr lang="ru-RU" dirty="0"/>
-          </a:p>
-          <a:p>
-            <a:pPr marL="0" indent="0">
-              <a:buNone/>
-            </a:pPr>
-            <a:r>
-              <a:rPr lang="ru-RU" dirty="0" smtClean="0"/>
-              <a:t>Таблица в файле </a:t>
-            </a:r>
-            <a:r>
-              <a:rPr lang="en-US" i="1" dirty="0">
-                <a:solidFill>
-                  <a:srgbClr val="FFFF99"/>
-                </a:solidFill>
-              </a:rPr>
-              <a:t>Programmer Competency Matrix.docx</a:t>
-            </a:r>
-            <a:r>
-              <a:rPr lang="ru-RU" dirty="0" smtClean="0"/>
-              <a:t> позволит оценить прогресс в различных областях необходимых каждому программисту.</a:t>
-            </a:r>
-          </a:p>
-          <a:p>
-            <a:pPr marL="0" indent="0">
-              <a:buNone/>
-            </a:pPr>
-            <a:endParaRPr lang="en-US" dirty="0"/>
           </a:p>
         </p:txBody>
       </p:sp>
     </p:spTree>
     <p:extLst>
       <p:ext uri="{BB962C8B-B14F-4D97-AF65-F5344CB8AC3E}">
-        <p14:creationId xmlns:p14="http://schemas.microsoft.com/office/powerpoint/2010/main" val="612142936"/>
+        <p14:creationId xmlns:p14="http://schemas.microsoft.com/office/powerpoint/2010/main" val="3241689327"/>
       </p:ext>
     </p:extLst>
   </p:cSld>
   <p:clrMapOvr>
     <a:masterClrMapping/>
   </p:clrMapOvr>
-  <p:timing>
-    <p:tnLst>
-      <p:par>
-        <p:cTn id="1" dur="indefinite" restart="never" nodeType="tmRoot"/>
-      </p:par>
-    </p:tnLst>
-  </p:timing>
 </p:sld>
 </file>
 
@@ -5594,31 +5917,16 @@
             <p:ph type="title"/>
           </p:nvPr>
         </p:nvSpPr>
-        <p:spPr>
-          <a:xfrm>
-            <a:off x="107504" y="116632"/>
-            <a:ext cx="8928992" cy="648072"/>
-          </a:xfrm>
-        </p:spPr>
-        <p:txBody>
-          <a:bodyPr>
-            <a:normAutofit fontScale="90000"/>
-          </a:bodyPr>
+        <p:spPr/>
+        <p:txBody>
+          <a:bodyPr/>
           <a:lstStyle/>
           <a:p>
             <a:r>
-              <a:rPr lang="ru-RU" dirty="0" smtClean="0">
-                <a:solidFill>
-                  <a:schemeClr val="bg1"/>
-                </a:solidFill>
-              </a:rPr>
-              <a:t>Блоги</a:t>
-            </a:r>
-            <a:endParaRPr lang="en-US" dirty="0">
-              <a:solidFill>
-                <a:schemeClr val="bg1"/>
-              </a:solidFill>
-            </a:endParaRPr>
+              <a:rPr lang="ru-RU" dirty="0" smtClean="0"/>
+              <a:t>Вопросы для самопроверки</a:t>
+            </a:r>
+            <a:endParaRPr lang="en-US" dirty="0"/>
           </a:p>
         </p:txBody>
       </p:sp>
@@ -5632,282 +5940,78 @@
             <p:ph idx="1"/>
           </p:nvPr>
         </p:nvSpPr>
-        <p:spPr>
-          <a:xfrm>
-            <a:off x="457200" y="764704"/>
-            <a:ext cx="8229600" cy="5361459"/>
-          </a:xfrm>
-        </p:spPr>
-        <p:txBody>
-          <a:bodyPr>
-            <a:normAutofit fontScale="92500" lnSpcReduction="10000"/>
-          </a:bodyPr>
+        <p:spPr/>
+        <p:txBody>
+          <a:bodyPr/>
           <a:lstStyle/>
           <a:p>
-            <a:r>
-              <a:rPr lang="en-US" dirty="0" smtClean="0">
-                <a:solidFill>
-                  <a:schemeClr val="bg1"/>
-                </a:solidFill>
-              </a:rPr>
+            <a:pPr marL="0" indent="0">
+              <a:buNone/>
+            </a:pPr>
+            <a:r>
+              <a:rPr lang="ru-RU" dirty="0" smtClean="0"/>
+              <a:t>В файле </a:t>
+            </a:r>
+            <a:r>
+              <a:rPr lang="en-US" i="1" dirty="0" smtClean="0">
+                <a:solidFill>
+                  <a:srgbClr val="FFFF99"/>
+                </a:solidFill>
+              </a:rPr>
+              <a:t>self-check-questions.docx</a:t>
+            </a:r>
+            <a:r>
+              <a:rPr lang="ru-RU" dirty="0" smtClean="0"/>
+              <a:t> вы найдете вопросы которые позволят проверить свой уровень знаний о платформе </a:t>
+            </a:r>
+            <a:r>
+              <a:rPr lang="en-US" dirty="0" smtClean="0"/>
+              <a:t>.NET</a:t>
+            </a:r>
+            <a:r>
+              <a:rPr lang="ru-RU" dirty="0" smtClean="0"/>
               <a:t>.</a:t>
             </a:r>
-            <a:r>
-              <a:rPr lang="en-US" dirty="0">
-                <a:solidFill>
-                  <a:schemeClr val="bg1"/>
-                </a:solidFill>
-              </a:rPr>
-              <a:t>NET Framework Blog</a:t>
-            </a:r>
-            <a:r>
-              <a:rPr lang="ru-RU" dirty="0">
-                <a:solidFill>
-                  <a:schemeClr val="bg1"/>
-                </a:solidFill>
-              </a:rPr>
-              <a:t>: </a:t>
-            </a:r>
-            <a:r>
-              <a:rPr lang="en-US" dirty="0">
-                <a:solidFill>
-                  <a:schemeClr val="bg1"/>
-                </a:solidFill>
-                <a:hlinkClick r:id="rId2"/>
-              </a:rPr>
-              <a:t>http://blogs.msdn.com/b/dotnet/</a:t>
-            </a:r>
-            <a:endParaRPr lang="ru-RU" dirty="0">
-              <a:solidFill>
-                <a:schemeClr val="bg1"/>
-              </a:solidFill>
-            </a:endParaRPr>
-          </a:p>
-          <a:p>
-            <a:r>
-              <a:rPr lang="en-US" dirty="0">
-                <a:solidFill>
-                  <a:schemeClr val="bg1"/>
-                </a:solidFill>
-              </a:rPr>
-              <a:t>Base Class Library (BCL) Blog</a:t>
-            </a:r>
-            <a:r>
-              <a:rPr lang="ru-RU" dirty="0">
-                <a:solidFill>
-                  <a:schemeClr val="bg1"/>
-                </a:solidFill>
-              </a:rPr>
-              <a:t>: </a:t>
-            </a:r>
-            <a:r>
-              <a:rPr lang="en-US" dirty="0">
-                <a:solidFill>
-                  <a:schemeClr val="bg1"/>
-                </a:solidFill>
-                <a:hlinkClick r:id="rId3"/>
-              </a:rPr>
-              <a:t>http://blogs.msdn.com/b/bclteam/</a:t>
-            </a:r>
-            <a:endParaRPr lang="ru-RU" dirty="0">
-              <a:solidFill>
-                <a:schemeClr val="bg1"/>
-              </a:solidFill>
-            </a:endParaRPr>
-          </a:p>
-          <a:p>
-            <a:r>
-              <a:rPr lang="en-US" dirty="0">
-                <a:solidFill>
-                  <a:schemeClr val="bg1"/>
-                </a:solidFill>
-              </a:rPr>
-              <a:t>ADO.NET Blog</a:t>
-            </a:r>
-            <a:r>
-              <a:rPr lang="ru-RU" dirty="0">
-                <a:solidFill>
-                  <a:schemeClr val="bg1"/>
-                </a:solidFill>
-              </a:rPr>
-              <a:t>: </a:t>
-            </a:r>
-            <a:r>
-              <a:rPr lang="en-US" dirty="0">
-                <a:solidFill>
-                  <a:schemeClr val="bg1"/>
-                </a:solidFill>
-                <a:hlinkClick r:id="rId4"/>
-              </a:rPr>
-              <a:t>http://blogs.msdn.com/b/adonet/</a:t>
-            </a:r>
-            <a:endParaRPr lang="ru-RU" dirty="0">
-              <a:solidFill>
-                <a:schemeClr val="bg1"/>
-              </a:solidFill>
-            </a:endParaRPr>
-          </a:p>
-          <a:p>
-            <a:r>
-              <a:rPr lang="en-US" dirty="0">
-                <a:solidFill>
-                  <a:schemeClr val="bg1"/>
-                </a:solidFill>
-              </a:rPr>
-              <a:t>Parallel Programming with .NET</a:t>
-            </a:r>
-            <a:r>
-              <a:rPr lang="ru-RU" dirty="0">
-                <a:solidFill>
-                  <a:schemeClr val="bg1"/>
-                </a:solidFill>
-              </a:rPr>
-              <a:t>: </a:t>
-            </a:r>
-            <a:r>
-              <a:rPr lang="en-US" dirty="0">
-                <a:solidFill>
-                  <a:schemeClr val="bg1"/>
-                </a:solidFill>
-                <a:hlinkClick r:id="rId5"/>
-              </a:rPr>
-              <a:t>http://blogs.msdn.com/b/pfxteam/</a:t>
-            </a:r>
-            <a:endParaRPr lang="ru-RU" dirty="0">
-              <a:solidFill>
-                <a:schemeClr val="bg1"/>
-              </a:solidFill>
-            </a:endParaRPr>
-          </a:p>
-          <a:p>
-            <a:r>
-              <a:rPr lang="ru-RU" dirty="0">
-                <a:solidFill>
-                  <a:schemeClr val="bg1"/>
-                </a:solidFill>
-              </a:rPr>
-              <a:t>С</a:t>
-            </a:r>
-            <a:r>
-              <a:rPr lang="en-US" dirty="0">
-                <a:solidFill>
-                  <a:schemeClr val="bg1"/>
-                </a:solidFill>
-              </a:rPr>
-              <a:t># Little Wonders</a:t>
-            </a:r>
-            <a:r>
-              <a:rPr lang="ru-RU" dirty="0">
-                <a:solidFill>
-                  <a:schemeClr val="bg1"/>
-                </a:solidFill>
-              </a:rPr>
-              <a:t> -</a:t>
-            </a:r>
-            <a:r>
-              <a:rPr lang="en-US" dirty="0">
-                <a:solidFill>
-                  <a:schemeClr val="bg1"/>
-                </a:solidFill>
-              </a:rPr>
-              <a:t> </a:t>
-            </a:r>
-            <a:r>
-              <a:rPr lang="en-US" dirty="0">
-                <a:solidFill>
-                  <a:schemeClr val="bg1"/>
-                </a:solidFill>
-                <a:hlinkClick r:id="rId6"/>
-              </a:rPr>
-              <a:t>http://</a:t>
-            </a:r>
-            <a:r>
-              <a:rPr lang="en-US" dirty="0" smtClean="0">
-                <a:solidFill>
-                  <a:schemeClr val="bg1"/>
-                </a:solidFill>
-                <a:hlinkClick r:id="rId6"/>
-              </a:rPr>
-              <a:t>blackrabbitcoder.net/category/11989.aspx</a:t>
-            </a:r>
-            <a:endParaRPr lang="ru-RU" dirty="0" smtClean="0">
-              <a:solidFill>
-                <a:schemeClr val="bg1"/>
-              </a:solidFill>
-            </a:endParaRPr>
-          </a:p>
-          <a:p>
-            <a:r>
-              <a:rPr lang="en-US" dirty="0" smtClean="0">
-                <a:solidFill>
-                  <a:schemeClr val="bg1"/>
-                </a:solidFill>
-              </a:rPr>
-              <a:t>Scott </a:t>
-            </a:r>
-            <a:r>
-              <a:rPr lang="en-US" dirty="0" err="1" smtClean="0">
-                <a:solidFill>
-                  <a:schemeClr val="bg1"/>
-                </a:solidFill>
-              </a:rPr>
-              <a:t>Hanselman</a:t>
-            </a:r>
-            <a:r>
-              <a:rPr lang="en-US" dirty="0">
-                <a:solidFill>
-                  <a:schemeClr val="bg1"/>
-                </a:solidFill>
-              </a:rPr>
-              <a:t> - </a:t>
-            </a:r>
-            <a:r>
-              <a:rPr lang="en-US" dirty="0">
-                <a:solidFill>
-                  <a:schemeClr val="bg1"/>
-                </a:solidFill>
-                <a:hlinkClick r:id="rId7"/>
-              </a:rPr>
-              <a:t>http://www.hanselman.com/blog</a:t>
-            </a:r>
-            <a:r>
-              <a:rPr lang="en-US" dirty="0" smtClean="0">
-                <a:solidFill>
-                  <a:schemeClr val="bg1"/>
-                </a:solidFill>
-                <a:hlinkClick r:id="rId7"/>
-              </a:rPr>
-              <a:t>/</a:t>
-            </a:r>
-            <a:endParaRPr lang="en-US" dirty="0" smtClean="0">
-              <a:solidFill>
-                <a:schemeClr val="bg1"/>
-              </a:solidFill>
-            </a:endParaRPr>
-          </a:p>
-          <a:p>
-            <a:endParaRPr lang="ru-RU" dirty="0">
-              <a:solidFill>
-                <a:schemeClr val="bg1"/>
-              </a:solidFill>
-            </a:endParaRPr>
-          </a:p>
-          <a:p>
-            <a:pPr marL="457200" lvl="1" indent="0">
+          </a:p>
+          <a:p>
+            <a:pPr marL="0" indent="0">
               <a:buNone/>
             </a:pPr>
-            <a:endParaRPr lang="en-US" dirty="0">
-              <a:solidFill>
-                <a:schemeClr val="bg1"/>
-              </a:solidFill>
-            </a:endParaRPr>
+            <a:endParaRPr lang="ru-RU" dirty="0"/>
+          </a:p>
+          <a:p>
+            <a:pPr marL="0" indent="0">
+              <a:buNone/>
+            </a:pPr>
+            <a:r>
+              <a:rPr lang="ru-RU" dirty="0" smtClean="0"/>
+              <a:t>Таблица в файле </a:t>
+            </a:r>
+            <a:r>
+              <a:rPr lang="en-US" i="1" dirty="0">
+                <a:solidFill>
+                  <a:srgbClr val="FFFF99"/>
+                </a:solidFill>
+              </a:rPr>
+              <a:t>Programmer Competency Matrix.docx</a:t>
+            </a:r>
+            <a:r>
+              <a:rPr lang="ru-RU" dirty="0" smtClean="0"/>
+              <a:t> позволит оценить прогресс в различных областях необходимых каждому программисту.</a:t>
+            </a:r>
+          </a:p>
+          <a:p>
+            <a:pPr marL="0" indent="0">
+              <a:buNone/>
+            </a:pPr>
+            <a:endParaRPr lang="en-US" dirty="0"/>
           </a:p>
         </p:txBody>
       </p:sp>
     </p:spTree>
     <p:extLst>
       <p:ext uri="{BB962C8B-B14F-4D97-AF65-F5344CB8AC3E}">
-        <p14:creationId xmlns:p14="http://schemas.microsoft.com/office/powerpoint/2010/main" val="2211951054"/>
+        <p14:creationId xmlns:p14="http://schemas.microsoft.com/office/powerpoint/2010/main" val="612142936"/>
       </p:ext>
     </p:extLst>
   </p:cSld>

--- a/Presentation/that-is-all-folks.pptx
+++ b/Presentation/that-is-all-folks.pptx
@@ -121,6 +121,22 @@
       </a:defRPr>
     </a:lvl9pPr>
   </p:defaultTextStyle>
+  <p:extLst>
+    <p:ext uri="{EFAFB233-063F-42B5-8137-9DF3F51BA10A}">
+      <p15:sldGuideLst xmlns:p15="http://schemas.microsoft.com/office/powerpoint/2012/main">
+        <p15:guide id="1" orient="horz" pos="2160">
+          <p15:clr>
+            <a:srgbClr val="A4A3A4"/>
+          </p15:clr>
+        </p15:guide>
+        <p15:guide id="2" pos="2880">
+          <p15:clr>
+            <a:srgbClr val="A4A3A4"/>
+          </p15:clr>
+        </p15:guide>
+      </p15:sldGuideLst>
+    </p:ext>
+  </p:extLst>
 </p:presentation>
 </file>
 
@@ -206,7 +222,7 @@
           <a:p>
             <a:fld id="{B24A7054-7FFB-49F4-A126-5DF6E687FF53}" type="datetimeFigureOut">
               <a:rPr lang="ru-RU" smtClean="0"/>
-              <a:t>28.01.2016</a:t>
+              <a:t>08.10.2017</a:t>
             </a:fld>
             <a:endParaRPr lang="ru-RU"/>
           </a:p>
@@ -1488,7 +1504,7 @@
           <a:p>
             <a:fld id="{8E6E6A2A-E9D3-4A0D-B04A-ABDD367A1E08}" type="datetimeFigureOut">
               <a:rPr lang="ru-RU" smtClean="0"/>
-              <a:t>28.01.2016</a:t>
+              <a:t>08.10.2017</a:t>
             </a:fld>
             <a:endParaRPr lang="ru-RU"/>
           </a:p>
@@ -2933,7 +2949,7 @@
           <a:p>
             <a:fld id="{AC3D3127-B7C4-45E3-9797-C527EC9FDD78}" type="datetimeFigureOut">
               <a:rPr lang="ru-RU" smtClean="0"/>
-              <a:t>28.01.2016</a:t>
+              <a:t>08.10.2017</a:t>
             </a:fld>
             <a:endParaRPr lang="ru-RU"/>
           </a:p>
@@ -5030,7 +5046,7 @@
         <p:spPr>
           <a:xfrm>
             <a:off x="251520" y="188640"/>
-            <a:ext cx="8640960" cy="769441"/>
+            <a:ext cx="8640960" cy="1446550"/>
           </a:xfrm>
           <a:prstGeom prst="rect">
             <a:avLst/>
@@ -5065,7 +5081,31 @@
                   <a:schemeClr val="bg1"/>
                 </a:solidFill>
               </a:rPr>
-              <a:t>БелХард по </a:t>
+              <a:t>Центра </a:t>
+            </a:r>
+            <a:r>
+              <a:rPr lang="ru-RU" sz="4400" dirty="0">
+                <a:solidFill>
+                  <a:schemeClr val="bg1"/>
+                </a:solidFill>
+              </a:rPr>
+              <a:t>Обучающих Технологий</a:t>
+            </a:r>
+            <a:r>
+              <a:rPr lang="ru-RU" sz="4400" dirty="0" smtClean="0">
+                <a:solidFill>
+                  <a:schemeClr val="bg1"/>
+                </a:solidFill>
+              </a:rPr>
+              <a:t> </a:t>
+            </a:r>
+            <a:r>
+              <a:rPr lang="ru-RU" sz="4400" dirty="0" smtClean="0">
+                <a:solidFill>
+                  <a:schemeClr val="bg1"/>
+                </a:solidFill>
+              </a:rPr>
+              <a:t>по </a:t>
             </a:r>
             <a:r>
               <a:rPr lang="en-US" sz="4400" dirty="0" smtClean="0">
@@ -5091,8 +5131,8 @@
         </p:nvSpPr>
         <p:spPr>
           <a:xfrm>
-            <a:off x="251520" y="1450519"/>
-            <a:ext cx="8640960" cy="2554545"/>
+            <a:off x="251520" y="1810559"/>
+            <a:ext cx="8640960" cy="1569660"/>
           </a:xfrm>
           <a:prstGeom prst="rect">
             <a:avLst/>
@@ -5140,16 +5180,6 @@
               <a:t>.»</a:t>
             </a:r>
             <a:endParaRPr lang="ru-RU" sz="3200" dirty="0"/>
-          </a:p>
-          <a:p>
-            <a:pPr marL="457200" indent="-457200">
-              <a:buFont typeface="Arial" pitchFamily="34" charset="0"/>
-              <a:buChar char="•"/>
-            </a:pPr>
-            <a:r>
-              <a:rPr lang="ru-RU" sz="3200" dirty="0"/>
-              <a:t>Windows Phone 7: проектирование и разработка приложений</a:t>
-            </a:r>
           </a:p>
         </p:txBody>
       </p:sp>
@@ -5199,7 +5229,7 @@
         <p:spPr>
           <a:xfrm>
             <a:off x="251520" y="188640"/>
-            <a:ext cx="8640960" cy="769441"/>
+            <a:ext cx="8640960" cy="1446550"/>
           </a:xfrm>
           <a:prstGeom prst="rect">
             <a:avLst/>
@@ -5218,7 +5248,23 @@
                   <a:schemeClr val="bg1"/>
                 </a:solidFill>
               </a:rPr>
-              <a:t>Еще курсы БелХард</a:t>
+              <a:t>Еще курсы </a:t>
+            </a:r>
+            <a:r>
+              <a:rPr lang="ru-RU" sz="4400" dirty="0" smtClean="0">
+                <a:solidFill>
+                  <a:schemeClr val="bg1"/>
+                </a:solidFill>
+              </a:rPr>
+              <a:t>Центра </a:t>
+            </a:r>
+            <a:r>
+              <a:rPr lang="ru-RU" sz="4400" dirty="0">
+                <a:solidFill>
+                  <a:schemeClr val="bg1"/>
+                </a:solidFill>
+              </a:rPr>
+              <a:t>Обучающих Технологий</a:t>
             </a:r>
             <a:endParaRPr lang="en-US" sz="4400" dirty="0">
               <a:solidFill>
@@ -5236,7 +5282,7 @@
         </p:nvSpPr>
         <p:spPr>
           <a:xfrm>
-            <a:off x="251520" y="1450519"/>
+            <a:off x="251520" y="1508586"/>
             <a:ext cx="8640960" cy="5016758"/>
           </a:xfrm>
           <a:prstGeom prst="rect">

--- a/Presentation/that-is-all-folks.pptx
+++ b/Presentation/that-is-all-folks.pptx
@@ -222,7 +222,7 @@
           <a:p>
             <a:fld id="{B24A7054-7FFB-49F4-A126-5DF6E687FF53}" type="datetimeFigureOut">
               <a:rPr lang="ru-RU" smtClean="0"/>
-              <a:t>08.10.2017</a:t>
+              <a:t>08.02.2018</a:t>
             </a:fld>
             <a:endParaRPr lang="ru-RU"/>
           </a:p>
@@ -1504,7 +1504,7 @@
           <a:p>
             <a:fld id="{8E6E6A2A-E9D3-4A0D-B04A-ABDD367A1E08}" type="datetimeFigureOut">
               <a:rPr lang="ru-RU" smtClean="0"/>
-              <a:t>08.10.2017</a:t>
+              <a:t>08.02.2018</a:t>
             </a:fld>
             <a:endParaRPr lang="ru-RU"/>
           </a:p>
@@ -2949,7 +2949,7 @@
           <a:p>
             <a:fld id="{AC3D3127-B7C4-45E3-9797-C527EC9FDD78}" type="datetimeFigureOut">
               <a:rPr lang="ru-RU" smtClean="0"/>
-              <a:t>08.10.2017</a:t>
+              <a:t>08.02.2018</a:t>
             </a:fld>
             <a:endParaRPr lang="ru-RU"/>
           </a:p>
@@ -4692,10 +4692,18 @@
                   <a:schemeClr val="bg1"/>
                 </a:solidFill>
               </a:rPr>
-              <a:t>:\Program Files (x86)\Microsoft Visual Studio 11.0\VC#\Specifications\1033\ </a:t>
-            </a:r>
-            <a:r>
-              <a:rPr lang="en-US" dirty="0" err="1">
+              <a:t>:\Program Files (x86)\Microsoft Visual Studio 11.0\VC#\</a:t>
+            </a:r>
+            <a:r>
+              <a:rPr lang="en-US" dirty="0" smtClean="0">
+                <a:solidFill>
+                  <a:schemeClr val="bg1"/>
+                </a:solidFill>
+              </a:rPr>
+              <a:t>Specifications\1033\</a:t>
+            </a:r>
+            <a:r>
+              <a:rPr lang="en-US" dirty="0" err="1" smtClean="0">
                 <a:solidFill>
                   <a:schemeClr val="bg1"/>
                 </a:solidFill>
@@ -4703,23 +4711,23 @@
               <a:t>CSharp</a:t>
             </a:r>
             <a:r>
+              <a:rPr lang="en-US" dirty="0" smtClean="0">
+                <a:solidFill>
+                  <a:schemeClr val="bg1"/>
+                </a:solidFill>
+              </a:rPr>
+              <a:t> </a:t>
+            </a:r>
+            <a:r>
               <a:rPr lang="en-US" dirty="0">
                 <a:solidFill>
                   <a:schemeClr val="bg1"/>
                 </a:solidFill>
               </a:rPr>
-              <a:t> </a:t>
-            </a:r>
-            <a:r>
-              <a:rPr lang="en-US">
-                <a:solidFill>
-                  <a:schemeClr val="bg1"/>
-                </a:solidFill>
-              </a:rPr>
               <a:t>Language </a:t>
             </a:r>
             <a:r>
-              <a:rPr lang="en-US" smtClean="0">
+              <a:rPr lang="en-US" dirty="0" smtClean="0">
                 <a:solidFill>
                   <a:schemeClr val="bg1"/>
                 </a:solidFill>
@@ -5097,15 +5105,7 @@
                   <a:schemeClr val="bg1"/>
                 </a:solidFill>
               </a:rPr>
-              <a:t> </a:t>
-            </a:r>
-            <a:r>
-              <a:rPr lang="ru-RU" sz="4400" dirty="0" smtClean="0">
-                <a:solidFill>
-                  <a:schemeClr val="bg1"/>
-                </a:solidFill>
-              </a:rPr>
-              <a:t>по </a:t>
+              <a:t> по </a:t>
             </a:r>
             <a:r>
               <a:rPr lang="en-US" sz="4400" dirty="0" smtClean="0">
@@ -5248,15 +5248,7 @@
                   <a:schemeClr val="bg1"/>
                 </a:solidFill>
               </a:rPr>
-              <a:t>Еще курсы </a:t>
-            </a:r>
-            <a:r>
-              <a:rPr lang="ru-RU" sz="4400" dirty="0" smtClean="0">
-                <a:solidFill>
-                  <a:schemeClr val="bg1"/>
-                </a:solidFill>
-              </a:rPr>
-              <a:t>Центра </a:t>
+              <a:t>Еще курсы Центра </a:t>
             </a:r>
             <a:r>
               <a:rPr lang="ru-RU" sz="4400" dirty="0">

--- a/Presentation/that-is-all-folks.pptx
+++ b/Presentation/that-is-all-folks.pptx
@@ -222,7 +222,7 @@
           <a:p>
             <a:fld id="{B24A7054-7FFB-49F4-A126-5DF6E687FF53}" type="datetimeFigureOut">
               <a:rPr lang="ru-RU" smtClean="0"/>
-              <a:t>08.02.2018</a:t>
+              <a:t>01.07.2018</a:t>
             </a:fld>
             <a:endParaRPr lang="ru-RU"/>
           </a:p>
@@ -286,35 +286,35 @@
           <a:p>
             <a:pPr lvl="0"/>
             <a:r>
-              <a:rPr lang="en-US" smtClean="0"/>
+              <a:rPr lang="en-US"/>
               <a:t>Click to edit Master text styles</a:t>
             </a:r>
           </a:p>
           <a:p>
             <a:pPr lvl="1"/>
             <a:r>
-              <a:rPr lang="en-US" smtClean="0"/>
+              <a:rPr lang="en-US"/>
               <a:t>Second level</a:t>
             </a:r>
           </a:p>
           <a:p>
             <a:pPr lvl="2"/>
             <a:r>
-              <a:rPr lang="en-US" smtClean="0"/>
+              <a:rPr lang="en-US"/>
               <a:t>Third level</a:t>
             </a:r>
           </a:p>
           <a:p>
             <a:pPr lvl="3"/>
             <a:r>
-              <a:rPr lang="en-US" smtClean="0"/>
+              <a:rPr lang="en-US"/>
               <a:t>Fourth level</a:t>
             </a:r>
           </a:p>
           <a:p>
             <a:pPr lvl="4"/>
             <a:r>
-              <a:rPr lang="en-US" smtClean="0"/>
+              <a:rPr lang="en-US"/>
               <a:t>Fifth level</a:t>
             </a:r>
             <a:endParaRPr lang="ru-RU"/>
@@ -530,7 +530,7 @@
           <a:p>
             <a:pPr algn="ctr"/>
             <a:r>
-              <a:rPr lang="ru-RU" sz="3600" b="1" i="1" dirty="0" smtClean="0">
+              <a:rPr lang="ru-RU" sz="3600" b="1" i="1" dirty="0">
                 <a:solidFill>
                   <a:schemeClr val="bg1"/>
                 </a:solidFill>
@@ -538,7 +538,7 @@
               <a:t>Основы программирования на </a:t>
             </a:r>
             <a:r>
-              <a:rPr lang="en-US" sz="3600" b="1" i="1" dirty="0" smtClean="0">
+              <a:rPr lang="en-US" sz="3600" b="1" i="1" dirty="0">
                 <a:solidFill>
                   <a:schemeClr val="bg1"/>
                 </a:solidFill>
@@ -645,18 +645,10 @@
                   <a:schemeClr val="bg1"/>
                 </a:solidFill>
               </a:rPr>
-              <a:t>Занятие </a:t>
-            </a:r>
-            <a:r>
-              <a:rPr lang="ru-RU" sz="2400" dirty="0" smtClean="0">
-                <a:solidFill>
-                  <a:schemeClr val="bg1"/>
-                </a:solidFill>
-              </a:rPr>
-              <a:t>№</a:t>
-            </a:r>
-            <a:r>
-              <a:rPr lang="en-US" sz="2400" dirty="0" smtClean="0">
+              <a:t>Занятие №</a:t>
+            </a:r>
+            <a:r>
+              <a:rPr lang="en-US" sz="2400" dirty="0">
                 <a:solidFill>
                   <a:schemeClr val="bg1"/>
                 </a:solidFill>
@@ -664,7 +656,7 @@
               <a:t>1</a:t>
             </a:r>
             <a:r>
-              <a:rPr lang="ru-RU" sz="2400" dirty="0" smtClean="0">
+              <a:rPr lang="ru-RU" sz="2400" dirty="0">
                 <a:solidFill>
                   <a:schemeClr val="bg1"/>
                 </a:solidFill>
@@ -689,13 +681,6 @@
   <p:clrMapOvr>
     <a:masterClrMapping/>
   </p:clrMapOvr>
-  <p:timing>
-    <p:tnLst>
-      <p:par>
-        <p:cTn id="1" dur="indefinite" restart="never" nodeType="tmRoot"/>
-      </p:par>
-    </p:tnLst>
-  </p:timing>
 </p:sldLayout>
 </file>
 
@@ -741,7 +726,7 @@
           </a:lstStyle>
           <a:p>
             <a:r>
-              <a:rPr lang="en-US" smtClean="0"/>
+              <a:rPr lang="en-US"/>
               <a:t>Click to edit Master title style</a:t>
             </a:r>
             <a:endParaRPr lang="ru-RU" dirty="0"/>
@@ -798,35 +783,35 @@
           <a:p>
             <a:pPr lvl="0"/>
             <a:r>
-              <a:rPr lang="en-US" smtClean="0"/>
+              <a:rPr lang="en-US"/>
               <a:t>Click to edit Master text styles</a:t>
             </a:r>
           </a:p>
           <a:p>
             <a:pPr lvl="1"/>
             <a:r>
-              <a:rPr lang="en-US" smtClean="0"/>
+              <a:rPr lang="en-US"/>
               <a:t>Second level</a:t>
             </a:r>
           </a:p>
           <a:p>
             <a:pPr lvl="2"/>
             <a:r>
-              <a:rPr lang="en-US" smtClean="0"/>
+              <a:rPr lang="en-US"/>
               <a:t>Third level</a:t>
             </a:r>
           </a:p>
           <a:p>
             <a:pPr lvl="3"/>
             <a:r>
-              <a:rPr lang="en-US" smtClean="0"/>
+              <a:rPr lang="en-US"/>
               <a:t>Fourth level</a:t>
             </a:r>
           </a:p>
           <a:p>
             <a:pPr lvl="4"/>
             <a:r>
-              <a:rPr lang="en-US" smtClean="0"/>
+              <a:rPr lang="en-US"/>
               <a:t>Fifth level</a:t>
             </a:r>
             <a:endParaRPr lang="ru-RU" dirty="0"/>
@@ -892,7 +877,7 @@
           <a:p>
             <a:pPr lvl="0"/>
             <a:r>
-              <a:rPr lang="en-US" smtClean="0"/>
+              <a:rPr lang="en-US"/>
               <a:t>Click to edit Master text styles</a:t>
             </a:r>
           </a:p>
@@ -953,7 +938,7 @@
           </a:lstStyle>
           <a:p>
             <a:r>
-              <a:rPr lang="en-US" smtClean="0"/>
+              <a:rPr lang="en-US"/>
               <a:t>Click to edit Master title style</a:t>
             </a:r>
             <a:endParaRPr lang="ru-RU" dirty="0"/>
@@ -1018,7 +1003,7 @@
           </a:lstStyle>
           <a:p>
             <a:r>
-              <a:rPr lang="en-US" smtClean="0"/>
+              <a:rPr lang="en-US"/>
               <a:t>Click icon to add picture</a:t>
             </a:r>
             <a:endParaRPr lang="ru-RU"/>
@@ -1084,7 +1069,7 @@
           <a:p>
             <a:pPr lvl="0"/>
             <a:r>
-              <a:rPr lang="en-US" smtClean="0"/>
+              <a:rPr lang="en-US"/>
               <a:t>Click to edit Master text styles</a:t>
             </a:r>
           </a:p>
@@ -1136,7 +1121,7 @@
           <a:lstStyle/>
           <a:p>
             <a:r>
-              <a:rPr lang="en-US" smtClean="0"/>
+              <a:rPr lang="en-US"/>
               <a:t>Click to edit Master title style</a:t>
             </a:r>
             <a:endParaRPr lang="ru-RU" dirty="0"/>
@@ -1160,35 +1145,35 @@
           <a:p>
             <a:pPr lvl="0"/>
             <a:r>
-              <a:rPr lang="en-US" smtClean="0"/>
+              <a:rPr lang="en-US"/>
               <a:t>Click to edit Master text styles</a:t>
             </a:r>
           </a:p>
           <a:p>
             <a:pPr lvl="1"/>
             <a:r>
-              <a:rPr lang="en-US" smtClean="0"/>
+              <a:rPr lang="en-US"/>
               <a:t>Second level</a:t>
             </a:r>
           </a:p>
           <a:p>
             <a:pPr lvl="2"/>
             <a:r>
-              <a:rPr lang="en-US" smtClean="0"/>
+              <a:rPr lang="en-US"/>
               <a:t>Third level</a:t>
             </a:r>
           </a:p>
           <a:p>
             <a:pPr lvl="3"/>
             <a:r>
-              <a:rPr lang="en-US" smtClean="0"/>
+              <a:rPr lang="en-US"/>
               <a:t>Fourth level</a:t>
             </a:r>
           </a:p>
           <a:p>
             <a:pPr lvl="4"/>
             <a:r>
-              <a:rPr lang="en-US" smtClean="0"/>
+              <a:rPr lang="en-US"/>
               <a:t>Fifth level</a:t>
             </a:r>
             <a:endParaRPr lang="ru-RU" dirty="0"/>
@@ -1246,7 +1231,7 @@
           <a:lstStyle/>
           <a:p>
             <a:r>
-              <a:rPr lang="en-US" smtClean="0"/>
+              <a:rPr lang="en-US"/>
               <a:t>Click to edit Master title style</a:t>
             </a:r>
             <a:endParaRPr lang="ru-RU" dirty="0"/>
@@ -1275,35 +1260,35 @@
           <a:p>
             <a:pPr lvl="0"/>
             <a:r>
-              <a:rPr lang="en-US" smtClean="0"/>
+              <a:rPr lang="en-US"/>
               <a:t>Click to edit Master text styles</a:t>
             </a:r>
           </a:p>
           <a:p>
             <a:pPr lvl="1"/>
             <a:r>
-              <a:rPr lang="en-US" smtClean="0"/>
+              <a:rPr lang="en-US"/>
               <a:t>Second level</a:t>
             </a:r>
           </a:p>
           <a:p>
             <a:pPr lvl="2"/>
             <a:r>
-              <a:rPr lang="en-US" smtClean="0"/>
+              <a:rPr lang="en-US"/>
               <a:t>Third level</a:t>
             </a:r>
           </a:p>
           <a:p>
             <a:pPr lvl="3"/>
             <a:r>
-              <a:rPr lang="en-US" smtClean="0"/>
+              <a:rPr lang="en-US"/>
               <a:t>Fourth level</a:t>
             </a:r>
           </a:p>
           <a:p>
             <a:pPr lvl="4"/>
             <a:r>
-              <a:rPr lang="en-US" smtClean="0"/>
+              <a:rPr lang="en-US"/>
               <a:t>Fifth level</a:t>
             </a:r>
             <a:endParaRPr lang="ru-RU" dirty="0"/>
@@ -1361,7 +1346,7 @@
           <a:lstStyle/>
           <a:p>
             <a:r>
-              <a:rPr lang="en-US" smtClean="0"/>
+              <a:rPr lang="en-US"/>
               <a:t>Click to edit Master title style</a:t>
             </a:r>
             <a:endParaRPr lang="ru-RU"/>
@@ -1480,7 +1465,7 @@
           </a:lstStyle>
           <a:p>
             <a:r>
-              <a:rPr lang="en-US" smtClean="0"/>
+              <a:rPr lang="en-US"/>
               <a:t>Click to edit Master subtitle style</a:t>
             </a:r>
             <a:endParaRPr lang="ru-RU"/>
@@ -1502,9 +1487,9 @@
           <a:bodyPr/>
           <a:lstStyle/>
           <a:p>
-            <a:fld id="{8E6E6A2A-E9D3-4A0D-B04A-ABDD367A1E08}" type="datetimeFigureOut">
-              <a:rPr lang="ru-RU" smtClean="0"/>
-              <a:t>08.02.2018</a:t>
+            <a:fld id="{03228AD1-76D1-E94F-ABCB-6AD688485AD2}" type="datetime1">
+              <a:rPr lang="en-US" smtClean="0"/>
+              <a:t>7/1/18</a:t>
             </a:fld>
             <a:endParaRPr lang="ru-RU"/>
           </a:p>
@@ -1610,18 +1595,10 @@
                   <a:schemeClr val="bg1"/>
                 </a:solidFill>
               </a:rPr>
-              <a:t>Занятие </a:t>
-            </a:r>
-            <a:r>
-              <a:rPr lang="ru-RU" sz="2400" dirty="0" smtClean="0">
-                <a:solidFill>
-                  <a:schemeClr val="bg1"/>
-                </a:solidFill>
-              </a:rPr>
-              <a:t>№</a:t>
-            </a:r>
-            <a:r>
-              <a:rPr lang="en-US" sz="2400" dirty="0" smtClean="0">
+              <a:t>Занятие №</a:t>
+            </a:r>
+            <a:r>
+              <a:rPr lang="en-US" sz="2400" dirty="0">
                 <a:solidFill>
                   <a:schemeClr val="bg1"/>
                 </a:solidFill>
@@ -1629,7 +1606,7 @@
               <a:t>2</a:t>
             </a:r>
             <a:r>
-              <a:rPr lang="ru-RU" sz="2400" dirty="0" smtClean="0">
+              <a:rPr lang="ru-RU" sz="2400" dirty="0">
                 <a:solidFill>
                   <a:schemeClr val="bg1"/>
                 </a:solidFill>
@@ -1667,7 +1644,7 @@
           <a:p>
             <a:pPr algn="ctr"/>
             <a:r>
-              <a:rPr lang="ru-RU" sz="3600" b="1" i="1" dirty="0" smtClean="0">
+              <a:rPr lang="ru-RU" sz="3600" b="1" i="1" dirty="0">
                 <a:solidFill>
                   <a:schemeClr val="bg1"/>
                 </a:solidFill>
@@ -1675,7 +1652,7 @@
               <a:t>Основы программирования на </a:t>
             </a:r>
             <a:r>
-              <a:rPr lang="en-US" sz="3600" b="1" i="1" dirty="0" smtClean="0">
+              <a:rPr lang="en-US" sz="3600" b="1" i="1" dirty="0">
                 <a:solidFill>
                   <a:schemeClr val="bg1"/>
                 </a:solidFill>
@@ -1764,13 +1741,6 @@
   <p:clrMapOvr>
     <a:masterClrMapping/>
   </p:clrMapOvr>
-  <p:timing>
-    <p:tnLst>
-      <p:par>
-        <p:cTn id="1" dur="indefinite" restart="never" nodeType="tmRoot"/>
-      </p:par>
-    </p:tnLst>
-  </p:timing>
 </p:sldLayout>
 </file>
 
@@ -1807,7 +1777,7 @@
           <a:lstStyle/>
           <a:p>
             <a:r>
-              <a:rPr lang="en-US" smtClean="0"/>
+              <a:rPr lang="en-US"/>
               <a:t>Click to edit Master title style</a:t>
             </a:r>
             <a:endParaRPr lang="ru-RU" dirty="0"/>
@@ -1831,35 +1801,35 @@
           <a:p>
             <a:pPr lvl="0"/>
             <a:r>
-              <a:rPr lang="en-US" smtClean="0"/>
+              <a:rPr lang="en-US"/>
               <a:t>Click to edit Master text styles</a:t>
             </a:r>
           </a:p>
           <a:p>
             <a:pPr lvl="1"/>
             <a:r>
-              <a:rPr lang="en-US" smtClean="0"/>
+              <a:rPr lang="en-US"/>
               <a:t>Second level</a:t>
             </a:r>
           </a:p>
           <a:p>
             <a:pPr lvl="2"/>
             <a:r>
-              <a:rPr lang="en-US" smtClean="0"/>
+              <a:rPr lang="en-US"/>
               <a:t>Third level</a:t>
             </a:r>
           </a:p>
           <a:p>
             <a:pPr lvl="3"/>
             <a:r>
-              <a:rPr lang="en-US" smtClean="0"/>
+              <a:rPr lang="en-US"/>
               <a:t>Fourth level</a:t>
             </a:r>
           </a:p>
           <a:p>
             <a:pPr lvl="4"/>
             <a:r>
-              <a:rPr lang="en-US" smtClean="0"/>
+              <a:rPr lang="en-US"/>
               <a:t>Fifth level</a:t>
             </a:r>
             <a:endParaRPr lang="ru-RU" dirty="0"/>
@@ -1921,7 +1891,7 @@
           </a:lstStyle>
           <a:p>
             <a:r>
-              <a:rPr lang="en-US" smtClean="0"/>
+              <a:rPr lang="en-US"/>
               <a:t>Click to edit Master title style</a:t>
             </a:r>
             <a:endParaRPr lang="ru-RU" dirty="0"/>
@@ -2041,7 +2011,7 @@
           <a:p>
             <a:pPr lvl="0"/>
             <a:r>
-              <a:rPr lang="en-US" smtClean="0"/>
+              <a:rPr lang="en-US"/>
               <a:t>Click to edit Master text styles</a:t>
             </a:r>
           </a:p>
@@ -2093,7 +2063,7 @@
           <a:lstStyle/>
           <a:p>
             <a:r>
-              <a:rPr lang="en-US" smtClean="0"/>
+              <a:rPr lang="en-US"/>
               <a:t>Click to edit Master title style</a:t>
             </a:r>
             <a:endParaRPr lang="ru-RU" dirty="0"/>
@@ -2150,35 +2120,35 @@
           <a:p>
             <a:pPr lvl="0"/>
             <a:r>
-              <a:rPr lang="en-US" smtClean="0"/>
+              <a:rPr lang="en-US"/>
               <a:t>Click to edit Master text styles</a:t>
             </a:r>
           </a:p>
           <a:p>
             <a:pPr lvl="1"/>
             <a:r>
-              <a:rPr lang="en-US" smtClean="0"/>
+              <a:rPr lang="en-US"/>
               <a:t>Second level</a:t>
             </a:r>
           </a:p>
           <a:p>
             <a:pPr lvl="2"/>
             <a:r>
-              <a:rPr lang="en-US" smtClean="0"/>
+              <a:rPr lang="en-US"/>
               <a:t>Third level</a:t>
             </a:r>
           </a:p>
           <a:p>
             <a:pPr lvl="3"/>
             <a:r>
-              <a:rPr lang="en-US" smtClean="0"/>
+              <a:rPr lang="en-US"/>
               <a:t>Fourth level</a:t>
             </a:r>
           </a:p>
           <a:p>
             <a:pPr lvl="4"/>
             <a:r>
-              <a:rPr lang="en-US" smtClean="0"/>
+              <a:rPr lang="en-US"/>
               <a:t>Fifth level</a:t>
             </a:r>
             <a:endParaRPr lang="ru-RU" dirty="0"/>
@@ -2235,35 +2205,35 @@
           <a:p>
             <a:pPr lvl="0"/>
             <a:r>
-              <a:rPr lang="en-US" smtClean="0"/>
+              <a:rPr lang="en-US"/>
               <a:t>Click to edit Master text styles</a:t>
             </a:r>
           </a:p>
           <a:p>
             <a:pPr lvl="1"/>
             <a:r>
-              <a:rPr lang="en-US" smtClean="0"/>
+              <a:rPr lang="en-US"/>
               <a:t>Second level</a:t>
             </a:r>
           </a:p>
           <a:p>
             <a:pPr lvl="2"/>
             <a:r>
-              <a:rPr lang="en-US" smtClean="0"/>
+              <a:rPr lang="en-US"/>
               <a:t>Third level</a:t>
             </a:r>
           </a:p>
           <a:p>
             <a:pPr lvl="3"/>
             <a:r>
-              <a:rPr lang="en-US" smtClean="0"/>
+              <a:rPr lang="en-US"/>
               <a:t>Fourth level</a:t>
             </a:r>
           </a:p>
           <a:p>
             <a:pPr lvl="4"/>
             <a:r>
-              <a:rPr lang="en-US" smtClean="0"/>
+              <a:rPr lang="en-US"/>
               <a:t>Fifth level</a:t>
             </a:r>
             <a:endParaRPr lang="ru-RU" dirty="0"/>
@@ -2320,7 +2290,7 @@
           </a:lstStyle>
           <a:p>
             <a:r>
-              <a:rPr lang="en-US" smtClean="0"/>
+              <a:rPr lang="en-US"/>
               <a:t>Click to edit Master title style</a:t>
             </a:r>
             <a:endParaRPr lang="ru-RU" dirty="0"/>
@@ -2386,7 +2356,7 @@
           <a:p>
             <a:pPr lvl="0"/>
             <a:r>
-              <a:rPr lang="en-US" smtClean="0"/>
+              <a:rPr lang="en-US"/>
               <a:t>Click to edit Master text styles</a:t>
             </a:r>
           </a:p>
@@ -2442,35 +2412,35 @@
           <a:p>
             <a:pPr lvl="0"/>
             <a:r>
-              <a:rPr lang="en-US" smtClean="0"/>
+              <a:rPr lang="en-US"/>
               <a:t>Click to edit Master text styles</a:t>
             </a:r>
           </a:p>
           <a:p>
             <a:pPr lvl="1"/>
             <a:r>
-              <a:rPr lang="en-US" smtClean="0"/>
+              <a:rPr lang="en-US"/>
               <a:t>Second level</a:t>
             </a:r>
           </a:p>
           <a:p>
             <a:pPr lvl="2"/>
             <a:r>
-              <a:rPr lang="en-US" smtClean="0"/>
+              <a:rPr lang="en-US"/>
               <a:t>Third level</a:t>
             </a:r>
           </a:p>
           <a:p>
             <a:pPr lvl="3"/>
             <a:r>
-              <a:rPr lang="en-US" smtClean="0"/>
+              <a:rPr lang="en-US"/>
               <a:t>Fourth level</a:t>
             </a:r>
           </a:p>
           <a:p>
             <a:pPr lvl="4"/>
             <a:r>
-              <a:rPr lang="en-US" smtClean="0"/>
+              <a:rPr lang="en-US"/>
               <a:t>Fifth level</a:t>
             </a:r>
             <a:endParaRPr lang="ru-RU" dirty="0"/>
@@ -2536,7 +2506,7 @@
           <a:p>
             <a:pPr lvl="0"/>
             <a:r>
-              <a:rPr lang="en-US" smtClean="0"/>
+              <a:rPr lang="en-US"/>
               <a:t>Click to edit Master text styles</a:t>
             </a:r>
           </a:p>
@@ -2592,35 +2562,35 @@
           <a:p>
             <a:pPr lvl="0"/>
             <a:r>
-              <a:rPr lang="en-US" smtClean="0"/>
+              <a:rPr lang="en-US"/>
               <a:t>Click to edit Master text styles</a:t>
             </a:r>
           </a:p>
           <a:p>
             <a:pPr lvl="1"/>
             <a:r>
-              <a:rPr lang="en-US" smtClean="0"/>
+              <a:rPr lang="en-US"/>
               <a:t>Second level</a:t>
             </a:r>
           </a:p>
           <a:p>
             <a:pPr lvl="2"/>
             <a:r>
-              <a:rPr lang="en-US" smtClean="0"/>
+              <a:rPr lang="en-US"/>
               <a:t>Third level</a:t>
             </a:r>
           </a:p>
           <a:p>
             <a:pPr lvl="3"/>
             <a:r>
-              <a:rPr lang="en-US" smtClean="0"/>
+              <a:rPr lang="en-US"/>
               <a:t>Fourth level</a:t>
             </a:r>
           </a:p>
           <a:p>
             <a:pPr lvl="4"/>
             <a:r>
-              <a:rPr lang="en-US" smtClean="0"/>
+              <a:rPr lang="en-US"/>
               <a:t>Fifth level</a:t>
             </a:r>
             <a:endParaRPr lang="ru-RU" dirty="0"/>
@@ -2673,7 +2643,7 @@
           <a:lstStyle/>
           <a:p>
             <a:r>
-              <a:rPr lang="en-US" smtClean="0"/>
+              <a:rPr lang="en-US"/>
               <a:t>Click to edit Master title style</a:t>
             </a:r>
             <a:endParaRPr lang="ru-RU" dirty="0"/>
@@ -2734,14 +2704,14 @@
           <a:p>
             <a:pPr algn="ctr"/>
             <a:r>
-              <a:rPr lang="ru-RU" sz="3200" dirty="0" smtClean="0"/>
+              <a:rPr lang="ru-RU" sz="3200" dirty="0"/>
               <a:t>Название.</a:t>
             </a:r>
             <a:r>
-              <a:rPr lang="ru-RU" sz="3200" baseline="0" dirty="0" smtClean="0"/>
+              <a:rPr lang="ru-RU" sz="3200" baseline="0" dirty="0"/>
               <a:t> Демонстрация.</a:t>
             </a:r>
-            <a:endParaRPr lang="ru-RU" sz="3200" dirty="0" smtClean="0"/>
+            <a:endParaRPr lang="ru-RU" sz="3200" dirty="0"/>
           </a:p>
         </p:txBody>
       </p:sp>
@@ -2845,7 +2815,7 @@
           <a:lstStyle/>
           <a:p>
             <a:r>
-              <a:rPr lang="en-US" smtClean="0"/>
+              <a:rPr lang="en-US"/>
               <a:t>Click to edit Master title style</a:t>
             </a:r>
             <a:endParaRPr lang="ru-RU"/>
@@ -2879,35 +2849,35 @@
           <a:p>
             <a:pPr lvl="0"/>
             <a:r>
-              <a:rPr lang="en-US" smtClean="0"/>
+              <a:rPr lang="en-US"/>
               <a:t>Click to edit Master text styles</a:t>
             </a:r>
           </a:p>
           <a:p>
             <a:pPr lvl="1"/>
             <a:r>
-              <a:rPr lang="en-US" smtClean="0"/>
+              <a:rPr lang="en-US"/>
               <a:t>Second level</a:t>
             </a:r>
           </a:p>
           <a:p>
             <a:pPr lvl="2"/>
             <a:r>
-              <a:rPr lang="en-US" smtClean="0"/>
+              <a:rPr lang="en-US"/>
               <a:t>Third level</a:t>
             </a:r>
           </a:p>
           <a:p>
             <a:pPr lvl="3"/>
             <a:r>
-              <a:rPr lang="en-US" smtClean="0"/>
+              <a:rPr lang="en-US"/>
               <a:t>Fourth level</a:t>
             </a:r>
           </a:p>
           <a:p>
             <a:pPr lvl="4"/>
             <a:r>
-              <a:rPr lang="en-US" smtClean="0"/>
+              <a:rPr lang="en-US"/>
               <a:t>Fifth level</a:t>
             </a:r>
             <a:endParaRPr lang="ru-RU"/>
@@ -2947,9 +2917,9 @@
             </a:lvl1pPr>
           </a:lstStyle>
           <a:p>
-            <a:fld id="{AC3D3127-B7C4-45E3-9797-C527EC9FDD78}" type="datetimeFigureOut">
-              <a:rPr lang="ru-RU" smtClean="0"/>
-              <a:t>08.02.2018</a:t>
+            <a:fld id="{4C4FFBD1-31AA-9940-B6E1-B67BEBDCD9DD}" type="datetime1">
+              <a:rPr lang="en-US" smtClean="0"/>
+              <a:t>7/1/18</a:t>
             </a:fld>
             <a:endParaRPr lang="ru-RU"/>
           </a:p>
@@ -3057,13 +3027,7 @@
     <p:sldLayoutId id="2147483659" r:id="rId13"/>
     <p:sldLayoutId id="2147483662" r:id="rId14"/>
   </p:sldLayoutIdLst>
-  <p:timing>
-    <p:tnLst>
-      <p:par>
-        <p:cTn id="1" dur="indefinite" restart="never" nodeType="tmRoot"/>
-      </p:par>
-    </p:tnLst>
-  </p:timing>
+  <p:hf sldNum="0" hdr="0" ftr="0" dt="0"/>
   <p:txStyles>
     <p:titleStyle>
       <a:lvl1pPr algn="ctr" defTabSz="914400" rtl="0" eaLnBrk="1" latinLnBrk="0" hangingPunct="1">
@@ -3343,7 +3307,7 @@
         <p:spPr>
           <a:xfrm>
             <a:off x="143508" y="1304764"/>
-            <a:ext cx="8856984" cy="646331"/>
+            <a:ext cx="8856984" cy="523220"/>
           </a:xfrm>
           <a:prstGeom prst="rect">
             <a:avLst/>
@@ -3357,7 +3321,7 @@
           <a:p>
             <a:pPr algn="ctr"/>
             <a:r>
-              <a:rPr lang="ru-RU" sz="3600" b="1" i="1" dirty="0" smtClean="0">
+              <a:rPr lang="ru-RU" sz="2800" i="1" dirty="0">
                 <a:solidFill>
                   <a:schemeClr val="bg1"/>
                 </a:solidFill>
@@ -3365,14 +3329,14 @@
               <a:t>Основы программирования на </a:t>
             </a:r>
             <a:r>
-              <a:rPr lang="en-US" sz="3600" b="1" i="1" dirty="0" smtClean="0">
+              <a:rPr lang="en-US" sz="2800" i="1" dirty="0">
                 <a:solidFill>
                   <a:schemeClr val="bg1"/>
                 </a:solidFill>
               </a:rPr>
               <a:t>C#</a:t>
             </a:r>
-            <a:endParaRPr lang="ru-RU" sz="3600" b="1" i="1" dirty="0">
+            <a:endParaRPr lang="ru-RU" sz="2800" i="1" dirty="0">
               <a:solidFill>
                 <a:schemeClr val="bg1"/>
               </a:solidFill>
@@ -3380,70 +3344,6 @@
           </a:p>
         </p:txBody>
       </p:sp>
-      <p:pic>
-        <p:nvPicPr>
-          <p:cNvPr id="6" name="Picture 5"/>
-          <p:cNvPicPr>
-            <a:picLocks noChangeAspect="1" noChangeArrowheads="1"/>
-          </p:cNvPicPr>
-          <p:nvPr/>
-        </p:nvPicPr>
-        <p:blipFill>
-          <a:blip r:embed="rId2">
-            <a:extLst>
-              <a:ext uri="{28A0092B-C50C-407E-A947-70E740481C1C}">
-                <a14:useLocalDpi xmlns:a14="http://schemas.microsoft.com/office/drawing/2010/main" val="0"/>
-              </a:ext>
-            </a:extLst>
-          </a:blip>
-          <a:srcRect/>
-          <a:stretch>
-            <a:fillRect/>
-          </a:stretch>
-        </p:blipFill>
-        <p:spPr bwMode="auto">
-          <a:xfrm>
-            <a:off x="1638300" y="3829211"/>
-            <a:ext cx="5867400" cy="1724025"/>
-          </a:xfrm>
-          <a:prstGeom prst="rect">
-            <a:avLst/>
-          </a:prstGeom>
-          <a:noFill/>
-          <a:ln>
-            <a:noFill/>
-          </a:ln>
-          <a:effectLst/>
-          <a:extLst>
-            <a:ext uri="{909E8E84-426E-40DD-AFC4-6F175D3DCCD1}">
-              <a14:hiddenFill xmlns:a14="http://schemas.microsoft.com/office/drawing/2010/main">
-                <a:solidFill>
-                  <a:schemeClr val="accent1"/>
-                </a:solidFill>
-              </a14:hiddenFill>
-            </a:ext>
-            <a:ext uri="{91240B29-F687-4F45-9708-019B960494DF}">
-              <a14:hiddenLine xmlns:a14="http://schemas.microsoft.com/office/drawing/2010/main" w="9525">
-                <a:solidFill>
-                  <a:schemeClr val="tx1"/>
-                </a:solidFill>
-                <a:miter lim="800000"/>
-                <a:headEnd/>
-                <a:tailEnd/>
-              </a14:hiddenLine>
-            </a:ext>
-            <a:ext uri="{AF507438-7753-43E0-B8FC-AC1667EBCBE1}">
-              <a14:hiddenEffects xmlns:a14="http://schemas.microsoft.com/office/drawing/2010/main">
-                <a:effectLst>
-                  <a:outerShdw dist="35921" dir="2700000" algn="ctr" rotWithShape="0">
-                    <a:schemeClr val="bg2"/>
-                  </a:outerShdw>
-                </a:effectLst>
-              </a14:hiddenEffects>
-            </a:ext>
-          </a:extLst>
-        </p:spPr>
-      </p:pic>
       <p:sp>
         <p:nvSpPr>
           <p:cNvPr id="7" name="TextBox 6"/>
@@ -3453,7 +3353,7 @@
         <p:spPr>
           <a:xfrm>
             <a:off x="143508" y="2528900"/>
-            <a:ext cx="8856984" cy="461665"/>
+            <a:ext cx="8856984" cy="646331"/>
           </a:xfrm>
           <a:prstGeom prst="rect">
             <a:avLst/>
@@ -3468,17 +3368,136 @@
           <a:p>
             <a:pPr algn="ctr"/>
             <a:r>
-              <a:rPr lang="en-US" sz="2400" dirty="0" smtClean="0">
-                <a:solidFill>
-                  <a:schemeClr val="bg1"/>
-                </a:solidFill>
-              </a:rPr>
-              <a:t>C:\Windows\Microsoft.NET&gt; _</a:t>
-            </a:r>
-            <a:endParaRPr lang="en-US" sz="2400" dirty="0">
+              <a:rPr lang="en-US" sz="3600" b="1">
+                <a:solidFill>
+                  <a:schemeClr val="bg1"/>
+                </a:solidFill>
+                <a:latin typeface="Footlight MT Light" panose="0204060206030A020304" pitchFamily="18" charset="77"/>
+              </a:rPr>
+              <a:t>§ That’s </a:t>
+            </a:r>
+            <a:r>
+              <a:rPr lang="en-US" sz="3600" b="1" dirty="0">
+                <a:solidFill>
+                  <a:schemeClr val="bg1"/>
+                </a:solidFill>
+                <a:latin typeface="Footlight MT Light" panose="0204060206030A020304" pitchFamily="18" charset="77"/>
+              </a:rPr>
+              <a:t>all folks!</a:t>
+            </a:r>
+          </a:p>
+        </p:txBody>
+      </p:sp>
+      <p:sp>
+        <p:nvSpPr>
+          <p:cNvPr id="9" name="TextBox 8">
+            <a:extLst>
+              <a:ext uri="{FF2B5EF4-FFF2-40B4-BE49-F238E27FC236}">
+                <a16:creationId xmlns:a16="http://schemas.microsoft.com/office/drawing/2014/main" id="{B3F6DB7A-6F9F-F641-BF74-89222F6D4591}"/>
+              </a:ext>
+            </a:extLst>
+          </p:cNvPr>
+          <p:cNvSpPr txBox="1"/>
+          <p:nvPr/>
+        </p:nvSpPr>
+        <p:spPr>
+          <a:xfrm>
+            <a:off x="2339752" y="4984720"/>
+            <a:ext cx="4464496" cy="1138773"/>
+          </a:xfrm>
+          <a:prstGeom prst="rect">
+            <a:avLst/>
+          </a:prstGeom>
+          <a:noFill/>
+        </p:spPr>
+        <p:txBody>
+          <a:bodyPr wrap="square" rtlCol="0">
+            <a:spAutoFit/>
+          </a:bodyPr>
+          <a:lstStyle/>
+          <a:p>
+            <a:r>
+              <a:rPr lang="ru-RU" sz="2000" dirty="0">
+                <a:solidFill>
+                  <a:schemeClr val="bg1"/>
+                </a:solidFill>
+                <a:effectLst>
+                  <a:outerShdw blurRad="50800" dist="38100" dir="5400000" algn="t" rotWithShape="0">
+                    <a:prstClr val="black">
+                      <a:alpha val="40000"/>
+                    </a:prstClr>
+                  </a:outerShdw>
+                </a:effectLst>
+                <a:latin typeface="Segoe Print" panose="02000800000000000000" pitchFamily="2" charset="0"/>
+              </a:rPr>
+              <a:t>Центр Обучающих Технологий</a:t>
+            </a:r>
+          </a:p>
+          <a:p>
+            <a:pPr algn="ctr"/>
+            <a:r>
+              <a:rPr lang="ru-RU" sz="1600" dirty="0">
+                <a:solidFill>
+                  <a:schemeClr val="bg1"/>
+                </a:solidFill>
+                <a:effectLst>
+                  <a:outerShdw blurRad="50800" dist="38100" dir="5400000" algn="t" rotWithShape="0">
+                    <a:prstClr val="black">
+                      <a:alpha val="40000"/>
+                    </a:prstClr>
+                  </a:outerShdw>
+                </a:effectLst>
+                <a:latin typeface="Segoe Print" panose="02000800000000000000" pitchFamily="2" charset="0"/>
+              </a:rPr>
+              <a:t>основан в 2002 году</a:t>
+            </a:r>
+          </a:p>
+          <a:p>
+            <a:pPr algn="ctr"/>
+            <a:endParaRPr lang="ru-RU" sz="1600" dirty="0">
               <a:solidFill>
                 <a:schemeClr val="bg1"/>
               </a:solidFill>
+              <a:effectLst>
+                <a:outerShdw blurRad="50800" dist="38100" dir="5400000" algn="t" rotWithShape="0">
+                  <a:prstClr val="black">
+                    <a:alpha val="40000"/>
+                  </a:prstClr>
+                </a:outerShdw>
+              </a:effectLst>
+              <a:latin typeface="Segoe Print" panose="02000800000000000000" pitchFamily="2" charset="0"/>
+            </a:endParaRPr>
+          </a:p>
+          <a:p>
+            <a:pPr algn="ctr"/>
+            <a:r>
+              <a:rPr lang="en-US" sz="1600" dirty="0" err="1">
+                <a:solidFill>
+                  <a:schemeClr val="bg1"/>
+                </a:solidFill>
+                <a:effectLst>
+                  <a:outerShdw blurRad="50800" dist="38100" dir="5400000" algn="t" rotWithShape="0">
+                    <a:prstClr val="black">
+                      <a:alpha val="40000"/>
+                    </a:prstClr>
+                  </a:outerShdw>
+                </a:effectLst>
+                <a:latin typeface="Segoe Print" panose="02000800000000000000" pitchFamily="2" charset="0"/>
+              </a:rPr>
+              <a:t>trainingcenter.by</a:t>
+            </a:r>
+            <a:endParaRPr lang="en-US" sz="1600" dirty="0">
+              <a:solidFill>
+                <a:schemeClr val="bg1"/>
+              </a:solidFill>
+              <a:effectLst>
+                <a:outerShdw blurRad="50800" dist="38100" dir="5400000" algn="t" rotWithShape="0">
+                  <a:prstClr val="black">
+                    <a:alpha val="40000"/>
+                  </a:prstClr>
+                </a:outerShdw>
+              </a:effectLst>
+              <a:latin typeface="Segoe Print" panose="02000800000000000000" pitchFamily="2" charset="0"/>
             </a:endParaRPr>
           </a:p>
         </p:txBody>
@@ -3493,13 +3512,6 @@
   <p:clrMapOvr>
     <a:masterClrMapping/>
   </p:clrMapOvr>
-  <p:timing>
-    <p:tnLst>
-      <p:par>
-        <p:cTn id="1" dur="indefinite" restart="never" nodeType="tmRoot"/>
-      </p:par>
-    </p:tnLst>
-  </p:timing>
 </p:sld>
 </file>
 
@@ -3543,7 +3555,7 @@
           <a:lstStyle/>
           <a:p>
             <a:r>
-              <a:rPr lang="ru-RU" dirty="0" smtClean="0">
+              <a:rPr lang="ru-RU" dirty="0">
                 <a:solidFill>
                   <a:schemeClr val="bg1"/>
                 </a:solidFill>
@@ -3581,20 +3593,12 @@
           <a:lstStyle/>
           <a:p>
             <a:r>
-              <a:rPr lang="en-US" dirty="0" smtClean="0">
-                <a:solidFill>
-                  <a:schemeClr val="bg1"/>
-                </a:solidFill>
-              </a:rPr>
-              <a:t>.</a:t>
-            </a:r>
-            <a:r>
               <a:rPr lang="en-US" dirty="0">
                 <a:solidFill>
                   <a:schemeClr val="bg1"/>
                 </a:solidFill>
               </a:rPr>
-              <a:t>NET Framework Blog</a:t>
+              <a:t>.NET Framework Blog</a:t>
             </a:r>
             <a:r>
               <a:rPr lang="ru-RU" dirty="0">
@@ -3755,18 +3759,9 @@
                 </a:solidFill>
                 <a:hlinkClick r:id="rId6"/>
               </a:rPr>
-              <a:t>http://</a:t>
-            </a:r>
-            <a:r>
-              <a:rPr lang="en-US" dirty="0" smtClean="0">
-                <a:solidFill>
-                  <a:schemeClr val="bg1"/>
-                </a:solidFill>
-                <a:hlinkClick r:id="rId6"/>
-              </a:rPr>
-              <a:t>blackrabbitcoder.net/category/11989.aspx</a:t>
-            </a:r>
-            <a:endParaRPr lang="ru-RU" dirty="0" smtClean="0">
+              <a:t>http://blackrabbitcoder.net/category/11989.aspx</a:t>
+            </a:r>
+            <a:endParaRPr lang="ru-RU" dirty="0">
               <a:solidFill>
                 <a:schemeClr val="bg1"/>
               </a:solidFill>
@@ -3774,7 +3769,7 @@
           </a:p>
           <a:p>
             <a:r>
-              <a:rPr lang="en-US" dirty="0" smtClean="0">
+              <a:rPr lang="en-US" dirty="0">
                 <a:solidFill>
                   <a:schemeClr val="bg1"/>
                 </a:solidFill>
@@ -3782,7 +3777,7 @@
               <a:t>Scott </a:t>
             </a:r>
             <a:r>
-              <a:rPr lang="en-US" dirty="0" err="1" smtClean="0">
+              <a:rPr lang="en-US" dirty="0" err="1">
                 <a:solidFill>
                   <a:schemeClr val="bg1"/>
                 </a:solidFill>
@@ -3804,18 +3799,9 @@
                 </a:solidFill>
                 <a:hlinkClick r:id="rId7"/>
               </a:rPr>
-              <a:t>http://www.hanselman.com/blog</a:t>
-            </a:r>
-            <a:r>
-              <a:rPr lang="en-US" dirty="0" smtClean="0">
-                <a:solidFill>
-                  <a:schemeClr val="bg1"/>
-                </a:solidFill>
-                <a:hlinkClick r:id="rId7"/>
-              </a:rPr>
-              <a:t>/</a:t>
-            </a:r>
-            <a:endParaRPr lang="en-US" dirty="0" smtClean="0">
+              <a:t>http://www.hanselman.com/blog/</a:t>
+            </a:r>
+            <a:endParaRPr lang="en-US" dirty="0">
               <a:solidFill>
                 <a:schemeClr val="bg1"/>
               </a:solidFill>
@@ -3850,13 +3836,6 @@
   <p:clrMapOvr>
     <a:masterClrMapping/>
   </p:clrMapOvr>
-  <p:timing>
-    <p:tnLst>
-      <p:par>
-        <p:cTn id="1" dur="indefinite" restart="never" nodeType="tmRoot"/>
-      </p:par>
-    </p:tnLst>
-  </p:timing>
 </p:sld>
 </file>
 
@@ -3893,7 +3872,7 @@
           <a:lstStyle/>
           <a:p>
             <a:r>
-              <a:rPr lang="ru-RU" dirty="0" smtClean="0"/>
+              <a:rPr lang="ru-RU" dirty="0"/>
               <a:t>Подкасты</a:t>
             </a:r>
             <a:endParaRPr lang="en-US" dirty="0"/>
@@ -3916,16 +3895,12 @@
           <a:lstStyle/>
           <a:p>
             <a:r>
-              <a:rPr lang="en-US" dirty="0" err="1" smtClean="0"/>
+              <a:rPr lang="en-US" dirty="0" err="1"/>
               <a:t>Hanselminutes</a:t>
             </a:r>
             <a:r>
-              <a:rPr lang="en-US" dirty="0" smtClean="0"/>
+              <a:rPr lang="en-US" dirty="0"/>
               <a:t> (English)</a:t>
-            </a:r>
-            <a:r>
-              <a:rPr lang="en-US" dirty="0"/>
-              <a:t/>
             </a:r>
             <a:br>
               <a:rPr lang="en-US" dirty="0"/>
@@ -3934,28 +3909,14 @@
               <a:rPr lang="en-US" dirty="0">
                 <a:hlinkClick r:id="rId2"/>
               </a:rPr>
-              <a:t>http://www.hanselminutes.com</a:t>
-            </a:r>
-            <a:r>
-              <a:rPr lang="en-US" dirty="0" smtClean="0">
-                <a:hlinkClick r:id="rId2"/>
-              </a:rPr>
-              <a:t>/</a:t>
-            </a:r>
-            <a:endParaRPr lang="en-US" dirty="0" smtClean="0"/>
+              <a:t>http://www.hanselminutes.com/</a:t>
+            </a:r>
+            <a:endParaRPr lang="en-US" dirty="0"/>
           </a:p>
           <a:p>
             <a:r>
               <a:rPr lang="en-US" dirty="0"/>
-              <a:t>.NET Rocks</a:t>
-            </a:r>
-            <a:r>
-              <a:rPr lang="en-US" dirty="0" smtClean="0"/>
-              <a:t>! </a:t>
-            </a:r>
-            <a:r>
-              <a:rPr lang="en-US" dirty="0"/>
-              <a:t>(English)</a:t>
+              <a:t>.NET Rocks! (English)</a:t>
             </a:r>
             <a:br>
               <a:rPr lang="en-US" dirty="0"/>
@@ -3964,15 +3925,9 @@
               <a:rPr lang="en-US" dirty="0">
                 <a:hlinkClick r:id="rId3"/>
               </a:rPr>
-              <a:t>http://www.dotnetrocks.com</a:t>
-            </a:r>
-            <a:r>
-              <a:rPr lang="en-US" dirty="0" smtClean="0">
-                <a:hlinkClick r:id="rId3"/>
-              </a:rPr>
-              <a:t>/</a:t>
-            </a:r>
-            <a:endParaRPr lang="en-US" dirty="0" smtClean="0"/>
+              <a:t>http://www.dotnetrocks.com/</a:t>
+            </a:r>
+            <a:endParaRPr lang="en-US" dirty="0"/>
           </a:p>
           <a:p>
             <a:endParaRPr lang="en-US" dirty="0"/>
@@ -3989,13 +3944,6 @@
   <p:clrMapOvr>
     <a:masterClrMapping/>
   </p:clrMapOvr>
-  <p:timing>
-    <p:tnLst>
-      <p:par>
-        <p:cTn id="1" dur="indefinite" restart="never" nodeType="tmRoot"/>
-      </p:par>
-    </p:tnLst>
-  </p:timing>
 </p:sld>
 </file>
 
@@ -4032,10 +3980,9 @@
           <a:lstStyle/>
           <a:p>
             <a:r>
-              <a:rPr lang="ru-RU" dirty="0" smtClean="0"/>
+              <a:rPr lang="ru-RU" dirty="0"/>
               <a:t>Обучающие видео</a:t>
             </a:r>
-            <a:endParaRPr lang="ru-RU" dirty="0"/>
           </a:p>
         </p:txBody>
       </p:sp>
@@ -4055,7 +4002,7 @@
           <a:lstStyle/>
           <a:p>
             <a:r>
-              <a:rPr lang="ru-RU" dirty="0" smtClean="0">
+              <a:rPr lang="ru-RU" dirty="0">
                 <a:solidFill>
                   <a:schemeClr val="bg1"/>
                 </a:solidFill>
@@ -4066,33 +4013,15 @@
           <a:p>
             <a:pPr lvl="1"/>
             <a:r>
-              <a:rPr lang="en-US" dirty="0" smtClean="0">
+              <a:rPr lang="en-US" dirty="0">
                 <a:solidFill>
                   <a:schemeClr val="bg1"/>
                 </a:solidFill>
                 <a:hlinkClick r:id="rId2"/>
               </a:rPr>
-              <a:t>http</a:t>
-            </a:r>
-            <a:r>
-              <a:rPr lang="en-US" dirty="0">
-                <a:solidFill>
-                  <a:schemeClr val="bg1"/>
-                </a:solidFill>
-                <a:hlinkClick r:id="rId2"/>
-              </a:rPr>
-              <a:t>://</a:t>
-            </a:r>
-            <a:r>
-              <a:rPr lang="en-US" dirty="0" smtClean="0">
-                <a:solidFill>
-                  <a:schemeClr val="bg1"/>
-                </a:solidFill>
-                <a:hlinkClick r:id="rId2"/>
-              </a:rPr>
-              <a:t>techdays.ru</a:t>
-            </a:r>
-            <a:endParaRPr lang="ru-RU" dirty="0" smtClean="0">
+              <a:t>http://techdays.ru</a:t>
+            </a:r>
+            <a:endParaRPr lang="ru-RU" dirty="0">
               <a:solidFill>
                 <a:schemeClr val="bg1"/>
               </a:solidFill>
@@ -4100,7 +4029,7 @@
           </a:p>
           <a:p>
             <a:r>
-              <a:rPr lang="ru-RU" dirty="0" smtClean="0">
+              <a:rPr lang="ru-RU" dirty="0">
                 <a:solidFill>
                   <a:schemeClr val="bg1"/>
                 </a:solidFill>
@@ -4117,18 +4046,9 @@
                 </a:solidFill>
                 <a:hlinkClick r:id="rId3"/>
               </a:rPr>
-              <a:t>http://channel9.msdn.com</a:t>
-            </a:r>
-            <a:r>
-              <a:rPr lang="en-US" dirty="0" smtClean="0">
-                <a:solidFill>
-                  <a:schemeClr val="bg1"/>
-                </a:solidFill>
-                <a:hlinkClick r:id="rId3"/>
-              </a:rPr>
-              <a:t>/</a:t>
-            </a:r>
-            <a:endParaRPr lang="ru-RU" dirty="0" smtClean="0">
+              <a:t>http://channel9.msdn.com/</a:t>
+            </a:r>
+            <a:endParaRPr lang="ru-RU" dirty="0">
               <a:solidFill>
                 <a:schemeClr val="bg1"/>
               </a:solidFill>
@@ -4143,34 +4063,17 @@
                 </a:solidFill>
                 <a:hlinkClick r:id="rId4"/>
               </a:rPr>
-              <a:t>https://</a:t>
-            </a:r>
-            <a:r>
-              <a:rPr lang="en-US" dirty="0" smtClean="0">
-                <a:solidFill>
-                  <a:schemeClr val="bg1"/>
-                </a:solidFill>
-                <a:hlinkClick r:id="rId4"/>
-              </a:rPr>
-              <a:t>www.wintellectnow.com/videos/index</a:t>
-            </a:r>
-            <a:r>
-              <a:rPr lang="ru-RU" dirty="0" smtClean="0">
-                <a:solidFill>
-                  <a:schemeClr val="bg1"/>
-                </a:solidFill>
-              </a:rPr>
-              <a:t/>
+              <a:t>https://www.wintellectnow.com/videos/index</a:t>
             </a:r>
             <a:br>
-              <a:rPr lang="ru-RU" dirty="0" smtClean="0">
+              <a:rPr lang="ru-RU" dirty="0">
                 <a:solidFill>
                   <a:schemeClr val="bg1"/>
                 </a:solidFill>
               </a:rPr>
             </a:br>
             <a:r>
-              <a:rPr lang="ru-RU" dirty="0" smtClean="0">
+              <a:rPr lang="ru-RU" dirty="0">
                 <a:solidFill>
                   <a:schemeClr val="bg1"/>
                 </a:solidFill>
@@ -4187,19 +4090,10 @@
                 </a:solidFill>
                 <a:hlinkClick r:id="rId5"/>
               </a:rPr>
-              <a:t>http://pluralsight.com</a:t>
-            </a:r>
-            <a:r>
-              <a:rPr lang="en-US" dirty="0" smtClean="0">
-                <a:solidFill>
-                  <a:schemeClr val="bg1"/>
-                </a:solidFill>
-                <a:hlinkClick r:id="rId5"/>
-              </a:rPr>
-              <a:t>/</a:t>
-            </a:r>
-            <a:r>
-              <a:rPr lang="ru-RU" dirty="0" smtClean="0">
+              <a:t>http://pluralsight.com/</a:t>
+            </a:r>
+            <a:r>
+              <a:rPr lang="ru-RU" dirty="0">
                 <a:solidFill>
                   <a:schemeClr val="bg1"/>
                 </a:solidFill>
@@ -4223,13 +4117,6 @@
   <p:clrMapOvr>
     <a:masterClrMapping/>
   </p:clrMapOvr>
-  <p:timing>
-    <p:tnLst>
-      <p:par>
-        <p:cTn id="1" dur="indefinite" restart="never" nodeType="tmRoot"/>
-      </p:par>
-    </p:tnLst>
-  </p:timing>
 </p:sld>
 </file>
 
@@ -4311,64 +4198,30 @@
           <a:lstStyle/>
           <a:p>
             <a:r>
-              <a:rPr lang="ru-RU" dirty="0" smtClean="0">
+              <a:rPr lang="ru-RU" dirty="0">
                 <a:solidFill>
                   <a:schemeClr val="bg1"/>
                 </a:solidFill>
               </a:rPr>
               <a:t>Школа программиста</a:t>
             </a:r>
-            <a:r>
-              <a:rPr lang="en-US" dirty="0" smtClean="0">
+            <a:br>
+              <a:rPr lang="en-US" dirty="0">
                 <a:solidFill>
                   <a:schemeClr val="bg1"/>
                 </a:solidFill>
                 <a:hlinkClick r:id="rId2"/>
               </a:rPr>
-              <a:t/>
-            </a:r>
-            <a:br>
-              <a:rPr lang="en-US" dirty="0" smtClean="0">
+            </a:br>
+            <a:r>
+              <a:rPr lang="en-US" dirty="0">
                 <a:solidFill>
                   <a:schemeClr val="bg1"/>
                 </a:solidFill>
                 <a:hlinkClick r:id="rId2"/>
               </a:rPr>
-            </a:br>
-            <a:r>
-              <a:rPr lang="en-US" dirty="0" smtClean="0">
-                <a:solidFill>
-                  <a:schemeClr val="bg1"/>
-                </a:solidFill>
-                <a:hlinkClick r:id="rId2"/>
-              </a:rPr>
-              <a:t>http</a:t>
-            </a:r>
-            <a:r>
-              <a:rPr lang="en-US" dirty="0">
-                <a:solidFill>
-                  <a:schemeClr val="bg1"/>
-                </a:solidFill>
-                <a:hlinkClick r:id="rId2"/>
-              </a:rPr>
-              <a:t>://</a:t>
-            </a:r>
-            <a:r>
-              <a:rPr lang="en-US" dirty="0" smtClean="0">
-                <a:solidFill>
-                  <a:schemeClr val="bg1"/>
-                </a:solidFill>
-                <a:hlinkClick r:id="rId2"/>
-              </a:rPr>
-              <a:t>acmp.ru/index.asp?main=tasks</a:t>
-            </a:r>
-            <a:endParaRPr lang="en-US" dirty="0" smtClean="0">
-              <a:solidFill>
-                <a:schemeClr val="bg1"/>
-              </a:solidFill>
-            </a:endParaRPr>
-          </a:p>
-          <a:p>
+              <a:t>http://acmp.ru/index.asp?main=tasks</a:t>
+            </a:r>
             <a:endParaRPr lang="en-US" dirty="0">
               <a:solidFill>
                 <a:schemeClr val="bg1"/>
@@ -4376,47 +4229,6 @@
             </a:endParaRPr>
           </a:p>
           <a:p>
-            <a:r>
-              <a:rPr lang="en-US" dirty="0" err="1">
-                <a:solidFill>
-                  <a:schemeClr val="bg1"/>
-                </a:solidFill>
-              </a:rPr>
-              <a:t>Timus</a:t>
-            </a:r>
-            <a:r>
-              <a:rPr lang="en-US" dirty="0">
-                <a:solidFill>
-                  <a:schemeClr val="bg1"/>
-                </a:solidFill>
-              </a:rPr>
-              <a:t> Online Judge</a:t>
-            </a:r>
-            <a:br>
-              <a:rPr lang="en-US" dirty="0">
-                <a:solidFill>
-                  <a:schemeClr val="bg1"/>
-                </a:solidFill>
-              </a:rPr>
-            </a:br>
-            <a:r>
-              <a:rPr lang="en-US" dirty="0">
-                <a:solidFill>
-                  <a:schemeClr val="bg1"/>
-                </a:solidFill>
-                <a:hlinkClick r:id="rId3"/>
-              </a:rPr>
-              <a:t>http://acm.timus.ru/?</a:t>
-            </a:r>
-            <a:r>
-              <a:rPr lang="en-US" dirty="0" smtClean="0">
-                <a:solidFill>
-                  <a:schemeClr val="bg1"/>
-                </a:solidFill>
-                <a:hlinkClick r:id="rId3"/>
-              </a:rPr>
-              <a:t>locale=ru</a:t>
-            </a:r>
             <a:endParaRPr lang="en-US" dirty="0">
               <a:solidFill>
                 <a:schemeClr val="bg1"/>
@@ -4424,6 +4236,38 @@
             </a:endParaRPr>
           </a:p>
           <a:p>
+            <a:r>
+              <a:rPr lang="en-US" dirty="0" err="1">
+                <a:solidFill>
+                  <a:schemeClr val="bg1"/>
+                </a:solidFill>
+              </a:rPr>
+              <a:t>Timus</a:t>
+            </a:r>
+            <a:r>
+              <a:rPr lang="en-US" dirty="0">
+                <a:solidFill>
+                  <a:schemeClr val="bg1"/>
+                </a:solidFill>
+              </a:rPr>
+              <a:t> Online Judge</a:t>
+            </a:r>
+            <a:br>
+              <a:rPr lang="en-US" dirty="0">
+                <a:solidFill>
+                  <a:schemeClr val="bg1"/>
+                </a:solidFill>
+              </a:rPr>
+            </a:br>
+            <a:r>
+              <a:rPr lang="en-US" dirty="0">
+                <a:solidFill>
+                  <a:schemeClr val="bg1"/>
+                </a:solidFill>
+                <a:hlinkClick r:id="rId3"/>
+              </a:rPr>
+              <a:t>http://acm.timus.ru/?locale=ru</a:t>
+            </a:r>
             <a:endParaRPr lang="en-US" dirty="0">
               <a:solidFill>
                 <a:schemeClr val="bg1"/>
@@ -4431,154 +4275,145 @@
             </a:endParaRPr>
           </a:p>
           <a:p>
-            <a:r>
-              <a:rPr lang="ru-RU" dirty="0" smtClean="0">
-                <a:solidFill>
-                  <a:schemeClr val="bg1"/>
-                </a:solidFill>
-              </a:rPr>
-              <a:t>Математические задачи</a:t>
-            </a:r>
-            <a:br>
-              <a:rPr lang="ru-RU" dirty="0" smtClean="0">
-                <a:solidFill>
-                  <a:schemeClr val="bg1"/>
-                </a:solidFill>
-              </a:rPr>
-            </a:br>
-            <a:r>
-              <a:rPr lang="en-US" dirty="0" smtClean="0">
-                <a:solidFill>
-                  <a:schemeClr val="bg1"/>
-                </a:solidFill>
-                <a:hlinkClick r:id="rId4"/>
-              </a:rPr>
-              <a:t>http://projecteuler.net</a:t>
-            </a:r>
-            <a:endParaRPr lang="en-US" dirty="0" smtClean="0">
+            <a:endParaRPr lang="en-US" dirty="0">
               <a:solidFill>
                 <a:schemeClr val="bg1"/>
               </a:solidFill>
             </a:endParaRPr>
           </a:p>
           <a:p>
-            <a:endParaRPr lang="ru-RU" dirty="0" smtClean="0">
+            <a:r>
+              <a:rPr lang="ru-RU" dirty="0">
+                <a:solidFill>
+                  <a:schemeClr val="bg1"/>
+                </a:solidFill>
+              </a:rPr>
+              <a:t>Математические задачи</a:t>
+            </a:r>
+            <a:br>
+              <a:rPr lang="ru-RU" dirty="0">
+                <a:solidFill>
+                  <a:schemeClr val="bg1"/>
+                </a:solidFill>
+              </a:rPr>
+            </a:br>
+            <a:r>
+              <a:rPr lang="en-US" dirty="0">
+                <a:solidFill>
+                  <a:schemeClr val="bg1"/>
+                </a:solidFill>
+                <a:hlinkClick r:id="rId4"/>
+              </a:rPr>
+              <a:t>http://projecteuler.net</a:t>
+            </a:r>
+            <a:endParaRPr lang="en-US" dirty="0">
               <a:solidFill>
                 <a:schemeClr val="bg1"/>
               </a:solidFill>
             </a:endParaRPr>
           </a:p>
           <a:p>
-            <a:r>
-              <a:rPr lang="ru-RU" dirty="0" smtClean="0">
-                <a:solidFill>
-                  <a:schemeClr val="bg1"/>
-                </a:solidFill>
-              </a:rPr>
-              <a:t>Кодо-дуэли</a:t>
-            </a:r>
-            <a:r>
-              <a:rPr lang="en-US" dirty="0" smtClean="0">
-                <a:solidFill>
-                  <a:schemeClr val="bg1"/>
-                </a:solidFill>
-              </a:rPr>
-              <a:t> </a:t>
-            </a:r>
-            <a:r>
-              <a:rPr lang="ru-RU" dirty="0" smtClean="0">
-                <a:solidFill>
-                  <a:schemeClr val="bg1"/>
-                </a:solidFill>
-              </a:rPr>
-              <a:t>на </a:t>
-            </a:r>
-            <a:r>
-              <a:rPr lang="en-US" dirty="0" smtClean="0">
-                <a:solidFill>
-                  <a:schemeClr val="bg1"/>
-                </a:solidFill>
-              </a:rPr>
-              <a:t>C#/VB.NET/F#</a:t>
-            </a:r>
-            <a:r>
-              <a:rPr lang="ru-RU" dirty="0" smtClean="0">
-                <a:solidFill>
-                  <a:schemeClr val="bg1"/>
-                </a:solidFill>
-              </a:rPr>
-              <a:t/>
-            </a:r>
-            <a:br>
-              <a:rPr lang="ru-RU" dirty="0" smtClean="0">
-                <a:solidFill>
-                  <a:schemeClr val="bg1"/>
-                </a:solidFill>
-              </a:rPr>
-            </a:br>
-            <a:r>
-              <a:rPr lang="en-US" dirty="0" smtClean="0">
-                <a:solidFill>
-                  <a:schemeClr val="bg1"/>
-                </a:solidFill>
-                <a:hlinkClick r:id="rId5"/>
-              </a:rPr>
-              <a:t>http://www.pex4fun.com</a:t>
-            </a:r>
-            <a:endParaRPr lang="en-US" dirty="0" smtClean="0">
+            <a:endParaRPr lang="ru-RU" dirty="0">
               <a:solidFill>
                 <a:schemeClr val="bg1"/>
               </a:solidFill>
             </a:endParaRPr>
           </a:p>
           <a:p>
-            <a:endParaRPr lang="en-US" dirty="0" smtClean="0">
+            <a:r>
+              <a:rPr lang="ru-RU" dirty="0">
+                <a:solidFill>
+                  <a:schemeClr val="bg1"/>
+                </a:solidFill>
+              </a:rPr>
+              <a:t>Кодо-дуэли</a:t>
+            </a:r>
+            <a:r>
+              <a:rPr lang="en-US" dirty="0">
+                <a:solidFill>
+                  <a:schemeClr val="bg1"/>
+                </a:solidFill>
+              </a:rPr>
+              <a:t> </a:t>
+            </a:r>
+            <a:r>
+              <a:rPr lang="ru-RU" dirty="0">
+                <a:solidFill>
+                  <a:schemeClr val="bg1"/>
+                </a:solidFill>
+              </a:rPr>
+              <a:t>на </a:t>
+            </a:r>
+            <a:r>
+              <a:rPr lang="en-US" dirty="0">
+                <a:solidFill>
+                  <a:schemeClr val="bg1"/>
+                </a:solidFill>
+              </a:rPr>
+              <a:t>C#/VB.NET/F#</a:t>
+            </a:r>
+            <a:br>
+              <a:rPr lang="ru-RU" dirty="0">
+                <a:solidFill>
+                  <a:schemeClr val="bg1"/>
+                </a:solidFill>
+              </a:rPr>
+            </a:br>
+            <a:r>
+              <a:rPr lang="en-US" dirty="0">
+                <a:solidFill>
+                  <a:schemeClr val="bg1"/>
+                </a:solidFill>
+                <a:hlinkClick r:id="rId5"/>
+              </a:rPr>
+              <a:t>http://www.pex4fun.com</a:t>
+            </a:r>
+            <a:endParaRPr lang="en-US" dirty="0">
               <a:solidFill>
                 <a:schemeClr val="bg1"/>
               </a:solidFill>
             </a:endParaRPr>
           </a:p>
           <a:p>
-            <a:r>
-              <a:rPr lang="ru-RU" dirty="0" smtClean="0">
-                <a:solidFill>
-                  <a:schemeClr val="bg1"/>
-                </a:solidFill>
-              </a:rPr>
-              <a:t>Головоломки от других программистов</a:t>
-            </a:r>
-            <a:r>
-              <a:rPr lang="en-US" dirty="0" smtClean="0">
-                <a:solidFill>
-                  <a:schemeClr val="bg1"/>
-                </a:solidFill>
-              </a:rPr>
-              <a:t/>
-            </a:r>
-            <a:br>
-              <a:rPr lang="en-US" dirty="0" smtClean="0">
-                <a:solidFill>
-                  <a:schemeClr val="bg1"/>
-                </a:solidFill>
-              </a:rPr>
-            </a:br>
-            <a:r>
-              <a:rPr lang="en-US" dirty="0" smtClean="0">
-                <a:solidFill>
-                  <a:schemeClr val="bg1"/>
-                </a:solidFill>
-                <a:hlinkClick r:id="rId6"/>
-              </a:rPr>
-              <a:t>http://codegolf.stackexchange.com</a:t>
-            </a:r>
-            <a:endParaRPr lang="ru-RU" dirty="0" smtClean="0">
+            <a:endParaRPr lang="en-US" dirty="0">
               <a:solidFill>
                 <a:schemeClr val="bg1"/>
               </a:solidFill>
             </a:endParaRPr>
           </a:p>
           <a:p>
-            <a:endParaRPr lang="ru-RU" dirty="0" smtClean="0">
+            <a:r>
+              <a:rPr lang="ru-RU" dirty="0">
+                <a:solidFill>
+                  <a:schemeClr val="bg1"/>
+                </a:solidFill>
+              </a:rPr>
+              <a:t>Головоломки от других программистов</a:t>
+            </a:r>
+            <a:br>
+              <a:rPr lang="en-US" dirty="0">
+                <a:solidFill>
+                  <a:schemeClr val="bg1"/>
+                </a:solidFill>
+              </a:rPr>
+            </a:br>
+            <a:r>
+              <a:rPr lang="en-US" dirty="0">
+                <a:solidFill>
+                  <a:schemeClr val="bg1"/>
+                </a:solidFill>
+                <a:hlinkClick r:id="rId6"/>
+              </a:rPr>
+              <a:t>http://codegolf.stackexchange.com</a:t>
+            </a:r>
+            <a:endParaRPr lang="ru-RU" dirty="0">
+              <a:solidFill>
+                <a:schemeClr val="bg1"/>
+              </a:solidFill>
+            </a:endParaRPr>
+          </a:p>
+          <a:p>
+            <a:endParaRPr lang="ru-RU" dirty="0">
               <a:solidFill>
                 <a:schemeClr val="bg1"/>
               </a:solidFill>
@@ -4604,13 +4439,6 @@
   <p:clrMapOvr>
     <a:masterClrMapping/>
   </p:clrMapOvr>
-  <p:timing>
-    <p:tnLst>
-      <p:par>
-        <p:cTn id="1" dur="indefinite" restart="never" nodeType="tmRoot"/>
-      </p:par>
-    </p:tnLst>
-  </p:timing>
 </p:sld>
 </file>
 
@@ -4649,11 +4477,11 @@
           <a:lstStyle/>
           <a:p>
             <a:r>
-              <a:rPr lang="ru-RU" dirty="0" smtClean="0"/>
+              <a:rPr lang="ru-RU" dirty="0"/>
               <a:t>Официальная спецификация языка </a:t>
             </a:r>
             <a:r>
-              <a:rPr lang="en-US" dirty="0" smtClean="0"/>
+              <a:rPr lang="en-US" dirty="0"/>
               <a:t>C#</a:t>
             </a:r>
             <a:endParaRPr lang="ru-RU" dirty="0"/>
@@ -4679,31 +4507,15 @@
               <a:buNone/>
             </a:pPr>
             <a:r>
-              <a:rPr lang="en-US" dirty="0" smtClean="0">
-                <a:solidFill>
-                  <a:schemeClr val="bg1"/>
-                </a:solidFill>
-              </a:rPr>
-              <a:t>C</a:t>
-            </a:r>
-            <a:r>
               <a:rPr lang="en-US" dirty="0">
                 <a:solidFill>
                   <a:schemeClr val="bg1"/>
                 </a:solidFill>
               </a:rPr>
-              <a:t>:\Program Files (x86)\Microsoft Visual Studio 11.0\VC#\</a:t>
-            </a:r>
-            <a:r>
-              <a:rPr lang="en-US" dirty="0" smtClean="0">
-                <a:solidFill>
-                  <a:schemeClr val="bg1"/>
-                </a:solidFill>
-              </a:rPr>
-              <a:t>Specifications\1033\</a:t>
-            </a:r>
-            <a:r>
-              <a:rPr lang="en-US" dirty="0" err="1" smtClean="0">
+              <a:t>C:\Program Files (x86)\Microsoft Visual Studio 11.0\VC#\Specifications\1033\</a:t>
+            </a:r>
+            <a:r>
+              <a:rPr lang="en-US" dirty="0" err="1">
                 <a:solidFill>
                   <a:schemeClr val="bg1"/>
                 </a:solidFill>
@@ -4711,35 +4523,19 @@
               <a:t>CSharp</a:t>
             </a:r>
             <a:r>
-              <a:rPr lang="en-US" dirty="0" smtClean="0">
-                <a:solidFill>
-                  <a:schemeClr val="bg1"/>
-                </a:solidFill>
-              </a:rPr>
-              <a:t> </a:t>
-            </a:r>
-            <a:r>
               <a:rPr lang="en-US" dirty="0">
                 <a:solidFill>
                   <a:schemeClr val="bg1"/>
                 </a:solidFill>
               </a:rPr>
-              <a:t>Language </a:t>
-            </a:r>
-            <a:r>
-              <a:rPr lang="en-US" dirty="0" smtClean="0">
-                <a:solidFill>
-                  <a:schemeClr val="bg1"/>
-                </a:solidFill>
-              </a:rPr>
-              <a:t>Specification.doc</a:t>
+              <a:t> Language Specification.doc</a:t>
             </a:r>
           </a:p>
           <a:p>
             <a:pPr marL="0" indent="0">
               <a:buNone/>
             </a:pPr>
-            <a:endParaRPr lang="en-US" dirty="0" smtClean="0">
+            <a:endParaRPr lang="en-US" dirty="0">
               <a:solidFill>
                 <a:schemeClr val="bg1"/>
               </a:solidFill>
@@ -4760,13 +4556,6 @@
   <p:clrMapOvr>
     <a:masterClrMapping/>
   </p:clrMapOvr>
-  <p:timing>
-    <p:tnLst>
-      <p:par>
-        <p:cTn id="1" dur="indefinite" restart="never" nodeType="tmRoot"/>
-      </p:par>
-    </p:tnLst>
-  </p:timing>
 </p:sld>
 </file>
 
@@ -4811,13 +4600,6 @@
   <p:clrMapOvr>
     <a:masterClrMapping/>
   </p:clrMapOvr>
-  <p:timing>
-    <p:tnLst>
-      <p:par>
-        <p:cTn id="1" dur="indefinite" restart="never" nodeType="tmRoot"/>
-      </p:par>
-    </p:tnLst>
-  </p:timing>
 </p:sld>
 </file>
 
@@ -4854,10 +4636,9 @@
           <a:lstStyle/>
           <a:p>
             <a:r>
-              <a:rPr lang="ru-RU" dirty="0" smtClean="0"/>
+              <a:rPr lang="ru-RU" dirty="0"/>
               <a:t>Анкета качества</a:t>
             </a:r>
-            <a:endParaRPr lang="ru-RU" dirty="0"/>
           </a:p>
         </p:txBody>
       </p:sp>
@@ -4885,7 +4666,7 @@
               <a:buNone/>
             </a:pPr>
             <a:r>
-              <a:rPr lang="ru-RU" dirty="0" smtClean="0">
+              <a:rPr lang="ru-RU" dirty="0">
                 <a:solidFill>
                   <a:schemeClr val="bg1"/>
                 </a:solidFill>
@@ -4893,7 +4674,7 @@
               <a:t>Заполните анкету качества: </a:t>
             </a:r>
             <a:r>
-              <a:rPr lang="en-US" dirty="0" smtClean="0">
+              <a:rPr lang="en-US" dirty="0">
                 <a:solidFill>
                   <a:schemeClr val="bg1"/>
                 </a:solidFill>
@@ -4915,13 +4696,6 @@
   <p:clrMapOvr>
     <a:masterClrMapping/>
   </p:clrMapOvr>
-  <p:timing>
-    <p:tnLst>
-      <p:par>
-        <p:cTn id="1" dur="indefinite" restart="never" nodeType="tmRoot"/>
-      </p:par>
-    </p:tnLst>
-  </p:timing>
 </p:sld>
 </file>
 
@@ -4958,10 +4732,9 @@
           <a:lstStyle/>
           <a:p>
             <a:r>
-              <a:rPr lang="ru-RU" dirty="0" smtClean="0"/>
+              <a:rPr lang="ru-RU" dirty="0"/>
               <a:t>Отзывы</a:t>
             </a:r>
-            <a:endParaRPr lang="ru-RU" dirty="0"/>
           </a:p>
         </p:txBody>
       </p:sp>
@@ -4984,27 +4757,29 @@
               <a:buNone/>
             </a:pPr>
             <a:r>
-              <a:rPr lang="ru-RU" dirty="0" smtClean="0"/>
-              <a:t>Отзыв можно оставить на сайте</a:t>
-            </a:r>
-          </a:p>
-          <a:p>
-            <a:pPr marL="0" indent="0" algn="ctr">
-              <a:buNone/>
-            </a:pPr>
+              <a:rPr lang="ru-RU" dirty="0"/>
+              <a:t>Отзыв можно оставить на сайтах</a:t>
+            </a:r>
+          </a:p>
+          <a:p>
+            <a:pPr algn="ctr"/>
             <a:r>
               <a:rPr lang="en-US" dirty="0">
                 <a:hlinkClick r:id="rId2"/>
               </a:rPr>
-              <a:t>http://belhard.tam.by</a:t>
-            </a:r>
-            <a:r>
-              <a:rPr lang="en-US" dirty="0" smtClean="0">
-                <a:hlinkClick r:id="rId2"/>
-              </a:rPr>
-              <a:t>/</a:t>
+              <a:t>trainingcenter.tam.by</a:t>
             </a:r>
             <a:endParaRPr lang="ru-RU" dirty="0"/>
+          </a:p>
+          <a:p>
+            <a:pPr algn="ctr"/>
+            <a:r>
+              <a:rPr lang="en-US" dirty="0" err="1">
+                <a:hlinkClick r:id="rId3"/>
+              </a:rPr>
+              <a:t>google.by</a:t>
+            </a:r>
+            <a:endParaRPr lang="en-US" dirty="0"/>
           </a:p>
         </p:txBody>
       </p:sp>
@@ -5018,13 +4793,6 @@
   <p:clrMapOvr>
     <a:masterClrMapping/>
   </p:clrMapOvr>
-  <p:timing>
-    <p:tnLst>
-      <p:par>
-        <p:cTn id="1" dur="indefinite" restart="never" nodeType="tmRoot"/>
-      </p:par>
-    </p:tnLst>
-  </p:timing>
 </p:sld>
 </file>
 
@@ -5068,58 +4836,21 @@
           <a:p>
             <a:pPr lvl="0" algn="ctr"/>
             <a:r>
-              <a:rPr lang="ru-RU" sz="4400" dirty="0" smtClean="0">
-                <a:solidFill>
-                  <a:schemeClr val="bg1"/>
-                </a:solidFill>
-              </a:rPr>
-              <a:t>Другие </a:t>
-            </a:r>
-            <a:r>
               <a:rPr lang="ru-RU" sz="4400" dirty="0">
                 <a:solidFill>
                   <a:schemeClr val="bg1"/>
                 </a:solidFill>
               </a:rPr>
-              <a:t>курсы </a:t>
-            </a:r>
-            <a:r>
-              <a:rPr lang="ru-RU" sz="4400" dirty="0" smtClean="0">
-                <a:solidFill>
-                  <a:schemeClr val="bg1"/>
-                </a:solidFill>
-              </a:rPr>
-              <a:t>Центра </a:t>
-            </a:r>
-            <a:r>
-              <a:rPr lang="ru-RU" sz="4400" dirty="0">
-                <a:solidFill>
-                  <a:schemeClr val="bg1"/>
-                </a:solidFill>
-              </a:rPr>
-              <a:t>Обучающих Технологий</a:t>
-            </a:r>
-            <a:r>
-              <a:rPr lang="ru-RU" sz="4400" dirty="0" smtClean="0">
-                <a:solidFill>
-                  <a:schemeClr val="bg1"/>
-                </a:solidFill>
-              </a:rPr>
-              <a:t> по </a:t>
-            </a:r>
-            <a:r>
-              <a:rPr lang="en-US" sz="4400" dirty="0" smtClean="0">
+              <a:t>Другие курсы Центра Обучающих Технологий по </a:t>
+            </a:r>
+            <a:r>
+              <a:rPr lang="en-US" sz="4400" dirty="0">
                 <a:solidFill>
                   <a:schemeClr val="bg1"/>
                 </a:solidFill>
               </a:rPr>
               <a:t>.NET</a:t>
             </a:r>
-            <a:endParaRPr lang="en-US" sz="4400" dirty="0">
-              <a:solidFill>
-                <a:schemeClr val="bg1"/>
-              </a:solidFill>
-            </a:endParaRPr>
           </a:p>
         </p:txBody>
       </p:sp>
@@ -5150,15 +4881,11 @@
               <a:buChar char="•"/>
             </a:pPr>
             <a:r>
-              <a:rPr lang="ru-RU" sz="3200" dirty="0" smtClean="0"/>
-              <a:t>Создание </a:t>
-            </a:r>
-            <a:r>
               <a:rPr lang="ru-RU" sz="3200" dirty="0"/>
-              <a:t>веб-приложений в </a:t>
-            </a:r>
-            <a:r>
-              <a:rPr lang="en-US" sz="3200" dirty="0" smtClean="0"/>
+              <a:t>Создание веб-приложений в </a:t>
+            </a:r>
+            <a:r>
+              <a:rPr lang="en-US" sz="3200" dirty="0"/>
               <a:t>ASP.NET</a:t>
             </a:r>
           </a:p>
@@ -5168,18 +4895,9 @@
               <a:buChar char="•"/>
             </a:pPr>
             <a:r>
-              <a:rPr lang="ru-RU" sz="3200" dirty="0" smtClean="0"/>
-              <a:t>Перед этим рекомендуется – «HTML </a:t>
-            </a:r>
-            <a:r>
               <a:rPr lang="ru-RU" sz="3200" dirty="0"/>
-              <a:t>и CSS. Секреты вёрстки</a:t>
-            </a:r>
-            <a:r>
-              <a:rPr lang="ru-RU" sz="3200" dirty="0" smtClean="0"/>
-              <a:t>.»</a:t>
-            </a:r>
-            <a:endParaRPr lang="ru-RU" sz="3200" dirty="0"/>
+              <a:t>Перед этим рекомендуется – «HTML и CSS. Секреты вёрстки.»</a:t>
+            </a:r>
           </a:p>
         </p:txBody>
       </p:sp>
@@ -5193,13 +4911,6 @@
   <p:clrMapOvr>
     <a:masterClrMapping/>
   </p:clrMapOvr>
-  <p:timing>
-    <p:tnLst>
-      <p:par>
-        <p:cTn id="1" dur="indefinite" restart="never" nodeType="tmRoot"/>
-      </p:par>
-    </p:tnLst>
-  </p:timing>
 </p:sld>
 </file>
 
@@ -5243,20 +4954,12 @@
           <a:p>
             <a:pPr lvl="0" algn="ctr"/>
             <a:r>
-              <a:rPr lang="ru-RU" sz="4400" dirty="0" smtClean="0">
-                <a:solidFill>
-                  <a:schemeClr val="bg1"/>
-                </a:solidFill>
-              </a:rPr>
-              <a:t>Еще курсы Центра </a:t>
-            </a:r>
-            <a:r>
               <a:rPr lang="ru-RU" sz="4400" dirty="0">
                 <a:solidFill>
                   <a:schemeClr val="bg1"/>
                 </a:solidFill>
               </a:rPr>
-              <a:t>Обучающих Технологий</a:t>
+              <a:t>Еще курсы Центра Обучающих Технологий</a:t>
             </a:r>
             <a:endParaRPr lang="en-US" sz="4400" dirty="0">
               <a:solidFill>
@@ -5293,38 +4996,38 @@
               <a:buChar char="•"/>
             </a:pPr>
             <a:r>
-              <a:rPr lang="ru-RU" sz="3200" dirty="0" smtClean="0"/>
+              <a:rPr lang="ru-RU" sz="3200" dirty="0"/>
               <a:t>Языки программирования </a:t>
             </a:r>
             <a:r>
-              <a:rPr lang="en-US" sz="3200" dirty="0" smtClean="0"/>
+              <a:rPr lang="en-US" sz="3200" dirty="0"/>
               <a:t>C, C++</a:t>
             </a:r>
             <a:r>
-              <a:rPr lang="ru-RU" sz="3200" dirty="0" smtClean="0"/>
+              <a:rPr lang="ru-RU" sz="3200" dirty="0"/>
               <a:t>, </a:t>
             </a:r>
             <a:r>
-              <a:rPr lang="en-US" sz="3200" dirty="0" smtClean="0"/>
+              <a:rPr lang="en-US" sz="3200" dirty="0"/>
               <a:t>Java </a:t>
             </a:r>
             <a:r>
-              <a:rPr lang="ru-RU" sz="3200" dirty="0" smtClean="0"/>
+              <a:rPr lang="ru-RU" sz="3200" dirty="0"/>
               <a:t>(2 курса), </a:t>
             </a:r>
             <a:r>
-              <a:rPr lang="en-US" sz="3200" dirty="0" smtClean="0"/>
+              <a:rPr lang="en-US" sz="3200" dirty="0"/>
               <a:t>Python</a:t>
             </a:r>
             <a:r>
-              <a:rPr lang="ru-RU" sz="3200" dirty="0" smtClean="0"/>
+              <a:rPr lang="ru-RU" sz="3200" dirty="0"/>
               <a:t>, </a:t>
             </a:r>
             <a:r>
-              <a:rPr lang="en-US" sz="3200" dirty="0" smtClean="0"/>
+              <a:rPr lang="en-US" sz="3200" dirty="0"/>
               <a:t>Ruby</a:t>
             </a:r>
-            <a:endParaRPr lang="ru-RU" sz="3200" dirty="0" smtClean="0"/>
+            <a:endParaRPr lang="ru-RU" sz="3200" dirty="0"/>
           </a:p>
           <a:p>
             <a:pPr marL="457200" indent="-457200">
@@ -5332,14 +5035,14 @@
               <a:buChar char="•"/>
             </a:pPr>
             <a:r>
-              <a:rPr lang="ru-RU" sz="3200" dirty="0" smtClean="0"/>
+              <a:rPr lang="ru-RU" sz="3200" dirty="0"/>
               <a:t>Базы данных: </a:t>
             </a:r>
             <a:r>
-              <a:rPr lang="en-US" sz="3200" dirty="0" smtClean="0"/>
+              <a:rPr lang="en-US" sz="3200" dirty="0"/>
               <a:t>MySQL</a:t>
             </a:r>
-            <a:endParaRPr lang="ru-RU" sz="3200" dirty="0" smtClean="0"/>
+            <a:endParaRPr lang="ru-RU" sz="3200" dirty="0"/>
           </a:p>
           <a:p>
             <a:pPr marL="457200" indent="-457200">
@@ -5347,16 +5050,12 @@
               <a:buChar char="•"/>
             </a:pPr>
             <a:r>
-              <a:rPr lang="ru-RU" sz="3200" dirty="0" smtClean="0"/>
+              <a:rPr lang="ru-RU" sz="3200" dirty="0"/>
               <a:t>Веб-программирование: </a:t>
             </a:r>
             <a:r>
               <a:rPr lang="en-US" sz="3200" dirty="0"/>
-              <a:t>HTML, </a:t>
-            </a:r>
-            <a:r>
-              <a:rPr lang="en-US" sz="3200" dirty="0" smtClean="0"/>
-              <a:t>PHP, JavaScript, Flash</a:t>
+              <a:t>HTML, PHP, JavaScript, Flash</a:t>
             </a:r>
           </a:p>
           <a:p>
@@ -5365,10 +5064,10 @@
               <a:buChar char="•"/>
             </a:pPr>
             <a:r>
-              <a:rPr lang="ru-RU" sz="3200" dirty="0" smtClean="0"/>
+              <a:rPr lang="ru-RU" sz="3200" dirty="0"/>
               <a:t>Веб-дизайн</a:t>
             </a:r>
-            <a:endParaRPr lang="en-US" sz="3200" dirty="0" smtClean="0"/>
+            <a:endParaRPr lang="en-US" sz="3200" dirty="0"/>
           </a:p>
           <a:p>
             <a:pPr marL="457200" indent="-457200">
@@ -5376,22 +5075,22 @@
               <a:buChar char="•"/>
             </a:pPr>
             <a:r>
-              <a:rPr lang="ru-RU" sz="3200" dirty="0" smtClean="0"/>
+              <a:rPr lang="ru-RU" sz="3200" dirty="0"/>
               <a:t>Мобильные приложения – </a:t>
             </a:r>
             <a:r>
-              <a:rPr lang="en-US" sz="3200" dirty="0" smtClean="0"/>
+              <a:rPr lang="en-US" sz="3200" dirty="0"/>
               <a:t>Android </a:t>
             </a:r>
             <a:r>
-              <a:rPr lang="ru-RU" sz="3200" dirty="0" smtClean="0"/>
+              <a:rPr lang="ru-RU" sz="3200" dirty="0"/>
               <a:t>и </a:t>
             </a:r>
             <a:r>
-              <a:rPr lang="en-US" sz="3200" dirty="0" smtClean="0"/>
+              <a:rPr lang="en-US" sz="3200" dirty="0"/>
               <a:t>iPhone</a:t>
             </a:r>
-            <a:endParaRPr lang="ru-RU" sz="3200" dirty="0" smtClean="0"/>
+            <a:endParaRPr lang="ru-RU" sz="3200" dirty="0"/>
           </a:p>
           <a:p>
             <a:pPr marL="457200" indent="-457200">
@@ -5399,10 +5098,10 @@
               <a:buChar char="•"/>
             </a:pPr>
             <a:r>
-              <a:rPr lang="ru-RU" sz="3200" dirty="0" smtClean="0"/>
+              <a:rPr lang="ru-RU" sz="3200" dirty="0"/>
               <a:t>Тестирование приложений</a:t>
             </a:r>
-            <a:endParaRPr lang="en-US" sz="3200" dirty="0" smtClean="0"/>
+            <a:endParaRPr lang="en-US" sz="3200" dirty="0"/>
           </a:p>
           <a:p>
             <a:pPr marL="457200" indent="-457200">
@@ -5410,7 +5109,7 @@
               <a:buChar char="•"/>
             </a:pPr>
             <a:r>
-              <a:rPr lang="ru-RU" sz="3200" dirty="0" smtClean="0"/>
+              <a:rPr lang="ru-RU" sz="3200" dirty="0"/>
               <a:t>Компьтерная графика и верстка</a:t>
             </a:r>
           </a:p>
@@ -5420,10 +5119,9 @@
               <a:buChar char="•"/>
             </a:pPr>
             <a:r>
-              <a:rPr lang="ru-RU" sz="3200" dirty="0" smtClean="0"/>
+              <a:rPr lang="ru-RU" sz="3200" dirty="0"/>
               <a:t>Системное администрирование</a:t>
             </a:r>
-            <a:endParaRPr lang="ru-RU" sz="3200" dirty="0"/>
           </a:p>
         </p:txBody>
       </p:sp>
@@ -5437,13 +5135,6 @@
   <p:clrMapOvr>
     <a:masterClrMapping/>
   </p:clrMapOvr>
-  <p:timing>
-    <p:tnLst>
-      <p:par>
-        <p:cTn id="1" dur="indefinite" restart="never" nodeType="tmRoot"/>
-      </p:par>
-    </p:tnLst>
-  </p:timing>
 </p:sld>
 </file>
 
@@ -5480,10 +5171,9 @@
           <a:lstStyle/>
           <a:p>
             <a:r>
-              <a:rPr lang="ru-RU" dirty="0" smtClean="0"/>
+              <a:rPr lang="ru-RU" dirty="0"/>
               <a:t>Что делать дальше?</a:t>
             </a:r>
-            <a:endParaRPr lang="ru-RU" dirty="0"/>
           </a:p>
         </p:txBody>
       </p:sp>
@@ -5511,85 +5201,81 @@
           <a:p>
             <a:r>
               <a:rPr lang="ru-RU" sz="2000" dirty="0"/>
-              <a:t>ПРОГРАММИРУЙТЕ</a:t>
-            </a:r>
-            <a:r>
-              <a:rPr lang="ru-RU" sz="2000" dirty="0" smtClean="0"/>
-              <a:t>!</a:t>
-            </a:r>
-          </a:p>
-          <a:p>
-            <a:r>
-              <a:rPr lang="ru-RU" sz="2000" dirty="0" smtClean="0"/>
+              <a:t>ПРОГРАММИРУЙТЕ!</a:t>
+            </a:r>
+          </a:p>
+          <a:p>
+            <a:r>
+              <a:rPr lang="ru-RU" sz="2000" dirty="0"/>
               <a:t>Читайте книги и блоги</a:t>
             </a:r>
             <a:r>
-              <a:rPr lang="en-US" sz="2000" dirty="0" smtClean="0"/>
+              <a:rPr lang="en-US" sz="2000" dirty="0"/>
               <a:t>;</a:t>
             </a:r>
-            <a:endParaRPr lang="ru-RU" sz="2000" dirty="0" smtClean="0"/>
-          </a:p>
-          <a:p>
-            <a:r>
-              <a:rPr lang="ru-RU" sz="2000" dirty="0" smtClean="0"/>
+            <a:endParaRPr lang="ru-RU" sz="2000" dirty="0"/>
+          </a:p>
+          <a:p>
+            <a:r>
+              <a:rPr lang="ru-RU" sz="2000" dirty="0"/>
               <a:t>Смотрите обучающие видео</a:t>
             </a:r>
             <a:r>
-              <a:rPr lang="en-US" sz="2000" dirty="0" smtClean="0"/>
+              <a:rPr lang="en-US" sz="2000" dirty="0"/>
               <a:t>;</a:t>
             </a:r>
-            <a:endParaRPr lang="ru-RU" sz="2000" dirty="0" smtClean="0"/>
-          </a:p>
-          <a:p>
-            <a:r>
-              <a:rPr lang="ru-RU" sz="2000" dirty="0" smtClean="0"/>
+            <a:endParaRPr lang="ru-RU" sz="2000" dirty="0"/>
+          </a:p>
+          <a:p>
+            <a:r>
+              <a:rPr lang="ru-RU" sz="2000" dirty="0"/>
               <a:t>Слушайте подкасты</a:t>
             </a:r>
             <a:r>
-              <a:rPr lang="en-US" sz="2000" dirty="0" smtClean="0"/>
+              <a:rPr lang="en-US" sz="2000" dirty="0"/>
               <a:t>;</a:t>
             </a:r>
-            <a:endParaRPr lang="ru-RU" sz="2000" dirty="0" smtClean="0"/>
-          </a:p>
-          <a:p>
-            <a:r>
-              <a:rPr lang="ru-RU" sz="2000" dirty="0" smtClean="0"/>
+            <a:endParaRPr lang="ru-RU" sz="2000" dirty="0"/>
+          </a:p>
+          <a:p>
+            <a:r>
+              <a:rPr lang="ru-RU" sz="2000" dirty="0"/>
               <a:t>Посещайте конференции, пользовательские группы, хакатоны и другие события</a:t>
             </a:r>
             <a:r>
-              <a:rPr lang="en-US" sz="2000" dirty="0" smtClean="0"/>
+              <a:rPr lang="en-US" sz="2000" dirty="0"/>
               <a:t>;</a:t>
             </a:r>
           </a:p>
           <a:p>
             <a:r>
-              <a:rPr lang="ru-RU" sz="2000" dirty="0" smtClean="0"/>
+              <a:rPr lang="ru-RU" sz="2000" dirty="0"/>
               <a:t>Участвуйте в проектах с открытым исходным кодом</a:t>
             </a:r>
-            <a:endParaRPr lang="en-US" sz="2000" dirty="0" smtClean="0"/>
-          </a:p>
-          <a:p>
-            <a:r>
-              <a:rPr lang="ru-RU" sz="2000" dirty="0" smtClean="0"/>
+            <a:endParaRPr lang="en-US" sz="2000" dirty="0"/>
+          </a:p>
+          <a:p>
+            <a:r>
+              <a:rPr lang="ru-RU" sz="2000" dirty="0"/>
               <a:t>Сертификация </a:t>
             </a:r>
             <a:r>
-              <a:rPr lang="en-US" sz="2000" dirty="0" smtClean="0"/>
+              <a:rPr lang="en-US" sz="2000" dirty="0"/>
               <a:t>Microsoft</a:t>
             </a:r>
           </a:p>
           <a:p>
             <a:pPr lvl="1"/>
             <a:r>
-              <a:rPr lang="en-US" sz="2000" dirty="0" smtClean="0"/>
+              <a:rPr lang="en-US" sz="2000" dirty="0"/>
               <a:t>MCSD (Microsoft Certified </a:t>
             </a:r>
             <a:r>
-              <a:rPr lang="en-US" sz="2000" dirty="0" err="1" smtClean="0"/>
+              <a:rPr lang="en-US" sz="2000" dirty="0" err="1"/>
               <a:t>Soluitons</a:t>
             </a:r>
             <a:r>
-              <a:rPr lang="en-US" sz="2000" dirty="0" smtClean="0"/>
+              <a:rPr lang="en-US" sz="2000" dirty="0"/>
               <a:t> Developer)</a:t>
             </a:r>
           </a:p>
@@ -5599,22 +5285,15 @@
               <a:rPr lang="en-US" sz="2000" dirty="0">
                 <a:hlinkClick r:id="rId2"/>
               </a:rPr>
-              <a:t>http://</a:t>
-            </a:r>
-            <a:r>
-              <a:rPr lang="en-US" sz="2000" dirty="0" smtClean="0">
-                <a:hlinkClick r:id="rId2"/>
-              </a:rPr>
-              <a:t>www.microsoft.com/learning/en-us/certification-overview.aspx</a:t>
-            </a:r>
-            <a:endParaRPr lang="ru-RU" sz="2000" dirty="0" smtClean="0"/>
-          </a:p>
-          <a:p>
-            <a:r>
-              <a:rPr lang="ru-RU" sz="2000" dirty="0" smtClean="0"/>
+              <a:t>http://www.microsoft.com/learning/en-us/certification-overview.aspx</a:t>
+            </a:r>
+            <a:endParaRPr lang="ru-RU" sz="2000" dirty="0"/>
+          </a:p>
+          <a:p>
+            <a:r>
+              <a:rPr lang="ru-RU" sz="2000" dirty="0"/>
               <a:t>Изучайте другие языки программирования, технологии и платформы!</a:t>
             </a:r>
-            <a:endParaRPr lang="ru-RU" sz="2000" dirty="0"/>
           </a:p>
         </p:txBody>
       </p:sp>
@@ -5628,13 +5307,6 @@
   <p:clrMapOvr>
     <a:masterClrMapping/>
   </p:clrMapOvr>
-  <p:timing>
-    <p:tnLst>
-      <p:par>
-        <p:cTn id="1" dur="indefinite" restart="never" nodeType="tmRoot"/>
-      </p:par>
-    </p:tnLst>
-  </p:timing>
 </p:sld>
 </file>
 
@@ -5673,10 +5345,9 @@
           <a:lstStyle/>
           <a:p>
             <a:r>
-              <a:rPr lang="ru-RU" dirty="0" smtClean="0"/>
+              <a:rPr lang="ru-RU" dirty="0"/>
               <a:t>Проекты с открытым исходным кодом</a:t>
             </a:r>
-            <a:endParaRPr lang="ru-RU" dirty="0"/>
           </a:p>
         </p:txBody>
       </p:sp>
@@ -5696,7 +5367,7 @@
           <a:lstStyle/>
           <a:p>
             <a:r>
-              <a:rPr lang="ru-RU" dirty="0" smtClean="0"/>
+              <a:rPr lang="ru-RU" dirty="0"/>
               <a:t>Выбор проекта для участия</a:t>
             </a:r>
           </a:p>
@@ -5708,11 +5379,11 @@
               </a:rPr>
               <a:t>http://up-for-grabs.net</a:t>
             </a:r>
-            <a:endParaRPr lang="ru-RU" dirty="0" smtClean="0"/>
-          </a:p>
-          <a:p>
-            <a:r>
-              <a:rPr lang="ru-RU" dirty="0" smtClean="0"/>
+            <a:endParaRPr lang="ru-RU" dirty="0"/>
+          </a:p>
+          <a:p>
+            <a:r>
+              <a:rPr lang="ru-RU" dirty="0"/>
               <a:t>Хостинг для своих проектов</a:t>
             </a:r>
           </a:p>
@@ -5722,39 +5393,33 @@
               <a:rPr lang="en-US" dirty="0">
                 <a:hlinkClick r:id="rId3"/>
               </a:rPr>
-              <a:t>http://codeplex.com</a:t>
-            </a:r>
-            <a:r>
-              <a:rPr lang="en-US" dirty="0" smtClean="0">
-                <a:hlinkClick r:id="rId3"/>
-              </a:rPr>
-              <a:t>/</a:t>
-            </a:r>
-            <a:endParaRPr lang="ru-RU" dirty="0" smtClean="0"/>
+              <a:t>http://codeplex.com/</a:t>
+            </a:r>
+            <a:endParaRPr lang="ru-RU" dirty="0"/>
           </a:p>
           <a:p>
             <a:pPr lvl="1"/>
             <a:r>
-              <a:rPr lang="en-US" dirty="0" smtClean="0">
+              <a:rPr lang="en-US" dirty="0">
                 <a:hlinkClick r:id="rId4"/>
               </a:rPr>
               <a:t>https://github.com</a:t>
             </a:r>
-            <a:endParaRPr lang="ru-RU" dirty="0" smtClean="0"/>
+            <a:endParaRPr lang="ru-RU" dirty="0"/>
           </a:p>
           <a:p>
             <a:pPr lvl="1"/>
             <a:r>
-              <a:rPr lang="en-US" dirty="0" smtClean="0">
+              <a:rPr lang="en-US" dirty="0">
                 <a:hlinkClick r:id="rId5"/>
               </a:rPr>
               <a:t>https://bitbucket.org</a:t>
             </a:r>
-            <a:endParaRPr lang="ru-RU" dirty="0" smtClean="0"/>
+            <a:endParaRPr lang="ru-RU" dirty="0"/>
           </a:p>
           <a:p>
             <a:pPr lvl="1"/>
-            <a:endParaRPr lang="ru-RU" dirty="0" smtClean="0"/>
+            <a:endParaRPr lang="ru-RU" dirty="0"/>
           </a:p>
           <a:p>
             <a:endParaRPr lang="ru-RU" dirty="0"/>
@@ -5807,10 +5472,9 @@
           <a:lstStyle/>
           <a:p>
             <a:r>
-              <a:rPr lang="ru-RU" dirty="0" smtClean="0"/>
+              <a:rPr lang="ru-RU" dirty="0"/>
               <a:t>Предложения для разработчиков</a:t>
             </a:r>
-            <a:endParaRPr lang="ru-RU" dirty="0"/>
           </a:p>
         </p:txBody>
       </p:sp>
@@ -5832,44 +5496,34 @@
           <a:lstStyle/>
           <a:p>
             <a:r>
-              <a:rPr lang="en-US" dirty="0" smtClean="0"/>
+              <a:rPr lang="en-US" dirty="0"/>
               <a:t>Microsoft </a:t>
             </a:r>
             <a:r>
-              <a:rPr lang="en-US" dirty="0" err="1" smtClean="0"/>
+              <a:rPr lang="en-US" dirty="0" err="1"/>
               <a:t>DevEssentials</a:t>
             </a:r>
-            <a:r>
-              <a:rPr lang="en-US" dirty="0" smtClean="0"/>
-              <a:t/>
-            </a:r>
             <a:br>
-              <a:rPr lang="en-US" dirty="0" smtClean="0"/>
+              <a:rPr lang="en-US" dirty="0"/>
             </a:br>
             <a:r>
               <a:rPr lang="en-US" dirty="0">
                 <a:hlinkClick r:id="rId2"/>
               </a:rPr>
-              <a:t>http://</a:t>
-            </a:r>
-            <a:r>
-              <a:rPr lang="en-US" dirty="0" smtClean="0">
-                <a:hlinkClick r:id="rId2"/>
-              </a:rPr>
-              <a:t>aka.ms/devessentials</a:t>
-            </a:r>
-            <a:endParaRPr lang="en-US" dirty="0" smtClean="0"/>
-          </a:p>
-          <a:p>
-            <a:endParaRPr lang="en-US" dirty="0" smtClean="0"/>
-          </a:p>
-          <a:p>
-            <a:r>
-              <a:rPr lang="en-US" dirty="0" smtClean="0"/>
+              <a:t>http://aka.ms/devessentials</a:t>
+            </a:r>
+            <a:endParaRPr lang="en-US" dirty="0"/>
+          </a:p>
+          <a:p>
+            <a:endParaRPr lang="en-US" dirty="0"/>
+          </a:p>
+          <a:p>
+            <a:r>
+              <a:rPr lang="en-US" dirty="0"/>
               <a:t>Microsoft DreamSpark: </a:t>
             </a:r>
             <a:r>
-              <a:rPr lang="ru-RU" dirty="0" smtClean="0"/>
+              <a:rPr lang="ru-RU" dirty="0"/>
               <a:t>инициатива </a:t>
             </a:r>
             <a:r>
@@ -5893,23 +5547,17 @@
               <a:t> бесплатный доступ к програмному обеспечению </a:t>
             </a:r>
             <a:r>
-              <a:rPr lang="en-US" dirty="0" smtClean="0"/>
+              <a:rPr lang="en-US" dirty="0"/>
               <a:t>Microsoft.</a:t>
             </a:r>
             <a:br>
-              <a:rPr lang="en-US" dirty="0" smtClean="0"/>
+              <a:rPr lang="en-US" dirty="0"/>
             </a:br>
-            <a:r>
-              <a:rPr lang="en-US" dirty="0" smtClean="0">
-                <a:hlinkClick r:id="rId3"/>
-              </a:rPr>
-              <a:t>https</a:t>
-            </a:r>
             <a:r>
               <a:rPr lang="en-US" dirty="0">
                 <a:hlinkClick r:id="rId3"/>
               </a:rPr>
-              <a:t>://www.dreamspark.com/</a:t>
+              <a:t>https://www.dreamspark.com/</a:t>
             </a:r>
             <a:endParaRPr lang="ru-RU" dirty="0"/>
           </a:p>
@@ -5961,7 +5609,7 @@
           <a:lstStyle/>
           <a:p>
             <a:r>
-              <a:rPr lang="ru-RU" dirty="0" smtClean="0"/>
+              <a:rPr lang="ru-RU" dirty="0"/>
               <a:t>Вопросы для самопроверки</a:t>
             </a:r>
             <a:endParaRPr lang="en-US" dirty="0"/>
@@ -5987,11 +5635,11 @@
               <a:buNone/>
             </a:pPr>
             <a:r>
-              <a:rPr lang="ru-RU" dirty="0" smtClean="0"/>
+              <a:rPr lang="ru-RU" dirty="0"/>
               <a:t>В файле </a:t>
             </a:r>
             <a:r>
-              <a:rPr lang="en-US" i="1" dirty="0" smtClean="0">
+              <a:rPr lang="en-US" i="1" dirty="0">
                 <a:solidFill>
                   <a:srgbClr val="FFFF99"/>
                 </a:solidFill>
@@ -5999,15 +5647,15 @@
               <a:t>self-check-questions.docx</a:t>
             </a:r>
             <a:r>
-              <a:rPr lang="ru-RU" dirty="0" smtClean="0"/>
+              <a:rPr lang="ru-RU" dirty="0"/>
               <a:t> вы найдете вопросы которые позволят проверить свой уровень знаний о платформе </a:t>
             </a:r>
             <a:r>
-              <a:rPr lang="en-US" dirty="0" smtClean="0"/>
+              <a:rPr lang="en-US" dirty="0"/>
               <a:t>.NET</a:t>
             </a:r>
             <a:r>
-              <a:rPr lang="ru-RU" dirty="0" smtClean="0"/>
+              <a:rPr lang="ru-RU" dirty="0"/>
               <a:t>.</a:t>
             </a:r>
           </a:p>
@@ -6022,7 +5670,7 @@
               <a:buNone/>
             </a:pPr>
             <a:r>
-              <a:rPr lang="ru-RU" dirty="0" smtClean="0"/>
+              <a:rPr lang="ru-RU" dirty="0"/>
               <a:t>Таблица в файле </a:t>
             </a:r>
             <a:r>
@@ -6034,7 +5682,7 @@
               <a:t>Programmer Competency Matrix.docx</a:t>
             </a:r>
             <a:r>
-              <a:rPr lang="ru-RU" dirty="0" smtClean="0"/>
+              <a:rPr lang="ru-RU" dirty="0"/>
               <a:t> позволит оценить прогресс в различных областях необходимых каждому программисту.</a:t>
             </a:r>
           </a:p>
@@ -6056,13 +5704,6 @@
   <p:clrMapOvr>
     <a:masterClrMapping/>
   </p:clrMapOvr>
-  <p:timing>
-    <p:tnLst>
-      <p:par>
-        <p:cTn id="1" dur="indefinite" restart="never" nodeType="tmRoot"/>
-      </p:par>
-    </p:tnLst>
-  </p:timing>
 </p:sld>
 </file>
 

--- a/Presentation/that-is-all-folks.pptx
+++ b/Presentation/that-is-all-folks.pptx
@@ -189,7 +189,7 @@
             </a:lvl1pPr>
           </a:lstStyle>
           <a:p>
-            <a:endParaRPr lang="ru-RU"/>
+            <a:endParaRPr lang="ru-RU" dirty="0"/>
           </a:p>
         </p:txBody>
       </p:sp>
@@ -222,9 +222,9 @@
           <a:p>
             <a:fld id="{B24A7054-7FFB-49F4-A126-5DF6E687FF53}" type="datetimeFigureOut">
               <a:rPr lang="ru-RU" smtClean="0"/>
-              <a:t>01.07.2018</a:t>
+              <a:t>25.09.2018</a:t>
             </a:fld>
-            <a:endParaRPr lang="ru-RU"/>
+            <a:endParaRPr lang="ru-RU" dirty="0"/>
           </a:p>
         </p:txBody>
       </p:sp>
@@ -257,7 +257,7 @@
           <a:bodyPr vert="horz" lIns="91440" tIns="45720" rIns="91440" bIns="45720" rtlCol="0" anchor="ctr"/>
           <a:lstStyle/>
           <a:p>
-            <a:endParaRPr lang="ru-RU"/>
+            <a:endParaRPr lang="ru-RU" dirty="0"/>
           </a:p>
         </p:txBody>
       </p:sp>
@@ -348,7 +348,7 @@
             </a:lvl1pPr>
           </a:lstStyle>
           <a:p>
-            <a:endParaRPr lang="ru-RU"/>
+            <a:endParaRPr lang="ru-RU" dirty="0"/>
           </a:p>
         </p:txBody>
       </p:sp>
@@ -383,7 +383,7 @@
               <a:rPr lang="ru-RU" smtClean="0"/>
               <a:t>‹#›</a:t>
             </a:fld>
-            <a:endParaRPr lang="ru-RU"/>
+            <a:endParaRPr lang="ru-RU" dirty="0"/>
           </a:p>
         </p:txBody>
       </p:sp>
@@ -1003,10 +1003,10 @@
           </a:lstStyle>
           <a:p>
             <a:r>
-              <a:rPr lang="en-US"/>
+              <a:rPr lang="en-US" dirty="0"/>
               <a:t>Click icon to add picture</a:t>
             </a:r>
-            <a:endParaRPr lang="ru-RU"/>
+            <a:endParaRPr lang="ru-RU" dirty="0"/>
           </a:p>
         </p:txBody>
       </p:sp>
@@ -1489,9 +1489,9 @@
           <a:p>
             <a:fld id="{03228AD1-76D1-E94F-ABCB-6AD688485AD2}" type="datetime1">
               <a:rPr lang="en-US" smtClean="0"/>
-              <a:t>7/1/18</a:t>
+              <a:t>9/25/18</a:t>
             </a:fld>
-            <a:endParaRPr lang="ru-RU"/>
+            <a:endParaRPr lang="ru-RU" dirty="0"/>
           </a:p>
         </p:txBody>
       </p:sp>
@@ -1510,7 +1510,7 @@
           <a:bodyPr/>
           <a:lstStyle/>
           <a:p>
-            <a:endParaRPr lang="ru-RU"/>
+            <a:endParaRPr lang="ru-RU" dirty="0"/>
           </a:p>
         </p:txBody>
       </p:sp>
@@ -1533,7 +1533,7 @@
               <a:rPr lang="ru-RU" smtClean="0"/>
               <a:t>‹#›</a:t>
             </a:fld>
-            <a:endParaRPr lang="ru-RU"/>
+            <a:endParaRPr lang="ru-RU" dirty="0"/>
           </a:p>
         </p:txBody>
       </p:sp>
@@ -2919,9 +2919,9 @@
           <a:p>
             <a:fld id="{4C4FFBD1-31AA-9940-B6E1-B67BEBDCD9DD}" type="datetime1">
               <a:rPr lang="en-US" smtClean="0"/>
-              <a:t>7/1/18</a:t>
+              <a:t>9/25/18</a:t>
             </a:fld>
-            <a:endParaRPr lang="ru-RU"/>
+            <a:endParaRPr lang="ru-RU" dirty="0"/>
           </a:p>
         </p:txBody>
       </p:sp>
@@ -2958,7 +2958,7 @@
             </a:lvl1pPr>
           </a:lstStyle>
           <a:p>
-            <a:endParaRPr lang="ru-RU"/>
+            <a:endParaRPr lang="ru-RU" dirty="0"/>
           </a:p>
         </p:txBody>
       </p:sp>
@@ -2999,7 +2999,7 @@
               <a:rPr lang="ru-RU" smtClean="0"/>
               <a:t>‹#›</a:t>
             </a:fld>
-            <a:endParaRPr lang="ru-RU"/>
+            <a:endParaRPr lang="ru-RU" dirty="0"/>
           </a:p>
         </p:txBody>
       </p:sp>
@@ -3368,22 +3368,13 @@
           <a:p>
             <a:pPr algn="ctr"/>
             <a:r>
-              <a:rPr lang="en-US" sz="3600" b="1">
+              <a:rPr lang="en-US" sz="3600" b="1" dirty="0">
                 <a:solidFill>
                   <a:schemeClr val="bg1"/>
                 </a:solidFill>
                 <a:latin typeface="Footlight MT Light" panose="0204060206030A020304" pitchFamily="18" charset="77"/>
               </a:rPr>
-              <a:t>§ That’s </a:t>
-            </a:r>
-            <a:r>
-              <a:rPr lang="en-US" sz="3600" b="1" dirty="0">
-                <a:solidFill>
-                  <a:schemeClr val="bg1"/>
-                </a:solidFill>
-                <a:latin typeface="Footlight MT Light" panose="0204060206030A020304" pitchFamily="18" charset="77"/>
-              </a:rPr>
-              <a:t>all folks!</a:t>
+              <a:t>§ That’s all folks!</a:t>
             </a:r>
           </a:p>
         </p:txBody>
@@ -3471,7 +3462,7 @@
           <a:p>
             <a:pPr algn="ctr"/>
             <a:r>
-              <a:rPr lang="en-US" sz="1600" dirty="0" err="1">
+              <a:rPr lang="en-US" sz="1600" dirty="0">
                 <a:solidFill>
                   <a:schemeClr val="bg1"/>
                 </a:solidFill>
@@ -3486,19 +3477,6 @@
               </a:rPr>
               <a:t>trainingcenter.by</a:t>
             </a:r>
-            <a:endParaRPr lang="en-US" sz="1600" dirty="0">
-              <a:solidFill>
-                <a:schemeClr val="bg1"/>
-              </a:solidFill>
-              <a:effectLst>
-                <a:outerShdw blurRad="50800" dist="38100" dir="5400000" algn="t" rotWithShape="0">
-                  <a:prstClr val="black">
-                    <a:alpha val="40000"/>
-                  </a:prstClr>
-                </a:outerShdw>
-              </a:effectLst>
-              <a:latin typeface="Segoe Print" panose="02000800000000000000" pitchFamily="2" charset="0"/>
-            </a:endParaRPr>
           </a:p>
         </p:txBody>
       </p:sp>
@@ -3774,23 +3752,7 @@
                   <a:schemeClr val="bg1"/>
                 </a:solidFill>
               </a:rPr>
-              <a:t>Scott </a:t>
-            </a:r>
-            <a:r>
-              <a:rPr lang="en-US" dirty="0" err="1">
-                <a:solidFill>
-                  <a:schemeClr val="bg1"/>
-                </a:solidFill>
-              </a:rPr>
-              <a:t>Hanselman</a:t>
-            </a:r>
-            <a:r>
-              <a:rPr lang="en-US" dirty="0">
-                <a:solidFill>
-                  <a:schemeClr val="bg1"/>
-                </a:solidFill>
-              </a:rPr>
-              <a:t> - </a:t>
+              <a:t>Scott Hanselman - </a:t>
             </a:r>
             <a:r>
               <a:rPr lang="en-US" dirty="0">
@@ -3895,12 +3857,8 @@
           <a:lstStyle/>
           <a:p>
             <a:r>
-              <a:rPr lang="en-US" dirty="0" err="1"/>
-              <a:t>Hanselminutes</a:t>
-            </a:r>
-            <a:r>
               <a:rPr lang="en-US" dirty="0"/>
-              <a:t> (English)</a:t>
+              <a:t>Hanselminutes (English)</a:t>
             </a:r>
             <a:br>
               <a:rPr lang="en-US" dirty="0"/>
@@ -4237,20 +4195,12 @@
           </a:p>
           <a:p>
             <a:r>
-              <a:rPr lang="en-US" dirty="0" err="1">
-                <a:solidFill>
-                  <a:schemeClr val="bg1"/>
-                </a:solidFill>
-              </a:rPr>
-              <a:t>Timus</a:t>
-            </a:r>
-            <a:r>
               <a:rPr lang="en-US" dirty="0">
                 <a:solidFill>
                   <a:schemeClr val="bg1"/>
                 </a:solidFill>
               </a:rPr>
-              <a:t> Online Judge</a:t>
+              <a:t>Timus Online Judge</a:t>
             </a:r>
             <a:br>
               <a:rPr lang="en-US" dirty="0">
@@ -4321,7 +4271,7 @@
           </a:p>
           <a:p>
             <a:r>
-              <a:rPr lang="ru-RU" dirty="0">
+              <a:rPr lang="ru-RU" strike="sngStrike" dirty="0">
                 <a:solidFill>
                   <a:schemeClr val="bg1"/>
                 </a:solidFill>
@@ -4329,7 +4279,7 @@
               <a:t>Кодо-дуэли</a:t>
             </a:r>
             <a:r>
-              <a:rPr lang="en-US" dirty="0">
+              <a:rPr lang="en-US" strike="sngStrike" dirty="0">
                 <a:solidFill>
                   <a:schemeClr val="bg1"/>
                 </a:solidFill>
@@ -4337,7 +4287,7 @@
               <a:t> </a:t>
             </a:r>
             <a:r>
-              <a:rPr lang="ru-RU" dirty="0">
+              <a:rPr lang="ru-RU" strike="sngStrike" dirty="0">
                 <a:solidFill>
                   <a:schemeClr val="bg1"/>
                 </a:solidFill>
@@ -4345,7 +4295,7 @@
               <a:t>на </a:t>
             </a:r>
             <a:r>
-              <a:rPr lang="en-US" dirty="0">
+              <a:rPr lang="en-US" strike="sngStrike" dirty="0">
                 <a:solidFill>
                   <a:schemeClr val="bg1"/>
                 </a:solidFill>
@@ -4353,14 +4303,14 @@
               <a:t>C#/VB.NET/F#</a:t>
             </a:r>
             <a:br>
-              <a:rPr lang="ru-RU" dirty="0">
+              <a:rPr lang="ru-RU" strike="sngStrike" dirty="0">
                 <a:solidFill>
                   <a:schemeClr val="bg1"/>
                 </a:solidFill>
               </a:rPr>
             </a:br>
             <a:r>
-              <a:rPr lang="en-US" dirty="0">
+              <a:rPr lang="en-US" strike="sngStrike" dirty="0">
                 <a:solidFill>
                   <a:schemeClr val="bg1"/>
                 </a:solidFill>
@@ -4368,7 +4318,7 @@
               </a:rPr>
               <a:t>http://www.pex4fun.com</a:t>
             </a:r>
-            <a:endParaRPr lang="en-US" dirty="0">
+            <a:endParaRPr lang="en-US" strike="sngStrike" dirty="0">
               <a:solidFill>
                 <a:schemeClr val="bg1"/>
               </a:solidFill>
@@ -4512,23 +4462,7 @@
                   <a:schemeClr val="bg1"/>
                 </a:solidFill>
               </a:rPr>
-              <a:t>C:\Program Files (x86)\Microsoft Visual Studio 11.0\VC#\Specifications\1033\</a:t>
-            </a:r>
-            <a:r>
-              <a:rPr lang="en-US" dirty="0" err="1">
-                <a:solidFill>
-                  <a:schemeClr val="bg1"/>
-                </a:solidFill>
-              </a:rPr>
-              <a:t>CSharp</a:t>
-            </a:r>
-            <a:r>
-              <a:rPr lang="en-US" dirty="0">
-                <a:solidFill>
-                  <a:schemeClr val="bg1"/>
-                </a:solidFill>
-              </a:rPr>
-              <a:t> Language Specification.doc</a:t>
+              <a:t>C:\Program Files (x86)\Microsoft Visual Studio 11.0\VC#\Specifications\1033\CSharp Language Specification.doc</a:t>
             </a:r>
           </a:p>
           <a:p>
@@ -4774,7 +4708,7 @@
           <a:p>
             <a:pPr algn="ctr"/>
             <a:r>
-              <a:rPr lang="en-US" dirty="0" err="1">
+              <a:rPr lang="en-US" dirty="0">
                 <a:hlinkClick r:id="rId3"/>
               </a:rPr>
               <a:t>google.by</a:t>
@@ -5110,7 +5044,7 @@
             </a:pPr>
             <a:r>
               <a:rPr lang="ru-RU" sz="3200" dirty="0"/>
-              <a:t>Компьтерная графика и верстка</a:t>
+              <a:t>Компьютерная графика и верстка</a:t>
             </a:r>
           </a:p>
           <a:p>
@@ -5268,15 +5202,7 @@
             <a:pPr lvl="1"/>
             <a:r>
               <a:rPr lang="en-US" sz="2000" dirty="0"/>
-              <a:t>MCSD (Microsoft Certified </a:t>
-            </a:r>
-            <a:r>
-              <a:rPr lang="en-US" sz="2000" dirty="0" err="1"/>
-              <a:t>Soluitons</a:t>
-            </a:r>
-            <a:r>
-              <a:rPr lang="en-US" sz="2000" dirty="0"/>
-              <a:t> Developer)</a:t>
+              <a:t>MCSD (Microsoft Certified Solutions Developer)</a:t>
             </a:r>
           </a:p>
           <a:p>
@@ -5497,11 +5423,7 @@
           <a:p>
             <a:r>
               <a:rPr lang="en-US" dirty="0"/>
-              <a:t>Microsoft </a:t>
-            </a:r>
-            <a:r>
-              <a:rPr lang="en-US" dirty="0" err="1"/>
-              <a:t>DevEssentials</a:t>
+              <a:t>Microsoft DevEssentials</a:t>
             </a:r>
             <a:br>
               <a:rPr lang="en-US" dirty="0"/>
@@ -5532,7 +5454,7 @@
             </a:r>
             <a:r>
               <a:rPr lang="ru-RU" dirty="0"/>
-              <a:t>предоставлющая </a:t>
+              <a:t>предоставляющая </a:t>
             </a:r>
             <a:r>
               <a:rPr lang="ru-RU" dirty="0">
@@ -5544,7 +5466,7 @@
             </a:r>
             <a:r>
               <a:rPr lang="ru-RU" dirty="0"/>
-              <a:t> бесплатный доступ к програмному обеспечению </a:t>
+              <a:t> бесплатный доступ к программному обеспечению </a:t>
             </a:r>
             <a:r>
               <a:rPr lang="en-US" dirty="0"/>

--- a/Presentation/that-is-all-folks.pptx
+++ b/Presentation/that-is-all-folks.pptx
@@ -123,7 +123,7 @@
   </p:defaultTextStyle>
   <p:extLst>
     <p:ext uri="{EFAFB233-063F-42B5-8137-9DF3F51BA10A}">
-      <p15:sldGuideLst xmlns:p15="http://schemas.microsoft.com/office/powerpoint/2012/main">
+      <p15:sldGuideLst xmlns:p15="http://schemas.microsoft.com/office/powerpoint/2012/main" xmlns="">
         <p15:guide id="1" orient="horz" pos="2160">
           <p15:clr>
             <a:srgbClr val="A4A3A4"/>
@@ -222,7 +222,7 @@
           <a:p>
             <a:fld id="{B24A7054-7FFB-49F4-A126-5DF6E687FF53}" type="datetimeFigureOut">
               <a:rPr lang="ru-RU" smtClean="0"/>
-              <a:t>25.09.2018</a:t>
+              <a:t>22.02.2019</a:t>
             </a:fld>
             <a:endParaRPr lang="ru-RU" dirty="0"/>
           </a:p>
@@ -491,8 +491,8 @@
 </file>
 
 <file path=ppt/slideLayouts/slideLayout1.xml><?xml version="1.0" encoding="utf-8"?>
-<p:sldLayout xmlns:a="http://schemas.openxmlformats.org/drawingml/2006/main" xmlns:r="http://schemas.openxmlformats.org/officeDocument/2006/relationships" xmlns:p="http://schemas.openxmlformats.org/presentationml/2006/main" preserve="1" userDrawn="1">
-  <p:cSld name="Title Slide">
+<p:sldLayout xmlns:a="http://schemas.openxmlformats.org/drawingml/2006/main" xmlns:r="http://schemas.openxmlformats.org/officeDocument/2006/relationships" xmlns:p="http://schemas.openxmlformats.org/presentationml/2006/main" type="obj" preserve="1">
+  <p:cSld name="Title and Content">
     <p:spTree>
       <p:nvGrpSpPr>
         <p:cNvPr id="1" name=""/>
@@ -509,172 +509,83 @@
       </p:grpSpPr>
       <p:sp>
         <p:nvSpPr>
-          <p:cNvPr id="7" name="Rectangle 6"/>
-          <p:cNvSpPr/>
-          <p:nvPr userDrawn="1"/>
-        </p:nvSpPr>
-        <p:spPr>
-          <a:xfrm>
-            <a:off x="143508" y="1304764"/>
-            <a:ext cx="8856984" cy="646331"/>
-          </a:xfrm>
-          <a:prstGeom prst="rect">
-            <a:avLst/>
-          </a:prstGeom>
-        </p:spPr>
-        <p:txBody>
-          <a:bodyPr wrap="square">
-            <a:spAutoFit/>
-          </a:bodyPr>
+          <p:cNvPr id="2" name="Title 1"/>
+          <p:cNvSpPr>
+            <a:spLocks noGrp="1"/>
+          </p:cNvSpPr>
+          <p:nvPr>
+            <p:ph type="title"/>
+          </p:nvPr>
+        </p:nvSpPr>
+        <p:spPr/>
+        <p:txBody>
+          <a:bodyPr/>
           <a:lstStyle/>
           <a:p>
-            <a:pPr algn="ctr"/>
-            <a:r>
-              <a:rPr lang="ru-RU" sz="3600" b="1" i="1" dirty="0">
-                <a:solidFill>
-                  <a:schemeClr val="bg1"/>
-                </a:solidFill>
-              </a:rPr>
-              <a:t>Основы программирования на </a:t>
-            </a:r>
-            <a:r>
-              <a:rPr lang="en-US" sz="3600" b="1" i="1" dirty="0">
-                <a:solidFill>
-                  <a:schemeClr val="bg1"/>
-                </a:solidFill>
-              </a:rPr>
-              <a:t>C#</a:t>
-            </a:r>
-            <a:endParaRPr lang="ru-RU" sz="3600" b="1" i="1" dirty="0">
-              <a:solidFill>
-                <a:schemeClr val="bg1"/>
-              </a:solidFill>
-            </a:endParaRPr>
-          </a:p>
-        </p:txBody>
-      </p:sp>
-      <p:pic>
-        <p:nvPicPr>
-          <p:cNvPr id="8" name="Picture 5"/>
-          <p:cNvPicPr>
-            <a:picLocks noChangeAspect="1" noChangeArrowheads="1"/>
-          </p:cNvPicPr>
-          <p:nvPr userDrawn="1"/>
-        </p:nvPicPr>
-        <p:blipFill>
-          <a:blip r:embed="rId2">
-            <a:extLst>
-              <a:ext uri="{28A0092B-C50C-407E-A947-70E740481C1C}">
-                <a14:useLocalDpi xmlns:a14="http://schemas.microsoft.com/office/drawing/2010/main" val="0"/>
-              </a:ext>
-            </a:extLst>
-          </a:blip>
-          <a:srcRect/>
-          <a:stretch>
-            <a:fillRect/>
-          </a:stretch>
-        </p:blipFill>
-        <p:spPr bwMode="auto">
-          <a:xfrm>
-            <a:off x="1638300" y="3829211"/>
-            <a:ext cx="5867400" cy="1724025"/>
-          </a:xfrm>
-          <a:prstGeom prst="rect">
-            <a:avLst/>
-          </a:prstGeom>
-          <a:noFill/>
-          <a:ln>
-            <a:noFill/>
-          </a:ln>
-          <a:effectLst/>
-          <a:extLst>
-            <a:ext uri="{909E8E84-426E-40DD-AFC4-6F175D3DCCD1}">
-              <a14:hiddenFill xmlns:a14="http://schemas.microsoft.com/office/drawing/2010/main">
-                <a:solidFill>
-                  <a:schemeClr val="accent1"/>
-                </a:solidFill>
-              </a14:hiddenFill>
-            </a:ext>
-            <a:ext uri="{91240B29-F687-4F45-9708-019B960494DF}">
-              <a14:hiddenLine xmlns:a14="http://schemas.microsoft.com/office/drawing/2010/main" w="9525">
-                <a:solidFill>
-                  <a:schemeClr val="tx1"/>
-                </a:solidFill>
-                <a:miter lim="800000"/>
-                <a:headEnd/>
-                <a:tailEnd/>
-              </a14:hiddenLine>
-            </a:ext>
-            <a:ext uri="{AF507438-7753-43E0-B8FC-AC1667EBCBE1}">
-              <a14:hiddenEffects xmlns:a14="http://schemas.microsoft.com/office/drawing/2010/main">
-                <a:effectLst>
-                  <a:outerShdw dist="35921" dir="2700000" algn="ctr" rotWithShape="0">
-                    <a:schemeClr val="bg2"/>
-                  </a:outerShdw>
-                </a:effectLst>
-              </a14:hiddenEffects>
-            </a:ext>
-          </a:extLst>
-        </p:spPr>
-      </p:pic>
-      <p:sp>
-        <p:nvSpPr>
-          <p:cNvPr id="9" name="TextBox 8"/>
-          <p:cNvSpPr txBox="1"/>
-          <p:nvPr userDrawn="1"/>
-        </p:nvSpPr>
-        <p:spPr>
-          <a:xfrm>
-            <a:off x="2774873" y="2528900"/>
-            <a:ext cx="4240263" cy="461665"/>
-          </a:xfrm>
-          <a:prstGeom prst="rect">
-            <a:avLst/>
-          </a:prstGeom>
-          <a:noFill/>
-        </p:spPr>
-        <p:txBody>
-          <a:bodyPr wrap="none" rtlCol="0">
-            <a:spAutoFit/>
-          </a:bodyPr>
+            <a:r>
+              <a:rPr lang="en-US"/>
+              <a:t>Click to edit Master title style</a:t>
+            </a:r>
+            <a:endParaRPr lang="ru-RU" dirty="0"/>
+          </a:p>
+        </p:txBody>
+      </p:sp>
+      <p:sp>
+        <p:nvSpPr>
+          <p:cNvPr id="3" name="Content Placeholder 2"/>
+          <p:cNvSpPr>
+            <a:spLocks noGrp="1"/>
+          </p:cNvSpPr>
+          <p:nvPr>
+            <p:ph idx="1"/>
+          </p:nvPr>
+        </p:nvSpPr>
+        <p:spPr/>
+        <p:txBody>
+          <a:bodyPr/>
           <a:lstStyle/>
           <a:p>
-            <a:r>
-              <a:rPr lang="ru-RU" sz="2400" dirty="0">
-                <a:solidFill>
-                  <a:schemeClr val="bg1"/>
-                </a:solidFill>
-              </a:rPr>
-              <a:t>Занятие №</a:t>
-            </a:r>
-            <a:r>
-              <a:rPr lang="en-US" sz="2400" dirty="0">
-                <a:solidFill>
-                  <a:schemeClr val="bg1"/>
-                </a:solidFill>
-              </a:rPr>
-              <a:t>1</a:t>
-            </a:r>
-            <a:r>
-              <a:rPr lang="ru-RU" sz="2400" dirty="0">
-                <a:solidFill>
-                  <a:schemeClr val="bg1"/>
-                </a:solidFill>
-              </a:rPr>
-              <a:t>. Название занятия</a:t>
-            </a:r>
-            <a:endParaRPr lang="en-US" sz="2400" dirty="0">
-              <a:solidFill>
-                <a:schemeClr val="bg1"/>
-              </a:solidFill>
-            </a:endParaRPr>
+            <a:pPr lvl="0"/>
+            <a:r>
+              <a:rPr lang="en-US"/>
+              <a:t>Click to edit Master text styles</a:t>
+            </a:r>
+          </a:p>
+          <a:p>
+            <a:pPr lvl="1"/>
+            <a:r>
+              <a:rPr lang="en-US"/>
+              <a:t>Second level</a:t>
+            </a:r>
+          </a:p>
+          <a:p>
+            <a:pPr lvl="2"/>
+            <a:r>
+              <a:rPr lang="en-US"/>
+              <a:t>Third level</a:t>
+            </a:r>
+          </a:p>
+          <a:p>
+            <a:pPr lvl="3"/>
+            <a:r>
+              <a:rPr lang="en-US"/>
+              <a:t>Fourth level</a:t>
+            </a:r>
+          </a:p>
+          <a:p>
+            <a:pPr lvl="4"/>
+            <a:r>
+              <a:rPr lang="en-US"/>
+              <a:t>Fifth level</a:t>
+            </a:r>
+            <a:endParaRPr lang="ru-RU" dirty="0"/>
           </a:p>
         </p:txBody>
       </p:sp>
     </p:spTree>
     <p:extLst>
       <p:ext uri="{BB962C8B-B14F-4D97-AF65-F5344CB8AC3E}">
-        <p14:creationId xmlns:p14="http://schemas.microsoft.com/office/powerpoint/2010/main" val="2062725571"/>
+        <p14:creationId xmlns:p14="http://schemas.microsoft.com/office/powerpoint/2010/main" val="3363467697"/>
       </p:ext>
     </p:extLst>
   </p:cSld>
@@ -685,6 +596,1377 @@
 </file>
 
 <file path=ppt/slideLayouts/slideLayout10.xml><?xml version="1.0" encoding="utf-8"?>
+<p:sldLayout xmlns:a="http://schemas.openxmlformats.org/drawingml/2006/main" xmlns:r="http://schemas.openxmlformats.org/officeDocument/2006/relationships" xmlns:p="http://schemas.openxmlformats.org/presentationml/2006/main" type="vertTx" preserve="1">
+  <p:cSld name="Title and Vertical Text">
+    <p:spTree>
+      <p:nvGrpSpPr>
+        <p:cNvPr id="1" name=""/>
+        <p:cNvGrpSpPr/>
+        <p:nvPr/>
+      </p:nvGrpSpPr>
+      <p:grpSpPr>
+        <a:xfrm>
+          <a:off x="0" y="0"/>
+          <a:ext cx="0" cy="0"/>
+          <a:chOff x="0" y="0"/>
+          <a:chExt cx="0" cy="0"/>
+        </a:xfrm>
+      </p:grpSpPr>
+      <p:sp>
+        <p:nvSpPr>
+          <p:cNvPr id="2" name="Title 1"/>
+          <p:cNvSpPr>
+            <a:spLocks noGrp="1"/>
+          </p:cNvSpPr>
+          <p:nvPr>
+            <p:ph type="title"/>
+          </p:nvPr>
+        </p:nvSpPr>
+        <p:spPr/>
+        <p:txBody>
+          <a:bodyPr/>
+          <a:lstStyle/>
+          <a:p>
+            <a:r>
+              <a:rPr lang="en-US"/>
+              <a:t>Click to edit Master title style</a:t>
+            </a:r>
+            <a:endParaRPr lang="ru-RU" dirty="0"/>
+          </a:p>
+        </p:txBody>
+      </p:sp>
+      <p:sp>
+        <p:nvSpPr>
+          <p:cNvPr id="3" name="Vertical Text Placeholder 2"/>
+          <p:cNvSpPr>
+            <a:spLocks noGrp="1"/>
+          </p:cNvSpPr>
+          <p:nvPr>
+            <p:ph type="body" orient="vert" idx="1"/>
+          </p:nvPr>
+        </p:nvSpPr>
+        <p:spPr/>
+        <p:txBody>
+          <a:bodyPr vert="eaVert"/>
+          <a:lstStyle/>
+          <a:p>
+            <a:pPr lvl="0"/>
+            <a:r>
+              <a:rPr lang="en-US"/>
+              <a:t>Click to edit Master text styles</a:t>
+            </a:r>
+          </a:p>
+          <a:p>
+            <a:pPr lvl="1"/>
+            <a:r>
+              <a:rPr lang="en-US"/>
+              <a:t>Second level</a:t>
+            </a:r>
+          </a:p>
+          <a:p>
+            <a:pPr lvl="2"/>
+            <a:r>
+              <a:rPr lang="en-US"/>
+              <a:t>Third level</a:t>
+            </a:r>
+          </a:p>
+          <a:p>
+            <a:pPr lvl="3"/>
+            <a:r>
+              <a:rPr lang="en-US"/>
+              <a:t>Fourth level</a:t>
+            </a:r>
+          </a:p>
+          <a:p>
+            <a:pPr lvl="4"/>
+            <a:r>
+              <a:rPr lang="en-US"/>
+              <a:t>Fifth level</a:t>
+            </a:r>
+            <a:endParaRPr lang="ru-RU" dirty="0"/>
+          </a:p>
+        </p:txBody>
+      </p:sp>
+    </p:spTree>
+    <p:extLst>
+      <p:ext uri="{BB962C8B-B14F-4D97-AF65-F5344CB8AC3E}">
+        <p14:creationId xmlns:p14="http://schemas.microsoft.com/office/powerpoint/2010/main" val="2015559697"/>
+      </p:ext>
+    </p:extLst>
+  </p:cSld>
+  <p:clrMapOvr>
+    <a:masterClrMapping/>
+  </p:clrMapOvr>
+</p:sldLayout>
+</file>
+
+<file path=ppt/slideLayouts/slideLayout11.xml><?xml version="1.0" encoding="utf-8"?>
+<p:sldLayout xmlns:a="http://schemas.openxmlformats.org/drawingml/2006/main" xmlns:r="http://schemas.openxmlformats.org/officeDocument/2006/relationships" xmlns:p="http://schemas.openxmlformats.org/presentationml/2006/main" type="vertTitleAndTx" preserve="1">
+  <p:cSld name="Vertical Title and Text">
+    <p:spTree>
+      <p:nvGrpSpPr>
+        <p:cNvPr id="1" name=""/>
+        <p:cNvGrpSpPr/>
+        <p:nvPr/>
+      </p:nvGrpSpPr>
+      <p:grpSpPr>
+        <a:xfrm>
+          <a:off x="0" y="0"/>
+          <a:ext cx="0" cy="0"/>
+          <a:chOff x="0" y="0"/>
+          <a:chExt cx="0" cy="0"/>
+        </a:xfrm>
+      </p:grpSpPr>
+      <p:sp>
+        <p:nvSpPr>
+          <p:cNvPr id="2" name="Vertical Title 1"/>
+          <p:cNvSpPr>
+            <a:spLocks noGrp="1"/>
+          </p:cNvSpPr>
+          <p:nvPr>
+            <p:ph type="title" orient="vert"/>
+          </p:nvPr>
+        </p:nvSpPr>
+        <p:spPr>
+          <a:xfrm>
+            <a:off x="6629400" y="274638"/>
+            <a:ext cx="2057400" cy="5851525"/>
+          </a:xfrm>
+        </p:spPr>
+        <p:txBody>
+          <a:bodyPr vert="eaVert"/>
+          <a:lstStyle/>
+          <a:p>
+            <a:r>
+              <a:rPr lang="en-US"/>
+              <a:t>Click to edit Master title style</a:t>
+            </a:r>
+            <a:endParaRPr lang="ru-RU" dirty="0"/>
+          </a:p>
+        </p:txBody>
+      </p:sp>
+      <p:sp>
+        <p:nvSpPr>
+          <p:cNvPr id="3" name="Vertical Text Placeholder 2"/>
+          <p:cNvSpPr>
+            <a:spLocks noGrp="1"/>
+          </p:cNvSpPr>
+          <p:nvPr>
+            <p:ph type="body" orient="vert" idx="1"/>
+          </p:nvPr>
+        </p:nvSpPr>
+        <p:spPr>
+          <a:xfrm>
+            <a:off x="457200" y="274638"/>
+            <a:ext cx="6019800" cy="5851525"/>
+          </a:xfrm>
+        </p:spPr>
+        <p:txBody>
+          <a:bodyPr vert="eaVert"/>
+          <a:lstStyle/>
+          <a:p>
+            <a:pPr lvl="0"/>
+            <a:r>
+              <a:rPr lang="en-US"/>
+              <a:t>Click to edit Master text styles</a:t>
+            </a:r>
+          </a:p>
+          <a:p>
+            <a:pPr lvl="1"/>
+            <a:r>
+              <a:rPr lang="en-US"/>
+              <a:t>Second level</a:t>
+            </a:r>
+          </a:p>
+          <a:p>
+            <a:pPr lvl="2"/>
+            <a:r>
+              <a:rPr lang="en-US"/>
+              <a:t>Third level</a:t>
+            </a:r>
+          </a:p>
+          <a:p>
+            <a:pPr lvl="3"/>
+            <a:r>
+              <a:rPr lang="en-US"/>
+              <a:t>Fourth level</a:t>
+            </a:r>
+          </a:p>
+          <a:p>
+            <a:pPr lvl="4"/>
+            <a:r>
+              <a:rPr lang="en-US"/>
+              <a:t>Fifth level</a:t>
+            </a:r>
+            <a:endParaRPr lang="ru-RU" dirty="0"/>
+          </a:p>
+        </p:txBody>
+      </p:sp>
+    </p:spTree>
+    <p:extLst>
+      <p:ext uri="{BB962C8B-B14F-4D97-AF65-F5344CB8AC3E}">
+        <p14:creationId xmlns:p14="http://schemas.microsoft.com/office/powerpoint/2010/main" val="370514854"/>
+      </p:ext>
+    </p:extLst>
+  </p:cSld>
+  <p:clrMapOvr>
+    <a:masterClrMapping/>
+  </p:clrMapOvr>
+</p:sldLayout>
+</file>
+
+<file path=ppt/slideLayouts/slideLayout12.xml><?xml version="1.0" encoding="utf-8"?>
+<p:sldLayout xmlns:a="http://schemas.openxmlformats.org/drawingml/2006/main" xmlns:r="http://schemas.openxmlformats.org/officeDocument/2006/relationships" xmlns:p="http://schemas.openxmlformats.org/presentationml/2006/main" type="title">
+  <p:cSld name="2_Title Slide">
+    <p:spTree>
+      <p:nvGrpSpPr>
+        <p:cNvPr id="1" name=""/>
+        <p:cNvGrpSpPr/>
+        <p:nvPr/>
+      </p:nvGrpSpPr>
+      <p:grpSpPr>
+        <a:xfrm>
+          <a:off x="0" y="0"/>
+          <a:ext cx="0" cy="0"/>
+          <a:chOff x="0" y="0"/>
+          <a:chExt cx="0" cy="0"/>
+        </a:xfrm>
+      </p:grpSpPr>
+      <p:sp>
+        <p:nvSpPr>
+          <p:cNvPr id="2" name="Title 1"/>
+          <p:cNvSpPr>
+            <a:spLocks noGrp="1"/>
+          </p:cNvSpPr>
+          <p:nvPr>
+            <p:ph type="ctrTitle"/>
+          </p:nvPr>
+        </p:nvSpPr>
+        <p:spPr>
+          <a:xfrm>
+            <a:off x="685800" y="2130425"/>
+            <a:ext cx="7772400" cy="1470025"/>
+          </a:xfrm>
+        </p:spPr>
+        <p:txBody>
+          <a:bodyPr/>
+          <a:lstStyle/>
+          <a:p>
+            <a:r>
+              <a:rPr lang="en-US"/>
+              <a:t>Click to edit Master title style</a:t>
+            </a:r>
+            <a:endParaRPr lang="ru-RU"/>
+          </a:p>
+        </p:txBody>
+      </p:sp>
+      <p:sp>
+        <p:nvSpPr>
+          <p:cNvPr id="3" name="Subtitle 2"/>
+          <p:cNvSpPr>
+            <a:spLocks noGrp="1"/>
+          </p:cNvSpPr>
+          <p:nvPr>
+            <p:ph type="subTitle" idx="1"/>
+          </p:nvPr>
+        </p:nvSpPr>
+        <p:spPr>
+          <a:xfrm>
+            <a:off x="1371600" y="3886200"/>
+            <a:ext cx="6400800" cy="1752600"/>
+          </a:xfrm>
+        </p:spPr>
+        <p:txBody>
+          <a:bodyPr/>
+          <a:lstStyle>
+            <a:lvl1pPr marL="0" indent="0" algn="ctr">
+              <a:buNone/>
+              <a:defRPr>
+                <a:solidFill>
+                  <a:schemeClr val="tx1">
+                    <a:tint val="75000"/>
+                  </a:schemeClr>
+                </a:solidFill>
+              </a:defRPr>
+            </a:lvl1pPr>
+            <a:lvl2pPr marL="457200" indent="0" algn="ctr">
+              <a:buNone/>
+              <a:defRPr>
+                <a:solidFill>
+                  <a:schemeClr val="tx1">
+                    <a:tint val="75000"/>
+                  </a:schemeClr>
+                </a:solidFill>
+              </a:defRPr>
+            </a:lvl2pPr>
+            <a:lvl3pPr marL="914400" indent="0" algn="ctr">
+              <a:buNone/>
+              <a:defRPr>
+                <a:solidFill>
+                  <a:schemeClr val="tx1">
+                    <a:tint val="75000"/>
+                  </a:schemeClr>
+                </a:solidFill>
+              </a:defRPr>
+            </a:lvl3pPr>
+            <a:lvl4pPr marL="1371600" indent="0" algn="ctr">
+              <a:buNone/>
+              <a:defRPr>
+                <a:solidFill>
+                  <a:schemeClr val="tx1">
+                    <a:tint val="75000"/>
+                  </a:schemeClr>
+                </a:solidFill>
+              </a:defRPr>
+            </a:lvl4pPr>
+            <a:lvl5pPr marL="1828800" indent="0" algn="ctr">
+              <a:buNone/>
+              <a:defRPr>
+                <a:solidFill>
+                  <a:schemeClr val="tx1">
+                    <a:tint val="75000"/>
+                  </a:schemeClr>
+                </a:solidFill>
+              </a:defRPr>
+            </a:lvl5pPr>
+            <a:lvl6pPr marL="2286000" indent="0" algn="ctr">
+              <a:buNone/>
+              <a:defRPr>
+                <a:solidFill>
+                  <a:schemeClr val="tx1">
+                    <a:tint val="75000"/>
+                  </a:schemeClr>
+                </a:solidFill>
+              </a:defRPr>
+            </a:lvl6pPr>
+            <a:lvl7pPr marL="2743200" indent="0" algn="ctr">
+              <a:buNone/>
+              <a:defRPr>
+                <a:solidFill>
+                  <a:schemeClr val="tx1">
+                    <a:tint val="75000"/>
+                  </a:schemeClr>
+                </a:solidFill>
+              </a:defRPr>
+            </a:lvl7pPr>
+            <a:lvl8pPr marL="3200400" indent="0" algn="ctr">
+              <a:buNone/>
+              <a:defRPr>
+                <a:solidFill>
+                  <a:schemeClr val="tx1">
+                    <a:tint val="75000"/>
+                  </a:schemeClr>
+                </a:solidFill>
+              </a:defRPr>
+            </a:lvl8pPr>
+            <a:lvl9pPr marL="3657600" indent="0" algn="ctr">
+              <a:buNone/>
+              <a:defRPr>
+                <a:solidFill>
+                  <a:schemeClr val="tx1">
+                    <a:tint val="75000"/>
+                  </a:schemeClr>
+                </a:solidFill>
+              </a:defRPr>
+            </a:lvl9pPr>
+          </a:lstStyle>
+          <a:p>
+            <a:r>
+              <a:rPr lang="en-US"/>
+              <a:t>Click to edit Master subtitle style</a:t>
+            </a:r>
+            <a:endParaRPr lang="ru-RU"/>
+          </a:p>
+        </p:txBody>
+      </p:sp>
+      <p:sp>
+        <p:nvSpPr>
+          <p:cNvPr id="4" name="Date Placeholder 3"/>
+          <p:cNvSpPr>
+            <a:spLocks noGrp="1"/>
+          </p:cNvSpPr>
+          <p:nvPr>
+            <p:ph type="dt" sz="half" idx="10"/>
+          </p:nvPr>
+        </p:nvSpPr>
+        <p:spPr/>
+        <p:txBody>
+          <a:bodyPr/>
+          <a:lstStyle/>
+          <a:p>
+            <a:fld id="{03228AD1-76D1-E94F-ABCB-6AD688485AD2}" type="datetime1">
+              <a:rPr lang="en-US" smtClean="0"/>
+              <a:t>2/22/2019</a:t>
+            </a:fld>
+            <a:endParaRPr lang="ru-RU" dirty="0"/>
+          </a:p>
+        </p:txBody>
+      </p:sp>
+      <p:sp>
+        <p:nvSpPr>
+          <p:cNvPr id="5" name="Footer Placeholder 4"/>
+          <p:cNvSpPr>
+            <a:spLocks noGrp="1"/>
+          </p:cNvSpPr>
+          <p:nvPr>
+            <p:ph type="ftr" sz="quarter" idx="11"/>
+          </p:nvPr>
+        </p:nvSpPr>
+        <p:spPr/>
+        <p:txBody>
+          <a:bodyPr/>
+          <a:lstStyle/>
+          <a:p>
+            <a:endParaRPr lang="ru-RU" dirty="0"/>
+          </a:p>
+        </p:txBody>
+      </p:sp>
+      <p:sp>
+        <p:nvSpPr>
+          <p:cNvPr id="6" name="Slide Number Placeholder 5"/>
+          <p:cNvSpPr>
+            <a:spLocks noGrp="1"/>
+          </p:cNvSpPr>
+          <p:nvPr>
+            <p:ph type="sldNum" sz="quarter" idx="12"/>
+          </p:nvPr>
+        </p:nvSpPr>
+        <p:spPr/>
+        <p:txBody>
+          <a:bodyPr/>
+          <a:lstStyle/>
+          <a:p>
+            <a:fld id="{BC0D3D34-2E8A-4A38-B864-C677BA056495}" type="slidenum">
+              <a:rPr lang="ru-RU" smtClean="0"/>
+              <a:t>‹#›</a:t>
+            </a:fld>
+            <a:endParaRPr lang="ru-RU" dirty="0"/>
+          </a:p>
+        </p:txBody>
+      </p:sp>
+    </p:spTree>
+    <p:extLst>
+      <p:ext uri="{BB962C8B-B14F-4D97-AF65-F5344CB8AC3E}">
+        <p14:creationId xmlns:p14="http://schemas.microsoft.com/office/powerpoint/2010/main" val="4222294974"/>
+      </p:ext>
+    </p:extLst>
+  </p:cSld>
+  <p:clrMapOvr>
+    <a:masterClrMapping/>
+  </p:clrMapOvr>
+</p:sldLayout>
+</file>
+
+<file path=ppt/slideLayouts/slideLayout2.xml><?xml version="1.0" encoding="utf-8"?>
+<p:sldLayout xmlns:a="http://schemas.openxmlformats.org/drawingml/2006/main" xmlns:r="http://schemas.openxmlformats.org/officeDocument/2006/relationships" xmlns:p="http://schemas.openxmlformats.org/presentationml/2006/main" type="secHead" preserve="1">
+  <p:cSld name="Section Header">
+    <p:spTree>
+      <p:nvGrpSpPr>
+        <p:cNvPr id="1" name=""/>
+        <p:cNvGrpSpPr/>
+        <p:nvPr/>
+      </p:nvGrpSpPr>
+      <p:grpSpPr>
+        <a:xfrm>
+          <a:off x="0" y="0"/>
+          <a:ext cx="0" cy="0"/>
+          <a:chOff x="0" y="0"/>
+          <a:chExt cx="0" cy="0"/>
+        </a:xfrm>
+      </p:grpSpPr>
+      <p:sp>
+        <p:nvSpPr>
+          <p:cNvPr id="2" name="Title 1"/>
+          <p:cNvSpPr>
+            <a:spLocks noGrp="1"/>
+          </p:cNvSpPr>
+          <p:nvPr>
+            <p:ph type="title"/>
+          </p:nvPr>
+        </p:nvSpPr>
+        <p:spPr>
+          <a:xfrm>
+            <a:off x="722313" y="4406900"/>
+            <a:ext cx="7772400" cy="1362075"/>
+          </a:xfrm>
+        </p:spPr>
+        <p:txBody>
+          <a:bodyPr anchor="t"/>
+          <a:lstStyle>
+            <a:lvl1pPr algn="l">
+              <a:defRPr sz="4000" b="1" cap="all"/>
+            </a:lvl1pPr>
+          </a:lstStyle>
+          <a:p>
+            <a:r>
+              <a:rPr lang="en-US"/>
+              <a:t>Click to edit Master title style</a:t>
+            </a:r>
+            <a:endParaRPr lang="ru-RU" dirty="0"/>
+          </a:p>
+        </p:txBody>
+      </p:sp>
+      <p:sp>
+        <p:nvSpPr>
+          <p:cNvPr id="3" name="Text Placeholder 2"/>
+          <p:cNvSpPr>
+            <a:spLocks noGrp="1"/>
+          </p:cNvSpPr>
+          <p:nvPr>
+            <p:ph type="body" idx="1"/>
+          </p:nvPr>
+        </p:nvSpPr>
+        <p:spPr>
+          <a:xfrm>
+            <a:off x="722313" y="2906713"/>
+            <a:ext cx="7772400" cy="1500187"/>
+          </a:xfrm>
+        </p:spPr>
+        <p:txBody>
+          <a:bodyPr anchor="b"/>
+          <a:lstStyle>
+            <a:lvl1pPr marL="0" indent="0">
+              <a:buNone/>
+              <a:defRPr sz="2000">
+                <a:solidFill>
+                  <a:schemeClr val="tx1">
+                    <a:tint val="75000"/>
+                  </a:schemeClr>
+                </a:solidFill>
+              </a:defRPr>
+            </a:lvl1pPr>
+            <a:lvl2pPr marL="457200" indent="0">
+              <a:buNone/>
+              <a:defRPr sz="1800">
+                <a:solidFill>
+                  <a:schemeClr val="tx1">
+                    <a:tint val="75000"/>
+                  </a:schemeClr>
+                </a:solidFill>
+              </a:defRPr>
+            </a:lvl2pPr>
+            <a:lvl3pPr marL="914400" indent="0">
+              <a:buNone/>
+              <a:defRPr sz="1600">
+                <a:solidFill>
+                  <a:schemeClr val="tx1">
+                    <a:tint val="75000"/>
+                  </a:schemeClr>
+                </a:solidFill>
+              </a:defRPr>
+            </a:lvl3pPr>
+            <a:lvl4pPr marL="1371600" indent="0">
+              <a:buNone/>
+              <a:defRPr sz="1400">
+                <a:solidFill>
+                  <a:schemeClr val="tx1">
+                    <a:tint val="75000"/>
+                  </a:schemeClr>
+                </a:solidFill>
+              </a:defRPr>
+            </a:lvl4pPr>
+            <a:lvl5pPr marL="1828800" indent="0">
+              <a:buNone/>
+              <a:defRPr sz="1400">
+                <a:solidFill>
+                  <a:schemeClr val="tx1">
+                    <a:tint val="75000"/>
+                  </a:schemeClr>
+                </a:solidFill>
+              </a:defRPr>
+            </a:lvl5pPr>
+            <a:lvl6pPr marL="2286000" indent="0">
+              <a:buNone/>
+              <a:defRPr sz="1400">
+                <a:solidFill>
+                  <a:schemeClr val="tx1">
+                    <a:tint val="75000"/>
+                  </a:schemeClr>
+                </a:solidFill>
+              </a:defRPr>
+            </a:lvl6pPr>
+            <a:lvl7pPr marL="2743200" indent="0">
+              <a:buNone/>
+              <a:defRPr sz="1400">
+                <a:solidFill>
+                  <a:schemeClr val="tx1">
+                    <a:tint val="75000"/>
+                  </a:schemeClr>
+                </a:solidFill>
+              </a:defRPr>
+            </a:lvl7pPr>
+            <a:lvl8pPr marL="3200400" indent="0">
+              <a:buNone/>
+              <a:defRPr sz="1400">
+                <a:solidFill>
+                  <a:schemeClr val="tx1">
+                    <a:tint val="75000"/>
+                  </a:schemeClr>
+                </a:solidFill>
+              </a:defRPr>
+            </a:lvl8pPr>
+            <a:lvl9pPr marL="3657600" indent="0">
+              <a:buNone/>
+              <a:defRPr sz="1400">
+                <a:solidFill>
+                  <a:schemeClr val="tx1">
+                    <a:tint val="75000"/>
+                  </a:schemeClr>
+                </a:solidFill>
+              </a:defRPr>
+            </a:lvl9pPr>
+          </a:lstStyle>
+          <a:p>
+            <a:pPr lvl="0"/>
+            <a:r>
+              <a:rPr lang="en-US"/>
+              <a:t>Click to edit Master text styles</a:t>
+            </a:r>
+          </a:p>
+        </p:txBody>
+      </p:sp>
+    </p:spTree>
+    <p:extLst>
+      <p:ext uri="{BB962C8B-B14F-4D97-AF65-F5344CB8AC3E}">
+        <p14:creationId xmlns:p14="http://schemas.microsoft.com/office/powerpoint/2010/main" val="1627150216"/>
+      </p:ext>
+    </p:extLst>
+  </p:cSld>
+  <p:clrMapOvr>
+    <a:masterClrMapping/>
+  </p:clrMapOvr>
+</p:sldLayout>
+</file>
+
+<file path=ppt/slideLayouts/slideLayout3.xml><?xml version="1.0" encoding="utf-8"?>
+<p:sldLayout xmlns:a="http://schemas.openxmlformats.org/drawingml/2006/main" xmlns:r="http://schemas.openxmlformats.org/officeDocument/2006/relationships" xmlns:p="http://schemas.openxmlformats.org/presentationml/2006/main" type="twoObj" preserve="1">
+  <p:cSld name="Two Content">
+    <p:spTree>
+      <p:nvGrpSpPr>
+        <p:cNvPr id="1" name=""/>
+        <p:cNvGrpSpPr/>
+        <p:nvPr/>
+      </p:nvGrpSpPr>
+      <p:grpSpPr>
+        <a:xfrm>
+          <a:off x="0" y="0"/>
+          <a:ext cx="0" cy="0"/>
+          <a:chOff x="0" y="0"/>
+          <a:chExt cx="0" cy="0"/>
+        </a:xfrm>
+      </p:grpSpPr>
+      <p:sp>
+        <p:nvSpPr>
+          <p:cNvPr id="2" name="Title 1"/>
+          <p:cNvSpPr>
+            <a:spLocks noGrp="1"/>
+          </p:cNvSpPr>
+          <p:nvPr>
+            <p:ph type="title"/>
+          </p:nvPr>
+        </p:nvSpPr>
+        <p:spPr/>
+        <p:txBody>
+          <a:bodyPr/>
+          <a:lstStyle/>
+          <a:p>
+            <a:r>
+              <a:rPr lang="en-US"/>
+              <a:t>Click to edit Master title style</a:t>
+            </a:r>
+            <a:endParaRPr lang="ru-RU" dirty="0"/>
+          </a:p>
+        </p:txBody>
+      </p:sp>
+      <p:sp>
+        <p:nvSpPr>
+          <p:cNvPr id="3" name="Content Placeholder 2"/>
+          <p:cNvSpPr>
+            <a:spLocks noGrp="1"/>
+          </p:cNvSpPr>
+          <p:nvPr>
+            <p:ph sz="half" idx="1"/>
+          </p:nvPr>
+        </p:nvSpPr>
+        <p:spPr>
+          <a:xfrm>
+            <a:off x="457200" y="1600200"/>
+            <a:ext cx="4038600" cy="4525963"/>
+          </a:xfrm>
+        </p:spPr>
+        <p:txBody>
+          <a:bodyPr/>
+          <a:lstStyle>
+            <a:lvl1pPr>
+              <a:defRPr sz="2800"/>
+            </a:lvl1pPr>
+            <a:lvl2pPr>
+              <a:defRPr sz="2400"/>
+            </a:lvl2pPr>
+            <a:lvl3pPr>
+              <a:defRPr sz="2000"/>
+            </a:lvl3pPr>
+            <a:lvl4pPr>
+              <a:defRPr sz="1800"/>
+            </a:lvl4pPr>
+            <a:lvl5pPr>
+              <a:defRPr sz="1800"/>
+            </a:lvl5pPr>
+            <a:lvl6pPr>
+              <a:defRPr sz="1800"/>
+            </a:lvl6pPr>
+            <a:lvl7pPr>
+              <a:defRPr sz="1800"/>
+            </a:lvl7pPr>
+            <a:lvl8pPr>
+              <a:defRPr sz="1800"/>
+            </a:lvl8pPr>
+            <a:lvl9pPr>
+              <a:defRPr sz="1800"/>
+            </a:lvl9pPr>
+          </a:lstStyle>
+          <a:p>
+            <a:pPr lvl="0"/>
+            <a:r>
+              <a:rPr lang="en-US"/>
+              <a:t>Click to edit Master text styles</a:t>
+            </a:r>
+          </a:p>
+          <a:p>
+            <a:pPr lvl="1"/>
+            <a:r>
+              <a:rPr lang="en-US"/>
+              <a:t>Second level</a:t>
+            </a:r>
+          </a:p>
+          <a:p>
+            <a:pPr lvl="2"/>
+            <a:r>
+              <a:rPr lang="en-US"/>
+              <a:t>Third level</a:t>
+            </a:r>
+          </a:p>
+          <a:p>
+            <a:pPr lvl="3"/>
+            <a:r>
+              <a:rPr lang="en-US"/>
+              <a:t>Fourth level</a:t>
+            </a:r>
+          </a:p>
+          <a:p>
+            <a:pPr lvl="4"/>
+            <a:r>
+              <a:rPr lang="en-US"/>
+              <a:t>Fifth level</a:t>
+            </a:r>
+            <a:endParaRPr lang="ru-RU" dirty="0"/>
+          </a:p>
+        </p:txBody>
+      </p:sp>
+      <p:sp>
+        <p:nvSpPr>
+          <p:cNvPr id="4" name="Content Placeholder 3"/>
+          <p:cNvSpPr>
+            <a:spLocks noGrp="1"/>
+          </p:cNvSpPr>
+          <p:nvPr>
+            <p:ph sz="half" idx="2"/>
+          </p:nvPr>
+        </p:nvSpPr>
+        <p:spPr>
+          <a:xfrm>
+            <a:off x="4648200" y="1600200"/>
+            <a:ext cx="4038600" cy="4525963"/>
+          </a:xfrm>
+        </p:spPr>
+        <p:txBody>
+          <a:bodyPr/>
+          <a:lstStyle>
+            <a:lvl1pPr>
+              <a:defRPr sz="2800"/>
+            </a:lvl1pPr>
+            <a:lvl2pPr>
+              <a:defRPr sz="2400"/>
+            </a:lvl2pPr>
+            <a:lvl3pPr>
+              <a:defRPr sz="2000"/>
+            </a:lvl3pPr>
+            <a:lvl4pPr>
+              <a:defRPr sz="1800"/>
+            </a:lvl4pPr>
+            <a:lvl5pPr>
+              <a:defRPr sz="1800"/>
+            </a:lvl5pPr>
+            <a:lvl6pPr>
+              <a:defRPr sz="1800"/>
+            </a:lvl6pPr>
+            <a:lvl7pPr>
+              <a:defRPr sz="1800"/>
+            </a:lvl7pPr>
+            <a:lvl8pPr>
+              <a:defRPr sz="1800"/>
+            </a:lvl8pPr>
+            <a:lvl9pPr>
+              <a:defRPr sz="1800"/>
+            </a:lvl9pPr>
+          </a:lstStyle>
+          <a:p>
+            <a:pPr lvl="0"/>
+            <a:r>
+              <a:rPr lang="en-US"/>
+              <a:t>Click to edit Master text styles</a:t>
+            </a:r>
+          </a:p>
+          <a:p>
+            <a:pPr lvl="1"/>
+            <a:r>
+              <a:rPr lang="en-US"/>
+              <a:t>Second level</a:t>
+            </a:r>
+          </a:p>
+          <a:p>
+            <a:pPr lvl="2"/>
+            <a:r>
+              <a:rPr lang="en-US"/>
+              <a:t>Third level</a:t>
+            </a:r>
+          </a:p>
+          <a:p>
+            <a:pPr lvl="3"/>
+            <a:r>
+              <a:rPr lang="en-US"/>
+              <a:t>Fourth level</a:t>
+            </a:r>
+          </a:p>
+          <a:p>
+            <a:pPr lvl="4"/>
+            <a:r>
+              <a:rPr lang="en-US"/>
+              <a:t>Fifth level</a:t>
+            </a:r>
+            <a:endParaRPr lang="ru-RU" dirty="0"/>
+          </a:p>
+        </p:txBody>
+      </p:sp>
+    </p:spTree>
+    <p:extLst>
+      <p:ext uri="{BB962C8B-B14F-4D97-AF65-F5344CB8AC3E}">
+        <p14:creationId xmlns:p14="http://schemas.microsoft.com/office/powerpoint/2010/main" val="1026234569"/>
+      </p:ext>
+    </p:extLst>
+  </p:cSld>
+  <p:clrMapOvr>
+    <a:masterClrMapping/>
+  </p:clrMapOvr>
+</p:sldLayout>
+</file>
+
+<file path=ppt/slideLayouts/slideLayout4.xml><?xml version="1.0" encoding="utf-8"?>
+<p:sldLayout xmlns:a="http://schemas.openxmlformats.org/drawingml/2006/main" xmlns:r="http://schemas.openxmlformats.org/officeDocument/2006/relationships" xmlns:p="http://schemas.openxmlformats.org/presentationml/2006/main" type="twoTxTwoObj" preserve="1">
+  <p:cSld name="Comparison">
+    <p:spTree>
+      <p:nvGrpSpPr>
+        <p:cNvPr id="1" name=""/>
+        <p:cNvGrpSpPr/>
+        <p:nvPr/>
+      </p:nvGrpSpPr>
+      <p:grpSpPr>
+        <a:xfrm>
+          <a:off x="0" y="0"/>
+          <a:ext cx="0" cy="0"/>
+          <a:chOff x="0" y="0"/>
+          <a:chExt cx="0" cy="0"/>
+        </a:xfrm>
+      </p:grpSpPr>
+      <p:sp>
+        <p:nvSpPr>
+          <p:cNvPr id="2" name="Title 1"/>
+          <p:cNvSpPr>
+            <a:spLocks noGrp="1"/>
+          </p:cNvSpPr>
+          <p:nvPr>
+            <p:ph type="title"/>
+          </p:nvPr>
+        </p:nvSpPr>
+        <p:spPr/>
+        <p:txBody>
+          <a:bodyPr/>
+          <a:lstStyle>
+            <a:lvl1pPr>
+              <a:defRPr/>
+            </a:lvl1pPr>
+          </a:lstStyle>
+          <a:p>
+            <a:r>
+              <a:rPr lang="en-US"/>
+              <a:t>Click to edit Master title style</a:t>
+            </a:r>
+            <a:endParaRPr lang="ru-RU" dirty="0"/>
+          </a:p>
+        </p:txBody>
+      </p:sp>
+      <p:sp>
+        <p:nvSpPr>
+          <p:cNvPr id="3" name="Text Placeholder 2"/>
+          <p:cNvSpPr>
+            <a:spLocks noGrp="1"/>
+          </p:cNvSpPr>
+          <p:nvPr>
+            <p:ph type="body" idx="1"/>
+          </p:nvPr>
+        </p:nvSpPr>
+        <p:spPr>
+          <a:xfrm>
+            <a:off x="457200" y="1535113"/>
+            <a:ext cx="4040188" cy="639762"/>
+          </a:xfrm>
+        </p:spPr>
+        <p:txBody>
+          <a:bodyPr anchor="b"/>
+          <a:lstStyle>
+            <a:lvl1pPr marL="0" indent="0">
+              <a:buNone/>
+              <a:defRPr sz="2400" b="1"/>
+            </a:lvl1pPr>
+            <a:lvl2pPr marL="457200" indent="0">
+              <a:buNone/>
+              <a:defRPr sz="2000" b="1"/>
+            </a:lvl2pPr>
+            <a:lvl3pPr marL="914400" indent="0">
+              <a:buNone/>
+              <a:defRPr sz="1800" b="1"/>
+            </a:lvl3pPr>
+            <a:lvl4pPr marL="1371600" indent="0">
+              <a:buNone/>
+              <a:defRPr sz="1600" b="1"/>
+            </a:lvl4pPr>
+            <a:lvl5pPr marL="1828800" indent="0">
+              <a:buNone/>
+              <a:defRPr sz="1600" b="1"/>
+            </a:lvl5pPr>
+            <a:lvl6pPr marL="2286000" indent="0">
+              <a:buNone/>
+              <a:defRPr sz="1600" b="1"/>
+            </a:lvl6pPr>
+            <a:lvl7pPr marL="2743200" indent="0">
+              <a:buNone/>
+              <a:defRPr sz="1600" b="1"/>
+            </a:lvl7pPr>
+            <a:lvl8pPr marL="3200400" indent="0">
+              <a:buNone/>
+              <a:defRPr sz="1600" b="1"/>
+            </a:lvl8pPr>
+            <a:lvl9pPr marL="3657600" indent="0">
+              <a:buNone/>
+              <a:defRPr sz="1600" b="1"/>
+            </a:lvl9pPr>
+          </a:lstStyle>
+          <a:p>
+            <a:pPr lvl="0"/>
+            <a:r>
+              <a:rPr lang="en-US"/>
+              <a:t>Click to edit Master text styles</a:t>
+            </a:r>
+          </a:p>
+        </p:txBody>
+      </p:sp>
+      <p:sp>
+        <p:nvSpPr>
+          <p:cNvPr id="4" name="Content Placeholder 3"/>
+          <p:cNvSpPr>
+            <a:spLocks noGrp="1"/>
+          </p:cNvSpPr>
+          <p:nvPr>
+            <p:ph sz="half" idx="2"/>
+          </p:nvPr>
+        </p:nvSpPr>
+        <p:spPr>
+          <a:xfrm>
+            <a:off x="457200" y="2174875"/>
+            <a:ext cx="4040188" cy="3951288"/>
+          </a:xfrm>
+        </p:spPr>
+        <p:txBody>
+          <a:bodyPr/>
+          <a:lstStyle>
+            <a:lvl1pPr>
+              <a:defRPr sz="2400"/>
+            </a:lvl1pPr>
+            <a:lvl2pPr>
+              <a:defRPr sz="2000"/>
+            </a:lvl2pPr>
+            <a:lvl3pPr>
+              <a:defRPr sz="1800"/>
+            </a:lvl3pPr>
+            <a:lvl4pPr>
+              <a:defRPr sz="1600"/>
+            </a:lvl4pPr>
+            <a:lvl5pPr>
+              <a:defRPr sz="1600"/>
+            </a:lvl5pPr>
+            <a:lvl6pPr>
+              <a:defRPr sz="1600"/>
+            </a:lvl6pPr>
+            <a:lvl7pPr>
+              <a:defRPr sz="1600"/>
+            </a:lvl7pPr>
+            <a:lvl8pPr>
+              <a:defRPr sz="1600"/>
+            </a:lvl8pPr>
+            <a:lvl9pPr>
+              <a:defRPr sz="1600"/>
+            </a:lvl9pPr>
+          </a:lstStyle>
+          <a:p>
+            <a:pPr lvl="0"/>
+            <a:r>
+              <a:rPr lang="en-US"/>
+              <a:t>Click to edit Master text styles</a:t>
+            </a:r>
+          </a:p>
+          <a:p>
+            <a:pPr lvl="1"/>
+            <a:r>
+              <a:rPr lang="en-US"/>
+              <a:t>Second level</a:t>
+            </a:r>
+          </a:p>
+          <a:p>
+            <a:pPr lvl="2"/>
+            <a:r>
+              <a:rPr lang="en-US"/>
+              <a:t>Third level</a:t>
+            </a:r>
+          </a:p>
+          <a:p>
+            <a:pPr lvl="3"/>
+            <a:r>
+              <a:rPr lang="en-US"/>
+              <a:t>Fourth level</a:t>
+            </a:r>
+          </a:p>
+          <a:p>
+            <a:pPr lvl="4"/>
+            <a:r>
+              <a:rPr lang="en-US"/>
+              <a:t>Fifth level</a:t>
+            </a:r>
+            <a:endParaRPr lang="ru-RU" dirty="0"/>
+          </a:p>
+        </p:txBody>
+      </p:sp>
+      <p:sp>
+        <p:nvSpPr>
+          <p:cNvPr id="5" name="Text Placeholder 4"/>
+          <p:cNvSpPr>
+            <a:spLocks noGrp="1"/>
+          </p:cNvSpPr>
+          <p:nvPr>
+            <p:ph type="body" sz="quarter" idx="3"/>
+          </p:nvPr>
+        </p:nvSpPr>
+        <p:spPr>
+          <a:xfrm>
+            <a:off x="4645025" y="1535113"/>
+            <a:ext cx="4041775" cy="639762"/>
+          </a:xfrm>
+        </p:spPr>
+        <p:txBody>
+          <a:bodyPr anchor="b"/>
+          <a:lstStyle>
+            <a:lvl1pPr marL="0" indent="0">
+              <a:buNone/>
+              <a:defRPr sz="2400" b="1"/>
+            </a:lvl1pPr>
+            <a:lvl2pPr marL="457200" indent="0">
+              <a:buNone/>
+              <a:defRPr sz="2000" b="1"/>
+            </a:lvl2pPr>
+            <a:lvl3pPr marL="914400" indent="0">
+              <a:buNone/>
+              <a:defRPr sz="1800" b="1"/>
+            </a:lvl3pPr>
+            <a:lvl4pPr marL="1371600" indent="0">
+              <a:buNone/>
+              <a:defRPr sz="1600" b="1"/>
+            </a:lvl4pPr>
+            <a:lvl5pPr marL="1828800" indent="0">
+              <a:buNone/>
+              <a:defRPr sz="1600" b="1"/>
+            </a:lvl5pPr>
+            <a:lvl6pPr marL="2286000" indent="0">
+              <a:buNone/>
+              <a:defRPr sz="1600" b="1"/>
+            </a:lvl6pPr>
+            <a:lvl7pPr marL="2743200" indent="0">
+              <a:buNone/>
+              <a:defRPr sz="1600" b="1"/>
+            </a:lvl7pPr>
+            <a:lvl8pPr marL="3200400" indent="0">
+              <a:buNone/>
+              <a:defRPr sz="1600" b="1"/>
+            </a:lvl8pPr>
+            <a:lvl9pPr marL="3657600" indent="0">
+              <a:buNone/>
+              <a:defRPr sz="1600" b="1"/>
+            </a:lvl9pPr>
+          </a:lstStyle>
+          <a:p>
+            <a:pPr lvl="0"/>
+            <a:r>
+              <a:rPr lang="en-US"/>
+              <a:t>Click to edit Master text styles</a:t>
+            </a:r>
+          </a:p>
+        </p:txBody>
+      </p:sp>
+      <p:sp>
+        <p:nvSpPr>
+          <p:cNvPr id="6" name="Content Placeholder 5"/>
+          <p:cNvSpPr>
+            <a:spLocks noGrp="1"/>
+          </p:cNvSpPr>
+          <p:nvPr>
+            <p:ph sz="quarter" idx="4"/>
+          </p:nvPr>
+        </p:nvSpPr>
+        <p:spPr>
+          <a:xfrm>
+            <a:off x="4645025" y="2174875"/>
+            <a:ext cx="4041775" cy="3951288"/>
+          </a:xfrm>
+        </p:spPr>
+        <p:txBody>
+          <a:bodyPr/>
+          <a:lstStyle>
+            <a:lvl1pPr>
+              <a:defRPr sz="2400"/>
+            </a:lvl1pPr>
+            <a:lvl2pPr>
+              <a:defRPr sz="2000"/>
+            </a:lvl2pPr>
+            <a:lvl3pPr>
+              <a:defRPr sz="1800"/>
+            </a:lvl3pPr>
+            <a:lvl4pPr>
+              <a:defRPr sz="1600"/>
+            </a:lvl4pPr>
+            <a:lvl5pPr>
+              <a:defRPr sz="1600"/>
+            </a:lvl5pPr>
+            <a:lvl6pPr>
+              <a:defRPr sz="1600"/>
+            </a:lvl6pPr>
+            <a:lvl7pPr>
+              <a:defRPr sz="1600"/>
+            </a:lvl7pPr>
+            <a:lvl8pPr>
+              <a:defRPr sz="1600"/>
+            </a:lvl8pPr>
+            <a:lvl9pPr>
+              <a:defRPr sz="1600"/>
+            </a:lvl9pPr>
+          </a:lstStyle>
+          <a:p>
+            <a:pPr lvl="0"/>
+            <a:r>
+              <a:rPr lang="en-US"/>
+              <a:t>Click to edit Master text styles</a:t>
+            </a:r>
+          </a:p>
+          <a:p>
+            <a:pPr lvl="1"/>
+            <a:r>
+              <a:rPr lang="en-US"/>
+              <a:t>Second level</a:t>
+            </a:r>
+          </a:p>
+          <a:p>
+            <a:pPr lvl="2"/>
+            <a:r>
+              <a:rPr lang="en-US"/>
+              <a:t>Third level</a:t>
+            </a:r>
+          </a:p>
+          <a:p>
+            <a:pPr lvl="3"/>
+            <a:r>
+              <a:rPr lang="en-US"/>
+              <a:t>Fourth level</a:t>
+            </a:r>
+          </a:p>
+          <a:p>
+            <a:pPr lvl="4"/>
+            <a:r>
+              <a:rPr lang="en-US"/>
+              <a:t>Fifth level</a:t>
+            </a:r>
+            <a:endParaRPr lang="ru-RU" dirty="0"/>
+          </a:p>
+        </p:txBody>
+      </p:sp>
+    </p:spTree>
+    <p:extLst>
+      <p:ext uri="{BB962C8B-B14F-4D97-AF65-F5344CB8AC3E}">
+        <p14:creationId xmlns:p14="http://schemas.microsoft.com/office/powerpoint/2010/main" val="4044979405"/>
+      </p:ext>
+    </p:extLst>
+  </p:cSld>
+  <p:clrMapOvr>
+    <a:masterClrMapping/>
+  </p:clrMapOvr>
+</p:sldLayout>
+</file>
+
+<file path=ppt/slideLayouts/slideLayout5.xml><?xml version="1.0" encoding="utf-8"?>
+<p:sldLayout xmlns:a="http://schemas.openxmlformats.org/drawingml/2006/main" xmlns:r="http://schemas.openxmlformats.org/officeDocument/2006/relationships" xmlns:p="http://schemas.openxmlformats.org/presentationml/2006/main" type="titleOnly" preserve="1">
+  <p:cSld name="Title Only">
+    <p:spTree>
+      <p:nvGrpSpPr>
+        <p:cNvPr id="1" name=""/>
+        <p:cNvGrpSpPr/>
+        <p:nvPr/>
+      </p:nvGrpSpPr>
+      <p:grpSpPr>
+        <a:xfrm>
+          <a:off x="0" y="0"/>
+          <a:ext cx="0" cy="0"/>
+          <a:chOff x="0" y="0"/>
+          <a:chExt cx="0" cy="0"/>
+        </a:xfrm>
+      </p:grpSpPr>
+      <p:sp>
+        <p:nvSpPr>
+          <p:cNvPr id="2" name="Title 1"/>
+          <p:cNvSpPr>
+            <a:spLocks noGrp="1"/>
+          </p:cNvSpPr>
+          <p:nvPr>
+            <p:ph type="title"/>
+          </p:nvPr>
+        </p:nvSpPr>
+        <p:spPr/>
+        <p:txBody>
+          <a:bodyPr/>
+          <a:lstStyle/>
+          <a:p>
+            <a:r>
+              <a:rPr lang="en-US"/>
+              <a:t>Click to edit Master title style</a:t>
+            </a:r>
+            <a:endParaRPr lang="ru-RU" dirty="0"/>
+          </a:p>
+        </p:txBody>
+      </p:sp>
+    </p:spTree>
+    <p:extLst>
+      <p:ext uri="{BB962C8B-B14F-4D97-AF65-F5344CB8AC3E}">
+        <p14:creationId xmlns:p14="http://schemas.microsoft.com/office/powerpoint/2010/main" val="125202666"/>
+      </p:ext>
+    </p:extLst>
+  </p:cSld>
+  <p:clrMapOvr>
+    <a:masterClrMapping/>
+  </p:clrMapOvr>
+</p:sldLayout>
+</file>
+
+<file path=ppt/slideLayouts/slideLayout6.xml><?xml version="1.0" encoding="utf-8"?>
+<p:sldLayout xmlns:a="http://schemas.openxmlformats.org/drawingml/2006/main" xmlns:r="http://schemas.openxmlformats.org/officeDocument/2006/relationships" xmlns:p="http://schemas.openxmlformats.org/presentationml/2006/main" preserve="1" userDrawn="1">
+  <p:cSld name="Demo">
+    <p:spTree>
+      <p:nvGrpSpPr>
+        <p:cNvPr id="1" name=""/>
+        <p:cNvGrpSpPr/>
+        <p:nvPr/>
+      </p:nvGrpSpPr>
+      <p:grpSpPr>
+        <a:xfrm>
+          <a:off x="0" y="0"/>
+          <a:ext cx="0" cy="0"/>
+          <a:chOff x="0" y="0"/>
+          <a:chExt cx="0" cy="0"/>
+        </a:xfrm>
+      </p:grpSpPr>
+      <p:sp>
+        <p:nvSpPr>
+          <p:cNvPr id="10" name="TextBox 9"/>
+          <p:cNvSpPr txBox="1"/>
+          <p:nvPr userDrawn="1"/>
+        </p:nvSpPr>
+        <p:spPr>
+          <a:xfrm>
+            <a:off x="359532" y="3136613"/>
+            <a:ext cx="8424936" cy="584775"/>
+          </a:xfrm>
+          <a:prstGeom prst="rect">
+            <a:avLst/>
+          </a:prstGeom>
+          <a:noFill/>
+        </p:spPr>
+        <p:txBody>
+          <a:bodyPr wrap="square" rtlCol="0" anchor="ctr">
+            <a:spAutoFit/>
+          </a:bodyPr>
+          <a:lstStyle/>
+          <a:p>
+            <a:pPr algn="ctr"/>
+            <a:r>
+              <a:rPr lang="ru-RU" sz="3200" dirty="0"/>
+              <a:t>Название.</a:t>
+            </a:r>
+            <a:r>
+              <a:rPr lang="ru-RU" sz="3200" baseline="0" dirty="0"/>
+              <a:t> Демонстрация.</a:t>
+            </a:r>
+            <a:endParaRPr lang="ru-RU" sz="3200" dirty="0"/>
+          </a:p>
+        </p:txBody>
+      </p:sp>
+    </p:spTree>
+    <p:extLst>
+      <p:ext uri="{BB962C8B-B14F-4D97-AF65-F5344CB8AC3E}">
+        <p14:creationId xmlns:p14="http://schemas.microsoft.com/office/powerpoint/2010/main" val="3308008441"/>
+      </p:ext>
+    </p:extLst>
+  </p:cSld>
+  <p:clrMapOvr>
+    <a:masterClrMapping/>
+  </p:clrMapOvr>
+</p:sldLayout>
+</file>
+
+<file path=ppt/slideLayouts/slideLayout7.xml><?xml version="1.0" encoding="utf-8"?>
+<p:sldLayout xmlns:a="http://schemas.openxmlformats.org/drawingml/2006/main" xmlns:r="http://schemas.openxmlformats.org/officeDocument/2006/relationships" xmlns:p="http://schemas.openxmlformats.org/presentationml/2006/main" type="blank" preserve="1">
+  <p:cSld name="1_Blank">
+    <p:spTree>
+      <p:nvGrpSpPr>
+        <p:cNvPr id="1" name=""/>
+        <p:cNvGrpSpPr/>
+        <p:nvPr/>
+      </p:nvGrpSpPr>
+      <p:grpSpPr>
+        <a:xfrm>
+          <a:off x="0" y="0"/>
+          <a:ext cx="0" cy="0"/>
+          <a:chOff x="0" y="0"/>
+          <a:chExt cx="0" cy="0"/>
+        </a:xfrm>
+      </p:grpSpPr>
+    </p:spTree>
+    <p:extLst>
+      <p:ext uri="{BB962C8B-B14F-4D97-AF65-F5344CB8AC3E}">
+        <p14:creationId xmlns:p14="http://schemas.microsoft.com/office/powerpoint/2010/main" val="2618453949"/>
+      </p:ext>
+    </p:extLst>
+  </p:cSld>
+  <p:clrMapOvr>
+    <a:masterClrMapping/>
+  </p:clrMapOvr>
+</p:sldLayout>
+</file>
+
+<file path=ppt/slideLayouts/slideLayout8.xml><?xml version="1.0" encoding="utf-8"?>
 <p:sldLayout xmlns:a="http://schemas.openxmlformats.org/drawingml/2006/main" xmlns:r="http://schemas.openxmlformats.org/officeDocument/2006/relationships" xmlns:p="http://schemas.openxmlformats.org/presentationml/2006/main" type="objTx" preserve="1">
   <p:cSld name="Content with Caption">
     <p:spTree>
@@ -896,7 +2178,7 @@
 </p:sldLayout>
 </file>
 
-<file path=ppt/slideLayouts/slideLayout11.xml><?xml version="1.0" encoding="utf-8"?>
+<file path=ppt/slideLayouts/slideLayout9.xml><?xml version="1.0" encoding="utf-8"?>
 <p:sldLayout xmlns:a="http://schemas.openxmlformats.org/drawingml/2006/main" xmlns:r="http://schemas.openxmlformats.org/officeDocument/2006/relationships" xmlns:p="http://schemas.openxmlformats.org/presentationml/2006/main" type="picTx" preserve="1">
   <p:cSld name="Picture with Caption">
     <p:spTree>
@@ -1088,1683 +2370,13 @@
 </p:sldLayout>
 </file>
 
-<file path=ppt/slideLayouts/slideLayout12.xml><?xml version="1.0" encoding="utf-8"?>
-<p:sldLayout xmlns:a="http://schemas.openxmlformats.org/drawingml/2006/main" xmlns:r="http://schemas.openxmlformats.org/officeDocument/2006/relationships" xmlns:p="http://schemas.openxmlformats.org/presentationml/2006/main" type="vertTx" preserve="1">
-  <p:cSld name="Title and Vertical Text">
-    <p:spTree>
-      <p:nvGrpSpPr>
-        <p:cNvPr id="1" name=""/>
-        <p:cNvGrpSpPr/>
-        <p:nvPr/>
-      </p:nvGrpSpPr>
-      <p:grpSpPr>
-        <a:xfrm>
-          <a:off x="0" y="0"/>
-          <a:ext cx="0" cy="0"/>
-          <a:chOff x="0" y="0"/>
-          <a:chExt cx="0" cy="0"/>
-        </a:xfrm>
-      </p:grpSpPr>
-      <p:sp>
-        <p:nvSpPr>
-          <p:cNvPr id="2" name="Title 1"/>
-          <p:cNvSpPr>
-            <a:spLocks noGrp="1"/>
-          </p:cNvSpPr>
-          <p:nvPr>
-            <p:ph type="title"/>
-          </p:nvPr>
-        </p:nvSpPr>
-        <p:spPr/>
-        <p:txBody>
-          <a:bodyPr/>
-          <a:lstStyle/>
-          <a:p>
-            <a:r>
-              <a:rPr lang="en-US"/>
-              <a:t>Click to edit Master title style</a:t>
-            </a:r>
-            <a:endParaRPr lang="ru-RU" dirty="0"/>
-          </a:p>
-        </p:txBody>
-      </p:sp>
-      <p:sp>
-        <p:nvSpPr>
-          <p:cNvPr id="3" name="Vertical Text Placeholder 2"/>
-          <p:cNvSpPr>
-            <a:spLocks noGrp="1"/>
-          </p:cNvSpPr>
-          <p:nvPr>
-            <p:ph type="body" orient="vert" idx="1"/>
-          </p:nvPr>
-        </p:nvSpPr>
-        <p:spPr/>
-        <p:txBody>
-          <a:bodyPr vert="eaVert"/>
-          <a:lstStyle/>
-          <a:p>
-            <a:pPr lvl="0"/>
-            <a:r>
-              <a:rPr lang="en-US"/>
-              <a:t>Click to edit Master text styles</a:t>
-            </a:r>
-          </a:p>
-          <a:p>
-            <a:pPr lvl="1"/>
-            <a:r>
-              <a:rPr lang="en-US"/>
-              <a:t>Second level</a:t>
-            </a:r>
-          </a:p>
-          <a:p>
-            <a:pPr lvl="2"/>
-            <a:r>
-              <a:rPr lang="en-US"/>
-              <a:t>Third level</a:t>
-            </a:r>
-          </a:p>
-          <a:p>
-            <a:pPr lvl="3"/>
-            <a:r>
-              <a:rPr lang="en-US"/>
-              <a:t>Fourth level</a:t>
-            </a:r>
-          </a:p>
-          <a:p>
-            <a:pPr lvl="4"/>
-            <a:r>
-              <a:rPr lang="en-US"/>
-              <a:t>Fifth level</a:t>
-            </a:r>
-            <a:endParaRPr lang="ru-RU" dirty="0"/>
-          </a:p>
-        </p:txBody>
-      </p:sp>
-    </p:spTree>
-    <p:extLst>
-      <p:ext uri="{BB962C8B-B14F-4D97-AF65-F5344CB8AC3E}">
-        <p14:creationId xmlns:p14="http://schemas.microsoft.com/office/powerpoint/2010/main" val="2015559697"/>
-      </p:ext>
-    </p:extLst>
-  </p:cSld>
-  <p:clrMapOvr>
-    <a:masterClrMapping/>
-  </p:clrMapOvr>
-</p:sldLayout>
-</file>
-
-<file path=ppt/slideLayouts/slideLayout13.xml><?xml version="1.0" encoding="utf-8"?>
-<p:sldLayout xmlns:a="http://schemas.openxmlformats.org/drawingml/2006/main" xmlns:r="http://schemas.openxmlformats.org/officeDocument/2006/relationships" xmlns:p="http://schemas.openxmlformats.org/presentationml/2006/main" type="vertTitleAndTx" preserve="1">
-  <p:cSld name="Vertical Title and Text">
-    <p:spTree>
-      <p:nvGrpSpPr>
-        <p:cNvPr id="1" name=""/>
-        <p:cNvGrpSpPr/>
-        <p:nvPr/>
-      </p:nvGrpSpPr>
-      <p:grpSpPr>
-        <a:xfrm>
-          <a:off x="0" y="0"/>
-          <a:ext cx="0" cy="0"/>
-          <a:chOff x="0" y="0"/>
-          <a:chExt cx="0" cy="0"/>
-        </a:xfrm>
-      </p:grpSpPr>
-      <p:sp>
-        <p:nvSpPr>
-          <p:cNvPr id="2" name="Vertical Title 1"/>
-          <p:cNvSpPr>
-            <a:spLocks noGrp="1"/>
-          </p:cNvSpPr>
-          <p:nvPr>
-            <p:ph type="title" orient="vert"/>
-          </p:nvPr>
-        </p:nvSpPr>
-        <p:spPr>
-          <a:xfrm>
-            <a:off x="6629400" y="274638"/>
-            <a:ext cx="2057400" cy="5851525"/>
-          </a:xfrm>
-        </p:spPr>
-        <p:txBody>
-          <a:bodyPr vert="eaVert"/>
-          <a:lstStyle/>
-          <a:p>
-            <a:r>
-              <a:rPr lang="en-US"/>
-              <a:t>Click to edit Master title style</a:t>
-            </a:r>
-            <a:endParaRPr lang="ru-RU" dirty="0"/>
-          </a:p>
-        </p:txBody>
-      </p:sp>
-      <p:sp>
-        <p:nvSpPr>
-          <p:cNvPr id="3" name="Vertical Text Placeholder 2"/>
-          <p:cNvSpPr>
-            <a:spLocks noGrp="1"/>
-          </p:cNvSpPr>
-          <p:nvPr>
-            <p:ph type="body" orient="vert" idx="1"/>
-          </p:nvPr>
-        </p:nvSpPr>
-        <p:spPr>
-          <a:xfrm>
-            <a:off x="457200" y="274638"/>
-            <a:ext cx="6019800" cy="5851525"/>
-          </a:xfrm>
-        </p:spPr>
-        <p:txBody>
-          <a:bodyPr vert="eaVert"/>
-          <a:lstStyle/>
-          <a:p>
-            <a:pPr lvl="0"/>
-            <a:r>
-              <a:rPr lang="en-US"/>
-              <a:t>Click to edit Master text styles</a:t>
-            </a:r>
-          </a:p>
-          <a:p>
-            <a:pPr lvl="1"/>
-            <a:r>
-              <a:rPr lang="en-US"/>
-              <a:t>Second level</a:t>
-            </a:r>
-          </a:p>
-          <a:p>
-            <a:pPr lvl="2"/>
-            <a:r>
-              <a:rPr lang="en-US"/>
-              <a:t>Third level</a:t>
-            </a:r>
-          </a:p>
-          <a:p>
-            <a:pPr lvl="3"/>
-            <a:r>
-              <a:rPr lang="en-US"/>
-              <a:t>Fourth level</a:t>
-            </a:r>
-          </a:p>
-          <a:p>
-            <a:pPr lvl="4"/>
-            <a:r>
-              <a:rPr lang="en-US"/>
-              <a:t>Fifth level</a:t>
-            </a:r>
-            <a:endParaRPr lang="ru-RU" dirty="0"/>
-          </a:p>
-        </p:txBody>
-      </p:sp>
-    </p:spTree>
-    <p:extLst>
-      <p:ext uri="{BB962C8B-B14F-4D97-AF65-F5344CB8AC3E}">
-        <p14:creationId xmlns:p14="http://schemas.microsoft.com/office/powerpoint/2010/main" val="370514854"/>
-      </p:ext>
-    </p:extLst>
-  </p:cSld>
-  <p:clrMapOvr>
-    <a:masterClrMapping/>
-  </p:clrMapOvr>
-</p:sldLayout>
-</file>
-
-<file path=ppt/slideLayouts/slideLayout14.xml><?xml version="1.0" encoding="utf-8"?>
-<p:sldLayout xmlns:a="http://schemas.openxmlformats.org/drawingml/2006/main" xmlns:r="http://schemas.openxmlformats.org/officeDocument/2006/relationships" xmlns:p="http://schemas.openxmlformats.org/presentationml/2006/main" type="title">
-  <p:cSld name="2_Title Slide">
-    <p:spTree>
-      <p:nvGrpSpPr>
-        <p:cNvPr id="1" name=""/>
-        <p:cNvGrpSpPr/>
-        <p:nvPr/>
-      </p:nvGrpSpPr>
-      <p:grpSpPr>
-        <a:xfrm>
-          <a:off x="0" y="0"/>
-          <a:ext cx="0" cy="0"/>
-          <a:chOff x="0" y="0"/>
-          <a:chExt cx="0" cy="0"/>
-        </a:xfrm>
-      </p:grpSpPr>
-      <p:sp>
-        <p:nvSpPr>
-          <p:cNvPr id="2" name="Title 1"/>
-          <p:cNvSpPr>
-            <a:spLocks noGrp="1"/>
-          </p:cNvSpPr>
-          <p:nvPr>
-            <p:ph type="ctrTitle"/>
-          </p:nvPr>
-        </p:nvSpPr>
-        <p:spPr>
-          <a:xfrm>
-            <a:off x="685800" y="2130425"/>
-            <a:ext cx="7772400" cy="1470025"/>
-          </a:xfrm>
-        </p:spPr>
-        <p:txBody>
-          <a:bodyPr/>
-          <a:lstStyle/>
-          <a:p>
-            <a:r>
-              <a:rPr lang="en-US"/>
-              <a:t>Click to edit Master title style</a:t>
-            </a:r>
-            <a:endParaRPr lang="ru-RU"/>
-          </a:p>
-        </p:txBody>
-      </p:sp>
-      <p:sp>
-        <p:nvSpPr>
-          <p:cNvPr id="3" name="Subtitle 2"/>
-          <p:cNvSpPr>
-            <a:spLocks noGrp="1"/>
-          </p:cNvSpPr>
-          <p:nvPr>
-            <p:ph type="subTitle" idx="1"/>
-          </p:nvPr>
-        </p:nvSpPr>
-        <p:spPr>
-          <a:xfrm>
-            <a:off x="1371600" y="3886200"/>
-            <a:ext cx="6400800" cy="1752600"/>
-          </a:xfrm>
-        </p:spPr>
-        <p:txBody>
-          <a:bodyPr/>
-          <a:lstStyle>
-            <a:lvl1pPr marL="0" indent="0" algn="ctr">
-              <a:buNone/>
-              <a:defRPr>
-                <a:solidFill>
-                  <a:schemeClr val="tx1">
-                    <a:tint val="75000"/>
-                  </a:schemeClr>
-                </a:solidFill>
-              </a:defRPr>
-            </a:lvl1pPr>
-            <a:lvl2pPr marL="457200" indent="0" algn="ctr">
-              <a:buNone/>
-              <a:defRPr>
-                <a:solidFill>
-                  <a:schemeClr val="tx1">
-                    <a:tint val="75000"/>
-                  </a:schemeClr>
-                </a:solidFill>
-              </a:defRPr>
-            </a:lvl2pPr>
-            <a:lvl3pPr marL="914400" indent="0" algn="ctr">
-              <a:buNone/>
-              <a:defRPr>
-                <a:solidFill>
-                  <a:schemeClr val="tx1">
-                    <a:tint val="75000"/>
-                  </a:schemeClr>
-                </a:solidFill>
-              </a:defRPr>
-            </a:lvl3pPr>
-            <a:lvl4pPr marL="1371600" indent="0" algn="ctr">
-              <a:buNone/>
-              <a:defRPr>
-                <a:solidFill>
-                  <a:schemeClr val="tx1">
-                    <a:tint val="75000"/>
-                  </a:schemeClr>
-                </a:solidFill>
-              </a:defRPr>
-            </a:lvl4pPr>
-            <a:lvl5pPr marL="1828800" indent="0" algn="ctr">
-              <a:buNone/>
-              <a:defRPr>
-                <a:solidFill>
-                  <a:schemeClr val="tx1">
-                    <a:tint val="75000"/>
-                  </a:schemeClr>
-                </a:solidFill>
-              </a:defRPr>
-            </a:lvl5pPr>
-            <a:lvl6pPr marL="2286000" indent="0" algn="ctr">
-              <a:buNone/>
-              <a:defRPr>
-                <a:solidFill>
-                  <a:schemeClr val="tx1">
-                    <a:tint val="75000"/>
-                  </a:schemeClr>
-                </a:solidFill>
-              </a:defRPr>
-            </a:lvl6pPr>
-            <a:lvl7pPr marL="2743200" indent="0" algn="ctr">
-              <a:buNone/>
-              <a:defRPr>
-                <a:solidFill>
-                  <a:schemeClr val="tx1">
-                    <a:tint val="75000"/>
-                  </a:schemeClr>
-                </a:solidFill>
-              </a:defRPr>
-            </a:lvl7pPr>
-            <a:lvl8pPr marL="3200400" indent="0" algn="ctr">
-              <a:buNone/>
-              <a:defRPr>
-                <a:solidFill>
-                  <a:schemeClr val="tx1">
-                    <a:tint val="75000"/>
-                  </a:schemeClr>
-                </a:solidFill>
-              </a:defRPr>
-            </a:lvl8pPr>
-            <a:lvl9pPr marL="3657600" indent="0" algn="ctr">
-              <a:buNone/>
-              <a:defRPr>
-                <a:solidFill>
-                  <a:schemeClr val="tx1">
-                    <a:tint val="75000"/>
-                  </a:schemeClr>
-                </a:solidFill>
-              </a:defRPr>
-            </a:lvl9pPr>
-          </a:lstStyle>
-          <a:p>
-            <a:r>
-              <a:rPr lang="en-US"/>
-              <a:t>Click to edit Master subtitle style</a:t>
-            </a:r>
-            <a:endParaRPr lang="ru-RU"/>
-          </a:p>
-        </p:txBody>
-      </p:sp>
-      <p:sp>
-        <p:nvSpPr>
-          <p:cNvPr id="4" name="Date Placeholder 3"/>
-          <p:cNvSpPr>
-            <a:spLocks noGrp="1"/>
-          </p:cNvSpPr>
-          <p:nvPr>
-            <p:ph type="dt" sz="half" idx="10"/>
-          </p:nvPr>
-        </p:nvSpPr>
-        <p:spPr/>
-        <p:txBody>
-          <a:bodyPr/>
-          <a:lstStyle/>
-          <a:p>
-            <a:fld id="{03228AD1-76D1-E94F-ABCB-6AD688485AD2}" type="datetime1">
-              <a:rPr lang="en-US" smtClean="0"/>
-              <a:t>9/25/18</a:t>
-            </a:fld>
-            <a:endParaRPr lang="ru-RU" dirty="0"/>
-          </a:p>
-        </p:txBody>
-      </p:sp>
-      <p:sp>
-        <p:nvSpPr>
-          <p:cNvPr id="5" name="Footer Placeholder 4"/>
-          <p:cNvSpPr>
-            <a:spLocks noGrp="1"/>
-          </p:cNvSpPr>
-          <p:nvPr>
-            <p:ph type="ftr" sz="quarter" idx="11"/>
-          </p:nvPr>
-        </p:nvSpPr>
-        <p:spPr/>
-        <p:txBody>
-          <a:bodyPr/>
-          <a:lstStyle/>
-          <a:p>
-            <a:endParaRPr lang="ru-RU" dirty="0"/>
-          </a:p>
-        </p:txBody>
-      </p:sp>
-      <p:sp>
-        <p:nvSpPr>
-          <p:cNvPr id="6" name="Slide Number Placeholder 5"/>
-          <p:cNvSpPr>
-            <a:spLocks noGrp="1"/>
-          </p:cNvSpPr>
-          <p:nvPr>
-            <p:ph type="sldNum" sz="quarter" idx="12"/>
-          </p:nvPr>
-        </p:nvSpPr>
-        <p:spPr/>
-        <p:txBody>
-          <a:bodyPr/>
-          <a:lstStyle/>
-          <a:p>
-            <a:fld id="{BC0D3D34-2E8A-4A38-B864-C677BA056495}" type="slidenum">
-              <a:rPr lang="ru-RU" smtClean="0"/>
-              <a:t>‹#›</a:t>
-            </a:fld>
-            <a:endParaRPr lang="ru-RU" dirty="0"/>
-          </a:p>
-        </p:txBody>
-      </p:sp>
-    </p:spTree>
-    <p:extLst>
-      <p:ext uri="{BB962C8B-B14F-4D97-AF65-F5344CB8AC3E}">
-        <p14:creationId xmlns:p14="http://schemas.microsoft.com/office/powerpoint/2010/main" val="4222294974"/>
-      </p:ext>
-    </p:extLst>
-  </p:cSld>
-  <p:clrMapOvr>
-    <a:masterClrMapping/>
-  </p:clrMapOvr>
-</p:sldLayout>
-</file>
-
-<file path=ppt/slideLayouts/slideLayout2.xml><?xml version="1.0" encoding="utf-8"?>
-<p:sldLayout xmlns:a="http://schemas.openxmlformats.org/drawingml/2006/main" xmlns:r="http://schemas.openxmlformats.org/officeDocument/2006/relationships" xmlns:p="http://schemas.openxmlformats.org/presentationml/2006/main" preserve="1" userDrawn="1">
-  <p:cSld name="1_Title Slide">
-    <p:spTree>
-      <p:nvGrpSpPr>
-        <p:cNvPr id="1" name=""/>
-        <p:cNvGrpSpPr/>
-        <p:nvPr/>
-      </p:nvGrpSpPr>
-      <p:grpSpPr>
-        <a:xfrm>
-          <a:off x="0" y="0"/>
-          <a:ext cx="0" cy="0"/>
-          <a:chOff x="0" y="0"/>
-          <a:chExt cx="0" cy="0"/>
-        </a:xfrm>
-      </p:grpSpPr>
-      <p:sp>
-        <p:nvSpPr>
-          <p:cNvPr id="9" name="TextBox 8"/>
-          <p:cNvSpPr txBox="1"/>
-          <p:nvPr userDrawn="1"/>
-        </p:nvSpPr>
-        <p:spPr>
-          <a:xfrm>
-            <a:off x="2774873" y="2528900"/>
-            <a:ext cx="4240263" cy="461665"/>
-          </a:xfrm>
-          <a:prstGeom prst="rect">
-            <a:avLst/>
-          </a:prstGeom>
-          <a:noFill/>
-        </p:spPr>
-        <p:txBody>
-          <a:bodyPr wrap="none" rtlCol="0">
-            <a:spAutoFit/>
-          </a:bodyPr>
-          <a:lstStyle/>
-          <a:p>
-            <a:r>
-              <a:rPr lang="ru-RU" sz="2400" dirty="0">
-                <a:solidFill>
-                  <a:schemeClr val="bg1"/>
-                </a:solidFill>
-              </a:rPr>
-              <a:t>Занятие №</a:t>
-            </a:r>
-            <a:r>
-              <a:rPr lang="en-US" sz="2400" dirty="0">
-                <a:solidFill>
-                  <a:schemeClr val="bg1"/>
-                </a:solidFill>
-              </a:rPr>
-              <a:t>2</a:t>
-            </a:r>
-            <a:r>
-              <a:rPr lang="ru-RU" sz="2400" dirty="0">
-                <a:solidFill>
-                  <a:schemeClr val="bg1"/>
-                </a:solidFill>
-              </a:rPr>
-              <a:t>. Название занятия</a:t>
-            </a:r>
-            <a:endParaRPr lang="en-US" sz="2400" dirty="0">
-              <a:solidFill>
-                <a:schemeClr val="bg1"/>
-              </a:solidFill>
-            </a:endParaRPr>
-          </a:p>
-        </p:txBody>
-      </p:sp>
-      <p:sp>
-        <p:nvSpPr>
-          <p:cNvPr id="7" name="Rectangle 6"/>
-          <p:cNvSpPr/>
-          <p:nvPr userDrawn="1"/>
-        </p:nvSpPr>
-        <p:spPr>
-          <a:xfrm>
-            <a:off x="143508" y="1304764"/>
-            <a:ext cx="8856984" cy="646331"/>
-          </a:xfrm>
-          <a:prstGeom prst="rect">
-            <a:avLst/>
-          </a:prstGeom>
-        </p:spPr>
-        <p:txBody>
-          <a:bodyPr wrap="square">
-            <a:spAutoFit/>
-          </a:bodyPr>
-          <a:lstStyle/>
-          <a:p>
-            <a:pPr algn="ctr"/>
-            <a:r>
-              <a:rPr lang="ru-RU" sz="3600" b="1" i="1" dirty="0">
-                <a:solidFill>
-                  <a:schemeClr val="bg1"/>
-                </a:solidFill>
-              </a:rPr>
-              <a:t>Основы программирования на </a:t>
-            </a:r>
-            <a:r>
-              <a:rPr lang="en-US" sz="3600" b="1" i="1" dirty="0">
-                <a:solidFill>
-                  <a:schemeClr val="bg1"/>
-                </a:solidFill>
-              </a:rPr>
-              <a:t>C#</a:t>
-            </a:r>
-            <a:endParaRPr lang="ru-RU" sz="3600" b="1" i="1" dirty="0">
-              <a:solidFill>
-                <a:schemeClr val="bg1"/>
-              </a:solidFill>
-            </a:endParaRPr>
-          </a:p>
-        </p:txBody>
-      </p:sp>
-      <p:pic>
-        <p:nvPicPr>
-          <p:cNvPr id="8" name="Picture 5"/>
-          <p:cNvPicPr>
-            <a:picLocks noChangeAspect="1" noChangeArrowheads="1"/>
-          </p:cNvPicPr>
-          <p:nvPr userDrawn="1"/>
-        </p:nvPicPr>
-        <p:blipFill>
-          <a:blip r:embed="rId2">
-            <a:extLst>
-              <a:ext uri="{28A0092B-C50C-407E-A947-70E740481C1C}">
-                <a14:useLocalDpi xmlns:a14="http://schemas.microsoft.com/office/drawing/2010/main" val="0"/>
-              </a:ext>
-            </a:extLst>
-          </a:blip>
-          <a:srcRect/>
-          <a:stretch>
-            <a:fillRect/>
-          </a:stretch>
-        </p:blipFill>
-        <p:spPr bwMode="auto">
-          <a:xfrm>
-            <a:off x="1638300" y="3829211"/>
-            <a:ext cx="5867400" cy="1724025"/>
-          </a:xfrm>
-          <a:prstGeom prst="rect">
-            <a:avLst/>
-          </a:prstGeom>
-          <a:noFill/>
-          <a:ln>
-            <a:noFill/>
-          </a:ln>
-          <a:effectLst/>
-          <a:extLst>
-            <a:ext uri="{909E8E84-426E-40DD-AFC4-6F175D3DCCD1}">
-              <a14:hiddenFill xmlns:a14="http://schemas.microsoft.com/office/drawing/2010/main">
-                <a:solidFill>
-                  <a:schemeClr val="accent1"/>
-                </a:solidFill>
-              </a14:hiddenFill>
-            </a:ext>
-            <a:ext uri="{91240B29-F687-4F45-9708-019B960494DF}">
-              <a14:hiddenLine xmlns:a14="http://schemas.microsoft.com/office/drawing/2010/main" w="9525">
-                <a:solidFill>
-                  <a:schemeClr val="tx1"/>
-                </a:solidFill>
-                <a:miter lim="800000"/>
-                <a:headEnd/>
-                <a:tailEnd/>
-              </a14:hiddenLine>
-            </a:ext>
-            <a:ext uri="{AF507438-7753-43E0-B8FC-AC1667EBCBE1}">
-              <a14:hiddenEffects xmlns:a14="http://schemas.microsoft.com/office/drawing/2010/main">
-                <a:effectLst>
-                  <a:outerShdw dist="35921" dir="2700000" algn="ctr" rotWithShape="0">
-                    <a:schemeClr val="bg2"/>
-                  </a:outerShdw>
-                </a:effectLst>
-              </a14:hiddenEffects>
-            </a:ext>
-          </a:extLst>
-        </p:spPr>
-      </p:pic>
-    </p:spTree>
-    <p:extLst>
-      <p:ext uri="{BB962C8B-B14F-4D97-AF65-F5344CB8AC3E}">
-        <p14:creationId xmlns:p14="http://schemas.microsoft.com/office/powerpoint/2010/main" val="3296324981"/>
-      </p:ext>
-    </p:extLst>
-  </p:cSld>
-  <p:clrMapOvr>
-    <a:masterClrMapping/>
-  </p:clrMapOvr>
-</p:sldLayout>
-</file>
-
-<file path=ppt/slideLayouts/slideLayout3.xml><?xml version="1.0" encoding="utf-8"?>
-<p:sldLayout xmlns:a="http://schemas.openxmlformats.org/drawingml/2006/main" xmlns:r="http://schemas.openxmlformats.org/officeDocument/2006/relationships" xmlns:p="http://schemas.openxmlformats.org/presentationml/2006/main" type="obj" preserve="1">
-  <p:cSld name="Title and Content">
-    <p:spTree>
-      <p:nvGrpSpPr>
-        <p:cNvPr id="1" name=""/>
-        <p:cNvGrpSpPr/>
-        <p:nvPr/>
-      </p:nvGrpSpPr>
-      <p:grpSpPr>
-        <a:xfrm>
-          <a:off x="0" y="0"/>
-          <a:ext cx="0" cy="0"/>
-          <a:chOff x="0" y="0"/>
-          <a:chExt cx="0" cy="0"/>
-        </a:xfrm>
-      </p:grpSpPr>
-      <p:sp>
-        <p:nvSpPr>
-          <p:cNvPr id="2" name="Title 1"/>
-          <p:cNvSpPr>
-            <a:spLocks noGrp="1"/>
-          </p:cNvSpPr>
-          <p:nvPr>
-            <p:ph type="title"/>
-          </p:nvPr>
-        </p:nvSpPr>
-        <p:spPr/>
-        <p:txBody>
-          <a:bodyPr/>
-          <a:lstStyle/>
-          <a:p>
-            <a:r>
-              <a:rPr lang="en-US"/>
-              <a:t>Click to edit Master title style</a:t>
-            </a:r>
-            <a:endParaRPr lang="ru-RU" dirty="0"/>
-          </a:p>
-        </p:txBody>
-      </p:sp>
-      <p:sp>
-        <p:nvSpPr>
-          <p:cNvPr id="3" name="Content Placeholder 2"/>
-          <p:cNvSpPr>
-            <a:spLocks noGrp="1"/>
-          </p:cNvSpPr>
-          <p:nvPr>
-            <p:ph idx="1"/>
-          </p:nvPr>
-        </p:nvSpPr>
-        <p:spPr/>
-        <p:txBody>
-          <a:bodyPr/>
-          <a:lstStyle/>
-          <a:p>
-            <a:pPr lvl="0"/>
-            <a:r>
-              <a:rPr lang="en-US"/>
-              <a:t>Click to edit Master text styles</a:t>
-            </a:r>
-          </a:p>
-          <a:p>
-            <a:pPr lvl="1"/>
-            <a:r>
-              <a:rPr lang="en-US"/>
-              <a:t>Second level</a:t>
-            </a:r>
-          </a:p>
-          <a:p>
-            <a:pPr lvl="2"/>
-            <a:r>
-              <a:rPr lang="en-US"/>
-              <a:t>Third level</a:t>
-            </a:r>
-          </a:p>
-          <a:p>
-            <a:pPr lvl="3"/>
-            <a:r>
-              <a:rPr lang="en-US"/>
-              <a:t>Fourth level</a:t>
-            </a:r>
-          </a:p>
-          <a:p>
-            <a:pPr lvl="4"/>
-            <a:r>
-              <a:rPr lang="en-US"/>
-              <a:t>Fifth level</a:t>
-            </a:r>
-            <a:endParaRPr lang="ru-RU" dirty="0"/>
-          </a:p>
-        </p:txBody>
-      </p:sp>
-    </p:spTree>
-    <p:extLst>
-      <p:ext uri="{BB962C8B-B14F-4D97-AF65-F5344CB8AC3E}">
-        <p14:creationId xmlns:p14="http://schemas.microsoft.com/office/powerpoint/2010/main" val="3363467697"/>
-      </p:ext>
-    </p:extLst>
-  </p:cSld>
-  <p:clrMapOvr>
-    <a:masterClrMapping/>
-  </p:clrMapOvr>
-</p:sldLayout>
-</file>
-
-<file path=ppt/slideLayouts/slideLayout4.xml><?xml version="1.0" encoding="utf-8"?>
-<p:sldLayout xmlns:a="http://schemas.openxmlformats.org/drawingml/2006/main" xmlns:r="http://schemas.openxmlformats.org/officeDocument/2006/relationships" xmlns:p="http://schemas.openxmlformats.org/presentationml/2006/main" type="secHead" preserve="1">
-  <p:cSld name="Section Header">
-    <p:spTree>
-      <p:nvGrpSpPr>
-        <p:cNvPr id="1" name=""/>
-        <p:cNvGrpSpPr/>
-        <p:nvPr/>
-      </p:nvGrpSpPr>
-      <p:grpSpPr>
-        <a:xfrm>
-          <a:off x="0" y="0"/>
-          <a:ext cx="0" cy="0"/>
-          <a:chOff x="0" y="0"/>
-          <a:chExt cx="0" cy="0"/>
-        </a:xfrm>
-      </p:grpSpPr>
-      <p:sp>
-        <p:nvSpPr>
-          <p:cNvPr id="2" name="Title 1"/>
-          <p:cNvSpPr>
-            <a:spLocks noGrp="1"/>
-          </p:cNvSpPr>
-          <p:nvPr>
-            <p:ph type="title"/>
-          </p:nvPr>
-        </p:nvSpPr>
-        <p:spPr>
-          <a:xfrm>
-            <a:off x="722313" y="4406900"/>
-            <a:ext cx="7772400" cy="1362075"/>
-          </a:xfrm>
-        </p:spPr>
-        <p:txBody>
-          <a:bodyPr anchor="t"/>
-          <a:lstStyle>
-            <a:lvl1pPr algn="l">
-              <a:defRPr sz="4000" b="1" cap="all"/>
-            </a:lvl1pPr>
-          </a:lstStyle>
-          <a:p>
-            <a:r>
-              <a:rPr lang="en-US"/>
-              <a:t>Click to edit Master title style</a:t>
-            </a:r>
-            <a:endParaRPr lang="ru-RU" dirty="0"/>
-          </a:p>
-        </p:txBody>
-      </p:sp>
-      <p:sp>
-        <p:nvSpPr>
-          <p:cNvPr id="3" name="Text Placeholder 2"/>
-          <p:cNvSpPr>
-            <a:spLocks noGrp="1"/>
-          </p:cNvSpPr>
-          <p:nvPr>
-            <p:ph type="body" idx="1"/>
-          </p:nvPr>
-        </p:nvSpPr>
-        <p:spPr>
-          <a:xfrm>
-            <a:off x="722313" y="2906713"/>
-            <a:ext cx="7772400" cy="1500187"/>
-          </a:xfrm>
-        </p:spPr>
-        <p:txBody>
-          <a:bodyPr anchor="b"/>
-          <a:lstStyle>
-            <a:lvl1pPr marL="0" indent="0">
-              <a:buNone/>
-              <a:defRPr sz="2000">
-                <a:solidFill>
-                  <a:schemeClr val="tx1">
-                    <a:tint val="75000"/>
-                  </a:schemeClr>
-                </a:solidFill>
-              </a:defRPr>
-            </a:lvl1pPr>
-            <a:lvl2pPr marL="457200" indent="0">
-              <a:buNone/>
-              <a:defRPr sz="1800">
-                <a:solidFill>
-                  <a:schemeClr val="tx1">
-                    <a:tint val="75000"/>
-                  </a:schemeClr>
-                </a:solidFill>
-              </a:defRPr>
-            </a:lvl2pPr>
-            <a:lvl3pPr marL="914400" indent="0">
-              <a:buNone/>
-              <a:defRPr sz="1600">
-                <a:solidFill>
-                  <a:schemeClr val="tx1">
-                    <a:tint val="75000"/>
-                  </a:schemeClr>
-                </a:solidFill>
-              </a:defRPr>
-            </a:lvl3pPr>
-            <a:lvl4pPr marL="1371600" indent="0">
-              <a:buNone/>
-              <a:defRPr sz="1400">
-                <a:solidFill>
-                  <a:schemeClr val="tx1">
-                    <a:tint val="75000"/>
-                  </a:schemeClr>
-                </a:solidFill>
-              </a:defRPr>
-            </a:lvl4pPr>
-            <a:lvl5pPr marL="1828800" indent="0">
-              <a:buNone/>
-              <a:defRPr sz="1400">
-                <a:solidFill>
-                  <a:schemeClr val="tx1">
-                    <a:tint val="75000"/>
-                  </a:schemeClr>
-                </a:solidFill>
-              </a:defRPr>
-            </a:lvl5pPr>
-            <a:lvl6pPr marL="2286000" indent="0">
-              <a:buNone/>
-              <a:defRPr sz="1400">
-                <a:solidFill>
-                  <a:schemeClr val="tx1">
-                    <a:tint val="75000"/>
-                  </a:schemeClr>
-                </a:solidFill>
-              </a:defRPr>
-            </a:lvl6pPr>
-            <a:lvl7pPr marL="2743200" indent="0">
-              <a:buNone/>
-              <a:defRPr sz="1400">
-                <a:solidFill>
-                  <a:schemeClr val="tx1">
-                    <a:tint val="75000"/>
-                  </a:schemeClr>
-                </a:solidFill>
-              </a:defRPr>
-            </a:lvl7pPr>
-            <a:lvl8pPr marL="3200400" indent="0">
-              <a:buNone/>
-              <a:defRPr sz="1400">
-                <a:solidFill>
-                  <a:schemeClr val="tx1">
-                    <a:tint val="75000"/>
-                  </a:schemeClr>
-                </a:solidFill>
-              </a:defRPr>
-            </a:lvl8pPr>
-            <a:lvl9pPr marL="3657600" indent="0">
-              <a:buNone/>
-              <a:defRPr sz="1400">
-                <a:solidFill>
-                  <a:schemeClr val="tx1">
-                    <a:tint val="75000"/>
-                  </a:schemeClr>
-                </a:solidFill>
-              </a:defRPr>
-            </a:lvl9pPr>
-          </a:lstStyle>
-          <a:p>
-            <a:pPr lvl="0"/>
-            <a:r>
-              <a:rPr lang="en-US"/>
-              <a:t>Click to edit Master text styles</a:t>
-            </a:r>
-          </a:p>
-        </p:txBody>
-      </p:sp>
-    </p:spTree>
-    <p:extLst>
-      <p:ext uri="{BB962C8B-B14F-4D97-AF65-F5344CB8AC3E}">
-        <p14:creationId xmlns:p14="http://schemas.microsoft.com/office/powerpoint/2010/main" val="1627150216"/>
-      </p:ext>
-    </p:extLst>
-  </p:cSld>
-  <p:clrMapOvr>
-    <a:masterClrMapping/>
-  </p:clrMapOvr>
-</p:sldLayout>
-</file>
-
-<file path=ppt/slideLayouts/slideLayout5.xml><?xml version="1.0" encoding="utf-8"?>
-<p:sldLayout xmlns:a="http://schemas.openxmlformats.org/drawingml/2006/main" xmlns:r="http://schemas.openxmlformats.org/officeDocument/2006/relationships" xmlns:p="http://schemas.openxmlformats.org/presentationml/2006/main" type="twoObj" preserve="1">
-  <p:cSld name="Two Content">
-    <p:spTree>
-      <p:nvGrpSpPr>
-        <p:cNvPr id="1" name=""/>
-        <p:cNvGrpSpPr/>
-        <p:nvPr/>
-      </p:nvGrpSpPr>
-      <p:grpSpPr>
-        <a:xfrm>
-          <a:off x="0" y="0"/>
-          <a:ext cx="0" cy="0"/>
-          <a:chOff x="0" y="0"/>
-          <a:chExt cx="0" cy="0"/>
-        </a:xfrm>
-      </p:grpSpPr>
-      <p:sp>
-        <p:nvSpPr>
-          <p:cNvPr id="2" name="Title 1"/>
-          <p:cNvSpPr>
-            <a:spLocks noGrp="1"/>
-          </p:cNvSpPr>
-          <p:nvPr>
-            <p:ph type="title"/>
-          </p:nvPr>
-        </p:nvSpPr>
-        <p:spPr/>
-        <p:txBody>
-          <a:bodyPr/>
-          <a:lstStyle/>
-          <a:p>
-            <a:r>
-              <a:rPr lang="en-US"/>
-              <a:t>Click to edit Master title style</a:t>
-            </a:r>
-            <a:endParaRPr lang="ru-RU" dirty="0"/>
-          </a:p>
-        </p:txBody>
-      </p:sp>
-      <p:sp>
-        <p:nvSpPr>
-          <p:cNvPr id="3" name="Content Placeholder 2"/>
-          <p:cNvSpPr>
-            <a:spLocks noGrp="1"/>
-          </p:cNvSpPr>
-          <p:nvPr>
-            <p:ph sz="half" idx="1"/>
-          </p:nvPr>
-        </p:nvSpPr>
-        <p:spPr>
-          <a:xfrm>
-            <a:off x="457200" y="1600200"/>
-            <a:ext cx="4038600" cy="4525963"/>
-          </a:xfrm>
-        </p:spPr>
-        <p:txBody>
-          <a:bodyPr/>
-          <a:lstStyle>
-            <a:lvl1pPr>
-              <a:defRPr sz="2800"/>
-            </a:lvl1pPr>
-            <a:lvl2pPr>
-              <a:defRPr sz="2400"/>
-            </a:lvl2pPr>
-            <a:lvl3pPr>
-              <a:defRPr sz="2000"/>
-            </a:lvl3pPr>
-            <a:lvl4pPr>
-              <a:defRPr sz="1800"/>
-            </a:lvl4pPr>
-            <a:lvl5pPr>
-              <a:defRPr sz="1800"/>
-            </a:lvl5pPr>
-            <a:lvl6pPr>
-              <a:defRPr sz="1800"/>
-            </a:lvl6pPr>
-            <a:lvl7pPr>
-              <a:defRPr sz="1800"/>
-            </a:lvl7pPr>
-            <a:lvl8pPr>
-              <a:defRPr sz="1800"/>
-            </a:lvl8pPr>
-            <a:lvl9pPr>
-              <a:defRPr sz="1800"/>
-            </a:lvl9pPr>
-          </a:lstStyle>
-          <a:p>
-            <a:pPr lvl="0"/>
-            <a:r>
-              <a:rPr lang="en-US"/>
-              <a:t>Click to edit Master text styles</a:t>
-            </a:r>
-          </a:p>
-          <a:p>
-            <a:pPr lvl="1"/>
-            <a:r>
-              <a:rPr lang="en-US"/>
-              <a:t>Second level</a:t>
-            </a:r>
-          </a:p>
-          <a:p>
-            <a:pPr lvl="2"/>
-            <a:r>
-              <a:rPr lang="en-US"/>
-              <a:t>Third level</a:t>
-            </a:r>
-          </a:p>
-          <a:p>
-            <a:pPr lvl="3"/>
-            <a:r>
-              <a:rPr lang="en-US"/>
-              <a:t>Fourth level</a:t>
-            </a:r>
-          </a:p>
-          <a:p>
-            <a:pPr lvl="4"/>
-            <a:r>
-              <a:rPr lang="en-US"/>
-              <a:t>Fifth level</a:t>
-            </a:r>
-            <a:endParaRPr lang="ru-RU" dirty="0"/>
-          </a:p>
-        </p:txBody>
-      </p:sp>
-      <p:sp>
-        <p:nvSpPr>
-          <p:cNvPr id="4" name="Content Placeholder 3"/>
-          <p:cNvSpPr>
-            <a:spLocks noGrp="1"/>
-          </p:cNvSpPr>
-          <p:nvPr>
-            <p:ph sz="half" idx="2"/>
-          </p:nvPr>
-        </p:nvSpPr>
-        <p:spPr>
-          <a:xfrm>
-            <a:off x="4648200" y="1600200"/>
-            <a:ext cx="4038600" cy="4525963"/>
-          </a:xfrm>
-        </p:spPr>
-        <p:txBody>
-          <a:bodyPr/>
-          <a:lstStyle>
-            <a:lvl1pPr>
-              <a:defRPr sz="2800"/>
-            </a:lvl1pPr>
-            <a:lvl2pPr>
-              <a:defRPr sz="2400"/>
-            </a:lvl2pPr>
-            <a:lvl3pPr>
-              <a:defRPr sz="2000"/>
-            </a:lvl3pPr>
-            <a:lvl4pPr>
-              <a:defRPr sz="1800"/>
-            </a:lvl4pPr>
-            <a:lvl5pPr>
-              <a:defRPr sz="1800"/>
-            </a:lvl5pPr>
-            <a:lvl6pPr>
-              <a:defRPr sz="1800"/>
-            </a:lvl6pPr>
-            <a:lvl7pPr>
-              <a:defRPr sz="1800"/>
-            </a:lvl7pPr>
-            <a:lvl8pPr>
-              <a:defRPr sz="1800"/>
-            </a:lvl8pPr>
-            <a:lvl9pPr>
-              <a:defRPr sz="1800"/>
-            </a:lvl9pPr>
-          </a:lstStyle>
-          <a:p>
-            <a:pPr lvl="0"/>
-            <a:r>
-              <a:rPr lang="en-US"/>
-              <a:t>Click to edit Master text styles</a:t>
-            </a:r>
-          </a:p>
-          <a:p>
-            <a:pPr lvl="1"/>
-            <a:r>
-              <a:rPr lang="en-US"/>
-              <a:t>Second level</a:t>
-            </a:r>
-          </a:p>
-          <a:p>
-            <a:pPr lvl="2"/>
-            <a:r>
-              <a:rPr lang="en-US"/>
-              <a:t>Third level</a:t>
-            </a:r>
-          </a:p>
-          <a:p>
-            <a:pPr lvl="3"/>
-            <a:r>
-              <a:rPr lang="en-US"/>
-              <a:t>Fourth level</a:t>
-            </a:r>
-          </a:p>
-          <a:p>
-            <a:pPr lvl="4"/>
-            <a:r>
-              <a:rPr lang="en-US"/>
-              <a:t>Fifth level</a:t>
-            </a:r>
-            <a:endParaRPr lang="ru-RU" dirty="0"/>
-          </a:p>
-        </p:txBody>
-      </p:sp>
-    </p:spTree>
-    <p:extLst>
-      <p:ext uri="{BB962C8B-B14F-4D97-AF65-F5344CB8AC3E}">
-        <p14:creationId xmlns:p14="http://schemas.microsoft.com/office/powerpoint/2010/main" val="1026234569"/>
-      </p:ext>
-    </p:extLst>
-  </p:cSld>
-  <p:clrMapOvr>
-    <a:masterClrMapping/>
-  </p:clrMapOvr>
-</p:sldLayout>
-</file>
-
-<file path=ppt/slideLayouts/slideLayout6.xml><?xml version="1.0" encoding="utf-8"?>
-<p:sldLayout xmlns:a="http://schemas.openxmlformats.org/drawingml/2006/main" xmlns:r="http://schemas.openxmlformats.org/officeDocument/2006/relationships" xmlns:p="http://schemas.openxmlformats.org/presentationml/2006/main" type="twoTxTwoObj" preserve="1">
-  <p:cSld name="Comparison">
-    <p:spTree>
-      <p:nvGrpSpPr>
-        <p:cNvPr id="1" name=""/>
-        <p:cNvGrpSpPr/>
-        <p:nvPr/>
-      </p:nvGrpSpPr>
-      <p:grpSpPr>
-        <a:xfrm>
-          <a:off x="0" y="0"/>
-          <a:ext cx="0" cy="0"/>
-          <a:chOff x="0" y="0"/>
-          <a:chExt cx="0" cy="0"/>
-        </a:xfrm>
-      </p:grpSpPr>
-      <p:sp>
-        <p:nvSpPr>
-          <p:cNvPr id="2" name="Title 1"/>
-          <p:cNvSpPr>
-            <a:spLocks noGrp="1"/>
-          </p:cNvSpPr>
-          <p:nvPr>
-            <p:ph type="title"/>
-          </p:nvPr>
-        </p:nvSpPr>
-        <p:spPr/>
-        <p:txBody>
-          <a:bodyPr/>
-          <a:lstStyle>
-            <a:lvl1pPr>
-              <a:defRPr/>
-            </a:lvl1pPr>
-          </a:lstStyle>
-          <a:p>
-            <a:r>
-              <a:rPr lang="en-US"/>
-              <a:t>Click to edit Master title style</a:t>
-            </a:r>
-            <a:endParaRPr lang="ru-RU" dirty="0"/>
-          </a:p>
-        </p:txBody>
-      </p:sp>
-      <p:sp>
-        <p:nvSpPr>
-          <p:cNvPr id="3" name="Text Placeholder 2"/>
-          <p:cNvSpPr>
-            <a:spLocks noGrp="1"/>
-          </p:cNvSpPr>
-          <p:nvPr>
-            <p:ph type="body" idx="1"/>
-          </p:nvPr>
-        </p:nvSpPr>
-        <p:spPr>
-          <a:xfrm>
-            <a:off x="457200" y="1535113"/>
-            <a:ext cx="4040188" cy="639762"/>
-          </a:xfrm>
-        </p:spPr>
-        <p:txBody>
-          <a:bodyPr anchor="b"/>
-          <a:lstStyle>
-            <a:lvl1pPr marL="0" indent="0">
-              <a:buNone/>
-              <a:defRPr sz="2400" b="1"/>
-            </a:lvl1pPr>
-            <a:lvl2pPr marL="457200" indent="0">
-              <a:buNone/>
-              <a:defRPr sz="2000" b="1"/>
-            </a:lvl2pPr>
-            <a:lvl3pPr marL="914400" indent="0">
-              <a:buNone/>
-              <a:defRPr sz="1800" b="1"/>
-            </a:lvl3pPr>
-            <a:lvl4pPr marL="1371600" indent="0">
-              <a:buNone/>
-              <a:defRPr sz="1600" b="1"/>
-            </a:lvl4pPr>
-            <a:lvl5pPr marL="1828800" indent="0">
-              <a:buNone/>
-              <a:defRPr sz="1600" b="1"/>
-            </a:lvl5pPr>
-            <a:lvl6pPr marL="2286000" indent="0">
-              <a:buNone/>
-              <a:defRPr sz="1600" b="1"/>
-            </a:lvl6pPr>
-            <a:lvl7pPr marL="2743200" indent="0">
-              <a:buNone/>
-              <a:defRPr sz="1600" b="1"/>
-            </a:lvl7pPr>
-            <a:lvl8pPr marL="3200400" indent="0">
-              <a:buNone/>
-              <a:defRPr sz="1600" b="1"/>
-            </a:lvl8pPr>
-            <a:lvl9pPr marL="3657600" indent="0">
-              <a:buNone/>
-              <a:defRPr sz="1600" b="1"/>
-            </a:lvl9pPr>
-          </a:lstStyle>
-          <a:p>
-            <a:pPr lvl="0"/>
-            <a:r>
-              <a:rPr lang="en-US"/>
-              <a:t>Click to edit Master text styles</a:t>
-            </a:r>
-          </a:p>
-        </p:txBody>
-      </p:sp>
-      <p:sp>
-        <p:nvSpPr>
-          <p:cNvPr id="4" name="Content Placeholder 3"/>
-          <p:cNvSpPr>
-            <a:spLocks noGrp="1"/>
-          </p:cNvSpPr>
-          <p:nvPr>
-            <p:ph sz="half" idx="2"/>
-          </p:nvPr>
-        </p:nvSpPr>
-        <p:spPr>
-          <a:xfrm>
-            <a:off x="457200" y="2174875"/>
-            <a:ext cx="4040188" cy="3951288"/>
-          </a:xfrm>
-        </p:spPr>
-        <p:txBody>
-          <a:bodyPr/>
-          <a:lstStyle>
-            <a:lvl1pPr>
-              <a:defRPr sz="2400"/>
-            </a:lvl1pPr>
-            <a:lvl2pPr>
-              <a:defRPr sz="2000"/>
-            </a:lvl2pPr>
-            <a:lvl3pPr>
-              <a:defRPr sz="1800"/>
-            </a:lvl3pPr>
-            <a:lvl4pPr>
-              <a:defRPr sz="1600"/>
-            </a:lvl4pPr>
-            <a:lvl5pPr>
-              <a:defRPr sz="1600"/>
-            </a:lvl5pPr>
-            <a:lvl6pPr>
-              <a:defRPr sz="1600"/>
-            </a:lvl6pPr>
-            <a:lvl7pPr>
-              <a:defRPr sz="1600"/>
-            </a:lvl7pPr>
-            <a:lvl8pPr>
-              <a:defRPr sz="1600"/>
-            </a:lvl8pPr>
-            <a:lvl9pPr>
-              <a:defRPr sz="1600"/>
-            </a:lvl9pPr>
-          </a:lstStyle>
-          <a:p>
-            <a:pPr lvl="0"/>
-            <a:r>
-              <a:rPr lang="en-US"/>
-              <a:t>Click to edit Master text styles</a:t>
-            </a:r>
-          </a:p>
-          <a:p>
-            <a:pPr lvl="1"/>
-            <a:r>
-              <a:rPr lang="en-US"/>
-              <a:t>Second level</a:t>
-            </a:r>
-          </a:p>
-          <a:p>
-            <a:pPr lvl="2"/>
-            <a:r>
-              <a:rPr lang="en-US"/>
-              <a:t>Third level</a:t>
-            </a:r>
-          </a:p>
-          <a:p>
-            <a:pPr lvl="3"/>
-            <a:r>
-              <a:rPr lang="en-US"/>
-              <a:t>Fourth level</a:t>
-            </a:r>
-          </a:p>
-          <a:p>
-            <a:pPr lvl="4"/>
-            <a:r>
-              <a:rPr lang="en-US"/>
-              <a:t>Fifth level</a:t>
-            </a:r>
-            <a:endParaRPr lang="ru-RU" dirty="0"/>
-          </a:p>
-        </p:txBody>
-      </p:sp>
-      <p:sp>
-        <p:nvSpPr>
-          <p:cNvPr id="5" name="Text Placeholder 4"/>
-          <p:cNvSpPr>
-            <a:spLocks noGrp="1"/>
-          </p:cNvSpPr>
-          <p:nvPr>
-            <p:ph type="body" sz="quarter" idx="3"/>
-          </p:nvPr>
-        </p:nvSpPr>
-        <p:spPr>
-          <a:xfrm>
-            <a:off x="4645025" y="1535113"/>
-            <a:ext cx="4041775" cy="639762"/>
-          </a:xfrm>
-        </p:spPr>
-        <p:txBody>
-          <a:bodyPr anchor="b"/>
-          <a:lstStyle>
-            <a:lvl1pPr marL="0" indent="0">
-              <a:buNone/>
-              <a:defRPr sz="2400" b="1"/>
-            </a:lvl1pPr>
-            <a:lvl2pPr marL="457200" indent="0">
-              <a:buNone/>
-              <a:defRPr sz="2000" b="1"/>
-            </a:lvl2pPr>
-            <a:lvl3pPr marL="914400" indent="0">
-              <a:buNone/>
-              <a:defRPr sz="1800" b="1"/>
-            </a:lvl3pPr>
-            <a:lvl4pPr marL="1371600" indent="0">
-              <a:buNone/>
-              <a:defRPr sz="1600" b="1"/>
-            </a:lvl4pPr>
-            <a:lvl5pPr marL="1828800" indent="0">
-              <a:buNone/>
-              <a:defRPr sz="1600" b="1"/>
-            </a:lvl5pPr>
-            <a:lvl6pPr marL="2286000" indent="0">
-              <a:buNone/>
-              <a:defRPr sz="1600" b="1"/>
-            </a:lvl6pPr>
-            <a:lvl7pPr marL="2743200" indent="0">
-              <a:buNone/>
-              <a:defRPr sz="1600" b="1"/>
-            </a:lvl7pPr>
-            <a:lvl8pPr marL="3200400" indent="0">
-              <a:buNone/>
-              <a:defRPr sz="1600" b="1"/>
-            </a:lvl8pPr>
-            <a:lvl9pPr marL="3657600" indent="0">
-              <a:buNone/>
-              <a:defRPr sz="1600" b="1"/>
-            </a:lvl9pPr>
-          </a:lstStyle>
-          <a:p>
-            <a:pPr lvl="0"/>
-            <a:r>
-              <a:rPr lang="en-US"/>
-              <a:t>Click to edit Master text styles</a:t>
-            </a:r>
-          </a:p>
-        </p:txBody>
-      </p:sp>
-      <p:sp>
-        <p:nvSpPr>
-          <p:cNvPr id="6" name="Content Placeholder 5"/>
-          <p:cNvSpPr>
-            <a:spLocks noGrp="1"/>
-          </p:cNvSpPr>
-          <p:nvPr>
-            <p:ph sz="quarter" idx="4"/>
-          </p:nvPr>
-        </p:nvSpPr>
-        <p:spPr>
-          <a:xfrm>
-            <a:off x="4645025" y="2174875"/>
-            <a:ext cx="4041775" cy="3951288"/>
-          </a:xfrm>
-        </p:spPr>
-        <p:txBody>
-          <a:bodyPr/>
-          <a:lstStyle>
-            <a:lvl1pPr>
-              <a:defRPr sz="2400"/>
-            </a:lvl1pPr>
-            <a:lvl2pPr>
-              <a:defRPr sz="2000"/>
-            </a:lvl2pPr>
-            <a:lvl3pPr>
-              <a:defRPr sz="1800"/>
-            </a:lvl3pPr>
-            <a:lvl4pPr>
-              <a:defRPr sz="1600"/>
-            </a:lvl4pPr>
-            <a:lvl5pPr>
-              <a:defRPr sz="1600"/>
-            </a:lvl5pPr>
-            <a:lvl6pPr>
-              <a:defRPr sz="1600"/>
-            </a:lvl6pPr>
-            <a:lvl7pPr>
-              <a:defRPr sz="1600"/>
-            </a:lvl7pPr>
-            <a:lvl8pPr>
-              <a:defRPr sz="1600"/>
-            </a:lvl8pPr>
-            <a:lvl9pPr>
-              <a:defRPr sz="1600"/>
-            </a:lvl9pPr>
-          </a:lstStyle>
-          <a:p>
-            <a:pPr lvl="0"/>
-            <a:r>
-              <a:rPr lang="en-US"/>
-              <a:t>Click to edit Master text styles</a:t>
-            </a:r>
-          </a:p>
-          <a:p>
-            <a:pPr lvl="1"/>
-            <a:r>
-              <a:rPr lang="en-US"/>
-              <a:t>Second level</a:t>
-            </a:r>
-          </a:p>
-          <a:p>
-            <a:pPr lvl="2"/>
-            <a:r>
-              <a:rPr lang="en-US"/>
-              <a:t>Third level</a:t>
-            </a:r>
-          </a:p>
-          <a:p>
-            <a:pPr lvl="3"/>
-            <a:r>
-              <a:rPr lang="en-US"/>
-              <a:t>Fourth level</a:t>
-            </a:r>
-          </a:p>
-          <a:p>
-            <a:pPr lvl="4"/>
-            <a:r>
-              <a:rPr lang="en-US"/>
-              <a:t>Fifth level</a:t>
-            </a:r>
-            <a:endParaRPr lang="ru-RU" dirty="0"/>
-          </a:p>
-        </p:txBody>
-      </p:sp>
-    </p:spTree>
-    <p:extLst>
-      <p:ext uri="{BB962C8B-B14F-4D97-AF65-F5344CB8AC3E}">
-        <p14:creationId xmlns:p14="http://schemas.microsoft.com/office/powerpoint/2010/main" val="4044979405"/>
-      </p:ext>
-    </p:extLst>
-  </p:cSld>
-  <p:clrMapOvr>
-    <a:masterClrMapping/>
-  </p:clrMapOvr>
-</p:sldLayout>
-</file>
-
-<file path=ppt/slideLayouts/slideLayout7.xml><?xml version="1.0" encoding="utf-8"?>
-<p:sldLayout xmlns:a="http://schemas.openxmlformats.org/drawingml/2006/main" xmlns:r="http://schemas.openxmlformats.org/officeDocument/2006/relationships" xmlns:p="http://schemas.openxmlformats.org/presentationml/2006/main" type="titleOnly" preserve="1">
-  <p:cSld name="Title Only">
-    <p:spTree>
-      <p:nvGrpSpPr>
-        <p:cNvPr id="1" name=""/>
-        <p:cNvGrpSpPr/>
-        <p:nvPr/>
-      </p:nvGrpSpPr>
-      <p:grpSpPr>
-        <a:xfrm>
-          <a:off x="0" y="0"/>
-          <a:ext cx="0" cy="0"/>
-          <a:chOff x="0" y="0"/>
-          <a:chExt cx="0" cy="0"/>
-        </a:xfrm>
-      </p:grpSpPr>
-      <p:sp>
-        <p:nvSpPr>
-          <p:cNvPr id="2" name="Title 1"/>
-          <p:cNvSpPr>
-            <a:spLocks noGrp="1"/>
-          </p:cNvSpPr>
-          <p:nvPr>
-            <p:ph type="title"/>
-          </p:nvPr>
-        </p:nvSpPr>
-        <p:spPr/>
-        <p:txBody>
-          <a:bodyPr/>
-          <a:lstStyle/>
-          <a:p>
-            <a:r>
-              <a:rPr lang="en-US"/>
-              <a:t>Click to edit Master title style</a:t>
-            </a:r>
-            <a:endParaRPr lang="ru-RU" dirty="0"/>
-          </a:p>
-        </p:txBody>
-      </p:sp>
-    </p:spTree>
-    <p:extLst>
-      <p:ext uri="{BB962C8B-B14F-4D97-AF65-F5344CB8AC3E}">
-        <p14:creationId xmlns:p14="http://schemas.microsoft.com/office/powerpoint/2010/main" val="125202666"/>
-      </p:ext>
-    </p:extLst>
-  </p:cSld>
-  <p:clrMapOvr>
-    <a:masterClrMapping/>
-  </p:clrMapOvr>
-</p:sldLayout>
-</file>
-
-<file path=ppt/slideLayouts/slideLayout8.xml><?xml version="1.0" encoding="utf-8"?>
-<p:sldLayout xmlns:a="http://schemas.openxmlformats.org/drawingml/2006/main" xmlns:r="http://schemas.openxmlformats.org/officeDocument/2006/relationships" xmlns:p="http://schemas.openxmlformats.org/presentationml/2006/main" preserve="1" userDrawn="1">
-  <p:cSld name="Demo">
-    <p:spTree>
-      <p:nvGrpSpPr>
-        <p:cNvPr id="1" name=""/>
-        <p:cNvGrpSpPr/>
-        <p:nvPr/>
-      </p:nvGrpSpPr>
-      <p:grpSpPr>
-        <a:xfrm>
-          <a:off x="0" y="0"/>
-          <a:ext cx="0" cy="0"/>
-          <a:chOff x="0" y="0"/>
-          <a:chExt cx="0" cy="0"/>
-        </a:xfrm>
-      </p:grpSpPr>
-      <p:sp>
-        <p:nvSpPr>
-          <p:cNvPr id="10" name="TextBox 9"/>
-          <p:cNvSpPr txBox="1"/>
-          <p:nvPr userDrawn="1"/>
-        </p:nvSpPr>
-        <p:spPr>
-          <a:xfrm>
-            <a:off x="359532" y="3136613"/>
-            <a:ext cx="8424936" cy="584775"/>
-          </a:xfrm>
-          <a:prstGeom prst="rect">
-            <a:avLst/>
-          </a:prstGeom>
-          <a:noFill/>
-        </p:spPr>
-        <p:txBody>
-          <a:bodyPr wrap="square" rtlCol="0" anchor="ctr">
-            <a:spAutoFit/>
-          </a:bodyPr>
-          <a:lstStyle/>
-          <a:p>
-            <a:pPr algn="ctr"/>
-            <a:r>
-              <a:rPr lang="ru-RU" sz="3200" dirty="0"/>
-              <a:t>Название.</a:t>
-            </a:r>
-            <a:r>
-              <a:rPr lang="ru-RU" sz="3200" baseline="0" dirty="0"/>
-              <a:t> Демонстрация.</a:t>
-            </a:r>
-            <a:endParaRPr lang="ru-RU" sz="3200" dirty="0"/>
-          </a:p>
-        </p:txBody>
-      </p:sp>
-    </p:spTree>
-    <p:extLst>
-      <p:ext uri="{BB962C8B-B14F-4D97-AF65-F5344CB8AC3E}">
-        <p14:creationId xmlns:p14="http://schemas.microsoft.com/office/powerpoint/2010/main" val="3308008441"/>
-      </p:ext>
-    </p:extLst>
-  </p:cSld>
-  <p:clrMapOvr>
-    <a:masterClrMapping/>
-  </p:clrMapOvr>
-</p:sldLayout>
-</file>
-
-<file path=ppt/slideLayouts/slideLayout9.xml><?xml version="1.0" encoding="utf-8"?>
-<p:sldLayout xmlns:a="http://schemas.openxmlformats.org/drawingml/2006/main" xmlns:r="http://schemas.openxmlformats.org/officeDocument/2006/relationships" xmlns:p="http://schemas.openxmlformats.org/presentationml/2006/main" type="blank" preserve="1">
-  <p:cSld name="1_Blank">
-    <p:spTree>
-      <p:nvGrpSpPr>
-        <p:cNvPr id="1" name=""/>
-        <p:cNvGrpSpPr/>
-        <p:nvPr/>
-      </p:nvGrpSpPr>
-      <p:grpSpPr>
-        <a:xfrm>
-          <a:off x="0" y="0"/>
-          <a:ext cx="0" cy="0"/>
-          <a:chOff x="0" y="0"/>
-          <a:chExt cx="0" cy="0"/>
-        </a:xfrm>
-      </p:grpSpPr>
-    </p:spTree>
-    <p:extLst>
-      <p:ext uri="{BB962C8B-B14F-4D97-AF65-F5344CB8AC3E}">
-        <p14:creationId xmlns:p14="http://schemas.microsoft.com/office/powerpoint/2010/main" val="2618453949"/>
-      </p:ext>
-    </p:extLst>
-  </p:cSld>
-  <p:clrMapOvr>
-    <a:masterClrMapping/>
-  </p:clrMapOvr>
-</p:sldLayout>
-</file>
-
 <file path=ppt/slideMasters/slideMaster1.xml><?xml version="1.0" encoding="utf-8"?>
 <p:sldMaster xmlns:a="http://schemas.openxmlformats.org/drawingml/2006/main" xmlns:r="http://schemas.openxmlformats.org/officeDocument/2006/relationships" xmlns:p="http://schemas.openxmlformats.org/presentationml/2006/main">
   <p:cSld>
     <p:bg>
       <p:bgPr>
         <a:blipFill dpi="0" rotWithShape="1">
-          <a:blip r:embed="rId16">
+          <a:blip r:embed="rId14">
             <a:lum/>
           </a:blip>
           <a:srcRect/>
@@ -2919,7 +2531,7 @@
           <a:p>
             <a:fld id="{4C4FFBD1-31AA-9940-B6E1-B67BEBDCD9DD}" type="datetime1">
               <a:rPr lang="en-US" smtClean="0"/>
-              <a:t>9/25/18</a:t>
+              <a:t>2/22/2019</a:t>
             </a:fld>
             <a:endParaRPr lang="ru-RU" dirty="0"/>
           </a:p>
@@ -3012,20 +2624,18 @@
   </p:cSld>
   <p:clrMap bg1="lt1" tx1="dk1" bg2="lt2" tx2="dk2" accent1="accent1" accent2="accent2" accent3="accent3" accent4="accent4" accent5="accent5" accent6="accent6" hlink="hlink" folHlink="folHlink"/>
   <p:sldLayoutIdLst>
-    <p:sldLayoutId id="2147483649" r:id="rId1"/>
-    <p:sldLayoutId id="2147483661" r:id="rId2"/>
-    <p:sldLayoutId id="2147483650" r:id="rId3"/>
-    <p:sldLayoutId id="2147483651" r:id="rId4"/>
-    <p:sldLayoutId id="2147483652" r:id="rId5"/>
-    <p:sldLayoutId id="2147483653" r:id="rId6"/>
-    <p:sldLayoutId id="2147483654" r:id="rId7"/>
-    <p:sldLayoutId id="2147483655" r:id="rId8"/>
-    <p:sldLayoutId id="2147483660" r:id="rId9"/>
-    <p:sldLayoutId id="2147483656" r:id="rId10"/>
-    <p:sldLayoutId id="2147483657" r:id="rId11"/>
-    <p:sldLayoutId id="2147483658" r:id="rId12"/>
-    <p:sldLayoutId id="2147483659" r:id="rId13"/>
-    <p:sldLayoutId id="2147483662" r:id="rId14"/>
+    <p:sldLayoutId id="2147483650" r:id="rId1"/>
+    <p:sldLayoutId id="2147483651" r:id="rId2"/>
+    <p:sldLayoutId id="2147483652" r:id="rId3"/>
+    <p:sldLayoutId id="2147483653" r:id="rId4"/>
+    <p:sldLayoutId id="2147483654" r:id="rId5"/>
+    <p:sldLayoutId id="2147483655" r:id="rId6"/>
+    <p:sldLayoutId id="2147483660" r:id="rId7"/>
+    <p:sldLayoutId id="2147483656" r:id="rId8"/>
+    <p:sldLayoutId id="2147483657" r:id="rId9"/>
+    <p:sldLayoutId id="2147483658" r:id="rId10"/>
+    <p:sldLayoutId id="2147483659" r:id="rId11"/>
+    <p:sldLayoutId id="2147483662" r:id="rId12"/>
   </p:sldLayoutIdLst>
   <p:hf sldNum="0" hdr="0" ftr="0" dt="0"/>
   <p:txStyles>
@@ -3384,7 +2994,7 @@
           <p:cNvPr id="9" name="TextBox 8">
             <a:extLst>
               <a:ext uri="{FF2B5EF4-FFF2-40B4-BE49-F238E27FC236}">
-                <a16:creationId xmlns:a16="http://schemas.microsoft.com/office/drawing/2014/main" id="{B3F6DB7A-6F9F-F641-BF74-89222F6D4591}"/>
+                <a16:creationId xmlns:a16="http://schemas.microsoft.com/office/drawing/2014/main" xmlns="" id="{B3F6DB7A-6F9F-F641-BF74-89222F6D4591}"/>
               </a:ext>
             </a:extLst>
           </p:cNvPr>
@@ -4023,6 +3633,14 @@
               </a:rPr>
               <a:t>https://www.wintellectnow.com/videos/index</a:t>
             </a:r>
+            <a:r>
+              <a:rPr lang="ru-RU" dirty="0">
+                <a:solidFill>
+                  <a:schemeClr val="bg1"/>
+                </a:solidFill>
+              </a:rPr>
+              <a:t/>
+            </a:r>
             <a:br>
               <a:rPr lang="ru-RU" dirty="0">
                 <a:solidFill>
@@ -4163,6 +3781,15 @@
               </a:rPr>
               <a:t>Школа программиста</a:t>
             </a:r>
+            <a:r>
+              <a:rPr lang="en-US" dirty="0">
+                <a:solidFill>
+                  <a:schemeClr val="bg1"/>
+                </a:solidFill>
+                <a:hlinkClick r:id="rId2"/>
+              </a:rPr>
+              <a:t/>
+            </a:r>
             <a:br>
               <a:rPr lang="en-US" dirty="0">
                 <a:solidFill>
@@ -4302,6 +3929,14 @@
               </a:rPr>
               <a:t>C#/VB.NET/F#</a:t>
             </a:r>
+            <a:r>
+              <a:rPr lang="ru-RU" strike="sngStrike" dirty="0">
+                <a:solidFill>
+                  <a:schemeClr val="bg1"/>
+                </a:solidFill>
+              </a:rPr>
+              <a:t/>
+            </a:r>
             <a:br>
               <a:rPr lang="ru-RU" strike="sngStrike" dirty="0">
                 <a:solidFill>
@@ -4339,6 +3974,14 @@
                 </a:solidFill>
               </a:rPr>
               <a:t>Головоломки от других программистов</a:t>
+            </a:r>
+            <a:r>
+              <a:rPr lang="en-US" dirty="0">
+                <a:solidFill>
+                  <a:schemeClr val="bg1"/>
+                </a:solidFill>
+              </a:rPr>
+              <a:t/>
             </a:r>
             <a:br>
               <a:rPr lang="en-US" dirty="0">

--- a/Presentation/that-is-all-folks.pptx
+++ b/Presentation/that-is-all-folks.pptx
@@ -5,7 +5,7 @@
     <p:sldMasterId id="2147483648" r:id="rId1"/>
   </p:sldMasterIdLst>
   <p:notesMasterIdLst>
-    <p:notesMasterId r:id="rId17"/>
+    <p:notesMasterId r:id="rId18"/>
   </p:notesMasterIdLst>
   <p:sldIdLst>
     <p:sldId id="257" r:id="rId2"/>
@@ -14,15 +14,16 @@
     <p:sldId id="261" r:id="rId5"/>
     <p:sldId id="265" r:id="rId6"/>
     <p:sldId id="264" r:id="rId7"/>
-    <p:sldId id="273" r:id="rId8"/>
-    <p:sldId id="274" r:id="rId9"/>
-    <p:sldId id="270" r:id="rId10"/>
-    <p:sldId id="266" r:id="rId11"/>
-    <p:sldId id="267" r:id="rId12"/>
-    <p:sldId id="271" r:id="rId13"/>
-    <p:sldId id="268" r:id="rId14"/>
-    <p:sldId id="269" r:id="rId15"/>
-    <p:sldId id="262" r:id="rId16"/>
+    <p:sldId id="276" r:id="rId8"/>
+    <p:sldId id="273" r:id="rId9"/>
+    <p:sldId id="274" r:id="rId10"/>
+    <p:sldId id="270" r:id="rId11"/>
+    <p:sldId id="266" r:id="rId12"/>
+    <p:sldId id="267" r:id="rId13"/>
+    <p:sldId id="271" r:id="rId14"/>
+    <p:sldId id="268" r:id="rId15"/>
+    <p:sldId id="269" r:id="rId16"/>
+    <p:sldId id="262" r:id="rId17"/>
   </p:sldIdLst>
   <p:sldSz cx="9144000" cy="6858000" type="screen4x3"/>
   <p:notesSz cx="6858000" cy="9144000"/>
@@ -123,7 +124,7 @@
   </p:defaultTextStyle>
   <p:extLst>
     <p:ext uri="{EFAFB233-063F-42B5-8137-9DF3F51BA10A}">
-      <p15:sldGuideLst xmlns:p15="http://schemas.microsoft.com/office/powerpoint/2012/main" xmlns="">
+      <p15:sldGuideLst xmlns="" xmlns:p15="http://schemas.microsoft.com/office/powerpoint/2012/main">
         <p15:guide id="1" orient="horz" pos="2160">
           <p15:clr>
             <a:srgbClr val="A4A3A4"/>
@@ -222,7 +223,7 @@
           <a:p>
             <a:fld id="{B24A7054-7FFB-49F4-A126-5DF6E687FF53}" type="datetimeFigureOut">
               <a:rPr lang="ru-RU" smtClean="0"/>
-              <a:t>22.02.2019</a:t>
+              <a:t>07.04.2019</a:t>
             </a:fld>
             <a:endParaRPr lang="ru-RU" dirty="0"/>
           </a:p>
@@ -996,7 +997,7 @@
           <a:p>
             <a:fld id="{03228AD1-76D1-E94F-ABCB-6AD688485AD2}" type="datetime1">
               <a:rPr lang="en-US" smtClean="0"/>
-              <a:t>2/22/2019</a:t>
+              <a:t>4/7/2019</a:t>
             </a:fld>
             <a:endParaRPr lang="ru-RU" dirty="0"/>
           </a:p>
@@ -2531,7 +2532,7 @@
           <a:p>
             <a:fld id="{4C4FFBD1-31AA-9940-B6E1-B67BEBDCD9DD}" type="datetime1">
               <a:rPr lang="en-US" smtClean="0"/>
-              <a:t>2/22/2019</a:t>
+              <a:t>4/7/2019</a:t>
             </a:fld>
             <a:endParaRPr lang="ru-RU" dirty="0"/>
           </a:p>
@@ -2994,7 +2995,7 @@
           <p:cNvPr id="9" name="TextBox 8">
             <a:extLst>
               <a:ext uri="{FF2B5EF4-FFF2-40B4-BE49-F238E27FC236}">
-                <a16:creationId xmlns:a16="http://schemas.microsoft.com/office/drawing/2014/main" xmlns="" id="{B3F6DB7A-6F9F-F641-BF74-89222F6D4591}"/>
+                <a16:creationId xmlns="" xmlns:a16="http://schemas.microsoft.com/office/drawing/2014/main" id="{B3F6DB7A-6F9F-F641-BF74-89222F6D4591}"/>
               </a:ext>
             </a:extLst>
           </p:cNvPr>
@@ -3130,31 +3131,16 @@
             <p:ph type="title"/>
           </p:nvPr>
         </p:nvSpPr>
-        <p:spPr>
-          <a:xfrm>
-            <a:off x="107504" y="116632"/>
-            <a:ext cx="8928992" cy="648072"/>
-          </a:xfrm>
-        </p:spPr>
-        <p:txBody>
-          <a:bodyPr>
-            <a:normAutofit fontScale="90000"/>
-          </a:bodyPr>
+        <p:spPr/>
+        <p:txBody>
+          <a:bodyPr/>
           <a:lstStyle/>
           <a:p>
             <a:r>
-              <a:rPr lang="ru-RU" dirty="0">
-                <a:solidFill>
-                  <a:schemeClr val="bg1"/>
-                </a:solidFill>
-              </a:rPr>
-              <a:t>Блоги</a:t>
-            </a:r>
-            <a:endParaRPr lang="en-US" dirty="0">
-              <a:solidFill>
-                <a:schemeClr val="bg1"/>
-              </a:solidFill>
-            </a:endParaRPr>
+              <a:rPr lang="ru-RU" dirty="0"/>
+              <a:t>Вопросы для самопроверки</a:t>
+            </a:r>
+            <a:endParaRPr lang="en-US" dirty="0"/>
           </a:p>
         </p:txBody>
       </p:sp>
@@ -3168,240 +3154,78 @@
             <p:ph idx="1"/>
           </p:nvPr>
         </p:nvSpPr>
-        <p:spPr>
-          <a:xfrm>
-            <a:off x="457200" y="764704"/>
-            <a:ext cx="8229600" cy="5361459"/>
-          </a:xfrm>
-        </p:spPr>
-        <p:txBody>
-          <a:bodyPr>
-            <a:normAutofit fontScale="92500" lnSpcReduction="10000"/>
-          </a:bodyPr>
+        <p:spPr/>
+        <p:txBody>
+          <a:bodyPr/>
           <a:lstStyle/>
           <a:p>
-            <a:r>
-              <a:rPr lang="en-US" dirty="0">
-                <a:solidFill>
-                  <a:schemeClr val="bg1"/>
-                </a:solidFill>
-              </a:rPr>
-              <a:t>.NET Framework Blog</a:t>
-            </a:r>
-            <a:r>
-              <a:rPr lang="ru-RU" dirty="0">
-                <a:solidFill>
-                  <a:schemeClr val="bg1"/>
-                </a:solidFill>
-              </a:rPr>
-              <a:t>: </a:t>
-            </a:r>
-            <a:r>
-              <a:rPr lang="en-US" dirty="0">
-                <a:solidFill>
-                  <a:schemeClr val="bg1"/>
-                </a:solidFill>
-                <a:hlinkClick r:id="rId2"/>
-              </a:rPr>
-              <a:t>http://blogs.msdn.com/b/dotnet/</a:t>
-            </a:r>
-            <a:endParaRPr lang="ru-RU" dirty="0">
-              <a:solidFill>
-                <a:schemeClr val="bg1"/>
-              </a:solidFill>
-            </a:endParaRPr>
-          </a:p>
-          <a:p>
-            <a:r>
-              <a:rPr lang="en-US" dirty="0">
-                <a:solidFill>
-                  <a:schemeClr val="bg1"/>
-                </a:solidFill>
-              </a:rPr>
-              <a:t>Base Class Library (BCL) Blog</a:t>
-            </a:r>
-            <a:r>
-              <a:rPr lang="ru-RU" dirty="0">
-                <a:solidFill>
-                  <a:schemeClr val="bg1"/>
-                </a:solidFill>
-              </a:rPr>
-              <a:t>: </a:t>
-            </a:r>
-            <a:r>
-              <a:rPr lang="en-US" dirty="0">
-                <a:solidFill>
-                  <a:schemeClr val="bg1"/>
-                </a:solidFill>
-                <a:hlinkClick r:id="rId3"/>
-              </a:rPr>
-              <a:t>http://blogs.msdn.com/b/bclteam/</a:t>
-            </a:r>
-            <a:endParaRPr lang="ru-RU" dirty="0">
-              <a:solidFill>
-                <a:schemeClr val="bg1"/>
-              </a:solidFill>
-            </a:endParaRPr>
-          </a:p>
-          <a:p>
-            <a:r>
-              <a:rPr lang="en-US" dirty="0">
-                <a:solidFill>
-                  <a:schemeClr val="bg1"/>
-                </a:solidFill>
-              </a:rPr>
-              <a:t>ADO.NET Blog</a:t>
-            </a:r>
-            <a:r>
-              <a:rPr lang="ru-RU" dirty="0">
-                <a:solidFill>
-                  <a:schemeClr val="bg1"/>
-                </a:solidFill>
-              </a:rPr>
-              <a:t>: </a:t>
-            </a:r>
-            <a:r>
-              <a:rPr lang="en-US" dirty="0">
-                <a:solidFill>
-                  <a:schemeClr val="bg1"/>
-                </a:solidFill>
-                <a:hlinkClick r:id="rId4"/>
-              </a:rPr>
-              <a:t>http://blogs.msdn.com/b/adonet/</a:t>
-            </a:r>
-            <a:endParaRPr lang="ru-RU" dirty="0">
-              <a:solidFill>
-                <a:schemeClr val="bg1"/>
-              </a:solidFill>
-            </a:endParaRPr>
-          </a:p>
-          <a:p>
-            <a:r>
-              <a:rPr lang="en-US" dirty="0">
-                <a:solidFill>
-                  <a:schemeClr val="bg1"/>
-                </a:solidFill>
-              </a:rPr>
-              <a:t>Parallel Programming with .NET</a:t>
-            </a:r>
-            <a:r>
-              <a:rPr lang="ru-RU" dirty="0">
-                <a:solidFill>
-                  <a:schemeClr val="bg1"/>
-                </a:solidFill>
-              </a:rPr>
-              <a:t>: </a:t>
-            </a:r>
-            <a:r>
-              <a:rPr lang="en-US" dirty="0">
-                <a:solidFill>
-                  <a:schemeClr val="bg1"/>
-                </a:solidFill>
-                <a:hlinkClick r:id="rId5"/>
-              </a:rPr>
-              <a:t>http://blogs.msdn.com/b/pfxteam/</a:t>
-            </a:r>
-            <a:endParaRPr lang="ru-RU" dirty="0">
-              <a:solidFill>
-                <a:schemeClr val="bg1"/>
-              </a:solidFill>
-            </a:endParaRPr>
-          </a:p>
-          <a:p>
-            <a:r>
-              <a:rPr lang="ru-RU" dirty="0">
-                <a:solidFill>
-                  <a:schemeClr val="bg1"/>
-                </a:solidFill>
-              </a:rPr>
-              <a:t>С</a:t>
-            </a:r>
-            <a:r>
-              <a:rPr lang="en-US" dirty="0">
-                <a:solidFill>
-                  <a:schemeClr val="bg1"/>
-                </a:solidFill>
-              </a:rPr>
-              <a:t># Little Wonders</a:t>
-            </a:r>
-            <a:r>
-              <a:rPr lang="ru-RU" dirty="0">
-                <a:solidFill>
-                  <a:schemeClr val="bg1"/>
-                </a:solidFill>
-              </a:rPr>
-              <a:t> -</a:t>
-            </a:r>
-            <a:r>
-              <a:rPr lang="en-US" dirty="0">
-                <a:solidFill>
-                  <a:schemeClr val="bg1"/>
-                </a:solidFill>
-              </a:rPr>
-              <a:t> </a:t>
-            </a:r>
-            <a:r>
-              <a:rPr lang="en-US" dirty="0">
-                <a:solidFill>
-                  <a:schemeClr val="bg1"/>
-                </a:solidFill>
-                <a:hlinkClick r:id="rId6"/>
-              </a:rPr>
-              <a:t>http://blackrabbitcoder.net/category/11989.aspx</a:t>
-            </a:r>
-            <a:endParaRPr lang="ru-RU" dirty="0">
-              <a:solidFill>
-                <a:schemeClr val="bg1"/>
-              </a:solidFill>
-            </a:endParaRPr>
-          </a:p>
-          <a:p>
-            <a:r>
-              <a:rPr lang="en-US" dirty="0">
-                <a:solidFill>
-                  <a:schemeClr val="bg1"/>
-                </a:solidFill>
-              </a:rPr>
-              <a:t>Scott Hanselman - </a:t>
-            </a:r>
-            <a:r>
-              <a:rPr lang="en-US" dirty="0">
-                <a:solidFill>
-                  <a:schemeClr val="bg1"/>
-                </a:solidFill>
-                <a:hlinkClick r:id="rId7"/>
-              </a:rPr>
-              <a:t>http://www.hanselman.com/blog/</a:t>
-            </a:r>
-            <a:endParaRPr lang="en-US" dirty="0">
-              <a:solidFill>
-                <a:schemeClr val="bg1"/>
-              </a:solidFill>
-            </a:endParaRPr>
-          </a:p>
-          <a:p>
-            <a:endParaRPr lang="ru-RU" dirty="0">
-              <a:solidFill>
-                <a:schemeClr val="bg1"/>
-              </a:solidFill>
-            </a:endParaRPr>
-          </a:p>
-          <a:p>
-            <a:pPr marL="457200" lvl="1" indent="0">
+            <a:pPr marL="0" indent="0">
               <a:buNone/>
             </a:pPr>
-            <a:endParaRPr lang="en-US" dirty="0">
-              <a:solidFill>
-                <a:schemeClr val="bg1"/>
-              </a:solidFill>
-            </a:endParaRPr>
+            <a:r>
+              <a:rPr lang="ru-RU" dirty="0"/>
+              <a:t>В файле </a:t>
+            </a:r>
+            <a:r>
+              <a:rPr lang="en-US" i="1" dirty="0">
+                <a:solidFill>
+                  <a:srgbClr val="FFFF99"/>
+                </a:solidFill>
+              </a:rPr>
+              <a:t>self-check-questions.docx</a:t>
+            </a:r>
+            <a:r>
+              <a:rPr lang="ru-RU" dirty="0"/>
+              <a:t> вы найдете вопросы которые позволят проверить свой уровень знаний о платформе </a:t>
+            </a:r>
+            <a:r>
+              <a:rPr lang="en-US" dirty="0"/>
+              <a:t>.NET</a:t>
+            </a:r>
+            <a:r>
+              <a:rPr lang="ru-RU" dirty="0"/>
+              <a:t>.</a:t>
+            </a:r>
+          </a:p>
+          <a:p>
+            <a:pPr marL="0" indent="0">
+              <a:buNone/>
+            </a:pPr>
+            <a:endParaRPr lang="ru-RU" dirty="0"/>
+          </a:p>
+          <a:p>
+            <a:pPr marL="0" indent="0">
+              <a:buNone/>
+            </a:pPr>
+            <a:r>
+              <a:rPr lang="ru-RU" dirty="0"/>
+              <a:t>Таблица в файле </a:t>
+            </a:r>
+            <a:r>
+              <a:rPr lang="en-US" i="1" dirty="0">
+                <a:solidFill>
+                  <a:srgbClr val="FFFF99"/>
+                </a:solidFill>
+              </a:rPr>
+              <a:t>Programmer Competency Matrix.docx</a:t>
+            </a:r>
+            <a:r>
+              <a:rPr lang="ru-RU" dirty="0"/>
+              <a:t> позволит оценить прогресс в различных областях необходимых каждому программисту.</a:t>
+            </a:r>
+          </a:p>
+          <a:p>
+            <a:pPr marL="0" indent="0">
+              <a:buNone/>
+            </a:pPr>
+            <a:endParaRPr lang="en-US" dirty="0"/>
           </a:p>
         </p:txBody>
       </p:sp>
     </p:spTree>
     <p:extLst>
       <p:ext uri="{BB962C8B-B14F-4D97-AF65-F5344CB8AC3E}">
-        <p14:creationId xmlns:p14="http://schemas.microsoft.com/office/powerpoint/2010/main" val="2211951054"/>
+        <p14:creationId xmlns:p14="http://schemas.microsoft.com/office/powerpoint/2010/main" val="612142936"/>
       </p:ext>
     </p:extLst>
   </p:cSld>
@@ -3438,16 +3262,31 @@
             <p:ph type="title"/>
           </p:nvPr>
         </p:nvSpPr>
-        <p:spPr/>
-        <p:txBody>
-          <a:bodyPr/>
+        <p:spPr>
+          <a:xfrm>
+            <a:off x="107504" y="116632"/>
+            <a:ext cx="8928992" cy="648072"/>
+          </a:xfrm>
+        </p:spPr>
+        <p:txBody>
+          <a:bodyPr>
+            <a:normAutofit fontScale="90000"/>
+          </a:bodyPr>
           <a:lstStyle/>
           <a:p>
             <a:r>
-              <a:rPr lang="ru-RU" dirty="0"/>
-              <a:t>Подкасты</a:t>
-            </a:r>
-            <a:endParaRPr lang="en-US" dirty="0"/>
+              <a:rPr lang="ru-RU" dirty="0">
+                <a:solidFill>
+                  <a:schemeClr val="bg1"/>
+                </a:solidFill>
+              </a:rPr>
+              <a:t>Блоги</a:t>
+            </a:r>
+            <a:endParaRPr lang="en-US" dirty="0">
+              <a:solidFill>
+                <a:schemeClr val="bg1"/>
+              </a:solidFill>
+            </a:endParaRPr>
           </a:p>
         </p:txBody>
       </p:sp>
@@ -3461,51 +3300,240 @@
             <p:ph idx="1"/>
           </p:nvPr>
         </p:nvSpPr>
-        <p:spPr/>
-        <p:txBody>
-          <a:bodyPr/>
+        <p:spPr>
+          <a:xfrm>
+            <a:off x="457200" y="764704"/>
+            <a:ext cx="8229600" cy="5361459"/>
+          </a:xfrm>
+        </p:spPr>
+        <p:txBody>
+          <a:bodyPr>
+            <a:normAutofit fontScale="92500" lnSpcReduction="10000"/>
+          </a:bodyPr>
           <a:lstStyle/>
           <a:p>
             <a:r>
-              <a:rPr lang="en-US" dirty="0"/>
-              <a:t>Hanselminutes (English)</a:t>
-            </a:r>
-            <a:br>
-              <a:rPr lang="en-US" dirty="0"/>
-            </a:br>
-            <a:r>
               <a:rPr lang="en-US" dirty="0">
+                <a:solidFill>
+                  <a:schemeClr val="bg1"/>
+                </a:solidFill>
+              </a:rPr>
+              <a:t>.NET Framework Blog</a:t>
+            </a:r>
+            <a:r>
+              <a:rPr lang="ru-RU" dirty="0">
+                <a:solidFill>
+                  <a:schemeClr val="bg1"/>
+                </a:solidFill>
+              </a:rPr>
+              <a:t>: </a:t>
+            </a:r>
+            <a:r>
+              <a:rPr lang="en-US" dirty="0">
+                <a:solidFill>
+                  <a:schemeClr val="bg1"/>
+                </a:solidFill>
                 <a:hlinkClick r:id="rId2"/>
               </a:rPr>
-              <a:t>http://www.hanselminutes.com/</a:t>
-            </a:r>
-            <a:endParaRPr lang="en-US" dirty="0"/>
-          </a:p>
-          <a:p>
-            <a:r>
-              <a:rPr lang="en-US" dirty="0"/>
-              <a:t>.NET Rocks! (English)</a:t>
-            </a:r>
-            <a:br>
-              <a:rPr lang="en-US" dirty="0"/>
-            </a:br>
+              <a:t>http://blogs.msdn.com/b/dotnet/</a:t>
+            </a:r>
+            <a:endParaRPr lang="ru-RU" dirty="0">
+              <a:solidFill>
+                <a:schemeClr val="bg1"/>
+              </a:solidFill>
+            </a:endParaRPr>
+          </a:p>
+          <a:p>
             <a:r>
               <a:rPr lang="en-US" dirty="0">
+                <a:solidFill>
+                  <a:schemeClr val="bg1"/>
+                </a:solidFill>
+              </a:rPr>
+              <a:t>Base Class Library (BCL) Blog</a:t>
+            </a:r>
+            <a:r>
+              <a:rPr lang="ru-RU" dirty="0">
+                <a:solidFill>
+                  <a:schemeClr val="bg1"/>
+                </a:solidFill>
+              </a:rPr>
+              <a:t>: </a:t>
+            </a:r>
+            <a:r>
+              <a:rPr lang="en-US" dirty="0">
+                <a:solidFill>
+                  <a:schemeClr val="bg1"/>
+                </a:solidFill>
                 <a:hlinkClick r:id="rId3"/>
               </a:rPr>
-              <a:t>http://www.dotnetrocks.com/</a:t>
-            </a:r>
-            <a:endParaRPr lang="en-US" dirty="0"/>
-          </a:p>
-          <a:p>
-            <a:endParaRPr lang="en-US" dirty="0"/>
+              <a:t>http://blogs.msdn.com/b/bclteam/</a:t>
+            </a:r>
+            <a:endParaRPr lang="ru-RU" dirty="0">
+              <a:solidFill>
+                <a:schemeClr val="bg1"/>
+              </a:solidFill>
+            </a:endParaRPr>
+          </a:p>
+          <a:p>
+            <a:r>
+              <a:rPr lang="en-US" dirty="0">
+                <a:solidFill>
+                  <a:schemeClr val="bg1"/>
+                </a:solidFill>
+              </a:rPr>
+              <a:t>ADO.NET Blog</a:t>
+            </a:r>
+            <a:r>
+              <a:rPr lang="ru-RU" dirty="0">
+                <a:solidFill>
+                  <a:schemeClr val="bg1"/>
+                </a:solidFill>
+              </a:rPr>
+              <a:t>: </a:t>
+            </a:r>
+            <a:r>
+              <a:rPr lang="en-US" dirty="0">
+                <a:solidFill>
+                  <a:schemeClr val="bg1"/>
+                </a:solidFill>
+                <a:hlinkClick r:id="rId4"/>
+              </a:rPr>
+              <a:t>http://blogs.msdn.com/b/adonet/</a:t>
+            </a:r>
+            <a:endParaRPr lang="ru-RU" dirty="0">
+              <a:solidFill>
+                <a:schemeClr val="bg1"/>
+              </a:solidFill>
+            </a:endParaRPr>
+          </a:p>
+          <a:p>
+            <a:r>
+              <a:rPr lang="en-US" dirty="0">
+                <a:solidFill>
+                  <a:schemeClr val="bg1"/>
+                </a:solidFill>
+              </a:rPr>
+              <a:t>Parallel Programming with .NET</a:t>
+            </a:r>
+            <a:r>
+              <a:rPr lang="ru-RU" dirty="0">
+                <a:solidFill>
+                  <a:schemeClr val="bg1"/>
+                </a:solidFill>
+              </a:rPr>
+              <a:t>: </a:t>
+            </a:r>
+            <a:r>
+              <a:rPr lang="en-US" dirty="0">
+                <a:solidFill>
+                  <a:schemeClr val="bg1"/>
+                </a:solidFill>
+                <a:hlinkClick r:id="rId5"/>
+              </a:rPr>
+              <a:t>http://blogs.msdn.com/b/pfxteam/</a:t>
+            </a:r>
+            <a:endParaRPr lang="ru-RU" dirty="0">
+              <a:solidFill>
+                <a:schemeClr val="bg1"/>
+              </a:solidFill>
+            </a:endParaRPr>
+          </a:p>
+          <a:p>
+            <a:r>
+              <a:rPr lang="ru-RU" dirty="0">
+                <a:solidFill>
+                  <a:schemeClr val="bg1"/>
+                </a:solidFill>
+              </a:rPr>
+              <a:t>С</a:t>
+            </a:r>
+            <a:r>
+              <a:rPr lang="en-US" dirty="0">
+                <a:solidFill>
+                  <a:schemeClr val="bg1"/>
+                </a:solidFill>
+              </a:rPr>
+              <a:t># Little Wonders</a:t>
+            </a:r>
+            <a:r>
+              <a:rPr lang="ru-RU" dirty="0">
+                <a:solidFill>
+                  <a:schemeClr val="bg1"/>
+                </a:solidFill>
+              </a:rPr>
+              <a:t> -</a:t>
+            </a:r>
+            <a:r>
+              <a:rPr lang="en-US" dirty="0">
+                <a:solidFill>
+                  <a:schemeClr val="bg1"/>
+                </a:solidFill>
+              </a:rPr>
+              <a:t> </a:t>
+            </a:r>
+            <a:r>
+              <a:rPr lang="en-US" dirty="0">
+                <a:solidFill>
+                  <a:schemeClr val="bg1"/>
+                </a:solidFill>
+                <a:hlinkClick r:id="rId6"/>
+              </a:rPr>
+              <a:t>http://blackrabbitcoder.net/category/11989.aspx</a:t>
+            </a:r>
+            <a:endParaRPr lang="ru-RU" dirty="0">
+              <a:solidFill>
+                <a:schemeClr val="bg1"/>
+              </a:solidFill>
+            </a:endParaRPr>
+          </a:p>
+          <a:p>
+            <a:r>
+              <a:rPr lang="en-US" dirty="0">
+                <a:solidFill>
+                  <a:schemeClr val="bg1"/>
+                </a:solidFill>
+              </a:rPr>
+              <a:t>Scott Hanselman - </a:t>
+            </a:r>
+            <a:r>
+              <a:rPr lang="en-US" dirty="0">
+                <a:solidFill>
+                  <a:schemeClr val="bg1"/>
+                </a:solidFill>
+                <a:hlinkClick r:id="rId7"/>
+              </a:rPr>
+              <a:t>http://www.hanselman.com/blog/</a:t>
+            </a:r>
+            <a:endParaRPr lang="en-US" dirty="0">
+              <a:solidFill>
+                <a:schemeClr val="bg1"/>
+              </a:solidFill>
+            </a:endParaRPr>
+          </a:p>
+          <a:p>
+            <a:endParaRPr lang="ru-RU" dirty="0">
+              <a:solidFill>
+                <a:schemeClr val="bg1"/>
+              </a:solidFill>
+            </a:endParaRPr>
+          </a:p>
+          <a:p>
+            <a:pPr marL="457200" lvl="1" indent="0">
+              <a:buNone/>
+            </a:pPr>
+            <a:endParaRPr lang="en-US" dirty="0">
+              <a:solidFill>
+                <a:schemeClr val="bg1"/>
+              </a:solidFill>
+            </a:endParaRPr>
           </a:p>
         </p:txBody>
       </p:sp>
     </p:spTree>
     <p:extLst>
       <p:ext uri="{BB962C8B-B14F-4D97-AF65-F5344CB8AC3E}">
-        <p14:creationId xmlns:p14="http://schemas.microsoft.com/office/powerpoint/2010/main" val="2015174044"/>
+        <p14:creationId xmlns:p14="http://schemas.microsoft.com/office/powerpoint/2010/main" val="2211951054"/>
       </p:ext>
     </p:extLst>
   </p:cSld>
@@ -3549,8 +3577,9 @@
           <a:p>
             <a:r>
               <a:rPr lang="ru-RU" dirty="0"/>
-              <a:t>Обучающие видео</a:t>
-            </a:r>
+              <a:t>Подкасты</a:t>
+            </a:r>
+            <a:endParaRPr lang="en-US" dirty="0"/>
           </a:p>
         </p:txBody>
       </p:sp>
@@ -3570,123 +3599,45 @@
           <a:lstStyle/>
           <a:p>
             <a:r>
-              <a:rPr lang="ru-RU" dirty="0">
-                <a:solidFill>
-                  <a:schemeClr val="bg1"/>
-                </a:solidFill>
-              </a:rPr>
-              <a:t>На русском</a:t>
-            </a:r>
-          </a:p>
-          <a:p>
-            <a:pPr lvl="1"/>
+              <a:rPr lang="en-US" dirty="0"/>
+              <a:t>Hanselminutes (English)</a:t>
+            </a:r>
+            <a:br>
+              <a:rPr lang="en-US" dirty="0"/>
+            </a:br>
             <a:r>
               <a:rPr lang="en-US" dirty="0">
-                <a:solidFill>
-                  <a:schemeClr val="bg1"/>
-                </a:solidFill>
                 <a:hlinkClick r:id="rId2"/>
               </a:rPr>
-              <a:t>http://techdays.ru</a:t>
-            </a:r>
-            <a:endParaRPr lang="ru-RU" dirty="0">
-              <a:solidFill>
-                <a:schemeClr val="bg1"/>
-              </a:solidFill>
-            </a:endParaRPr>
-          </a:p>
-          <a:p>
-            <a:r>
-              <a:rPr lang="ru-RU" dirty="0">
-                <a:solidFill>
-                  <a:schemeClr val="bg1"/>
-                </a:solidFill>
-              </a:rPr>
-              <a:t>На английском</a:t>
-            </a:r>
-          </a:p>
-          <a:p>
-            <a:pPr lvl="1"/>
+              <a:t>http://www.hanselminutes.com/</a:t>
+            </a:r>
+            <a:endParaRPr lang="en-US" dirty="0"/>
+          </a:p>
+          <a:p>
+            <a:r>
+              <a:rPr lang="en-US" dirty="0"/>
+              <a:t>.NET Rocks! (English)</a:t>
+            </a:r>
+            <a:br>
+              <a:rPr lang="en-US" dirty="0"/>
+            </a:br>
             <a:r>
               <a:rPr lang="en-US" dirty="0">
-                <a:solidFill>
-                  <a:schemeClr val="bg1"/>
-                </a:solidFill>
                 <a:hlinkClick r:id="rId3"/>
               </a:rPr>
-              <a:t>http://channel9.msdn.com/</a:t>
-            </a:r>
-            <a:endParaRPr lang="ru-RU" dirty="0">
-              <a:solidFill>
-                <a:schemeClr val="bg1"/>
-              </a:solidFill>
-            </a:endParaRPr>
-          </a:p>
-          <a:p>
-            <a:pPr lvl="1"/>
-            <a:r>
-              <a:rPr lang="en-US" dirty="0">
-                <a:solidFill>
-                  <a:schemeClr val="bg1"/>
-                </a:solidFill>
-                <a:hlinkClick r:id="rId4"/>
-              </a:rPr>
-              <a:t>https://www.wintellectnow.com/videos/index</a:t>
-            </a:r>
-            <a:r>
-              <a:rPr lang="ru-RU" dirty="0">
-                <a:solidFill>
-                  <a:schemeClr val="bg1"/>
-                </a:solidFill>
-              </a:rPr>
-              <a:t/>
-            </a:r>
-            <a:br>
-              <a:rPr lang="ru-RU" dirty="0">
-                <a:solidFill>
-                  <a:schemeClr val="bg1"/>
-                </a:solidFill>
-              </a:rPr>
-            </a:br>
-            <a:r>
-              <a:rPr lang="ru-RU" dirty="0">
-                <a:solidFill>
-                  <a:schemeClr val="bg1"/>
-                </a:solidFill>
-              </a:rPr>
-              <a:t>Часть бесплатно, часть платно</a:t>
-            </a:r>
-          </a:p>
-          <a:p>
-            <a:pPr lvl="1"/>
-            <a:r>
-              <a:rPr lang="en-US" dirty="0">
-                <a:solidFill>
-                  <a:schemeClr val="bg1"/>
-                </a:solidFill>
-                <a:hlinkClick r:id="rId5"/>
-              </a:rPr>
-              <a:t>http://pluralsight.com/</a:t>
-            </a:r>
-            <a:r>
-              <a:rPr lang="ru-RU" dirty="0">
-                <a:solidFill>
-                  <a:schemeClr val="bg1"/>
-                </a:solidFill>
-              </a:rPr>
-              <a:t> (Платный сервис)</a:t>
-            </a:r>
-          </a:p>
-          <a:p>
-            <a:pPr lvl="1"/>
-            <a:endParaRPr lang="ru-RU" dirty="0"/>
+              <a:t>http://www.dotnetrocks.com/</a:t>
+            </a:r>
+            <a:endParaRPr lang="en-US" dirty="0"/>
+          </a:p>
+          <a:p>
+            <a:endParaRPr lang="en-US" dirty="0"/>
           </a:p>
         </p:txBody>
       </p:sp>
     </p:spTree>
     <p:extLst>
       <p:ext uri="{BB962C8B-B14F-4D97-AF65-F5344CB8AC3E}">
-        <p14:creationId xmlns:p14="http://schemas.microsoft.com/office/powerpoint/2010/main" val="3706293392"/>
+        <p14:creationId xmlns:p14="http://schemas.microsoft.com/office/powerpoint/2010/main" val="2015174044"/>
       </p:ext>
     </p:extLst>
   </p:cSld>
@@ -3723,64 +3674,44 @@
             <p:ph type="title"/>
           </p:nvPr>
         </p:nvSpPr>
-        <p:spPr>
-          <a:xfrm>
-            <a:off x="107504" y="116632"/>
-            <a:ext cx="8928992" cy="648072"/>
-          </a:xfrm>
-        </p:spPr>
-        <p:txBody>
-          <a:bodyPr>
-            <a:normAutofit fontScale="90000"/>
-          </a:bodyPr>
+        <p:spPr/>
+        <p:txBody>
+          <a:bodyPr/>
           <a:lstStyle/>
           <a:p>
             <a:r>
+              <a:rPr lang="ru-RU" dirty="0"/>
+              <a:t>Обучающие видео</a:t>
+            </a:r>
+          </a:p>
+        </p:txBody>
+      </p:sp>
+      <p:sp>
+        <p:nvSpPr>
+          <p:cNvPr id="3" name="Content Placeholder 2"/>
+          <p:cNvSpPr>
+            <a:spLocks noGrp="1"/>
+          </p:cNvSpPr>
+          <p:nvPr>
+            <p:ph idx="1"/>
+          </p:nvPr>
+        </p:nvSpPr>
+        <p:spPr/>
+        <p:txBody>
+          <a:bodyPr/>
+          <a:lstStyle/>
+          <a:p>
+            <a:r>
               <a:rPr lang="ru-RU" dirty="0">
                 <a:solidFill>
                   <a:schemeClr val="bg1"/>
                 </a:solidFill>
               </a:rPr>
-              <a:t>Задачи по программированию</a:t>
-            </a:r>
-            <a:endParaRPr lang="en-US" dirty="0">
-              <a:solidFill>
-                <a:schemeClr val="bg1"/>
-              </a:solidFill>
-            </a:endParaRPr>
-          </a:p>
-        </p:txBody>
-      </p:sp>
-      <p:sp>
-        <p:nvSpPr>
-          <p:cNvPr id="3" name="Content Placeholder 2"/>
-          <p:cNvSpPr>
-            <a:spLocks noGrp="1"/>
-          </p:cNvSpPr>
-          <p:nvPr>
-            <p:ph idx="1"/>
-          </p:nvPr>
-        </p:nvSpPr>
-        <p:spPr>
-          <a:xfrm>
-            <a:off x="457200" y="764704"/>
-            <a:ext cx="8229600" cy="5361459"/>
-          </a:xfrm>
-        </p:spPr>
-        <p:txBody>
-          <a:bodyPr>
-            <a:normAutofit fontScale="85000" lnSpcReduction="20000"/>
-          </a:bodyPr>
-          <a:lstStyle/>
-          <a:p>
-            <a:r>
-              <a:rPr lang="ru-RU" dirty="0">
-                <a:solidFill>
-                  <a:schemeClr val="bg1"/>
-                </a:solidFill>
-              </a:rPr>
-              <a:t>Школа программиста</a:t>
-            </a:r>
+              <a:t>На русском</a:t>
+            </a:r>
+          </a:p>
+          <a:p>
+            <a:pPr lvl="1"/>
             <a:r>
               <a:rPr lang="en-US" dirty="0">
                 <a:solidFill>
@@ -3788,108 +3719,8 @@
                 </a:solidFill>
                 <a:hlinkClick r:id="rId2"/>
               </a:rPr>
-              <a:t/>
-            </a:r>
-            <a:br>
-              <a:rPr lang="en-US" dirty="0">
-                <a:solidFill>
-                  <a:schemeClr val="bg1"/>
-                </a:solidFill>
-                <a:hlinkClick r:id="rId2"/>
-              </a:rPr>
-            </a:br>
-            <a:r>
-              <a:rPr lang="en-US" dirty="0">
-                <a:solidFill>
-                  <a:schemeClr val="bg1"/>
-                </a:solidFill>
-                <a:hlinkClick r:id="rId2"/>
-              </a:rPr>
-              <a:t>http://acmp.ru/index.asp?main=tasks</a:t>
-            </a:r>
-            <a:endParaRPr lang="en-US" dirty="0">
-              <a:solidFill>
-                <a:schemeClr val="bg1"/>
-              </a:solidFill>
-            </a:endParaRPr>
-          </a:p>
-          <a:p>
-            <a:endParaRPr lang="en-US" dirty="0">
-              <a:solidFill>
-                <a:schemeClr val="bg1"/>
-              </a:solidFill>
-            </a:endParaRPr>
-          </a:p>
-          <a:p>
-            <a:r>
-              <a:rPr lang="en-US" dirty="0">
-                <a:solidFill>
-                  <a:schemeClr val="bg1"/>
-                </a:solidFill>
-              </a:rPr>
-              <a:t>Timus Online Judge</a:t>
-            </a:r>
-            <a:br>
-              <a:rPr lang="en-US" dirty="0">
-                <a:solidFill>
-                  <a:schemeClr val="bg1"/>
-                </a:solidFill>
-              </a:rPr>
-            </a:br>
-            <a:r>
-              <a:rPr lang="en-US" dirty="0">
-                <a:solidFill>
-                  <a:schemeClr val="bg1"/>
-                </a:solidFill>
-                <a:hlinkClick r:id="rId3"/>
-              </a:rPr>
-              <a:t>http://acm.timus.ru/?locale=ru</a:t>
-            </a:r>
-            <a:endParaRPr lang="en-US" dirty="0">
-              <a:solidFill>
-                <a:schemeClr val="bg1"/>
-              </a:solidFill>
-            </a:endParaRPr>
-          </a:p>
-          <a:p>
-            <a:endParaRPr lang="en-US" dirty="0">
-              <a:solidFill>
-                <a:schemeClr val="bg1"/>
-              </a:solidFill>
-            </a:endParaRPr>
-          </a:p>
-          <a:p>
-            <a:r>
-              <a:rPr lang="ru-RU" dirty="0">
-                <a:solidFill>
-                  <a:schemeClr val="bg1"/>
-                </a:solidFill>
-              </a:rPr>
-              <a:t>Математические задачи</a:t>
-            </a:r>
-            <a:br>
-              <a:rPr lang="ru-RU" dirty="0">
-                <a:solidFill>
-                  <a:schemeClr val="bg1"/>
-                </a:solidFill>
-              </a:rPr>
-            </a:br>
-            <a:r>
-              <a:rPr lang="en-US" dirty="0">
-                <a:solidFill>
-                  <a:schemeClr val="bg1"/>
-                </a:solidFill>
-                <a:hlinkClick r:id="rId4"/>
-              </a:rPr>
-              <a:t>http://projecteuler.net</a:t>
-            </a:r>
-            <a:endParaRPr lang="en-US" dirty="0">
-              <a:solidFill>
-                <a:schemeClr val="bg1"/>
-              </a:solidFill>
-            </a:endParaRPr>
-          </a:p>
-          <a:p>
+              <a:t>http://techdays.ru</a:t>
+            </a:r>
             <a:endParaRPr lang="ru-RU" dirty="0">
               <a:solidFill>
                 <a:schemeClr val="bg1"/>
@@ -3898,106 +3729,24 @@
           </a:p>
           <a:p>
             <a:r>
-              <a:rPr lang="ru-RU" strike="sngStrike" dirty="0">
-                <a:solidFill>
-                  <a:schemeClr val="bg1"/>
-                </a:solidFill>
-              </a:rPr>
-              <a:t>Кодо-дуэли</a:t>
-            </a:r>
-            <a:r>
-              <a:rPr lang="en-US" strike="sngStrike" dirty="0">
-                <a:solidFill>
-                  <a:schemeClr val="bg1"/>
-                </a:solidFill>
-              </a:rPr>
-              <a:t> </a:t>
-            </a:r>
-            <a:r>
-              <a:rPr lang="ru-RU" strike="sngStrike" dirty="0">
-                <a:solidFill>
-                  <a:schemeClr val="bg1"/>
-                </a:solidFill>
-              </a:rPr>
-              <a:t>на </a:t>
-            </a:r>
-            <a:r>
-              <a:rPr lang="en-US" strike="sngStrike" dirty="0">
-                <a:solidFill>
-                  <a:schemeClr val="bg1"/>
-                </a:solidFill>
-              </a:rPr>
-              <a:t>C#/VB.NET/F#</a:t>
-            </a:r>
-            <a:r>
-              <a:rPr lang="ru-RU" strike="sngStrike" dirty="0">
-                <a:solidFill>
-                  <a:schemeClr val="bg1"/>
-                </a:solidFill>
-              </a:rPr>
-              <a:t/>
-            </a:r>
-            <a:br>
-              <a:rPr lang="ru-RU" strike="sngStrike" dirty="0">
-                <a:solidFill>
-                  <a:schemeClr val="bg1"/>
-                </a:solidFill>
-              </a:rPr>
-            </a:br>
-            <a:r>
-              <a:rPr lang="en-US" strike="sngStrike" dirty="0">
-                <a:solidFill>
-                  <a:schemeClr val="bg1"/>
-                </a:solidFill>
-                <a:hlinkClick r:id="rId5"/>
-              </a:rPr>
-              <a:t>http://www.pex4fun.com</a:t>
-            </a:r>
-            <a:endParaRPr lang="en-US" strike="sngStrike" dirty="0">
-              <a:solidFill>
-                <a:schemeClr val="bg1"/>
-              </a:solidFill>
-            </a:endParaRPr>
-          </a:p>
-          <a:p>
-            <a:endParaRPr lang="en-US" dirty="0">
-              <a:solidFill>
-                <a:schemeClr val="bg1"/>
-              </a:solidFill>
-            </a:endParaRPr>
-          </a:p>
-          <a:p>
-            <a:r>
               <a:rPr lang="ru-RU" dirty="0">
                 <a:solidFill>
                   <a:schemeClr val="bg1"/>
                 </a:solidFill>
               </a:rPr>
-              <a:t>Головоломки от других программистов</a:t>
-            </a:r>
+              <a:t>На английском</a:t>
+            </a:r>
+          </a:p>
+          <a:p>
+            <a:pPr lvl="1"/>
             <a:r>
               <a:rPr lang="en-US" dirty="0">
                 <a:solidFill>
                   <a:schemeClr val="bg1"/>
                 </a:solidFill>
-              </a:rPr>
-              <a:t/>
-            </a:r>
-            <a:br>
-              <a:rPr lang="en-US" dirty="0">
-                <a:solidFill>
-                  <a:schemeClr val="bg1"/>
-                </a:solidFill>
-              </a:rPr>
-            </a:br>
-            <a:r>
-              <a:rPr lang="en-US" dirty="0">
-                <a:solidFill>
-                  <a:schemeClr val="bg1"/>
-                </a:solidFill>
-                <a:hlinkClick r:id="rId6"/>
-              </a:rPr>
-              <a:t>http://codegolf.stackexchange.com</a:t>
+                <a:hlinkClick r:id="rId3"/>
+              </a:rPr>
+              <a:t>http://channel9.msdn.com/</a:t>
             </a:r>
             <a:endParaRPr lang="ru-RU" dirty="0">
               <a:solidFill>
@@ -4006,26 +3755,70 @@
             </a:endParaRPr>
           </a:p>
           <a:p>
-            <a:endParaRPr lang="ru-RU" dirty="0">
-              <a:solidFill>
-                <a:schemeClr val="bg1"/>
-              </a:solidFill>
-            </a:endParaRPr>
-          </a:p>
-          <a:p>
             <a:pPr lvl="1"/>
-            <a:endParaRPr lang="en-US" dirty="0">
-              <a:solidFill>
-                <a:schemeClr val="bg1"/>
-              </a:solidFill>
-            </a:endParaRPr>
+            <a:r>
+              <a:rPr lang="en-US" dirty="0">
+                <a:solidFill>
+                  <a:schemeClr val="bg1"/>
+                </a:solidFill>
+                <a:hlinkClick r:id="rId4"/>
+              </a:rPr>
+              <a:t>https://www.wintellectnow.com/videos/index</a:t>
+            </a:r>
+            <a:r>
+              <a:rPr lang="ru-RU" dirty="0">
+                <a:solidFill>
+                  <a:schemeClr val="bg1"/>
+                </a:solidFill>
+              </a:rPr>
+              <a:t/>
+            </a:r>
+            <a:br>
+              <a:rPr lang="ru-RU" dirty="0">
+                <a:solidFill>
+                  <a:schemeClr val="bg1"/>
+                </a:solidFill>
+              </a:rPr>
+            </a:br>
+            <a:r>
+              <a:rPr lang="ru-RU" dirty="0">
+                <a:solidFill>
+                  <a:schemeClr val="bg1"/>
+                </a:solidFill>
+              </a:rPr>
+              <a:t>Часть бесплатно, часть платно</a:t>
+            </a:r>
+          </a:p>
+          <a:p>
+            <a:pPr lvl="1"/>
+            <a:r>
+              <a:rPr lang="en-US" dirty="0">
+                <a:solidFill>
+                  <a:schemeClr val="bg1"/>
+                </a:solidFill>
+                <a:hlinkClick r:id="rId5"/>
+              </a:rPr>
+              <a:t>http://pluralsight.com/</a:t>
+            </a:r>
+            <a:r>
+              <a:rPr lang="ru-RU" dirty="0">
+                <a:solidFill>
+                  <a:schemeClr val="bg1"/>
+                </a:solidFill>
+              </a:rPr>
+              <a:t> (Платный сервис)</a:t>
+            </a:r>
+          </a:p>
+          <a:p>
+            <a:pPr lvl="1"/>
+            <a:endParaRPr lang="ru-RU" dirty="0"/>
           </a:p>
         </p:txBody>
       </p:sp>
     </p:spTree>
     <p:extLst>
       <p:ext uri="{BB962C8B-B14F-4D97-AF65-F5344CB8AC3E}">
-        <p14:creationId xmlns:p14="http://schemas.microsoft.com/office/powerpoint/2010/main" val="1393508030"/>
+        <p14:creationId xmlns:p14="http://schemas.microsoft.com/office/powerpoint/2010/main" val="3706293392"/>
       </p:ext>
     </p:extLst>
   </p:cSld>
@@ -4062,6 +3855,345 @@
             <p:ph type="title"/>
           </p:nvPr>
         </p:nvSpPr>
+        <p:spPr>
+          <a:xfrm>
+            <a:off x="107504" y="116632"/>
+            <a:ext cx="8928992" cy="648072"/>
+          </a:xfrm>
+        </p:spPr>
+        <p:txBody>
+          <a:bodyPr>
+            <a:normAutofit fontScale="90000"/>
+          </a:bodyPr>
+          <a:lstStyle/>
+          <a:p>
+            <a:r>
+              <a:rPr lang="ru-RU" dirty="0">
+                <a:solidFill>
+                  <a:schemeClr val="bg1"/>
+                </a:solidFill>
+              </a:rPr>
+              <a:t>Задачи по программированию</a:t>
+            </a:r>
+            <a:endParaRPr lang="en-US" dirty="0">
+              <a:solidFill>
+                <a:schemeClr val="bg1"/>
+              </a:solidFill>
+            </a:endParaRPr>
+          </a:p>
+        </p:txBody>
+      </p:sp>
+      <p:sp>
+        <p:nvSpPr>
+          <p:cNvPr id="3" name="Content Placeholder 2"/>
+          <p:cNvSpPr>
+            <a:spLocks noGrp="1"/>
+          </p:cNvSpPr>
+          <p:nvPr>
+            <p:ph idx="1"/>
+          </p:nvPr>
+        </p:nvSpPr>
+        <p:spPr>
+          <a:xfrm>
+            <a:off x="457200" y="764704"/>
+            <a:ext cx="8229600" cy="5361459"/>
+          </a:xfrm>
+        </p:spPr>
+        <p:txBody>
+          <a:bodyPr>
+            <a:normAutofit fontScale="85000" lnSpcReduction="20000"/>
+          </a:bodyPr>
+          <a:lstStyle/>
+          <a:p>
+            <a:r>
+              <a:rPr lang="ru-RU" dirty="0">
+                <a:solidFill>
+                  <a:schemeClr val="bg1"/>
+                </a:solidFill>
+              </a:rPr>
+              <a:t>Школа программиста</a:t>
+            </a:r>
+            <a:r>
+              <a:rPr lang="en-US" dirty="0">
+                <a:solidFill>
+                  <a:schemeClr val="bg1"/>
+                </a:solidFill>
+                <a:hlinkClick r:id="rId2"/>
+              </a:rPr>
+              <a:t/>
+            </a:r>
+            <a:br>
+              <a:rPr lang="en-US" dirty="0">
+                <a:solidFill>
+                  <a:schemeClr val="bg1"/>
+                </a:solidFill>
+                <a:hlinkClick r:id="rId2"/>
+              </a:rPr>
+            </a:br>
+            <a:r>
+              <a:rPr lang="en-US" dirty="0">
+                <a:solidFill>
+                  <a:schemeClr val="bg1"/>
+                </a:solidFill>
+                <a:hlinkClick r:id="rId2"/>
+              </a:rPr>
+              <a:t>http://acmp.ru/index.asp?main=tasks</a:t>
+            </a:r>
+            <a:endParaRPr lang="en-US" dirty="0">
+              <a:solidFill>
+                <a:schemeClr val="bg1"/>
+              </a:solidFill>
+            </a:endParaRPr>
+          </a:p>
+          <a:p>
+            <a:endParaRPr lang="en-US" dirty="0">
+              <a:solidFill>
+                <a:schemeClr val="bg1"/>
+              </a:solidFill>
+            </a:endParaRPr>
+          </a:p>
+          <a:p>
+            <a:r>
+              <a:rPr lang="en-US" dirty="0">
+                <a:solidFill>
+                  <a:schemeClr val="bg1"/>
+                </a:solidFill>
+              </a:rPr>
+              <a:t>Timus Online Judge</a:t>
+            </a:r>
+            <a:br>
+              <a:rPr lang="en-US" dirty="0">
+                <a:solidFill>
+                  <a:schemeClr val="bg1"/>
+                </a:solidFill>
+              </a:rPr>
+            </a:br>
+            <a:r>
+              <a:rPr lang="en-US" dirty="0">
+                <a:solidFill>
+                  <a:schemeClr val="bg1"/>
+                </a:solidFill>
+                <a:hlinkClick r:id="rId3"/>
+              </a:rPr>
+              <a:t>http://acm.timus.ru/?locale=ru</a:t>
+            </a:r>
+            <a:endParaRPr lang="en-US" dirty="0">
+              <a:solidFill>
+                <a:schemeClr val="bg1"/>
+              </a:solidFill>
+            </a:endParaRPr>
+          </a:p>
+          <a:p>
+            <a:endParaRPr lang="en-US" dirty="0">
+              <a:solidFill>
+                <a:schemeClr val="bg1"/>
+              </a:solidFill>
+            </a:endParaRPr>
+          </a:p>
+          <a:p>
+            <a:r>
+              <a:rPr lang="ru-RU" dirty="0">
+                <a:solidFill>
+                  <a:schemeClr val="bg1"/>
+                </a:solidFill>
+              </a:rPr>
+              <a:t>Математические задачи</a:t>
+            </a:r>
+            <a:br>
+              <a:rPr lang="ru-RU" dirty="0">
+                <a:solidFill>
+                  <a:schemeClr val="bg1"/>
+                </a:solidFill>
+              </a:rPr>
+            </a:br>
+            <a:r>
+              <a:rPr lang="en-US" dirty="0">
+                <a:solidFill>
+                  <a:schemeClr val="bg1"/>
+                </a:solidFill>
+                <a:hlinkClick r:id="rId4"/>
+              </a:rPr>
+              <a:t>http://projecteuler.net</a:t>
+            </a:r>
+            <a:endParaRPr lang="en-US" dirty="0">
+              <a:solidFill>
+                <a:schemeClr val="bg1"/>
+              </a:solidFill>
+            </a:endParaRPr>
+          </a:p>
+          <a:p>
+            <a:endParaRPr lang="ru-RU" dirty="0">
+              <a:solidFill>
+                <a:schemeClr val="bg1"/>
+              </a:solidFill>
+            </a:endParaRPr>
+          </a:p>
+          <a:p>
+            <a:r>
+              <a:rPr lang="ru-RU" strike="sngStrike" dirty="0">
+                <a:solidFill>
+                  <a:schemeClr val="bg1"/>
+                </a:solidFill>
+              </a:rPr>
+              <a:t>Кодо-дуэли</a:t>
+            </a:r>
+            <a:r>
+              <a:rPr lang="en-US" strike="sngStrike" dirty="0">
+                <a:solidFill>
+                  <a:schemeClr val="bg1"/>
+                </a:solidFill>
+              </a:rPr>
+              <a:t> </a:t>
+            </a:r>
+            <a:r>
+              <a:rPr lang="ru-RU" strike="sngStrike" dirty="0">
+                <a:solidFill>
+                  <a:schemeClr val="bg1"/>
+                </a:solidFill>
+              </a:rPr>
+              <a:t>на </a:t>
+            </a:r>
+            <a:r>
+              <a:rPr lang="en-US" strike="sngStrike" dirty="0">
+                <a:solidFill>
+                  <a:schemeClr val="bg1"/>
+                </a:solidFill>
+              </a:rPr>
+              <a:t>C#/VB.NET/F#</a:t>
+            </a:r>
+            <a:r>
+              <a:rPr lang="ru-RU" strike="sngStrike" dirty="0">
+                <a:solidFill>
+                  <a:schemeClr val="bg1"/>
+                </a:solidFill>
+              </a:rPr>
+              <a:t/>
+            </a:r>
+            <a:br>
+              <a:rPr lang="ru-RU" strike="sngStrike" dirty="0">
+                <a:solidFill>
+                  <a:schemeClr val="bg1"/>
+                </a:solidFill>
+              </a:rPr>
+            </a:br>
+            <a:r>
+              <a:rPr lang="en-US" strike="sngStrike" dirty="0">
+                <a:solidFill>
+                  <a:schemeClr val="bg1"/>
+                </a:solidFill>
+                <a:hlinkClick r:id="rId5"/>
+              </a:rPr>
+              <a:t>http://www.pex4fun.com</a:t>
+            </a:r>
+            <a:endParaRPr lang="en-US" strike="sngStrike" dirty="0">
+              <a:solidFill>
+                <a:schemeClr val="bg1"/>
+              </a:solidFill>
+            </a:endParaRPr>
+          </a:p>
+          <a:p>
+            <a:endParaRPr lang="en-US" dirty="0">
+              <a:solidFill>
+                <a:schemeClr val="bg1"/>
+              </a:solidFill>
+            </a:endParaRPr>
+          </a:p>
+          <a:p>
+            <a:r>
+              <a:rPr lang="ru-RU" dirty="0">
+                <a:solidFill>
+                  <a:schemeClr val="bg1"/>
+                </a:solidFill>
+              </a:rPr>
+              <a:t>Головоломки от других программистов</a:t>
+            </a:r>
+            <a:r>
+              <a:rPr lang="en-US" dirty="0">
+                <a:solidFill>
+                  <a:schemeClr val="bg1"/>
+                </a:solidFill>
+              </a:rPr>
+              <a:t/>
+            </a:r>
+            <a:br>
+              <a:rPr lang="en-US" dirty="0">
+                <a:solidFill>
+                  <a:schemeClr val="bg1"/>
+                </a:solidFill>
+              </a:rPr>
+            </a:br>
+            <a:r>
+              <a:rPr lang="en-US" dirty="0">
+                <a:solidFill>
+                  <a:schemeClr val="bg1"/>
+                </a:solidFill>
+                <a:hlinkClick r:id="rId6"/>
+              </a:rPr>
+              <a:t>http://codegolf.stackexchange.com</a:t>
+            </a:r>
+            <a:endParaRPr lang="ru-RU" dirty="0">
+              <a:solidFill>
+                <a:schemeClr val="bg1"/>
+              </a:solidFill>
+            </a:endParaRPr>
+          </a:p>
+          <a:p>
+            <a:endParaRPr lang="ru-RU" dirty="0">
+              <a:solidFill>
+                <a:schemeClr val="bg1"/>
+              </a:solidFill>
+            </a:endParaRPr>
+          </a:p>
+          <a:p>
+            <a:pPr lvl="1"/>
+            <a:endParaRPr lang="en-US" dirty="0">
+              <a:solidFill>
+                <a:schemeClr val="bg1"/>
+              </a:solidFill>
+            </a:endParaRPr>
+          </a:p>
+        </p:txBody>
+      </p:sp>
+    </p:spTree>
+    <p:extLst>
+      <p:ext uri="{BB962C8B-B14F-4D97-AF65-F5344CB8AC3E}">
+        <p14:creationId xmlns:p14="http://schemas.microsoft.com/office/powerpoint/2010/main" val="1393508030"/>
+      </p:ext>
+    </p:extLst>
+  </p:cSld>
+  <p:clrMapOvr>
+    <a:masterClrMapping/>
+  </p:clrMapOvr>
+</p:sld>
+</file>
+
+<file path=ppt/slides/slide15.xml><?xml version="1.0" encoding="utf-8"?>
+<p:sld xmlns:a="http://schemas.openxmlformats.org/drawingml/2006/main" xmlns:r="http://schemas.openxmlformats.org/officeDocument/2006/relationships" xmlns:p="http://schemas.openxmlformats.org/presentationml/2006/main">
+  <p:cSld>
+    <p:spTree>
+      <p:nvGrpSpPr>
+        <p:cNvPr id="1" name=""/>
+        <p:cNvGrpSpPr/>
+        <p:nvPr/>
+      </p:nvGrpSpPr>
+      <p:grpSpPr>
+        <a:xfrm>
+          <a:off x="0" y="0"/>
+          <a:ext cx="0" cy="0"/>
+          <a:chOff x="0" y="0"/>
+          <a:chExt cx="0" cy="0"/>
+        </a:xfrm>
+      </p:grpSpPr>
+      <p:sp>
+        <p:nvSpPr>
+          <p:cNvPr id="2" name="Title 1"/>
+          <p:cNvSpPr>
+            <a:spLocks noGrp="1"/>
+          </p:cNvSpPr>
+          <p:nvPr>
+            <p:ph type="title"/>
+          </p:nvPr>
+        </p:nvSpPr>
         <p:spPr/>
         <p:txBody>
           <a:bodyPr>
@@ -4136,7 +4268,7 @@
 </p:sld>
 </file>
 
-<file path=ppt/slides/slide15.xml><?xml version="1.0" encoding="utf-8"?>
+<file path=ppt/slides/slide16.xml><?xml version="1.0" encoding="utf-8"?>
 <p:sld xmlns:a="http://schemas.openxmlformats.org/drawingml/2006/main" xmlns:r="http://schemas.openxmlformats.org/officeDocument/2006/relationships" xmlns:p="http://schemas.openxmlformats.org/presentationml/2006/main">
   <p:cSld>
     <p:bg>
@@ -4239,7 +4371,7 @@
           <a:bodyPr anchor="ctr"/>
           <a:lstStyle/>
           <a:p>
-            <a:pPr marL="0" indent="0">
+            <a:pPr marL="0" indent="0" algn="ctr">
               <a:buNone/>
             </a:pPr>
             <a:r>
@@ -4248,16 +4380,15 @@
                   <a:schemeClr val="bg1"/>
                 </a:solidFill>
               </a:rPr>
-              <a:t>Заполните анкету качества: </a:t>
-            </a:r>
-            <a:r>
-              <a:rPr lang="en-US" dirty="0">
-                <a:solidFill>
-                  <a:schemeClr val="bg1"/>
-                </a:solidFill>
-                <a:hlinkClick r:id="rId2"/>
-              </a:rPr>
-              <a:t>belhard.nullptr.ru</a:t>
+              <a:t>Заполните анкету </a:t>
+            </a:r>
+            <a:r>
+              <a:rPr lang="ru-RU" dirty="0" smtClean="0">
+                <a:solidFill>
+                  <a:schemeClr val="bg1"/>
+                </a:solidFill>
+              </a:rPr>
+              <a:t>качества</a:t>
             </a:r>
             <a:endParaRPr lang="ru-RU" dirty="0"/>
           </a:p>
@@ -4784,18 +4915,55 @@
           <a:p>
             <a:r>
               <a:rPr lang="ru-RU" sz="2000" dirty="0"/>
-              <a:t>Читайте книги и блоги</a:t>
-            </a:r>
-            <a:r>
-              <a:rPr lang="en-US" sz="2000" dirty="0"/>
-              <a:t>;</a:t>
-            </a:r>
-            <a:endParaRPr lang="ru-RU" sz="2000" dirty="0"/>
-          </a:p>
-          <a:p>
+              <a:t>Читайте </a:t>
+            </a:r>
+            <a:r>
+              <a:rPr lang="ru-RU" sz="2000" dirty="0" smtClean="0"/>
+              <a:t>книги (</a:t>
+            </a:r>
+            <a:r>
+              <a:rPr lang="ru-RU" sz="1600" dirty="0"/>
+              <a:t>с</a:t>
+            </a:r>
+            <a:r>
+              <a:rPr lang="ru-RU" sz="1600" dirty="0" smtClean="0"/>
+              <a:t>мотрите презентацию </a:t>
+            </a:r>
+            <a:r>
+              <a:rPr lang="en-US" sz="1600" dirty="0" smtClean="0"/>
+              <a:t>books-to-read.pptx</a:t>
+            </a:r>
+            <a:r>
+              <a:rPr lang="ru-RU" sz="1600" dirty="0" smtClean="0"/>
+              <a:t>)</a:t>
+            </a:r>
+            <a:endParaRPr lang="en-US" sz="1600" dirty="0" smtClean="0"/>
+          </a:p>
+          <a:p>
+            <a:r>
+              <a:rPr lang="ru-RU" sz="2000" dirty="0" smtClean="0"/>
+              <a:t>Читайте </a:t>
+            </a:r>
+            <a:r>
+              <a:rPr lang="ru-RU" sz="2000" dirty="0" smtClean="0"/>
+              <a:t>блоги</a:t>
+            </a:r>
+            <a:endParaRPr lang="en-US" sz="2000" dirty="0" smtClean="0"/>
+          </a:p>
+          <a:p>
+            <a:r>
+              <a:rPr lang="ru-RU" sz="2000" dirty="0" smtClean="0"/>
+              <a:t>Подписывайтесь/читайте периодические издания</a:t>
+            </a:r>
+          </a:p>
+          <a:p>
+            <a:r>
+              <a:rPr lang="ru-RU" sz="2000" dirty="0" smtClean="0"/>
+              <a:t>Смотрите </a:t>
+            </a:r>
             <a:r>
               <a:rPr lang="ru-RU" sz="2000" dirty="0"/>
-              <a:t>Смотрите обучающие видео</a:t>
+              <a:t>обучающие видео</a:t>
             </a:r>
             <a:r>
               <a:rPr lang="en-US" sz="2000" dirty="0"/>
@@ -4908,87 +5076,100 @@
         </p:nvSpPr>
         <p:spPr/>
         <p:txBody>
-          <a:bodyPr>
-            <a:normAutofit fontScale="90000"/>
-          </a:bodyPr>
-          <a:lstStyle/>
-          <a:p>
-            <a:r>
-              <a:rPr lang="ru-RU" dirty="0"/>
-              <a:t>Проекты с открытым исходным кодом</a:t>
-            </a:r>
-          </a:p>
-        </p:txBody>
-      </p:sp>
-      <p:sp>
-        <p:nvSpPr>
-          <p:cNvPr id="3" name="Content Placeholder 2"/>
-          <p:cNvSpPr>
-            <a:spLocks noGrp="1"/>
-          </p:cNvSpPr>
-          <p:nvPr>
-            <p:ph idx="1"/>
-          </p:nvPr>
-        </p:nvSpPr>
-        <p:spPr/>
-        <p:txBody>
           <a:bodyPr/>
           <a:lstStyle/>
           <a:p>
             <a:r>
-              <a:rPr lang="ru-RU" dirty="0"/>
-              <a:t>Выбор проекта для участия</a:t>
-            </a:r>
-          </a:p>
-          <a:p>
-            <a:pPr lvl="1"/>
+              <a:rPr lang="ru-RU" dirty="0" smtClean="0"/>
+              <a:t>Периодические издания</a:t>
+            </a:r>
+            <a:endParaRPr lang="ru-RU" dirty="0"/>
+          </a:p>
+        </p:txBody>
+      </p:sp>
+      <p:sp>
+        <p:nvSpPr>
+          <p:cNvPr id="3" name="Content Placeholder 2"/>
+          <p:cNvSpPr>
+            <a:spLocks noGrp="1"/>
+          </p:cNvSpPr>
+          <p:nvPr>
+            <p:ph idx="1"/>
+          </p:nvPr>
+        </p:nvSpPr>
+        <p:spPr/>
+        <p:txBody>
+          <a:bodyPr/>
+          <a:lstStyle/>
+          <a:p>
+            <a:r>
+              <a:rPr lang="en-US" dirty="0"/>
+              <a:t>MSDN Magazine</a:t>
+            </a:r>
+            <a:br>
+              <a:rPr lang="en-US" dirty="0"/>
+            </a:br>
             <a:r>
               <a:rPr lang="en-US" dirty="0">
                 <a:hlinkClick r:id="rId2"/>
               </a:rPr>
-              <a:t>http://up-for-grabs.net</a:t>
-            </a:r>
-            <a:endParaRPr lang="ru-RU" dirty="0"/>
-          </a:p>
-          <a:p>
-            <a:r>
-              <a:rPr lang="ru-RU" dirty="0"/>
-              <a:t>Хостинг для своих проектов</a:t>
-            </a:r>
-          </a:p>
-          <a:p>
-            <a:pPr lvl="1"/>
+              <a:t>https://msdn.microsoft.com/magazine</a:t>
+            </a:r>
+            <a:r>
+              <a:rPr lang="en-US" dirty="0" smtClean="0">
+                <a:hlinkClick r:id="rId2"/>
+              </a:rPr>
+              <a:t>/</a:t>
+            </a:r>
+            <a:endParaRPr lang="ru-RU" dirty="0" smtClean="0"/>
+          </a:p>
+          <a:p>
+            <a:r>
+              <a:rPr lang="en-US" dirty="0"/>
+              <a:t>CODE Magazine</a:t>
+            </a:r>
+            <a:br>
+              <a:rPr lang="en-US" dirty="0"/>
+            </a:br>
             <a:r>
               <a:rPr lang="en-US" dirty="0">
                 <a:hlinkClick r:id="rId3"/>
               </a:rPr>
-              <a:t>http://codeplex.com/</a:t>
-            </a:r>
-            <a:endParaRPr lang="ru-RU" dirty="0"/>
-          </a:p>
-          <a:p>
-            <a:pPr lvl="1"/>
+              <a:t>https://</a:t>
+            </a:r>
+            <a:r>
+              <a:rPr lang="en-US" dirty="0" smtClean="0">
+                <a:hlinkClick r:id="rId3"/>
+              </a:rPr>
+              <a:t>www.codemag.com/Magazine</a:t>
+            </a:r>
+            <a:endParaRPr lang="en-US" dirty="0" smtClean="0"/>
+          </a:p>
+          <a:p>
+            <a:r>
+              <a:rPr lang="en-US" dirty="0" smtClean="0"/>
+              <a:t>Visual </a:t>
+            </a:r>
+            <a:r>
+              <a:rPr lang="en-US" dirty="0"/>
+              <a:t>Studio Magazine</a:t>
+            </a:r>
+            <a:br>
+              <a:rPr lang="en-US" dirty="0"/>
+            </a:br>
             <a:r>
               <a:rPr lang="en-US" dirty="0">
                 <a:hlinkClick r:id="rId4"/>
               </a:rPr>
-              <a:t>https://github.com</a:t>
-            </a:r>
-            <a:endParaRPr lang="ru-RU" dirty="0"/>
-          </a:p>
-          <a:p>
-            <a:pPr lvl="1"/>
-            <a:r>
-              <a:rPr lang="en-US" dirty="0">
-                <a:hlinkClick r:id="rId5"/>
-              </a:rPr>
-              <a:t>https://bitbucket.org</a:t>
-            </a:r>
-            <a:endParaRPr lang="ru-RU" dirty="0"/>
-          </a:p>
-          <a:p>
-            <a:pPr lvl="1"/>
-            <a:endParaRPr lang="ru-RU" dirty="0"/>
+              <a:t>https://</a:t>
+            </a:r>
+            <a:r>
+              <a:rPr lang="en-US" dirty="0" smtClean="0">
+                <a:hlinkClick r:id="rId4"/>
+              </a:rPr>
+              <a:t>visualstudiomagazine.com</a:t>
+            </a:r>
+            <a:endParaRPr lang="en-US" dirty="0" smtClean="0"/>
           </a:p>
           <a:p>
             <a:endParaRPr lang="ru-RU" dirty="0"/>
@@ -4998,7 +5179,7 @@
     </p:spTree>
     <p:extLst>
       <p:ext uri="{BB962C8B-B14F-4D97-AF65-F5344CB8AC3E}">
-        <p14:creationId xmlns:p14="http://schemas.microsoft.com/office/powerpoint/2010/main" val="3533287002"/>
+        <p14:creationId xmlns:p14="http://schemas.microsoft.com/office/powerpoint/2010/main" val="1248479625"/>
       </p:ext>
     </p:extLst>
   </p:cSld>
@@ -5037,93 +5218,89 @@
         </p:nvSpPr>
         <p:spPr/>
         <p:txBody>
+          <a:bodyPr>
+            <a:normAutofit fontScale="90000"/>
+          </a:bodyPr>
+          <a:lstStyle/>
+          <a:p>
+            <a:r>
+              <a:rPr lang="ru-RU" dirty="0"/>
+              <a:t>Проекты с открытым исходным кодом</a:t>
+            </a:r>
+          </a:p>
+        </p:txBody>
+      </p:sp>
+      <p:sp>
+        <p:nvSpPr>
+          <p:cNvPr id="3" name="Content Placeholder 2"/>
+          <p:cNvSpPr>
+            <a:spLocks noGrp="1"/>
+          </p:cNvSpPr>
+          <p:nvPr>
+            <p:ph idx="1"/>
+          </p:nvPr>
+        </p:nvSpPr>
+        <p:spPr/>
+        <p:txBody>
           <a:bodyPr/>
           <a:lstStyle/>
           <a:p>
             <a:r>
               <a:rPr lang="ru-RU" dirty="0"/>
-              <a:t>Предложения для разработчиков</a:t>
-            </a:r>
-          </a:p>
-        </p:txBody>
-      </p:sp>
-      <p:sp>
-        <p:nvSpPr>
-          <p:cNvPr id="3" name="Content Placeholder 2"/>
-          <p:cNvSpPr>
-            <a:spLocks noGrp="1"/>
-          </p:cNvSpPr>
-          <p:nvPr>
-            <p:ph idx="1"/>
-          </p:nvPr>
-        </p:nvSpPr>
-        <p:spPr/>
-        <p:txBody>
-          <a:bodyPr>
-            <a:normAutofit/>
-          </a:bodyPr>
-          <a:lstStyle/>
-          <a:p>
-            <a:r>
-              <a:rPr lang="en-US" dirty="0"/>
-              <a:t>Microsoft DevEssentials</a:t>
-            </a:r>
-            <a:br>
-              <a:rPr lang="en-US" dirty="0"/>
-            </a:br>
+              <a:t>Выбор проекта для участия</a:t>
+            </a:r>
+          </a:p>
+          <a:p>
+            <a:pPr lvl="1"/>
             <a:r>
               <a:rPr lang="en-US" dirty="0">
                 <a:hlinkClick r:id="rId2"/>
               </a:rPr>
-              <a:t>http://aka.ms/devessentials</a:t>
-            </a:r>
-            <a:endParaRPr lang="en-US" dirty="0"/>
-          </a:p>
-          <a:p>
-            <a:endParaRPr lang="en-US" dirty="0"/>
-          </a:p>
-          <a:p>
-            <a:r>
-              <a:rPr lang="en-US" dirty="0"/>
-              <a:t>Microsoft DreamSpark: </a:t>
-            </a:r>
+              <a:t>http://up-for-grabs.net</a:t>
+            </a:r>
+            <a:endParaRPr lang="ru-RU" dirty="0"/>
+          </a:p>
+          <a:p>
             <a:r>
               <a:rPr lang="ru-RU" dirty="0"/>
-              <a:t>инициатива </a:t>
-            </a:r>
-            <a:r>
-              <a:rPr lang="en-US" dirty="0"/>
-              <a:t>Microsoft </a:t>
-            </a:r>
-            <a:r>
-              <a:rPr lang="ru-RU" dirty="0"/>
-              <a:t>предоставляющая </a:t>
-            </a:r>
-            <a:r>
-              <a:rPr lang="ru-RU" dirty="0">
-                <a:solidFill>
-                  <a:srgbClr val="FFFF00"/>
-                </a:solidFill>
-              </a:rPr>
-              <a:t>студентам и учебным учреждениям</a:t>
-            </a:r>
-            <a:r>
-              <a:rPr lang="ru-RU" dirty="0"/>
-              <a:t> бесплатный доступ к программному обеспечению </a:t>
-            </a:r>
-            <a:r>
-              <a:rPr lang="en-US" dirty="0"/>
-              <a:t>Microsoft.</a:t>
-            </a:r>
-            <a:br>
-              <a:rPr lang="en-US" dirty="0"/>
-            </a:br>
+              <a:t>Хостинг для своих проектов</a:t>
+            </a:r>
+          </a:p>
+          <a:p>
+            <a:pPr lvl="1"/>
             <a:r>
               <a:rPr lang="en-US" dirty="0">
                 <a:hlinkClick r:id="rId3"/>
               </a:rPr>
-              <a:t>https://www.dreamspark.com/</a:t>
-            </a:r>
+              <a:t>http://codeplex.com/</a:t>
+            </a:r>
+            <a:endParaRPr lang="ru-RU" dirty="0"/>
+          </a:p>
+          <a:p>
+            <a:pPr lvl="1"/>
+            <a:r>
+              <a:rPr lang="en-US" dirty="0">
+                <a:hlinkClick r:id="rId4"/>
+              </a:rPr>
+              <a:t>https://github.com</a:t>
+            </a:r>
+            <a:endParaRPr lang="ru-RU" dirty="0"/>
+          </a:p>
+          <a:p>
+            <a:pPr lvl="1"/>
+            <a:r>
+              <a:rPr lang="en-US" dirty="0">
+                <a:hlinkClick r:id="rId5"/>
+              </a:rPr>
+              <a:t>https://bitbucket.org</a:t>
+            </a:r>
+            <a:endParaRPr lang="ru-RU" dirty="0"/>
+          </a:p>
+          <a:p>
+            <a:pPr lvl="1"/>
+            <a:endParaRPr lang="ru-RU" dirty="0"/>
+          </a:p>
+          <a:p>
             <a:endParaRPr lang="ru-RU" dirty="0"/>
           </a:p>
         </p:txBody>
@@ -5131,7 +5308,7 @@
     </p:spTree>
     <p:extLst>
       <p:ext uri="{BB962C8B-B14F-4D97-AF65-F5344CB8AC3E}">
-        <p14:creationId xmlns:p14="http://schemas.microsoft.com/office/powerpoint/2010/main" val="3241689327"/>
+        <p14:creationId xmlns:p14="http://schemas.microsoft.com/office/powerpoint/2010/main" val="3533287002"/>
       </p:ext>
     </p:extLst>
   </p:cSld>
@@ -5175,94 +5352,96 @@
           <a:p>
             <a:r>
               <a:rPr lang="ru-RU" dirty="0"/>
-              <a:t>Вопросы для самопроверки</a:t>
+              <a:t>Предложения для разработчиков</a:t>
+            </a:r>
+          </a:p>
+        </p:txBody>
+      </p:sp>
+      <p:sp>
+        <p:nvSpPr>
+          <p:cNvPr id="3" name="Content Placeholder 2"/>
+          <p:cNvSpPr>
+            <a:spLocks noGrp="1"/>
+          </p:cNvSpPr>
+          <p:nvPr>
+            <p:ph idx="1"/>
+          </p:nvPr>
+        </p:nvSpPr>
+        <p:spPr/>
+        <p:txBody>
+          <a:bodyPr>
+            <a:normAutofit/>
+          </a:bodyPr>
+          <a:lstStyle/>
+          <a:p>
+            <a:r>
+              <a:rPr lang="en-US" dirty="0"/>
+              <a:t>Microsoft DevEssentials</a:t>
+            </a:r>
+            <a:br>
+              <a:rPr lang="en-US" dirty="0"/>
+            </a:br>
+            <a:r>
+              <a:rPr lang="en-US" dirty="0">
+                <a:hlinkClick r:id="rId2"/>
+              </a:rPr>
+              <a:t>http://aka.ms/devessentials</a:t>
             </a:r>
             <a:endParaRPr lang="en-US" dirty="0"/>
           </a:p>
-        </p:txBody>
-      </p:sp>
-      <p:sp>
-        <p:nvSpPr>
-          <p:cNvPr id="3" name="Content Placeholder 2"/>
-          <p:cNvSpPr>
-            <a:spLocks noGrp="1"/>
-          </p:cNvSpPr>
-          <p:nvPr>
-            <p:ph idx="1"/>
-          </p:nvPr>
-        </p:nvSpPr>
-        <p:spPr/>
-        <p:txBody>
-          <a:bodyPr/>
-          <a:lstStyle/>
-          <a:p>
-            <a:pPr marL="0" indent="0">
-              <a:buNone/>
-            </a:pPr>
+          <a:p>
+            <a:endParaRPr lang="en-US" dirty="0"/>
+          </a:p>
+          <a:p>
+            <a:r>
+              <a:rPr lang="en-US" dirty="0"/>
+              <a:t>Microsoft DreamSpark: </a:t>
+            </a:r>
             <a:r>
               <a:rPr lang="ru-RU" dirty="0"/>
-              <a:t>В файле </a:t>
-            </a:r>
-            <a:r>
-              <a:rPr lang="en-US" i="1" dirty="0">
-                <a:solidFill>
-                  <a:srgbClr val="FFFF99"/>
-                </a:solidFill>
-              </a:rPr>
-              <a:t>self-check-questions.docx</a:t>
+              <a:t>инициатива </a:t>
+            </a:r>
+            <a:r>
+              <a:rPr lang="en-US" dirty="0"/>
+              <a:t>Microsoft </a:t>
             </a:r>
             <a:r>
               <a:rPr lang="ru-RU" dirty="0"/>
-              <a:t> вы найдете вопросы которые позволят проверить свой уровень знаний о платформе </a:t>
+              <a:t>предоставляющая </a:t>
+            </a:r>
+            <a:r>
+              <a:rPr lang="ru-RU" dirty="0">
+                <a:solidFill>
+                  <a:srgbClr val="FFFF00"/>
+                </a:solidFill>
+              </a:rPr>
+              <a:t>студентам и учебным учреждениям</a:t>
+            </a:r>
+            <a:r>
+              <a:rPr lang="ru-RU" dirty="0"/>
+              <a:t> бесплатный доступ к программному обеспечению </a:t>
             </a:r>
             <a:r>
               <a:rPr lang="en-US" dirty="0"/>
-              <a:t>.NET</a:t>
-            </a:r>
-            <a:r>
-              <a:rPr lang="ru-RU" dirty="0"/>
-              <a:t>.</a:t>
-            </a:r>
-          </a:p>
-          <a:p>
-            <a:pPr marL="0" indent="0">
-              <a:buNone/>
-            </a:pPr>
+              <a:t>Microsoft.</a:t>
+            </a:r>
+            <a:br>
+              <a:rPr lang="en-US" dirty="0"/>
+            </a:br>
+            <a:r>
+              <a:rPr lang="en-US" dirty="0">
+                <a:hlinkClick r:id="rId3"/>
+              </a:rPr>
+              <a:t>https://www.dreamspark.com/</a:t>
+            </a:r>
             <a:endParaRPr lang="ru-RU" dirty="0"/>
-          </a:p>
-          <a:p>
-            <a:pPr marL="0" indent="0">
-              <a:buNone/>
-            </a:pPr>
-            <a:r>
-              <a:rPr lang="ru-RU" dirty="0"/>
-              <a:t>Таблица в файле </a:t>
-            </a:r>
-            <a:r>
-              <a:rPr lang="en-US" i="1" dirty="0">
-                <a:solidFill>
-                  <a:srgbClr val="FFFF99"/>
-                </a:solidFill>
-              </a:rPr>
-              <a:t>Programmer Competency Matrix.docx</a:t>
-            </a:r>
-            <a:r>
-              <a:rPr lang="ru-RU" dirty="0"/>
-              <a:t> позволит оценить прогресс в различных областях необходимых каждому программисту.</a:t>
-            </a:r>
-          </a:p>
-          <a:p>
-            <a:pPr marL="0" indent="0">
-              <a:buNone/>
-            </a:pPr>
-            <a:endParaRPr lang="en-US" dirty="0"/>
           </a:p>
         </p:txBody>
       </p:sp>
     </p:spTree>
     <p:extLst>
       <p:ext uri="{BB962C8B-B14F-4D97-AF65-F5344CB8AC3E}">
-        <p14:creationId xmlns:p14="http://schemas.microsoft.com/office/powerpoint/2010/main" val="612142936"/>
+        <p14:creationId xmlns:p14="http://schemas.microsoft.com/office/powerpoint/2010/main" val="3241689327"/>
       </p:ext>
     </p:extLst>
   </p:cSld>
